--- a/details.pptx
+++ b/details.pptx
@@ -319,6 +319,11 @@
       </a:defRPr>
     </a:lvl9pPr>
   </p:defaultTextStyle>
+  <p:extLst>
+    <p:ext uri="{EFAFB233-063F-42B5-8137-9DF3F51BA10A}">
+      <p15:sldGuideLst xmlns:p15="http://schemas.microsoft.com/office/powerpoint/2012/main"/>
+    </p:ext>
+  </p:extLst>
 </p:presentation>
 </file>
 
@@ -2774,7 +2779,7 @@
           </a:ln>
           <a:extLst>
             <a:ext uri="{C572A759-6A51-4108-AA02-DFA0A04FC94B}">
-              <ma14:wrappingTextBoxFlag xmlns:ma14="http://schemas.microsoft.com/office/mac/drawingml/2011/main" xmlns:a14="http://schemas.microsoft.com/office/drawing/2010/main" xmlns:m="http://schemas.openxmlformats.org/officeDocument/2006/math" xmlns="" val="1"/>
+              <ma14:wrappingTextBoxFlag xmlns="" xmlns:m="http://schemas.openxmlformats.org/officeDocument/2006/math" xmlns:a14="http://schemas.microsoft.com/office/drawing/2010/main" xmlns:ma14="http://schemas.microsoft.com/office/mac/drawingml/2011/main" val="1"/>
             </a:ext>
           </a:extLst>
         </p:spPr>
@@ -2863,7 +2868,7 @@
           </a:ln>
           <a:extLst>
             <a:ext uri="{C572A759-6A51-4108-AA02-DFA0A04FC94B}">
-              <ma14:wrappingTextBoxFlag xmlns:ma14="http://schemas.microsoft.com/office/mac/drawingml/2011/main" xmlns:a14="http://schemas.microsoft.com/office/drawing/2010/main" xmlns:m="http://schemas.openxmlformats.org/officeDocument/2006/math" xmlns="" val="1"/>
+              <ma14:wrappingTextBoxFlag xmlns="" xmlns:m="http://schemas.openxmlformats.org/officeDocument/2006/math" xmlns:a14="http://schemas.microsoft.com/office/drawing/2010/main" xmlns:ma14="http://schemas.microsoft.com/office/mac/drawingml/2011/main" val="1"/>
             </a:ext>
           </a:extLst>
         </p:spPr>
@@ -3913,7 +3918,7 @@
           </a:ln>
           <a:extLst>
             <a:ext uri="{C572A759-6A51-4108-AA02-DFA0A04FC94B}">
-              <ma14:wrappingTextBoxFlag xmlns:ma14="http://schemas.microsoft.com/office/mac/drawingml/2011/main" xmlns:a14="http://schemas.microsoft.com/office/drawing/2010/main" xmlns:m="http://schemas.openxmlformats.org/officeDocument/2006/math" xmlns="" val="1"/>
+              <ma14:wrappingTextBoxFlag xmlns="" xmlns:m="http://schemas.openxmlformats.org/officeDocument/2006/math" xmlns:a14="http://schemas.microsoft.com/office/drawing/2010/main" xmlns:ma14="http://schemas.microsoft.com/office/mac/drawingml/2011/main" val="1"/>
             </a:ext>
           </a:extLst>
         </p:spPr>
@@ -4266,8 +4271,8 @@
           </a:p>
         </p:txBody>
       </p:sp>
-      <mc:AlternateContent xmlns:mc="http://schemas.openxmlformats.org/markup-compatibility/2006">
-        <mc:Choice xmlns:a14="http://schemas.microsoft.com/office/drawing/2010/main" Requires="a14">
+      <mc:AlternateContent xmlns:mc="http://schemas.openxmlformats.org/markup-compatibility/2006" xmlns:a14="http://schemas.microsoft.com/office/drawing/2010/main">
+        <mc:Choice Requires="a14">
           <p:sp>
             <p:nvSpPr>
               <p:cNvPr id="141" name="Equation"/>
@@ -4369,7 +4374,7 @@
             </p:txBody>
           </p:sp>
         </mc:Choice>
-        <mc:Fallback>
+        <mc:Fallback xmlns="">
           <p:sp>
             <p:nvSpPr>
               <p:cNvPr id="141" name="Equation"/>
@@ -4486,7 +4491,7 @@
           </a:ln>
           <a:extLst>
             <a:ext uri="{C572A759-6A51-4108-AA02-DFA0A04FC94B}">
-              <ma14:wrappingTextBoxFlag xmlns:ma14="http://schemas.microsoft.com/office/mac/drawingml/2011/main" xmlns:a14="http://schemas.microsoft.com/office/drawing/2010/main" xmlns:m="http://schemas.openxmlformats.org/officeDocument/2006/math" xmlns="" val="1"/>
+              <ma14:wrappingTextBoxFlag xmlns="" xmlns:m="http://schemas.openxmlformats.org/officeDocument/2006/math" xmlns:a14="http://schemas.microsoft.com/office/drawing/2010/main" xmlns:ma14="http://schemas.microsoft.com/office/mac/drawingml/2011/main" val="1"/>
             </a:ext>
           </a:extLst>
         </p:spPr>
@@ -4773,13 +4778,27 @@
       </p:grpSpPr>
       <p:graphicFrame>
         <p:nvGraphicFramePr>
-          <p:cNvPr id="155" name="Table"/>
-          <p:cNvGraphicFramePr/>
-          <p:nvPr/>
+          <p:cNvPr id="2" name="Table 1">
+            <a:extLst>
+              <a:ext uri="{FF2B5EF4-FFF2-40B4-BE49-F238E27FC236}">
+                <a16:creationId xmlns:a16="http://schemas.microsoft.com/office/drawing/2014/main" id="{0E9778E8-0D7C-D740-BB36-3FC11E5BF661}"/>
+              </a:ext>
+            </a:extLst>
+          </p:cNvPr>
+          <p:cNvGraphicFramePr>
+            <a:graphicFrameLocks noGrp="1"/>
+          </p:cNvGraphicFramePr>
+          <p:nvPr>
+            <p:extLst>
+              <p:ext uri="{D42A27DB-BD31-4B8C-83A1-F6EECF244321}">
+                <p14:modId xmlns:p14="http://schemas.microsoft.com/office/powerpoint/2010/main" val="1001485570"/>
+              </p:ext>
+            </p:extLst>
+          </p:nvPr>
         </p:nvGraphicFramePr>
         <p:xfrm>
-          <a:off x="1553310" y="524588"/>
-          <a:ext cx="9898180" cy="8690436"/>
+          <a:off x="956733" y="548759"/>
+          <a:ext cx="11091333" cy="8656082"/>
         </p:xfrm>
         <a:graphic>
           <a:graphicData uri="http://schemas.openxmlformats.org/drawingml/2006/table">
@@ -4788,5479 +4807,3998 @@
                 <a:tableStyleId>{33BA23B1-9221-436E-865A-0063620EA4FD}</a:tableStyleId>
               </a:tblPr>
               <a:tblGrid>
-                <a:gridCol w="1979636">
+                <a:gridCol w="1782427">
                   <a:extLst>
                     <a:ext uri="{9D8B030D-6E8A-4147-A177-3AD203B41FA5}">
-                      <a16:colId xmlns:a16="http://schemas.microsoft.com/office/drawing/2014/main" val="20000"/>
+                      <a16:colId xmlns:a16="http://schemas.microsoft.com/office/drawing/2014/main" val="136771158"/>
                     </a:ext>
                   </a:extLst>
                 </a:gridCol>
-                <a:gridCol w="1979636">
+                <a:gridCol w="1709176">
                   <a:extLst>
                     <a:ext uri="{9D8B030D-6E8A-4147-A177-3AD203B41FA5}">
-                      <a16:colId xmlns:a16="http://schemas.microsoft.com/office/drawing/2014/main" val="20001"/>
+                      <a16:colId xmlns:a16="http://schemas.microsoft.com/office/drawing/2014/main" val="2504046197"/>
                     </a:ext>
                   </a:extLst>
                 </a:gridCol>
-                <a:gridCol w="1979636">
+                <a:gridCol w="1684760">
                   <a:extLst>
                     <a:ext uri="{9D8B030D-6E8A-4147-A177-3AD203B41FA5}">
-                      <a16:colId xmlns:a16="http://schemas.microsoft.com/office/drawing/2014/main" val="20002"/>
+                      <a16:colId xmlns:a16="http://schemas.microsoft.com/office/drawing/2014/main" val="1734250231"/>
                     </a:ext>
                   </a:extLst>
                 </a:gridCol>
-                <a:gridCol w="1979636">
+                <a:gridCol w="2783515">
                   <a:extLst>
                     <a:ext uri="{9D8B030D-6E8A-4147-A177-3AD203B41FA5}">
-                      <a16:colId xmlns:a16="http://schemas.microsoft.com/office/drawing/2014/main" val="20003"/>
+                      <a16:colId xmlns:a16="http://schemas.microsoft.com/office/drawing/2014/main" val="4289156420"/>
                     </a:ext>
                   </a:extLst>
                 </a:gridCol>
-                <a:gridCol w="1979636">
+                <a:gridCol w="3131455">
                   <a:extLst>
                     <a:ext uri="{9D8B030D-6E8A-4147-A177-3AD203B41FA5}">
-                      <a16:colId xmlns:a16="http://schemas.microsoft.com/office/drawing/2014/main" val="20004"/>
+                      <a16:colId xmlns:a16="http://schemas.microsoft.com/office/drawing/2014/main" val="1209932092"/>
                     </a:ext>
                   </a:extLst>
                 </a:gridCol>
               </a:tblGrid>
-              <a:tr h="463252">
-                <a:tc>
-                  <a:txBody>
-                    <a:bodyPr/>
-                    <a:lstStyle/>
-                    <a:p>
-                      <a:pPr defTabSz="457200">
-                        <a:defRPr>
-                          <a:solidFill>
-                            <a:srgbClr val="000000"/>
-                          </a:solidFill>
-                        </a:defRPr>
-                      </a:pPr>
-                      <a:r>
-                        <a:rPr sz="1600" b="1" spc="64">
-                          <a:solidFill>
-                            <a:srgbClr val="606060"/>
-                          </a:solidFill>
-                          <a:latin typeface="Arial"/>
-                          <a:ea typeface="Arial"/>
-                          <a:cs typeface="Arial"/>
-                          <a:sym typeface="Arial"/>
+              <a:tr h="372534">
+                <a:tc>
+                  <a:txBody>
+                    <a:bodyPr/>
+                    <a:lstStyle/>
+                    <a:p>
+                      <a:pPr algn="ctr" fontAlgn="b"/>
+                      <a:r>
+                        <a:rPr lang="en-US" sz="2000" b="1" u="none" strike="noStrike" dirty="0">
+                          <a:effectLst/>
+                          <a:latin typeface="Arial" panose="020B0604020202020204" pitchFamily="34" charset="0"/>
+                          <a:cs typeface="Arial" panose="020B0604020202020204" pitchFamily="34" charset="0"/>
                         </a:rPr>
                         <a:t>task</a:t>
                       </a:r>
-                    </a:p>
-                  </a:txBody>
-                  <a:tcPr marL="63500" marR="63500" marT="0" marB="0" anchor="ctr" horzOverflow="overflow">
-                    <a:lnL w="12700">
-                      <a:solidFill>
-                        <a:srgbClr val="CBCBCB"/>
-                      </a:solidFill>
-                      <a:miter lim="400000"/>
-                    </a:lnL>
-                    <a:lnR w="12700">
-                      <a:solidFill>
-                        <a:srgbClr val="CBCBCB"/>
-                      </a:solidFill>
-                      <a:miter lim="400000"/>
-                    </a:lnR>
-                    <a:lnT w="12700">
-                      <a:solidFill>
-                        <a:srgbClr val="CBCBCB"/>
-                      </a:solidFill>
-                      <a:miter lim="400000"/>
-                    </a:lnT>
-                    <a:lnB w="12700">
-                      <a:solidFill>
-                        <a:srgbClr val="CBCBCB"/>
-                      </a:solidFill>
-                      <a:miter lim="400000"/>
-                    </a:lnB>
-                  </a:tcPr>
-                </a:tc>
-                <a:tc>
-                  <a:txBody>
-                    <a:bodyPr/>
-                    <a:lstStyle/>
-                    <a:p>
-                      <a:pPr defTabSz="457200">
-                        <a:defRPr>
-                          <a:solidFill>
-                            <a:srgbClr val="000000"/>
-                          </a:solidFill>
-                        </a:defRPr>
-                      </a:pPr>
-                      <a:r>
-                        <a:rPr sz="1600" b="1" spc="64">
-                          <a:solidFill>
-                            <a:srgbClr val="606060"/>
-                          </a:solidFill>
-                          <a:latin typeface="Arial"/>
-                          <a:ea typeface="Arial"/>
-                          <a:cs typeface="Arial"/>
-                          <a:sym typeface="Arial"/>
+                      <a:endParaRPr lang="en-US" sz="2000" b="1" i="0" u="none" strike="noStrike" dirty="0">
+                        <a:solidFill>
+                          <a:srgbClr val="000000"/>
+                        </a:solidFill>
+                        <a:effectLst/>
+                        <a:latin typeface="Arial" panose="020B0604020202020204" pitchFamily="34" charset="0"/>
+                        <a:cs typeface="Arial" panose="020B0604020202020204" pitchFamily="34" charset="0"/>
+                      </a:endParaRPr>
+                    </a:p>
+                  </a:txBody>
+                  <a:tcPr marL="9525" marR="9525" marT="9525" marB="0" anchor="ctr"/>
+                </a:tc>
+                <a:tc>
+                  <a:txBody>
+                    <a:bodyPr/>
+                    <a:lstStyle/>
+                    <a:p>
+                      <a:pPr algn="ctr" fontAlgn="b"/>
+                      <a:r>
+                        <a:rPr lang="en-US" sz="2000" b="1" u="none" strike="noStrike" dirty="0">
+                          <a:effectLst/>
+                          <a:latin typeface="Arial" panose="020B0604020202020204" pitchFamily="34" charset="0"/>
+                          <a:cs typeface="Arial" panose="020B0604020202020204" pitchFamily="34" charset="0"/>
                         </a:rPr>
                         <a:t>server</a:t>
                       </a:r>
-                    </a:p>
-                  </a:txBody>
-                  <a:tcPr marL="63500" marR="63500" marT="0" marB="0" anchor="ctr" horzOverflow="overflow">
-                    <a:lnL w="12700">
-                      <a:solidFill>
-                        <a:srgbClr val="CBCBCB"/>
-                      </a:solidFill>
-                      <a:miter lim="400000"/>
-                    </a:lnL>
-                    <a:lnR w="12700">
-                      <a:solidFill>
-                        <a:srgbClr val="CBCBCB"/>
-                      </a:solidFill>
-                      <a:miter lim="400000"/>
-                    </a:lnR>
-                    <a:lnT w="12700">
-                      <a:solidFill>
-                        <a:srgbClr val="CBCBCB"/>
-                      </a:solidFill>
-                      <a:miter lim="400000"/>
-                    </a:lnT>
-                    <a:lnB w="12700">
-                      <a:solidFill>
-                        <a:srgbClr val="CBCBCB"/>
-                      </a:solidFill>
-                      <a:miter lim="400000"/>
-                    </a:lnB>
-                  </a:tcPr>
-                </a:tc>
-                <a:tc>
-                  <a:txBody>
-                    <a:bodyPr/>
-                    <a:lstStyle/>
-                    <a:p>
-                      <a:pPr defTabSz="457200">
-                        <a:defRPr>
-                          <a:solidFill>
-                            <a:srgbClr val="000000"/>
-                          </a:solidFill>
-                        </a:defRPr>
-                      </a:pPr>
-                      <a:r>
-                        <a:rPr sz="1600" b="1" spc="64">
-                          <a:solidFill>
-                            <a:srgbClr val="606060"/>
-                          </a:solidFill>
-                          <a:latin typeface="Arial"/>
-                          <a:ea typeface="Arial"/>
-                          <a:cs typeface="Arial"/>
-                          <a:sym typeface="Arial"/>
+                      <a:endParaRPr lang="en-US" sz="2000" b="1" i="0" u="none" strike="noStrike" dirty="0">
+                        <a:solidFill>
+                          <a:srgbClr val="000000"/>
+                        </a:solidFill>
+                        <a:effectLst/>
+                        <a:latin typeface="Arial" panose="020B0604020202020204" pitchFamily="34" charset="0"/>
+                        <a:cs typeface="Arial" panose="020B0604020202020204" pitchFamily="34" charset="0"/>
+                      </a:endParaRPr>
+                    </a:p>
+                  </a:txBody>
+                  <a:tcPr marL="9525" marR="9525" marT="9525" marB="0" anchor="ctr"/>
+                </a:tc>
+                <a:tc>
+                  <a:txBody>
+                    <a:bodyPr/>
+                    <a:lstStyle/>
+                    <a:p>
+                      <a:pPr algn="ctr" fontAlgn="b"/>
+                      <a:r>
+                        <a:rPr lang="en-US" sz="2000" b="1" u="none" strike="noStrike" dirty="0">
+                          <a:effectLst/>
+                          <a:latin typeface="Arial" panose="020B0604020202020204" pitchFamily="34" charset="0"/>
+                          <a:cs typeface="Arial" panose="020B0604020202020204" pitchFamily="34" charset="0"/>
                         </a:rPr>
                         <a:t>solution</a:t>
                       </a:r>
-                    </a:p>
-                  </a:txBody>
-                  <a:tcPr marL="63500" marR="63500" marT="0" marB="0" anchor="ctr" horzOverflow="overflow">
-                    <a:lnL w="12700">
-                      <a:solidFill>
-                        <a:srgbClr val="CBCBCB"/>
-                      </a:solidFill>
-                      <a:miter lim="400000"/>
-                    </a:lnL>
-                    <a:lnR w="12700">
-                      <a:solidFill>
-                        <a:srgbClr val="CBCBCB"/>
-                      </a:solidFill>
-                      <a:miter lim="400000"/>
-                    </a:lnR>
-                    <a:lnT w="12700">
-                      <a:solidFill>
-                        <a:srgbClr val="CBCBCB"/>
-                      </a:solidFill>
-                      <a:miter lim="400000"/>
-                    </a:lnT>
-                    <a:lnB w="12700">
-                      <a:solidFill>
-                        <a:srgbClr val="CBCBCB"/>
-                      </a:solidFill>
-                      <a:miter lim="400000"/>
-                    </a:lnB>
-                  </a:tcPr>
-                </a:tc>
-                <a:tc>
-                  <a:txBody>
-                    <a:bodyPr/>
-                    <a:lstStyle/>
-                    <a:p>
-                      <a:pPr defTabSz="457200">
-                        <a:defRPr>
-                          <a:solidFill>
-                            <a:srgbClr val="000000"/>
-                          </a:solidFill>
-                        </a:defRPr>
-                      </a:pPr>
-                      <a:r>
-                        <a:rPr sz="1600" b="1" spc="64">
-                          <a:solidFill>
-                            <a:srgbClr val="606060"/>
-                          </a:solidFill>
-                          <a:latin typeface="Arial"/>
-                          <a:ea typeface="Arial"/>
-                          <a:cs typeface="Arial"/>
-                          <a:sym typeface="Arial"/>
+                      <a:endParaRPr lang="en-US" sz="2000" b="1" i="0" u="none" strike="noStrike" dirty="0">
+                        <a:solidFill>
+                          <a:srgbClr val="000000"/>
+                        </a:solidFill>
+                        <a:effectLst/>
+                        <a:latin typeface="Arial" panose="020B0604020202020204" pitchFamily="34" charset="0"/>
+                        <a:cs typeface="Arial" panose="020B0604020202020204" pitchFamily="34" charset="0"/>
+                      </a:endParaRPr>
+                    </a:p>
+                  </a:txBody>
+                  <a:tcPr marL="9525" marR="9525" marT="9525" marB="0" anchor="ctr"/>
+                </a:tc>
+                <a:tc>
+                  <a:txBody>
+                    <a:bodyPr/>
+                    <a:lstStyle/>
+                    <a:p>
+                      <a:pPr algn="ctr" fontAlgn="b"/>
+                      <a:r>
+                        <a:rPr lang="en-US" sz="2000" b="1" u="none" strike="noStrike" dirty="0">
+                          <a:effectLst/>
+                          <a:latin typeface="Arial" panose="020B0604020202020204" pitchFamily="34" charset="0"/>
+                          <a:cs typeface="Arial" panose="020B0604020202020204" pitchFamily="34" charset="0"/>
                         </a:rPr>
                         <a:t>convergent generation</a:t>
                       </a:r>
-                    </a:p>
-                  </a:txBody>
-                  <a:tcPr marL="63500" marR="63500" marT="0" marB="0" anchor="ctr" horzOverflow="overflow">
-                    <a:lnL w="12700">
-                      <a:solidFill>
-                        <a:srgbClr val="CBCBCB"/>
-                      </a:solidFill>
-                      <a:miter lim="400000"/>
-                    </a:lnL>
-                    <a:lnR w="12700">
-                      <a:solidFill>
-                        <a:srgbClr val="CBCBCB"/>
-                      </a:solidFill>
-                      <a:miter lim="400000"/>
-                    </a:lnR>
-                    <a:lnT w="12700">
-                      <a:solidFill>
-                        <a:srgbClr val="CBCBCB"/>
-                      </a:solidFill>
-                      <a:miter lim="400000"/>
-                    </a:lnT>
-                    <a:lnB w="12700">
-                      <a:solidFill>
-                        <a:srgbClr val="CBCBCB"/>
-                      </a:solidFill>
-                      <a:miter lim="400000"/>
-                    </a:lnB>
-                  </a:tcPr>
-                </a:tc>
-                <a:tc>
-                  <a:txBody>
-                    <a:bodyPr/>
-                    <a:lstStyle/>
-                    <a:p>
-                      <a:pPr defTabSz="457200">
-                        <a:defRPr>
-                          <a:solidFill>
-                            <a:srgbClr val="000000"/>
-                          </a:solidFill>
-                        </a:defRPr>
-                      </a:pPr>
-                      <a:r>
-                        <a:rPr sz="1600" b="1" spc="64">
-                          <a:solidFill>
-                            <a:srgbClr val="606060"/>
-                          </a:solidFill>
-                          <a:latin typeface="Arial"/>
-                          <a:ea typeface="Arial"/>
-                          <a:cs typeface="Arial"/>
-                          <a:sym typeface="Arial"/>
+                      <a:endParaRPr lang="en-US" sz="2000" b="1" i="0" u="none" strike="noStrike" dirty="0">
+                        <a:solidFill>
+                          <a:srgbClr val="000000"/>
+                        </a:solidFill>
+                        <a:effectLst/>
+                        <a:latin typeface="Arial" panose="020B0604020202020204" pitchFamily="34" charset="0"/>
+                        <a:cs typeface="Arial" panose="020B0604020202020204" pitchFamily="34" charset="0"/>
+                      </a:endParaRPr>
+                    </a:p>
+                  </a:txBody>
+                  <a:tcPr marL="9525" marR="9525" marT="9525" marB="0" anchor="ctr"/>
+                </a:tc>
+                <a:tc>
+                  <a:txBody>
+                    <a:bodyPr/>
+                    <a:lstStyle/>
+                    <a:p>
+                      <a:pPr algn="ctr" fontAlgn="b"/>
+                      <a:r>
+                        <a:rPr lang="en-US" sz="2000" b="1" u="none" strike="noStrike" dirty="0">
+                          <a:effectLst/>
+                          <a:latin typeface="Arial" panose="020B0604020202020204" pitchFamily="34" charset="0"/>
+                          <a:cs typeface="Arial" panose="020B0604020202020204" pitchFamily="34" charset="0"/>
                         </a:rPr>
                         <a:t>average solution fitness</a:t>
                       </a:r>
-                    </a:p>
-                  </a:txBody>
-                  <a:tcPr marL="63500" marR="63500" marT="0" marB="0" anchor="ctr" horzOverflow="overflow">
-                    <a:lnL w="12700">
-                      <a:solidFill>
-                        <a:srgbClr val="CBCBCB"/>
-                      </a:solidFill>
-                      <a:miter lim="400000"/>
-                    </a:lnL>
-                    <a:lnR w="12700">
-                      <a:solidFill>
-                        <a:srgbClr val="CBCBCB"/>
-                      </a:solidFill>
-                      <a:miter lim="400000"/>
-                    </a:lnR>
-                    <a:lnT w="12700">
-                      <a:solidFill>
-                        <a:srgbClr val="CBCBCB"/>
-                      </a:solidFill>
-                      <a:miter lim="400000"/>
-                    </a:lnT>
-                    <a:lnB w="12700">
-                      <a:solidFill>
-                        <a:srgbClr val="CBCBCB"/>
-                      </a:solidFill>
-                      <a:miter lim="400000"/>
-                    </a:lnB>
-                  </a:tcPr>
+                      <a:endParaRPr lang="en-US" sz="2000" b="1" i="0" u="none" strike="noStrike" dirty="0">
+                        <a:solidFill>
+                          <a:srgbClr val="000000"/>
+                        </a:solidFill>
+                        <a:effectLst/>
+                        <a:latin typeface="Arial" panose="020B0604020202020204" pitchFamily="34" charset="0"/>
+                        <a:cs typeface="Arial" panose="020B0604020202020204" pitchFamily="34" charset="0"/>
+                      </a:endParaRPr>
+                    </a:p>
+                  </a:txBody>
+                  <a:tcPr marL="9525" marR="9525" marT="9525" marB="0" anchor="ctr"/>
                 </a:tc>
                 <a:extLst>
                   <a:ext uri="{0D108BD9-81ED-4DB2-BD59-A6C34878D82A}">
-                    <a16:rowId xmlns:a16="http://schemas.microsoft.com/office/drawing/2014/main" val="10000"/>
+                    <a16:rowId xmlns:a16="http://schemas.microsoft.com/office/drawing/2014/main" val="838665781"/>
                   </a:ext>
                 </a:extLst>
               </a:tr>
-              <a:tr h="431724">
-                <a:tc>
-                  <a:txBody>
-                    <a:bodyPr/>
-                    <a:lstStyle/>
-                    <a:p>
-                      <a:pPr defTabSz="457200">
-                        <a:defRPr>
-                          <a:solidFill>
-                            <a:srgbClr val="000000"/>
-                          </a:solidFill>
-                        </a:defRPr>
-                      </a:pPr>
-                      <a:r>
-                        <a:rPr sz="1500" spc="59">
-                          <a:solidFill>
-                            <a:srgbClr val="606060"/>
-                          </a:solidFill>
-                          <a:latin typeface="Helvetica"/>
-                          <a:ea typeface="Helvetica"/>
-                          <a:cs typeface="Helvetica"/>
-                          <a:sym typeface="Helvetica"/>
+              <a:tr h="318598">
+                <a:tc>
+                  <a:txBody>
+                    <a:bodyPr/>
+                    <a:lstStyle/>
+                    <a:p>
+                      <a:pPr algn="ctr" fontAlgn="b"/>
+                      <a:r>
+                        <a:rPr lang="en-US" sz="1800" b="0" i="0" u="none" strike="noStrike" dirty="0">
+                          <a:effectLst/>
+                          <a:latin typeface="Arial Unicode MS" panose="020B0604020202020204" pitchFamily="34" charset="-128"/>
+                          <a:ea typeface="Arial Unicode MS" panose="020B0604020202020204" pitchFamily="34" charset="-128"/>
+                          <a:cs typeface="Arial Unicode MS" panose="020B0604020202020204" pitchFamily="34" charset="-128"/>
                         </a:rPr>
                         <a:t>20</a:t>
                       </a:r>
-                    </a:p>
-                  </a:txBody>
-                  <a:tcPr marL="63500" marR="63500" marT="0" marB="0" anchor="ctr" horzOverflow="overflow">
-                    <a:lnL w="12700">
-                      <a:solidFill>
-                        <a:srgbClr val="CBCBCB"/>
-                      </a:solidFill>
-                      <a:miter lim="400000"/>
-                    </a:lnL>
-                    <a:lnR w="12700">
-                      <a:solidFill>
-                        <a:srgbClr val="CBCBCB"/>
-                      </a:solidFill>
-                      <a:miter lim="400000"/>
-                    </a:lnR>
-                    <a:lnT w="12700">
-                      <a:solidFill>
-                        <a:srgbClr val="CBCBCB"/>
-                      </a:solidFill>
-                      <a:miter lim="400000"/>
-                    </a:lnT>
-                    <a:lnB w="12700">
-                      <a:solidFill>
-                        <a:srgbClr val="CBCBCB"/>
-                      </a:solidFill>
-                      <a:miter lim="400000"/>
-                    </a:lnB>
-                  </a:tcPr>
-                </a:tc>
-                <a:tc>
-                  <a:txBody>
-                    <a:bodyPr/>
-                    <a:lstStyle/>
-                    <a:p>
-                      <a:pPr defTabSz="457200">
-                        <a:defRPr>
-                          <a:solidFill>
-                            <a:srgbClr val="000000"/>
-                          </a:solidFill>
-                        </a:defRPr>
-                      </a:pPr>
-                      <a:r>
-                        <a:rPr sz="1500" spc="59">
-                          <a:solidFill>
-                            <a:srgbClr val="606060"/>
-                          </a:solidFill>
-                          <a:latin typeface="Helvetica"/>
-                          <a:ea typeface="Helvetica"/>
-                          <a:cs typeface="Helvetica"/>
-                          <a:sym typeface="Helvetica"/>
+                      <a:endParaRPr lang="en-US" sz="1800" b="0" i="0" u="none" strike="noStrike" dirty="0">
+                        <a:solidFill>
+                          <a:srgbClr val="000000"/>
+                        </a:solidFill>
+                        <a:effectLst/>
+                        <a:latin typeface="Arial Unicode MS" panose="020B0604020202020204" pitchFamily="34" charset="-128"/>
+                        <a:ea typeface="Arial Unicode MS" panose="020B0604020202020204" pitchFamily="34" charset="-128"/>
+                        <a:cs typeface="Arial Unicode MS" panose="020B0604020202020204" pitchFamily="34" charset="-128"/>
+                      </a:endParaRPr>
+                    </a:p>
+                  </a:txBody>
+                  <a:tcPr marL="9525" marR="9525" marT="9525" marB="0" anchor="ctr"/>
+                </a:tc>
+                <a:tc>
+                  <a:txBody>
+                    <a:bodyPr/>
+                    <a:lstStyle/>
+                    <a:p>
+                      <a:pPr algn="ctr" fontAlgn="b"/>
+                      <a:r>
+                        <a:rPr lang="en-US" sz="1800" b="0" i="0" u="none" strike="noStrike">
+                          <a:effectLst/>
+                          <a:latin typeface="Arial Unicode MS" panose="020B0604020202020204" pitchFamily="34" charset="-128"/>
+                          <a:ea typeface="Arial Unicode MS" panose="020B0604020202020204" pitchFamily="34" charset="-128"/>
+                          <a:cs typeface="Arial Unicode MS" panose="020B0604020202020204" pitchFamily="34" charset="-128"/>
                         </a:rPr>
                         <a:t>10</a:t>
                       </a:r>
-                    </a:p>
-                  </a:txBody>
-                  <a:tcPr marL="63500" marR="63500" marT="0" marB="0" anchor="ctr" horzOverflow="overflow">
-                    <a:lnL w="12700">
-                      <a:solidFill>
-                        <a:srgbClr val="CBCBCB"/>
-                      </a:solidFill>
-                      <a:miter lim="400000"/>
-                    </a:lnL>
-                    <a:lnR w="12700">
-                      <a:solidFill>
-                        <a:srgbClr val="CBCBCB"/>
-                      </a:solidFill>
-                      <a:miter lim="400000"/>
-                    </a:lnR>
-                    <a:lnT w="12700">
-                      <a:solidFill>
-                        <a:srgbClr val="CBCBCB"/>
-                      </a:solidFill>
-                      <a:miter lim="400000"/>
-                    </a:lnT>
-                    <a:lnB w="12700">
-                      <a:solidFill>
-                        <a:srgbClr val="CBCBCB"/>
-                      </a:solidFill>
-                      <a:miter lim="400000"/>
-                    </a:lnB>
-                  </a:tcPr>
-                </a:tc>
-                <a:tc>
-                  <a:txBody>
-                    <a:bodyPr/>
-                    <a:lstStyle/>
-                    <a:p>
-                      <a:pPr defTabSz="457200">
-                        <a:defRPr>
-                          <a:solidFill>
-                            <a:srgbClr val="000000"/>
-                          </a:solidFill>
-                        </a:defRPr>
-                      </a:pPr>
-                      <a:r>
-                        <a:rPr sz="1500" spc="59">
-                          <a:solidFill>
-                            <a:srgbClr val="606060"/>
-                          </a:solidFill>
-                          <a:latin typeface="Helvetica"/>
-                          <a:ea typeface="Helvetica"/>
-                          <a:cs typeface="Helvetica"/>
-                          <a:sym typeface="Helvetica"/>
+                      <a:endParaRPr lang="en-US" sz="1800" b="0" i="0" u="none" strike="noStrike">
+                        <a:solidFill>
+                          <a:srgbClr val="000000"/>
+                        </a:solidFill>
+                        <a:effectLst/>
+                        <a:latin typeface="Arial Unicode MS" panose="020B0604020202020204" pitchFamily="34" charset="-128"/>
+                        <a:ea typeface="Arial Unicode MS" panose="020B0604020202020204" pitchFamily="34" charset="-128"/>
+                        <a:cs typeface="Arial Unicode MS" panose="020B0604020202020204" pitchFamily="34" charset="-128"/>
+                      </a:endParaRPr>
+                    </a:p>
+                  </a:txBody>
+                  <a:tcPr marL="9525" marR="9525" marT="9525" marB="0" anchor="ctr"/>
+                </a:tc>
+                <a:tc>
+                  <a:txBody>
+                    <a:bodyPr/>
+                    <a:lstStyle/>
+                    <a:p>
+                      <a:pPr algn="ctr" fontAlgn="b"/>
+                      <a:r>
+                        <a:rPr lang="en-US" sz="1800" b="0" i="0" u="none" strike="noStrike">
+                          <a:effectLst/>
+                          <a:latin typeface="Arial Unicode MS" panose="020B0604020202020204" pitchFamily="34" charset="-128"/>
+                          <a:ea typeface="Arial Unicode MS" panose="020B0604020202020204" pitchFamily="34" charset="-128"/>
+                          <a:cs typeface="Arial Unicode MS" panose="020B0604020202020204" pitchFamily="34" charset="-128"/>
                         </a:rPr>
                         <a:t>300</a:t>
                       </a:r>
-                    </a:p>
-                  </a:txBody>
-                  <a:tcPr marL="63500" marR="63500" marT="0" marB="0" anchor="ctr" horzOverflow="overflow">
-                    <a:lnL w="12700">
-                      <a:solidFill>
-                        <a:srgbClr val="CBCBCB"/>
-                      </a:solidFill>
-                      <a:miter lim="400000"/>
-                    </a:lnL>
-                    <a:lnR w="12700">
-                      <a:solidFill>
-                        <a:srgbClr val="CBCBCB"/>
-                      </a:solidFill>
-                      <a:miter lim="400000"/>
-                    </a:lnR>
-                    <a:lnT w="12700">
-                      <a:solidFill>
-                        <a:srgbClr val="CBCBCB"/>
-                      </a:solidFill>
-                      <a:miter lim="400000"/>
-                    </a:lnT>
-                    <a:lnB w="12700">
-                      <a:solidFill>
-                        <a:srgbClr val="CBCBCB"/>
-                      </a:solidFill>
-                      <a:miter lim="400000"/>
-                    </a:lnB>
-                  </a:tcPr>
-                </a:tc>
-                <a:tc>
-                  <a:txBody>
-                    <a:bodyPr/>
-                    <a:lstStyle/>
-                    <a:p>
-                      <a:pPr defTabSz="457200">
-                        <a:defRPr>
-                          <a:solidFill>
-                            <a:srgbClr val="000000"/>
-                          </a:solidFill>
-                        </a:defRPr>
-                      </a:pPr>
-                      <a:r>
-                        <a:rPr sz="1500" spc="59">
-                          <a:solidFill>
-                            <a:srgbClr val="606060"/>
-                          </a:solidFill>
-                          <a:latin typeface="Helvetica"/>
-                          <a:ea typeface="Helvetica"/>
-                          <a:cs typeface="Helvetica"/>
-                          <a:sym typeface="Helvetica"/>
+                      <a:endParaRPr lang="en-US" sz="1800" b="0" i="0" u="none" strike="noStrike">
+                        <a:solidFill>
+                          <a:srgbClr val="000000"/>
+                        </a:solidFill>
+                        <a:effectLst/>
+                        <a:latin typeface="Arial Unicode MS" panose="020B0604020202020204" pitchFamily="34" charset="-128"/>
+                        <a:ea typeface="Arial Unicode MS" panose="020B0604020202020204" pitchFamily="34" charset="-128"/>
+                        <a:cs typeface="Arial Unicode MS" panose="020B0604020202020204" pitchFamily="34" charset="-128"/>
+                      </a:endParaRPr>
+                    </a:p>
+                  </a:txBody>
+                  <a:tcPr marL="9525" marR="9525" marT="9525" marB="0" anchor="ctr"/>
+                </a:tc>
+                <a:tc>
+                  <a:txBody>
+                    <a:bodyPr/>
+                    <a:lstStyle/>
+                    <a:p>
+                      <a:pPr algn="ctr" fontAlgn="b"/>
+                      <a:r>
+                        <a:rPr lang="en-US" sz="1800" b="0" i="0" u="none" strike="noStrike">
+                          <a:effectLst/>
+                          <a:latin typeface="Arial Unicode MS" panose="020B0604020202020204" pitchFamily="34" charset="-128"/>
+                          <a:ea typeface="Arial Unicode MS" panose="020B0604020202020204" pitchFamily="34" charset="-128"/>
+                          <a:cs typeface="Arial Unicode MS" panose="020B0604020202020204" pitchFamily="34" charset="-128"/>
                         </a:rPr>
                         <a:t>73.45</a:t>
                       </a:r>
-                    </a:p>
-                  </a:txBody>
-                  <a:tcPr marL="63500" marR="63500" marT="0" marB="0" anchor="ctr" horzOverflow="overflow">
-                    <a:lnL w="12700">
-                      <a:solidFill>
-                        <a:srgbClr val="CBCBCB"/>
-                      </a:solidFill>
-                      <a:miter lim="400000"/>
-                    </a:lnL>
-                    <a:lnR w="12700">
-                      <a:solidFill>
-                        <a:srgbClr val="CBCBCB"/>
-                      </a:solidFill>
-                      <a:miter lim="400000"/>
-                    </a:lnR>
-                    <a:lnT w="12700">
-                      <a:solidFill>
-                        <a:srgbClr val="CBCBCB"/>
-                      </a:solidFill>
-                      <a:miter lim="400000"/>
-                    </a:lnT>
-                    <a:lnB w="12700">
-                      <a:solidFill>
-                        <a:srgbClr val="CBCBCB"/>
-                      </a:solidFill>
-                      <a:miter lim="400000"/>
-                    </a:lnB>
-                  </a:tcPr>
-                </a:tc>
-                <a:tc>
-                  <a:txBody>
-                    <a:bodyPr/>
-                    <a:lstStyle/>
-                    <a:p>
-                      <a:pPr defTabSz="457200">
-                        <a:defRPr>
-                          <a:solidFill>
-                            <a:srgbClr val="000000"/>
-                          </a:solidFill>
-                        </a:defRPr>
-                      </a:pPr>
-                      <a:r>
-                        <a:rPr sz="1500" spc="59">
-                          <a:solidFill>
-                            <a:srgbClr val="606060"/>
-                          </a:solidFill>
-                          <a:latin typeface="Helvetica"/>
-                          <a:ea typeface="Helvetica"/>
-                          <a:cs typeface="Helvetica"/>
-                          <a:sym typeface="Helvetica"/>
+                      <a:endParaRPr lang="en-US" sz="1800" b="0" i="0" u="none" strike="noStrike">
+                        <a:solidFill>
+                          <a:srgbClr val="000000"/>
+                        </a:solidFill>
+                        <a:effectLst/>
+                        <a:latin typeface="Arial Unicode MS" panose="020B0604020202020204" pitchFamily="34" charset="-128"/>
+                        <a:ea typeface="Arial Unicode MS" panose="020B0604020202020204" pitchFamily="34" charset="-128"/>
+                        <a:cs typeface="Arial Unicode MS" panose="020B0604020202020204" pitchFamily="34" charset="-128"/>
+                      </a:endParaRPr>
+                    </a:p>
+                  </a:txBody>
+                  <a:tcPr marL="9525" marR="9525" marT="9525" marB="0" anchor="ctr"/>
+                </a:tc>
+                <a:tc>
+                  <a:txBody>
+                    <a:bodyPr/>
+                    <a:lstStyle/>
+                    <a:p>
+                      <a:pPr algn="ctr" fontAlgn="b"/>
+                      <a:r>
+                        <a:rPr lang="en-US" sz="1800" b="0" i="0" u="none" strike="noStrike">
+                          <a:effectLst/>
+                          <a:latin typeface="Arial Unicode MS" panose="020B0604020202020204" pitchFamily="34" charset="-128"/>
+                          <a:ea typeface="Arial Unicode MS" panose="020B0604020202020204" pitchFamily="34" charset="-128"/>
+                          <a:cs typeface="Arial Unicode MS" panose="020B0604020202020204" pitchFamily="34" charset="-128"/>
                         </a:rPr>
                         <a:t>2610.64</a:t>
                       </a:r>
-                    </a:p>
-                  </a:txBody>
-                  <a:tcPr marL="63500" marR="63500" marT="0" marB="0" anchor="ctr" horzOverflow="overflow">
-                    <a:lnL w="12700">
-                      <a:solidFill>
-                        <a:srgbClr val="CBCBCB"/>
-                      </a:solidFill>
-                      <a:miter lim="400000"/>
-                    </a:lnL>
-                    <a:lnR w="12700">
-                      <a:solidFill>
-                        <a:srgbClr val="CBCBCB"/>
-                      </a:solidFill>
-                      <a:miter lim="400000"/>
-                    </a:lnR>
-                    <a:lnT w="12700">
-                      <a:solidFill>
-                        <a:srgbClr val="CBCBCB"/>
-                      </a:solidFill>
-                      <a:miter lim="400000"/>
-                    </a:lnT>
-                    <a:lnB w="12700">
-                      <a:solidFill>
-                        <a:srgbClr val="CBCBCB"/>
-                      </a:solidFill>
-                      <a:miter lim="400000"/>
-                    </a:lnB>
-                  </a:tcPr>
+                      <a:endParaRPr lang="en-US" sz="1800" b="0" i="0" u="none" strike="noStrike">
+                        <a:solidFill>
+                          <a:srgbClr val="000000"/>
+                        </a:solidFill>
+                        <a:effectLst/>
+                        <a:latin typeface="Arial Unicode MS" panose="020B0604020202020204" pitchFamily="34" charset="-128"/>
+                        <a:ea typeface="Arial Unicode MS" panose="020B0604020202020204" pitchFamily="34" charset="-128"/>
+                        <a:cs typeface="Arial Unicode MS" panose="020B0604020202020204" pitchFamily="34" charset="-128"/>
+                      </a:endParaRPr>
+                    </a:p>
+                  </a:txBody>
+                  <a:tcPr marL="9525" marR="9525" marT="9525" marB="0" anchor="ctr"/>
                 </a:tc>
                 <a:extLst>
                   <a:ext uri="{0D108BD9-81ED-4DB2-BD59-A6C34878D82A}">
-                    <a16:rowId xmlns:a16="http://schemas.microsoft.com/office/drawing/2014/main" val="10001"/>
+                    <a16:rowId xmlns:a16="http://schemas.microsoft.com/office/drawing/2014/main" val="155711568"/>
                   </a:ext>
                 </a:extLst>
               </a:tr>
-              <a:tr h="431724">
-                <a:tc>
-                  <a:txBody>
-                    <a:bodyPr/>
-                    <a:lstStyle/>
-                    <a:p>
-                      <a:pPr defTabSz="457200">
-                        <a:defRPr>
-                          <a:solidFill>
-                            <a:srgbClr val="000000"/>
-                          </a:solidFill>
-                        </a:defRPr>
-                      </a:pPr>
-                      <a:r>
-                        <a:rPr sz="1500" spc="59">
-                          <a:solidFill>
-                            <a:srgbClr val="606060"/>
-                          </a:solidFill>
-                          <a:latin typeface="Helvetica"/>
-                          <a:ea typeface="Helvetica"/>
-                          <a:cs typeface="Helvetica"/>
-                          <a:sym typeface="Helvetica"/>
-                        </a:rPr>
-                        <a:t>40</a:t>
-                      </a:r>
-                    </a:p>
-                  </a:txBody>
-                  <a:tcPr marL="63500" marR="63500" marT="0" marB="0" anchor="ctr" horzOverflow="overflow">
-                    <a:lnL w="12700">
-                      <a:solidFill>
-                        <a:srgbClr val="CBCBCB"/>
-                      </a:solidFill>
-                      <a:miter lim="400000"/>
-                    </a:lnL>
-                    <a:lnR w="12700">
-                      <a:solidFill>
-                        <a:srgbClr val="CBCBCB"/>
-                      </a:solidFill>
-                      <a:miter lim="400000"/>
-                    </a:lnR>
-                    <a:lnT w="12700">
-                      <a:solidFill>
-                        <a:srgbClr val="CBCBCB"/>
-                      </a:solidFill>
-                      <a:miter lim="400000"/>
-                    </a:lnT>
-                    <a:lnB w="12700">
-                      <a:solidFill>
-                        <a:srgbClr val="CBCBCB"/>
-                      </a:solidFill>
-                      <a:miter lim="400000"/>
-                    </a:lnB>
-                  </a:tcPr>
-                </a:tc>
-                <a:tc>
-                  <a:txBody>
-                    <a:bodyPr/>
-                    <a:lstStyle/>
-                    <a:p>
-                      <a:pPr defTabSz="457200">
-                        <a:defRPr>
-                          <a:solidFill>
-                            <a:srgbClr val="000000"/>
-                          </a:solidFill>
-                        </a:defRPr>
-                      </a:pPr>
-                      <a:r>
-                        <a:rPr sz="1500" spc="59">
-                          <a:solidFill>
-                            <a:srgbClr val="606060"/>
-                          </a:solidFill>
-                          <a:latin typeface="Helvetica"/>
-                          <a:ea typeface="Helvetica"/>
-                          <a:cs typeface="Helvetica"/>
-                          <a:sym typeface="Helvetica"/>
-                        </a:rPr>
-                        <a:t>10</a:t>
-                      </a:r>
-                    </a:p>
-                  </a:txBody>
-                  <a:tcPr marL="63500" marR="63500" marT="0" marB="0" anchor="ctr" horzOverflow="overflow">
-                    <a:lnL w="12700">
-                      <a:solidFill>
-                        <a:srgbClr val="CBCBCB"/>
-                      </a:solidFill>
-                      <a:miter lim="400000"/>
-                    </a:lnL>
-                    <a:lnR w="12700">
-                      <a:solidFill>
-                        <a:srgbClr val="CBCBCB"/>
-                      </a:solidFill>
-                      <a:miter lim="400000"/>
-                    </a:lnR>
-                    <a:lnT w="12700">
-                      <a:solidFill>
-                        <a:srgbClr val="CBCBCB"/>
-                      </a:solidFill>
-                      <a:miter lim="400000"/>
-                    </a:lnT>
-                    <a:lnB w="12700">
-                      <a:solidFill>
-                        <a:srgbClr val="CBCBCB"/>
-                      </a:solidFill>
-                      <a:miter lim="400000"/>
-                    </a:lnB>
-                  </a:tcPr>
-                </a:tc>
-                <a:tc>
-                  <a:txBody>
-                    <a:bodyPr/>
-                    <a:lstStyle/>
-                    <a:p>
-                      <a:pPr defTabSz="457200">
-                        <a:defRPr>
-                          <a:solidFill>
-                            <a:srgbClr val="000000"/>
-                          </a:solidFill>
-                        </a:defRPr>
-                      </a:pPr>
-                      <a:r>
-                        <a:rPr sz="1500" spc="59">
-                          <a:solidFill>
-                            <a:srgbClr val="606060"/>
-                          </a:solidFill>
-                          <a:latin typeface="Helvetica"/>
-                          <a:ea typeface="Helvetica"/>
-                          <a:cs typeface="Helvetica"/>
-                          <a:sym typeface="Helvetica"/>
+              <a:tr h="318598">
+                <a:tc>
+                  <a:txBody>
+                    <a:bodyPr/>
+                    <a:lstStyle/>
+                    <a:p>
+                      <a:pPr algn="ctr" fontAlgn="b"/>
+                      <a:r>
+                        <a:rPr lang="en-US" sz="1800" b="0" i="0" u="none" strike="noStrike" dirty="0">
+                          <a:effectLst/>
+                          <a:latin typeface="Arial Unicode MS" panose="020B0604020202020204" pitchFamily="34" charset="-128"/>
+                          <a:ea typeface="Arial Unicode MS" panose="020B0604020202020204" pitchFamily="34" charset="-128"/>
+                          <a:cs typeface="Arial Unicode MS" panose="020B0604020202020204" pitchFamily="34" charset="-128"/>
+                        </a:rPr>
+                        <a:t>20</a:t>
+                      </a:r>
+                      <a:endParaRPr lang="en-US" sz="1800" b="0" i="0" u="none" strike="noStrike" dirty="0">
+                        <a:solidFill>
+                          <a:srgbClr val="000000"/>
+                        </a:solidFill>
+                        <a:effectLst/>
+                        <a:latin typeface="Arial Unicode MS" panose="020B0604020202020204" pitchFamily="34" charset="-128"/>
+                        <a:ea typeface="Arial Unicode MS" panose="020B0604020202020204" pitchFamily="34" charset="-128"/>
+                        <a:cs typeface="Arial Unicode MS" panose="020B0604020202020204" pitchFamily="34" charset="-128"/>
+                      </a:endParaRPr>
+                    </a:p>
+                  </a:txBody>
+                  <a:tcPr marL="9525" marR="9525" marT="9525" marB="0" anchor="ctr"/>
+                </a:tc>
+                <a:tc>
+                  <a:txBody>
+                    <a:bodyPr/>
+                    <a:lstStyle/>
+                    <a:p>
+                      <a:pPr algn="ctr" fontAlgn="b"/>
+                      <a:r>
+                        <a:rPr lang="en-US" sz="1800" b="0" i="0" u="none" strike="noStrike">
+                          <a:effectLst/>
+                          <a:latin typeface="Arial Unicode MS" panose="020B0604020202020204" pitchFamily="34" charset="-128"/>
+                          <a:ea typeface="Arial Unicode MS" panose="020B0604020202020204" pitchFamily="34" charset="-128"/>
+                          <a:cs typeface="Arial Unicode MS" panose="020B0604020202020204" pitchFamily="34" charset="-128"/>
+                        </a:rPr>
+                        <a:t>20</a:t>
+                      </a:r>
+                      <a:endParaRPr lang="en-US" sz="1800" b="0" i="0" u="none" strike="noStrike">
+                        <a:solidFill>
+                          <a:srgbClr val="000000"/>
+                        </a:solidFill>
+                        <a:effectLst/>
+                        <a:latin typeface="Arial Unicode MS" panose="020B0604020202020204" pitchFamily="34" charset="-128"/>
+                        <a:ea typeface="Arial Unicode MS" panose="020B0604020202020204" pitchFamily="34" charset="-128"/>
+                        <a:cs typeface="Arial Unicode MS" panose="020B0604020202020204" pitchFamily="34" charset="-128"/>
+                      </a:endParaRPr>
+                    </a:p>
+                  </a:txBody>
+                  <a:tcPr marL="9525" marR="9525" marT="9525" marB="0" anchor="ctr"/>
+                </a:tc>
+                <a:tc>
+                  <a:txBody>
+                    <a:bodyPr/>
+                    <a:lstStyle/>
+                    <a:p>
+                      <a:pPr algn="ctr" fontAlgn="b"/>
+                      <a:r>
+                        <a:rPr lang="en-US" sz="1800" b="0" i="0" u="none" strike="noStrike">
+                          <a:effectLst/>
+                          <a:latin typeface="Arial Unicode MS" panose="020B0604020202020204" pitchFamily="34" charset="-128"/>
+                          <a:ea typeface="Arial Unicode MS" panose="020B0604020202020204" pitchFamily="34" charset="-128"/>
+                          <a:cs typeface="Arial Unicode MS" panose="020B0604020202020204" pitchFamily="34" charset="-128"/>
                         </a:rPr>
                         <a:t>300</a:t>
                       </a:r>
-                    </a:p>
-                  </a:txBody>
-                  <a:tcPr marL="63500" marR="63500" marT="0" marB="0" anchor="ctr" horzOverflow="overflow">
-                    <a:lnL w="12700">
-                      <a:solidFill>
-                        <a:srgbClr val="CBCBCB"/>
-                      </a:solidFill>
-                      <a:miter lim="400000"/>
-                    </a:lnL>
-                    <a:lnR w="12700">
-                      <a:solidFill>
-                        <a:srgbClr val="CBCBCB"/>
-                      </a:solidFill>
-                      <a:miter lim="400000"/>
-                    </a:lnR>
-                    <a:lnT w="12700">
-                      <a:solidFill>
-                        <a:srgbClr val="CBCBCB"/>
-                      </a:solidFill>
-                      <a:miter lim="400000"/>
-                    </a:lnT>
-                    <a:lnB w="12700">
-                      <a:solidFill>
-                        <a:srgbClr val="CBCBCB"/>
-                      </a:solidFill>
-                      <a:miter lim="400000"/>
-                    </a:lnB>
-                  </a:tcPr>
-                </a:tc>
-                <a:tc>
-                  <a:txBody>
-                    <a:bodyPr/>
-                    <a:lstStyle/>
-                    <a:p>
-                      <a:pPr defTabSz="457200">
-                        <a:defRPr>
-                          <a:solidFill>
-                            <a:srgbClr val="000000"/>
-                          </a:solidFill>
-                        </a:defRPr>
-                      </a:pPr>
-                      <a:r>
-                        <a:rPr sz="1500" spc="59">
-                          <a:solidFill>
-                            <a:srgbClr val="606060"/>
-                          </a:solidFill>
-                          <a:latin typeface="Helvetica"/>
-                          <a:ea typeface="Helvetica"/>
-                          <a:cs typeface="Helvetica"/>
-                          <a:sym typeface="Helvetica"/>
-                        </a:rPr>
-                        <a:t>96.82</a:t>
-                      </a:r>
-                    </a:p>
-                  </a:txBody>
-                  <a:tcPr marL="63500" marR="63500" marT="0" marB="0" anchor="ctr" horzOverflow="overflow">
-                    <a:lnL w="12700">
-                      <a:solidFill>
-                        <a:srgbClr val="CBCBCB"/>
-                      </a:solidFill>
-                      <a:miter lim="400000"/>
-                    </a:lnL>
-                    <a:lnR w="12700">
-                      <a:solidFill>
-                        <a:srgbClr val="CBCBCB"/>
-                      </a:solidFill>
-                      <a:miter lim="400000"/>
-                    </a:lnR>
-                    <a:lnT w="12700">
-                      <a:solidFill>
-                        <a:srgbClr val="CBCBCB"/>
-                      </a:solidFill>
-                      <a:miter lim="400000"/>
-                    </a:lnT>
-                    <a:lnB w="12700">
-                      <a:solidFill>
-                        <a:srgbClr val="CBCBCB"/>
-                      </a:solidFill>
-                      <a:miter lim="400000"/>
-                    </a:lnB>
-                  </a:tcPr>
-                </a:tc>
-                <a:tc>
-                  <a:txBody>
-                    <a:bodyPr/>
-                    <a:lstStyle/>
-                    <a:p>
-                      <a:pPr defTabSz="457200">
-                        <a:defRPr>
-                          <a:solidFill>
-                            <a:srgbClr val="000000"/>
-                          </a:solidFill>
-                        </a:defRPr>
-                      </a:pPr>
-                      <a:r>
-                        <a:rPr sz="1500" spc="59">
-                          <a:solidFill>
-                            <a:srgbClr val="606060"/>
-                          </a:solidFill>
-                          <a:latin typeface="Helvetica"/>
-                          <a:ea typeface="Helvetica"/>
-                          <a:cs typeface="Helvetica"/>
-                          <a:sym typeface="Helvetica"/>
-                        </a:rPr>
-                        <a:t>1079.70</a:t>
-                      </a:r>
-                    </a:p>
-                  </a:txBody>
-                  <a:tcPr marL="63500" marR="63500" marT="0" marB="0" anchor="ctr" horzOverflow="overflow">
-                    <a:lnL w="12700">
-                      <a:solidFill>
-                        <a:srgbClr val="CBCBCB"/>
-                      </a:solidFill>
-                      <a:miter lim="400000"/>
-                    </a:lnL>
-                    <a:lnR w="12700">
-                      <a:solidFill>
-                        <a:srgbClr val="CBCBCB"/>
-                      </a:solidFill>
-                      <a:miter lim="400000"/>
-                    </a:lnR>
-                    <a:lnT w="12700">
-                      <a:solidFill>
-                        <a:srgbClr val="CBCBCB"/>
-                      </a:solidFill>
-                      <a:miter lim="400000"/>
-                    </a:lnT>
-                    <a:lnB w="12700">
-                      <a:solidFill>
-                        <a:srgbClr val="CBCBCB"/>
-                      </a:solidFill>
-                      <a:miter lim="400000"/>
-                    </a:lnB>
-                  </a:tcPr>
+                      <a:endParaRPr lang="en-US" sz="1800" b="0" i="0" u="none" strike="noStrike">
+                        <a:solidFill>
+                          <a:srgbClr val="000000"/>
+                        </a:solidFill>
+                        <a:effectLst/>
+                        <a:latin typeface="Arial Unicode MS" panose="020B0604020202020204" pitchFamily="34" charset="-128"/>
+                        <a:ea typeface="Arial Unicode MS" panose="020B0604020202020204" pitchFamily="34" charset="-128"/>
+                        <a:cs typeface="Arial Unicode MS" panose="020B0604020202020204" pitchFamily="34" charset="-128"/>
+                      </a:endParaRPr>
+                    </a:p>
+                  </a:txBody>
+                  <a:tcPr marL="9525" marR="9525" marT="9525" marB="0" anchor="ctr"/>
+                </a:tc>
+                <a:tc>
+                  <a:txBody>
+                    <a:bodyPr/>
+                    <a:lstStyle/>
+                    <a:p>
+                      <a:pPr algn="ctr" fontAlgn="b"/>
+                      <a:r>
+                        <a:rPr lang="en-US" sz="1800" b="0" i="0" u="none" strike="noStrike">
+                          <a:effectLst/>
+                          <a:latin typeface="Arial Unicode MS" panose="020B0604020202020204" pitchFamily="34" charset="-128"/>
+                          <a:ea typeface="Arial Unicode MS" panose="020B0604020202020204" pitchFamily="34" charset="-128"/>
+                          <a:cs typeface="Arial Unicode MS" panose="020B0604020202020204" pitchFamily="34" charset="-128"/>
+                        </a:rPr>
+                        <a:t>72.36</a:t>
+                      </a:r>
+                      <a:endParaRPr lang="en-US" sz="1800" b="0" i="0" u="none" strike="noStrike">
+                        <a:solidFill>
+                          <a:srgbClr val="000000"/>
+                        </a:solidFill>
+                        <a:effectLst/>
+                        <a:latin typeface="Arial Unicode MS" panose="020B0604020202020204" pitchFamily="34" charset="-128"/>
+                        <a:ea typeface="Arial Unicode MS" panose="020B0604020202020204" pitchFamily="34" charset="-128"/>
+                        <a:cs typeface="Arial Unicode MS" panose="020B0604020202020204" pitchFamily="34" charset="-128"/>
+                      </a:endParaRPr>
+                    </a:p>
+                  </a:txBody>
+                  <a:tcPr marL="9525" marR="9525" marT="9525" marB="0" anchor="ctr"/>
+                </a:tc>
+                <a:tc>
+                  <a:txBody>
+                    <a:bodyPr/>
+                    <a:lstStyle/>
+                    <a:p>
+                      <a:pPr algn="ctr" fontAlgn="b"/>
+                      <a:r>
+                        <a:rPr lang="en-US" sz="1800" b="0" i="0" u="none" strike="noStrike">
+                          <a:effectLst/>
+                          <a:latin typeface="Arial Unicode MS" panose="020B0604020202020204" pitchFamily="34" charset="-128"/>
+                          <a:ea typeface="Arial Unicode MS" panose="020B0604020202020204" pitchFamily="34" charset="-128"/>
+                          <a:cs typeface="Arial Unicode MS" panose="020B0604020202020204" pitchFamily="34" charset="-128"/>
+                        </a:rPr>
+                        <a:t>2856.17</a:t>
+                      </a:r>
+                      <a:endParaRPr lang="en-US" sz="1800" b="0" i="0" u="none" strike="noStrike">
+                        <a:solidFill>
+                          <a:srgbClr val="000000"/>
+                        </a:solidFill>
+                        <a:effectLst/>
+                        <a:latin typeface="Arial Unicode MS" panose="020B0604020202020204" pitchFamily="34" charset="-128"/>
+                        <a:ea typeface="Arial Unicode MS" panose="020B0604020202020204" pitchFamily="34" charset="-128"/>
+                        <a:cs typeface="Arial Unicode MS" panose="020B0604020202020204" pitchFamily="34" charset="-128"/>
+                      </a:endParaRPr>
+                    </a:p>
+                  </a:txBody>
+                  <a:tcPr marL="9525" marR="9525" marT="9525" marB="0" anchor="ctr"/>
                 </a:tc>
                 <a:extLst>
                   <a:ext uri="{0D108BD9-81ED-4DB2-BD59-A6C34878D82A}">
-                    <a16:rowId xmlns:a16="http://schemas.microsoft.com/office/drawing/2014/main" val="10002"/>
+                    <a16:rowId xmlns:a16="http://schemas.microsoft.com/office/drawing/2014/main" val="781299360"/>
                   </a:ext>
                 </a:extLst>
               </a:tr>
-              <a:tr h="431724">
-                <a:tc>
-                  <a:txBody>
-                    <a:bodyPr/>
-                    <a:lstStyle/>
-                    <a:p>
-                      <a:pPr defTabSz="457200">
-                        <a:defRPr>
-                          <a:solidFill>
-                            <a:srgbClr val="000000"/>
-                          </a:solidFill>
-                        </a:defRPr>
-                      </a:pPr>
-                      <a:r>
-                        <a:rPr sz="1500" spc="59">
-                          <a:solidFill>
-                            <a:srgbClr val="606060"/>
-                          </a:solidFill>
-                          <a:latin typeface="Helvetica"/>
-                          <a:ea typeface="Helvetica"/>
-                          <a:cs typeface="Helvetica"/>
-                          <a:sym typeface="Helvetica"/>
+              <a:tr h="318598">
+                <a:tc>
+                  <a:txBody>
+                    <a:bodyPr/>
+                    <a:lstStyle/>
+                    <a:p>
+                      <a:pPr algn="ctr" fontAlgn="b"/>
+                      <a:r>
+                        <a:rPr lang="en-US" sz="1800" b="0" i="0" u="none" strike="noStrike">
+                          <a:effectLst/>
+                          <a:latin typeface="Arial Unicode MS" panose="020B0604020202020204" pitchFamily="34" charset="-128"/>
+                          <a:ea typeface="Arial Unicode MS" panose="020B0604020202020204" pitchFamily="34" charset="-128"/>
+                          <a:cs typeface="Arial Unicode MS" panose="020B0604020202020204" pitchFamily="34" charset="-128"/>
                         </a:rPr>
                         <a:t>20</a:t>
                       </a:r>
-                    </a:p>
-                  </a:txBody>
-                  <a:tcPr marL="63500" marR="63500" marT="0" marB="0" anchor="ctr" horzOverflow="overflow">
-                    <a:lnL w="12700">
-                      <a:solidFill>
-                        <a:srgbClr val="CBCBCB"/>
-                      </a:solidFill>
-                      <a:miter lim="400000"/>
-                    </a:lnL>
-                    <a:lnR w="12700">
-                      <a:solidFill>
-                        <a:srgbClr val="CBCBCB"/>
-                      </a:solidFill>
-                      <a:miter lim="400000"/>
-                    </a:lnR>
-                    <a:lnT w="12700">
-                      <a:solidFill>
-                        <a:srgbClr val="CBCBCB"/>
-                      </a:solidFill>
-                      <a:miter lim="400000"/>
-                    </a:lnT>
-                    <a:lnB w="12700">
-                      <a:solidFill>
-                        <a:srgbClr val="CBCBCB"/>
-                      </a:solidFill>
-                      <a:miter lim="400000"/>
-                    </a:lnB>
-                  </a:tcPr>
-                </a:tc>
-                <a:tc>
-                  <a:txBody>
-                    <a:bodyPr/>
-                    <a:lstStyle/>
-                    <a:p>
-                      <a:pPr defTabSz="457200">
-                        <a:defRPr>
-                          <a:solidFill>
-                            <a:srgbClr val="000000"/>
-                          </a:solidFill>
-                        </a:defRPr>
-                      </a:pPr>
-                      <a:r>
-                        <a:rPr sz="1500" spc="59">
-                          <a:solidFill>
-                            <a:srgbClr val="606060"/>
-                          </a:solidFill>
-                          <a:latin typeface="Helvetica"/>
-                          <a:ea typeface="Helvetica"/>
-                          <a:cs typeface="Helvetica"/>
-                          <a:sym typeface="Helvetica"/>
-                        </a:rPr>
-                        <a:t>20</a:t>
-                      </a:r>
-                    </a:p>
-                  </a:txBody>
-                  <a:tcPr marL="63500" marR="63500" marT="0" marB="0" anchor="ctr" horzOverflow="overflow">
-                    <a:lnL w="12700">
-                      <a:solidFill>
-                        <a:srgbClr val="CBCBCB"/>
-                      </a:solidFill>
-                      <a:miter lim="400000"/>
-                    </a:lnL>
-                    <a:lnR w="12700">
-                      <a:solidFill>
-                        <a:srgbClr val="CBCBCB"/>
-                      </a:solidFill>
-                      <a:miter lim="400000"/>
-                    </a:lnR>
-                    <a:lnT w="12700">
-                      <a:solidFill>
-                        <a:srgbClr val="CBCBCB"/>
-                      </a:solidFill>
-                      <a:miter lim="400000"/>
-                    </a:lnT>
-                    <a:lnB w="12700">
-                      <a:solidFill>
-                        <a:srgbClr val="CBCBCB"/>
-                      </a:solidFill>
-                      <a:miter lim="400000"/>
-                    </a:lnB>
-                  </a:tcPr>
-                </a:tc>
-                <a:tc>
-                  <a:txBody>
-                    <a:bodyPr/>
-                    <a:lstStyle/>
-                    <a:p>
-                      <a:pPr defTabSz="457200">
-                        <a:defRPr>
-                          <a:solidFill>
-                            <a:srgbClr val="000000"/>
-                          </a:solidFill>
-                        </a:defRPr>
-                      </a:pPr>
-                      <a:r>
-                        <a:rPr sz="1500" spc="59">
-                          <a:solidFill>
-                            <a:srgbClr val="606060"/>
-                          </a:solidFill>
-                          <a:latin typeface="Helvetica"/>
-                          <a:ea typeface="Helvetica"/>
-                          <a:cs typeface="Helvetica"/>
-                          <a:sym typeface="Helvetica"/>
+                      <a:endParaRPr lang="en-US" sz="1800" b="0" i="0" u="none" strike="noStrike">
+                        <a:solidFill>
+                          <a:srgbClr val="000000"/>
+                        </a:solidFill>
+                        <a:effectLst/>
+                        <a:latin typeface="Arial Unicode MS" panose="020B0604020202020204" pitchFamily="34" charset="-128"/>
+                        <a:ea typeface="Arial Unicode MS" panose="020B0604020202020204" pitchFamily="34" charset="-128"/>
+                        <a:cs typeface="Arial Unicode MS" panose="020B0604020202020204" pitchFamily="34" charset="-128"/>
+                      </a:endParaRPr>
+                    </a:p>
+                  </a:txBody>
+                  <a:tcPr marL="9525" marR="9525" marT="9525" marB="0" anchor="ctr"/>
+                </a:tc>
+                <a:tc>
+                  <a:txBody>
+                    <a:bodyPr/>
+                    <a:lstStyle/>
+                    <a:p>
+                      <a:pPr algn="ctr" fontAlgn="b"/>
+                      <a:r>
+                        <a:rPr lang="en-US" sz="1800" b="0" i="0" u="none" strike="noStrike">
+                          <a:effectLst/>
+                          <a:latin typeface="Arial Unicode MS" panose="020B0604020202020204" pitchFamily="34" charset="-128"/>
+                          <a:ea typeface="Arial Unicode MS" panose="020B0604020202020204" pitchFamily="34" charset="-128"/>
+                          <a:cs typeface="Arial Unicode MS" panose="020B0604020202020204" pitchFamily="34" charset="-128"/>
+                        </a:rPr>
+                        <a:t>30</a:t>
+                      </a:r>
+                      <a:endParaRPr lang="en-US" sz="1800" b="0" i="0" u="none" strike="noStrike">
+                        <a:solidFill>
+                          <a:srgbClr val="000000"/>
+                        </a:solidFill>
+                        <a:effectLst/>
+                        <a:latin typeface="Arial Unicode MS" panose="020B0604020202020204" pitchFamily="34" charset="-128"/>
+                        <a:ea typeface="Arial Unicode MS" panose="020B0604020202020204" pitchFamily="34" charset="-128"/>
+                        <a:cs typeface="Arial Unicode MS" panose="020B0604020202020204" pitchFamily="34" charset="-128"/>
+                      </a:endParaRPr>
+                    </a:p>
+                  </a:txBody>
+                  <a:tcPr marL="9525" marR="9525" marT="9525" marB="0" anchor="ctr"/>
+                </a:tc>
+                <a:tc>
+                  <a:txBody>
+                    <a:bodyPr/>
+                    <a:lstStyle/>
+                    <a:p>
+                      <a:pPr algn="ctr" fontAlgn="b"/>
+                      <a:r>
+                        <a:rPr lang="en-US" sz="1800" b="0" i="0" u="none" strike="noStrike">
+                          <a:effectLst/>
+                          <a:latin typeface="Arial Unicode MS" panose="020B0604020202020204" pitchFamily="34" charset="-128"/>
+                          <a:ea typeface="Arial Unicode MS" panose="020B0604020202020204" pitchFamily="34" charset="-128"/>
+                          <a:cs typeface="Arial Unicode MS" panose="020B0604020202020204" pitchFamily="34" charset="-128"/>
                         </a:rPr>
                         <a:t>300</a:t>
                       </a:r>
-                    </a:p>
-                  </a:txBody>
-                  <a:tcPr marL="63500" marR="63500" marT="0" marB="0" anchor="ctr" horzOverflow="overflow">
-                    <a:lnL w="12700">
-                      <a:solidFill>
-                        <a:srgbClr val="CBCBCB"/>
-                      </a:solidFill>
-                      <a:miter lim="400000"/>
-                    </a:lnL>
-                    <a:lnR w="12700">
-                      <a:solidFill>
-                        <a:srgbClr val="CBCBCB"/>
-                      </a:solidFill>
-                      <a:miter lim="400000"/>
-                    </a:lnR>
-                    <a:lnT w="12700">
-                      <a:solidFill>
-                        <a:srgbClr val="CBCBCB"/>
-                      </a:solidFill>
-                      <a:miter lim="400000"/>
-                    </a:lnT>
-                    <a:lnB w="12700">
-                      <a:solidFill>
-                        <a:srgbClr val="CBCBCB"/>
-                      </a:solidFill>
-                      <a:miter lim="400000"/>
-                    </a:lnB>
-                  </a:tcPr>
-                </a:tc>
-                <a:tc>
-                  <a:txBody>
-                    <a:bodyPr/>
-                    <a:lstStyle/>
-                    <a:p>
-                      <a:pPr defTabSz="457200">
-                        <a:defRPr>
-                          <a:solidFill>
-                            <a:srgbClr val="000000"/>
-                          </a:solidFill>
-                        </a:defRPr>
-                      </a:pPr>
-                      <a:r>
-                        <a:rPr sz="1500" spc="59">
-                          <a:solidFill>
-                            <a:srgbClr val="606060"/>
-                          </a:solidFill>
-                          <a:latin typeface="Helvetica"/>
-                          <a:ea typeface="Helvetica"/>
-                          <a:cs typeface="Helvetica"/>
-                          <a:sym typeface="Helvetica"/>
-                        </a:rPr>
-                        <a:t>72.36</a:t>
-                      </a:r>
-                    </a:p>
-                  </a:txBody>
-                  <a:tcPr marL="63500" marR="63500" marT="0" marB="0" anchor="ctr" horzOverflow="overflow">
-                    <a:lnL w="12700">
-                      <a:solidFill>
-                        <a:srgbClr val="CBCBCB"/>
-                      </a:solidFill>
-                      <a:miter lim="400000"/>
-                    </a:lnL>
-                    <a:lnR w="12700">
-                      <a:solidFill>
-                        <a:srgbClr val="CBCBCB"/>
-                      </a:solidFill>
-                      <a:miter lim="400000"/>
-                    </a:lnR>
-                    <a:lnT w="12700">
-                      <a:solidFill>
-                        <a:srgbClr val="CBCBCB"/>
-                      </a:solidFill>
-                      <a:miter lim="400000"/>
-                    </a:lnT>
-                    <a:lnB w="12700">
-                      <a:solidFill>
-                        <a:srgbClr val="CBCBCB"/>
-                      </a:solidFill>
-                      <a:miter lim="400000"/>
-                    </a:lnB>
-                  </a:tcPr>
-                </a:tc>
-                <a:tc>
-                  <a:txBody>
-                    <a:bodyPr/>
-                    <a:lstStyle/>
-                    <a:p>
-                      <a:pPr defTabSz="457200">
-                        <a:defRPr>
-                          <a:solidFill>
-                            <a:srgbClr val="000000"/>
-                          </a:solidFill>
-                        </a:defRPr>
-                      </a:pPr>
-                      <a:r>
-                        <a:rPr sz="1500" spc="59">
-                          <a:solidFill>
-                            <a:srgbClr val="606060"/>
-                          </a:solidFill>
-                          <a:latin typeface="Helvetica"/>
-                          <a:ea typeface="Helvetica"/>
-                          <a:cs typeface="Helvetica"/>
-                          <a:sym typeface="Helvetica"/>
-                        </a:rPr>
-                        <a:t>2856.17</a:t>
-                      </a:r>
-                    </a:p>
-                  </a:txBody>
-                  <a:tcPr marL="63500" marR="63500" marT="0" marB="0" anchor="ctr" horzOverflow="overflow">
-                    <a:lnL w="12700">
-                      <a:solidFill>
-                        <a:srgbClr val="CBCBCB"/>
-                      </a:solidFill>
-                      <a:miter lim="400000"/>
-                    </a:lnL>
-                    <a:lnR w="12700">
-                      <a:solidFill>
-                        <a:srgbClr val="CBCBCB"/>
-                      </a:solidFill>
-                      <a:miter lim="400000"/>
-                    </a:lnR>
-                    <a:lnT w="12700">
-                      <a:solidFill>
-                        <a:srgbClr val="CBCBCB"/>
-                      </a:solidFill>
-                      <a:miter lim="400000"/>
-                    </a:lnT>
-                    <a:lnB w="12700">
-                      <a:solidFill>
-                        <a:srgbClr val="CBCBCB"/>
-                      </a:solidFill>
-                      <a:miter lim="400000"/>
-                    </a:lnB>
-                  </a:tcPr>
+                      <a:endParaRPr lang="en-US" sz="1800" b="0" i="0" u="none" strike="noStrike">
+                        <a:solidFill>
+                          <a:srgbClr val="000000"/>
+                        </a:solidFill>
+                        <a:effectLst/>
+                        <a:latin typeface="Arial Unicode MS" panose="020B0604020202020204" pitchFamily="34" charset="-128"/>
+                        <a:ea typeface="Arial Unicode MS" panose="020B0604020202020204" pitchFamily="34" charset="-128"/>
+                        <a:cs typeface="Arial Unicode MS" panose="020B0604020202020204" pitchFamily="34" charset="-128"/>
+                      </a:endParaRPr>
+                    </a:p>
+                  </a:txBody>
+                  <a:tcPr marL="9525" marR="9525" marT="9525" marB="0" anchor="ctr"/>
+                </a:tc>
+                <a:tc>
+                  <a:txBody>
+                    <a:bodyPr/>
+                    <a:lstStyle/>
+                    <a:p>
+                      <a:pPr algn="ctr" fontAlgn="b"/>
+                      <a:r>
+                        <a:rPr lang="en-US" sz="1800" b="0" i="0" u="none" strike="noStrike">
+                          <a:effectLst/>
+                          <a:latin typeface="Arial Unicode MS" panose="020B0604020202020204" pitchFamily="34" charset="-128"/>
+                          <a:ea typeface="Arial Unicode MS" panose="020B0604020202020204" pitchFamily="34" charset="-128"/>
+                          <a:cs typeface="Arial Unicode MS" panose="020B0604020202020204" pitchFamily="34" charset="-128"/>
+                        </a:rPr>
+                        <a:t>62.00</a:t>
+                      </a:r>
+                      <a:endParaRPr lang="en-US" sz="1800" b="0" i="0" u="none" strike="noStrike">
+                        <a:solidFill>
+                          <a:srgbClr val="000000"/>
+                        </a:solidFill>
+                        <a:effectLst/>
+                        <a:latin typeface="Arial Unicode MS" panose="020B0604020202020204" pitchFamily="34" charset="-128"/>
+                        <a:ea typeface="Arial Unicode MS" panose="020B0604020202020204" pitchFamily="34" charset="-128"/>
+                        <a:cs typeface="Arial Unicode MS" panose="020B0604020202020204" pitchFamily="34" charset="-128"/>
+                      </a:endParaRPr>
+                    </a:p>
+                  </a:txBody>
+                  <a:tcPr marL="9525" marR="9525" marT="9525" marB="0" anchor="ctr"/>
+                </a:tc>
+                <a:tc>
+                  <a:txBody>
+                    <a:bodyPr/>
+                    <a:lstStyle/>
+                    <a:p>
+                      <a:pPr algn="ctr" fontAlgn="b"/>
+                      <a:r>
+                        <a:rPr lang="en-US" sz="1800" b="0" i="0" u="none" strike="noStrike">
+                          <a:effectLst/>
+                          <a:latin typeface="Arial Unicode MS" panose="020B0604020202020204" pitchFamily="34" charset="-128"/>
+                          <a:ea typeface="Arial Unicode MS" panose="020B0604020202020204" pitchFamily="34" charset="-128"/>
+                          <a:cs typeface="Arial Unicode MS" panose="020B0604020202020204" pitchFamily="34" charset="-128"/>
+                        </a:rPr>
+                        <a:t>3376.35</a:t>
+                      </a:r>
+                      <a:endParaRPr lang="en-US" sz="1800" b="0" i="0" u="none" strike="noStrike">
+                        <a:solidFill>
+                          <a:srgbClr val="000000"/>
+                        </a:solidFill>
+                        <a:effectLst/>
+                        <a:latin typeface="Arial Unicode MS" panose="020B0604020202020204" pitchFamily="34" charset="-128"/>
+                        <a:ea typeface="Arial Unicode MS" panose="020B0604020202020204" pitchFamily="34" charset="-128"/>
+                        <a:cs typeface="Arial Unicode MS" panose="020B0604020202020204" pitchFamily="34" charset="-128"/>
+                      </a:endParaRPr>
+                    </a:p>
+                  </a:txBody>
+                  <a:tcPr marL="9525" marR="9525" marT="9525" marB="0" anchor="ctr"/>
                 </a:tc>
                 <a:extLst>
                   <a:ext uri="{0D108BD9-81ED-4DB2-BD59-A6C34878D82A}">
-                    <a16:rowId xmlns:a16="http://schemas.microsoft.com/office/drawing/2014/main" val="10003"/>
+                    <a16:rowId xmlns:a16="http://schemas.microsoft.com/office/drawing/2014/main" val="1367214778"/>
                   </a:ext>
                 </a:extLst>
               </a:tr>
-              <a:tr h="431724">
-                <a:tc>
-                  <a:txBody>
-                    <a:bodyPr/>
-                    <a:lstStyle/>
-                    <a:p>
-                      <a:pPr defTabSz="457200">
-                        <a:defRPr>
-                          <a:solidFill>
-                            <a:srgbClr val="000000"/>
-                          </a:solidFill>
-                        </a:defRPr>
-                      </a:pPr>
-                      <a:r>
-                        <a:rPr sz="1500" spc="59">
-                          <a:solidFill>
-                            <a:srgbClr val="606060"/>
-                          </a:solidFill>
-                          <a:latin typeface="Helvetica"/>
-                          <a:ea typeface="Helvetica"/>
-                          <a:cs typeface="Helvetica"/>
-                          <a:sym typeface="Helvetica"/>
+              <a:tr h="318598">
+                <a:tc>
+                  <a:txBody>
+                    <a:bodyPr/>
+                    <a:lstStyle/>
+                    <a:p>
+                      <a:pPr algn="ctr" fontAlgn="b"/>
+                      <a:r>
+                        <a:rPr lang="en-US" sz="1800" b="0" i="0" u="none" strike="noStrike">
+                          <a:effectLst/>
+                          <a:latin typeface="Arial Unicode MS" panose="020B0604020202020204" pitchFamily="34" charset="-128"/>
+                          <a:ea typeface="Arial Unicode MS" panose="020B0604020202020204" pitchFamily="34" charset="-128"/>
+                          <a:cs typeface="Arial Unicode MS" panose="020B0604020202020204" pitchFamily="34" charset="-128"/>
+                        </a:rPr>
+                        <a:t>20</a:t>
+                      </a:r>
+                      <a:endParaRPr lang="en-US" sz="1800" b="0" i="0" u="none" strike="noStrike">
+                        <a:solidFill>
+                          <a:srgbClr val="000000"/>
+                        </a:solidFill>
+                        <a:effectLst/>
+                        <a:latin typeface="Arial Unicode MS" panose="020B0604020202020204" pitchFamily="34" charset="-128"/>
+                        <a:ea typeface="Arial Unicode MS" panose="020B0604020202020204" pitchFamily="34" charset="-128"/>
+                        <a:cs typeface="Arial Unicode MS" panose="020B0604020202020204" pitchFamily="34" charset="-128"/>
+                      </a:endParaRPr>
+                    </a:p>
+                  </a:txBody>
+                  <a:tcPr marL="9525" marR="9525" marT="9525" marB="0" anchor="ctr"/>
+                </a:tc>
+                <a:tc>
+                  <a:txBody>
+                    <a:bodyPr/>
+                    <a:lstStyle/>
+                    <a:p>
+                      <a:pPr algn="ctr" fontAlgn="b"/>
+                      <a:r>
+                        <a:rPr lang="en-US" sz="1800" b="0" i="0" u="none" strike="noStrike">
+                          <a:effectLst/>
+                          <a:latin typeface="Arial Unicode MS" panose="020B0604020202020204" pitchFamily="34" charset="-128"/>
+                          <a:ea typeface="Arial Unicode MS" panose="020B0604020202020204" pitchFamily="34" charset="-128"/>
+                          <a:cs typeface="Arial Unicode MS" panose="020B0604020202020204" pitchFamily="34" charset="-128"/>
                         </a:rPr>
                         <a:t>40</a:t>
                       </a:r>
-                    </a:p>
-                  </a:txBody>
-                  <a:tcPr marL="63500" marR="63500" marT="0" marB="0" anchor="ctr" horzOverflow="overflow">
-                    <a:lnL w="12700">
-                      <a:solidFill>
-                        <a:srgbClr val="CBCBCB"/>
-                      </a:solidFill>
-                      <a:miter lim="400000"/>
-                    </a:lnL>
-                    <a:lnR w="12700">
-                      <a:solidFill>
-                        <a:srgbClr val="CBCBCB"/>
-                      </a:solidFill>
-                      <a:miter lim="400000"/>
-                    </a:lnR>
-                    <a:lnT w="12700">
-                      <a:solidFill>
-                        <a:srgbClr val="CBCBCB"/>
-                      </a:solidFill>
-                      <a:miter lim="400000"/>
-                    </a:lnT>
-                    <a:lnB w="12700">
-                      <a:solidFill>
-                        <a:srgbClr val="CBCBCB"/>
-                      </a:solidFill>
-                      <a:miter lim="400000"/>
-                    </a:lnB>
-                  </a:tcPr>
-                </a:tc>
-                <a:tc>
-                  <a:txBody>
-                    <a:bodyPr/>
-                    <a:lstStyle/>
-                    <a:p>
-                      <a:pPr defTabSz="457200">
-                        <a:defRPr>
-                          <a:solidFill>
-                            <a:srgbClr val="000000"/>
-                          </a:solidFill>
-                        </a:defRPr>
-                      </a:pPr>
-                      <a:r>
-                        <a:rPr sz="1500" spc="59">
-                          <a:solidFill>
-                            <a:srgbClr val="606060"/>
-                          </a:solidFill>
-                          <a:latin typeface="Helvetica"/>
-                          <a:ea typeface="Helvetica"/>
-                          <a:cs typeface="Helvetica"/>
-                          <a:sym typeface="Helvetica"/>
-                        </a:rPr>
-                        <a:t>20</a:t>
-                      </a:r>
-                    </a:p>
-                  </a:txBody>
-                  <a:tcPr marL="63500" marR="63500" marT="0" marB="0" anchor="ctr" horzOverflow="overflow">
-                    <a:lnL w="12700">
-                      <a:solidFill>
-                        <a:srgbClr val="CBCBCB"/>
-                      </a:solidFill>
-                      <a:miter lim="400000"/>
-                    </a:lnL>
-                    <a:lnR w="12700">
-                      <a:solidFill>
-                        <a:srgbClr val="CBCBCB"/>
-                      </a:solidFill>
-                      <a:miter lim="400000"/>
-                    </a:lnR>
-                    <a:lnT w="12700">
-                      <a:solidFill>
-                        <a:srgbClr val="CBCBCB"/>
-                      </a:solidFill>
-                      <a:miter lim="400000"/>
-                    </a:lnT>
-                    <a:lnB w="12700">
-                      <a:solidFill>
-                        <a:srgbClr val="CBCBCB"/>
-                      </a:solidFill>
-                      <a:miter lim="400000"/>
-                    </a:lnB>
-                  </a:tcPr>
-                </a:tc>
-                <a:tc>
-                  <a:txBody>
-                    <a:bodyPr/>
-                    <a:lstStyle/>
-                    <a:p>
-                      <a:pPr defTabSz="457200">
-                        <a:defRPr>
-                          <a:solidFill>
-                            <a:srgbClr val="000000"/>
-                          </a:solidFill>
-                        </a:defRPr>
-                      </a:pPr>
-                      <a:r>
-                        <a:rPr sz="1500" spc="59">
-                          <a:solidFill>
-                            <a:srgbClr val="606060"/>
-                          </a:solidFill>
-                          <a:latin typeface="Helvetica"/>
-                          <a:ea typeface="Helvetica"/>
-                          <a:cs typeface="Helvetica"/>
-                          <a:sym typeface="Helvetica"/>
+                      <a:endParaRPr lang="en-US" sz="1800" b="0" i="0" u="none" strike="noStrike">
+                        <a:solidFill>
+                          <a:srgbClr val="000000"/>
+                        </a:solidFill>
+                        <a:effectLst/>
+                        <a:latin typeface="Arial Unicode MS" panose="020B0604020202020204" pitchFamily="34" charset="-128"/>
+                        <a:ea typeface="Arial Unicode MS" panose="020B0604020202020204" pitchFamily="34" charset="-128"/>
+                        <a:cs typeface="Arial Unicode MS" panose="020B0604020202020204" pitchFamily="34" charset="-128"/>
+                      </a:endParaRPr>
+                    </a:p>
+                  </a:txBody>
+                  <a:tcPr marL="9525" marR="9525" marT="9525" marB="0" anchor="ctr"/>
+                </a:tc>
+                <a:tc>
+                  <a:txBody>
+                    <a:bodyPr/>
+                    <a:lstStyle/>
+                    <a:p>
+                      <a:pPr algn="ctr" fontAlgn="b"/>
+                      <a:r>
+                        <a:rPr lang="en-US" sz="1800" b="0" i="0" u="none" strike="noStrike">
+                          <a:effectLst/>
+                          <a:latin typeface="Arial Unicode MS" panose="020B0604020202020204" pitchFamily="34" charset="-128"/>
+                          <a:ea typeface="Arial Unicode MS" panose="020B0604020202020204" pitchFamily="34" charset="-128"/>
+                          <a:cs typeface="Arial Unicode MS" panose="020B0604020202020204" pitchFamily="34" charset="-128"/>
                         </a:rPr>
                         <a:t>300</a:t>
                       </a:r>
-                    </a:p>
-                  </a:txBody>
-                  <a:tcPr marL="63500" marR="63500" marT="0" marB="0" anchor="ctr" horzOverflow="overflow">
-                    <a:lnL w="12700">
-                      <a:solidFill>
-                        <a:srgbClr val="CBCBCB"/>
-                      </a:solidFill>
-                      <a:miter lim="400000"/>
-                    </a:lnL>
-                    <a:lnR w="12700">
-                      <a:solidFill>
-                        <a:srgbClr val="CBCBCB"/>
-                      </a:solidFill>
-                      <a:miter lim="400000"/>
-                    </a:lnR>
-                    <a:lnT w="12700">
-                      <a:solidFill>
-                        <a:srgbClr val="CBCBCB"/>
-                      </a:solidFill>
-                      <a:miter lim="400000"/>
-                    </a:lnT>
-                    <a:lnB w="12700">
-                      <a:solidFill>
-                        <a:srgbClr val="CBCBCB"/>
-                      </a:solidFill>
-                      <a:miter lim="400000"/>
-                    </a:lnB>
-                  </a:tcPr>
-                </a:tc>
-                <a:tc>
-                  <a:txBody>
-                    <a:bodyPr/>
-                    <a:lstStyle/>
-                    <a:p>
-                      <a:pPr defTabSz="457200">
-                        <a:defRPr>
-                          <a:solidFill>
-                            <a:srgbClr val="000000"/>
-                          </a:solidFill>
-                        </a:defRPr>
-                      </a:pPr>
-                      <a:r>
-                        <a:rPr sz="1500" spc="59">
-                          <a:solidFill>
-                            <a:srgbClr val="606060"/>
-                          </a:solidFill>
-                          <a:latin typeface="Helvetica"/>
-                          <a:ea typeface="Helvetica"/>
-                          <a:cs typeface="Helvetica"/>
-                          <a:sym typeface="Helvetica"/>
-                        </a:rPr>
-                        <a:t>83.00</a:t>
-                      </a:r>
-                    </a:p>
-                  </a:txBody>
-                  <a:tcPr marL="63500" marR="63500" marT="0" marB="0" anchor="ctr" horzOverflow="overflow">
-                    <a:lnL w="12700">
-                      <a:solidFill>
-                        <a:srgbClr val="CBCBCB"/>
-                      </a:solidFill>
-                      <a:miter lim="400000"/>
-                    </a:lnL>
-                    <a:lnR w="12700">
-                      <a:solidFill>
-                        <a:srgbClr val="CBCBCB"/>
-                      </a:solidFill>
-                      <a:miter lim="400000"/>
-                    </a:lnR>
-                    <a:lnT w="12700">
-                      <a:solidFill>
-                        <a:srgbClr val="CBCBCB"/>
-                      </a:solidFill>
-                      <a:miter lim="400000"/>
-                    </a:lnT>
-                    <a:lnB w="12700">
-                      <a:solidFill>
-                        <a:srgbClr val="CBCBCB"/>
-                      </a:solidFill>
-                      <a:miter lim="400000"/>
-                    </a:lnB>
-                  </a:tcPr>
-                </a:tc>
-                <a:tc>
-                  <a:txBody>
-                    <a:bodyPr/>
-                    <a:lstStyle/>
-                    <a:p>
-                      <a:pPr defTabSz="457200">
-                        <a:defRPr>
-                          <a:solidFill>
-                            <a:srgbClr val="000000"/>
-                          </a:solidFill>
-                        </a:defRPr>
-                      </a:pPr>
-                      <a:r>
-                        <a:rPr sz="1500" spc="59">
-                          <a:solidFill>
-                            <a:srgbClr val="606060"/>
-                          </a:solidFill>
-                          <a:latin typeface="Helvetica"/>
-                          <a:ea typeface="Helvetica"/>
-                          <a:cs typeface="Helvetica"/>
-                          <a:sym typeface="Helvetica"/>
-                        </a:rPr>
-                        <a:t>1409.77</a:t>
-                      </a:r>
-                    </a:p>
-                  </a:txBody>
-                  <a:tcPr marL="63500" marR="63500" marT="0" marB="0" anchor="ctr" horzOverflow="overflow">
-                    <a:lnL w="12700">
-                      <a:solidFill>
-                        <a:srgbClr val="CBCBCB"/>
-                      </a:solidFill>
-                      <a:miter lim="400000"/>
-                    </a:lnL>
-                    <a:lnR w="12700">
-                      <a:solidFill>
-                        <a:srgbClr val="CBCBCB"/>
-                      </a:solidFill>
-                      <a:miter lim="400000"/>
-                    </a:lnR>
-                    <a:lnT w="12700">
-                      <a:solidFill>
-                        <a:srgbClr val="CBCBCB"/>
-                      </a:solidFill>
-                      <a:miter lim="400000"/>
-                    </a:lnT>
-                    <a:lnB w="12700">
-                      <a:solidFill>
-                        <a:srgbClr val="CBCBCB"/>
-                      </a:solidFill>
-                      <a:miter lim="400000"/>
-                    </a:lnB>
-                  </a:tcPr>
+                      <a:endParaRPr lang="en-US" sz="1800" b="0" i="0" u="none" strike="noStrike">
+                        <a:solidFill>
+                          <a:srgbClr val="000000"/>
+                        </a:solidFill>
+                        <a:effectLst/>
+                        <a:latin typeface="Arial Unicode MS" panose="020B0604020202020204" pitchFamily="34" charset="-128"/>
+                        <a:ea typeface="Arial Unicode MS" panose="020B0604020202020204" pitchFamily="34" charset="-128"/>
+                        <a:cs typeface="Arial Unicode MS" panose="020B0604020202020204" pitchFamily="34" charset="-128"/>
+                      </a:endParaRPr>
+                    </a:p>
+                  </a:txBody>
+                  <a:tcPr marL="9525" marR="9525" marT="9525" marB="0" anchor="ctr"/>
+                </a:tc>
+                <a:tc>
+                  <a:txBody>
+                    <a:bodyPr/>
+                    <a:lstStyle/>
+                    <a:p>
+                      <a:pPr algn="ctr" fontAlgn="b"/>
+                      <a:r>
+                        <a:rPr lang="en-US" sz="1800" b="0" i="0" u="none" strike="noStrike" dirty="0">
+                          <a:effectLst/>
+                          <a:latin typeface="Arial Unicode MS" panose="020B0604020202020204" pitchFamily="34" charset="-128"/>
+                          <a:ea typeface="Arial Unicode MS" panose="020B0604020202020204" pitchFamily="34" charset="-128"/>
+                          <a:cs typeface="Arial Unicode MS" panose="020B0604020202020204" pitchFamily="34" charset="-128"/>
+                        </a:rPr>
+                        <a:t>70.64</a:t>
+                      </a:r>
+                      <a:endParaRPr lang="en-US" sz="1800" b="0" i="0" u="none" strike="noStrike" dirty="0">
+                        <a:solidFill>
+                          <a:srgbClr val="000000"/>
+                        </a:solidFill>
+                        <a:effectLst/>
+                        <a:latin typeface="Arial Unicode MS" panose="020B0604020202020204" pitchFamily="34" charset="-128"/>
+                        <a:ea typeface="Arial Unicode MS" panose="020B0604020202020204" pitchFamily="34" charset="-128"/>
+                        <a:cs typeface="Arial Unicode MS" panose="020B0604020202020204" pitchFamily="34" charset="-128"/>
+                      </a:endParaRPr>
+                    </a:p>
+                  </a:txBody>
+                  <a:tcPr marL="9525" marR="9525" marT="9525" marB="0" anchor="ctr"/>
+                </a:tc>
+                <a:tc>
+                  <a:txBody>
+                    <a:bodyPr/>
+                    <a:lstStyle/>
+                    <a:p>
+                      <a:pPr algn="ctr" fontAlgn="b"/>
+                      <a:r>
+                        <a:rPr lang="en-US" sz="1800" b="0" i="0" u="none" strike="noStrike">
+                          <a:effectLst/>
+                          <a:latin typeface="Arial Unicode MS" panose="020B0604020202020204" pitchFamily="34" charset="-128"/>
+                          <a:ea typeface="Arial Unicode MS" panose="020B0604020202020204" pitchFamily="34" charset="-128"/>
+                          <a:cs typeface="Arial Unicode MS" panose="020B0604020202020204" pitchFamily="34" charset="-128"/>
+                        </a:rPr>
+                        <a:t>3439.33</a:t>
+                      </a:r>
+                      <a:endParaRPr lang="en-US" sz="1800" b="0" i="0" u="none" strike="noStrike">
+                        <a:solidFill>
+                          <a:srgbClr val="000000"/>
+                        </a:solidFill>
+                        <a:effectLst/>
+                        <a:latin typeface="Arial Unicode MS" panose="020B0604020202020204" pitchFamily="34" charset="-128"/>
+                        <a:ea typeface="Arial Unicode MS" panose="020B0604020202020204" pitchFamily="34" charset="-128"/>
+                        <a:cs typeface="Arial Unicode MS" panose="020B0604020202020204" pitchFamily="34" charset="-128"/>
+                      </a:endParaRPr>
+                    </a:p>
+                  </a:txBody>
+                  <a:tcPr marL="9525" marR="9525" marT="9525" marB="0" anchor="ctr"/>
                 </a:tc>
                 <a:extLst>
                   <a:ext uri="{0D108BD9-81ED-4DB2-BD59-A6C34878D82A}">
-                    <a16:rowId xmlns:a16="http://schemas.microsoft.com/office/drawing/2014/main" val="10004"/>
+                    <a16:rowId xmlns:a16="http://schemas.microsoft.com/office/drawing/2014/main" val="2067867231"/>
                   </a:ext>
                 </a:extLst>
               </a:tr>
-              <a:tr h="431724">
-                <a:tc>
-                  <a:txBody>
-                    <a:bodyPr/>
-                    <a:lstStyle/>
-                    <a:p>
-                      <a:pPr defTabSz="457200">
-                        <a:defRPr>
-                          <a:solidFill>
-                            <a:srgbClr val="000000"/>
-                          </a:solidFill>
-                        </a:defRPr>
-                      </a:pPr>
-                      <a:r>
-                        <a:rPr sz="1500" spc="59">
-                          <a:solidFill>
-                            <a:srgbClr val="606060"/>
-                          </a:solidFill>
-                          <a:latin typeface="Helvetica"/>
-                          <a:ea typeface="Helvetica"/>
-                          <a:cs typeface="Helvetica"/>
-                          <a:sym typeface="Helvetica"/>
-                        </a:rPr>
-                        <a:t>80</a:t>
-                      </a:r>
-                    </a:p>
-                  </a:txBody>
-                  <a:tcPr marL="63500" marR="63500" marT="0" marB="0" anchor="ctr" horzOverflow="overflow">
-                    <a:lnL w="12700">
-                      <a:solidFill>
-                        <a:srgbClr val="CBCBCB"/>
-                      </a:solidFill>
-                      <a:miter lim="400000"/>
-                    </a:lnL>
-                    <a:lnR w="12700">
-                      <a:solidFill>
-                        <a:srgbClr val="CBCBCB"/>
-                      </a:solidFill>
-                      <a:miter lim="400000"/>
-                    </a:lnR>
-                    <a:lnT w="12700">
-                      <a:solidFill>
-                        <a:srgbClr val="CBCBCB"/>
-                      </a:solidFill>
-                      <a:miter lim="400000"/>
-                    </a:lnT>
-                    <a:lnB w="12700">
-                      <a:solidFill>
-                        <a:srgbClr val="CBCBCB"/>
-                      </a:solidFill>
-                      <a:miter lim="400000"/>
-                    </a:lnB>
-                  </a:tcPr>
-                </a:tc>
-                <a:tc>
-                  <a:txBody>
-                    <a:bodyPr/>
-                    <a:lstStyle/>
-                    <a:p>
-                      <a:pPr defTabSz="457200">
-                        <a:defRPr>
-                          <a:solidFill>
-                            <a:srgbClr val="000000"/>
-                          </a:solidFill>
-                        </a:defRPr>
-                      </a:pPr>
-                      <a:r>
-                        <a:rPr sz="1500" spc="59">
-                          <a:solidFill>
-                            <a:srgbClr val="606060"/>
-                          </a:solidFill>
-                          <a:latin typeface="Helvetica"/>
-                          <a:ea typeface="Helvetica"/>
-                          <a:cs typeface="Helvetica"/>
-                          <a:sym typeface="Helvetica"/>
+              <a:tr h="318598">
+                <a:tc>
+                  <a:txBody>
+                    <a:bodyPr/>
+                    <a:lstStyle/>
+                    <a:p>
+                      <a:pPr algn="ctr" fontAlgn="b"/>
+                      <a:r>
+                        <a:rPr lang="en-US" sz="1800" b="0" i="0" u="none" strike="noStrike">
+                          <a:effectLst/>
+                          <a:latin typeface="Arial Unicode MS" panose="020B0604020202020204" pitchFamily="34" charset="-128"/>
+                          <a:ea typeface="Arial Unicode MS" panose="020B0604020202020204" pitchFamily="34" charset="-128"/>
+                          <a:cs typeface="Arial Unicode MS" panose="020B0604020202020204" pitchFamily="34" charset="-128"/>
                         </a:rPr>
                         <a:t>20</a:t>
                       </a:r>
-                    </a:p>
-                  </a:txBody>
-                  <a:tcPr marL="63500" marR="63500" marT="0" marB="0" anchor="ctr" horzOverflow="overflow">
-                    <a:lnL w="12700">
-                      <a:solidFill>
-                        <a:srgbClr val="CBCBCB"/>
-                      </a:solidFill>
-                      <a:miter lim="400000"/>
-                    </a:lnL>
-                    <a:lnR w="12700">
-                      <a:solidFill>
-                        <a:srgbClr val="CBCBCB"/>
-                      </a:solidFill>
-                      <a:miter lim="400000"/>
-                    </a:lnR>
-                    <a:lnT w="12700">
-                      <a:solidFill>
-                        <a:srgbClr val="CBCBCB"/>
-                      </a:solidFill>
-                      <a:miter lim="400000"/>
-                    </a:lnT>
-                    <a:lnB w="12700">
-                      <a:solidFill>
-                        <a:srgbClr val="CBCBCB"/>
-                      </a:solidFill>
-                      <a:miter lim="400000"/>
-                    </a:lnB>
-                  </a:tcPr>
-                </a:tc>
-                <a:tc>
-                  <a:txBody>
-                    <a:bodyPr/>
-                    <a:lstStyle/>
-                    <a:p>
-                      <a:pPr defTabSz="457200">
-                        <a:defRPr>
-                          <a:solidFill>
-                            <a:srgbClr val="000000"/>
-                          </a:solidFill>
-                        </a:defRPr>
-                      </a:pPr>
-                      <a:r>
-                        <a:rPr sz="1500" spc="59">
-                          <a:solidFill>
-                            <a:srgbClr val="606060"/>
-                          </a:solidFill>
-                          <a:latin typeface="Helvetica"/>
-                          <a:ea typeface="Helvetica"/>
-                          <a:cs typeface="Helvetica"/>
-                          <a:sym typeface="Helvetica"/>
+                      <a:endParaRPr lang="en-US" sz="1800" b="0" i="0" u="none" strike="noStrike">
+                        <a:solidFill>
+                          <a:srgbClr val="000000"/>
+                        </a:solidFill>
+                        <a:effectLst/>
+                        <a:latin typeface="Arial Unicode MS" panose="020B0604020202020204" pitchFamily="34" charset="-128"/>
+                        <a:ea typeface="Arial Unicode MS" panose="020B0604020202020204" pitchFamily="34" charset="-128"/>
+                        <a:cs typeface="Arial Unicode MS" panose="020B0604020202020204" pitchFamily="34" charset="-128"/>
+                      </a:endParaRPr>
+                    </a:p>
+                  </a:txBody>
+                  <a:tcPr marL="9525" marR="9525" marT="9525" marB="0" anchor="ctr"/>
+                </a:tc>
+                <a:tc>
+                  <a:txBody>
+                    <a:bodyPr/>
+                    <a:lstStyle/>
+                    <a:p>
+                      <a:pPr algn="ctr" fontAlgn="b"/>
+                      <a:r>
+                        <a:rPr lang="en-US" sz="1800" b="0" i="0" u="none" strike="noStrike" dirty="0">
+                          <a:effectLst/>
+                          <a:latin typeface="Arial Unicode MS" panose="020B0604020202020204" pitchFamily="34" charset="-128"/>
+                          <a:ea typeface="Arial Unicode MS" panose="020B0604020202020204" pitchFamily="34" charset="-128"/>
+                          <a:cs typeface="Arial Unicode MS" panose="020B0604020202020204" pitchFamily="34" charset="-128"/>
+                        </a:rPr>
+                        <a:t>60</a:t>
+                      </a:r>
+                      <a:endParaRPr lang="en-US" sz="1800" b="0" i="0" u="none" strike="noStrike" dirty="0">
+                        <a:solidFill>
+                          <a:srgbClr val="000000"/>
+                        </a:solidFill>
+                        <a:effectLst/>
+                        <a:latin typeface="Arial Unicode MS" panose="020B0604020202020204" pitchFamily="34" charset="-128"/>
+                        <a:ea typeface="Arial Unicode MS" panose="020B0604020202020204" pitchFamily="34" charset="-128"/>
+                        <a:cs typeface="Arial Unicode MS" panose="020B0604020202020204" pitchFamily="34" charset="-128"/>
+                      </a:endParaRPr>
+                    </a:p>
+                  </a:txBody>
+                  <a:tcPr marL="9525" marR="9525" marT="9525" marB="0" anchor="ctr"/>
+                </a:tc>
+                <a:tc>
+                  <a:txBody>
+                    <a:bodyPr/>
+                    <a:lstStyle/>
+                    <a:p>
+                      <a:pPr algn="ctr" fontAlgn="b"/>
+                      <a:r>
+                        <a:rPr lang="en-US" sz="1800" b="0" i="0" u="none" strike="noStrike">
+                          <a:effectLst/>
+                          <a:latin typeface="Arial Unicode MS" panose="020B0604020202020204" pitchFamily="34" charset="-128"/>
+                          <a:ea typeface="Arial Unicode MS" panose="020B0604020202020204" pitchFamily="34" charset="-128"/>
+                          <a:cs typeface="Arial Unicode MS" panose="020B0604020202020204" pitchFamily="34" charset="-128"/>
                         </a:rPr>
                         <a:t>300</a:t>
                       </a:r>
-                    </a:p>
-                  </a:txBody>
-                  <a:tcPr marL="63500" marR="63500" marT="0" marB="0" anchor="ctr" horzOverflow="overflow">
-                    <a:lnL w="12700">
-                      <a:solidFill>
-                        <a:srgbClr val="CBCBCB"/>
-                      </a:solidFill>
-                      <a:miter lim="400000"/>
-                    </a:lnL>
-                    <a:lnR w="12700">
-                      <a:solidFill>
-                        <a:srgbClr val="CBCBCB"/>
-                      </a:solidFill>
-                      <a:miter lim="400000"/>
-                    </a:lnR>
-                    <a:lnT w="12700">
-                      <a:solidFill>
-                        <a:srgbClr val="CBCBCB"/>
-                      </a:solidFill>
-                      <a:miter lim="400000"/>
-                    </a:lnT>
-                    <a:lnB w="12700">
-                      <a:solidFill>
-                        <a:srgbClr val="CBCBCB"/>
-                      </a:solidFill>
-                      <a:miter lim="400000"/>
-                    </a:lnB>
-                  </a:tcPr>
-                </a:tc>
-                <a:tc>
-                  <a:txBody>
-                    <a:bodyPr/>
-                    <a:lstStyle/>
-                    <a:p>
-                      <a:pPr defTabSz="457200">
-                        <a:defRPr>
-                          <a:solidFill>
-                            <a:srgbClr val="000000"/>
-                          </a:solidFill>
-                        </a:defRPr>
-                      </a:pPr>
-                      <a:r>
-                        <a:rPr sz="1500" spc="59">
-                          <a:solidFill>
-                            <a:srgbClr val="606060"/>
-                          </a:solidFill>
-                          <a:latin typeface="Helvetica"/>
-                          <a:ea typeface="Helvetica"/>
-                          <a:cs typeface="Helvetica"/>
-                          <a:sym typeface="Helvetica"/>
-                        </a:rPr>
-                        <a:t>140.82</a:t>
-                      </a:r>
-                    </a:p>
-                  </a:txBody>
-                  <a:tcPr marL="63500" marR="63500" marT="0" marB="0" anchor="ctr" horzOverflow="overflow">
-                    <a:lnL w="12700">
-                      <a:solidFill>
-                        <a:srgbClr val="CBCBCB"/>
-                      </a:solidFill>
-                      <a:miter lim="400000"/>
-                    </a:lnL>
-                    <a:lnR w="12700">
-                      <a:solidFill>
-                        <a:srgbClr val="CBCBCB"/>
-                      </a:solidFill>
-                      <a:miter lim="400000"/>
-                    </a:lnR>
-                    <a:lnT w="12700">
-                      <a:solidFill>
-                        <a:srgbClr val="CBCBCB"/>
-                      </a:solidFill>
-                      <a:miter lim="400000"/>
-                    </a:lnT>
-                    <a:lnB w="12700">
-                      <a:solidFill>
-                        <a:srgbClr val="CBCBCB"/>
-                      </a:solidFill>
-                      <a:miter lim="400000"/>
-                    </a:lnB>
-                  </a:tcPr>
-                </a:tc>
-                <a:tc>
-                  <a:txBody>
-                    <a:bodyPr/>
-                    <a:lstStyle/>
-                    <a:p>
-                      <a:pPr defTabSz="457200">
-                        <a:defRPr>
-                          <a:solidFill>
-                            <a:srgbClr val="000000"/>
-                          </a:solidFill>
-                        </a:defRPr>
-                      </a:pPr>
-                      <a:r>
-                        <a:rPr sz="1500" spc="59">
-                          <a:solidFill>
-                            <a:srgbClr val="606060"/>
-                          </a:solidFill>
-                          <a:latin typeface="Helvetica"/>
-                          <a:ea typeface="Helvetica"/>
-                          <a:cs typeface="Helvetica"/>
-                          <a:sym typeface="Helvetica"/>
-                        </a:rPr>
-                        <a:t>925.74</a:t>
-                      </a:r>
-                    </a:p>
-                  </a:txBody>
-                  <a:tcPr marL="63500" marR="63500" marT="0" marB="0" anchor="ctr" horzOverflow="overflow">
-                    <a:lnL w="12700">
-                      <a:solidFill>
-                        <a:srgbClr val="CBCBCB"/>
-                      </a:solidFill>
-                      <a:miter lim="400000"/>
-                    </a:lnL>
-                    <a:lnR w="12700">
-                      <a:solidFill>
-                        <a:srgbClr val="CBCBCB"/>
-                      </a:solidFill>
-                      <a:miter lim="400000"/>
-                    </a:lnR>
-                    <a:lnT w="12700">
-                      <a:solidFill>
-                        <a:srgbClr val="CBCBCB"/>
-                      </a:solidFill>
-                      <a:miter lim="400000"/>
-                    </a:lnT>
-                    <a:lnB w="12700">
-                      <a:solidFill>
-                        <a:srgbClr val="CBCBCB"/>
-                      </a:solidFill>
-                      <a:miter lim="400000"/>
-                    </a:lnB>
-                  </a:tcPr>
+                      <a:endParaRPr lang="en-US" sz="1800" b="0" i="0" u="none" strike="noStrike">
+                        <a:solidFill>
+                          <a:srgbClr val="000000"/>
+                        </a:solidFill>
+                        <a:effectLst/>
+                        <a:latin typeface="Arial Unicode MS" panose="020B0604020202020204" pitchFamily="34" charset="-128"/>
+                        <a:ea typeface="Arial Unicode MS" panose="020B0604020202020204" pitchFamily="34" charset="-128"/>
+                        <a:cs typeface="Arial Unicode MS" panose="020B0604020202020204" pitchFamily="34" charset="-128"/>
+                      </a:endParaRPr>
+                    </a:p>
+                  </a:txBody>
+                  <a:tcPr marL="9525" marR="9525" marT="9525" marB="0" anchor="ctr"/>
+                </a:tc>
+                <a:tc>
+                  <a:txBody>
+                    <a:bodyPr/>
+                    <a:lstStyle/>
+                    <a:p>
+                      <a:pPr algn="ctr" fontAlgn="b"/>
+                      <a:r>
+                        <a:rPr lang="en-US" sz="1800" b="0" i="0" u="none" strike="noStrike">
+                          <a:effectLst/>
+                          <a:latin typeface="Arial Unicode MS" panose="020B0604020202020204" pitchFamily="34" charset="-128"/>
+                          <a:ea typeface="Arial Unicode MS" panose="020B0604020202020204" pitchFamily="34" charset="-128"/>
+                          <a:cs typeface="Arial Unicode MS" panose="020B0604020202020204" pitchFamily="34" charset="-128"/>
+                        </a:rPr>
+                        <a:t>64.55</a:t>
+                      </a:r>
+                      <a:endParaRPr lang="en-US" sz="1800" b="0" i="0" u="none" strike="noStrike">
+                        <a:solidFill>
+                          <a:srgbClr val="000000"/>
+                        </a:solidFill>
+                        <a:effectLst/>
+                        <a:latin typeface="Arial Unicode MS" panose="020B0604020202020204" pitchFamily="34" charset="-128"/>
+                        <a:ea typeface="Arial Unicode MS" panose="020B0604020202020204" pitchFamily="34" charset="-128"/>
+                        <a:cs typeface="Arial Unicode MS" panose="020B0604020202020204" pitchFamily="34" charset="-128"/>
+                      </a:endParaRPr>
+                    </a:p>
+                  </a:txBody>
+                  <a:tcPr marL="9525" marR="9525" marT="9525" marB="0" anchor="ctr"/>
+                </a:tc>
+                <a:tc>
+                  <a:txBody>
+                    <a:bodyPr/>
+                    <a:lstStyle/>
+                    <a:p>
+                      <a:pPr algn="ctr" fontAlgn="b"/>
+                      <a:r>
+                        <a:rPr lang="en-US" sz="1800" b="0" i="0" u="none" strike="noStrike">
+                          <a:effectLst/>
+                          <a:latin typeface="Arial Unicode MS" panose="020B0604020202020204" pitchFamily="34" charset="-128"/>
+                          <a:ea typeface="Arial Unicode MS" panose="020B0604020202020204" pitchFamily="34" charset="-128"/>
+                          <a:cs typeface="Arial Unicode MS" panose="020B0604020202020204" pitchFamily="34" charset="-128"/>
+                        </a:rPr>
+                        <a:t>3812.01</a:t>
+                      </a:r>
+                      <a:endParaRPr lang="en-US" sz="1800" b="0" i="0" u="none" strike="noStrike">
+                        <a:solidFill>
+                          <a:srgbClr val="000000"/>
+                        </a:solidFill>
+                        <a:effectLst/>
+                        <a:latin typeface="Arial Unicode MS" panose="020B0604020202020204" pitchFamily="34" charset="-128"/>
+                        <a:ea typeface="Arial Unicode MS" panose="020B0604020202020204" pitchFamily="34" charset="-128"/>
+                        <a:cs typeface="Arial Unicode MS" panose="020B0604020202020204" pitchFamily="34" charset="-128"/>
+                      </a:endParaRPr>
+                    </a:p>
+                  </a:txBody>
+                  <a:tcPr marL="9525" marR="9525" marT="9525" marB="0" anchor="ctr"/>
                 </a:tc>
                 <a:extLst>
                   <a:ext uri="{0D108BD9-81ED-4DB2-BD59-A6C34878D82A}">
-                    <a16:rowId xmlns:a16="http://schemas.microsoft.com/office/drawing/2014/main" val="10005"/>
+                    <a16:rowId xmlns:a16="http://schemas.microsoft.com/office/drawing/2014/main" val="919950717"/>
                   </a:ext>
                 </a:extLst>
               </a:tr>
-              <a:tr h="431724">
-                <a:tc>
-                  <a:txBody>
-                    <a:bodyPr/>
-                    <a:lstStyle/>
-                    <a:p>
-                      <a:pPr defTabSz="457200">
-                        <a:defRPr>
-                          <a:solidFill>
-                            <a:srgbClr val="000000"/>
-                          </a:solidFill>
-                        </a:defRPr>
-                      </a:pPr>
-                      <a:r>
-                        <a:rPr sz="1500" spc="59">
-                          <a:solidFill>
-                            <a:srgbClr val="606060"/>
-                          </a:solidFill>
-                          <a:latin typeface="Helvetica"/>
-                          <a:ea typeface="Helvetica"/>
-                          <a:cs typeface="Helvetica"/>
-                          <a:sym typeface="Helvetica"/>
+              <a:tr h="318598">
+                <a:tc>
+                  <a:txBody>
+                    <a:bodyPr/>
+                    <a:lstStyle/>
+                    <a:p>
+                      <a:pPr algn="ctr" fontAlgn="b"/>
+                      <a:r>
+                        <a:rPr lang="en-US" sz="1800" b="0" i="0" u="none" strike="noStrike">
+                          <a:effectLst/>
+                          <a:latin typeface="Arial Unicode MS" panose="020B0604020202020204" pitchFamily="34" charset="-128"/>
+                          <a:ea typeface="Arial Unicode MS" panose="020B0604020202020204" pitchFamily="34" charset="-128"/>
+                          <a:cs typeface="Arial Unicode MS" panose="020B0604020202020204" pitchFamily="34" charset="-128"/>
                         </a:rPr>
                         <a:t>20</a:t>
                       </a:r>
-                    </a:p>
-                  </a:txBody>
-                  <a:tcPr marL="63500" marR="63500" marT="0" marB="0" anchor="ctr" horzOverflow="overflow">
-                    <a:lnL w="12700">
-                      <a:solidFill>
-                        <a:srgbClr val="CBCBCB"/>
-                      </a:solidFill>
-                      <a:miter lim="400000"/>
-                    </a:lnL>
-                    <a:lnR w="12700">
-                      <a:solidFill>
-                        <a:srgbClr val="CBCBCB"/>
-                      </a:solidFill>
-                      <a:miter lim="400000"/>
-                    </a:lnR>
-                    <a:lnT w="12700">
-                      <a:solidFill>
-                        <a:srgbClr val="CBCBCB"/>
-                      </a:solidFill>
-                      <a:miter lim="400000"/>
-                    </a:lnT>
-                    <a:lnB w="12700">
-                      <a:solidFill>
-                        <a:srgbClr val="CBCBCB"/>
-                      </a:solidFill>
-                      <a:miter lim="400000"/>
-                    </a:lnB>
-                  </a:tcPr>
-                </a:tc>
-                <a:tc>
-                  <a:txBody>
-                    <a:bodyPr/>
-                    <a:lstStyle/>
-                    <a:p>
-                      <a:pPr defTabSz="457200">
-                        <a:defRPr>
-                          <a:solidFill>
-                            <a:srgbClr val="000000"/>
-                          </a:solidFill>
-                        </a:defRPr>
-                      </a:pPr>
-                      <a:r>
-                        <a:rPr sz="1500" spc="59">
-                          <a:solidFill>
-                            <a:srgbClr val="606060"/>
-                          </a:solidFill>
-                          <a:latin typeface="Helvetica"/>
-                          <a:ea typeface="Helvetica"/>
-                          <a:cs typeface="Helvetica"/>
-                          <a:sym typeface="Helvetica"/>
-                        </a:rPr>
-                        <a:t>30</a:t>
-                      </a:r>
-                    </a:p>
-                  </a:txBody>
-                  <a:tcPr marL="63500" marR="63500" marT="0" marB="0" anchor="ctr" horzOverflow="overflow">
-                    <a:lnL w="12700">
-                      <a:solidFill>
-                        <a:srgbClr val="CBCBCB"/>
-                      </a:solidFill>
-                      <a:miter lim="400000"/>
-                    </a:lnL>
-                    <a:lnR w="12700">
-                      <a:solidFill>
-                        <a:srgbClr val="CBCBCB"/>
-                      </a:solidFill>
-                      <a:miter lim="400000"/>
-                    </a:lnR>
-                    <a:lnT w="12700">
-                      <a:solidFill>
-                        <a:srgbClr val="CBCBCB"/>
-                      </a:solidFill>
-                      <a:miter lim="400000"/>
-                    </a:lnT>
-                    <a:lnB w="12700">
-                      <a:solidFill>
-                        <a:srgbClr val="CBCBCB"/>
-                      </a:solidFill>
-                      <a:miter lim="400000"/>
-                    </a:lnB>
-                  </a:tcPr>
-                </a:tc>
-                <a:tc>
-                  <a:txBody>
-                    <a:bodyPr/>
-                    <a:lstStyle/>
-                    <a:p>
-                      <a:pPr defTabSz="457200">
-                        <a:defRPr>
-                          <a:solidFill>
-                            <a:srgbClr val="000000"/>
-                          </a:solidFill>
-                        </a:defRPr>
-                      </a:pPr>
-                      <a:r>
-                        <a:rPr sz="1500" spc="59">
-                          <a:solidFill>
-                            <a:srgbClr val="606060"/>
-                          </a:solidFill>
-                          <a:latin typeface="Helvetica"/>
-                          <a:ea typeface="Helvetica"/>
-                          <a:cs typeface="Helvetica"/>
-                          <a:sym typeface="Helvetica"/>
+                      <a:endParaRPr lang="en-US" sz="1800" b="0" i="0" u="none" strike="noStrike">
+                        <a:solidFill>
+                          <a:srgbClr val="000000"/>
+                        </a:solidFill>
+                        <a:effectLst/>
+                        <a:latin typeface="Arial Unicode MS" panose="020B0604020202020204" pitchFamily="34" charset="-128"/>
+                        <a:ea typeface="Arial Unicode MS" panose="020B0604020202020204" pitchFamily="34" charset="-128"/>
+                        <a:cs typeface="Arial Unicode MS" panose="020B0604020202020204" pitchFamily="34" charset="-128"/>
+                      </a:endParaRPr>
+                    </a:p>
+                  </a:txBody>
+                  <a:tcPr marL="9525" marR="9525" marT="9525" marB="0" anchor="ctr"/>
+                </a:tc>
+                <a:tc>
+                  <a:txBody>
+                    <a:bodyPr/>
+                    <a:lstStyle/>
+                    <a:p>
+                      <a:pPr algn="ctr" fontAlgn="b"/>
+                      <a:r>
+                        <a:rPr lang="en-US" sz="1800" b="0" i="0" u="none" strike="noStrike">
+                          <a:effectLst/>
+                          <a:latin typeface="Arial Unicode MS" panose="020B0604020202020204" pitchFamily="34" charset="-128"/>
+                          <a:ea typeface="Arial Unicode MS" panose="020B0604020202020204" pitchFamily="34" charset="-128"/>
+                          <a:cs typeface="Arial Unicode MS" panose="020B0604020202020204" pitchFamily="34" charset="-128"/>
+                        </a:rPr>
+                        <a:t>80</a:t>
+                      </a:r>
+                      <a:endParaRPr lang="en-US" sz="1800" b="0" i="0" u="none" strike="noStrike">
+                        <a:solidFill>
+                          <a:srgbClr val="000000"/>
+                        </a:solidFill>
+                        <a:effectLst/>
+                        <a:latin typeface="Arial Unicode MS" panose="020B0604020202020204" pitchFamily="34" charset="-128"/>
+                        <a:ea typeface="Arial Unicode MS" panose="020B0604020202020204" pitchFamily="34" charset="-128"/>
+                        <a:cs typeface="Arial Unicode MS" panose="020B0604020202020204" pitchFamily="34" charset="-128"/>
+                      </a:endParaRPr>
+                    </a:p>
+                  </a:txBody>
+                  <a:tcPr marL="9525" marR="9525" marT="9525" marB="0" anchor="ctr"/>
+                </a:tc>
+                <a:tc>
+                  <a:txBody>
+                    <a:bodyPr/>
+                    <a:lstStyle/>
+                    <a:p>
+                      <a:pPr algn="ctr" fontAlgn="b"/>
+                      <a:r>
+                        <a:rPr lang="en-US" sz="1800" b="0" i="0" u="none" strike="noStrike" dirty="0">
+                          <a:effectLst/>
+                          <a:latin typeface="Arial Unicode MS" panose="020B0604020202020204" pitchFamily="34" charset="-128"/>
+                          <a:ea typeface="Arial Unicode MS" panose="020B0604020202020204" pitchFamily="34" charset="-128"/>
+                          <a:cs typeface="Arial Unicode MS" panose="020B0604020202020204" pitchFamily="34" charset="-128"/>
                         </a:rPr>
                         <a:t>300</a:t>
                       </a:r>
-                    </a:p>
-                  </a:txBody>
-                  <a:tcPr marL="63500" marR="63500" marT="0" marB="0" anchor="ctr" horzOverflow="overflow">
-                    <a:lnL w="12700">
-                      <a:solidFill>
-                        <a:srgbClr val="CBCBCB"/>
-                      </a:solidFill>
-                      <a:miter lim="400000"/>
-                    </a:lnL>
-                    <a:lnR w="12700">
-                      <a:solidFill>
-                        <a:srgbClr val="CBCBCB"/>
-                      </a:solidFill>
-                      <a:miter lim="400000"/>
-                    </a:lnR>
-                    <a:lnT w="12700">
-                      <a:solidFill>
-                        <a:srgbClr val="CBCBCB"/>
-                      </a:solidFill>
-                      <a:miter lim="400000"/>
-                    </a:lnT>
-                    <a:lnB w="12700">
-                      <a:solidFill>
-                        <a:srgbClr val="CBCBCB"/>
-                      </a:solidFill>
-                      <a:miter lim="400000"/>
-                    </a:lnB>
-                  </a:tcPr>
-                </a:tc>
-                <a:tc>
-                  <a:txBody>
-                    <a:bodyPr/>
-                    <a:lstStyle/>
-                    <a:p>
-                      <a:pPr defTabSz="457200">
-                        <a:defRPr>
-                          <a:solidFill>
-                            <a:srgbClr val="000000"/>
-                          </a:solidFill>
-                        </a:defRPr>
-                      </a:pPr>
-                      <a:r>
-                        <a:rPr sz="1500" spc="59">
-                          <a:solidFill>
-                            <a:srgbClr val="606060"/>
-                          </a:solidFill>
-                          <a:latin typeface="Helvetica"/>
-                          <a:ea typeface="Helvetica"/>
-                          <a:cs typeface="Helvetica"/>
-                          <a:sym typeface="Helvetica"/>
-                        </a:rPr>
-                        <a:t>62.00</a:t>
-                      </a:r>
-                    </a:p>
-                  </a:txBody>
-                  <a:tcPr marL="63500" marR="63500" marT="0" marB="0" anchor="ctr" horzOverflow="overflow">
-                    <a:lnL w="12700">
-                      <a:solidFill>
-                        <a:srgbClr val="CBCBCB"/>
-                      </a:solidFill>
-                      <a:miter lim="400000"/>
-                    </a:lnL>
-                    <a:lnR w="12700">
-                      <a:solidFill>
-                        <a:srgbClr val="CBCBCB"/>
-                      </a:solidFill>
-                      <a:miter lim="400000"/>
-                    </a:lnR>
-                    <a:lnT w="12700">
-                      <a:solidFill>
-                        <a:srgbClr val="CBCBCB"/>
-                      </a:solidFill>
-                      <a:miter lim="400000"/>
-                    </a:lnT>
-                    <a:lnB w="12700">
-                      <a:solidFill>
-                        <a:srgbClr val="CBCBCB"/>
-                      </a:solidFill>
-                      <a:miter lim="400000"/>
-                    </a:lnB>
-                  </a:tcPr>
-                </a:tc>
-                <a:tc>
-                  <a:txBody>
-                    <a:bodyPr/>
-                    <a:lstStyle/>
-                    <a:p>
-                      <a:pPr defTabSz="457200">
-                        <a:defRPr>
-                          <a:solidFill>
-                            <a:srgbClr val="000000"/>
-                          </a:solidFill>
-                        </a:defRPr>
-                      </a:pPr>
-                      <a:r>
-                        <a:rPr sz="1500" spc="59">
-                          <a:solidFill>
-                            <a:srgbClr val="606060"/>
-                          </a:solidFill>
-                          <a:latin typeface="Helvetica"/>
-                          <a:ea typeface="Helvetica"/>
-                          <a:cs typeface="Helvetica"/>
-                          <a:sym typeface="Helvetica"/>
-                        </a:rPr>
-                        <a:t>3376.35</a:t>
-                      </a:r>
-                    </a:p>
-                  </a:txBody>
-                  <a:tcPr marL="63500" marR="63500" marT="0" marB="0" anchor="ctr" horzOverflow="overflow">
-                    <a:lnL w="12700">
-                      <a:solidFill>
-                        <a:srgbClr val="CBCBCB"/>
-                      </a:solidFill>
-                      <a:miter lim="400000"/>
-                    </a:lnL>
-                    <a:lnR w="12700">
-                      <a:solidFill>
-                        <a:srgbClr val="CBCBCB"/>
-                      </a:solidFill>
-                      <a:miter lim="400000"/>
-                    </a:lnR>
-                    <a:lnT w="12700">
-                      <a:solidFill>
-                        <a:srgbClr val="CBCBCB"/>
-                      </a:solidFill>
-                      <a:miter lim="400000"/>
-                    </a:lnT>
-                    <a:lnB w="12700">
-                      <a:solidFill>
-                        <a:srgbClr val="CBCBCB"/>
-                      </a:solidFill>
-                      <a:miter lim="400000"/>
-                    </a:lnB>
-                  </a:tcPr>
+                      <a:endParaRPr lang="en-US" sz="1800" b="0" i="0" u="none" strike="noStrike" dirty="0">
+                        <a:solidFill>
+                          <a:srgbClr val="000000"/>
+                        </a:solidFill>
+                        <a:effectLst/>
+                        <a:latin typeface="Arial Unicode MS" panose="020B0604020202020204" pitchFamily="34" charset="-128"/>
+                        <a:ea typeface="Arial Unicode MS" panose="020B0604020202020204" pitchFamily="34" charset="-128"/>
+                        <a:cs typeface="Arial Unicode MS" panose="020B0604020202020204" pitchFamily="34" charset="-128"/>
+                      </a:endParaRPr>
+                    </a:p>
+                  </a:txBody>
+                  <a:tcPr marL="9525" marR="9525" marT="9525" marB="0" anchor="ctr"/>
+                </a:tc>
+                <a:tc>
+                  <a:txBody>
+                    <a:bodyPr/>
+                    <a:lstStyle/>
+                    <a:p>
+                      <a:pPr algn="ctr" fontAlgn="b"/>
+                      <a:r>
+                        <a:rPr lang="en-US" sz="1800" b="0" i="0" u="none" strike="noStrike">
+                          <a:effectLst/>
+                          <a:latin typeface="Arial Unicode MS" panose="020B0604020202020204" pitchFamily="34" charset="-128"/>
+                          <a:ea typeface="Arial Unicode MS" panose="020B0604020202020204" pitchFamily="34" charset="-128"/>
+                          <a:cs typeface="Arial Unicode MS" panose="020B0604020202020204" pitchFamily="34" charset="-128"/>
+                        </a:rPr>
+                        <a:t>68.91</a:t>
+                      </a:r>
+                      <a:endParaRPr lang="en-US" sz="1800" b="0" i="0" u="none" strike="noStrike">
+                        <a:solidFill>
+                          <a:srgbClr val="000000"/>
+                        </a:solidFill>
+                        <a:effectLst/>
+                        <a:latin typeface="Arial Unicode MS" panose="020B0604020202020204" pitchFamily="34" charset="-128"/>
+                        <a:ea typeface="Arial Unicode MS" panose="020B0604020202020204" pitchFamily="34" charset="-128"/>
+                        <a:cs typeface="Arial Unicode MS" panose="020B0604020202020204" pitchFamily="34" charset="-128"/>
+                      </a:endParaRPr>
+                    </a:p>
+                  </a:txBody>
+                  <a:tcPr marL="9525" marR="9525" marT="9525" marB="0" anchor="ctr"/>
+                </a:tc>
+                <a:tc>
+                  <a:txBody>
+                    <a:bodyPr/>
+                    <a:lstStyle/>
+                    <a:p>
+                      <a:pPr algn="ctr" fontAlgn="b"/>
+                      <a:r>
+                        <a:rPr lang="en-US" sz="1800" b="0" i="0" u="none" strike="noStrike">
+                          <a:effectLst/>
+                          <a:latin typeface="Arial Unicode MS" panose="020B0604020202020204" pitchFamily="34" charset="-128"/>
+                          <a:ea typeface="Arial Unicode MS" panose="020B0604020202020204" pitchFamily="34" charset="-128"/>
+                          <a:cs typeface="Arial Unicode MS" panose="020B0604020202020204" pitchFamily="34" charset="-128"/>
+                        </a:rPr>
+                        <a:t>3221.17</a:t>
+                      </a:r>
+                      <a:endParaRPr lang="en-US" sz="1800" b="0" i="0" u="none" strike="noStrike">
+                        <a:solidFill>
+                          <a:srgbClr val="000000"/>
+                        </a:solidFill>
+                        <a:effectLst/>
+                        <a:latin typeface="Arial Unicode MS" panose="020B0604020202020204" pitchFamily="34" charset="-128"/>
+                        <a:ea typeface="Arial Unicode MS" panose="020B0604020202020204" pitchFamily="34" charset="-128"/>
+                        <a:cs typeface="Arial Unicode MS" panose="020B0604020202020204" pitchFamily="34" charset="-128"/>
+                      </a:endParaRPr>
+                    </a:p>
+                  </a:txBody>
+                  <a:tcPr marL="9525" marR="9525" marT="9525" marB="0" anchor="ctr"/>
                 </a:tc>
                 <a:extLst>
                   <a:ext uri="{0D108BD9-81ED-4DB2-BD59-A6C34878D82A}">
-                    <a16:rowId xmlns:a16="http://schemas.microsoft.com/office/drawing/2014/main" val="10006"/>
+                    <a16:rowId xmlns:a16="http://schemas.microsoft.com/office/drawing/2014/main" val="2147637933"/>
                   </a:ext>
                 </a:extLst>
               </a:tr>
-              <a:tr h="431724">
-                <a:tc>
-                  <a:txBody>
-                    <a:bodyPr/>
-                    <a:lstStyle/>
-                    <a:p>
-                      <a:pPr defTabSz="457200">
-                        <a:defRPr>
-                          <a:solidFill>
-                            <a:srgbClr val="000000"/>
-                          </a:solidFill>
-                        </a:defRPr>
-                      </a:pPr>
-                      <a:r>
-                        <a:rPr sz="1500" spc="59">
-                          <a:solidFill>
-                            <a:srgbClr val="606060"/>
-                          </a:solidFill>
-                          <a:latin typeface="Helvetica"/>
-                          <a:ea typeface="Helvetica"/>
-                          <a:cs typeface="Helvetica"/>
-                          <a:sym typeface="Helvetica"/>
-                        </a:rPr>
-                        <a:t>40</a:t>
-                      </a:r>
-                    </a:p>
-                  </a:txBody>
-                  <a:tcPr marL="63500" marR="63500" marT="0" marB="0" anchor="ctr" horzOverflow="overflow">
-                    <a:lnL w="12700">
-                      <a:solidFill>
-                        <a:srgbClr val="CBCBCB"/>
-                      </a:solidFill>
-                      <a:miter lim="400000"/>
-                    </a:lnL>
-                    <a:lnR w="12700">
-                      <a:solidFill>
-                        <a:srgbClr val="CBCBCB"/>
-                      </a:solidFill>
-                      <a:miter lim="400000"/>
-                    </a:lnR>
-                    <a:lnT w="12700">
-                      <a:solidFill>
-                        <a:srgbClr val="CBCBCB"/>
-                      </a:solidFill>
-                      <a:miter lim="400000"/>
-                    </a:lnT>
-                    <a:lnB w="12700">
-                      <a:solidFill>
-                        <a:srgbClr val="CBCBCB"/>
-                      </a:solidFill>
-                      <a:miter lim="400000"/>
-                    </a:lnB>
-                  </a:tcPr>
-                </a:tc>
-                <a:tc>
-                  <a:txBody>
-                    <a:bodyPr/>
-                    <a:lstStyle/>
-                    <a:p>
-                      <a:pPr defTabSz="457200">
-                        <a:defRPr>
-                          <a:solidFill>
-                            <a:srgbClr val="000000"/>
-                          </a:solidFill>
-                        </a:defRPr>
-                      </a:pPr>
-                      <a:r>
-                        <a:rPr sz="1500" spc="59">
-                          <a:solidFill>
-                            <a:srgbClr val="606060"/>
-                          </a:solidFill>
-                          <a:latin typeface="Helvetica"/>
-                          <a:ea typeface="Helvetica"/>
-                          <a:cs typeface="Helvetica"/>
-                          <a:sym typeface="Helvetica"/>
-                        </a:rPr>
-                        <a:t>30</a:t>
-                      </a:r>
-                    </a:p>
-                  </a:txBody>
-                  <a:tcPr marL="63500" marR="63500" marT="0" marB="0" anchor="ctr" horzOverflow="overflow">
-                    <a:lnL w="12700">
-                      <a:solidFill>
-                        <a:srgbClr val="CBCBCB"/>
-                      </a:solidFill>
-                      <a:miter lim="400000"/>
-                    </a:lnL>
-                    <a:lnR w="12700">
-                      <a:solidFill>
-                        <a:srgbClr val="CBCBCB"/>
-                      </a:solidFill>
-                      <a:miter lim="400000"/>
-                    </a:lnR>
-                    <a:lnT w="12700">
-                      <a:solidFill>
-                        <a:srgbClr val="CBCBCB"/>
-                      </a:solidFill>
-                      <a:miter lim="400000"/>
-                    </a:lnT>
-                    <a:lnB w="12700">
-                      <a:solidFill>
-                        <a:srgbClr val="CBCBCB"/>
-                      </a:solidFill>
-                      <a:miter lim="400000"/>
-                    </a:lnB>
-                  </a:tcPr>
-                </a:tc>
-                <a:tc>
-                  <a:txBody>
-                    <a:bodyPr/>
-                    <a:lstStyle/>
-                    <a:p>
-                      <a:pPr defTabSz="457200">
-                        <a:defRPr>
-                          <a:solidFill>
-                            <a:srgbClr val="000000"/>
-                          </a:solidFill>
-                        </a:defRPr>
-                      </a:pPr>
-                      <a:r>
-                        <a:rPr sz="1500" spc="59">
-                          <a:solidFill>
-                            <a:srgbClr val="606060"/>
-                          </a:solidFill>
-                          <a:latin typeface="Helvetica"/>
-                          <a:ea typeface="Helvetica"/>
-                          <a:cs typeface="Helvetica"/>
-                          <a:sym typeface="Helvetica"/>
+              <a:tr h="318598">
+                <a:tc>
+                  <a:txBody>
+                    <a:bodyPr/>
+                    <a:lstStyle/>
+                    <a:p>
+                      <a:pPr algn="ctr" fontAlgn="b"/>
+                      <a:r>
+                        <a:rPr lang="en-US" sz="1800" b="0" i="0" u="none" strike="noStrike">
+                          <a:effectLst/>
+                          <a:latin typeface="Arial Unicode MS" panose="020B0604020202020204" pitchFamily="34" charset="-128"/>
+                          <a:ea typeface="Arial Unicode MS" panose="020B0604020202020204" pitchFamily="34" charset="-128"/>
+                          <a:cs typeface="Arial Unicode MS" panose="020B0604020202020204" pitchFamily="34" charset="-128"/>
+                        </a:rPr>
+                        <a:t>20</a:t>
+                      </a:r>
+                      <a:endParaRPr lang="en-US" sz="1800" b="0" i="0" u="none" strike="noStrike">
+                        <a:solidFill>
+                          <a:srgbClr val="000000"/>
+                        </a:solidFill>
+                        <a:effectLst/>
+                        <a:latin typeface="Arial Unicode MS" panose="020B0604020202020204" pitchFamily="34" charset="-128"/>
+                        <a:ea typeface="Arial Unicode MS" panose="020B0604020202020204" pitchFamily="34" charset="-128"/>
+                        <a:cs typeface="Arial Unicode MS" panose="020B0604020202020204" pitchFamily="34" charset="-128"/>
+                      </a:endParaRPr>
+                    </a:p>
+                  </a:txBody>
+                  <a:tcPr marL="9525" marR="9525" marT="9525" marB="0" anchor="ctr"/>
+                </a:tc>
+                <a:tc>
+                  <a:txBody>
+                    <a:bodyPr/>
+                    <a:lstStyle/>
+                    <a:p>
+                      <a:pPr algn="ctr" fontAlgn="b"/>
+                      <a:r>
+                        <a:rPr lang="en-US" sz="1800" b="0" i="0" u="none" strike="noStrike" dirty="0">
+                          <a:effectLst/>
+                          <a:latin typeface="Arial Unicode MS" panose="020B0604020202020204" pitchFamily="34" charset="-128"/>
+                          <a:ea typeface="Arial Unicode MS" panose="020B0604020202020204" pitchFamily="34" charset="-128"/>
+                          <a:cs typeface="Arial Unicode MS" panose="020B0604020202020204" pitchFamily="34" charset="-128"/>
+                        </a:rPr>
+                        <a:t>160</a:t>
+                      </a:r>
+                      <a:endParaRPr lang="en-US" sz="1800" b="0" i="0" u="none" strike="noStrike" dirty="0">
+                        <a:solidFill>
+                          <a:srgbClr val="000000"/>
+                        </a:solidFill>
+                        <a:effectLst/>
+                        <a:latin typeface="Arial Unicode MS" panose="020B0604020202020204" pitchFamily="34" charset="-128"/>
+                        <a:ea typeface="Arial Unicode MS" panose="020B0604020202020204" pitchFamily="34" charset="-128"/>
+                        <a:cs typeface="Arial Unicode MS" panose="020B0604020202020204" pitchFamily="34" charset="-128"/>
+                      </a:endParaRPr>
+                    </a:p>
+                  </a:txBody>
+                  <a:tcPr marL="9525" marR="9525" marT="9525" marB="0" anchor="ctr"/>
+                </a:tc>
+                <a:tc>
+                  <a:txBody>
+                    <a:bodyPr/>
+                    <a:lstStyle/>
+                    <a:p>
+                      <a:pPr algn="ctr" fontAlgn="b"/>
+                      <a:r>
+                        <a:rPr lang="en-US" sz="1800" b="0" i="0" u="none" strike="noStrike">
+                          <a:effectLst/>
+                          <a:latin typeface="Arial Unicode MS" panose="020B0604020202020204" pitchFamily="34" charset="-128"/>
+                          <a:ea typeface="Arial Unicode MS" panose="020B0604020202020204" pitchFamily="34" charset="-128"/>
+                          <a:cs typeface="Arial Unicode MS" panose="020B0604020202020204" pitchFamily="34" charset="-128"/>
                         </a:rPr>
                         <a:t>300</a:t>
                       </a:r>
-                    </a:p>
-                  </a:txBody>
-                  <a:tcPr marL="63500" marR="63500" marT="0" marB="0" anchor="ctr" horzOverflow="overflow">
-                    <a:lnL w="12700">
-                      <a:solidFill>
-                        <a:srgbClr val="CBCBCB"/>
-                      </a:solidFill>
-                      <a:miter lim="400000"/>
-                    </a:lnL>
-                    <a:lnR w="12700">
-                      <a:solidFill>
-                        <a:srgbClr val="CBCBCB"/>
-                      </a:solidFill>
-                      <a:miter lim="400000"/>
-                    </a:lnR>
-                    <a:lnT w="12700">
-                      <a:solidFill>
-                        <a:srgbClr val="CBCBCB"/>
-                      </a:solidFill>
-                      <a:miter lim="400000"/>
-                    </a:lnT>
-                    <a:lnB w="12700">
-                      <a:solidFill>
-                        <a:srgbClr val="CBCBCB"/>
-                      </a:solidFill>
-                      <a:miter lim="400000"/>
-                    </a:lnB>
-                  </a:tcPr>
-                </a:tc>
-                <a:tc>
-                  <a:txBody>
-                    <a:bodyPr/>
-                    <a:lstStyle/>
-                    <a:p>
-                      <a:pPr defTabSz="457200">
-                        <a:defRPr>
-                          <a:solidFill>
-                            <a:srgbClr val="000000"/>
-                          </a:solidFill>
-                        </a:defRPr>
-                      </a:pPr>
-                      <a:r>
-                        <a:rPr sz="1500" spc="59">
-                          <a:solidFill>
-                            <a:srgbClr val="606060"/>
-                          </a:solidFill>
-                          <a:latin typeface="Helvetica"/>
-                          <a:ea typeface="Helvetica"/>
-                          <a:cs typeface="Helvetica"/>
-                          <a:sym typeface="Helvetica"/>
-                        </a:rPr>
-                        <a:t>81.91</a:t>
-                      </a:r>
-                    </a:p>
-                  </a:txBody>
-                  <a:tcPr marL="63500" marR="63500" marT="0" marB="0" anchor="ctr" horzOverflow="overflow">
-                    <a:lnL w="12700">
-                      <a:solidFill>
-                        <a:srgbClr val="CBCBCB"/>
-                      </a:solidFill>
-                      <a:miter lim="400000"/>
-                    </a:lnL>
-                    <a:lnR w="12700">
-                      <a:solidFill>
-                        <a:srgbClr val="CBCBCB"/>
-                      </a:solidFill>
-                      <a:miter lim="400000"/>
-                    </a:lnR>
-                    <a:lnT w="12700">
-                      <a:solidFill>
-                        <a:srgbClr val="CBCBCB"/>
-                      </a:solidFill>
-                      <a:miter lim="400000"/>
-                    </a:lnT>
-                    <a:lnB w="12700">
-                      <a:solidFill>
-                        <a:srgbClr val="CBCBCB"/>
-                      </a:solidFill>
-                      <a:miter lim="400000"/>
-                    </a:lnB>
-                  </a:tcPr>
-                </a:tc>
-                <a:tc>
-                  <a:txBody>
-                    <a:bodyPr/>
-                    <a:lstStyle/>
-                    <a:p>
-                      <a:pPr defTabSz="457200">
-                        <a:defRPr>
-                          <a:solidFill>
-                            <a:srgbClr val="000000"/>
-                          </a:solidFill>
-                        </a:defRPr>
-                      </a:pPr>
-                      <a:r>
-                        <a:rPr sz="1500" spc="59">
-                          <a:solidFill>
-                            <a:srgbClr val="606060"/>
-                          </a:solidFill>
-                          <a:latin typeface="Helvetica"/>
-                          <a:ea typeface="Helvetica"/>
-                          <a:cs typeface="Helvetica"/>
-                          <a:sym typeface="Helvetica"/>
-                        </a:rPr>
-                        <a:t>1823.90</a:t>
-                      </a:r>
-                    </a:p>
-                  </a:txBody>
-                  <a:tcPr marL="63500" marR="63500" marT="0" marB="0" anchor="ctr" horzOverflow="overflow">
-                    <a:lnL w="12700">
-                      <a:solidFill>
-                        <a:srgbClr val="CBCBCB"/>
-                      </a:solidFill>
-                      <a:miter lim="400000"/>
-                    </a:lnL>
-                    <a:lnR w="12700">
-                      <a:solidFill>
-                        <a:srgbClr val="CBCBCB"/>
-                      </a:solidFill>
-                      <a:miter lim="400000"/>
-                    </a:lnR>
-                    <a:lnT w="12700">
-                      <a:solidFill>
-                        <a:srgbClr val="CBCBCB"/>
-                      </a:solidFill>
-                      <a:miter lim="400000"/>
-                    </a:lnT>
-                    <a:lnB w="12700">
-                      <a:solidFill>
-                        <a:srgbClr val="CBCBCB"/>
-                      </a:solidFill>
-                      <a:miter lim="400000"/>
-                    </a:lnB>
-                  </a:tcPr>
+                      <a:endParaRPr lang="en-US" sz="1800" b="0" i="0" u="none" strike="noStrike">
+                        <a:solidFill>
+                          <a:srgbClr val="000000"/>
+                        </a:solidFill>
+                        <a:effectLst/>
+                        <a:latin typeface="Arial Unicode MS" panose="020B0604020202020204" pitchFamily="34" charset="-128"/>
+                        <a:ea typeface="Arial Unicode MS" panose="020B0604020202020204" pitchFamily="34" charset="-128"/>
+                        <a:cs typeface="Arial Unicode MS" panose="020B0604020202020204" pitchFamily="34" charset="-128"/>
+                      </a:endParaRPr>
+                    </a:p>
+                  </a:txBody>
+                  <a:tcPr marL="9525" marR="9525" marT="9525" marB="0" anchor="ctr"/>
+                </a:tc>
+                <a:tc>
+                  <a:txBody>
+                    <a:bodyPr/>
+                    <a:lstStyle/>
+                    <a:p>
+                      <a:pPr algn="ctr" fontAlgn="b"/>
+                      <a:r>
+                        <a:rPr lang="en-US" sz="1800" b="0" i="0" u="none" strike="noStrike">
+                          <a:effectLst/>
+                          <a:latin typeface="Arial Unicode MS" panose="020B0604020202020204" pitchFamily="34" charset="-128"/>
+                          <a:ea typeface="Arial Unicode MS" panose="020B0604020202020204" pitchFamily="34" charset="-128"/>
+                          <a:cs typeface="Arial Unicode MS" panose="020B0604020202020204" pitchFamily="34" charset="-128"/>
+                        </a:rPr>
+                        <a:t>56.36</a:t>
+                      </a:r>
+                      <a:endParaRPr lang="en-US" sz="1800" b="0" i="0" u="none" strike="noStrike">
+                        <a:solidFill>
+                          <a:srgbClr val="000000"/>
+                        </a:solidFill>
+                        <a:effectLst/>
+                        <a:latin typeface="Arial Unicode MS" panose="020B0604020202020204" pitchFamily="34" charset="-128"/>
+                        <a:ea typeface="Arial Unicode MS" panose="020B0604020202020204" pitchFamily="34" charset="-128"/>
+                        <a:cs typeface="Arial Unicode MS" panose="020B0604020202020204" pitchFamily="34" charset="-128"/>
+                      </a:endParaRPr>
+                    </a:p>
+                  </a:txBody>
+                  <a:tcPr marL="9525" marR="9525" marT="9525" marB="0" anchor="ctr"/>
+                </a:tc>
+                <a:tc>
+                  <a:txBody>
+                    <a:bodyPr/>
+                    <a:lstStyle/>
+                    <a:p>
+                      <a:pPr algn="ctr" fontAlgn="b"/>
+                      <a:r>
+                        <a:rPr lang="en-US" sz="1800" b="0" i="0" u="none" strike="noStrike">
+                          <a:effectLst/>
+                          <a:latin typeface="Arial Unicode MS" panose="020B0604020202020204" pitchFamily="34" charset="-128"/>
+                          <a:ea typeface="Arial Unicode MS" panose="020B0604020202020204" pitchFamily="34" charset="-128"/>
+                          <a:cs typeface="Arial Unicode MS" panose="020B0604020202020204" pitchFamily="34" charset="-128"/>
+                        </a:rPr>
+                        <a:t>3695.44</a:t>
+                      </a:r>
+                      <a:endParaRPr lang="en-US" sz="1800" b="0" i="0" u="none" strike="noStrike">
+                        <a:solidFill>
+                          <a:srgbClr val="000000"/>
+                        </a:solidFill>
+                        <a:effectLst/>
+                        <a:latin typeface="Arial Unicode MS" panose="020B0604020202020204" pitchFamily="34" charset="-128"/>
+                        <a:ea typeface="Arial Unicode MS" panose="020B0604020202020204" pitchFamily="34" charset="-128"/>
+                        <a:cs typeface="Arial Unicode MS" panose="020B0604020202020204" pitchFamily="34" charset="-128"/>
+                      </a:endParaRPr>
+                    </a:p>
+                  </a:txBody>
+                  <a:tcPr marL="9525" marR="9525" marT="9525" marB="0" anchor="ctr"/>
                 </a:tc>
                 <a:extLst>
                   <a:ext uri="{0D108BD9-81ED-4DB2-BD59-A6C34878D82A}">
-                    <a16:rowId xmlns:a16="http://schemas.microsoft.com/office/drawing/2014/main" val="10007"/>
+                    <a16:rowId xmlns:a16="http://schemas.microsoft.com/office/drawing/2014/main" val="1078767820"/>
                   </a:ext>
                 </a:extLst>
               </a:tr>
-              <a:tr h="431724">
-                <a:tc>
-                  <a:txBody>
-                    <a:bodyPr/>
-                    <a:lstStyle/>
-                    <a:p>
-                      <a:pPr defTabSz="457200">
-                        <a:defRPr>
-                          <a:solidFill>
-                            <a:srgbClr val="000000"/>
-                          </a:solidFill>
-                        </a:defRPr>
-                      </a:pPr>
-                      <a:r>
-                        <a:rPr sz="1500" spc="59">
-                          <a:solidFill>
-                            <a:srgbClr val="606060"/>
-                          </a:solidFill>
-                          <a:latin typeface="Helvetica"/>
-                          <a:ea typeface="Helvetica"/>
-                          <a:cs typeface="Helvetica"/>
-                          <a:sym typeface="Helvetica"/>
-                        </a:rPr>
-                        <a:t>20</a:t>
-                      </a:r>
-                    </a:p>
-                  </a:txBody>
-                  <a:tcPr marL="63500" marR="63500" marT="0" marB="0" anchor="ctr" horzOverflow="overflow">
-                    <a:lnL w="12700">
-                      <a:solidFill>
-                        <a:srgbClr val="CBCBCB"/>
-                      </a:solidFill>
-                      <a:miter lim="400000"/>
-                    </a:lnL>
-                    <a:lnR w="12700">
-                      <a:solidFill>
-                        <a:srgbClr val="CBCBCB"/>
-                      </a:solidFill>
-                      <a:miter lim="400000"/>
-                    </a:lnR>
-                    <a:lnT w="12700">
-                      <a:solidFill>
-                        <a:srgbClr val="CBCBCB"/>
-                      </a:solidFill>
-                      <a:miter lim="400000"/>
-                    </a:lnT>
-                    <a:lnB w="12700">
-                      <a:solidFill>
-                        <a:srgbClr val="CBCBCB"/>
-                      </a:solidFill>
-                      <a:miter lim="400000"/>
-                    </a:lnB>
-                  </a:tcPr>
-                </a:tc>
-                <a:tc>
-                  <a:txBody>
-                    <a:bodyPr/>
-                    <a:lstStyle/>
-                    <a:p>
-                      <a:pPr defTabSz="457200">
-                        <a:defRPr>
-                          <a:solidFill>
-                            <a:srgbClr val="000000"/>
-                          </a:solidFill>
-                        </a:defRPr>
-                      </a:pPr>
-                      <a:r>
-                        <a:rPr sz="1500" spc="59">
-                          <a:solidFill>
-                            <a:srgbClr val="606060"/>
-                          </a:solidFill>
-                          <a:latin typeface="Helvetica"/>
-                          <a:ea typeface="Helvetica"/>
-                          <a:cs typeface="Helvetica"/>
-                          <a:sym typeface="Helvetica"/>
+              <a:tr h="318598">
+                <a:tc>
+                  <a:txBody>
+                    <a:bodyPr/>
+                    <a:lstStyle/>
+                    <a:p>
+                      <a:pPr algn="ctr" fontAlgn="b"/>
+                      <a:r>
+                        <a:rPr lang="en-US" sz="1800" b="0" i="0" u="none" strike="noStrike">
+                          <a:effectLst/>
+                          <a:latin typeface="Arial Unicode MS" panose="020B0604020202020204" pitchFamily="34" charset="-128"/>
+                          <a:ea typeface="Arial Unicode MS" panose="020B0604020202020204" pitchFamily="34" charset="-128"/>
+                          <a:cs typeface="Arial Unicode MS" panose="020B0604020202020204" pitchFamily="34" charset="-128"/>
                         </a:rPr>
                         <a:t>40</a:t>
                       </a:r>
-                    </a:p>
-                  </a:txBody>
-                  <a:tcPr marL="63500" marR="63500" marT="0" marB="0" anchor="ctr" horzOverflow="overflow">
-                    <a:lnL w="12700">
-                      <a:solidFill>
-                        <a:srgbClr val="CBCBCB"/>
-                      </a:solidFill>
-                      <a:miter lim="400000"/>
-                    </a:lnL>
-                    <a:lnR w="12700">
-                      <a:solidFill>
-                        <a:srgbClr val="CBCBCB"/>
-                      </a:solidFill>
-                      <a:miter lim="400000"/>
-                    </a:lnR>
-                    <a:lnT w="12700">
-                      <a:solidFill>
-                        <a:srgbClr val="CBCBCB"/>
-                      </a:solidFill>
-                      <a:miter lim="400000"/>
-                    </a:lnT>
-                    <a:lnB w="12700">
-                      <a:solidFill>
-                        <a:srgbClr val="CBCBCB"/>
-                      </a:solidFill>
-                      <a:miter lim="400000"/>
-                    </a:lnB>
-                  </a:tcPr>
-                </a:tc>
-                <a:tc>
-                  <a:txBody>
-                    <a:bodyPr/>
-                    <a:lstStyle/>
-                    <a:p>
-                      <a:pPr defTabSz="457200">
-                        <a:defRPr>
-                          <a:solidFill>
-                            <a:srgbClr val="000000"/>
-                          </a:solidFill>
-                        </a:defRPr>
-                      </a:pPr>
-                      <a:r>
-                        <a:rPr sz="1500" spc="59">
-                          <a:solidFill>
-                            <a:srgbClr val="606060"/>
-                          </a:solidFill>
-                          <a:latin typeface="Helvetica"/>
-                          <a:ea typeface="Helvetica"/>
-                          <a:cs typeface="Helvetica"/>
-                          <a:sym typeface="Helvetica"/>
+                      <a:endParaRPr lang="en-US" sz="1800" b="0" i="0" u="none" strike="noStrike">
+                        <a:solidFill>
+                          <a:srgbClr val="000000"/>
+                        </a:solidFill>
+                        <a:effectLst/>
+                        <a:latin typeface="Arial Unicode MS" panose="020B0604020202020204" pitchFamily="34" charset="-128"/>
+                        <a:ea typeface="Arial Unicode MS" panose="020B0604020202020204" pitchFamily="34" charset="-128"/>
+                        <a:cs typeface="Arial Unicode MS" panose="020B0604020202020204" pitchFamily="34" charset="-128"/>
+                      </a:endParaRPr>
+                    </a:p>
+                  </a:txBody>
+                  <a:tcPr marL="9525" marR="9525" marT="9525" marB="0" anchor="ctr"/>
+                </a:tc>
+                <a:tc>
+                  <a:txBody>
+                    <a:bodyPr/>
+                    <a:lstStyle/>
+                    <a:p>
+                      <a:pPr algn="ctr" fontAlgn="b"/>
+                      <a:r>
+                        <a:rPr lang="en-US" sz="1800" b="0" i="0" u="none" strike="noStrike">
+                          <a:effectLst/>
+                          <a:latin typeface="Arial Unicode MS" panose="020B0604020202020204" pitchFamily="34" charset="-128"/>
+                          <a:ea typeface="Arial Unicode MS" panose="020B0604020202020204" pitchFamily="34" charset="-128"/>
+                          <a:cs typeface="Arial Unicode MS" panose="020B0604020202020204" pitchFamily="34" charset="-128"/>
+                        </a:rPr>
+                        <a:t>10</a:t>
+                      </a:r>
+                      <a:endParaRPr lang="en-US" sz="1800" b="0" i="0" u="none" strike="noStrike">
+                        <a:solidFill>
+                          <a:srgbClr val="000000"/>
+                        </a:solidFill>
+                        <a:effectLst/>
+                        <a:latin typeface="Arial Unicode MS" panose="020B0604020202020204" pitchFamily="34" charset="-128"/>
+                        <a:ea typeface="Arial Unicode MS" panose="020B0604020202020204" pitchFamily="34" charset="-128"/>
+                        <a:cs typeface="Arial Unicode MS" panose="020B0604020202020204" pitchFamily="34" charset="-128"/>
+                      </a:endParaRPr>
+                    </a:p>
+                  </a:txBody>
+                  <a:tcPr marL="9525" marR="9525" marT="9525" marB="0" anchor="ctr"/>
+                </a:tc>
+                <a:tc>
+                  <a:txBody>
+                    <a:bodyPr/>
+                    <a:lstStyle/>
+                    <a:p>
+                      <a:pPr algn="ctr" fontAlgn="b"/>
+                      <a:r>
+                        <a:rPr lang="en-US" sz="1800" b="0" i="0" u="none" strike="noStrike">
+                          <a:effectLst/>
+                          <a:latin typeface="Arial Unicode MS" panose="020B0604020202020204" pitchFamily="34" charset="-128"/>
+                          <a:ea typeface="Arial Unicode MS" panose="020B0604020202020204" pitchFamily="34" charset="-128"/>
+                          <a:cs typeface="Arial Unicode MS" panose="020B0604020202020204" pitchFamily="34" charset="-128"/>
                         </a:rPr>
                         <a:t>300</a:t>
                       </a:r>
-                    </a:p>
-                  </a:txBody>
-                  <a:tcPr marL="63500" marR="63500" marT="0" marB="0" anchor="ctr" horzOverflow="overflow">
-                    <a:lnL w="12700">
-                      <a:solidFill>
-                        <a:srgbClr val="CBCBCB"/>
-                      </a:solidFill>
-                      <a:miter lim="400000"/>
-                    </a:lnL>
-                    <a:lnR w="12700">
-                      <a:solidFill>
-                        <a:srgbClr val="CBCBCB"/>
-                      </a:solidFill>
-                      <a:miter lim="400000"/>
-                    </a:lnR>
-                    <a:lnT w="12700">
-                      <a:solidFill>
-                        <a:srgbClr val="CBCBCB"/>
-                      </a:solidFill>
-                      <a:miter lim="400000"/>
-                    </a:lnT>
-                    <a:lnB w="12700">
-                      <a:solidFill>
-                        <a:srgbClr val="CBCBCB"/>
-                      </a:solidFill>
-                      <a:miter lim="400000"/>
-                    </a:lnB>
-                  </a:tcPr>
-                </a:tc>
-                <a:tc>
-                  <a:txBody>
-                    <a:bodyPr/>
-                    <a:lstStyle/>
-                    <a:p>
-                      <a:pPr defTabSz="457200">
-                        <a:defRPr>
-                          <a:solidFill>
-                            <a:srgbClr val="000000"/>
-                          </a:solidFill>
-                        </a:defRPr>
-                      </a:pPr>
-                      <a:r>
-                        <a:rPr sz="1500" spc="59">
-                          <a:solidFill>
-                            <a:srgbClr val="606060"/>
-                          </a:solidFill>
-                          <a:latin typeface="Helvetica"/>
-                          <a:ea typeface="Helvetica"/>
-                          <a:cs typeface="Helvetica"/>
-                          <a:sym typeface="Helvetica"/>
-                        </a:rPr>
-                        <a:t>70.64</a:t>
-                      </a:r>
-                    </a:p>
-                  </a:txBody>
-                  <a:tcPr marL="63500" marR="63500" marT="0" marB="0" anchor="ctr" horzOverflow="overflow">
-                    <a:lnL w="12700">
-                      <a:solidFill>
-                        <a:srgbClr val="CBCBCB"/>
-                      </a:solidFill>
-                      <a:miter lim="400000"/>
-                    </a:lnL>
-                    <a:lnR w="12700">
-                      <a:solidFill>
-                        <a:srgbClr val="CBCBCB"/>
-                      </a:solidFill>
-                      <a:miter lim="400000"/>
-                    </a:lnR>
-                    <a:lnT w="12700">
-                      <a:solidFill>
-                        <a:srgbClr val="CBCBCB"/>
-                      </a:solidFill>
-                      <a:miter lim="400000"/>
-                    </a:lnT>
-                    <a:lnB w="12700">
-                      <a:solidFill>
-                        <a:srgbClr val="CBCBCB"/>
-                      </a:solidFill>
-                      <a:miter lim="400000"/>
-                    </a:lnB>
-                  </a:tcPr>
-                </a:tc>
-                <a:tc>
-                  <a:txBody>
-                    <a:bodyPr/>
-                    <a:lstStyle/>
-                    <a:p>
-                      <a:pPr defTabSz="457200">
-                        <a:defRPr>
-                          <a:solidFill>
-                            <a:srgbClr val="000000"/>
-                          </a:solidFill>
-                        </a:defRPr>
-                      </a:pPr>
-                      <a:r>
-                        <a:rPr sz="1500" spc="59">
-                          <a:solidFill>
-                            <a:srgbClr val="606060"/>
-                          </a:solidFill>
-                          <a:latin typeface="Helvetica"/>
-                          <a:ea typeface="Helvetica"/>
-                          <a:cs typeface="Helvetica"/>
-                          <a:sym typeface="Helvetica"/>
-                        </a:rPr>
-                        <a:t>3439.33</a:t>
-                      </a:r>
-                    </a:p>
-                  </a:txBody>
-                  <a:tcPr marL="63500" marR="63500" marT="0" marB="0" anchor="ctr" horzOverflow="overflow">
-                    <a:lnL w="12700">
-                      <a:solidFill>
-                        <a:srgbClr val="CBCBCB"/>
-                      </a:solidFill>
-                      <a:miter lim="400000"/>
-                    </a:lnL>
-                    <a:lnR w="12700">
-                      <a:solidFill>
-                        <a:srgbClr val="CBCBCB"/>
-                      </a:solidFill>
-                      <a:miter lim="400000"/>
-                    </a:lnR>
-                    <a:lnT w="12700">
-                      <a:solidFill>
-                        <a:srgbClr val="CBCBCB"/>
-                      </a:solidFill>
-                      <a:miter lim="400000"/>
-                    </a:lnT>
-                    <a:lnB w="12700">
-                      <a:solidFill>
-                        <a:srgbClr val="CBCBCB"/>
-                      </a:solidFill>
-                      <a:miter lim="400000"/>
-                    </a:lnB>
-                  </a:tcPr>
+                      <a:endParaRPr lang="en-US" sz="1800" b="0" i="0" u="none" strike="noStrike">
+                        <a:solidFill>
+                          <a:srgbClr val="000000"/>
+                        </a:solidFill>
+                        <a:effectLst/>
+                        <a:latin typeface="Arial Unicode MS" panose="020B0604020202020204" pitchFamily="34" charset="-128"/>
+                        <a:ea typeface="Arial Unicode MS" panose="020B0604020202020204" pitchFamily="34" charset="-128"/>
+                        <a:cs typeface="Arial Unicode MS" panose="020B0604020202020204" pitchFamily="34" charset="-128"/>
+                      </a:endParaRPr>
+                    </a:p>
+                  </a:txBody>
+                  <a:tcPr marL="9525" marR="9525" marT="9525" marB="0" anchor="ctr"/>
+                </a:tc>
+                <a:tc>
+                  <a:txBody>
+                    <a:bodyPr/>
+                    <a:lstStyle/>
+                    <a:p>
+                      <a:pPr algn="ctr" fontAlgn="b"/>
+                      <a:r>
+                        <a:rPr lang="en-US" sz="1800" b="0" i="0" u="none" strike="noStrike">
+                          <a:effectLst/>
+                          <a:latin typeface="Arial Unicode MS" panose="020B0604020202020204" pitchFamily="34" charset="-128"/>
+                          <a:ea typeface="Arial Unicode MS" panose="020B0604020202020204" pitchFamily="34" charset="-128"/>
+                          <a:cs typeface="Arial Unicode MS" panose="020B0604020202020204" pitchFamily="34" charset="-128"/>
+                        </a:rPr>
+                        <a:t>96.82</a:t>
+                      </a:r>
+                      <a:endParaRPr lang="en-US" sz="1800" b="0" i="0" u="none" strike="noStrike">
+                        <a:solidFill>
+                          <a:srgbClr val="000000"/>
+                        </a:solidFill>
+                        <a:effectLst/>
+                        <a:latin typeface="Arial Unicode MS" panose="020B0604020202020204" pitchFamily="34" charset="-128"/>
+                        <a:ea typeface="Arial Unicode MS" panose="020B0604020202020204" pitchFamily="34" charset="-128"/>
+                        <a:cs typeface="Arial Unicode MS" panose="020B0604020202020204" pitchFamily="34" charset="-128"/>
+                      </a:endParaRPr>
+                    </a:p>
+                  </a:txBody>
+                  <a:tcPr marL="9525" marR="9525" marT="9525" marB="0" anchor="ctr"/>
+                </a:tc>
+                <a:tc>
+                  <a:txBody>
+                    <a:bodyPr/>
+                    <a:lstStyle/>
+                    <a:p>
+                      <a:pPr algn="ctr" fontAlgn="b"/>
+                      <a:r>
+                        <a:rPr lang="en-US" sz="1800" b="0" i="0" u="none" strike="noStrike">
+                          <a:effectLst/>
+                          <a:latin typeface="Arial Unicode MS" panose="020B0604020202020204" pitchFamily="34" charset="-128"/>
+                          <a:ea typeface="Arial Unicode MS" panose="020B0604020202020204" pitchFamily="34" charset="-128"/>
+                          <a:cs typeface="Arial Unicode MS" panose="020B0604020202020204" pitchFamily="34" charset="-128"/>
+                        </a:rPr>
+                        <a:t>1079.70</a:t>
+                      </a:r>
+                      <a:endParaRPr lang="en-US" sz="1800" b="0" i="0" u="none" strike="noStrike">
+                        <a:solidFill>
+                          <a:srgbClr val="000000"/>
+                        </a:solidFill>
+                        <a:effectLst/>
+                        <a:latin typeface="Arial Unicode MS" panose="020B0604020202020204" pitchFamily="34" charset="-128"/>
+                        <a:ea typeface="Arial Unicode MS" panose="020B0604020202020204" pitchFamily="34" charset="-128"/>
+                        <a:cs typeface="Arial Unicode MS" panose="020B0604020202020204" pitchFamily="34" charset="-128"/>
+                      </a:endParaRPr>
+                    </a:p>
+                  </a:txBody>
+                  <a:tcPr marL="9525" marR="9525" marT="9525" marB="0" anchor="ctr"/>
                 </a:tc>
                 <a:extLst>
                   <a:ext uri="{0D108BD9-81ED-4DB2-BD59-A6C34878D82A}">
-                    <a16:rowId xmlns:a16="http://schemas.microsoft.com/office/drawing/2014/main" val="10008"/>
+                    <a16:rowId xmlns:a16="http://schemas.microsoft.com/office/drawing/2014/main" val="3626732612"/>
                   </a:ext>
                 </a:extLst>
               </a:tr>
-              <a:tr h="431724">
-                <a:tc>
-                  <a:txBody>
-                    <a:bodyPr/>
-                    <a:lstStyle/>
-                    <a:p>
-                      <a:pPr defTabSz="457200">
-                        <a:defRPr>
-                          <a:solidFill>
-                            <a:srgbClr val="000000"/>
-                          </a:solidFill>
-                        </a:defRPr>
-                      </a:pPr>
-                      <a:r>
-                        <a:rPr sz="1500" spc="59">
-                          <a:solidFill>
-                            <a:srgbClr val="606060"/>
-                          </a:solidFill>
-                          <a:latin typeface="Helvetica"/>
-                          <a:ea typeface="Helvetica"/>
-                          <a:cs typeface="Helvetica"/>
-                          <a:sym typeface="Helvetica"/>
+              <a:tr h="318598">
+                <a:tc>
+                  <a:txBody>
+                    <a:bodyPr/>
+                    <a:lstStyle/>
+                    <a:p>
+                      <a:pPr algn="ctr" fontAlgn="b"/>
+                      <a:r>
+                        <a:rPr lang="en-US" sz="1800" b="0" i="0" u="none" strike="noStrike">
+                          <a:effectLst/>
+                          <a:latin typeface="Arial Unicode MS" panose="020B0604020202020204" pitchFamily="34" charset="-128"/>
+                          <a:ea typeface="Arial Unicode MS" panose="020B0604020202020204" pitchFamily="34" charset="-128"/>
+                          <a:cs typeface="Arial Unicode MS" panose="020B0604020202020204" pitchFamily="34" charset="-128"/>
                         </a:rPr>
                         <a:t>40</a:t>
                       </a:r>
-                    </a:p>
-                  </a:txBody>
-                  <a:tcPr marL="63500" marR="63500" marT="0" marB="0" anchor="ctr" horzOverflow="overflow">
-                    <a:lnL w="12700">
-                      <a:solidFill>
-                        <a:srgbClr val="CBCBCB"/>
-                      </a:solidFill>
-                      <a:miter lim="400000"/>
-                    </a:lnL>
-                    <a:lnR w="12700">
-                      <a:solidFill>
-                        <a:srgbClr val="CBCBCB"/>
-                      </a:solidFill>
-                      <a:miter lim="400000"/>
-                    </a:lnR>
-                    <a:lnT w="12700">
-                      <a:solidFill>
-                        <a:srgbClr val="CBCBCB"/>
-                      </a:solidFill>
-                      <a:miter lim="400000"/>
-                    </a:lnT>
-                    <a:lnB w="12700">
-                      <a:solidFill>
-                        <a:srgbClr val="CBCBCB"/>
-                      </a:solidFill>
-                      <a:miter lim="400000"/>
-                    </a:lnB>
-                  </a:tcPr>
-                </a:tc>
-                <a:tc>
-                  <a:txBody>
-                    <a:bodyPr/>
-                    <a:lstStyle/>
-                    <a:p>
-                      <a:pPr defTabSz="457200">
-                        <a:defRPr>
-                          <a:solidFill>
-                            <a:srgbClr val="000000"/>
-                          </a:solidFill>
-                        </a:defRPr>
-                      </a:pPr>
-                      <a:r>
-                        <a:rPr sz="1500" spc="59">
-                          <a:solidFill>
-                            <a:srgbClr val="606060"/>
-                          </a:solidFill>
-                          <a:latin typeface="Helvetica"/>
-                          <a:ea typeface="Helvetica"/>
-                          <a:cs typeface="Helvetica"/>
-                          <a:sym typeface="Helvetica"/>
-                        </a:rPr>
-                        <a:t>40</a:t>
-                      </a:r>
-                    </a:p>
-                  </a:txBody>
-                  <a:tcPr marL="63500" marR="63500" marT="0" marB="0" anchor="ctr" horzOverflow="overflow">
-                    <a:lnL w="12700">
-                      <a:solidFill>
-                        <a:srgbClr val="CBCBCB"/>
-                      </a:solidFill>
-                      <a:miter lim="400000"/>
-                    </a:lnL>
-                    <a:lnR w="12700">
-                      <a:solidFill>
-                        <a:srgbClr val="CBCBCB"/>
-                      </a:solidFill>
-                      <a:miter lim="400000"/>
-                    </a:lnR>
-                    <a:lnT w="12700">
-                      <a:solidFill>
-                        <a:srgbClr val="CBCBCB"/>
-                      </a:solidFill>
-                      <a:miter lim="400000"/>
-                    </a:lnT>
-                    <a:lnB w="12700">
-                      <a:solidFill>
-                        <a:srgbClr val="CBCBCB"/>
-                      </a:solidFill>
-                      <a:miter lim="400000"/>
-                    </a:lnB>
-                  </a:tcPr>
-                </a:tc>
-                <a:tc>
-                  <a:txBody>
-                    <a:bodyPr/>
-                    <a:lstStyle/>
-                    <a:p>
-                      <a:pPr defTabSz="457200">
-                        <a:defRPr>
-                          <a:solidFill>
-                            <a:srgbClr val="000000"/>
-                          </a:solidFill>
-                        </a:defRPr>
-                      </a:pPr>
-                      <a:r>
-                        <a:rPr sz="1500" spc="59">
-                          <a:solidFill>
-                            <a:srgbClr val="606060"/>
-                          </a:solidFill>
-                          <a:latin typeface="Helvetica"/>
-                          <a:ea typeface="Helvetica"/>
-                          <a:cs typeface="Helvetica"/>
-                          <a:sym typeface="Helvetica"/>
+                      <a:endParaRPr lang="en-US" sz="1800" b="0" i="0" u="none" strike="noStrike">
+                        <a:solidFill>
+                          <a:srgbClr val="000000"/>
+                        </a:solidFill>
+                        <a:effectLst/>
+                        <a:latin typeface="Arial Unicode MS" panose="020B0604020202020204" pitchFamily="34" charset="-128"/>
+                        <a:ea typeface="Arial Unicode MS" panose="020B0604020202020204" pitchFamily="34" charset="-128"/>
+                        <a:cs typeface="Arial Unicode MS" panose="020B0604020202020204" pitchFamily="34" charset="-128"/>
+                      </a:endParaRPr>
+                    </a:p>
+                  </a:txBody>
+                  <a:tcPr marL="9525" marR="9525" marT="9525" marB="0" anchor="ctr"/>
+                </a:tc>
+                <a:tc>
+                  <a:txBody>
+                    <a:bodyPr/>
+                    <a:lstStyle/>
+                    <a:p>
+                      <a:pPr algn="ctr" fontAlgn="b"/>
+                      <a:r>
+                        <a:rPr lang="en-US" sz="1800" b="0" i="0" u="none" strike="noStrike" dirty="0">
+                          <a:effectLst/>
+                          <a:latin typeface="Arial Unicode MS" panose="020B0604020202020204" pitchFamily="34" charset="-128"/>
+                          <a:ea typeface="Arial Unicode MS" panose="020B0604020202020204" pitchFamily="34" charset="-128"/>
+                          <a:cs typeface="Arial Unicode MS" panose="020B0604020202020204" pitchFamily="34" charset="-128"/>
+                        </a:rPr>
+                        <a:t>20</a:t>
+                      </a:r>
+                      <a:endParaRPr lang="en-US" sz="1800" b="0" i="0" u="none" strike="noStrike" dirty="0">
+                        <a:solidFill>
+                          <a:srgbClr val="000000"/>
+                        </a:solidFill>
+                        <a:effectLst/>
+                        <a:latin typeface="Arial Unicode MS" panose="020B0604020202020204" pitchFamily="34" charset="-128"/>
+                        <a:ea typeface="Arial Unicode MS" panose="020B0604020202020204" pitchFamily="34" charset="-128"/>
+                        <a:cs typeface="Arial Unicode MS" panose="020B0604020202020204" pitchFamily="34" charset="-128"/>
+                      </a:endParaRPr>
+                    </a:p>
+                  </a:txBody>
+                  <a:tcPr marL="9525" marR="9525" marT="9525" marB="0" anchor="ctr"/>
+                </a:tc>
+                <a:tc>
+                  <a:txBody>
+                    <a:bodyPr/>
+                    <a:lstStyle/>
+                    <a:p>
+                      <a:pPr algn="ctr" fontAlgn="b"/>
+                      <a:r>
+                        <a:rPr lang="en-US" sz="1800" b="0" i="0" u="none" strike="noStrike">
+                          <a:effectLst/>
+                          <a:latin typeface="Arial Unicode MS" panose="020B0604020202020204" pitchFamily="34" charset="-128"/>
+                          <a:ea typeface="Arial Unicode MS" panose="020B0604020202020204" pitchFamily="34" charset="-128"/>
+                          <a:cs typeface="Arial Unicode MS" panose="020B0604020202020204" pitchFamily="34" charset="-128"/>
                         </a:rPr>
                         <a:t>300</a:t>
                       </a:r>
-                    </a:p>
-                  </a:txBody>
-                  <a:tcPr marL="63500" marR="63500" marT="0" marB="0" anchor="ctr" horzOverflow="overflow">
-                    <a:lnL w="12700">
-                      <a:solidFill>
-                        <a:srgbClr val="CBCBCB"/>
-                      </a:solidFill>
-                      <a:miter lim="400000"/>
-                    </a:lnL>
-                    <a:lnR w="12700">
-                      <a:solidFill>
-                        <a:srgbClr val="CBCBCB"/>
-                      </a:solidFill>
-                      <a:miter lim="400000"/>
-                    </a:lnR>
-                    <a:lnT w="12700">
-                      <a:solidFill>
-                        <a:srgbClr val="CBCBCB"/>
-                      </a:solidFill>
-                      <a:miter lim="400000"/>
-                    </a:lnT>
-                    <a:lnB w="12700">
-                      <a:solidFill>
-                        <a:srgbClr val="CBCBCB"/>
-                      </a:solidFill>
-                      <a:miter lim="400000"/>
-                    </a:lnB>
-                  </a:tcPr>
-                </a:tc>
-                <a:tc>
-                  <a:txBody>
-                    <a:bodyPr/>
-                    <a:lstStyle/>
-                    <a:p>
-                      <a:pPr defTabSz="457200">
-                        <a:defRPr>
-                          <a:solidFill>
-                            <a:srgbClr val="000000"/>
-                          </a:solidFill>
-                        </a:defRPr>
-                      </a:pPr>
-                      <a:r>
-                        <a:rPr sz="1500" spc="59">
-                          <a:solidFill>
-                            <a:srgbClr val="606060"/>
-                          </a:solidFill>
-                          <a:latin typeface="Helvetica"/>
-                          <a:ea typeface="Helvetica"/>
-                          <a:cs typeface="Helvetica"/>
-                          <a:sym typeface="Helvetica"/>
-                        </a:rPr>
-                        <a:t>97.18</a:t>
-                      </a:r>
-                    </a:p>
-                  </a:txBody>
-                  <a:tcPr marL="63500" marR="63500" marT="0" marB="0" anchor="ctr" horzOverflow="overflow">
-                    <a:lnL w="12700">
-                      <a:solidFill>
-                        <a:srgbClr val="CBCBCB"/>
-                      </a:solidFill>
-                      <a:miter lim="400000"/>
-                    </a:lnL>
-                    <a:lnR w="12700">
-                      <a:solidFill>
-                        <a:srgbClr val="CBCBCB"/>
-                      </a:solidFill>
-                      <a:miter lim="400000"/>
-                    </a:lnR>
-                    <a:lnT w="12700">
-                      <a:solidFill>
-                        <a:srgbClr val="CBCBCB"/>
-                      </a:solidFill>
-                      <a:miter lim="400000"/>
-                    </a:lnT>
-                    <a:lnB w="12700">
-                      <a:solidFill>
-                        <a:srgbClr val="CBCBCB"/>
-                      </a:solidFill>
-                      <a:miter lim="400000"/>
-                    </a:lnB>
-                  </a:tcPr>
-                </a:tc>
-                <a:tc>
-                  <a:txBody>
-                    <a:bodyPr/>
-                    <a:lstStyle/>
-                    <a:p>
-                      <a:pPr defTabSz="457200">
-                        <a:defRPr>
-                          <a:solidFill>
-                            <a:srgbClr val="000000"/>
-                          </a:solidFill>
-                        </a:defRPr>
-                      </a:pPr>
-                      <a:r>
-                        <a:rPr sz="1500" spc="59">
-                          <a:solidFill>
-                            <a:srgbClr val="606060"/>
-                          </a:solidFill>
-                          <a:latin typeface="Helvetica"/>
-                          <a:ea typeface="Helvetica"/>
-                          <a:cs typeface="Helvetica"/>
-                          <a:sym typeface="Helvetica"/>
-                        </a:rPr>
-                        <a:t>2096.15</a:t>
-                      </a:r>
-                    </a:p>
-                  </a:txBody>
-                  <a:tcPr marL="63500" marR="63500" marT="0" marB="0" anchor="ctr" horzOverflow="overflow">
-                    <a:lnL w="12700">
-                      <a:solidFill>
-                        <a:srgbClr val="CBCBCB"/>
-                      </a:solidFill>
-                      <a:miter lim="400000"/>
-                    </a:lnL>
-                    <a:lnR w="12700">
-                      <a:solidFill>
-                        <a:srgbClr val="CBCBCB"/>
-                      </a:solidFill>
-                      <a:miter lim="400000"/>
-                    </a:lnR>
-                    <a:lnT w="12700">
-                      <a:solidFill>
-                        <a:srgbClr val="CBCBCB"/>
-                      </a:solidFill>
-                      <a:miter lim="400000"/>
-                    </a:lnT>
-                    <a:lnB w="12700">
-                      <a:solidFill>
-                        <a:srgbClr val="CBCBCB"/>
-                      </a:solidFill>
-                      <a:miter lim="400000"/>
-                    </a:lnB>
-                  </a:tcPr>
+                      <a:endParaRPr lang="en-US" sz="1800" b="0" i="0" u="none" strike="noStrike">
+                        <a:solidFill>
+                          <a:srgbClr val="000000"/>
+                        </a:solidFill>
+                        <a:effectLst/>
+                        <a:latin typeface="Arial Unicode MS" panose="020B0604020202020204" pitchFamily="34" charset="-128"/>
+                        <a:ea typeface="Arial Unicode MS" panose="020B0604020202020204" pitchFamily="34" charset="-128"/>
+                        <a:cs typeface="Arial Unicode MS" panose="020B0604020202020204" pitchFamily="34" charset="-128"/>
+                      </a:endParaRPr>
+                    </a:p>
+                  </a:txBody>
+                  <a:tcPr marL="9525" marR="9525" marT="9525" marB="0" anchor="ctr"/>
+                </a:tc>
+                <a:tc>
+                  <a:txBody>
+                    <a:bodyPr/>
+                    <a:lstStyle/>
+                    <a:p>
+                      <a:pPr algn="ctr" fontAlgn="b"/>
+                      <a:r>
+                        <a:rPr lang="en-US" sz="1800" b="0" i="0" u="none" strike="noStrike">
+                          <a:effectLst/>
+                          <a:latin typeface="Arial Unicode MS" panose="020B0604020202020204" pitchFamily="34" charset="-128"/>
+                          <a:ea typeface="Arial Unicode MS" panose="020B0604020202020204" pitchFamily="34" charset="-128"/>
+                          <a:cs typeface="Arial Unicode MS" panose="020B0604020202020204" pitchFamily="34" charset="-128"/>
+                        </a:rPr>
+                        <a:t>83.00</a:t>
+                      </a:r>
+                      <a:endParaRPr lang="en-US" sz="1800" b="0" i="0" u="none" strike="noStrike">
+                        <a:solidFill>
+                          <a:srgbClr val="000000"/>
+                        </a:solidFill>
+                        <a:effectLst/>
+                        <a:latin typeface="Arial Unicode MS" panose="020B0604020202020204" pitchFamily="34" charset="-128"/>
+                        <a:ea typeface="Arial Unicode MS" panose="020B0604020202020204" pitchFamily="34" charset="-128"/>
+                        <a:cs typeface="Arial Unicode MS" panose="020B0604020202020204" pitchFamily="34" charset="-128"/>
+                      </a:endParaRPr>
+                    </a:p>
+                  </a:txBody>
+                  <a:tcPr marL="9525" marR="9525" marT="9525" marB="0" anchor="ctr"/>
+                </a:tc>
+                <a:tc>
+                  <a:txBody>
+                    <a:bodyPr/>
+                    <a:lstStyle/>
+                    <a:p>
+                      <a:pPr algn="ctr" fontAlgn="b"/>
+                      <a:r>
+                        <a:rPr lang="en-US" sz="1800" b="0" i="0" u="none" strike="noStrike">
+                          <a:effectLst/>
+                          <a:latin typeface="Arial Unicode MS" panose="020B0604020202020204" pitchFamily="34" charset="-128"/>
+                          <a:ea typeface="Arial Unicode MS" panose="020B0604020202020204" pitchFamily="34" charset="-128"/>
+                          <a:cs typeface="Arial Unicode MS" panose="020B0604020202020204" pitchFamily="34" charset="-128"/>
+                        </a:rPr>
+                        <a:t>1409.77</a:t>
+                      </a:r>
+                      <a:endParaRPr lang="en-US" sz="1800" b="0" i="0" u="none" strike="noStrike">
+                        <a:solidFill>
+                          <a:srgbClr val="000000"/>
+                        </a:solidFill>
+                        <a:effectLst/>
+                        <a:latin typeface="Arial Unicode MS" panose="020B0604020202020204" pitchFamily="34" charset="-128"/>
+                        <a:ea typeface="Arial Unicode MS" panose="020B0604020202020204" pitchFamily="34" charset="-128"/>
+                        <a:cs typeface="Arial Unicode MS" panose="020B0604020202020204" pitchFamily="34" charset="-128"/>
+                      </a:endParaRPr>
+                    </a:p>
+                  </a:txBody>
+                  <a:tcPr marL="9525" marR="9525" marT="9525" marB="0" anchor="ctr"/>
                 </a:tc>
                 <a:extLst>
                   <a:ext uri="{0D108BD9-81ED-4DB2-BD59-A6C34878D82A}">
-                    <a16:rowId xmlns:a16="http://schemas.microsoft.com/office/drawing/2014/main" val="10009"/>
+                    <a16:rowId xmlns:a16="http://schemas.microsoft.com/office/drawing/2014/main" val="901619509"/>
                   </a:ext>
                 </a:extLst>
               </a:tr>
-              <a:tr h="431724">
-                <a:tc>
-                  <a:txBody>
-                    <a:bodyPr/>
-                    <a:lstStyle/>
-                    <a:p>
-                      <a:pPr defTabSz="457200">
-                        <a:defRPr>
-                          <a:solidFill>
-                            <a:srgbClr val="000000"/>
-                          </a:solidFill>
-                        </a:defRPr>
-                      </a:pPr>
-                      <a:r>
-                        <a:rPr sz="1500" spc="59">
-                          <a:solidFill>
-                            <a:srgbClr val="606060"/>
-                          </a:solidFill>
-                          <a:latin typeface="Helvetica"/>
-                          <a:ea typeface="Helvetica"/>
-                          <a:cs typeface="Helvetica"/>
-                          <a:sym typeface="Helvetica"/>
-                        </a:rPr>
-                        <a:t>80</a:t>
-                      </a:r>
-                    </a:p>
-                  </a:txBody>
-                  <a:tcPr marL="63500" marR="63500" marT="0" marB="0" anchor="ctr" horzOverflow="overflow">
-                    <a:lnL w="12700">
-                      <a:solidFill>
-                        <a:srgbClr val="CBCBCB"/>
-                      </a:solidFill>
-                      <a:miter lim="400000"/>
-                    </a:lnL>
-                    <a:lnR w="12700">
-                      <a:solidFill>
-                        <a:srgbClr val="CBCBCB"/>
-                      </a:solidFill>
-                      <a:miter lim="400000"/>
-                    </a:lnR>
-                    <a:lnT w="12700">
-                      <a:solidFill>
-                        <a:srgbClr val="CBCBCB"/>
-                      </a:solidFill>
-                      <a:miter lim="400000"/>
-                    </a:lnT>
-                    <a:lnB w="12700">
-                      <a:solidFill>
-                        <a:srgbClr val="CBCBCB"/>
-                      </a:solidFill>
-                      <a:miter lim="400000"/>
-                    </a:lnB>
-                  </a:tcPr>
-                </a:tc>
-                <a:tc>
-                  <a:txBody>
-                    <a:bodyPr/>
-                    <a:lstStyle/>
-                    <a:p>
-                      <a:pPr defTabSz="457200">
-                        <a:defRPr>
-                          <a:solidFill>
-                            <a:srgbClr val="000000"/>
-                          </a:solidFill>
-                        </a:defRPr>
-                      </a:pPr>
-                      <a:r>
-                        <a:rPr sz="1500" spc="59">
-                          <a:solidFill>
-                            <a:srgbClr val="606060"/>
-                          </a:solidFill>
-                          <a:latin typeface="Helvetica"/>
-                          <a:ea typeface="Helvetica"/>
-                          <a:cs typeface="Helvetica"/>
-                          <a:sym typeface="Helvetica"/>
+              <a:tr h="318598">
+                <a:tc>
+                  <a:txBody>
+                    <a:bodyPr/>
+                    <a:lstStyle/>
+                    <a:p>
+                      <a:pPr algn="ctr" fontAlgn="b"/>
+                      <a:r>
+                        <a:rPr lang="en-US" sz="1800" b="0" i="0" u="none" strike="noStrike">
+                          <a:effectLst/>
+                          <a:latin typeface="Arial Unicode MS" panose="020B0604020202020204" pitchFamily="34" charset="-128"/>
+                          <a:ea typeface="Arial Unicode MS" panose="020B0604020202020204" pitchFamily="34" charset="-128"/>
+                          <a:cs typeface="Arial Unicode MS" panose="020B0604020202020204" pitchFamily="34" charset="-128"/>
                         </a:rPr>
                         <a:t>40</a:t>
                       </a:r>
-                    </a:p>
-                  </a:txBody>
-                  <a:tcPr marL="63500" marR="63500" marT="0" marB="0" anchor="ctr" horzOverflow="overflow">
-                    <a:lnL w="12700">
-                      <a:solidFill>
-                        <a:srgbClr val="CBCBCB"/>
-                      </a:solidFill>
-                      <a:miter lim="400000"/>
-                    </a:lnL>
-                    <a:lnR w="12700">
-                      <a:solidFill>
-                        <a:srgbClr val="CBCBCB"/>
-                      </a:solidFill>
-                      <a:miter lim="400000"/>
-                    </a:lnR>
-                    <a:lnT w="12700">
-                      <a:solidFill>
-                        <a:srgbClr val="CBCBCB"/>
-                      </a:solidFill>
-                      <a:miter lim="400000"/>
-                    </a:lnT>
-                    <a:lnB w="12700">
-                      <a:solidFill>
-                        <a:srgbClr val="CBCBCB"/>
-                      </a:solidFill>
-                      <a:miter lim="400000"/>
-                    </a:lnB>
-                  </a:tcPr>
-                </a:tc>
-                <a:tc>
-                  <a:txBody>
-                    <a:bodyPr/>
-                    <a:lstStyle/>
-                    <a:p>
-                      <a:pPr defTabSz="457200">
-                        <a:defRPr>
-                          <a:solidFill>
-                            <a:srgbClr val="000000"/>
-                          </a:solidFill>
-                        </a:defRPr>
-                      </a:pPr>
-                      <a:r>
-                        <a:rPr sz="1500" spc="59">
-                          <a:solidFill>
-                            <a:srgbClr val="606060"/>
-                          </a:solidFill>
-                          <a:latin typeface="Helvetica"/>
-                          <a:ea typeface="Helvetica"/>
-                          <a:cs typeface="Helvetica"/>
-                          <a:sym typeface="Helvetica"/>
+                      <a:endParaRPr lang="en-US" sz="1800" b="0" i="0" u="none" strike="noStrike">
+                        <a:solidFill>
+                          <a:srgbClr val="000000"/>
+                        </a:solidFill>
+                        <a:effectLst/>
+                        <a:latin typeface="Arial Unicode MS" panose="020B0604020202020204" pitchFamily="34" charset="-128"/>
+                        <a:ea typeface="Arial Unicode MS" panose="020B0604020202020204" pitchFamily="34" charset="-128"/>
+                        <a:cs typeface="Arial Unicode MS" panose="020B0604020202020204" pitchFamily="34" charset="-128"/>
+                      </a:endParaRPr>
+                    </a:p>
+                  </a:txBody>
+                  <a:tcPr marL="9525" marR="9525" marT="9525" marB="0" anchor="ctr"/>
+                </a:tc>
+                <a:tc>
+                  <a:txBody>
+                    <a:bodyPr/>
+                    <a:lstStyle/>
+                    <a:p>
+                      <a:pPr algn="ctr" fontAlgn="b"/>
+                      <a:r>
+                        <a:rPr lang="en-US" sz="1800" b="0" i="0" u="none" strike="noStrike">
+                          <a:effectLst/>
+                          <a:latin typeface="Arial Unicode MS" panose="020B0604020202020204" pitchFamily="34" charset="-128"/>
+                          <a:ea typeface="Arial Unicode MS" panose="020B0604020202020204" pitchFamily="34" charset="-128"/>
+                          <a:cs typeface="Arial Unicode MS" panose="020B0604020202020204" pitchFamily="34" charset="-128"/>
+                        </a:rPr>
+                        <a:t>30</a:t>
+                      </a:r>
+                      <a:endParaRPr lang="en-US" sz="1800" b="0" i="0" u="none" strike="noStrike">
+                        <a:solidFill>
+                          <a:srgbClr val="000000"/>
+                        </a:solidFill>
+                        <a:effectLst/>
+                        <a:latin typeface="Arial Unicode MS" panose="020B0604020202020204" pitchFamily="34" charset="-128"/>
+                        <a:ea typeface="Arial Unicode MS" panose="020B0604020202020204" pitchFamily="34" charset="-128"/>
+                        <a:cs typeface="Arial Unicode MS" panose="020B0604020202020204" pitchFamily="34" charset="-128"/>
+                      </a:endParaRPr>
+                    </a:p>
+                  </a:txBody>
+                  <a:tcPr marL="9525" marR="9525" marT="9525" marB="0" anchor="ctr"/>
+                </a:tc>
+                <a:tc>
+                  <a:txBody>
+                    <a:bodyPr/>
+                    <a:lstStyle/>
+                    <a:p>
+                      <a:pPr algn="ctr" fontAlgn="b"/>
+                      <a:r>
+                        <a:rPr lang="en-US" sz="1800" b="0" i="0" u="none" strike="noStrike">
+                          <a:effectLst/>
+                          <a:latin typeface="Arial Unicode MS" panose="020B0604020202020204" pitchFamily="34" charset="-128"/>
+                          <a:ea typeface="Arial Unicode MS" panose="020B0604020202020204" pitchFamily="34" charset="-128"/>
+                          <a:cs typeface="Arial Unicode MS" panose="020B0604020202020204" pitchFamily="34" charset="-128"/>
                         </a:rPr>
                         <a:t>300</a:t>
                       </a:r>
-                    </a:p>
-                  </a:txBody>
-                  <a:tcPr marL="63500" marR="63500" marT="0" marB="0" anchor="ctr" horzOverflow="overflow">
-                    <a:lnL w="12700">
-                      <a:solidFill>
-                        <a:srgbClr val="CBCBCB"/>
-                      </a:solidFill>
-                      <a:miter lim="400000"/>
-                    </a:lnL>
-                    <a:lnR w="12700">
-                      <a:solidFill>
-                        <a:srgbClr val="CBCBCB"/>
-                      </a:solidFill>
-                      <a:miter lim="400000"/>
-                    </a:lnR>
-                    <a:lnT w="12700">
-                      <a:solidFill>
-                        <a:srgbClr val="CBCBCB"/>
-                      </a:solidFill>
-                      <a:miter lim="400000"/>
-                    </a:lnT>
-                    <a:lnB w="12700">
-                      <a:solidFill>
-                        <a:srgbClr val="CBCBCB"/>
-                      </a:solidFill>
-                      <a:miter lim="400000"/>
-                    </a:lnB>
-                  </a:tcPr>
-                </a:tc>
-                <a:tc>
-                  <a:txBody>
-                    <a:bodyPr/>
-                    <a:lstStyle/>
-                    <a:p>
-                      <a:pPr defTabSz="457200">
-                        <a:defRPr>
-                          <a:solidFill>
-                            <a:srgbClr val="000000"/>
-                          </a:solidFill>
-                        </a:defRPr>
-                      </a:pPr>
-                      <a:r>
-                        <a:rPr sz="1500" spc="59">
-                          <a:solidFill>
-                            <a:srgbClr val="606060"/>
-                          </a:solidFill>
-                          <a:latin typeface="Helvetica"/>
-                          <a:ea typeface="Helvetica"/>
-                          <a:cs typeface="Helvetica"/>
-                          <a:sym typeface="Helvetica"/>
-                        </a:rPr>
-                        <a:t>122.00</a:t>
-                      </a:r>
-                    </a:p>
-                  </a:txBody>
-                  <a:tcPr marL="63500" marR="63500" marT="0" marB="0" anchor="ctr" horzOverflow="overflow">
-                    <a:lnL w="12700">
-                      <a:solidFill>
-                        <a:srgbClr val="CBCBCB"/>
-                      </a:solidFill>
-                      <a:miter lim="400000"/>
-                    </a:lnL>
-                    <a:lnR w="12700">
-                      <a:solidFill>
-                        <a:srgbClr val="CBCBCB"/>
-                      </a:solidFill>
-                      <a:miter lim="400000"/>
-                    </a:lnR>
-                    <a:lnT w="12700">
-                      <a:solidFill>
-                        <a:srgbClr val="CBCBCB"/>
-                      </a:solidFill>
-                      <a:miter lim="400000"/>
-                    </a:lnT>
-                    <a:lnB w="12700">
-                      <a:solidFill>
-                        <a:srgbClr val="CBCBCB"/>
-                      </a:solidFill>
-                      <a:miter lim="400000"/>
-                    </a:lnB>
-                  </a:tcPr>
-                </a:tc>
-                <a:tc>
-                  <a:txBody>
-                    <a:bodyPr/>
-                    <a:lstStyle/>
-                    <a:p>
-                      <a:pPr defTabSz="457200">
-                        <a:defRPr>
-                          <a:solidFill>
-                            <a:srgbClr val="000000"/>
-                          </a:solidFill>
-                        </a:defRPr>
-                      </a:pPr>
-                      <a:r>
-                        <a:rPr sz="1500" spc="59">
-                          <a:solidFill>
-                            <a:srgbClr val="606060"/>
-                          </a:solidFill>
-                          <a:latin typeface="Helvetica"/>
-                          <a:ea typeface="Helvetica"/>
-                          <a:cs typeface="Helvetica"/>
-                          <a:sym typeface="Helvetica"/>
-                        </a:rPr>
-                        <a:t>1098.31</a:t>
-                      </a:r>
-                    </a:p>
-                  </a:txBody>
-                  <a:tcPr marL="63500" marR="63500" marT="0" marB="0" anchor="ctr" horzOverflow="overflow">
-                    <a:lnL w="12700">
-                      <a:solidFill>
-                        <a:srgbClr val="CBCBCB"/>
-                      </a:solidFill>
-                      <a:miter lim="400000"/>
-                    </a:lnL>
-                    <a:lnR w="12700">
-                      <a:solidFill>
-                        <a:srgbClr val="CBCBCB"/>
-                      </a:solidFill>
-                      <a:miter lim="400000"/>
-                    </a:lnR>
-                    <a:lnT w="12700">
-                      <a:solidFill>
-                        <a:srgbClr val="CBCBCB"/>
-                      </a:solidFill>
-                      <a:miter lim="400000"/>
-                    </a:lnT>
-                    <a:lnB w="12700">
-                      <a:solidFill>
-                        <a:srgbClr val="CBCBCB"/>
-                      </a:solidFill>
-                      <a:miter lim="400000"/>
-                    </a:lnB>
-                  </a:tcPr>
+                      <a:endParaRPr lang="en-US" sz="1800" b="0" i="0" u="none" strike="noStrike">
+                        <a:solidFill>
+                          <a:srgbClr val="000000"/>
+                        </a:solidFill>
+                        <a:effectLst/>
+                        <a:latin typeface="Arial Unicode MS" panose="020B0604020202020204" pitchFamily="34" charset="-128"/>
+                        <a:ea typeface="Arial Unicode MS" panose="020B0604020202020204" pitchFamily="34" charset="-128"/>
+                        <a:cs typeface="Arial Unicode MS" panose="020B0604020202020204" pitchFamily="34" charset="-128"/>
+                      </a:endParaRPr>
+                    </a:p>
+                  </a:txBody>
+                  <a:tcPr marL="9525" marR="9525" marT="9525" marB="0" anchor="ctr"/>
+                </a:tc>
+                <a:tc>
+                  <a:txBody>
+                    <a:bodyPr/>
+                    <a:lstStyle/>
+                    <a:p>
+                      <a:pPr algn="ctr" fontAlgn="b"/>
+                      <a:r>
+                        <a:rPr lang="en-US" sz="1800" b="0" i="0" u="none" strike="noStrike" dirty="0">
+                          <a:effectLst/>
+                          <a:latin typeface="Arial Unicode MS" panose="020B0604020202020204" pitchFamily="34" charset="-128"/>
+                          <a:ea typeface="Arial Unicode MS" panose="020B0604020202020204" pitchFamily="34" charset="-128"/>
+                          <a:cs typeface="Arial Unicode MS" panose="020B0604020202020204" pitchFamily="34" charset="-128"/>
+                        </a:rPr>
+                        <a:t>81.91</a:t>
+                      </a:r>
+                      <a:endParaRPr lang="en-US" sz="1800" b="0" i="0" u="none" strike="noStrike" dirty="0">
+                        <a:solidFill>
+                          <a:srgbClr val="000000"/>
+                        </a:solidFill>
+                        <a:effectLst/>
+                        <a:latin typeface="Arial Unicode MS" panose="020B0604020202020204" pitchFamily="34" charset="-128"/>
+                        <a:ea typeface="Arial Unicode MS" panose="020B0604020202020204" pitchFamily="34" charset="-128"/>
+                        <a:cs typeface="Arial Unicode MS" panose="020B0604020202020204" pitchFamily="34" charset="-128"/>
+                      </a:endParaRPr>
+                    </a:p>
+                  </a:txBody>
+                  <a:tcPr marL="9525" marR="9525" marT="9525" marB="0" anchor="ctr"/>
+                </a:tc>
+                <a:tc>
+                  <a:txBody>
+                    <a:bodyPr/>
+                    <a:lstStyle/>
+                    <a:p>
+                      <a:pPr algn="ctr" fontAlgn="b"/>
+                      <a:r>
+                        <a:rPr lang="en-US" sz="1800" b="0" i="0" u="none" strike="noStrike">
+                          <a:effectLst/>
+                          <a:latin typeface="Arial Unicode MS" panose="020B0604020202020204" pitchFamily="34" charset="-128"/>
+                          <a:ea typeface="Arial Unicode MS" panose="020B0604020202020204" pitchFamily="34" charset="-128"/>
+                          <a:cs typeface="Arial Unicode MS" panose="020B0604020202020204" pitchFamily="34" charset="-128"/>
+                        </a:rPr>
+                        <a:t>1823.90</a:t>
+                      </a:r>
+                      <a:endParaRPr lang="en-US" sz="1800" b="0" i="0" u="none" strike="noStrike">
+                        <a:solidFill>
+                          <a:srgbClr val="000000"/>
+                        </a:solidFill>
+                        <a:effectLst/>
+                        <a:latin typeface="Arial Unicode MS" panose="020B0604020202020204" pitchFamily="34" charset="-128"/>
+                        <a:ea typeface="Arial Unicode MS" panose="020B0604020202020204" pitchFamily="34" charset="-128"/>
+                        <a:cs typeface="Arial Unicode MS" panose="020B0604020202020204" pitchFamily="34" charset="-128"/>
+                      </a:endParaRPr>
+                    </a:p>
+                  </a:txBody>
+                  <a:tcPr marL="9525" marR="9525" marT="9525" marB="0" anchor="ctr"/>
                 </a:tc>
                 <a:extLst>
                   <a:ext uri="{0D108BD9-81ED-4DB2-BD59-A6C34878D82A}">
-                    <a16:rowId xmlns:a16="http://schemas.microsoft.com/office/drawing/2014/main" val="10010"/>
+                    <a16:rowId xmlns:a16="http://schemas.microsoft.com/office/drawing/2014/main" val="3891840051"/>
                   </a:ext>
                 </a:extLst>
               </a:tr>
-              <a:tr h="431724">
-                <a:tc>
-                  <a:txBody>
-                    <a:bodyPr/>
-                    <a:lstStyle/>
-                    <a:p>
-                      <a:pPr defTabSz="457200">
-                        <a:defRPr>
-                          <a:solidFill>
-                            <a:srgbClr val="000000"/>
-                          </a:solidFill>
-                        </a:defRPr>
-                      </a:pPr>
-                      <a:r>
-                        <a:rPr sz="1500" spc="59">
-                          <a:solidFill>
-                            <a:srgbClr val="606060"/>
-                          </a:solidFill>
-                          <a:latin typeface="Helvetica"/>
-                          <a:ea typeface="Helvetica"/>
-                          <a:cs typeface="Helvetica"/>
-                          <a:sym typeface="Helvetica"/>
-                        </a:rPr>
-                        <a:t>20</a:t>
-                      </a:r>
-                    </a:p>
-                  </a:txBody>
-                  <a:tcPr marL="63500" marR="63500" marT="0" marB="0" anchor="ctr" horzOverflow="overflow">
-                    <a:lnL w="12700">
-                      <a:solidFill>
-                        <a:srgbClr val="CBCBCB"/>
-                      </a:solidFill>
-                      <a:miter lim="400000"/>
-                    </a:lnL>
-                    <a:lnR w="12700">
-                      <a:solidFill>
-                        <a:srgbClr val="CBCBCB"/>
-                      </a:solidFill>
-                      <a:miter lim="400000"/>
-                    </a:lnR>
-                    <a:lnT w="12700">
-                      <a:solidFill>
-                        <a:srgbClr val="CBCBCB"/>
-                      </a:solidFill>
-                      <a:miter lim="400000"/>
-                    </a:lnT>
-                    <a:lnB w="12700">
-                      <a:solidFill>
-                        <a:srgbClr val="CBCBCB"/>
-                      </a:solidFill>
-                      <a:miter lim="400000"/>
-                    </a:lnB>
-                  </a:tcPr>
-                </a:tc>
-                <a:tc>
-                  <a:txBody>
-                    <a:bodyPr/>
-                    <a:lstStyle/>
-                    <a:p>
-                      <a:pPr defTabSz="457200">
-                        <a:defRPr>
-                          <a:solidFill>
-                            <a:srgbClr val="000000"/>
-                          </a:solidFill>
-                        </a:defRPr>
-                      </a:pPr>
-                      <a:r>
-                        <a:rPr sz="1500" spc="59">
-                          <a:solidFill>
-                            <a:srgbClr val="606060"/>
-                          </a:solidFill>
-                          <a:latin typeface="Helvetica"/>
-                          <a:ea typeface="Helvetica"/>
-                          <a:cs typeface="Helvetica"/>
-                          <a:sym typeface="Helvetica"/>
-                        </a:rPr>
-                        <a:t>60</a:t>
-                      </a:r>
-                    </a:p>
-                  </a:txBody>
-                  <a:tcPr marL="63500" marR="63500" marT="0" marB="0" anchor="ctr" horzOverflow="overflow">
-                    <a:lnL w="12700">
-                      <a:solidFill>
-                        <a:srgbClr val="CBCBCB"/>
-                      </a:solidFill>
-                      <a:miter lim="400000"/>
-                    </a:lnL>
-                    <a:lnR w="12700">
-                      <a:solidFill>
-                        <a:srgbClr val="CBCBCB"/>
-                      </a:solidFill>
-                      <a:miter lim="400000"/>
-                    </a:lnR>
-                    <a:lnT w="12700">
-                      <a:solidFill>
-                        <a:srgbClr val="CBCBCB"/>
-                      </a:solidFill>
-                      <a:miter lim="400000"/>
-                    </a:lnT>
-                    <a:lnB w="12700">
-                      <a:solidFill>
-                        <a:srgbClr val="CBCBCB"/>
-                      </a:solidFill>
-                      <a:miter lim="400000"/>
-                    </a:lnB>
-                  </a:tcPr>
-                </a:tc>
-                <a:tc>
-                  <a:txBody>
-                    <a:bodyPr/>
-                    <a:lstStyle/>
-                    <a:p>
-                      <a:pPr defTabSz="457200">
-                        <a:defRPr>
-                          <a:solidFill>
-                            <a:srgbClr val="000000"/>
-                          </a:solidFill>
-                        </a:defRPr>
-                      </a:pPr>
-                      <a:r>
-                        <a:rPr sz="1500" spc="59">
-                          <a:solidFill>
-                            <a:srgbClr val="606060"/>
-                          </a:solidFill>
-                          <a:latin typeface="Helvetica"/>
-                          <a:ea typeface="Helvetica"/>
-                          <a:cs typeface="Helvetica"/>
-                          <a:sym typeface="Helvetica"/>
+              <a:tr h="318598">
+                <a:tc>
+                  <a:txBody>
+                    <a:bodyPr/>
+                    <a:lstStyle/>
+                    <a:p>
+                      <a:pPr algn="ctr" fontAlgn="b"/>
+                      <a:r>
+                        <a:rPr lang="en-US" sz="1800" b="0" i="0" u="none" strike="noStrike">
+                          <a:effectLst/>
+                          <a:latin typeface="Arial Unicode MS" panose="020B0604020202020204" pitchFamily="34" charset="-128"/>
+                          <a:ea typeface="Arial Unicode MS" panose="020B0604020202020204" pitchFamily="34" charset="-128"/>
+                          <a:cs typeface="Arial Unicode MS" panose="020B0604020202020204" pitchFamily="34" charset="-128"/>
+                        </a:rPr>
+                        <a:t>40</a:t>
+                      </a:r>
+                      <a:endParaRPr lang="en-US" sz="1800" b="0" i="0" u="none" strike="noStrike">
+                        <a:solidFill>
+                          <a:srgbClr val="000000"/>
+                        </a:solidFill>
+                        <a:effectLst/>
+                        <a:latin typeface="Arial Unicode MS" panose="020B0604020202020204" pitchFamily="34" charset="-128"/>
+                        <a:ea typeface="Arial Unicode MS" panose="020B0604020202020204" pitchFamily="34" charset="-128"/>
+                        <a:cs typeface="Arial Unicode MS" panose="020B0604020202020204" pitchFamily="34" charset="-128"/>
+                      </a:endParaRPr>
+                    </a:p>
+                  </a:txBody>
+                  <a:tcPr marL="9525" marR="9525" marT="9525" marB="0" anchor="ctr"/>
+                </a:tc>
+                <a:tc>
+                  <a:txBody>
+                    <a:bodyPr/>
+                    <a:lstStyle/>
+                    <a:p>
+                      <a:pPr algn="ctr" fontAlgn="b"/>
+                      <a:r>
+                        <a:rPr lang="en-US" sz="1800" b="0" i="0" u="none" strike="noStrike">
+                          <a:effectLst/>
+                          <a:latin typeface="Arial Unicode MS" panose="020B0604020202020204" pitchFamily="34" charset="-128"/>
+                          <a:ea typeface="Arial Unicode MS" panose="020B0604020202020204" pitchFamily="34" charset="-128"/>
+                          <a:cs typeface="Arial Unicode MS" panose="020B0604020202020204" pitchFamily="34" charset="-128"/>
+                        </a:rPr>
+                        <a:t>40</a:t>
+                      </a:r>
+                      <a:endParaRPr lang="en-US" sz="1800" b="0" i="0" u="none" strike="noStrike">
+                        <a:solidFill>
+                          <a:srgbClr val="000000"/>
+                        </a:solidFill>
+                        <a:effectLst/>
+                        <a:latin typeface="Arial Unicode MS" panose="020B0604020202020204" pitchFamily="34" charset="-128"/>
+                        <a:ea typeface="Arial Unicode MS" panose="020B0604020202020204" pitchFamily="34" charset="-128"/>
+                        <a:cs typeface="Arial Unicode MS" panose="020B0604020202020204" pitchFamily="34" charset="-128"/>
+                      </a:endParaRPr>
+                    </a:p>
+                  </a:txBody>
+                  <a:tcPr marL="9525" marR="9525" marT="9525" marB="0" anchor="ctr"/>
+                </a:tc>
+                <a:tc>
+                  <a:txBody>
+                    <a:bodyPr/>
+                    <a:lstStyle/>
+                    <a:p>
+                      <a:pPr algn="ctr" fontAlgn="b"/>
+                      <a:r>
+                        <a:rPr lang="en-US" sz="1800" b="0" i="0" u="none" strike="noStrike">
+                          <a:effectLst/>
+                          <a:latin typeface="Arial Unicode MS" panose="020B0604020202020204" pitchFamily="34" charset="-128"/>
+                          <a:ea typeface="Arial Unicode MS" panose="020B0604020202020204" pitchFamily="34" charset="-128"/>
+                          <a:cs typeface="Arial Unicode MS" panose="020B0604020202020204" pitchFamily="34" charset="-128"/>
                         </a:rPr>
                         <a:t>300</a:t>
                       </a:r>
-                    </a:p>
-                  </a:txBody>
-                  <a:tcPr marL="63500" marR="63500" marT="0" marB="0" anchor="ctr" horzOverflow="overflow">
-                    <a:lnL w="12700">
-                      <a:solidFill>
-                        <a:srgbClr val="CBCBCB"/>
-                      </a:solidFill>
-                      <a:miter lim="400000"/>
-                    </a:lnL>
-                    <a:lnR w="12700">
-                      <a:solidFill>
-                        <a:srgbClr val="CBCBCB"/>
-                      </a:solidFill>
-                      <a:miter lim="400000"/>
-                    </a:lnR>
-                    <a:lnT w="12700">
-                      <a:solidFill>
-                        <a:srgbClr val="CBCBCB"/>
-                      </a:solidFill>
-                      <a:miter lim="400000"/>
-                    </a:lnT>
-                    <a:lnB w="12700">
-                      <a:solidFill>
-                        <a:srgbClr val="CBCBCB"/>
-                      </a:solidFill>
-                      <a:miter lim="400000"/>
-                    </a:lnB>
-                  </a:tcPr>
-                </a:tc>
-                <a:tc>
-                  <a:txBody>
-                    <a:bodyPr/>
-                    <a:lstStyle/>
-                    <a:p>
-                      <a:pPr defTabSz="457200">
-                        <a:defRPr>
-                          <a:solidFill>
-                            <a:srgbClr val="000000"/>
-                          </a:solidFill>
-                        </a:defRPr>
-                      </a:pPr>
-                      <a:r>
-                        <a:rPr sz="1500" spc="59">
-                          <a:solidFill>
-                            <a:srgbClr val="606060"/>
-                          </a:solidFill>
-                          <a:latin typeface="Helvetica"/>
-                          <a:ea typeface="Helvetica"/>
-                          <a:cs typeface="Helvetica"/>
-                          <a:sym typeface="Helvetica"/>
-                        </a:rPr>
-                        <a:t>64.55</a:t>
-                      </a:r>
-                    </a:p>
-                  </a:txBody>
-                  <a:tcPr marL="63500" marR="63500" marT="0" marB="0" anchor="ctr" horzOverflow="overflow">
-                    <a:lnL w="12700">
-                      <a:solidFill>
-                        <a:srgbClr val="CBCBCB"/>
-                      </a:solidFill>
-                      <a:miter lim="400000"/>
-                    </a:lnL>
-                    <a:lnR w="12700">
-                      <a:solidFill>
-                        <a:srgbClr val="CBCBCB"/>
-                      </a:solidFill>
-                      <a:miter lim="400000"/>
-                    </a:lnR>
-                    <a:lnT w="12700">
-                      <a:solidFill>
-                        <a:srgbClr val="CBCBCB"/>
-                      </a:solidFill>
-                      <a:miter lim="400000"/>
-                    </a:lnT>
-                    <a:lnB w="12700">
-                      <a:solidFill>
-                        <a:srgbClr val="CBCBCB"/>
-                      </a:solidFill>
-                      <a:miter lim="400000"/>
-                    </a:lnB>
-                  </a:tcPr>
-                </a:tc>
-                <a:tc>
-                  <a:txBody>
-                    <a:bodyPr/>
-                    <a:lstStyle/>
-                    <a:p>
-                      <a:pPr defTabSz="457200">
-                        <a:defRPr>
-                          <a:solidFill>
-                            <a:srgbClr val="000000"/>
-                          </a:solidFill>
-                        </a:defRPr>
-                      </a:pPr>
-                      <a:r>
-                        <a:rPr sz="1500" spc="59">
-                          <a:solidFill>
-                            <a:srgbClr val="606060"/>
-                          </a:solidFill>
-                          <a:latin typeface="Helvetica"/>
-                          <a:ea typeface="Helvetica"/>
-                          <a:cs typeface="Helvetica"/>
-                          <a:sym typeface="Helvetica"/>
-                        </a:rPr>
-                        <a:t>3812.01</a:t>
-                      </a:r>
-                    </a:p>
-                  </a:txBody>
-                  <a:tcPr marL="63500" marR="63500" marT="0" marB="0" anchor="ctr" horzOverflow="overflow">
-                    <a:lnL w="12700">
-                      <a:solidFill>
-                        <a:srgbClr val="CBCBCB"/>
-                      </a:solidFill>
-                      <a:miter lim="400000"/>
-                    </a:lnL>
-                    <a:lnR w="12700">
-                      <a:solidFill>
-                        <a:srgbClr val="CBCBCB"/>
-                      </a:solidFill>
-                      <a:miter lim="400000"/>
-                    </a:lnR>
-                    <a:lnT w="12700">
-                      <a:solidFill>
-                        <a:srgbClr val="CBCBCB"/>
-                      </a:solidFill>
-                      <a:miter lim="400000"/>
-                    </a:lnT>
-                    <a:lnB w="12700">
-                      <a:solidFill>
-                        <a:srgbClr val="CBCBCB"/>
-                      </a:solidFill>
-                      <a:miter lim="400000"/>
-                    </a:lnB>
-                  </a:tcPr>
+                      <a:endParaRPr lang="en-US" sz="1800" b="0" i="0" u="none" strike="noStrike">
+                        <a:solidFill>
+                          <a:srgbClr val="000000"/>
+                        </a:solidFill>
+                        <a:effectLst/>
+                        <a:latin typeface="Arial Unicode MS" panose="020B0604020202020204" pitchFamily="34" charset="-128"/>
+                        <a:ea typeface="Arial Unicode MS" panose="020B0604020202020204" pitchFamily="34" charset="-128"/>
+                        <a:cs typeface="Arial Unicode MS" panose="020B0604020202020204" pitchFamily="34" charset="-128"/>
+                      </a:endParaRPr>
+                    </a:p>
+                  </a:txBody>
+                  <a:tcPr marL="9525" marR="9525" marT="9525" marB="0" anchor="ctr"/>
+                </a:tc>
+                <a:tc>
+                  <a:txBody>
+                    <a:bodyPr/>
+                    <a:lstStyle/>
+                    <a:p>
+                      <a:pPr algn="ctr" fontAlgn="b"/>
+                      <a:r>
+                        <a:rPr lang="en-US" sz="1800" b="0" i="0" u="none" strike="noStrike" dirty="0">
+                          <a:effectLst/>
+                          <a:latin typeface="Arial Unicode MS" panose="020B0604020202020204" pitchFamily="34" charset="-128"/>
+                          <a:ea typeface="Arial Unicode MS" panose="020B0604020202020204" pitchFamily="34" charset="-128"/>
+                          <a:cs typeface="Arial Unicode MS" panose="020B0604020202020204" pitchFamily="34" charset="-128"/>
+                        </a:rPr>
+                        <a:t>97.18</a:t>
+                      </a:r>
+                      <a:endParaRPr lang="en-US" sz="1800" b="0" i="0" u="none" strike="noStrike" dirty="0">
+                        <a:solidFill>
+                          <a:srgbClr val="000000"/>
+                        </a:solidFill>
+                        <a:effectLst/>
+                        <a:latin typeface="Arial Unicode MS" panose="020B0604020202020204" pitchFamily="34" charset="-128"/>
+                        <a:ea typeface="Arial Unicode MS" panose="020B0604020202020204" pitchFamily="34" charset="-128"/>
+                        <a:cs typeface="Arial Unicode MS" panose="020B0604020202020204" pitchFamily="34" charset="-128"/>
+                      </a:endParaRPr>
+                    </a:p>
+                  </a:txBody>
+                  <a:tcPr marL="9525" marR="9525" marT="9525" marB="0" anchor="ctr"/>
+                </a:tc>
+                <a:tc>
+                  <a:txBody>
+                    <a:bodyPr/>
+                    <a:lstStyle/>
+                    <a:p>
+                      <a:pPr algn="ctr" fontAlgn="b"/>
+                      <a:r>
+                        <a:rPr lang="en-US" sz="1800" b="0" i="0" u="none" strike="noStrike" dirty="0">
+                          <a:effectLst/>
+                          <a:latin typeface="Arial Unicode MS" panose="020B0604020202020204" pitchFamily="34" charset="-128"/>
+                          <a:ea typeface="Arial Unicode MS" panose="020B0604020202020204" pitchFamily="34" charset="-128"/>
+                          <a:cs typeface="Arial Unicode MS" panose="020B0604020202020204" pitchFamily="34" charset="-128"/>
+                        </a:rPr>
+                        <a:t>2096.15</a:t>
+                      </a:r>
+                      <a:endParaRPr lang="en-US" sz="1800" b="0" i="0" u="none" strike="noStrike" dirty="0">
+                        <a:solidFill>
+                          <a:srgbClr val="000000"/>
+                        </a:solidFill>
+                        <a:effectLst/>
+                        <a:latin typeface="Arial Unicode MS" panose="020B0604020202020204" pitchFamily="34" charset="-128"/>
+                        <a:ea typeface="Arial Unicode MS" panose="020B0604020202020204" pitchFamily="34" charset="-128"/>
+                        <a:cs typeface="Arial Unicode MS" panose="020B0604020202020204" pitchFamily="34" charset="-128"/>
+                      </a:endParaRPr>
+                    </a:p>
+                  </a:txBody>
+                  <a:tcPr marL="9525" marR="9525" marT="9525" marB="0" anchor="ctr"/>
                 </a:tc>
                 <a:extLst>
                   <a:ext uri="{0D108BD9-81ED-4DB2-BD59-A6C34878D82A}">
-                    <a16:rowId xmlns:a16="http://schemas.microsoft.com/office/drawing/2014/main" val="10011"/>
+                    <a16:rowId xmlns:a16="http://schemas.microsoft.com/office/drawing/2014/main" val="2682897624"/>
                   </a:ext>
                 </a:extLst>
               </a:tr>
-              <a:tr h="431724">
-                <a:tc>
-                  <a:txBody>
-                    <a:bodyPr/>
-                    <a:lstStyle/>
-                    <a:p>
-                      <a:pPr defTabSz="457200">
-                        <a:defRPr>
-                          <a:solidFill>
-                            <a:srgbClr val="000000"/>
-                          </a:solidFill>
-                        </a:defRPr>
-                      </a:pPr>
-                      <a:r>
-                        <a:rPr sz="1500" spc="59">
-                          <a:solidFill>
-                            <a:srgbClr val="606060"/>
-                          </a:solidFill>
-                          <a:latin typeface="Helvetica"/>
-                          <a:ea typeface="Helvetica"/>
-                          <a:cs typeface="Helvetica"/>
-                          <a:sym typeface="Helvetica"/>
+              <a:tr h="318598">
+                <a:tc>
+                  <a:txBody>
+                    <a:bodyPr/>
+                    <a:lstStyle/>
+                    <a:p>
+                      <a:pPr algn="ctr" fontAlgn="b"/>
+                      <a:r>
+                        <a:rPr lang="en-US" sz="1800" b="0" i="0" u="none" strike="noStrike">
+                          <a:effectLst/>
+                          <a:latin typeface="Arial Unicode MS" panose="020B0604020202020204" pitchFamily="34" charset="-128"/>
+                          <a:ea typeface="Arial Unicode MS" panose="020B0604020202020204" pitchFamily="34" charset="-128"/>
+                          <a:cs typeface="Arial Unicode MS" panose="020B0604020202020204" pitchFamily="34" charset="-128"/>
                         </a:rPr>
                         <a:t>40</a:t>
                       </a:r>
-                    </a:p>
-                  </a:txBody>
-                  <a:tcPr marL="63500" marR="63500" marT="0" marB="0" anchor="ctr" horzOverflow="overflow">
-                    <a:lnL w="12700">
-                      <a:solidFill>
-                        <a:srgbClr val="CBCBCB"/>
-                      </a:solidFill>
-                      <a:miter lim="400000"/>
-                    </a:lnL>
-                    <a:lnR w="12700">
-                      <a:solidFill>
-                        <a:srgbClr val="CBCBCB"/>
-                      </a:solidFill>
-                      <a:miter lim="400000"/>
-                    </a:lnR>
-                    <a:lnT w="12700">
-                      <a:solidFill>
-                        <a:srgbClr val="CBCBCB"/>
-                      </a:solidFill>
-                      <a:miter lim="400000"/>
-                    </a:lnT>
-                    <a:lnB w="12700">
-                      <a:solidFill>
-                        <a:srgbClr val="CBCBCB"/>
-                      </a:solidFill>
-                      <a:miter lim="400000"/>
-                    </a:lnB>
-                  </a:tcPr>
-                </a:tc>
-                <a:tc>
-                  <a:txBody>
-                    <a:bodyPr/>
-                    <a:lstStyle/>
-                    <a:p>
-                      <a:pPr defTabSz="457200">
-                        <a:defRPr>
-                          <a:solidFill>
-                            <a:srgbClr val="000000"/>
-                          </a:solidFill>
-                        </a:defRPr>
-                      </a:pPr>
-                      <a:r>
-                        <a:rPr sz="1500" spc="59">
-                          <a:solidFill>
-                            <a:srgbClr val="606060"/>
-                          </a:solidFill>
-                          <a:latin typeface="Helvetica"/>
-                          <a:ea typeface="Helvetica"/>
-                          <a:cs typeface="Helvetica"/>
-                          <a:sym typeface="Helvetica"/>
+                      <a:endParaRPr lang="en-US" sz="1800" b="0" i="0" u="none" strike="noStrike">
+                        <a:solidFill>
+                          <a:srgbClr val="000000"/>
+                        </a:solidFill>
+                        <a:effectLst/>
+                        <a:latin typeface="Arial Unicode MS" panose="020B0604020202020204" pitchFamily="34" charset="-128"/>
+                        <a:ea typeface="Arial Unicode MS" panose="020B0604020202020204" pitchFamily="34" charset="-128"/>
+                        <a:cs typeface="Arial Unicode MS" panose="020B0604020202020204" pitchFamily="34" charset="-128"/>
+                      </a:endParaRPr>
+                    </a:p>
+                  </a:txBody>
+                  <a:tcPr marL="9525" marR="9525" marT="9525" marB="0" anchor="ctr"/>
+                </a:tc>
+                <a:tc>
+                  <a:txBody>
+                    <a:bodyPr/>
+                    <a:lstStyle/>
+                    <a:p>
+                      <a:pPr algn="ctr" fontAlgn="b"/>
+                      <a:r>
+                        <a:rPr lang="en-US" sz="1800" b="0" i="0" u="none" strike="noStrike">
+                          <a:effectLst/>
+                          <a:latin typeface="Arial Unicode MS" panose="020B0604020202020204" pitchFamily="34" charset="-128"/>
+                          <a:ea typeface="Arial Unicode MS" panose="020B0604020202020204" pitchFamily="34" charset="-128"/>
+                          <a:cs typeface="Arial Unicode MS" panose="020B0604020202020204" pitchFamily="34" charset="-128"/>
                         </a:rPr>
                         <a:t>60</a:t>
                       </a:r>
-                    </a:p>
-                  </a:txBody>
-                  <a:tcPr marL="63500" marR="63500" marT="0" marB="0" anchor="ctr" horzOverflow="overflow">
-                    <a:lnL w="12700">
-                      <a:solidFill>
-                        <a:srgbClr val="CBCBCB"/>
-                      </a:solidFill>
-                      <a:miter lim="400000"/>
-                    </a:lnL>
-                    <a:lnR w="12700">
-                      <a:solidFill>
-                        <a:srgbClr val="CBCBCB"/>
-                      </a:solidFill>
-                      <a:miter lim="400000"/>
-                    </a:lnR>
-                    <a:lnT w="12700">
-                      <a:solidFill>
-                        <a:srgbClr val="CBCBCB"/>
-                      </a:solidFill>
-                      <a:miter lim="400000"/>
-                    </a:lnT>
-                    <a:lnB w="12700">
-                      <a:solidFill>
-                        <a:srgbClr val="CBCBCB"/>
-                      </a:solidFill>
-                      <a:miter lim="400000"/>
-                    </a:lnB>
-                  </a:tcPr>
-                </a:tc>
-                <a:tc>
-                  <a:txBody>
-                    <a:bodyPr/>
-                    <a:lstStyle/>
-                    <a:p>
-                      <a:pPr defTabSz="457200">
-                        <a:defRPr>
-                          <a:solidFill>
-                            <a:srgbClr val="000000"/>
-                          </a:solidFill>
-                        </a:defRPr>
-                      </a:pPr>
-                      <a:r>
-                        <a:rPr sz="1500" spc="59">
-                          <a:solidFill>
-                            <a:srgbClr val="606060"/>
-                          </a:solidFill>
-                          <a:latin typeface="Helvetica"/>
-                          <a:ea typeface="Helvetica"/>
-                          <a:cs typeface="Helvetica"/>
-                          <a:sym typeface="Helvetica"/>
+                      <a:endParaRPr lang="en-US" sz="1800" b="0" i="0" u="none" strike="noStrike">
+                        <a:solidFill>
+                          <a:srgbClr val="000000"/>
+                        </a:solidFill>
+                        <a:effectLst/>
+                        <a:latin typeface="Arial Unicode MS" panose="020B0604020202020204" pitchFamily="34" charset="-128"/>
+                        <a:ea typeface="Arial Unicode MS" panose="020B0604020202020204" pitchFamily="34" charset="-128"/>
+                        <a:cs typeface="Arial Unicode MS" panose="020B0604020202020204" pitchFamily="34" charset="-128"/>
+                      </a:endParaRPr>
+                    </a:p>
+                  </a:txBody>
+                  <a:tcPr marL="9525" marR="9525" marT="9525" marB="0" anchor="ctr"/>
+                </a:tc>
+                <a:tc>
+                  <a:txBody>
+                    <a:bodyPr/>
+                    <a:lstStyle/>
+                    <a:p>
+                      <a:pPr algn="ctr" fontAlgn="b"/>
+                      <a:r>
+                        <a:rPr lang="en-US" sz="1800" b="0" i="0" u="none" strike="noStrike" dirty="0">
+                          <a:effectLst/>
+                          <a:latin typeface="Arial Unicode MS" panose="020B0604020202020204" pitchFamily="34" charset="-128"/>
+                          <a:ea typeface="Arial Unicode MS" panose="020B0604020202020204" pitchFamily="34" charset="-128"/>
+                          <a:cs typeface="Arial Unicode MS" panose="020B0604020202020204" pitchFamily="34" charset="-128"/>
                         </a:rPr>
                         <a:t>300</a:t>
                       </a:r>
-                    </a:p>
-                  </a:txBody>
-                  <a:tcPr marL="63500" marR="63500" marT="0" marB="0" anchor="ctr" horzOverflow="overflow">
-                    <a:lnL w="12700">
-                      <a:solidFill>
-                        <a:srgbClr val="CBCBCB"/>
-                      </a:solidFill>
-                      <a:miter lim="400000"/>
-                    </a:lnL>
-                    <a:lnR w="12700">
-                      <a:solidFill>
-                        <a:srgbClr val="CBCBCB"/>
-                      </a:solidFill>
-                      <a:miter lim="400000"/>
-                    </a:lnR>
-                    <a:lnT w="12700">
-                      <a:solidFill>
-                        <a:srgbClr val="CBCBCB"/>
-                      </a:solidFill>
-                      <a:miter lim="400000"/>
-                    </a:lnT>
-                    <a:lnB w="12700">
-                      <a:solidFill>
-                        <a:srgbClr val="CBCBCB"/>
-                      </a:solidFill>
-                      <a:miter lim="400000"/>
-                    </a:lnB>
-                  </a:tcPr>
-                </a:tc>
-                <a:tc>
-                  <a:txBody>
-                    <a:bodyPr/>
-                    <a:lstStyle/>
-                    <a:p>
-                      <a:pPr defTabSz="457200">
-                        <a:defRPr>
-                          <a:solidFill>
-                            <a:srgbClr val="000000"/>
-                          </a:solidFill>
-                        </a:defRPr>
-                      </a:pPr>
-                      <a:r>
-                        <a:rPr sz="1500" spc="59">
-                          <a:solidFill>
-                            <a:srgbClr val="606060"/>
-                          </a:solidFill>
-                          <a:latin typeface="Helvetica"/>
-                          <a:ea typeface="Helvetica"/>
-                          <a:cs typeface="Helvetica"/>
-                          <a:sym typeface="Helvetica"/>
+                      <a:endParaRPr lang="en-US" sz="1800" b="0" i="0" u="none" strike="noStrike" dirty="0">
+                        <a:solidFill>
+                          <a:srgbClr val="000000"/>
+                        </a:solidFill>
+                        <a:effectLst/>
+                        <a:latin typeface="Arial Unicode MS" panose="020B0604020202020204" pitchFamily="34" charset="-128"/>
+                        <a:ea typeface="Arial Unicode MS" panose="020B0604020202020204" pitchFamily="34" charset="-128"/>
+                        <a:cs typeface="Arial Unicode MS" panose="020B0604020202020204" pitchFamily="34" charset="-128"/>
+                      </a:endParaRPr>
+                    </a:p>
+                  </a:txBody>
+                  <a:tcPr marL="9525" marR="9525" marT="9525" marB="0" anchor="ctr"/>
+                </a:tc>
+                <a:tc>
+                  <a:txBody>
+                    <a:bodyPr/>
+                    <a:lstStyle/>
+                    <a:p>
+                      <a:pPr algn="ctr" fontAlgn="b"/>
+                      <a:r>
+                        <a:rPr lang="en-US" sz="1800" b="0" i="0" u="none" strike="noStrike">
+                          <a:effectLst/>
+                          <a:latin typeface="Arial Unicode MS" panose="020B0604020202020204" pitchFamily="34" charset="-128"/>
+                          <a:ea typeface="Arial Unicode MS" panose="020B0604020202020204" pitchFamily="34" charset="-128"/>
+                          <a:cs typeface="Arial Unicode MS" panose="020B0604020202020204" pitchFamily="34" charset="-128"/>
                         </a:rPr>
                         <a:t>80.91</a:t>
                       </a:r>
-                    </a:p>
-                  </a:txBody>
-                  <a:tcPr marL="63500" marR="63500" marT="0" marB="0" anchor="ctr" horzOverflow="overflow">
-                    <a:lnL w="12700">
-                      <a:solidFill>
-                        <a:srgbClr val="CBCBCB"/>
-                      </a:solidFill>
-                      <a:miter lim="400000"/>
-                    </a:lnL>
-                    <a:lnR w="12700">
-                      <a:solidFill>
-                        <a:srgbClr val="CBCBCB"/>
-                      </a:solidFill>
-                      <a:miter lim="400000"/>
-                    </a:lnR>
-                    <a:lnT w="12700">
-                      <a:solidFill>
-                        <a:srgbClr val="CBCBCB"/>
-                      </a:solidFill>
-                      <a:miter lim="400000"/>
-                    </a:lnT>
-                    <a:lnB w="12700">
-                      <a:solidFill>
-                        <a:srgbClr val="CBCBCB"/>
-                      </a:solidFill>
-                      <a:miter lim="400000"/>
-                    </a:lnB>
-                  </a:tcPr>
-                </a:tc>
-                <a:tc>
-                  <a:txBody>
-                    <a:bodyPr/>
-                    <a:lstStyle/>
-                    <a:p>
-                      <a:pPr defTabSz="457200">
-                        <a:defRPr>
-                          <a:solidFill>
-                            <a:srgbClr val="000000"/>
-                          </a:solidFill>
-                        </a:defRPr>
-                      </a:pPr>
-                      <a:r>
-                        <a:rPr sz="1500" spc="59">
-                          <a:solidFill>
-                            <a:srgbClr val="606060"/>
-                          </a:solidFill>
-                          <a:latin typeface="Helvetica"/>
-                          <a:ea typeface="Helvetica"/>
-                          <a:cs typeface="Helvetica"/>
-                          <a:sym typeface="Helvetica"/>
+                      <a:endParaRPr lang="en-US" sz="1800" b="0" i="0" u="none" strike="noStrike">
+                        <a:solidFill>
+                          <a:srgbClr val="000000"/>
+                        </a:solidFill>
+                        <a:effectLst/>
+                        <a:latin typeface="Arial Unicode MS" panose="020B0604020202020204" pitchFamily="34" charset="-128"/>
+                        <a:ea typeface="Arial Unicode MS" panose="020B0604020202020204" pitchFamily="34" charset="-128"/>
+                        <a:cs typeface="Arial Unicode MS" panose="020B0604020202020204" pitchFamily="34" charset="-128"/>
+                      </a:endParaRPr>
+                    </a:p>
+                  </a:txBody>
+                  <a:tcPr marL="9525" marR="9525" marT="9525" marB="0" anchor="ctr"/>
+                </a:tc>
+                <a:tc>
+                  <a:txBody>
+                    <a:bodyPr/>
+                    <a:lstStyle/>
+                    <a:p>
+                      <a:pPr algn="ctr" fontAlgn="b"/>
+                      <a:r>
+                        <a:rPr lang="en-US" sz="1800" b="0" i="0" u="none" strike="noStrike" dirty="0">
+                          <a:effectLst/>
+                          <a:latin typeface="Arial Unicode MS" panose="020B0604020202020204" pitchFamily="34" charset="-128"/>
+                          <a:ea typeface="Arial Unicode MS" panose="020B0604020202020204" pitchFamily="34" charset="-128"/>
+                          <a:cs typeface="Arial Unicode MS" panose="020B0604020202020204" pitchFamily="34" charset="-128"/>
                         </a:rPr>
                         <a:t>2049.15</a:t>
                       </a:r>
-                    </a:p>
-                  </a:txBody>
-                  <a:tcPr marL="63500" marR="63500" marT="0" marB="0" anchor="ctr" horzOverflow="overflow">
-                    <a:lnL w="12700">
-                      <a:solidFill>
-                        <a:srgbClr val="CBCBCB"/>
-                      </a:solidFill>
-                      <a:miter lim="400000"/>
-                    </a:lnL>
-                    <a:lnR w="12700">
-                      <a:solidFill>
-                        <a:srgbClr val="CBCBCB"/>
-                      </a:solidFill>
-                      <a:miter lim="400000"/>
-                    </a:lnR>
-                    <a:lnT w="12700">
-                      <a:solidFill>
-                        <a:srgbClr val="CBCBCB"/>
-                      </a:solidFill>
-                      <a:miter lim="400000"/>
-                    </a:lnT>
-                    <a:lnB w="12700">
-                      <a:solidFill>
-                        <a:srgbClr val="CBCBCB"/>
-                      </a:solidFill>
-                      <a:miter lim="400000"/>
-                    </a:lnB>
-                  </a:tcPr>
+                      <a:endParaRPr lang="en-US" sz="1800" b="0" i="0" u="none" strike="noStrike" dirty="0">
+                        <a:solidFill>
+                          <a:srgbClr val="000000"/>
+                        </a:solidFill>
+                        <a:effectLst/>
+                        <a:latin typeface="Arial Unicode MS" panose="020B0604020202020204" pitchFamily="34" charset="-128"/>
+                        <a:ea typeface="Arial Unicode MS" panose="020B0604020202020204" pitchFamily="34" charset="-128"/>
+                        <a:cs typeface="Arial Unicode MS" panose="020B0604020202020204" pitchFamily="34" charset="-128"/>
+                      </a:endParaRPr>
+                    </a:p>
+                  </a:txBody>
+                  <a:tcPr marL="9525" marR="9525" marT="9525" marB="0" anchor="ctr"/>
                 </a:tc>
                 <a:extLst>
                   <a:ext uri="{0D108BD9-81ED-4DB2-BD59-A6C34878D82A}">
-                    <a16:rowId xmlns:a16="http://schemas.microsoft.com/office/drawing/2014/main" val="10012"/>
+                    <a16:rowId xmlns:a16="http://schemas.microsoft.com/office/drawing/2014/main" val="3919539984"/>
                   </a:ext>
                 </a:extLst>
               </a:tr>
-              <a:tr h="431724">
-                <a:tc>
-                  <a:txBody>
-                    <a:bodyPr/>
-                    <a:lstStyle/>
-                    <a:p>
-                      <a:pPr defTabSz="457200">
-                        <a:defRPr>
-                          <a:solidFill>
-                            <a:srgbClr val="000000"/>
-                          </a:solidFill>
-                        </a:defRPr>
-                      </a:pPr>
-                      <a:r>
-                        <a:rPr sz="1500" spc="59">
-                          <a:solidFill>
-                            <a:srgbClr val="606060"/>
-                          </a:solidFill>
-                          <a:latin typeface="Helvetica"/>
-                          <a:ea typeface="Helvetica"/>
-                          <a:cs typeface="Helvetica"/>
-                          <a:sym typeface="Helvetica"/>
+              <a:tr h="318598">
+                <a:tc>
+                  <a:txBody>
+                    <a:bodyPr/>
+                    <a:lstStyle/>
+                    <a:p>
+                      <a:pPr algn="ctr" fontAlgn="b"/>
+                      <a:r>
+                        <a:rPr lang="en-US" sz="1800" b="0" i="0" u="none" strike="noStrike">
+                          <a:effectLst/>
+                          <a:latin typeface="Arial Unicode MS" panose="020B0604020202020204" pitchFamily="34" charset="-128"/>
+                          <a:ea typeface="Arial Unicode MS" panose="020B0604020202020204" pitchFamily="34" charset="-128"/>
+                          <a:cs typeface="Arial Unicode MS" panose="020B0604020202020204" pitchFamily="34" charset="-128"/>
+                        </a:rPr>
+                        <a:t>40</a:t>
+                      </a:r>
+                      <a:endParaRPr lang="en-US" sz="1800" b="0" i="0" u="none" strike="noStrike">
+                        <a:solidFill>
+                          <a:srgbClr val="000000"/>
+                        </a:solidFill>
+                        <a:effectLst/>
+                        <a:latin typeface="Arial Unicode MS" panose="020B0604020202020204" pitchFamily="34" charset="-128"/>
+                        <a:ea typeface="Arial Unicode MS" panose="020B0604020202020204" pitchFamily="34" charset="-128"/>
+                        <a:cs typeface="Arial Unicode MS" panose="020B0604020202020204" pitchFamily="34" charset="-128"/>
+                      </a:endParaRPr>
+                    </a:p>
+                  </a:txBody>
+                  <a:tcPr marL="9525" marR="9525" marT="9525" marB="0" anchor="ctr"/>
+                </a:tc>
+                <a:tc>
+                  <a:txBody>
+                    <a:bodyPr/>
+                    <a:lstStyle/>
+                    <a:p>
+                      <a:pPr algn="ctr" fontAlgn="b"/>
+                      <a:r>
+                        <a:rPr lang="en-US" sz="1800" b="0" i="0" u="none" strike="noStrike">
+                          <a:effectLst/>
+                          <a:latin typeface="Arial Unicode MS" panose="020B0604020202020204" pitchFamily="34" charset="-128"/>
+                          <a:ea typeface="Arial Unicode MS" panose="020B0604020202020204" pitchFamily="34" charset="-128"/>
+                          <a:cs typeface="Arial Unicode MS" panose="020B0604020202020204" pitchFamily="34" charset="-128"/>
                         </a:rPr>
                         <a:t>80</a:t>
                       </a:r>
-                    </a:p>
-                  </a:txBody>
-                  <a:tcPr marL="63500" marR="63500" marT="0" marB="0" anchor="ctr" horzOverflow="overflow">
-                    <a:lnL w="12700">
-                      <a:solidFill>
-                        <a:srgbClr val="CBCBCB"/>
-                      </a:solidFill>
-                      <a:miter lim="400000"/>
-                    </a:lnL>
-                    <a:lnR w="12700">
-                      <a:solidFill>
-                        <a:srgbClr val="CBCBCB"/>
-                      </a:solidFill>
-                      <a:miter lim="400000"/>
-                    </a:lnR>
-                    <a:lnT w="12700">
-                      <a:solidFill>
-                        <a:srgbClr val="CBCBCB"/>
-                      </a:solidFill>
-                      <a:miter lim="400000"/>
-                    </a:lnT>
-                    <a:lnB w="12700">
-                      <a:solidFill>
-                        <a:srgbClr val="CBCBCB"/>
-                      </a:solidFill>
-                      <a:miter lim="400000"/>
-                    </a:lnB>
-                  </a:tcPr>
-                </a:tc>
-                <a:tc>
-                  <a:txBody>
-                    <a:bodyPr/>
-                    <a:lstStyle/>
-                    <a:p>
-                      <a:pPr defTabSz="457200">
-                        <a:defRPr>
-                          <a:solidFill>
-                            <a:srgbClr val="000000"/>
-                          </a:solidFill>
-                        </a:defRPr>
-                      </a:pPr>
-                      <a:r>
-                        <a:rPr sz="1500" spc="59">
-                          <a:solidFill>
-                            <a:srgbClr val="606060"/>
-                          </a:solidFill>
-                          <a:latin typeface="Helvetica"/>
-                          <a:ea typeface="Helvetica"/>
-                          <a:cs typeface="Helvetica"/>
-                          <a:sym typeface="Helvetica"/>
-                        </a:rPr>
-                        <a:t>60</a:t>
-                      </a:r>
-                    </a:p>
-                  </a:txBody>
-                  <a:tcPr marL="63500" marR="63500" marT="0" marB="0" anchor="ctr" horzOverflow="overflow">
-                    <a:lnL w="12700">
-                      <a:solidFill>
-                        <a:srgbClr val="CBCBCB"/>
-                      </a:solidFill>
-                      <a:miter lim="400000"/>
-                    </a:lnL>
-                    <a:lnR w="12700">
-                      <a:solidFill>
-                        <a:srgbClr val="CBCBCB"/>
-                      </a:solidFill>
-                      <a:miter lim="400000"/>
-                    </a:lnR>
-                    <a:lnT w="12700">
-                      <a:solidFill>
-                        <a:srgbClr val="CBCBCB"/>
-                      </a:solidFill>
-                      <a:miter lim="400000"/>
-                    </a:lnT>
-                    <a:lnB w="12700">
-                      <a:solidFill>
-                        <a:srgbClr val="CBCBCB"/>
-                      </a:solidFill>
-                      <a:miter lim="400000"/>
-                    </a:lnB>
-                  </a:tcPr>
-                </a:tc>
-                <a:tc>
-                  <a:txBody>
-                    <a:bodyPr/>
-                    <a:lstStyle/>
-                    <a:p>
-                      <a:pPr defTabSz="457200">
-                        <a:defRPr>
-                          <a:solidFill>
-                            <a:srgbClr val="000000"/>
-                          </a:solidFill>
-                        </a:defRPr>
-                      </a:pPr>
-                      <a:r>
-                        <a:rPr sz="1500" spc="59">
-                          <a:solidFill>
-                            <a:srgbClr val="606060"/>
-                          </a:solidFill>
-                          <a:latin typeface="Helvetica"/>
-                          <a:ea typeface="Helvetica"/>
-                          <a:cs typeface="Helvetica"/>
-                          <a:sym typeface="Helvetica"/>
+                      <a:endParaRPr lang="en-US" sz="1800" b="0" i="0" u="none" strike="noStrike">
+                        <a:solidFill>
+                          <a:srgbClr val="000000"/>
+                        </a:solidFill>
+                        <a:effectLst/>
+                        <a:latin typeface="Arial Unicode MS" panose="020B0604020202020204" pitchFamily="34" charset="-128"/>
+                        <a:ea typeface="Arial Unicode MS" panose="020B0604020202020204" pitchFamily="34" charset="-128"/>
+                        <a:cs typeface="Arial Unicode MS" panose="020B0604020202020204" pitchFamily="34" charset="-128"/>
+                      </a:endParaRPr>
+                    </a:p>
+                  </a:txBody>
+                  <a:tcPr marL="9525" marR="9525" marT="9525" marB="0" anchor="ctr"/>
+                </a:tc>
+                <a:tc>
+                  <a:txBody>
+                    <a:bodyPr/>
+                    <a:lstStyle/>
+                    <a:p>
+                      <a:pPr algn="ctr" fontAlgn="b"/>
+                      <a:r>
+                        <a:rPr lang="en-US" sz="1800" b="0" i="0" u="none" strike="noStrike">
+                          <a:effectLst/>
+                          <a:latin typeface="Arial Unicode MS" panose="020B0604020202020204" pitchFamily="34" charset="-128"/>
+                          <a:ea typeface="Arial Unicode MS" panose="020B0604020202020204" pitchFamily="34" charset="-128"/>
+                          <a:cs typeface="Arial Unicode MS" panose="020B0604020202020204" pitchFamily="34" charset="-128"/>
                         </a:rPr>
                         <a:t>300</a:t>
                       </a:r>
-                    </a:p>
-                  </a:txBody>
-                  <a:tcPr marL="63500" marR="63500" marT="0" marB="0" anchor="ctr" horzOverflow="overflow">
-                    <a:lnL w="12700">
-                      <a:solidFill>
-                        <a:srgbClr val="CBCBCB"/>
-                      </a:solidFill>
-                      <a:miter lim="400000"/>
-                    </a:lnL>
-                    <a:lnR w="12700">
-                      <a:solidFill>
-                        <a:srgbClr val="CBCBCB"/>
-                      </a:solidFill>
-                      <a:miter lim="400000"/>
-                    </a:lnR>
-                    <a:lnT w="12700">
-                      <a:solidFill>
-                        <a:srgbClr val="CBCBCB"/>
-                      </a:solidFill>
-                      <a:miter lim="400000"/>
-                    </a:lnT>
-                    <a:lnB w="12700">
-                      <a:solidFill>
-                        <a:srgbClr val="CBCBCB"/>
-                      </a:solidFill>
-                      <a:miter lim="400000"/>
-                    </a:lnB>
-                  </a:tcPr>
-                </a:tc>
-                <a:tc>
-                  <a:txBody>
-                    <a:bodyPr/>
-                    <a:lstStyle/>
-                    <a:p>
-                      <a:pPr defTabSz="457200">
-                        <a:defRPr>
-                          <a:solidFill>
-                            <a:srgbClr val="000000"/>
-                          </a:solidFill>
-                        </a:defRPr>
-                      </a:pPr>
-                      <a:r>
-                        <a:rPr sz="1500" spc="59">
-                          <a:solidFill>
-                            <a:srgbClr val="606060"/>
-                          </a:solidFill>
-                          <a:latin typeface="Helvetica"/>
-                          <a:ea typeface="Helvetica"/>
-                          <a:cs typeface="Helvetica"/>
-                          <a:sym typeface="Helvetica"/>
-                        </a:rPr>
-                        <a:t>105.09</a:t>
-                      </a:r>
-                    </a:p>
-                  </a:txBody>
-                  <a:tcPr marL="63500" marR="63500" marT="0" marB="0" anchor="ctr" horzOverflow="overflow">
-                    <a:lnL w="12700">
-                      <a:solidFill>
-                        <a:srgbClr val="CBCBCB"/>
-                      </a:solidFill>
-                      <a:miter lim="400000"/>
-                    </a:lnL>
-                    <a:lnR w="12700">
-                      <a:solidFill>
-                        <a:srgbClr val="CBCBCB"/>
-                      </a:solidFill>
-                      <a:miter lim="400000"/>
-                    </a:lnR>
-                    <a:lnT w="12700">
-                      <a:solidFill>
-                        <a:srgbClr val="CBCBCB"/>
-                      </a:solidFill>
-                      <a:miter lim="400000"/>
-                    </a:lnT>
-                    <a:lnB w="12700">
-                      <a:solidFill>
-                        <a:srgbClr val="CBCBCB"/>
-                      </a:solidFill>
-                      <a:miter lim="400000"/>
-                    </a:lnB>
-                  </a:tcPr>
-                </a:tc>
-                <a:tc>
-                  <a:txBody>
-                    <a:bodyPr/>
-                    <a:lstStyle/>
-                    <a:p>
-                      <a:pPr defTabSz="457200">
-                        <a:defRPr>
-                          <a:solidFill>
-                            <a:srgbClr val="000000"/>
-                          </a:solidFill>
-                        </a:defRPr>
-                      </a:pPr>
-                      <a:r>
-                        <a:rPr sz="1500" spc="59">
-                          <a:solidFill>
-                            <a:srgbClr val="606060"/>
-                          </a:solidFill>
-                          <a:latin typeface="Helvetica"/>
-                          <a:ea typeface="Helvetica"/>
-                          <a:cs typeface="Helvetica"/>
-                          <a:sym typeface="Helvetica"/>
-                        </a:rPr>
-                        <a:t>1192.77</a:t>
-                      </a:r>
-                    </a:p>
-                  </a:txBody>
-                  <a:tcPr marL="63500" marR="63500" marT="0" marB="0" anchor="ctr" horzOverflow="overflow">
-                    <a:lnL w="12700">
-                      <a:solidFill>
-                        <a:srgbClr val="CBCBCB"/>
-                      </a:solidFill>
-                      <a:miter lim="400000"/>
-                    </a:lnL>
-                    <a:lnR w="12700">
-                      <a:solidFill>
-                        <a:srgbClr val="CBCBCB"/>
-                      </a:solidFill>
-                      <a:miter lim="400000"/>
-                    </a:lnR>
-                    <a:lnT w="12700">
-                      <a:solidFill>
-                        <a:srgbClr val="CBCBCB"/>
-                      </a:solidFill>
-                      <a:miter lim="400000"/>
-                    </a:lnT>
-                    <a:lnB w="12700">
-                      <a:solidFill>
-                        <a:srgbClr val="CBCBCB"/>
-                      </a:solidFill>
-                      <a:miter lim="400000"/>
-                    </a:lnB>
-                  </a:tcPr>
+                      <a:endParaRPr lang="en-US" sz="1800" b="0" i="0" u="none" strike="noStrike">
+                        <a:solidFill>
+                          <a:srgbClr val="000000"/>
+                        </a:solidFill>
+                        <a:effectLst/>
+                        <a:latin typeface="Arial Unicode MS" panose="020B0604020202020204" pitchFamily="34" charset="-128"/>
+                        <a:ea typeface="Arial Unicode MS" panose="020B0604020202020204" pitchFamily="34" charset="-128"/>
+                        <a:cs typeface="Arial Unicode MS" panose="020B0604020202020204" pitchFamily="34" charset="-128"/>
+                      </a:endParaRPr>
+                    </a:p>
+                  </a:txBody>
+                  <a:tcPr marL="9525" marR="9525" marT="9525" marB="0" anchor="ctr"/>
+                </a:tc>
+                <a:tc>
+                  <a:txBody>
+                    <a:bodyPr/>
+                    <a:lstStyle/>
+                    <a:p>
+                      <a:pPr algn="ctr" fontAlgn="b"/>
+                      <a:r>
+                        <a:rPr lang="en-US" sz="1800" b="0" i="0" u="none" strike="noStrike" dirty="0">
+                          <a:effectLst/>
+                          <a:latin typeface="Arial Unicode MS" panose="020B0604020202020204" pitchFamily="34" charset="-128"/>
+                          <a:ea typeface="Arial Unicode MS" panose="020B0604020202020204" pitchFamily="34" charset="-128"/>
+                          <a:cs typeface="Arial Unicode MS" panose="020B0604020202020204" pitchFamily="34" charset="-128"/>
+                        </a:rPr>
+                        <a:t>93.36</a:t>
+                      </a:r>
+                      <a:endParaRPr lang="en-US" sz="1800" b="0" i="0" u="none" strike="noStrike" dirty="0">
+                        <a:solidFill>
+                          <a:srgbClr val="000000"/>
+                        </a:solidFill>
+                        <a:effectLst/>
+                        <a:latin typeface="Arial Unicode MS" panose="020B0604020202020204" pitchFamily="34" charset="-128"/>
+                        <a:ea typeface="Arial Unicode MS" panose="020B0604020202020204" pitchFamily="34" charset="-128"/>
+                        <a:cs typeface="Arial Unicode MS" panose="020B0604020202020204" pitchFamily="34" charset="-128"/>
+                      </a:endParaRPr>
+                    </a:p>
+                  </a:txBody>
+                  <a:tcPr marL="9525" marR="9525" marT="9525" marB="0" anchor="ctr"/>
+                </a:tc>
+                <a:tc>
+                  <a:txBody>
+                    <a:bodyPr/>
+                    <a:lstStyle/>
+                    <a:p>
+                      <a:pPr algn="ctr" fontAlgn="b"/>
+                      <a:r>
+                        <a:rPr lang="en-US" sz="1800" b="0" i="0" u="none" strike="noStrike" dirty="0">
+                          <a:effectLst/>
+                          <a:latin typeface="Arial Unicode MS" panose="020B0604020202020204" pitchFamily="34" charset="-128"/>
+                          <a:ea typeface="Arial Unicode MS" panose="020B0604020202020204" pitchFamily="34" charset="-128"/>
+                          <a:cs typeface="Arial Unicode MS" panose="020B0604020202020204" pitchFamily="34" charset="-128"/>
+                        </a:rPr>
+                        <a:t>2608.04</a:t>
+                      </a:r>
+                      <a:endParaRPr lang="en-US" sz="1800" b="0" i="0" u="none" strike="noStrike" dirty="0">
+                        <a:solidFill>
+                          <a:srgbClr val="000000"/>
+                        </a:solidFill>
+                        <a:effectLst/>
+                        <a:latin typeface="Arial Unicode MS" panose="020B0604020202020204" pitchFamily="34" charset="-128"/>
+                        <a:ea typeface="Arial Unicode MS" panose="020B0604020202020204" pitchFamily="34" charset="-128"/>
+                        <a:cs typeface="Arial Unicode MS" panose="020B0604020202020204" pitchFamily="34" charset="-128"/>
+                      </a:endParaRPr>
+                    </a:p>
+                  </a:txBody>
+                  <a:tcPr marL="9525" marR="9525" marT="9525" marB="0" anchor="ctr"/>
                 </a:tc>
                 <a:extLst>
                   <a:ext uri="{0D108BD9-81ED-4DB2-BD59-A6C34878D82A}">
-                    <a16:rowId xmlns:a16="http://schemas.microsoft.com/office/drawing/2014/main" val="10013"/>
+                    <a16:rowId xmlns:a16="http://schemas.microsoft.com/office/drawing/2014/main" val="1152300794"/>
                   </a:ext>
                 </a:extLst>
               </a:tr>
-              <a:tr h="431724">
-                <a:tc>
-                  <a:txBody>
-                    <a:bodyPr/>
-                    <a:lstStyle/>
-                    <a:p>
-                      <a:pPr defTabSz="457200">
-                        <a:defRPr>
-                          <a:solidFill>
-                            <a:srgbClr val="000000"/>
-                          </a:solidFill>
-                        </a:defRPr>
-                      </a:pPr>
-                      <a:r>
-                        <a:rPr sz="1500" spc="59">
-                          <a:solidFill>
-                            <a:srgbClr val="606060"/>
-                          </a:solidFill>
-                          <a:latin typeface="Helvetica"/>
-                          <a:ea typeface="Helvetica"/>
-                          <a:cs typeface="Helvetica"/>
-                          <a:sym typeface="Helvetica"/>
-                        </a:rPr>
-                        <a:t>20</a:t>
-                      </a:r>
-                    </a:p>
-                  </a:txBody>
-                  <a:tcPr marL="63500" marR="63500" marT="0" marB="0" anchor="ctr" horzOverflow="overflow">
-                    <a:lnL w="12700">
-                      <a:solidFill>
-                        <a:srgbClr val="CBCBCB"/>
-                      </a:solidFill>
-                      <a:miter lim="400000"/>
-                    </a:lnL>
-                    <a:lnR w="12700">
-                      <a:solidFill>
-                        <a:srgbClr val="CBCBCB"/>
-                      </a:solidFill>
-                      <a:miter lim="400000"/>
-                    </a:lnR>
-                    <a:lnT w="12700">
-                      <a:solidFill>
-                        <a:srgbClr val="CBCBCB"/>
-                      </a:solidFill>
-                      <a:miter lim="400000"/>
-                    </a:lnT>
-                    <a:lnB w="12700">
-                      <a:solidFill>
-                        <a:srgbClr val="CBCBCB"/>
-                      </a:solidFill>
-                      <a:miter lim="400000"/>
-                    </a:lnB>
-                  </a:tcPr>
-                </a:tc>
-                <a:tc>
-                  <a:txBody>
-                    <a:bodyPr/>
-                    <a:lstStyle/>
-                    <a:p>
-                      <a:pPr defTabSz="457200">
-                        <a:defRPr>
-                          <a:solidFill>
-                            <a:srgbClr val="000000"/>
-                          </a:solidFill>
-                        </a:defRPr>
-                      </a:pPr>
-                      <a:r>
-                        <a:rPr sz="1500" spc="59">
-                          <a:solidFill>
-                            <a:srgbClr val="606060"/>
-                          </a:solidFill>
-                          <a:latin typeface="Helvetica"/>
-                          <a:ea typeface="Helvetica"/>
-                          <a:cs typeface="Helvetica"/>
-                          <a:sym typeface="Helvetica"/>
-                        </a:rPr>
-                        <a:t>80</a:t>
-                      </a:r>
-                    </a:p>
-                  </a:txBody>
-                  <a:tcPr marL="63500" marR="63500" marT="0" marB="0" anchor="ctr" horzOverflow="overflow">
-                    <a:lnL w="12700">
-                      <a:solidFill>
-                        <a:srgbClr val="CBCBCB"/>
-                      </a:solidFill>
-                      <a:miter lim="400000"/>
-                    </a:lnL>
-                    <a:lnR w="12700">
-                      <a:solidFill>
-                        <a:srgbClr val="CBCBCB"/>
-                      </a:solidFill>
-                      <a:miter lim="400000"/>
-                    </a:lnR>
-                    <a:lnT w="12700">
-                      <a:solidFill>
-                        <a:srgbClr val="CBCBCB"/>
-                      </a:solidFill>
-                      <a:miter lim="400000"/>
-                    </a:lnT>
-                    <a:lnB w="12700">
-                      <a:solidFill>
-                        <a:srgbClr val="CBCBCB"/>
-                      </a:solidFill>
-                      <a:miter lim="400000"/>
-                    </a:lnB>
-                  </a:tcPr>
-                </a:tc>
-                <a:tc>
-                  <a:txBody>
-                    <a:bodyPr/>
-                    <a:lstStyle/>
-                    <a:p>
-                      <a:pPr defTabSz="457200">
-                        <a:defRPr>
-                          <a:solidFill>
-                            <a:srgbClr val="000000"/>
-                          </a:solidFill>
-                        </a:defRPr>
-                      </a:pPr>
-                      <a:r>
-                        <a:rPr sz="1500" spc="59">
-                          <a:solidFill>
-                            <a:srgbClr val="606060"/>
-                          </a:solidFill>
-                          <a:latin typeface="Helvetica"/>
-                          <a:ea typeface="Helvetica"/>
-                          <a:cs typeface="Helvetica"/>
-                          <a:sym typeface="Helvetica"/>
+              <a:tr h="318598">
+                <a:tc>
+                  <a:txBody>
+                    <a:bodyPr/>
+                    <a:lstStyle/>
+                    <a:p>
+                      <a:pPr algn="ctr" fontAlgn="b"/>
+                      <a:r>
+                        <a:rPr lang="en-US" sz="1800" b="0" i="0" u="none" strike="noStrike">
+                          <a:effectLst/>
+                          <a:latin typeface="Arial Unicode MS" panose="020B0604020202020204" pitchFamily="34" charset="-128"/>
+                          <a:ea typeface="Arial Unicode MS" panose="020B0604020202020204" pitchFamily="34" charset="-128"/>
+                          <a:cs typeface="Arial Unicode MS" panose="020B0604020202020204" pitchFamily="34" charset="-128"/>
+                        </a:rPr>
+                        <a:t>40</a:t>
+                      </a:r>
+                      <a:endParaRPr lang="en-US" sz="1800" b="0" i="0" u="none" strike="noStrike">
+                        <a:solidFill>
+                          <a:srgbClr val="000000"/>
+                        </a:solidFill>
+                        <a:effectLst/>
+                        <a:latin typeface="Arial Unicode MS" panose="020B0604020202020204" pitchFamily="34" charset="-128"/>
+                        <a:ea typeface="Arial Unicode MS" panose="020B0604020202020204" pitchFamily="34" charset="-128"/>
+                        <a:cs typeface="Arial Unicode MS" panose="020B0604020202020204" pitchFamily="34" charset="-128"/>
+                      </a:endParaRPr>
+                    </a:p>
+                  </a:txBody>
+                  <a:tcPr marL="9525" marR="9525" marT="9525" marB="0" anchor="ctr"/>
+                </a:tc>
+                <a:tc>
+                  <a:txBody>
+                    <a:bodyPr/>
+                    <a:lstStyle/>
+                    <a:p>
+                      <a:pPr algn="ctr" fontAlgn="b"/>
+                      <a:r>
+                        <a:rPr lang="en-US" sz="1800" b="0" i="0" u="none" strike="noStrike">
+                          <a:effectLst/>
+                          <a:latin typeface="Arial Unicode MS" panose="020B0604020202020204" pitchFamily="34" charset="-128"/>
+                          <a:ea typeface="Arial Unicode MS" panose="020B0604020202020204" pitchFamily="34" charset="-128"/>
+                          <a:cs typeface="Arial Unicode MS" panose="020B0604020202020204" pitchFamily="34" charset="-128"/>
+                        </a:rPr>
+                        <a:t>160</a:t>
+                      </a:r>
+                      <a:endParaRPr lang="en-US" sz="1800" b="0" i="0" u="none" strike="noStrike">
+                        <a:solidFill>
+                          <a:srgbClr val="000000"/>
+                        </a:solidFill>
+                        <a:effectLst/>
+                        <a:latin typeface="Arial Unicode MS" panose="020B0604020202020204" pitchFamily="34" charset="-128"/>
+                        <a:ea typeface="Arial Unicode MS" panose="020B0604020202020204" pitchFamily="34" charset="-128"/>
+                        <a:cs typeface="Arial Unicode MS" panose="020B0604020202020204" pitchFamily="34" charset="-128"/>
+                      </a:endParaRPr>
+                    </a:p>
+                  </a:txBody>
+                  <a:tcPr marL="9525" marR="9525" marT="9525" marB="0" anchor="ctr"/>
+                </a:tc>
+                <a:tc>
+                  <a:txBody>
+                    <a:bodyPr/>
+                    <a:lstStyle/>
+                    <a:p>
+                      <a:pPr algn="ctr" fontAlgn="b"/>
+                      <a:r>
+                        <a:rPr lang="en-US" sz="1800" b="0" i="0" u="none" strike="noStrike" dirty="0">
+                          <a:effectLst/>
+                          <a:latin typeface="Arial Unicode MS" panose="020B0604020202020204" pitchFamily="34" charset="-128"/>
+                          <a:ea typeface="Arial Unicode MS" panose="020B0604020202020204" pitchFamily="34" charset="-128"/>
+                          <a:cs typeface="Arial Unicode MS" panose="020B0604020202020204" pitchFamily="34" charset="-128"/>
                         </a:rPr>
                         <a:t>300</a:t>
                       </a:r>
-                    </a:p>
-                  </a:txBody>
-                  <a:tcPr marL="63500" marR="63500" marT="0" marB="0" anchor="ctr" horzOverflow="overflow">
-                    <a:lnL w="12700">
-                      <a:solidFill>
-                        <a:srgbClr val="CBCBCB"/>
-                      </a:solidFill>
-                      <a:miter lim="400000"/>
-                    </a:lnL>
-                    <a:lnR w="12700">
-                      <a:solidFill>
-                        <a:srgbClr val="CBCBCB"/>
-                      </a:solidFill>
-                      <a:miter lim="400000"/>
-                    </a:lnR>
-                    <a:lnT w="12700">
-                      <a:solidFill>
-                        <a:srgbClr val="CBCBCB"/>
-                      </a:solidFill>
-                      <a:miter lim="400000"/>
-                    </a:lnT>
-                    <a:lnB w="12700">
-                      <a:solidFill>
-                        <a:srgbClr val="CBCBCB"/>
-                      </a:solidFill>
-                      <a:miter lim="400000"/>
-                    </a:lnB>
-                  </a:tcPr>
-                </a:tc>
-                <a:tc>
-                  <a:txBody>
-                    <a:bodyPr/>
-                    <a:lstStyle/>
-                    <a:p>
-                      <a:pPr defTabSz="457200">
-                        <a:defRPr>
-                          <a:solidFill>
-                            <a:srgbClr val="000000"/>
-                          </a:solidFill>
-                        </a:defRPr>
-                      </a:pPr>
-                      <a:r>
-                        <a:rPr sz="1500" spc="59">
-                          <a:solidFill>
-                            <a:srgbClr val="606060"/>
-                          </a:solidFill>
-                          <a:latin typeface="Helvetica"/>
-                          <a:ea typeface="Helvetica"/>
-                          <a:cs typeface="Helvetica"/>
-                          <a:sym typeface="Helvetica"/>
-                        </a:rPr>
-                        <a:t>68.91</a:t>
-                      </a:r>
-                    </a:p>
-                  </a:txBody>
-                  <a:tcPr marL="63500" marR="63500" marT="0" marB="0" anchor="ctr" horzOverflow="overflow">
-                    <a:lnL w="12700">
-                      <a:solidFill>
-                        <a:srgbClr val="CBCBCB"/>
-                      </a:solidFill>
-                      <a:miter lim="400000"/>
-                    </a:lnL>
-                    <a:lnR w="12700">
-                      <a:solidFill>
-                        <a:srgbClr val="CBCBCB"/>
-                      </a:solidFill>
-                      <a:miter lim="400000"/>
-                    </a:lnR>
-                    <a:lnT w="12700">
-                      <a:solidFill>
-                        <a:srgbClr val="CBCBCB"/>
-                      </a:solidFill>
-                      <a:miter lim="400000"/>
-                    </a:lnT>
-                    <a:lnB w="12700">
-                      <a:solidFill>
-                        <a:srgbClr val="CBCBCB"/>
-                      </a:solidFill>
-                      <a:miter lim="400000"/>
-                    </a:lnB>
-                  </a:tcPr>
-                </a:tc>
-                <a:tc>
-                  <a:txBody>
-                    <a:bodyPr/>
-                    <a:lstStyle/>
-                    <a:p>
-                      <a:pPr defTabSz="457200">
-                        <a:defRPr>
-                          <a:solidFill>
-                            <a:srgbClr val="000000"/>
-                          </a:solidFill>
-                        </a:defRPr>
-                      </a:pPr>
-                      <a:r>
-                        <a:rPr sz="1500" spc="59">
-                          <a:solidFill>
-                            <a:srgbClr val="606060"/>
-                          </a:solidFill>
-                          <a:latin typeface="Helvetica"/>
-                          <a:ea typeface="Helvetica"/>
-                          <a:cs typeface="Helvetica"/>
-                          <a:sym typeface="Helvetica"/>
-                        </a:rPr>
-                        <a:t>3221.17</a:t>
-                      </a:r>
-                    </a:p>
-                  </a:txBody>
-                  <a:tcPr marL="63500" marR="63500" marT="0" marB="0" anchor="ctr" horzOverflow="overflow">
-                    <a:lnL w="12700">
-                      <a:solidFill>
-                        <a:srgbClr val="CBCBCB"/>
-                      </a:solidFill>
-                      <a:miter lim="400000"/>
-                    </a:lnL>
-                    <a:lnR w="12700">
-                      <a:solidFill>
-                        <a:srgbClr val="CBCBCB"/>
-                      </a:solidFill>
-                      <a:miter lim="400000"/>
-                    </a:lnR>
-                    <a:lnT w="12700">
-                      <a:solidFill>
-                        <a:srgbClr val="CBCBCB"/>
-                      </a:solidFill>
-                      <a:miter lim="400000"/>
-                    </a:lnT>
-                    <a:lnB w="12700">
-                      <a:solidFill>
-                        <a:srgbClr val="CBCBCB"/>
-                      </a:solidFill>
-                      <a:miter lim="400000"/>
-                    </a:lnB>
-                  </a:tcPr>
+                      <a:endParaRPr lang="en-US" sz="1800" b="0" i="0" u="none" strike="noStrike" dirty="0">
+                        <a:solidFill>
+                          <a:srgbClr val="000000"/>
+                        </a:solidFill>
+                        <a:effectLst/>
+                        <a:latin typeface="Arial Unicode MS" panose="020B0604020202020204" pitchFamily="34" charset="-128"/>
+                        <a:ea typeface="Arial Unicode MS" panose="020B0604020202020204" pitchFamily="34" charset="-128"/>
+                        <a:cs typeface="Arial Unicode MS" panose="020B0604020202020204" pitchFamily="34" charset="-128"/>
+                      </a:endParaRPr>
+                    </a:p>
+                  </a:txBody>
+                  <a:tcPr marL="9525" marR="9525" marT="9525" marB="0" anchor="ctr"/>
+                </a:tc>
+                <a:tc>
+                  <a:txBody>
+                    <a:bodyPr/>
+                    <a:lstStyle/>
+                    <a:p>
+                      <a:pPr algn="ctr" fontAlgn="b"/>
+                      <a:r>
+                        <a:rPr lang="en-US" sz="1800" b="0" i="0" u="none" strike="noStrike">
+                          <a:effectLst/>
+                          <a:latin typeface="Arial Unicode MS" panose="020B0604020202020204" pitchFamily="34" charset="-128"/>
+                          <a:ea typeface="Arial Unicode MS" panose="020B0604020202020204" pitchFamily="34" charset="-128"/>
+                          <a:cs typeface="Arial Unicode MS" panose="020B0604020202020204" pitchFamily="34" charset="-128"/>
+                        </a:rPr>
+                        <a:t>74.00</a:t>
+                      </a:r>
+                      <a:endParaRPr lang="en-US" sz="1800" b="0" i="0" u="none" strike="noStrike">
+                        <a:solidFill>
+                          <a:srgbClr val="000000"/>
+                        </a:solidFill>
+                        <a:effectLst/>
+                        <a:latin typeface="Arial Unicode MS" panose="020B0604020202020204" pitchFamily="34" charset="-128"/>
+                        <a:ea typeface="Arial Unicode MS" panose="020B0604020202020204" pitchFamily="34" charset="-128"/>
+                        <a:cs typeface="Arial Unicode MS" panose="020B0604020202020204" pitchFamily="34" charset="-128"/>
+                      </a:endParaRPr>
+                    </a:p>
+                  </a:txBody>
+                  <a:tcPr marL="9525" marR="9525" marT="9525" marB="0" anchor="ctr"/>
+                </a:tc>
+                <a:tc>
+                  <a:txBody>
+                    <a:bodyPr/>
+                    <a:lstStyle/>
+                    <a:p>
+                      <a:pPr algn="ctr" fontAlgn="b"/>
+                      <a:r>
+                        <a:rPr lang="en-US" sz="1800" b="0" i="0" u="none" strike="noStrike" dirty="0">
+                          <a:effectLst/>
+                          <a:latin typeface="Arial Unicode MS" panose="020B0604020202020204" pitchFamily="34" charset="-128"/>
+                          <a:ea typeface="Arial Unicode MS" panose="020B0604020202020204" pitchFamily="34" charset="-128"/>
+                          <a:cs typeface="Arial Unicode MS" panose="020B0604020202020204" pitchFamily="34" charset="-128"/>
+                        </a:rPr>
+                        <a:t>2318.89</a:t>
+                      </a:r>
+                      <a:endParaRPr lang="en-US" sz="1800" b="0" i="0" u="none" strike="noStrike" dirty="0">
+                        <a:solidFill>
+                          <a:srgbClr val="000000"/>
+                        </a:solidFill>
+                        <a:effectLst/>
+                        <a:latin typeface="Arial Unicode MS" panose="020B0604020202020204" pitchFamily="34" charset="-128"/>
+                        <a:ea typeface="Arial Unicode MS" panose="020B0604020202020204" pitchFamily="34" charset="-128"/>
+                        <a:cs typeface="Arial Unicode MS" panose="020B0604020202020204" pitchFamily="34" charset="-128"/>
+                      </a:endParaRPr>
+                    </a:p>
+                  </a:txBody>
+                  <a:tcPr marL="9525" marR="9525" marT="9525" marB="0" anchor="ctr"/>
                 </a:tc>
                 <a:extLst>
                   <a:ext uri="{0D108BD9-81ED-4DB2-BD59-A6C34878D82A}">
-                    <a16:rowId xmlns:a16="http://schemas.microsoft.com/office/drawing/2014/main" val="10014"/>
+                    <a16:rowId xmlns:a16="http://schemas.microsoft.com/office/drawing/2014/main" val="2272720877"/>
                   </a:ext>
                 </a:extLst>
               </a:tr>
-              <a:tr h="431724">
-                <a:tc>
-                  <a:txBody>
-                    <a:bodyPr/>
-                    <a:lstStyle/>
-                    <a:p>
-                      <a:pPr defTabSz="457200">
-                        <a:defRPr>
-                          <a:solidFill>
-                            <a:srgbClr val="000000"/>
-                          </a:solidFill>
-                        </a:defRPr>
-                      </a:pPr>
-                      <a:r>
-                        <a:rPr sz="1500" spc="59">
-                          <a:solidFill>
-                            <a:srgbClr val="606060"/>
-                          </a:solidFill>
-                          <a:latin typeface="Helvetica"/>
-                          <a:ea typeface="Helvetica"/>
-                          <a:cs typeface="Helvetica"/>
-                          <a:sym typeface="Helvetica"/>
-                        </a:rPr>
-                        <a:t>40</a:t>
-                      </a:r>
-                    </a:p>
-                  </a:txBody>
-                  <a:tcPr marL="63500" marR="63500" marT="0" marB="0" anchor="ctr" horzOverflow="overflow">
-                    <a:lnL w="12700">
-                      <a:solidFill>
-                        <a:srgbClr val="CBCBCB"/>
-                      </a:solidFill>
-                      <a:miter lim="400000"/>
-                    </a:lnL>
-                    <a:lnR w="12700">
-                      <a:solidFill>
-                        <a:srgbClr val="CBCBCB"/>
-                      </a:solidFill>
-                      <a:miter lim="400000"/>
-                    </a:lnR>
-                    <a:lnT w="12700">
-                      <a:solidFill>
-                        <a:srgbClr val="CBCBCB"/>
-                      </a:solidFill>
-                      <a:miter lim="400000"/>
-                    </a:lnT>
-                    <a:lnB w="12700">
-                      <a:solidFill>
-                        <a:srgbClr val="CBCBCB"/>
-                      </a:solidFill>
-                      <a:miter lim="400000"/>
-                    </a:lnB>
-                  </a:tcPr>
-                </a:tc>
-                <a:tc>
-                  <a:txBody>
-                    <a:bodyPr/>
-                    <a:lstStyle/>
-                    <a:p>
-                      <a:pPr defTabSz="457200">
-                        <a:defRPr>
-                          <a:solidFill>
-                            <a:srgbClr val="000000"/>
-                          </a:solidFill>
-                        </a:defRPr>
-                      </a:pPr>
-                      <a:r>
-                        <a:rPr sz="1500" spc="59">
-                          <a:solidFill>
-                            <a:srgbClr val="606060"/>
-                          </a:solidFill>
-                          <a:latin typeface="Helvetica"/>
-                          <a:ea typeface="Helvetica"/>
-                          <a:cs typeface="Helvetica"/>
-                          <a:sym typeface="Helvetica"/>
+              <a:tr h="318598">
+                <a:tc>
+                  <a:txBody>
+                    <a:bodyPr/>
+                    <a:lstStyle/>
+                    <a:p>
+                      <a:pPr algn="ctr" fontAlgn="b"/>
+                      <a:r>
+                        <a:rPr lang="en-US" sz="1800" b="0" i="0" u="none" strike="noStrike">
+                          <a:effectLst/>
+                          <a:latin typeface="Arial Unicode MS" panose="020B0604020202020204" pitchFamily="34" charset="-128"/>
+                          <a:ea typeface="Arial Unicode MS" panose="020B0604020202020204" pitchFamily="34" charset="-128"/>
+                          <a:cs typeface="Arial Unicode MS" panose="020B0604020202020204" pitchFamily="34" charset="-128"/>
                         </a:rPr>
                         <a:t>80</a:t>
                       </a:r>
-                    </a:p>
-                  </a:txBody>
-                  <a:tcPr marL="63500" marR="63500" marT="0" marB="0" anchor="ctr" horzOverflow="overflow">
-                    <a:lnL w="12700">
-                      <a:solidFill>
-                        <a:srgbClr val="CBCBCB"/>
-                      </a:solidFill>
-                      <a:miter lim="400000"/>
-                    </a:lnL>
-                    <a:lnR w="12700">
-                      <a:solidFill>
-                        <a:srgbClr val="CBCBCB"/>
-                      </a:solidFill>
-                      <a:miter lim="400000"/>
-                    </a:lnR>
-                    <a:lnT w="12700">
-                      <a:solidFill>
-                        <a:srgbClr val="CBCBCB"/>
-                      </a:solidFill>
-                      <a:miter lim="400000"/>
-                    </a:lnT>
-                    <a:lnB w="12700">
-                      <a:solidFill>
-                        <a:srgbClr val="CBCBCB"/>
-                      </a:solidFill>
-                      <a:miter lim="400000"/>
-                    </a:lnB>
-                  </a:tcPr>
-                </a:tc>
-                <a:tc>
-                  <a:txBody>
-                    <a:bodyPr/>
-                    <a:lstStyle/>
-                    <a:p>
-                      <a:pPr defTabSz="457200">
-                        <a:defRPr>
-                          <a:solidFill>
-                            <a:srgbClr val="000000"/>
-                          </a:solidFill>
-                        </a:defRPr>
-                      </a:pPr>
-                      <a:r>
-                        <a:rPr sz="1500" spc="59">
-                          <a:solidFill>
-                            <a:srgbClr val="606060"/>
-                          </a:solidFill>
-                          <a:latin typeface="Helvetica"/>
-                          <a:ea typeface="Helvetica"/>
-                          <a:cs typeface="Helvetica"/>
-                          <a:sym typeface="Helvetica"/>
+                      <a:endParaRPr lang="en-US" sz="1800" b="0" i="0" u="none" strike="noStrike">
+                        <a:solidFill>
+                          <a:srgbClr val="000000"/>
+                        </a:solidFill>
+                        <a:effectLst/>
+                        <a:latin typeface="Arial Unicode MS" panose="020B0604020202020204" pitchFamily="34" charset="-128"/>
+                        <a:ea typeface="Arial Unicode MS" panose="020B0604020202020204" pitchFamily="34" charset="-128"/>
+                        <a:cs typeface="Arial Unicode MS" panose="020B0604020202020204" pitchFamily="34" charset="-128"/>
+                      </a:endParaRPr>
+                    </a:p>
+                  </a:txBody>
+                  <a:tcPr marL="9525" marR="9525" marT="9525" marB="0" anchor="ctr"/>
+                </a:tc>
+                <a:tc>
+                  <a:txBody>
+                    <a:bodyPr/>
+                    <a:lstStyle/>
+                    <a:p>
+                      <a:pPr algn="ctr" fontAlgn="b"/>
+                      <a:r>
+                        <a:rPr lang="en-US" sz="1800" b="0" i="0" u="none" strike="noStrike">
+                          <a:effectLst/>
+                          <a:latin typeface="Arial Unicode MS" panose="020B0604020202020204" pitchFamily="34" charset="-128"/>
+                          <a:ea typeface="Arial Unicode MS" panose="020B0604020202020204" pitchFamily="34" charset="-128"/>
+                          <a:cs typeface="Arial Unicode MS" panose="020B0604020202020204" pitchFamily="34" charset="-128"/>
+                        </a:rPr>
+                        <a:t>20</a:t>
+                      </a:r>
+                      <a:endParaRPr lang="en-US" sz="1800" b="0" i="0" u="none" strike="noStrike">
+                        <a:solidFill>
+                          <a:srgbClr val="000000"/>
+                        </a:solidFill>
+                        <a:effectLst/>
+                        <a:latin typeface="Arial Unicode MS" panose="020B0604020202020204" pitchFamily="34" charset="-128"/>
+                        <a:ea typeface="Arial Unicode MS" panose="020B0604020202020204" pitchFamily="34" charset="-128"/>
+                        <a:cs typeface="Arial Unicode MS" panose="020B0604020202020204" pitchFamily="34" charset="-128"/>
+                      </a:endParaRPr>
+                    </a:p>
+                  </a:txBody>
+                  <a:tcPr marL="9525" marR="9525" marT="9525" marB="0" anchor="ctr"/>
+                </a:tc>
+                <a:tc>
+                  <a:txBody>
+                    <a:bodyPr/>
+                    <a:lstStyle/>
+                    <a:p>
+                      <a:pPr algn="ctr" fontAlgn="b"/>
+                      <a:r>
+                        <a:rPr lang="en-US" sz="1800" b="0" i="0" u="none" strike="noStrike">
+                          <a:effectLst/>
+                          <a:latin typeface="Arial Unicode MS" panose="020B0604020202020204" pitchFamily="34" charset="-128"/>
+                          <a:ea typeface="Arial Unicode MS" panose="020B0604020202020204" pitchFamily="34" charset="-128"/>
+                          <a:cs typeface="Arial Unicode MS" panose="020B0604020202020204" pitchFamily="34" charset="-128"/>
                         </a:rPr>
                         <a:t>300</a:t>
                       </a:r>
-                    </a:p>
-                  </a:txBody>
-                  <a:tcPr marL="63500" marR="63500" marT="0" marB="0" anchor="ctr" horzOverflow="overflow">
-                    <a:lnL w="12700">
-                      <a:solidFill>
-                        <a:srgbClr val="CBCBCB"/>
-                      </a:solidFill>
-                      <a:miter lim="400000"/>
-                    </a:lnL>
-                    <a:lnR w="12700">
-                      <a:solidFill>
-                        <a:srgbClr val="CBCBCB"/>
-                      </a:solidFill>
-                      <a:miter lim="400000"/>
-                    </a:lnR>
-                    <a:lnT w="12700">
-                      <a:solidFill>
-                        <a:srgbClr val="CBCBCB"/>
-                      </a:solidFill>
-                      <a:miter lim="400000"/>
-                    </a:lnT>
-                    <a:lnB w="12700">
-                      <a:solidFill>
-                        <a:srgbClr val="CBCBCB"/>
-                      </a:solidFill>
-                      <a:miter lim="400000"/>
-                    </a:lnB>
-                  </a:tcPr>
-                </a:tc>
-                <a:tc>
-                  <a:txBody>
-                    <a:bodyPr/>
-                    <a:lstStyle/>
-                    <a:p>
-                      <a:pPr defTabSz="457200">
-                        <a:defRPr>
-                          <a:solidFill>
-                            <a:srgbClr val="000000"/>
-                          </a:solidFill>
-                        </a:defRPr>
-                      </a:pPr>
-                      <a:r>
-                        <a:rPr sz="1500" spc="59">
-                          <a:solidFill>
-                            <a:srgbClr val="606060"/>
-                          </a:solidFill>
-                          <a:latin typeface="Helvetica"/>
-                          <a:ea typeface="Helvetica"/>
-                          <a:cs typeface="Helvetica"/>
-                          <a:sym typeface="Helvetica"/>
-                        </a:rPr>
-                        <a:t>93.36</a:t>
-                      </a:r>
-                    </a:p>
-                  </a:txBody>
-                  <a:tcPr marL="63500" marR="63500" marT="0" marB="0" anchor="ctr" horzOverflow="overflow">
-                    <a:lnL w="12700">
-                      <a:solidFill>
-                        <a:srgbClr val="CBCBCB"/>
-                      </a:solidFill>
-                      <a:miter lim="400000"/>
-                    </a:lnL>
-                    <a:lnR w="12700">
-                      <a:solidFill>
-                        <a:srgbClr val="CBCBCB"/>
-                      </a:solidFill>
-                      <a:miter lim="400000"/>
-                    </a:lnR>
-                    <a:lnT w="12700">
-                      <a:solidFill>
-                        <a:srgbClr val="CBCBCB"/>
-                      </a:solidFill>
-                      <a:miter lim="400000"/>
-                    </a:lnT>
-                    <a:lnB w="12700">
-                      <a:solidFill>
-                        <a:srgbClr val="CBCBCB"/>
-                      </a:solidFill>
-                      <a:miter lim="400000"/>
-                    </a:lnB>
-                  </a:tcPr>
-                </a:tc>
-                <a:tc>
-                  <a:txBody>
-                    <a:bodyPr/>
-                    <a:lstStyle/>
-                    <a:p>
-                      <a:pPr defTabSz="457200">
-                        <a:defRPr>
-                          <a:solidFill>
-                            <a:srgbClr val="000000"/>
-                          </a:solidFill>
-                        </a:defRPr>
-                      </a:pPr>
-                      <a:r>
-                        <a:rPr sz="1500" spc="59">
-                          <a:solidFill>
-                            <a:srgbClr val="606060"/>
-                          </a:solidFill>
-                          <a:latin typeface="Helvetica"/>
-                          <a:ea typeface="Helvetica"/>
-                          <a:cs typeface="Helvetica"/>
-                          <a:sym typeface="Helvetica"/>
-                        </a:rPr>
-                        <a:t>2608.04</a:t>
-                      </a:r>
-                    </a:p>
-                  </a:txBody>
-                  <a:tcPr marL="63500" marR="63500" marT="0" marB="0" anchor="ctr" horzOverflow="overflow">
-                    <a:lnL w="12700">
-                      <a:solidFill>
-                        <a:srgbClr val="CBCBCB"/>
-                      </a:solidFill>
-                      <a:miter lim="400000"/>
-                    </a:lnL>
-                    <a:lnR w="12700">
-                      <a:solidFill>
-                        <a:srgbClr val="CBCBCB"/>
-                      </a:solidFill>
-                      <a:miter lim="400000"/>
-                    </a:lnR>
-                    <a:lnT w="12700">
-                      <a:solidFill>
-                        <a:srgbClr val="CBCBCB"/>
-                      </a:solidFill>
-                      <a:miter lim="400000"/>
-                    </a:lnT>
-                    <a:lnB w="12700">
-                      <a:solidFill>
-                        <a:srgbClr val="CBCBCB"/>
-                      </a:solidFill>
-                      <a:miter lim="400000"/>
-                    </a:lnB>
-                  </a:tcPr>
+                      <a:endParaRPr lang="en-US" sz="1800" b="0" i="0" u="none" strike="noStrike">
+                        <a:solidFill>
+                          <a:srgbClr val="000000"/>
+                        </a:solidFill>
+                        <a:effectLst/>
+                        <a:latin typeface="Arial Unicode MS" panose="020B0604020202020204" pitchFamily="34" charset="-128"/>
+                        <a:ea typeface="Arial Unicode MS" panose="020B0604020202020204" pitchFamily="34" charset="-128"/>
+                        <a:cs typeface="Arial Unicode MS" panose="020B0604020202020204" pitchFamily="34" charset="-128"/>
+                      </a:endParaRPr>
+                    </a:p>
+                  </a:txBody>
+                  <a:tcPr marL="9525" marR="9525" marT="9525" marB="0" anchor="ctr"/>
+                </a:tc>
+                <a:tc>
+                  <a:txBody>
+                    <a:bodyPr/>
+                    <a:lstStyle/>
+                    <a:p>
+                      <a:pPr algn="ctr" fontAlgn="b"/>
+                      <a:r>
+                        <a:rPr lang="en-US" sz="1800" b="0" i="0" u="none" strike="noStrike" dirty="0">
+                          <a:effectLst/>
+                          <a:latin typeface="Arial Unicode MS" panose="020B0604020202020204" pitchFamily="34" charset="-128"/>
+                          <a:ea typeface="Arial Unicode MS" panose="020B0604020202020204" pitchFamily="34" charset="-128"/>
+                          <a:cs typeface="Arial Unicode MS" panose="020B0604020202020204" pitchFamily="34" charset="-128"/>
+                        </a:rPr>
+                        <a:t>140.82</a:t>
+                      </a:r>
+                      <a:endParaRPr lang="en-US" sz="1800" b="0" i="0" u="none" strike="noStrike" dirty="0">
+                        <a:solidFill>
+                          <a:srgbClr val="000000"/>
+                        </a:solidFill>
+                        <a:effectLst/>
+                        <a:latin typeface="Arial Unicode MS" panose="020B0604020202020204" pitchFamily="34" charset="-128"/>
+                        <a:ea typeface="Arial Unicode MS" panose="020B0604020202020204" pitchFamily="34" charset="-128"/>
+                        <a:cs typeface="Arial Unicode MS" panose="020B0604020202020204" pitchFamily="34" charset="-128"/>
+                      </a:endParaRPr>
+                    </a:p>
+                  </a:txBody>
+                  <a:tcPr marL="9525" marR="9525" marT="9525" marB="0" anchor="ctr"/>
+                </a:tc>
+                <a:tc>
+                  <a:txBody>
+                    <a:bodyPr/>
+                    <a:lstStyle/>
+                    <a:p>
+                      <a:pPr algn="ctr" fontAlgn="b"/>
+                      <a:r>
+                        <a:rPr lang="en-US" sz="1800" b="0" i="0" u="none" strike="noStrike" dirty="0">
+                          <a:effectLst/>
+                          <a:latin typeface="Arial Unicode MS" panose="020B0604020202020204" pitchFamily="34" charset="-128"/>
+                          <a:ea typeface="Arial Unicode MS" panose="020B0604020202020204" pitchFamily="34" charset="-128"/>
+                          <a:cs typeface="Arial Unicode MS" panose="020B0604020202020204" pitchFamily="34" charset="-128"/>
+                        </a:rPr>
+                        <a:t>925.74</a:t>
+                      </a:r>
+                      <a:endParaRPr lang="en-US" sz="1800" b="0" i="0" u="none" strike="noStrike" dirty="0">
+                        <a:solidFill>
+                          <a:srgbClr val="000000"/>
+                        </a:solidFill>
+                        <a:effectLst/>
+                        <a:latin typeface="Arial Unicode MS" panose="020B0604020202020204" pitchFamily="34" charset="-128"/>
+                        <a:ea typeface="Arial Unicode MS" panose="020B0604020202020204" pitchFamily="34" charset="-128"/>
+                        <a:cs typeface="Arial Unicode MS" panose="020B0604020202020204" pitchFamily="34" charset="-128"/>
+                      </a:endParaRPr>
+                    </a:p>
+                  </a:txBody>
+                  <a:tcPr marL="9525" marR="9525" marT="9525" marB="0" anchor="ctr"/>
                 </a:tc>
                 <a:extLst>
                   <a:ext uri="{0D108BD9-81ED-4DB2-BD59-A6C34878D82A}">
-                    <a16:rowId xmlns:a16="http://schemas.microsoft.com/office/drawing/2014/main" val="10015"/>
+                    <a16:rowId xmlns:a16="http://schemas.microsoft.com/office/drawing/2014/main" val="2531738377"/>
                   </a:ext>
                 </a:extLst>
               </a:tr>
-              <a:tr h="431724">
-                <a:tc>
-                  <a:txBody>
-                    <a:bodyPr/>
-                    <a:lstStyle/>
-                    <a:p>
-                      <a:pPr defTabSz="457200">
-                        <a:defRPr>
-                          <a:solidFill>
-                            <a:srgbClr val="000000"/>
-                          </a:solidFill>
-                        </a:defRPr>
-                      </a:pPr>
-                      <a:r>
-                        <a:rPr sz="1500" spc="59">
-                          <a:solidFill>
-                            <a:srgbClr val="606060"/>
-                          </a:solidFill>
-                          <a:latin typeface="Helvetica"/>
-                          <a:ea typeface="Helvetica"/>
-                          <a:cs typeface="Helvetica"/>
-                          <a:sym typeface="Helvetica"/>
+              <a:tr h="318598">
+                <a:tc>
+                  <a:txBody>
+                    <a:bodyPr/>
+                    <a:lstStyle/>
+                    <a:p>
+                      <a:pPr algn="ctr" fontAlgn="b"/>
+                      <a:r>
+                        <a:rPr lang="en-US" sz="1800" b="0" i="0" u="none" strike="noStrike">
+                          <a:effectLst/>
+                          <a:latin typeface="Arial Unicode MS" panose="020B0604020202020204" pitchFamily="34" charset="-128"/>
+                          <a:ea typeface="Arial Unicode MS" panose="020B0604020202020204" pitchFamily="34" charset="-128"/>
+                          <a:cs typeface="Arial Unicode MS" panose="020B0604020202020204" pitchFamily="34" charset="-128"/>
                         </a:rPr>
                         <a:t>80</a:t>
                       </a:r>
-                    </a:p>
-                  </a:txBody>
-                  <a:tcPr marL="63500" marR="63500" marT="0" marB="0" anchor="ctr" horzOverflow="overflow">
-                    <a:lnL w="12700">
-                      <a:solidFill>
-                        <a:srgbClr val="CBCBCB"/>
-                      </a:solidFill>
-                      <a:miter lim="400000"/>
-                    </a:lnL>
-                    <a:lnR w="12700">
-                      <a:solidFill>
-                        <a:srgbClr val="CBCBCB"/>
-                      </a:solidFill>
-                      <a:miter lim="400000"/>
-                    </a:lnR>
-                    <a:lnT w="12700">
-                      <a:solidFill>
-                        <a:srgbClr val="CBCBCB"/>
-                      </a:solidFill>
-                      <a:miter lim="400000"/>
-                    </a:lnT>
-                    <a:lnB w="12700">
-                      <a:solidFill>
-                        <a:srgbClr val="CBCBCB"/>
-                      </a:solidFill>
-                      <a:miter lim="400000"/>
-                    </a:lnB>
-                  </a:tcPr>
-                </a:tc>
-                <a:tc>
-                  <a:txBody>
-                    <a:bodyPr/>
-                    <a:lstStyle/>
-                    <a:p>
-                      <a:pPr defTabSz="457200">
-                        <a:defRPr>
-                          <a:solidFill>
-                            <a:srgbClr val="000000"/>
-                          </a:solidFill>
-                        </a:defRPr>
-                      </a:pPr>
-                      <a:r>
-                        <a:rPr sz="1500" spc="59">
-                          <a:solidFill>
-                            <a:srgbClr val="606060"/>
-                          </a:solidFill>
-                          <a:latin typeface="Helvetica"/>
-                          <a:ea typeface="Helvetica"/>
-                          <a:cs typeface="Helvetica"/>
-                          <a:sym typeface="Helvetica"/>
-                        </a:rPr>
-                        <a:t>80</a:t>
-                      </a:r>
-                    </a:p>
-                  </a:txBody>
-                  <a:tcPr marL="63500" marR="63500" marT="0" marB="0" anchor="ctr" horzOverflow="overflow">
-                    <a:lnL w="12700">
-                      <a:solidFill>
-                        <a:srgbClr val="CBCBCB"/>
-                      </a:solidFill>
-                      <a:miter lim="400000"/>
-                    </a:lnL>
-                    <a:lnR w="12700">
-                      <a:solidFill>
-                        <a:srgbClr val="CBCBCB"/>
-                      </a:solidFill>
-                      <a:miter lim="400000"/>
-                    </a:lnR>
-                    <a:lnT w="12700">
-                      <a:solidFill>
-                        <a:srgbClr val="CBCBCB"/>
-                      </a:solidFill>
-                      <a:miter lim="400000"/>
-                    </a:lnT>
-                    <a:lnB w="12700">
-                      <a:solidFill>
-                        <a:srgbClr val="CBCBCB"/>
-                      </a:solidFill>
-                      <a:miter lim="400000"/>
-                    </a:lnB>
-                  </a:tcPr>
-                </a:tc>
-                <a:tc>
-                  <a:txBody>
-                    <a:bodyPr/>
-                    <a:lstStyle/>
-                    <a:p>
-                      <a:pPr defTabSz="457200">
-                        <a:defRPr>
-                          <a:solidFill>
-                            <a:srgbClr val="000000"/>
-                          </a:solidFill>
-                        </a:defRPr>
-                      </a:pPr>
-                      <a:r>
-                        <a:rPr sz="1500" spc="59">
-                          <a:solidFill>
-                            <a:srgbClr val="606060"/>
-                          </a:solidFill>
-                          <a:latin typeface="Helvetica"/>
-                          <a:ea typeface="Helvetica"/>
-                          <a:cs typeface="Helvetica"/>
-                          <a:sym typeface="Helvetica"/>
+                      <a:endParaRPr lang="en-US" sz="1800" b="0" i="0" u="none" strike="noStrike">
+                        <a:solidFill>
+                          <a:srgbClr val="000000"/>
+                        </a:solidFill>
+                        <a:effectLst/>
+                        <a:latin typeface="Arial Unicode MS" panose="020B0604020202020204" pitchFamily="34" charset="-128"/>
+                        <a:ea typeface="Arial Unicode MS" panose="020B0604020202020204" pitchFamily="34" charset="-128"/>
+                        <a:cs typeface="Arial Unicode MS" panose="020B0604020202020204" pitchFamily="34" charset="-128"/>
+                      </a:endParaRPr>
+                    </a:p>
+                  </a:txBody>
+                  <a:tcPr marL="9525" marR="9525" marT="9525" marB="0" anchor="ctr"/>
+                </a:tc>
+                <a:tc>
+                  <a:txBody>
+                    <a:bodyPr/>
+                    <a:lstStyle/>
+                    <a:p>
+                      <a:pPr algn="ctr" fontAlgn="b"/>
+                      <a:r>
+                        <a:rPr lang="en-US" sz="1800" b="0" i="0" u="none" strike="noStrike">
+                          <a:effectLst/>
+                          <a:latin typeface="Arial Unicode MS" panose="020B0604020202020204" pitchFamily="34" charset="-128"/>
+                          <a:ea typeface="Arial Unicode MS" panose="020B0604020202020204" pitchFamily="34" charset="-128"/>
+                          <a:cs typeface="Arial Unicode MS" panose="020B0604020202020204" pitchFamily="34" charset="-128"/>
+                        </a:rPr>
+                        <a:t>40</a:t>
+                      </a:r>
+                      <a:endParaRPr lang="en-US" sz="1800" b="0" i="0" u="none" strike="noStrike">
+                        <a:solidFill>
+                          <a:srgbClr val="000000"/>
+                        </a:solidFill>
+                        <a:effectLst/>
+                        <a:latin typeface="Arial Unicode MS" panose="020B0604020202020204" pitchFamily="34" charset="-128"/>
+                        <a:ea typeface="Arial Unicode MS" panose="020B0604020202020204" pitchFamily="34" charset="-128"/>
+                        <a:cs typeface="Arial Unicode MS" panose="020B0604020202020204" pitchFamily="34" charset="-128"/>
+                      </a:endParaRPr>
+                    </a:p>
+                  </a:txBody>
+                  <a:tcPr marL="9525" marR="9525" marT="9525" marB="0" anchor="ctr"/>
+                </a:tc>
+                <a:tc>
+                  <a:txBody>
+                    <a:bodyPr/>
+                    <a:lstStyle/>
+                    <a:p>
+                      <a:pPr algn="ctr" fontAlgn="b"/>
+                      <a:r>
+                        <a:rPr lang="en-US" sz="1800" b="0" i="0" u="none" strike="noStrike">
+                          <a:effectLst/>
+                          <a:latin typeface="Arial Unicode MS" panose="020B0604020202020204" pitchFamily="34" charset="-128"/>
+                          <a:ea typeface="Arial Unicode MS" panose="020B0604020202020204" pitchFamily="34" charset="-128"/>
+                          <a:cs typeface="Arial Unicode MS" panose="020B0604020202020204" pitchFamily="34" charset="-128"/>
                         </a:rPr>
                         <a:t>300</a:t>
                       </a:r>
-                    </a:p>
-                  </a:txBody>
-                  <a:tcPr marL="63500" marR="63500" marT="0" marB="0" anchor="ctr" horzOverflow="overflow">
-                    <a:lnL w="12700">
-                      <a:solidFill>
-                        <a:srgbClr val="CBCBCB"/>
-                      </a:solidFill>
-                      <a:miter lim="400000"/>
-                    </a:lnL>
-                    <a:lnR w="12700">
-                      <a:solidFill>
-                        <a:srgbClr val="CBCBCB"/>
-                      </a:solidFill>
-                      <a:miter lim="400000"/>
-                    </a:lnR>
-                    <a:lnT w="12700">
-                      <a:solidFill>
-                        <a:srgbClr val="CBCBCB"/>
-                      </a:solidFill>
-                      <a:miter lim="400000"/>
-                    </a:lnT>
-                    <a:lnB w="12700">
-                      <a:solidFill>
-                        <a:srgbClr val="CBCBCB"/>
-                      </a:solidFill>
-                      <a:miter lim="400000"/>
-                    </a:lnB>
-                  </a:tcPr>
-                </a:tc>
-                <a:tc>
-                  <a:txBody>
-                    <a:bodyPr/>
-                    <a:lstStyle/>
-                    <a:p>
-                      <a:pPr defTabSz="457200">
-                        <a:defRPr>
-                          <a:solidFill>
-                            <a:srgbClr val="000000"/>
-                          </a:solidFill>
-                        </a:defRPr>
-                      </a:pPr>
-                      <a:r>
-                        <a:rPr sz="1500" spc="59">
-                          <a:solidFill>
-                            <a:srgbClr val="606060"/>
-                          </a:solidFill>
-                          <a:latin typeface="Helvetica"/>
-                          <a:ea typeface="Helvetica"/>
-                          <a:cs typeface="Helvetica"/>
-                          <a:sym typeface="Helvetica"/>
-                        </a:rPr>
-                        <a:t>152.75</a:t>
-                      </a:r>
-                    </a:p>
-                  </a:txBody>
-                  <a:tcPr marL="63500" marR="63500" marT="0" marB="0" anchor="ctr" horzOverflow="overflow">
-                    <a:lnL w="12700">
-                      <a:solidFill>
-                        <a:srgbClr val="CBCBCB"/>
-                      </a:solidFill>
-                      <a:miter lim="400000"/>
-                    </a:lnL>
-                    <a:lnR w="12700">
-                      <a:solidFill>
-                        <a:srgbClr val="CBCBCB"/>
-                      </a:solidFill>
-                      <a:miter lim="400000"/>
-                    </a:lnR>
-                    <a:lnT w="12700">
-                      <a:solidFill>
-                        <a:srgbClr val="CBCBCB"/>
-                      </a:solidFill>
-                      <a:miter lim="400000"/>
-                    </a:lnT>
-                    <a:lnB w="12700">
-                      <a:solidFill>
-                        <a:srgbClr val="CBCBCB"/>
-                      </a:solidFill>
-                      <a:miter lim="400000"/>
-                    </a:lnB>
-                  </a:tcPr>
-                </a:tc>
-                <a:tc>
-                  <a:txBody>
-                    <a:bodyPr/>
-                    <a:lstStyle/>
-                    <a:p>
-                      <a:pPr defTabSz="457200">
-                        <a:defRPr>
-                          <a:solidFill>
-                            <a:srgbClr val="000000"/>
-                          </a:solidFill>
-                        </a:defRPr>
-                      </a:pPr>
-                      <a:r>
-                        <a:rPr sz="1500" spc="59">
-                          <a:solidFill>
-                            <a:srgbClr val="606060"/>
-                          </a:solidFill>
-                          <a:latin typeface="Helvetica"/>
-                          <a:ea typeface="Helvetica"/>
-                          <a:cs typeface="Helvetica"/>
-                          <a:sym typeface="Helvetica"/>
-                        </a:rPr>
-                        <a:t>1176.00</a:t>
-                      </a:r>
-                    </a:p>
-                  </a:txBody>
-                  <a:tcPr marL="63500" marR="63500" marT="0" marB="0" anchor="ctr" horzOverflow="overflow">
-                    <a:lnL w="12700">
-                      <a:solidFill>
-                        <a:srgbClr val="CBCBCB"/>
-                      </a:solidFill>
-                      <a:miter lim="400000"/>
-                    </a:lnL>
-                    <a:lnR w="12700">
-                      <a:solidFill>
-                        <a:srgbClr val="CBCBCB"/>
-                      </a:solidFill>
-                      <a:miter lim="400000"/>
-                    </a:lnR>
-                    <a:lnT w="12700">
-                      <a:solidFill>
-                        <a:srgbClr val="CBCBCB"/>
-                      </a:solidFill>
-                      <a:miter lim="400000"/>
-                    </a:lnT>
-                    <a:lnB w="12700">
-                      <a:solidFill>
-                        <a:srgbClr val="CBCBCB"/>
-                      </a:solidFill>
-                      <a:miter lim="400000"/>
-                    </a:lnB>
-                  </a:tcPr>
+                      <a:endParaRPr lang="en-US" sz="1800" b="0" i="0" u="none" strike="noStrike">
+                        <a:solidFill>
+                          <a:srgbClr val="000000"/>
+                        </a:solidFill>
+                        <a:effectLst/>
+                        <a:latin typeface="Arial Unicode MS" panose="020B0604020202020204" pitchFamily="34" charset="-128"/>
+                        <a:ea typeface="Arial Unicode MS" panose="020B0604020202020204" pitchFamily="34" charset="-128"/>
+                        <a:cs typeface="Arial Unicode MS" panose="020B0604020202020204" pitchFamily="34" charset="-128"/>
+                      </a:endParaRPr>
+                    </a:p>
+                  </a:txBody>
+                  <a:tcPr marL="9525" marR="9525" marT="9525" marB="0" anchor="ctr"/>
+                </a:tc>
+                <a:tc>
+                  <a:txBody>
+                    <a:bodyPr/>
+                    <a:lstStyle/>
+                    <a:p>
+                      <a:pPr algn="ctr" fontAlgn="b"/>
+                      <a:r>
+                        <a:rPr lang="en-US" sz="1800" b="0" i="0" u="none" strike="noStrike" dirty="0">
+                          <a:effectLst/>
+                          <a:latin typeface="Arial Unicode MS" panose="020B0604020202020204" pitchFamily="34" charset="-128"/>
+                          <a:ea typeface="Arial Unicode MS" panose="020B0604020202020204" pitchFamily="34" charset="-128"/>
+                          <a:cs typeface="Arial Unicode MS" panose="020B0604020202020204" pitchFamily="34" charset="-128"/>
+                        </a:rPr>
+                        <a:t>122.00</a:t>
+                      </a:r>
+                      <a:endParaRPr lang="en-US" sz="1800" b="0" i="0" u="none" strike="noStrike" dirty="0">
+                        <a:solidFill>
+                          <a:srgbClr val="000000"/>
+                        </a:solidFill>
+                        <a:effectLst/>
+                        <a:latin typeface="Arial Unicode MS" panose="020B0604020202020204" pitchFamily="34" charset="-128"/>
+                        <a:ea typeface="Arial Unicode MS" panose="020B0604020202020204" pitchFamily="34" charset="-128"/>
+                        <a:cs typeface="Arial Unicode MS" panose="020B0604020202020204" pitchFamily="34" charset="-128"/>
+                      </a:endParaRPr>
+                    </a:p>
+                  </a:txBody>
+                  <a:tcPr marL="9525" marR="9525" marT="9525" marB="0" anchor="ctr"/>
+                </a:tc>
+                <a:tc>
+                  <a:txBody>
+                    <a:bodyPr/>
+                    <a:lstStyle/>
+                    <a:p>
+                      <a:pPr algn="ctr" fontAlgn="b"/>
+                      <a:r>
+                        <a:rPr lang="en-US" sz="1800" b="0" i="0" u="none" strike="noStrike" dirty="0">
+                          <a:effectLst/>
+                          <a:latin typeface="Arial Unicode MS" panose="020B0604020202020204" pitchFamily="34" charset="-128"/>
+                          <a:ea typeface="Arial Unicode MS" panose="020B0604020202020204" pitchFamily="34" charset="-128"/>
+                          <a:cs typeface="Arial Unicode MS" panose="020B0604020202020204" pitchFamily="34" charset="-128"/>
+                        </a:rPr>
+                        <a:t>1098.31</a:t>
+                      </a:r>
+                      <a:endParaRPr lang="en-US" sz="1800" b="0" i="0" u="none" strike="noStrike" dirty="0">
+                        <a:solidFill>
+                          <a:srgbClr val="000000"/>
+                        </a:solidFill>
+                        <a:effectLst/>
+                        <a:latin typeface="Arial Unicode MS" panose="020B0604020202020204" pitchFamily="34" charset="-128"/>
+                        <a:ea typeface="Arial Unicode MS" panose="020B0604020202020204" pitchFamily="34" charset="-128"/>
+                        <a:cs typeface="Arial Unicode MS" panose="020B0604020202020204" pitchFamily="34" charset="-128"/>
+                      </a:endParaRPr>
+                    </a:p>
+                  </a:txBody>
+                  <a:tcPr marL="9525" marR="9525" marT="9525" marB="0" anchor="ctr"/>
                 </a:tc>
                 <a:extLst>
                   <a:ext uri="{0D108BD9-81ED-4DB2-BD59-A6C34878D82A}">
-                    <a16:rowId xmlns:a16="http://schemas.microsoft.com/office/drawing/2014/main" val="10016"/>
+                    <a16:rowId xmlns:a16="http://schemas.microsoft.com/office/drawing/2014/main" val="2025120290"/>
                   </a:ext>
                 </a:extLst>
               </a:tr>
-              <a:tr h="431724">
-                <a:tc>
-                  <a:txBody>
-                    <a:bodyPr/>
-                    <a:lstStyle/>
-                    <a:p>
-                      <a:pPr defTabSz="457200">
-                        <a:defRPr>
-                          <a:solidFill>
-                            <a:srgbClr val="000000"/>
-                          </a:solidFill>
-                        </a:defRPr>
-                      </a:pPr>
-                      <a:r>
-                        <a:rPr sz="1500" spc="59">
-                          <a:solidFill>
-                            <a:srgbClr val="606060"/>
-                          </a:solidFill>
-                          <a:latin typeface="Helvetica"/>
-                          <a:ea typeface="Helvetica"/>
-                          <a:cs typeface="Helvetica"/>
-                          <a:sym typeface="Helvetica"/>
-                        </a:rPr>
-                        <a:t>20</a:t>
-                      </a:r>
-                    </a:p>
-                  </a:txBody>
-                  <a:tcPr marL="63500" marR="63500" marT="0" marB="0" anchor="ctr" horzOverflow="overflow">
-                    <a:lnL w="12700">
-                      <a:solidFill>
-                        <a:srgbClr val="CBCBCB"/>
-                      </a:solidFill>
-                      <a:miter lim="400000"/>
-                    </a:lnL>
-                    <a:lnR w="12700">
-                      <a:solidFill>
-                        <a:srgbClr val="CBCBCB"/>
-                      </a:solidFill>
-                      <a:miter lim="400000"/>
-                    </a:lnR>
-                    <a:lnT w="12700">
-                      <a:solidFill>
-                        <a:srgbClr val="CBCBCB"/>
-                      </a:solidFill>
-                      <a:miter lim="400000"/>
-                    </a:lnT>
-                    <a:lnB w="12700">
-                      <a:solidFill>
-                        <a:srgbClr val="CBCBCB"/>
-                      </a:solidFill>
-                      <a:miter lim="400000"/>
-                    </a:lnB>
-                  </a:tcPr>
-                </a:tc>
-                <a:tc>
-                  <a:txBody>
-                    <a:bodyPr/>
-                    <a:lstStyle/>
-                    <a:p>
-                      <a:pPr defTabSz="457200">
-                        <a:defRPr>
-                          <a:solidFill>
-                            <a:srgbClr val="000000"/>
-                          </a:solidFill>
-                        </a:defRPr>
-                      </a:pPr>
-                      <a:r>
-                        <a:rPr sz="1500" spc="59">
-                          <a:solidFill>
-                            <a:srgbClr val="606060"/>
-                          </a:solidFill>
-                          <a:latin typeface="Helvetica"/>
-                          <a:ea typeface="Helvetica"/>
-                          <a:cs typeface="Helvetica"/>
-                          <a:sym typeface="Helvetica"/>
-                        </a:rPr>
-                        <a:t>160</a:t>
-                      </a:r>
-                    </a:p>
-                  </a:txBody>
-                  <a:tcPr marL="63500" marR="63500" marT="0" marB="0" anchor="ctr" horzOverflow="overflow">
-                    <a:lnL w="12700">
-                      <a:solidFill>
-                        <a:srgbClr val="CBCBCB"/>
-                      </a:solidFill>
-                      <a:miter lim="400000"/>
-                    </a:lnL>
-                    <a:lnR w="12700">
-                      <a:solidFill>
-                        <a:srgbClr val="CBCBCB"/>
-                      </a:solidFill>
-                      <a:miter lim="400000"/>
-                    </a:lnR>
-                    <a:lnT w="12700">
-                      <a:solidFill>
-                        <a:srgbClr val="CBCBCB"/>
-                      </a:solidFill>
-                      <a:miter lim="400000"/>
-                    </a:lnT>
-                    <a:lnB w="12700">
-                      <a:solidFill>
-                        <a:srgbClr val="CBCBCB"/>
-                      </a:solidFill>
-                      <a:miter lim="400000"/>
-                    </a:lnB>
-                  </a:tcPr>
-                </a:tc>
-                <a:tc>
-                  <a:txBody>
-                    <a:bodyPr/>
-                    <a:lstStyle/>
-                    <a:p>
-                      <a:pPr defTabSz="457200">
-                        <a:defRPr>
-                          <a:solidFill>
-                            <a:srgbClr val="000000"/>
-                          </a:solidFill>
-                        </a:defRPr>
-                      </a:pPr>
-                      <a:r>
-                        <a:rPr sz="1500" spc="59">
-                          <a:solidFill>
-                            <a:srgbClr val="606060"/>
-                          </a:solidFill>
-                          <a:latin typeface="Helvetica"/>
-                          <a:ea typeface="Helvetica"/>
-                          <a:cs typeface="Helvetica"/>
-                          <a:sym typeface="Helvetica"/>
+              <a:tr h="318598">
+                <a:tc>
+                  <a:txBody>
+                    <a:bodyPr/>
+                    <a:lstStyle/>
+                    <a:p>
+                      <a:pPr algn="ctr" fontAlgn="b"/>
+                      <a:r>
+                        <a:rPr lang="en-US" sz="1800" b="0" i="0" u="none" strike="noStrike">
+                          <a:effectLst/>
+                          <a:latin typeface="Arial Unicode MS" panose="020B0604020202020204" pitchFamily="34" charset="-128"/>
+                          <a:ea typeface="Arial Unicode MS" panose="020B0604020202020204" pitchFamily="34" charset="-128"/>
+                          <a:cs typeface="Arial Unicode MS" panose="020B0604020202020204" pitchFamily="34" charset="-128"/>
+                        </a:rPr>
+                        <a:t>80</a:t>
+                      </a:r>
+                      <a:endParaRPr lang="en-US" sz="1800" b="0" i="0" u="none" strike="noStrike">
+                        <a:solidFill>
+                          <a:srgbClr val="000000"/>
+                        </a:solidFill>
+                        <a:effectLst/>
+                        <a:latin typeface="Arial Unicode MS" panose="020B0604020202020204" pitchFamily="34" charset="-128"/>
+                        <a:ea typeface="Arial Unicode MS" panose="020B0604020202020204" pitchFamily="34" charset="-128"/>
+                        <a:cs typeface="Arial Unicode MS" panose="020B0604020202020204" pitchFamily="34" charset="-128"/>
+                      </a:endParaRPr>
+                    </a:p>
+                  </a:txBody>
+                  <a:tcPr marL="9525" marR="9525" marT="9525" marB="0" anchor="ctr"/>
+                </a:tc>
+                <a:tc>
+                  <a:txBody>
+                    <a:bodyPr/>
+                    <a:lstStyle/>
+                    <a:p>
+                      <a:pPr algn="ctr" fontAlgn="b"/>
+                      <a:r>
+                        <a:rPr lang="en-US" sz="1800" b="0" i="0" u="none" strike="noStrike">
+                          <a:effectLst/>
+                          <a:latin typeface="Arial Unicode MS" panose="020B0604020202020204" pitchFamily="34" charset="-128"/>
+                          <a:ea typeface="Arial Unicode MS" panose="020B0604020202020204" pitchFamily="34" charset="-128"/>
+                          <a:cs typeface="Arial Unicode MS" panose="020B0604020202020204" pitchFamily="34" charset="-128"/>
+                        </a:rPr>
+                        <a:t>60</a:t>
+                      </a:r>
+                      <a:endParaRPr lang="en-US" sz="1800" b="0" i="0" u="none" strike="noStrike">
+                        <a:solidFill>
+                          <a:srgbClr val="000000"/>
+                        </a:solidFill>
+                        <a:effectLst/>
+                        <a:latin typeface="Arial Unicode MS" panose="020B0604020202020204" pitchFamily="34" charset="-128"/>
+                        <a:ea typeface="Arial Unicode MS" panose="020B0604020202020204" pitchFamily="34" charset="-128"/>
+                        <a:cs typeface="Arial Unicode MS" panose="020B0604020202020204" pitchFamily="34" charset="-128"/>
+                      </a:endParaRPr>
+                    </a:p>
+                  </a:txBody>
+                  <a:tcPr marL="9525" marR="9525" marT="9525" marB="0" anchor="ctr"/>
+                </a:tc>
+                <a:tc>
+                  <a:txBody>
+                    <a:bodyPr/>
+                    <a:lstStyle/>
+                    <a:p>
+                      <a:pPr algn="ctr" fontAlgn="b"/>
+                      <a:r>
+                        <a:rPr lang="en-US" sz="1800" b="0" i="0" u="none" strike="noStrike">
+                          <a:effectLst/>
+                          <a:latin typeface="Arial Unicode MS" panose="020B0604020202020204" pitchFamily="34" charset="-128"/>
+                          <a:ea typeface="Arial Unicode MS" panose="020B0604020202020204" pitchFamily="34" charset="-128"/>
+                          <a:cs typeface="Arial Unicode MS" panose="020B0604020202020204" pitchFamily="34" charset="-128"/>
                         </a:rPr>
                         <a:t>300</a:t>
                       </a:r>
-                    </a:p>
-                  </a:txBody>
-                  <a:tcPr marL="63500" marR="63500" marT="0" marB="0" anchor="ctr" horzOverflow="overflow">
-                    <a:lnL w="12700">
-                      <a:solidFill>
-                        <a:srgbClr val="CBCBCB"/>
-                      </a:solidFill>
-                      <a:miter lim="400000"/>
-                    </a:lnL>
-                    <a:lnR w="12700">
-                      <a:solidFill>
-                        <a:srgbClr val="CBCBCB"/>
-                      </a:solidFill>
-                      <a:miter lim="400000"/>
-                    </a:lnR>
-                    <a:lnT w="12700">
-                      <a:solidFill>
-                        <a:srgbClr val="CBCBCB"/>
-                      </a:solidFill>
-                      <a:miter lim="400000"/>
-                    </a:lnT>
-                    <a:lnB w="12700">
-                      <a:solidFill>
-                        <a:srgbClr val="CBCBCB"/>
-                      </a:solidFill>
-                      <a:miter lim="400000"/>
-                    </a:lnB>
-                  </a:tcPr>
-                </a:tc>
-                <a:tc>
-                  <a:txBody>
-                    <a:bodyPr/>
-                    <a:lstStyle/>
-                    <a:p>
-                      <a:pPr defTabSz="457200">
-                        <a:defRPr>
-                          <a:solidFill>
-                            <a:srgbClr val="000000"/>
-                          </a:solidFill>
-                        </a:defRPr>
-                      </a:pPr>
-                      <a:r>
-                        <a:rPr sz="1500" spc="59">
-                          <a:solidFill>
-                            <a:srgbClr val="606060"/>
-                          </a:solidFill>
-                          <a:latin typeface="Helvetica"/>
-                          <a:ea typeface="Helvetica"/>
-                          <a:cs typeface="Helvetica"/>
-                          <a:sym typeface="Helvetica"/>
-                        </a:rPr>
-                        <a:t>56.36</a:t>
-                      </a:r>
-                    </a:p>
-                  </a:txBody>
-                  <a:tcPr marL="63500" marR="63500" marT="0" marB="0" anchor="ctr" horzOverflow="overflow">
-                    <a:lnL w="12700">
-                      <a:solidFill>
-                        <a:srgbClr val="CBCBCB"/>
-                      </a:solidFill>
-                      <a:miter lim="400000"/>
-                    </a:lnL>
-                    <a:lnR w="12700">
-                      <a:solidFill>
-                        <a:srgbClr val="CBCBCB"/>
-                      </a:solidFill>
-                      <a:miter lim="400000"/>
-                    </a:lnR>
-                    <a:lnT w="12700">
-                      <a:solidFill>
-                        <a:srgbClr val="CBCBCB"/>
-                      </a:solidFill>
-                      <a:miter lim="400000"/>
-                    </a:lnT>
-                    <a:lnB w="12700">
-                      <a:solidFill>
-                        <a:srgbClr val="CBCBCB"/>
-                      </a:solidFill>
-                      <a:miter lim="400000"/>
-                    </a:lnB>
-                  </a:tcPr>
-                </a:tc>
-                <a:tc>
-                  <a:txBody>
-                    <a:bodyPr/>
-                    <a:lstStyle/>
-                    <a:p>
-                      <a:pPr defTabSz="457200">
-                        <a:defRPr>
-                          <a:solidFill>
-                            <a:srgbClr val="000000"/>
-                          </a:solidFill>
-                        </a:defRPr>
-                      </a:pPr>
-                      <a:r>
-                        <a:rPr sz="1500" spc="59">
-                          <a:solidFill>
-                            <a:srgbClr val="606060"/>
-                          </a:solidFill>
-                          <a:latin typeface="Helvetica"/>
-                          <a:ea typeface="Helvetica"/>
-                          <a:cs typeface="Helvetica"/>
-                          <a:sym typeface="Helvetica"/>
-                        </a:rPr>
-                        <a:t>3695.44</a:t>
-                      </a:r>
-                    </a:p>
-                  </a:txBody>
-                  <a:tcPr marL="63500" marR="63500" marT="0" marB="0" anchor="ctr" horzOverflow="overflow">
-                    <a:lnL w="12700">
-                      <a:solidFill>
-                        <a:srgbClr val="CBCBCB"/>
-                      </a:solidFill>
-                      <a:miter lim="400000"/>
-                    </a:lnL>
-                    <a:lnR w="12700">
-                      <a:solidFill>
-                        <a:srgbClr val="CBCBCB"/>
-                      </a:solidFill>
-                      <a:miter lim="400000"/>
-                    </a:lnR>
-                    <a:lnT w="12700">
-                      <a:solidFill>
-                        <a:srgbClr val="CBCBCB"/>
-                      </a:solidFill>
-                      <a:miter lim="400000"/>
-                    </a:lnT>
-                    <a:lnB w="12700">
-                      <a:solidFill>
-                        <a:srgbClr val="CBCBCB"/>
-                      </a:solidFill>
-                      <a:miter lim="400000"/>
-                    </a:lnB>
-                  </a:tcPr>
+                      <a:endParaRPr lang="en-US" sz="1800" b="0" i="0" u="none" strike="noStrike">
+                        <a:solidFill>
+                          <a:srgbClr val="000000"/>
+                        </a:solidFill>
+                        <a:effectLst/>
+                        <a:latin typeface="Arial Unicode MS" panose="020B0604020202020204" pitchFamily="34" charset="-128"/>
+                        <a:ea typeface="Arial Unicode MS" panose="020B0604020202020204" pitchFamily="34" charset="-128"/>
+                        <a:cs typeface="Arial Unicode MS" panose="020B0604020202020204" pitchFamily="34" charset="-128"/>
+                      </a:endParaRPr>
+                    </a:p>
+                  </a:txBody>
+                  <a:tcPr marL="9525" marR="9525" marT="9525" marB="0" anchor="ctr"/>
+                </a:tc>
+                <a:tc>
+                  <a:txBody>
+                    <a:bodyPr/>
+                    <a:lstStyle/>
+                    <a:p>
+                      <a:pPr algn="ctr" fontAlgn="b"/>
+                      <a:r>
+                        <a:rPr lang="en-US" sz="1800" b="0" i="0" u="none" strike="noStrike">
+                          <a:effectLst/>
+                          <a:latin typeface="Arial Unicode MS" panose="020B0604020202020204" pitchFamily="34" charset="-128"/>
+                          <a:ea typeface="Arial Unicode MS" panose="020B0604020202020204" pitchFamily="34" charset="-128"/>
+                          <a:cs typeface="Arial Unicode MS" panose="020B0604020202020204" pitchFamily="34" charset="-128"/>
+                        </a:rPr>
+                        <a:t>105.09</a:t>
+                      </a:r>
+                      <a:endParaRPr lang="en-US" sz="1800" b="0" i="0" u="none" strike="noStrike">
+                        <a:solidFill>
+                          <a:srgbClr val="000000"/>
+                        </a:solidFill>
+                        <a:effectLst/>
+                        <a:latin typeface="Arial Unicode MS" panose="020B0604020202020204" pitchFamily="34" charset="-128"/>
+                        <a:ea typeface="Arial Unicode MS" panose="020B0604020202020204" pitchFamily="34" charset="-128"/>
+                        <a:cs typeface="Arial Unicode MS" panose="020B0604020202020204" pitchFamily="34" charset="-128"/>
+                      </a:endParaRPr>
+                    </a:p>
+                  </a:txBody>
+                  <a:tcPr marL="9525" marR="9525" marT="9525" marB="0" anchor="ctr"/>
+                </a:tc>
+                <a:tc>
+                  <a:txBody>
+                    <a:bodyPr/>
+                    <a:lstStyle/>
+                    <a:p>
+                      <a:pPr algn="ctr" fontAlgn="b"/>
+                      <a:r>
+                        <a:rPr lang="en-US" sz="1800" b="0" i="0" u="none" strike="noStrike" dirty="0">
+                          <a:effectLst/>
+                          <a:latin typeface="Arial Unicode MS" panose="020B0604020202020204" pitchFamily="34" charset="-128"/>
+                          <a:ea typeface="Arial Unicode MS" panose="020B0604020202020204" pitchFamily="34" charset="-128"/>
+                          <a:cs typeface="Arial Unicode MS" panose="020B0604020202020204" pitchFamily="34" charset="-128"/>
+                        </a:rPr>
+                        <a:t>1192.77</a:t>
+                      </a:r>
+                      <a:endParaRPr lang="en-US" sz="1800" b="0" i="0" u="none" strike="noStrike" dirty="0">
+                        <a:solidFill>
+                          <a:srgbClr val="000000"/>
+                        </a:solidFill>
+                        <a:effectLst/>
+                        <a:latin typeface="Arial Unicode MS" panose="020B0604020202020204" pitchFamily="34" charset="-128"/>
+                        <a:ea typeface="Arial Unicode MS" panose="020B0604020202020204" pitchFamily="34" charset="-128"/>
+                        <a:cs typeface="Arial Unicode MS" panose="020B0604020202020204" pitchFamily="34" charset="-128"/>
+                      </a:endParaRPr>
+                    </a:p>
+                  </a:txBody>
+                  <a:tcPr marL="9525" marR="9525" marT="9525" marB="0" anchor="ctr"/>
                 </a:tc>
                 <a:extLst>
                   <a:ext uri="{0D108BD9-81ED-4DB2-BD59-A6C34878D82A}">
-                    <a16:rowId xmlns:a16="http://schemas.microsoft.com/office/drawing/2014/main" val="10017"/>
+                    <a16:rowId xmlns:a16="http://schemas.microsoft.com/office/drawing/2014/main" val="3355506650"/>
                   </a:ext>
                 </a:extLst>
               </a:tr>
-              <a:tr h="431724">
-                <a:tc>
-                  <a:txBody>
-                    <a:bodyPr/>
-                    <a:lstStyle/>
-                    <a:p>
-                      <a:pPr defTabSz="457200">
-                        <a:defRPr>
-                          <a:solidFill>
-                            <a:srgbClr val="000000"/>
-                          </a:solidFill>
-                        </a:defRPr>
-                      </a:pPr>
-                      <a:r>
-                        <a:rPr sz="1500" spc="59">
-                          <a:solidFill>
-                            <a:srgbClr val="606060"/>
-                          </a:solidFill>
-                          <a:latin typeface="Helvetica"/>
-                          <a:ea typeface="Helvetica"/>
-                          <a:cs typeface="Helvetica"/>
-                          <a:sym typeface="Helvetica"/>
-                        </a:rPr>
-                        <a:t>40</a:t>
-                      </a:r>
-                    </a:p>
-                  </a:txBody>
-                  <a:tcPr marL="63500" marR="63500" marT="0" marB="0" anchor="ctr" horzOverflow="overflow">
-                    <a:lnL w="12700">
-                      <a:solidFill>
-                        <a:srgbClr val="CBCBCB"/>
-                      </a:solidFill>
-                      <a:miter lim="400000"/>
-                    </a:lnL>
-                    <a:lnR w="12700">
-                      <a:solidFill>
-                        <a:srgbClr val="CBCBCB"/>
-                      </a:solidFill>
-                      <a:miter lim="400000"/>
-                    </a:lnR>
-                    <a:lnT w="12700">
-                      <a:solidFill>
-                        <a:srgbClr val="CBCBCB"/>
-                      </a:solidFill>
-                      <a:miter lim="400000"/>
-                    </a:lnT>
-                    <a:lnB w="12700">
-                      <a:solidFill>
-                        <a:srgbClr val="CBCBCB"/>
-                      </a:solidFill>
-                      <a:miter lim="400000"/>
-                    </a:lnB>
-                  </a:tcPr>
-                </a:tc>
-                <a:tc>
-                  <a:txBody>
-                    <a:bodyPr/>
-                    <a:lstStyle/>
-                    <a:p>
-                      <a:pPr defTabSz="457200">
-                        <a:defRPr>
-                          <a:solidFill>
-                            <a:srgbClr val="000000"/>
-                          </a:solidFill>
-                        </a:defRPr>
-                      </a:pPr>
-                      <a:r>
-                        <a:rPr sz="1500" spc="59">
-                          <a:solidFill>
-                            <a:srgbClr val="606060"/>
-                          </a:solidFill>
-                          <a:latin typeface="Helvetica"/>
-                          <a:ea typeface="Helvetica"/>
-                          <a:cs typeface="Helvetica"/>
-                          <a:sym typeface="Helvetica"/>
-                        </a:rPr>
-                        <a:t>160</a:t>
-                      </a:r>
-                    </a:p>
-                  </a:txBody>
-                  <a:tcPr marL="63500" marR="63500" marT="0" marB="0" anchor="ctr" horzOverflow="overflow">
-                    <a:lnL w="12700">
-                      <a:solidFill>
-                        <a:srgbClr val="CBCBCB"/>
-                      </a:solidFill>
-                      <a:miter lim="400000"/>
-                    </a:lnL>
-                    <a:lnR w="12700">
-                      <a:solidFill>
-                        <a:srgbClr val="CBCBCB"/>
-                      </a:solidFill>
-                      <a:miter lim="400000"/>
-                    </a:lnR>
-                    <a:lnT w="12700">
-                      <a:solidFill>
-                        <a:srgbClr val="CBCBCB"/>
-                      </a:solidFill>
-                      <a:miter lim="400000"/>
-                    </a:lnT>
-                    <a:lnB w="12700">
-                      <a:solidFill>
-                        <a:srgbClr val="CBCBCB"/>
-                      </a:solidFill>
-                      <a:miter lim="400000"/>
-                    </a:lnB>
-                  </a:tcPr>
-                </a:tc>
-                <a:tc>
-                  <a:txBody>
-                    <a:bodyPr/>
-                    <a:lstStyle/>
-                    <a:p>
-                      <a:pPr defTabSz="457200">
-                        <a:defRPr>
-                          <a:solidFill>
-                            <a:srgbClr val="000000"/>
-                          </a:solidFill>
-                        </a:defRPr>
-                      </a:pPr>
-                      <a:r>
-                        <a:rPr sz="1500" spc="59">
-                          <a:solidFill>
-                            <a:srgbClr val="606060"/>
-                          </a:solidFill>
-                          <a:latin typeface="Helvetica"/>
-                          <a:ea typeface="Helvetica"/>
-                          <a:cs typeface="Helvetica"/>
-                          <a:sym typeface="Helvetica"/>
+              <a:tr h="318598">
+                <a:tc>
+                  <a:txBody>
+                    <a:bodyPr/>
+                    <a:lstStyle/>
+                    <a:p>
+                      <a:pPr algn="ctr" fontAlgn="b"/>
+                      <a:r>
+                        <a:rPr lang="en-US" sz="1800" b="0" i="0" u="none" strike="noStrike">
+                          <a:effectLst/>
+                          <a:latin typeface="Arial Unicode MS" panose="020B0604020202020204" pitchFamily="34" charset="-128"/>
+                          <a:ea typeface="Arial Unicode MS" panose="020B0604020202020204" pitchFamily="34" charset="-128"/>
+                          <a:cs typeface="Arial Unicode MS" panose="020B0604020202020204" pitchFamily="34" charset="-128"/>
+                        </a:rPr>
+                        <a:t>80</a:t>
+                      </a:r>
+                      <a:endParaRPr lang="en-US" sz="1800" b="0" i="0" u="none" strike="noStrike">
+                        <a:solidFill>
+                          <a:srgbClr val="000000"/>
+                        </a:solidFill>
+                        <a:effectLst/>
+                        <a:latin typeface="Arial Unicode MS" panose="020B0604020202020204" pitchFamily="34" charset="-128"/>
+                        <a:ea typeface="Arial Unicode MS" panose="020B0604020202020204" pitchFamily="34" charset="-128"/>
+                        <a:cs typeface="Arial Unicode MS" panose="020B0604020202020204" pitchFamily="34" charset="-128"/>
+                      </a:endParaRPr>
+                    </a:p>
+                  </a:txBody>
+                  <a:tcPr marL="9525" marR="9525" marT="9525" marB="0" anchor="ctr"/>
+                </a:tc>
+                <a:tc>
+                  <a:txBody>
+                    <a:bodyPr/>
+                    <a:lstStyle/>
+                    <a:p>
+                      <a:pPr algn="ctr" fontAlgn="b"/>
+                      <a:r>
+                        <a:rPr lang="en-US" sz="1800" b="0" i="0" u="none" strike="noStrike">
+                          <a:effectLst/>
+                          <a:latin typeface="Arial Unicode MS" panose="020B0604020202020204" pitchFamily="34" charset="-128"/>
+                          <a:ea typeface="Arial Unicode MS" panose="020B0604020202020204" pitchFamily="34" charset="-128"/>
+                          <a:cs typeface="Arial Unicode MS" panose="020B0604020202020204" pitchFamily="34" charset="-128"/>
+                        </a:rPr>
+                        <a:t>80</a:t>
+                      </a:r>
+                      <a:endParaRPr lang="en-US" sz="1800" b="0" i="0" u="none" strike="noStrike">
+                        <a:solidFill>
+                          <a:srgbClr val="000000"/>
+                        </a:solidFill>
+                        <a:effectLst/>
+                        <a:latin typeface="Arial Unicode MS" panose="020B0604020202020204" pitchFamily="34" charset="-128"/>
+                        <a:ea typeface="Arial Unicode MS" panose="020B0604020202020204" pitchFamily="34" charset="-128"/>
+                        <a:cs typeface="Arial Unicode MS" panose="020B0604020202020204" pitchFamily="34" charset="-128"/>
+                      </a:endParaRPr>
+                    </a:p>
+                  </a:txBody>
+                  <a:tcPr marL="9525" marR="9525" marT="9525" marB="0" anchor="ctr"/>
+                </a:tc>
+                <a:tc>
+                  <a:txBody>
+                    <a:bodyPr/>
+                    <a:lstStyle/>
+                    <a:p>
+                      <a:pPr algn="ctr" fontAlgn="b"/>
+                      <a:r>
+                        <a:rPr lang="en-US" sz="1800" b="0" i="0" u="none" strike="noStrike">
+                          <a:effectLst/>
+                          <a:latin typeface="Arial Unicode MS" panose="020B0604020202020204" pitchFamily="34" charset="-128"/>
+                          <a:ea typeface="Arial Unicode MS" panose="020B0604020202020204" pitchFamily="34" charset="-128"/>
+                          <a:cs typeface="Arial Unicode MS" panose="020B0604020202020204" pitchFamily="34" charset="-128"/>
                         </a:rPr>
                         <a:t>300</a:t>
                       </a:r>
-                    </a:p>
-                  </a:txBody>
-                  <a:tcPr marL="63500" marR="63500" marT="0" marB="0" anchor="ctr" horzOverflow="overflow">
-                    <a:lnL w="12700">
-                      <a:solidFill>
-                        <a:srgbClr val="CBCBCB"/>
-                      </a:solidFill>
-                      <a:miter lim="400000"/>
-                    </a:lnL>
-                    <a:lnR w="12700">
-                      <a:solidFill>
-                        <a:srgbClr val="CBCBCB"/>
-                      </a:solidFill>
-                      <a:miter lim="400000"/>
-                    </a:lnR>
-                    <a:lnT w="12700">
-                      <a:solidFill>
-                        <a:srgbClr val="CBCBCB"/>
-                      </a:solidFill>
-                      <a:miter lim="400000"/>
-                    </a:lnT>
-                    <a:lnB w="12700">
-                      <a:solidFill>
-                        <a:srgbClr val="CBCBCB"/>
-                      </a:solidFill>
-                      <a:miter lim="400000"/>
-                    </a:lnB>
-                  </a:tcPr>
-                </a:tc>
-                <a:tc>
-                  <a:txBody>
-                    <a:bodyPr/>
-                    <a:lstStyle/>
-                    <a:p>
-                      <a:pPr defTabSz="457200">
-                        <a:defRPr>
-                          <a:solidFill>
-                            <a:srgbClr val="000000"/>
-                          </a:solidFill>
-                        </a:defRPr>
-                      </a:pPr>
-                      <a:r>
-                        <a:rPr sz="1500" spc="59">
-                          <a:solidFill>
-                            <a:srgbClr val="606060"/>
-                          </a:solidFill>
-                          <a:latin typeface="Helvetica"/>
-                          <a:ea typeface="Helvetica"/>
-                          <a:cs typeface="Helvetica"/>
-                          <a:sym typeface="Helvetica"/>
-                        </a:rPr>
-                        <a:t>74.00</a:t>
-                      </a:r>
-                    </a:p>
-                  </a:txBody>
-                  <a:tcPr marL="63500" marR="63500" marT="0" marB="0" anchor="ctr" horzOverflow="overflow">
-                    <a:lnL w="12700">
-                      <a:solidFill>
-                        <a:srgbClr val="CBCBCB"/>
-                      </a:solidFill>
-                      <a:miter lim="400000"/>
-                    </a:lnL>
-                    <a:lnR w="12700">
-                      <a:solidFill>
-                        <a:srgbClr val="CBCBCB"/>
-                      </a:solidFill>
-                      <a:miter lim="400000"/>
-                    </a:lnR>
-                    <a:lnT w="12700">
-                      <a:solidFill>
-                        <a:srgbClr val="CBCBCB"/>
-                      </a:solidFill>
-                      <a:miter lim="400000"/>
-                    </a:lnT>
-                    <a:lnB w="12700">
-                      <a:solidFill>
-                        <a:srgbClr val="CBCBCB"/>
-                      </a:solidFill>
-                      <a:miter lim="400000"/>
-                    </a:lnB>
-                  </a:tcPr>
-                </a:tc>
-                <a:tc>
-                  <a:txBody>
-                    <a:bodyPr/>
-                    <a:lstStyle/>
-                    <a:p>
-                      <a:pPr defTabSz="457200">
-                        <a:defRPr>
-                          <a:solidFill>
-                            <a:srgbClr val="000000"/>
-                          </a:solidFill>
-                        </a:defRPr>
-                      </a:pPr>
-                      <a:r>
-                        <a:rPr sz="1500" spc="59">
-                          <a:solidFill>
-                            <a:srgbClr val="606060"/>
-                          </a:solidFill>
-                          <a:latin typeface="Helvetica"/>
-                          <a:ea typeface="Helvetica"/>
-                          <a:cs typeface="Helvetica"/>
-                          <a:sym typeface="Helvetica"/>
-                        </a:rPr>
-                        <a:t>2318.89</a:t>
-                      </a:r>
-                    </a:p>
-                  </a:txBody>
-                  <a:tcPr marL="63500" marR="63500" marT="0" marB="0" anchor="ctr" horzOverflow="overflow">
-                    <a:lnL w="12700">
-                      <a:solidFill>
-                        <a:srgbClr val="CBCBCB"/>
-                      </a:solidFill>
-                      <a:miter lim="400000"/>
-                    </a:lnL>
-                    <a:lnR w="12700">
-                      <a:solidFill>
-                        <a:srgbClr val="CBCBCB"/>
-                      </a:solidFill>
-                      <a:miter lim="400000"/>
-                    </a:lnR>
-                    <a:lnT w="12700">
-                      <a:solidFill>
-                        <a:srgbClr val="CBCBCB"/>
-                      </a:solidFill>
-                      <a:miter lim="400000"/>
-                    </a:lnT>
-                    <a:lnB w="12700">
-                      <a:solidFill>
-                        <a:srgbClr val="CBCBCB"/>
-                      </a:solidFill>
-                      <a:miter lim="400000"/>
-                    </a:lnB>
-                  </a:tcPr>
+                      <a:endParaRPr lang="en-US" sz="1800" b="0" i="0" u="none" strike="noStrike">
+                        <a:solidFill>
+                          <a:srgbClr val="000000"/>
+                        </a:solidFill>
+                        <a:effectLst/>
+                        <a:latin typeface="Arial Unicode MS" panose="020B0604020202020204" pitchFamily="34" charset="-128"/>
+                        <a:ea typeface="Arial Unicode MS" panose="020B0604020202020204" pitchFamily="34" charset="-128"/>
+                        <a:cs typeface="Arial Unicode MS" panose="020B0604020202020204" pitchFamily="34" charset="-128"/>
+                      </a:endParaRPr>
+                    </a:p>
+                  </a:txBody>
+                  <a:tcPr marL="9525" marR="9525" marT="9525" marB="0" anchor="ctr"/>
+                </a:tc>
+                <a:tc>
+                  <a:txBody>
+                    <a:bodyPr/>
+                    <a:lstStyle/>
+                    <a:p>
+                      <a:pPr algn="ctr" fontAlgn="b"/>
+                      <a:r>
+                        <a:rPr lang="en-US" sz="1800" b="0" i="0" u="none" strike="noStrike">
+                          <a:effectLst/>
+                          <a:latin typeface="Arial Unicode MS" panose="020B0604020202020204" pitchFamily="34" charset="-128"/>
+                          <a:ea typeface="Arial Unicode MS" panose="020B0604020202020204" pitchFamily="34" charset="-128"/>
+                          <a:cs typeface="Arial Unicode MS" panose="020B0604020202020204" pitchFamily="34" charset="-128"/>
+                        </a:rPr>
+                        <a:t>152.75</a:t>
+                      </a:r>
+                      <a:endParaRPr lang="en-US" sz="1800" b="0" i="0" u="none" strike="noStrike">
+                        <a:solidFill>
+                          <a:srgbClr val="000000"/>
+                        </a:solidFill>
+                        <a:effectLst/>
+                        <a:latin typeface="Arial Unicode MS" panose="020B0604020202020204" pitchFamily="34" charset="-128"/>
+                        <a:ea typeface="Arial Unicode MS" panose="020B0604020202020204" pitchFamily="34" charset="-128"/>
+                        <a:cs typeface="Arial Unicode MS" panose="020B0604020202020204" pitchFamily="34" charset="-128"/>
+                      </a:endParaRPr>
+                    </a:p>
+                  </a:txBody>
+                  <a:tcPr marL="9525" marR="9525" marT="9525" marB="0" anchor="ctr"/>
+                </a:tc>
+                <a:tc>
+                  <a:txBody>
+                    <a:bodyPr/>
+                    <a:lstStyle/>
+                    <a:p>
+                      <a:pPr algn="ctr" fontAlgn="b"/>
+                      <a:r>
+                        <a:rPr lang="en-US" sz="1800" b="0" i="0" u="none" strike="noStrike" dirty="0">
+                          <a:effectLst/>
+                          <a:latin typeface="Arial Unicode MS" panose="020B0604020202020204" pitchFamily="34" charset="-128"/>
+                          <a:ea typeface="Arial Unicode MS" panose="020B0604020202020204" pitchFamily="34" charset="-128"/>
+                          <a:cs typeface="Arial Unicode MS" panose="020B0604020202020204" pitchFamily="34" charset="-128"/>
+                        </a:rPr>
+                        <a:t>1176.00</a:t>
+                      </a:r>
+                      <a:endParaRPr lang="en-US" sz="1800" b="0" i="0" u="none" strike="noStrike" dirty="0">
+                        <a:solidFill>
+                          <a:srgbClr val="000000"/>
+                        </a:solidFill>
+                        <a:effectLst/>
+                        <a:latin typeface="Arial Unicode MS" panose="020B0604020202020204" pitchFamily="34" charset="-128"/>
+                        <a:ea typeface="Arial Unicode MS" panose="020B0604020202020204" pitchFamily="34" charset="-128"/>
+                        <a:cs typeface="Arial Unicode MS" panose="020B0604020202020204" pitchFamily="34" charset="-128"/>
+                      </a:endParaRPr>
+                    </a:p>
+                  </a:txBody>
+                  <a:tcPr marL="9525" marR="9525" marT="9525" marB="0" anchor="ctr"/>
                 </a:tc>
                 <a:extLst>
                   <a:ext uri="{0D108BD9-81ED-4DB2-BD59-A6C34878D82A}">
-                    <a16:rowId xmlns:a16="http://schemas.microsoft.com/office/drawing/2014/main" val="10018"/>
+                    <a16:rowId xmlns:a16="http://schemas.microsoft.com/office/drawing/2014/main" val="1913712822"/>
                   </a:ext>
                 </a:extLst>
               </a:tr>
-              <a:tr h="431724">
-                <a:tc>
-                  <a:txBody>
-                    <a:bodyPr/>
-                    <a:lstStyle/>
-                    <a:p>
-                      <a:pPr defTabSz="457200">
-                        <a:defRPr>
-                          <a:solidFill>
-                            <a:srgbClr val="000000"/>
-                          </a:solidFill>
-                        </a:defRPr>
-                      </a:pPr>
-                      <a:r>
-                        <a:rPr sz="1500" spc="59">
-                          <a:solidFill>
-                            <a:srgbClr val="606060"/>
-                          </a:solidFill>
-                          <a:latin typeface="Helvetica"/>
-                          <a:ea typeface="Helvetica"/>
-                          <a:cs typeface="Helvetica"/>
-                          <a:sym typeface="Helvetica"/>
+              <a:tr h="318598">
+                <a:tc>
+                  <a:txBody>
+                    <a:bodyPr/>
+                    <a:lstStyle/>
+                    <a:p>
+                      <a:pPr algn="ctr" fontAlgn="b"/>
+                      <a:r>
+                        <a:rPr lang="en-US" sz="1800" b="0" i="0" u="none" strike="noStrike">
+                          <a:effectLst/>
+                          <a:latin typeface="Arial Unicode MS" panose="020B0604020202020204" pitchFamily="34" charset="-128"/>
+                          <a:ea typeface="Arial Unicode MS" panose="020B0604020202020204" pitchFamily="34" charset="-128"/>
+                          <a:cs typeface="Arial Unicode MS" panose="020B0604020202020204" pitchFamily="34" charset="-128"/>
                         </a:rPr>
                         <a:t>80</a:t>
                       </a:r>
-                    </a:p>
-                  </a:txBody>
-                  <a:tcPr marL="63500" marR="63500" marT="0" marB="0" anchor="ctr" horzOverflow="overflow">
-                    <a:lnL w="12700">
-                      <a:solidFill>
-                        <a:srgbClr val="CBCBCB"/>
-                      </a:solidFill>
-                      <a:miter lim="400000"/>
-                    </a:lnL>
-                    <a:lnR w="12700">
-                      <a:solidFill>
-                        <a:srgbClr val="CBCBCB"/>
-                      </a:solidFill>
-                      <a:miter lim="400000"/>
-                    </a:lnR>
-                    <a:lnT w="12700">
-                      <a:solidFill>
-                        <a:srgbClr val="CBCBCB"/>
-                      </a:solidFill>
-                      <a:miter lim="400000"/>
-                    </a:lnT>
-                    <a:lnB w="12700">
-                      <a:solidFill>
-                        <a:srgbClr val="CBCBCB"/>
-                      </a:solidFill>
-                      <a:miter lim="400000"/>
-                    </a:lnB>
-                  </a:tcPr>
-                </a:tc>
-                <a:tc>
-                  <a:txBody>
-                    <a:bodyPr/>
-                    <a:lstStyle/>
-                    <a:p>
-                      <a:pPr defTabSz="457200">
-                        <a:defRPr>
-                          <a:solidFill>
-                            <a:srgbClr val="000000"/>
-                          </a:solidFill>
-                        </a:defRPr>
-                      </a:pPr>
-                      <a:r>
-                        <a:rPr sz="1500" spc="59">
-                          <a:solidFill>
-                            <a:srgbClr val="606060"/>
-                          </a:solidFill>
-                          <a:latin typeface="Helvetica"/>
-                          <a:ea typeface="Helvetica"/>
-                          <a:cs typeface="Helvetica"/>
-                          <a:sym typeface="Helvetica"/>
+                      <a:endParaRPr lang="en-US" sz="1800" b="0" i="0" u="none" strike="noStrike">
+                        <a:solidFill>
+                          <a:srgbClr val="000000"/>
+                        </a:solidFill>
+                        <a:effectLst/>
+                        <a:latin typeface="Arial Unicode MS" panose="020B0604020202020204" pitchFamily="34" charset="-128"/>
+                        <a:ea typeface="Arial Unicode MS" panose="020B0604020202020204" pitchFamily="34" charset="-128"/>
+                        <a:cs typeface="Arial Unicode MS" panose="020B0604020202020204" pitchFamily="34" charset="-128"/>
+                      </a:endParaRPr>
+                    </a:p>
+                  </a:txBody>
+                  <a:tcPr marL="9525" marR="9525" marT="9525" marB="0" anchor="ctr"/>
+                </a:tc>
+                <a:tc>
+                  <a:txBody>
+                    <a:bodyPr/>
+                    <a:lstStyle/>
+                    <a:p>
+                      <a:pPr algn="ctr" fontAlgn="b"/>
+                      <a:r>
+                        <a:rPr lang="en-US" sz="1800" b="0" i="0" u="none" strike="noStrike">
+                          <a:effectLst/>
+                          <a:latin typeface="Arial Unicode MS" panose="020B0604020202020204" pitchFamily="34" charset="-128"/>
+                          <a:ea typeface="Arial Unicode MS" panose="020B0604020202020204" pitchFamily="34" charset="-128"/>
+                          <a:cs typeface="Arial Unicode MS" panose="020B0604020202020204" pitchFamily="34" charset="-128"/>
                         </a:rPr>
                         <a:t>160</a:t>
                       </a:r>
-                    </a:p>
-                  </a:txBody>
-                  <a:tcPr marL="63500" marR="63500" marT="0" marB="0" anchor="ctr" horzOverflow="overflow">
-                    <a:lnL w="12700">
-                      <a:solidFill>
-                        <a:srgbClr val="CBCBCB"/>
-                      </a:solidFill>
-                      <a:miter lim="400000"/>
-                    </a:lnL>
-                    <a:lnR w="12700">
-                      <a:solidFill>
-                        <a:srgbClr val="CBCBCB"/>
-                      </a:solidFill>
-                      <a:miter lim="400000"/>
-                    </a:lnR>
-                    <a:lnT w="12700">
-                      <a:solidFill>
-                        <a:srgbClr val="CBCBCB"/>
-                      </a:solidFill>
-                      <a:miter lim="400000"/>
-                    </a:lnT>
-                    <a:lnB w="12700">
-                      <a:solidFill>
-                        <a:srgbClr val="CBCBCB"/>
-                      </a:solidFill>
-                      <a:miter lim="400000"/>
-                    </a:lnB>
-                  </a:tcPr>
-                </a:tc>
-                <a:tc>
-                  <a:txBody>
-                    <a:bodyPr/>
-                    <a:lstStyle/>
-                    <a:p>
-                      <a:pPr defTabSz="457200">
-                        <a:defRPr>
-                          <a:solidFill>
-                            <a:srgbClr val="000000"/>
-                          </a:solidFill>
-                        </a:defRPr>
-                      </a:pPr>
-                      <a:r>
-                        <a:rPr sz="1500" spc="59">
-                          <a:solidFill>
-                            <a:srgbClr val="606060"/>
-                          </a:solidFill>
-                          <a:latin typeface="Helvetica"/>
-                          <a:ea typeface="Helvetica"/>
-                          <a:cs typeface="Helvetica"/>
-                          <a:sym typeface="Helvetica"/>
+                      <a:endParaRPr lang="en-US" sz="1800" b="0" i="0" u="none" strike="noStrike">
+                        <a:solidFill>
+                          <a:srgbClr val="000000"/>
+                        </a:solidFill>
+                        <a:effectLst/>
+                        <a:latin typeface="Arial Unicode MS" panose="020B0604020202020204" pitchFamily="34" charset="-128"/>
+                        <a:ea typeface="Arial Unicode MS" panose="020B0604020202020204" pitchFamily="34" charset="-128"/>
+                        <a:cs typeface="Arial Unicode MS" panose="020B0604020202020204" pitchFamily="34" charset="-128"/>
+                      </a:endParaRPr>
+                    </a:p>
+                  </a:txBody>
+                  <a:tcPr marL="9525" marR="9525" marT="9525" marB="0" anchor="ctr"/>
+                </a:tc>
+                <a:tc>
+                  <a:txBody>
+                    <a:bodyPr/>
+                    <a:lstStyle/>
+                    <a:p>
+                      <a:pPr algn="ctr" fontAlgn="b"/>
+                      <a:r>
+                        <a:rPr lang="en-US" sz="1800" b="0" i="0" u="none" strike="noStrike">
+                          <a:effectLst/>
+                          <a:latin typeface="Arial Unicode MS" panose="020B0604020202020204" pitchFamily="34" charset="-128"/>
+                          <a:ea typeface="Arial Unicode MS" panose="020B0604020202020204" pitchFamily="34" charset="-128"/>
+                          <a:cs typeface="Arial Unicode MS" panose="020B0604020202020204" pitchFamily="34" charset="-128"/>
                         </a:rPr>
                         <a:t>300</a:t>
                       </a:r>
-                    </a:p>
-                  </a:txBody>
-                  <a:tcPr marL="63500" marR="63500" marT="0" marB="0" anchor="ctr" horzOverflow="overflow">
-                    <a:lnL w="12700">
-                      <a:solidFill>
-                        <a:srgbClr val="CBCBCB"/>
-                      </a:solidFill>
-                      <a:miter lim="400000"/>
-                    </a:lnL>
-                    <a:lnR w="12700">
-                      <a:solidFill>
-                        <a:srgbClr val="CBCBCB"/>
-                      </a:solidFill>
-                      <a:miter lim="400000"/>
-                    </a:lnR>
-                    <a:lnT w="12700">
-                      <a:solidFill>
-                        <a:srgbClr val="CBCBCB"/>
-                      </a:solidFill>
-                      <a:miter lim="400000"/>
-                    </a:lnT>
-                    <a:lnB w="12700">
-                      <a:solidFill>
-                        <a:srgbClr val="CBCBCB"/>
-                      </a:solidFill>
-                      <a:miter lim="400000"/>
-                    </a:lnB>
-                  </a:tcPr>
-                </a:tc>
-                <a:tc>
-                  <a:txBody>
-                    <a:bodyPr/>
-                    <a:lstStyle/>
-                    <a:p>
-                      <a:pPr defTabSz="457200">
-                        <a:defRPr>
-                          <a:solidFill>
-                            <a:srgbClr val="000000"/>
-                          </a:solidFill>
-                        </a:defRPr>
-                      </a:pPr>
-                      <a:r>
-                        <a:rPr sz="1500" spc="59">
-                          <a:solidFill>
-                            <a:srgbClr val="606060"/>
-                          </a:solidFill>
-                          <a:latin typeface="Helvetica"/>
-                          <a:ea typeface="Helvetica"/>
-                          <a:cs typeface="Helvetica"/>
-                          <a:sym typeface="Helvetica"/>
+                      <a:endParaRPr lang="en-US" sz="1800" b="0" i="0" u="none" strike="noStrike">
+                        <a:solidFill>
+                          <a:srgbClr val="000000"/>
+                        </a:solidFill>
+                        <a:effectLst/>
+                        <a:latin typeface="Arial Unicode MS" panose="020B0604020202020204" pitchFamily="34" charset="-128"/>
+                        <a:ea typeface="Arial Unicode MS" panose="020B0604020202020204" pitchFamily="34" charset="-128"/>
+                        <a:cs typeface="Arial Unicode MS" panose="020B0604020202020204" pitchFamily="34" charset="-128"/>
+                      </a:endParaRPr>
+                    </a:p>
+                  </a:txBody>
+                  <a:tcPr marL="9525" marR="9525" marT="9525" marB="0" anchor="ctr"/>
+                </a:tc>
+                <a:tc>
+                  <a:txBody>
+                    <a:bodyPr/>
+                    <a:lstStyle/>
+                    <a:p>
+                      <a:pPr algn="ctr" fontAlgn="b"/>
+                      <a:r>
+                        <a:rPr lang="en-US" sz="1800" b="0" i="0" u="none" strike="noStrike" dirty="0">
+                          <a:effectLst/>
+                          <a:latin typeface="Arial Unicode MS" panose="020B0604020202020204" pitchFamily="34" charset="-128"/>
+                          <a:ea typeface="Arial Unicode MS" panose="020B0604020202020204" pitchFamily="34" charset="-128"/>
+                          <a:cs typeface="Arial Unicode MS" panose="020B0604020202020204" pitchFamily="34" charset="-128"/>
                         </a:rPr>
                         <a:t>190.88</a:t>
                       </a:r>
-                    </a:p>
-                  </a:txBody>
-                  <a:tcPr marL="63500" marR="63500" marT="0" marB="0" anchor="ctr" horzOverflow="overflow">
-                    <a:lnL w="12700">
-                      <a:solidFill>
-                        <a:srgbClr val="CBCBCB"/>
-                      </a:solidFill>
-                      <a:miter lim="400000"/>
-                    </a:lnL>
-                    <a:lnR w="12700">
-                      <a:solidFill>
-                        <a:srgbClr val="CBCBCB"/>
-                      </a:solidFill>
-                      <a:miter lim="400000"/>
-                    </a:lnR>
-                    <a:lnT w="12700">
-                      <a:solidFill>
-                        <a:srgbClr val="CBCBCB"/>
-                      </a:solidFill>
-                      <a:miter lim="400000"/>
-                    </a:lnT>
-                    <a:lnB w="12700">
-                      <a:solidFill>
-                        <a:srgbClr val="CBCBCB"/>
-                      </a:solidFill>
-                      <a:miter lim="400000"/>
-                    </a:lnB>
-                  </a:tcPr>
-                </a:tc>
-                <a:tc>
-                  <a:txBody>
-                    <a:bodyPr/>
-                    <a:lstStyle/>
-                    <a:p>
-                      <a:pPr defTabSz="457200">
-                        <a:defRPr>
-                          <a:solidFill>
-                            <a:srgbClr val="000000"/>
-                          </a:solidFill>
-                        </a:defRPr>
-                      </a:pPr>
-                      <a:r>
-                        <a:rPr sz="1500" spc="59">
-                          <a:solidFill>
-                            <a:srgbClr val="606060"/>
-                          </a:solidFill>
-                          <a:latin typeface="Helvetica"/>
-                          <a:ea typeface="Helvetica"/>
-                          <a:cs typeface="Helvetica"/>
-                          <a:sym typeface="Helvetica"/>
+                      <a:endParaRPr lang="en-US" sz="1800" b="0" i="0" u="none" strike="noStrike" dirty="0">
+                        <a:solidFill>
+                          <a:srgbClr val="000000"/>
+                        </a:solidFill>
+                        <a:effectLst/>
+                        <a:latin typeface="Arial Unicode MS" panose="020B0604020202020204" pitchFamily="34" charset="-128"/>
+                        <a:ea typeface="Arial Unicode MS" panose="020B0604020202020204" pitchFamily="34" charset="-128"/>
+                        <a:cs typeface="Arial Unicode MS" panose="020B0604020202020204" pitchFamily="34" charset="-128"/>
+                      </a:endParaRPr>
+                    </a:p>
+                  </a:txBody>
+                  <a:tcPr marL="9525" marR="9525" marT="9525" marB="0" anchor="ctr"/>
+                </a:tc>
+                <a:tc>
+                  <a:txBody>
+                    <a:bodyPr/>
+                    <a:lstStyle/>
+                    <a:p>
+                      <a:pPr algn="ctr" fontAlgn="b"/>
+                      <a:r>
+                        <a:rPr lang="en-US" sz="1800" b="0" i="0" u="none" strike="noStrike" dirty="0">
+                          <a:effectLst/>
+                          <a:latin typeface="Arial Unicode MS" panose="020B0604020202020204" pitchFamily="34" charset="-128"/>
+                          <a:ea typeface="Arial Unicode MS" panose="020B0604020202020204" pitchFamily="34" charset="-128"/>
+                          <a:cs typeface="Arial Unicode MS" panose="020B0604020202020204" pitchFamily="34" charset="-128"/>
                         </a:rPr>
                         <a:t>1232.12</a:t>
                       </a:r>
-                    </a:p>
-                  </a:txBody>
-                  <a:tcPr marL="63500" marR="63500" marT="0" marB="0" anchor="ctr" horzOverflow="overflow">
-                    <a:lnL w="12700">
-                      <a:solidFill>
-                        <a:srgbClr val="CBCBCB"/>
-                      </a:solidFill>
-                      <a:miter lim="400000"/>
-                    </a:lnL>
-                    <a:lnR w="12700">
-                      <a:solidFill>
-                        <a:srgbClr val="CBCBCB"/>
-                      </a:solidFill>
-                      <a:miter lim="400000"/>
-                    </a:lnR>
-                    <a:lnT w="12700">
-                      <a:solidFill>
-                        <a:srgbClr val="CBCBCB"/>
-                      </a:solidFill>
-                      <a:miter lim="400000"/>
-                    </a:lnT>
-                    <a:lnB w="12700">
-                      <a:solidFill>
-                        <a:srgbClr val="CBCBCB"/>
-                      </a:solidFill>
-                      <a:miter lim="400000"/>
-                    </a:lnB>
-                  </a:tcPr>
+                      <a:endParaRPr lang="en-US" sz="1800" b="0" i="0" u="none" strike="noStrike" dirty="0">
+                        <a:solidFill>
+                          <a:srgbClr val="000000"/>
+                        </a:solidFill>
+                        <a:effectLst/>
+                        <a:latin typeface="Arial Unicode MS" panose="020B0604020202020204" pitchFamily="34" charset="-128"/>
+                        <a:ea typeface="Arial Unicode MS" panose="020B0604020202020204" pitchFamily="34" charset="-128"/>
+                        <a:cs typeface="Arial Unicode MS" panose="020B0604020202020204" pitchFamily="34" charset="-128"/>
+                      </a:endParaRPr>
+                    </a:p>
+                  </a:txBody>
+                  <a:tcPr marL="9525" marR="9525" marT="9525" marB="0" anchor="ctr"/>
                 </a:tc>
                 <a:extLst>
                   <a:ext uri="{0D108BD9-81ED-4DB2-BD59-A6C34878D82A}">
-                    <a16:rowId xmlns:a16="http://schemas.microsoft.com/office/drawing/2014/main" val="10019"/>
+                    <a16:rowId xmlns:a16="http://schemas.microsoft.com/office/drawing/2014/main" val="2550382111"/>
+                  </a:ext>
+                </a:extLst>
+              </a:tr>
+              <a:tr h="318598">
+                <a:tc>
+                  <a:txBody>
+                    <a:bodyPr/>
+                    <a:lstStyle/>
+                    <a:p>
+                      <a:pPr algn="ctr" fontAlgn="b"/>
+                      <a:r>
+                        <a:rPr lang="en-US" sz="1800" b="0" i="0" u="none" strike="noStrike">
+                          <a:effectLst/>
+                          <a:latin typeface="Arial Unicode MS" panose="020B0604020202020204" pitchFamily="34" charset="-128"/>
+                          <a:ea typeface="Arial Unicode MS" panose="020B0604020202020204" pitchFamily="34" charset="-128"/>
+                          <a:cs typeface="Arial Unicode MS" panose="020B0604020202020204" pitchFamily="34" charset="-128"/>
+                        </a:rPr>
+                        <a:t>80</a:t>
+                      </a:r>
+                      <a:endParaRPr lang="en-US" sz="1800" b="0" i="0" u="none" strike="noStrike">
+                        <a:solidFill>
+                          <a:srgbClr val="000000"/>
+                        </a:solidFill>
+                        <a:effectLst/>
+                        <a:latin typeface="Arial Unicode MS" panose="020B0604020202020204" pitchFamily="34" charset="-128"/>
+                        <a:ea typeface="Arial Unicode MS" panose="020B0604020202020204" pitchFamily="34" charset="-128"/>
+                        <a:cs typeface="Arial Unicode MS" panose="020B0604020202020204" pitchFamily="34" charset="-128"/>
+                      </a:endParaRPr>
+                    </a:p>
+                  </a:txBody>
+                  <a:tcPr marL="9525" marR="9525" marT="9525" marB="0" anchor="ctr"/>
+                </a:tc>
+                <a:tc>
+                  <a:txBody>
+                    <a:bodyPr/>
+                    <a:lstStyle/>
+                    <a:p>
+                      <a:pPr algn="ctr" fontAlgn="b"/>
+                      <a:r>
+                        <a:rPr lang="en-US" sz="1800" b="0" i="0" u="none" strike="noStrike">
+                          <a:effectLst/>
+                          <a:latin typeface="Arial Unicode MS" panose="020B0604020202020204" pitchFamily="34" charset="-128"/>
+                          <a:ea typeface="Arial Unicode MS" panose="020B0604020202020204" pitchFamily="34" charset="-128"/>
+                          <a:cs typeface="Arial Unicode MS" panose="020B0604020202020204" pitchFamily="34" charset="-128"/>
+                        </a:rPr>
+                        <a:t>320</a:t>
+                      </a:r>
+                      <a:endParaRPr lang="en-US" sz="1800" b="0" i="0" u="none" strike="noStrike">
+                        <a:solidFill>
+                          <a:srgbClr val="000000"/>
+                        </a:solidFill>
+                        <a:effectLst/>
+                        <a:latin typeface="Arial Unicode MS" panose="020B0604020202020204" pitchFamily="34" charset="-128"/>
+                        <a:ea typeface="Arial Unicode MS" panose="020B0604020202020204" pitchFamily="34" charset="-128"/>
+                        <a:cs typeface="Arial Unicode MS" panose="020B0604020202020204" pitchFamily="34" charset="-128"/>
+                      </a:endParaRPr>
+                    </a:p>
+                  </a:txBody>
+                  <a:tcPr marL="9525" marR="9525" marT="9525" marB="0" anchor="ctr"/>
+                </a:tc>
+                <a:tc>
+                  <a:txBody>
+                    <a:bodyPr/>
+                    <a:lstStyle/>
+                    <a:p>
+                      <a:pPr algn="ctr" fontAlgn="b"/>
+                      <a:r>
+                        <a:rPr lang="en-US" sz="1800" b="0" i="0" u="none" strike="noStrike">
+                          <a:effectLst/>
+                          <a:latin typeface="Arial Unicode MS" panose="020B0604020202020204" pitchFamily="34" charset="-128"/>
+                          <a:ea typeface="Arial Unicode MS" panose="020B0604020202020204" pitchFamily="34" charset="-128"/>
+                          <a:cs typeface="Arial Unicode MS" panose="020B0604020202020204" pitchFamily="34" charset="-128"/>
+                        </a:rPr>
+                        <a:t>300</a:t>
+                      </a:r>
+                      <a:endParaRPr lang="en-US" sz="1800" b="0" i="0" u="none" strike="noStrike">
+                        <a:solidFill>
+                          <a:srgbClr val="000000"/>
+                        </a:solidFill>
+                        <a:effectLst/>
+                        <a:latin typeface="Arial Unicode MS" panose="020B0604020202020204" pitchFamily="34" charset="-128"/>
+                        <a:ea typeface="Arial Unicode MS" panose="020B0604020202020204" pitchFamily="34" charset="-128"/>
+                        <a:cs typeface="Arial Unicode MS" panose="020B0604020202020204" pitchFamily="34" charset="-128"/>
+                      </a:endParaRPr>
+                    </a:p>
+                  </a:txBody>
+                  <a:tcPr marL="9525" marR="9525" marT="9525" marB="0" anchor="ctr"/>
+                </a:tc>
+                <a:tc>
+                  <a:txBody>
+                    <a:bodyPr/>
+                    <a:lstStyle/>
+                    <a:p>
+                      <a:pPr algn="ctr" fontAlgn="b"/>
+                      <a:r>
+                        <a:rPr lang="en-US" sz="1800" b="0" i="0" u="none" strike="noStrike" dirty="0">
+                          <a:effectLst/>
+                          <a:latin typeface="Arial Unicode MS" panose="020B0604020202020204" pitchFamily="34" charset="-128"/>
+                          <a:ea typeface="Arial Unicode MS" panose="020B0604020202020204" pitchFamily="34" charset="-128"/>
+                          <a:cs typeface="Arial Unicode MS" panose="020B0604020202020204" pitchFamily="34" charset="-128"/>
+                        </a:rPr>
+                        <a:t>116.50</a:t>
+                      </a:r>
+                      <a:endParaRPr lang="en-US" sz="1800" b="0" i="0" u="none" strike="noStrike" dirty="0">
+                        <a:solidFill>
+                          <a:srgbClr val="000000"/>
+                        </a:solidFill>
+                        <a:effectLst/>
+                        <a:latin typeface="Arial Unicode MS" panose="020B0604020202020204" pitchFamily="34" charset="-128"/>
+                        <a:ea typeface="Arial Unicode MS" panose="020B0604020202020204" pitchFamily="34" charset="-128"/>
+                        <a:cs typeface="Arial Unicode MS" panose="020B0604020202020204" pitchFamily="34" charset="-128"/>
+                      </a:endParaRPr>
+                    </a:p>
+                  </a:txBody>
+                  <a:tcPr marL="9525" marR="9525" marT="9525" marB="0" anchor="ctr"/>
+                </a:tc>
+                <a:tc>
+                  <a:txBody>
+                    <a:bodyPr/>
+                    <a:lstStyle/>
+                    <a:p>
+                      <a:pPr algn="ctr" fontAlgn="b"/>
+                      <a:r>
+                        <a:rPr lang="en-US" sz="1800" b="0" i="0" u="none" strike="noStrike">
+                          <a:effectLst/>
+                          <a:latin typeface="Arial Unicode MS" panose="020B0604020202020204" pitchFamily="34" charset="-128"/>
+                          <a:ea typeface="Arial Unicode MS" panose="020B0604020202020204" pitchFamily="34" charset="-128"/>
+                          <a:cs typeface="Arial Unicode MS" panose="020B0604020202020204" pitchFamily="34" charset="-128"/>
+                        </a:rPr>
+                        <a:t>2210.51</a:t>
+                      </a:r>
+                      <a:endParaRPr lang="en-US" sz="1800" b="0" i="0" u="none" strike="noStrike">
+                        <a:solidFill>
+                          <a:srgbClr val="000000"/>
+                        </a:solidFill>
+                        <a:effectLst/>
+                        <a:latin typeface="Arial Unicode MS" panose="020B0604020202020204" pitchFamily="34" charset="-128"/>
+                        <a:ea typeface="Arial Unicode MS" panose="020B0604020202020204" pitchFamily="34" charset="-128"/>
+                        <a:cs typeface="Arial Unicode MS" panose="020B0604020202020204" pitchFamily="34" charset="-128"/>
+                      </a:endParaRPr>
+                    </a:p>
+                  </a:txBody>
+                  <a:tcPr marL="9525" marR="9525" marT="9525" marB="0" anchor="ctr"/>
+                </a:tc>
+                <a:extLst>
+                  <a:ext uri="{0D108BD9-81ED-4DB2-BD59-A6C34878D82A}">
+                    <a16:rowId xmlns:a16="http://schemas.microsoft.com/office/drawing/2014/main" val="1048408789"/>
+                  </a:ext>
+                </a:extLst>
+              </a:tr>
+              <a:tr h="318598">
+                <a:tc>
+                  <a:txBody>
+                    <a:bodyPr/>
+                    <a:lstStyle/>
+                    <a:p>
+                      <a:pPr algn="ctr" fontAlgn="b"/>
+                      <a:r>
+                        <a:rPr lang="en-US" sz="1800" b="0" i="0" u="none" strike="noStrike">
+                          <a:effectLst/>
+                          <a:latin typeface="Arial Unicode MS" panose="020B0604020202020204" pitchFamily="34" charset="-128"/>
+                          <a:ea typeface="Arial Unicode MS" panose="020B0604020202020204" pitchFamily="34" charset="-128"/>
+                          <a:cs typeface="Arial Unicode MS" panose="020B0604020202020204" pitchFamily="34" charset="-128"/>
+                        </a:rPr>
+                        <a:t>80</a:t>
+                      </a:r>
+                      <a:endParaRPr lang="en-US" sz="1800" b="0" i="0" u="none" strike="noStrike">
+                        <a:solidFill>
+                          <a:srgbClr val="000000"/>
+                        </a:solidFill>
+                        <a:effectLst/>
+                        <a:latin typeface="Arial Unicode MS" panose="020B0604020202020204" pitchFamily="34" charset="-128"/>
+                        <a:ea typeface="Arial Unicode MS" panose="020B0604020202020204" pitchFamily="34" charset="-128"/>
+                        <a:cs typeface="Arial Unicode MS" panose="020B0604020202020204" pitchFamily="34" charset="-128"/>
+                      </a:endParaRPr>
+                    </a:p>
+                  </a:txBody>
+                  <a:tcPr marL="9525" marR="9525" marT="9525" marB="0" anchor="ctr"/>
+                </a:tc>
+                <a:tc>
+                  <a:txBody>
+                    <a:bodyPr/>
+                    <a:lstStyle/>
+                    <a:p>
+                      <a:pPr algn="ctr" fontAlgn="b"/>
+                      <a:r>
+                        <a:rPr lang="en-US" sz="1800" b="0" i="0" u="none" strike="noStrike">
+                          <a:effectLst/>
+                          <a:latin typeface="Arial Unicode MS" panose="020B0604020202020204" pitchFamily="34" charset="-128"/>
+                          <a:ea typeface="Arial Unicode MS" panose="020B0604020202020204" pitchFamily="34" charset="-128"/>
+                          <a:cs typeface="Arial Unicode MS" panose="020B0604020202020204" pitchFamily="34" charset="-128"/>
+                        </a:rPr>
+                        <a:t>400</a:t>
+                      </a:r>
+                      <a:endParaRPr lang="en-US" sz="1800" b="0" i="0" u="none" strike="noStrike">
+                        <a:solidFill>
+                          <a:srgbClr val="000000"/>
+                        </a:solidFill>
+                        <a:effectLst/>
+                        <a:latin typeface="Arial Unicode MS" panose="020B0604020202020204" pitchFamily="34" charset="-128"/>
+                        <a:ea typeface="Arial Unicode MS" panose="020B0604020202020204" pitchFamily="34" charset="-128"/>
+                        <a:cs typeface="Arial Unicode MS" panose="020B0604020202020204" pitchFamily="34" charset="-128"/>
+                      </a:endParaRPr>
+                    </a:p>
+                  </a:txBody>
+                  <a:tcPr marL="9525" marR="9525" marT="9525" marB="0" anchor="ctr"/>
+                </a:tc>
+                <a:tc>
+                  <a:txBody>
+                    <a:bodyPr/>
+                    <a:lstStyle/>
+                    <a:p>
+                      <a:pPr algn="ctr" fontAlgn="b"/>
+                      <a:r>
+                        <a:rPr lang="en-US" sz="1800" b="0" i="0" u="none" strike="noStrike">
+                          <a:effectLst/>
+                          <a:latin typeface="Arial Unicode MS" panose="020B0604020202020204" pitchFamily="34" charset="-128"/>
+                          <a:ea typeface="Arial Unicode MS" panose="020B0604020202020204" pitchFamily="34" charset="-128"/>
+                          <a:cs typeface="Arial Unicode MS" panose="020B0604020202020204" pitchFamily="34" charset="-128"/>
+                        </a:rPr>
+                        <a:t>300</a:t>
+                      </a:r>
+                      <a:endParaRPr lang="en-US" sz="1800" b="0" i="0" u="none" strike="noStrike">
+                        <a:solidFill>
+                          <a:srgbClr val="000000"/>
+                        </a:solidFill>
+                        <a:effectLst/>
+                        <a:latin typeface="Arial Unicode MS" panose="020B0604020202020204" pitchFamily="34" charset="-128"/>
+                        <a:ea typeface="Arial Unicode MS" panose="020B0604020202020204" pitchFamily="34" charset="-128"/>
+                        <a:cs typeface="Arial Unicode MS" panose="020B0604020202020204" pitchFamily="34" charset="-128"/>
+                      </a:endParaRPr>
+                    </a:p>
+                  </a:txBody>
+                  <a:tcPr marL="9525" marR="9525" marT="9525" marB="0" anchor="ctr"/>
+                </a:tc>
+                <a:tc>
+                  <a:txBody>
+                    <a:bodyPr/>
+                    <a:lstStyle/>
+                    <a:p>
+                      <a:pPr algn="ctr" fontAlgn="b"/>
+                      <a:r>
+                        <a:rPr lang="en-US" sz="1800" b="0" i="0" u="none" strike="noStrike" dirty="0">
+                          <a:effectLst/>
+                          <a:latin typeface="Arial Unicode MS" panose="020B0604020202020204" pitchFamily="34" charset="-128"/>
+                          <a:ea typeface="Arial Unicode MS" panose="020B0604020202020204" pitchFamily="34" charset="-128"/>
+                          <a:cs typeface="Arial Unicode MS" panose="020B0604020202020204" pitchFamily="34" charset="-128"/>
+                        </a:rPr>
+                        <a:t>111.20</a:t>
+                      </a:r>
+                      <a:endParaRPr lang="en-US" sz="1800" b="0" i="0" u="none" strike="noStrike" dirty="0">
+                        <a:solidFill>
+                          <a:srgbClr val="000000"/>
+                        </a:solidFill>
+                        <a:effectLst/>
+                        <a:latin typeface="Arial Unicode MS" panose="020B0604020202020204" pitchFamily="34" charset="-128"/>
+                        <a:ea typeface="Arial Unicode MS" panose="020B0604020202020204" pitchFamily="34" charset="-128"/>
+                        <a:cs typeface="Arial Unicode MS" panose="020B0604020202020204" pitchFamily="34" charset="-128"/>
+                      </a:endParaRPr>
+                    </a:p>
+                  </a:txBody>
+                  <a:tcPr marL="9525" marR="9525" marT="9525" marB="0" anchor="ctr"/>
+                </a:tc>
+                <a:tc>
+                  <a:txBody>
+                    <a:bodyPr/>
+                    <a:lstStyle/>
+                    <a:p>
+                      <a:pPr algn="ctr" fontAlgn="b"/>
+                      <a:r>
+                        <a:rPr lang="en-US" sz="1800" b="0" i="0" u="none" strike="noStrike" dirty="0">
+                          <a:effectLst/>
+                          <a:latin typeface="Arial Unicode MS" panose="020B0604020202020204" pitchFamily="34" charset="-128"/>
+                          <a:ea typeface="Arial Unicode MS" panose="020B0604020202020204" pitchFamily="34" charset="-128"/>
+                          <a:cs typeface="Arial Unicode MS" panose="020B0604020202020204" pitchFamily="34" charset="-128"/>
+                        </a:rPr>
+                        <a:t>1942.71</a:t>
+                      </a:r>
+                      <a:endParaRPr lang="en-US" sz="1800" b="0" i="0" u="none" strike="noStrike" dirty="0">
+                        <a:solidFill>
+                          <a:srgbClr val="000000"/>
+                        </a:solidFill>
+                        <a:effectLst/>
+                        <a:latin typeface="Arial Unicode MS" panose="020B0604020202020204" pitchFamily="34" charset="-128"/>
+                        <a:ea typeface="Arial Unicode MS" panose="020B0604020202020204" pitchFamily="34" charset="-128"/>
+                        <a:cs typeface="Arial Unicode MS" panose="020B0604020202020204" pitchFamily="34" charset="-128"/>
+                      </a:endParaRPr>
+                    </a:p>
+                  </a:txBody>
+                  <a:tcPr marL="9525" marR="9525" marT="9525" marB="0" anchor="ctr"/>
+                </a:tc>
+                <a:extLst>
+                  <a:ext uri="{0D108BD9-81ED-4DB2-BD59-A6C34878D82A}">
+                    <a16:rowId xmlns:a16="http://schemas.microsoft.com/office/drawing/2014/main" val="3981007298"/>
+                  </a:ext>
+                </a:extLst>
+              </a:tr>
+              <a:tr h="318598">
+                <a:tc>
+                  <a:txBody>
+                    <a:bodyPr/>
+                    <a:lstStyle/>
+                    <a:p>
+                      <a:pPr algn="ctr" fontAlgn="b"/>
+                      <a:r>
+                        <a:rPr lang="en-US" sz="1800" b="0" i="0" u="none" strike="noStrike">
+                          <a:effectLst/>
+                          <a:latin typeface="Arial Unicode MS" panose="020B0604020202020204" pitchFamily="34" charset="-128"/>
+                          <a:ea typeface="Arial Unicode MS" panose="020B0604020202020204" pitchFamily="34" charset="-128"/>
+                          <a:cs typeface="Arial Unicode MS" panose="020B0604020202020204" pitchFamily="34" charset="-128"/>
+                        </a:rPr>
+                        <a:t>160</a:t>
+                      </a:r>
+                      <a:endParaRPr lang="en-US" sz="1800" b="0" i="0" u="none" strike="noStrike">
+                        <a:solidFill>
+                          <a:srgbClr val="000000"/>
+                        </a:solidFill>
+                        <a:effectLst/>
+                        <a:latin typeface="Arial Unicode MS" panose="020B0604020202020204" pitchFamily="34" charset="-128"/>
+                        <a:ea typeface="Arial Unicode MS" panose="020B0604020202020204" pitchFamily="34" charset="-128"/>
+                        <a:cs typeface="Arial Unicode MS" panose="020B0604020202020204" pitchFamily="34" charset="-128"/>
+                      </a:endParaRPr>
+                    </a:p>
+                  </a:txBody>
+                  <a:tcPr marL="9525" marR="9525" marT="9525" marB="0" anchor="ctr"/>
+                </a:tc>
+                <a:tc>
+                  <a:txBody>
+                    <a:bodyPr/>
+                    <a:lstStyle/>
+                    <a:p>
+                      <a:pPr algn="ctr" fontAlgn="b"/>
+                      <a:r>
+                        <a:rPr lang="en-US" sz="1800" b="0" i="0" u="none" strike="noStrike">
+                          <a:effectLst/>
+                          <a:latin typeface="Arial Unicode MS" panose="020B0604020202020204" pitchFamily="34" charset="-128"/>
+                          <a:ea typeface="Arial Unicode MS" panose="020B0604020202020204" pitchFamily="34" charset="-128"/>
+                          <a:cs typeface="Arial Unicode MS" panose="020B0604020202020204" pitchFamily="34" charset="-128"/>
+                        </a:rPr>
+                        <a:t>80</a:t>
+                      </a:r>
+                      <a:endParaRPr lang="en-US" sz="1800" b="0" i="0" u="none" strike="noStrike">
+                        <a:solidFill>
+                          <a:srgbClr val="000000"/>
+                        </a:solidFill>
+                        <a:effectLst/>
+                        <a:latin typeface="Arial Unicode MS" panose="020B0604020202020204" pitchFamily="34" charset="-128"/>
+                        <a:ea typeface="Arial Unicode MS" panose="020B0604020202020204" pitchFamily="34" charset="-128"/>
+                        <a:cs typeface="Arial Unicode MS" panose="020B0604020202020204" pitchFamily="34" charset="-128"/>
+                      </a:endParaRPr>
+                    </a:p>
+                  </a:txBody>
+                  <a:tcPr marL="9525" marR="9525" marT="9525" marB="0" anchor="ctr"/>
+                </a:tc>
+                <a:tc>
+                  <a:txBody>
+                    <a:bodyPr/>
+                    <a:lstStyle/>
+                    <a:p>
+                      <a:pPr algn="ctr" fontAlgn="b"/>
+                      <a:r>
+                        <a:rPr lang="en-US" sz="1800" b="0" i="0" u="none" strike="noStrike">
+                          <a:effectLst/>
+                          <a:latin typeface="Arial Unicode MS" panose="020B0604020202020204" pitchFamily="34" charset="-128"/>
+                          <a:ea typeface="Arial Unicode MS" panose="020B0604020202020204" pitchFamily="34" charset="-128"/>
+                          <a:cs typeface="Arial Unicode MS" panose="020B0604020202020204" pitchFamily="34" charset="-128"/>
+                        </a:rPr>
+                        <a:t>300</a:t>
+                      </a:r>
+                      <a:endParaRPr lang="en-US" sz="1800" b="0" i="0" u="none" strike="noStrike">
+                        <a:solidFill>
+                          <a:srgbClr val="000000"/>
+                        </a:solidFill>
+                        <a:effectLst/>
+                        <a:latin typeface="Arial Unicode MS" panose="020B0604020202020204" pitchFamily="34" charset="-128"/>
+                        <a:ea typeface="Arial Unicode MS" panose="020B0604020202020204" pitchFamily="34" charset="-128"/>
+                        <a:cs typeface="Arial Unicode MS" panose="020B0604020202020204" pitchFamily="34" charset="-128"/>
+                      </a:endParaRPr>
+                    </a:p>
+                  </a:txBody>
+                  <a:tcPr marL="9525" marR="9525" marT="9525" marB="0" anchor="ctr"/>
+                </a:tc>
+                <a:tc>
+                  <a:txBody>
+                    <a:bodyPr/>
+                    <a:lstStyle/>
+                    <a:p>
+                      <a:pPr algn="ctr" fontAlgn="b"/>
+                      <a:r>
+                        <a:rPr lang="en-US" sz="1800" b="0" i="0" u="none" strike="noStrike">
+                          <a:effectLst/>
+                          <a:latin typeface="Arial Unicode MS" panose="020B0604020202020204" pitchFamily="34" charset="-128"/>
+                          <a:ea typeface="Arial Unicode MS" panose="020B0604020202020204" pitchFamily="34" charset="-128"/>
+                          <a:cs typeface="Arial Unicode MS" panose="020B0604020202020204" pitchFamily="34" charset="-128"/>
+                        </a:rPr>
+                        <a:t>131.00</a:t>
+                      </a:r>
+                      <a:endParaRPr lang="en-US" sz="1800" b="0" i="0" u="none" strike="noStrike">
+                        <a:solidFill>
+                          <a:srgbClr val="000000"/>
+                        </a:solidFill>
+                        <a:effectLst/>
+                        <a:latin typeface="Arial Unicode MS" panose="020B0604020202020204" pitchFamily="34" charset="-128"/>
+                        <a:ea typeface="Arial Unicode MS" panose="020B0604020202020204" pitchFamily="34" charset="-128"/>
+                        <a:cs typeface="Arial Unicode MS" panose="020B0604020202020204" pitchFamily="34" charset="-128"/>
+                      </a:endParaRPr>
+                    </a:p>
+                  </a:txBody>
+                  <a:tcPr marL="9525" marR="9525" marT="9525" marB="0" anchor="ctr"/>
+                </a:tc>
+                <a:tc>
+                  <a:txBody>
+                    <a:bodyPr/>
+                    <a:lstStyle/>
+                    <a:p>
+                      <a:pPr algn="ctr" fontAlgn="b"/>
+                      <a:r>
+                        <a:rPr lang="en-US" sz="1800" b="0" i="0" u="none" strike="noStrike" dirty="0">
+                          <a:effectLst/>
+                          <a:latin typeface="Arial Unicode MS" panose="020B0604020202020204" pitchFamily="34" charset="-128"/>
+                          <a:ea typeface="Arial Unicode MS" panose="020B0604020202020204" pitchFamily="34" charset="-128"/>
+                          <a:cs typeface="Arial Unicode MS" panose="020B0604020202020204" pitchFamily="34" charset="-128"/>
+                        </a:rPr>
+                        <a:t>794.97</a:t>
+                      </a:r>
+                      <a:endParaRPr lang="en-US" sz="1800" b="0" i="0" u="none" strike="noStrike" dirty="0">
+                        <a:solidFill>
+                          <a:srgbClr val="000000"/>
+                        </a:solidFill>
+                        <a:effectLst/>
+                        <a:latin typeface="Arial Unicode MS" panose="020B0604020202020204" pitchFamily="34" charset="-128"/>
+                        <a:ea typeface="Arial Unicode MS" panose="020B0604020202020204" pitchFamily="34" charset="-128"/>
+                        <a:cs typeface="Arial Unicode MS" panose="020B0604020202020204" pitchFamily="34" charset="-128"/>
+                      </a:endParaRPr>
+                    </a:p>
+                  </a:txBody>
+                  <a:tcPr marL="9525" marR="9525" marT="9525" marB="0" anchor="ctr"/>
+                </a:tc>
+                <a:extLst>
+                  <a:ext uri="{0D108BD9-81ED-4DB2-BD59-A6C34878D82A}">
+                    <a16:rowId xmlns:a16="http://schemas.microsoft.com/office/drawing/2014/main" val="2968291105"/>
+                  </a:ext>
+                </a:extLst>
+              </a:tr>
+              <a:tr h="318598">
+                <a:tc>
+                  <a:txBody>
+                    <a:bodyPr/>
+                    <a:lstStyle/>
+                    <a:p>
+                      <a:pPr algn="ctr" fontAlgn="b"/>
+                      <a:r>
+                        <a:rPr lang="en-US" sz="1800" b="0" i="0" u="none" strike="noStrike">
+                          <a:effectLst/>
+                          <a:latin typeface="Arial Unicode MS" panose="020B0604020202020204" pitchFamily="34" charset="-128"/>
+                          <a:ea typeface="Arial Unicode MS" panose="020B0604020202020204" pitchFamily="34" charset="-128"/>
+                          <a:cs typeface="Arial Unicode MS" panose="020B0604020202020204" pitchFamily="34" charset="-128"/>
+                        </a:rPr>
+                        <a:t>160</a:t>
+                      </a:r>
+                      <a:endParaRPr lang="en-US" sz="1800" b="0" i="0" u="none" strike="noStrike">
+                        <a:solidFill>
+                          <a:srgbClr val="000000"/>
+                        </a:solidFill>
+                        <a:effectLst/>
+                        <a:latin typeface="Arial Unicode MS" panose="020B0604020202020204" pitchFamily="34" charset="-128"/>
+                        <a:ea typeface="Arial Unicode MS" panose="020B0604020202020204" pitchFamily="34" charset="-128"/>
+                        <a:cs typeface="Arial Unicode MS" panose="020B0604020202020204" pitchFamily="34" charset="-128"/>
+                      </a:endParaRPr>
+                    </a:p>
+                  </a:txBody>
+                  <a:tcPr marL="9525" marR="9525" marT="9525" marB="0" anchor="ctr"/>
+                </a:tc>
+                <a:tc>
+                  <a:txBody>
+                    <a:bodyPr/>
+                    <a:lstStyle/>
+                    <a:p>
+                      <a:pPr algn="ctr" fontAlgn="b"/>
+                      <a:r>
+                        <a:rPr lang="en-US" sz="1800" b="0" i="0" u="none" strike="noStrike">
+                          <a:effectLst/>
+                          <a:latin typeface="Arial Unicode MS" panose="020B0604020202020204" pitchFamily="34" charset="-128"/>
+                          <a:ea typeface="Arial Unicode MS" panose="020B0604020202020204" pitchFamily="34" charset="-128"/>
+                          <a:cs typeface="Arial Unicode MS" panose="020B0604020202020204" pitchFamily="34" charset="-128"/>
+                        </a:rPr>
+                        <a:t>120</a:t>
+                      </a:r>
+                      <a:endParaRPr lang="en-US" sz="1800" b="0" i="0" u="none" strike="noStrike">
+                        <a:solidFill>
+                          <a:srgbClr val="000000"/>
+                        </a:solidFill>
+                        <a:effectLst/>
+                        <a:latin typeface="Arial Unicode MS" panose="020B0604020202020204" pitchFamily="34" charset="-128"/>
+                        <a:ea typeface="Arial Unicode MS" panose="020B0604020202020204" pitchFamily="34" charset="-128"/>
+                        <a:cs typeface="Arial Unicode MS" panose="020B0604020202020204" pitchFamily="34" charset="-128"/>
+                      </a:endParaRPr>
+                    </a:p>
+                  </a:txBody>
+                  <a:tcPr marL="9525" marR="9525" marT="9525" marB="0" anchor="ctr"/>
+                </a:tc>
+                <a:tc>
+                  <a:txBody>
+                    <a:bodyPr/>
+                    <a:lstStyle/>
+                    <a:p>
+                      <a:pPr algn="ctr" fontAlgn="b"/>
+                      <a:r>
+                        <a:rPr lang="en-US" sz="1800" b="0" i="0" u="none" strike="noStrike">
+                          <a:effectLst/>
+                          <a:latin typeface="Arial Unicode MS" panose="020B0604020202020204" pitchFamily="34" charset="-128"/>
+                          <a:ea typeface="Arial Unicode MS" panose="020B0604020202020204" pitchFamily="34" charset="-128"/>
+                          <a:cs typeface="Arial Unicode MS" panose="020B0604020202020204" pitchFamily="34" charset="-128"/>
+                        </a:rPr>
+                        <a:t>300</a:t>
+                      </a:r>
+                      <a:endParaRPr lang="en-US" sz="1800" b="0" i="0" u="none" strike="noStrike">
+                        <a:solidFill>
+                          <a:srgbClr val="000000"/>
+                        </a:solidFill>
+                        <a:effectLst/>
+                        <a:latin typeface="Arial Unicode MS" panose="020B0604020202020204" pitchFamily="34" charset="-128"/>
+                        <a:ea typeface="Arial Unicode MS" panose="020B0604020202020204" pitchFamily="34" charset="-128"/>
+                        <a:cs typeface="Arial Unicode MS" panose="020B0604020202020204" pitchFamily="34" charset="-128"/>
+                      </a:endParaRPr>
+                    </a:p>
+                  </a:txBody>
+                  <a:tcPr marL="9525" marR="9525" marT="9525" marB="0" anchor="ctr"/>
+                </a:tc>
+                <a:tc>
+                  <a:txBody>
+                    <a:bodyPr/>
+                    <a:lstStyle/>
+                    <a:p>
+                      <a:pPr algn="ctr" fontAlgn="b"/>
+                      <a:r>
+                        <a:rPr lang="en-US" sz="1800" b="0" i="0" u="none" strike="noStrike" dirty="0">
+                          <a:effectLst/>
+                          <a:latin typeface="Arial Unicode MS" panose="020B0604020202020204" pitchFamily="34" charset="-128"/>
+                          <a:ea typeface="Arial Unicode MS" panose="020B0604020202020204" pitchFamily="34" charset="-128"/>
+                          <a:cs typeface="Arial Unicode MS" panose="020B0604020202020204" pitchFamily="34" charset="-128"/>
+                        </a:rPr>
+                        <a:t>128.40</a:t>
+                      </a:r>
+                      <a:endParaRPr lang="en-US" sz="1800" b="0" i="0" u="none" strike="noStrike" dirty="0">
+                        <a:solidFill>
+                          <a:srgbClr val="000000"/>
+                        </a:solidFill>
+                        <a:effectLst/>
+                        <a:latin typeface="Arial Unicode MS" panose="020B0604020202020204" pitchFamily="34" charset="-128"/>
+                        <a:ea typeface="Arial Unicode MS" panose="020B0604020202020204" pitchFamily="34" charset="-128"/>
+                        <a:cs typeface="Arial Unicode MS" panose="020B0604020202020204" pitchFamily="34" charset="-128"/>
+                      </a:endParaRPr>
+                    </a:p>
+                  </a:txBody>
+                  <a:tcPr marL="9525" marR="9525" marT="9525" marB="0" anchor="ctr"/>
+                </a:tc>
+                <a:tc>
+                  <a:txBody>
+                    <a:bodyPr/>
+                    <a:lstStyle/>
+                    <a:p>
+                      <a:pPr algn="ctr" fontAlgn="b"/>
+                      <a:r>
+                        <a:rPr lang="en-US" sz="1800" b="0" i="0" u="none" strike="noStrike" dirty="0">
+                          <a:effectLst/>
+                          <a:latin typeface="Arial Unicode MS" panose="020B0604020202020204" pitchFamily="34" charset="-128"/>
+                          <a:ea typeface="Arial Unicode MS" panose="020B0604020202020204" pitchFamily="34" charset="-128"/>
+                          <a:cs typeface="Arial Unicode MS" panose="020B0604020202020204" pitchFamily="34" charset="-128"/>
+                        </a:rPr>
+                        <a:t>813.47</a:t>
+                      </a:r>
+                      <a:endParaRPr lang="en-US" sz="1800" b="0" i="0" u="none" strike="noStrike" dirty="0">
+                        <a:solidFill>
+                          <a:srgbClr val="000000"/>
+                        </a:solidFill>
+                        <a:effectLst/>
+                        <a:latin typeface="Arial Unicode MS" panose="020B0604020202020204" pitchFamily="34" charset="-128"/>
+                        <a:ea typeface="Arial Unicode MS" panose="020B0604020202020204" pitchFamily="34" charset="-128"/>
+                        <a:cs typeface="Arial Unicode MS" panose="020B0604020202020204" pitchFamily="34" charset="-128"/>
+                      </a:endParaRPr>
+                    </a:p>
+                  </a:txBody>
+                  <a:tcPr marL="9525" marR="9525" marT="9525" marB="0" anchor="ctr"/>
+                </a:tc>
+                <a:extLst>
+                  <a:ext uri="{0D108BD9-81ED-4DB2-BD59-A6C34878D82A}">
+                    <a16:rowId xmlns:a16="http://schemas.microsoft.com/office/drawing/2014/main" val="2079578885"/>
+                  </a:ext>
+                </a:extLst>
+              </a:tr>
+              <a:tr h="318598">
+                <a:tc>
+                  <a:txBody>
+                    <a:bodyPr/>
+                    <a:lstStyle/>
+                    <a:p>
+                      <a:pPr algn="ctr" fontAlgn="b"/>
+                      <a:r>
+                        <a:rPr lang="en-US" sz="1800" b="0" i="0" u="none" strike="noStrike">
+                          <a:effectLst/>
+                          <a:latin typeface="Arial Unicode MS" panose="020B0604020202020204" pitchFamily="34" charset="-128"/>
+                          <a:ea typeface="Arial Unicode MS" panose="020B0604020202020204" pitchFamily="34" charset="-128"/>
+                          <a:cs typeface="Arial Unicode MS" panose="020B0604020202020204" pitchFamily="34" charset="-128"/>
+                        </a:rPr>
+                        <a:t>160</a:t>
+                      </a:r>
+                      <a:endParaRPr lang="en-US" sz="1800" b="0" i="0" u="none" strike="noStrike">
+                        <a:solidFill>
+                          <a:srgbClr val="000000"/>
+                        </a:solidFill>
+                        <a:effectLst/>
+                        <a:latin typeface="Arial Unicode MS" panose="020B0604020202020204" pitchFamily="34" charset="-128"/>
+                        <a:ea typeface="Arial Unicode MS" panose="020B0604020202020204" pitchFamily="34" charset="-128"/>
+                        <a:cs typeface="Arial Unicode MS" panose="020B0604020202020204" pitchFamily="34" charset="-128"/>
+                      </a:endParaRPr>
+                    </a:p>
+                  </a:txBody>
+                  <a:tcPr marL="9525" marR="9525" marT="9525" marB="0" anchor="ctr"/>
+                </a:tc>
+                <a:tc>
+                  <a:txBody>
+                    <a:bodyPr/>
+                    <a:lstStyle/>
+                    <a:p>
+                      <a:pPr algn="ctr" fontAlgn="b"/>
+                      <a:r>
+                        <a:rPr lang="en-US" sz="1800" b="0" i="0" u="none" strike="noStrike">
+                          <a:effectLst/>
+                          <a:latin typeface="Arial Unicode MS" panose="020B0604020202020204" pitchFamily="34" charset="-128"/>
+                          <a:ea typeface="Arial Unicode MS" panose="020B0604020202020204" pitchFamily="34" charset="-128"/>
+                          <a:cs typeface="Arial Unicode MS" panose="020B0604020202020204" pitchFamily="34" charset="-128"/>
+                        </a:rPr>
+                        <a:t>160</a:t>
+                      </a:r>
+                      <a:endParaRPr lang="en-US" sz="1800" b="0" i="0" u="none" strike="noStrike">
+                        <a:solidFill>
+                          <a:srgbClr val="000000"/>
+                        </a:solidFill>
+                        <a:effectLst/>
+                        <a:latin typeface="Arial Unicode MS" panose="020B0604020202020204" pitchFamily="34" charset="-128"/>
+                        <a:ea typeface="Arial Unicode MS" panose="020B0604020202020204" pitchFamily="34" charset="-128"/>
+                        <a:cs typeface="Arial Unicode MS" panose="020B0604020202020204" pitchFamily="34" charset="-128"/>
+                      </a:endParaRPr>
+                    </a:p>
+                  </a:txBody>
+                  <a:tcPr marL="9525" marR="9525" marT="9525" marB="0" anchor="ctr"/>
+                </a:tc>
+                <a:tc>
+                  <a:txBody>
+                    <a:bodyPr/>
+                    <a:lstStyle/>
+                    <a:p>
+                      <a:pPr algn="ctr" fontAlgn="b"/>
+                      <a:r>
+                        <a:rPr lang="en-US" sz="1800" b="0" i="0" u="none" strike="noStrike">
+                          <a:effectLst/>
+                          <a:latin typeface="Arial Unicode MS" panose="020B0604020202020204" pitchFamily="34" charset="-128"/>
+                          <a:ea typeface="Arial Unicode MS" panose="020B0604020202020204" pitchFamily="34" charset="-128"/>
+                          <a:cs typeface="Arial Unicode MS" panose="020B0604020202020204" pitchFamily="34" charset="-128"/>
+                        </a:rPr>
+                        <a:t>300</a:t>
+                      </a:r>
+                      <a:endParaRPr lang="en-US" sz="1800" b="0" i="0" u="none" strike="noStrike">
+                        <a:solidFill>
+                          <a:srgbClr val="000000"/>
+                        </a:solidFill>
+                        <a:effectLst/>
+                        <a:latin typeface="Arial Unicode MS" panose="020B0604020202020204" pitchFamily="34" charset="-128"/>
+                        <a:ea typeface="Arial Unicode MS" panose="020B0604020202020204" pitchFamily="34" charset="-128"/>
+                        <a:cs typeface="Arial Unicode MS" panose="020B0604020202020204" pitchFamily="34" charset="-128"/>
+                      </a:endParaRPr>
+                    </a:p>
+                  </a:txBody>
+                  <a:tcPr marL="9525" marR="9525" marT="9525" marB="0" anchor="ctr"/>
+                </a:tc>
+                <a:tc>
+                  <a:txBody>
+                    <a:bodyPr/>
+                    <a:lstStyle/>
+                    <a:p>
+                      <a:pPr algn="ctr" fontAlgn="b"/>
+                      <a:r>
+                        <a:rPr lang="en-US" sz="1800" b="0" i="0" u="none" strike="noStrike" dirty="0">
+                          <a:effectLst/>
+                          <a:latin typeface="Arial Unicode MS" panose="020B0604020202020204" pitchFamily="34" charset="-128"/>
+                          <a:ea typeface="Arial Unicode MS" panose="020B0604020202020204" pitchFamily="34" charset="-128"/>
+                          <a:cs typeface="Arial Unicode MS" panose="020B0604020202020204" pitchFamily="34" charset="-128"/>
+                        </a:rPr>
+                        <a:t>114.10</a:t>
+                      </a:r>
+                      <a:endParaRPr lang="en-US" sz="1800" b="0" i="0" u="none" strike="noStrike" dirty="0">
+                        <a:solidFill>
+                          <a:srgbClr val="000000"/>
+                        </a:solidFill>
+                        <a:effectLst/>
+                        <a:latin typeface="Arial Unicode MS" panose="020B0604020202020204" pitchFamily="34" charset="-128"/>
+                        <a:ea typeface="Arial Unicode MS" panose="020B0604020202020204" pitchFamily="34" charset="-128"/>
+                        <a:cs typeface="Arial Unicode MS" panose="020B0604020202020204" pitchFamily="34" charset="-128"/>
+                      </a:endParaRPr>
+                    </a:p>
+                  </a:txBody>
+                  <a:tcPr marL="9525" marR="9525" marT="9525" marB="0" anchor="ctr"/>
+                </a:tc>
+                <a:tc>
+                  <a:txBody>
+                    <a:bodyPr/>
+                    <a:lstStyle/>
+                    <a:p>
+                      <a:pPr algn="ctr" fontAlgn="b"/>
+                      <a:r>
+                        <a:rPr lang="en-US" sz="1800" b="0" i="0" u="none" strike="noStrike" dirty="0">
+                          <a:effectLst/>
+                          <a:latin typeface="Arial Unicode MS" panose="020B0604020202020204" pitchFamily="34" charset="-128"/>
+                          <a:ea typeface="Arial Unicode MS" panose="020B0604020202020204" pitchFamily="34" charset="-128"/>
+                          <a:cs typeface="Arial Unicode MS" panose="020B0604020202020204" pitchFamily="34" charset="-128"/>
+                        </a:rPr>
+                        <a:t>915.37</a:t>
+                      </a:r>
+                      <a:endParaRPr lang="en-US" sz="1800" b="0" i="0" u="none" strike="noStrike" dirty="0">
+                        <a:solidFill>
+                          <a:srgbClr val="000000"/>
+                        </a:solidFill>
+                        <a:effectLst/>
+                        <a:latin typeface="Arial Unicode MS" panose="020B0604020202020204" pitchFamily="34" charset="-128"/>
+                        <a:ea typeface="Arial Unicode MS" panose="020B0604020202020204" pitchFamily="34" charset="-128"/>
+                        <a:cs typeface="Arial Unicode MS" panose="020B0604020202020204" pitchFamily="34" charset="-128"/>
+                      </a:endParaRPr>
+                    </a:p>
+                  </a:txBody>
+                  <a:tcPr marL="9525" marR="9525" marT="9525" marB="0" anchor="ctr"/>
+                </a:tc>
+                <a:extLst>
+                  <a:ext uri="{0D108BD9-81ED-4DB2-BD59-A6C34878D82A}">
+                    <a16:rowId xmlns:a16="http://schemas.microsoft.com/office/drawing/2014/main" val="1384562018"/>
+                  </a:ext>
+                </a:extLst>
+              </a:tr>
+              <a:tr h="318598">
+                <a:tc>
+                  <a:txBody>
+                    <a:bodyPr/>
+                    <a:lstStyle/>
+                    <a:p>
+                      <a:pPr algn="ctr" fontAlgn="b"/>
+                      <a:r>
+                        <a:rPr lang="en-US" sz="1800" b="0" i="0" u="none" strike="noStrike">
+                          <a:effectLst/>
+                          <a:latin typeface="Arial Unicode MS" panose="020B0604020202020204" pitchFamily="34" charset="-128"/>
+                          <a:ea typeface="Arial Unicode MS" panose="020B0604020202020204" pitchFamily="34" charset="-128"/>
+                          <a:cs typeface="Arial Unicode MS" panose="020B0604020202020204" pitchFamily="34" charset="-128"/>
+                        </a:rPr>
+                        <a:t>160</a:t>
+                      </a:r>
+                      <a:endParaRPr lang="en-US" sz="1800" b="0" i="0" u="none" strike="noStrike">
+                        <a:solidFill>
+                          <a:srgbClr val="000000"/>
+                        </a:solidFill>
+                        <a:effectLst/>
+                        <a:latin typeface="Arial Unicode MS" panose="020B0604020202020204" pitchFamily="34" charset="-128"/>
+                        <a:ea typeface="Arial Unicode MS" panose="020B0604020202020204" pitchFamily="34" charset="-128"/>
+                        <a:cs typeface="Arial Unicode MS" panose="020B0604020202020204" pitchFamily="34" charset="-128"/>
+                      </a:endParaRPr>
+                    </a:p>
+                  </a:txBody>
+                  <a:tcPr marL="9525" marR="9525" marT="9525" marB="0" anchor="ctr"/>
+                </a:tc>
+                <a:tc>
+                  <a:txBody>
+                    <a:bodyPr/>
+                    <a:lstStyle/>
+                    <a:p>
+                      <a:pPr algn="ctr" fontAlgn="b"/>
+                      <a:r>
+                        <a:rPr lang="en-US" sz="1800" b="0" i="0" u="none" strike="noStrike">
+                          <a:effectLst/>
+                          <a:latin typeface="Arial Unicode MS" panose="020B0604020202020204" pitchFamily="34" charset="-128"/>
+                          <a:ea typeface="Arial Unicode MS" panose="020B0604020202020204" pitchFamily="34" charset="-128"/>
+                          <a:cs typeface="Arial Unicode MS" panose="020B0604020202020204" pitchFamily="34" charset="-128"/>
+                        </a:rPr>
+                        <a:t>240</a:t>
+                      </a:r>
+                      <a:endParaRPr lang="en-US" sz="1800" b="0" i="0" u="none" strike="noStrike">
+                        <a:solidFill>
+                          <a:srgbClr val="000000"/>
+                        </a:solidFill>
+                        <a:effectLst/>
+                        <a:latin typeface="Arial Unicode MS" panose="020B0604020202020204" pitchFamily="34" charset="-128"/>
+                        <a:ea typeface="Arial Unicode MS" panose="020B0604020202020204" pitchFamily="34" charset="-128"/>
+                        <a:cs typeface="Arial Unicode MS" panose="020B0604020202020204" pitchFamily="34" charset="-128"/>
+                      </a:endParaRPr>
+                    </a:p>
+                  </a:txBody>
+                  <a:tcPr marL="9525" marR="9525" marT="9525" marB="0" anchor="ctr"/>
+                </a:tc>
+                <a:tc>
+                  <a:txBody>
+                    <a:bodyPr/>
+                    <a:lstStyle/>
+                    <a:p>
+                      <a:pPr algn="ctr" fontAlgn="b"/>
+                      <a:r>
+                        <a:rPr lang="en-US" sz="1800" b="0" i="0" u="none" strike="noStrike">
+                          <a:effectLst/>
+                          <a:latin typeface="Arial Unicode MS" panose="020B0604020202020204" pitchFamily="34" charset="-128"/>
+                          <a:ea typeface="Arial Unicode MS" panose="020B0604020202020204" pitchFamily="34" charset="-128"/>
+                          <a:cs typeface="Arial Unicode MS" panose="020B0604020202020204" pitchFamily="34" charset="-128"/>
+                        </a:rPr>
+                        <a:t>300</a:t>
+                      </a:r>
+                      <a:endParaRPr lang="en-US" sz="1800" b="0" i="0" u="none" strike="noStrike">
+                        <a:solidFill>
+                          <a:srgbClr val="000000"/>
+                        </a:solidFill>
+                        <a:effectLst/>
+                        <a:latin typeface="Arial Unicode MS" panose="020B0604020202020204" pitchFamily="34" charset="-128"/>
+                        <a:ea typeface="Arial Unicode MS" panose="020B0604020202020204" pitchFamily="34" charset="-128"/>
+                        <a:cs typeface="Arial Unicode MS" panose="020B0604020202020204" pitchFamily="34" charset="-128"/>
+                      </a:endParaRPr>
+                    </a:p>
+                  </a:txBody>
+                  <a:tcPr marL="9525" marR="9525" marT="9525" marB="0" anchor="ctr"/>
+                </a:tc>
+                <a:tc>
+                  <a:txBody>
+                    <a:bodyPr/>
+                    <a:lstStyle/>
+                    <a:p>
+                      <a:pPr algn="ctr" fontAlgn="b"/>
+                      <a:r>
+                        <a:rPr lang="en-US" sz="1800" b="0" i="0" u="none" strike="noStrike" dirty="0">
+                          <a:effectLst/>
+                          <a:latin typeface="Arial Unicode MS" panose="020B0604020202020204" pitchFamily="34" charset="-128"/>
+                          <a:ea typeface="Arial Unicode MS" panose="020B0604020202020204" pitchFamily="34" charset="-128"/>
+                          <a:cs typeface="Arial Unicode MS" panose="020B0604020202020204" pitchFamily="34" charset="-128"/>
+                        </a:rPr>
+                        <a:t>142.50</a:t>
+                      </a:r>
+                      <a:endParaRPr lang="en-US" sz="1800" b="0" i="0" u="none" strike="noStrike" dirty="0">
+                        <a:solidFill>
+                          <a:srgbClr val="000000"/>
+                        </a:solidFill>
+                        <a:effectLst/>
+                        <a:latin typeface="Arial Unicode MS" panose="020B0604020202020204" pitchFamily="34" charset="-128"/>
+                        <a:ea typeface="Arial Unicode MS" panose="020B0604020202020204" pitchFamily="34" charset="-128"/>
+                        <a:cs typeface="Arial Unicode MS" panose="020B0604020202020204" pitchFamily="34" charset="-128"/>
+                      </a:endParaRPr>
+                    </a:p>
+                  </a:txBody>
+                  <a:tcPr marL="9525" marR="9525" marT="9525" marB="0" anchor="ctr"/>
+                </a:tc>
+                <a:tc>
+                  <a:txBody>
+                    <a:bodyPr/>
+                    <a:lstStyle/>
+                    <a:p>
+                      <a:pPr algn="ctr" fontAlgn="b"/>
+                      <a:r>
+                        <a:rPr lang="en-US" sz="1800" b="0" i="0" u="none" strike="noStrike" dirty="0">
+                          <a:effectLst/>
+                          <a:latin typeface="Arial Unicode MS" panose="020B0604020202020204" pitchFamily="34" charset="-128"/>
+                          <a:ea typeface="Arial Unicode MS" panose="020B0604020202020204" pitchFamily="34" charset="-128"/>
+                          <a:cs typeface="Arial Unicode MS" panose="020B0604020202020204" pitchFamily="34" charset="-128"/>
+                        </a:rPr>
+                        <a:t>1119.61</a:t>
+                      </a:r>
+                      <a:endParaRPr lang="en-US" sz="1800" b="0" i="0" u="none" strike="noStrike" dirty="0">
+                        <a:solidFill>
+                          <a:srgbClr val="000000"/>
+                        </a:solidFill>
+                        <a:effectLst/>
+                        <a:latin typeface="Arial Unicode MS" panose="020B0604020202020204" pitchFamily="34" charset="-128"/>
+                        <a:ea typeface="Arial Unicode MS" panose="020B0604020202020204" pitchFamily="34" charset="-128"/>
+                        <a:cs typeface="Arial Unicode MS" panose="020B0604020202020204" pitchFamily="34" charset="-128"/>
+                      </a:endParaRPr>
+                    </a:p>
+                  </a:txBody>
+                  <a:tcPr marL="9525" marR="9525" marT="9525" marB="0" anchor="ctr"/>
+                </a:tc>
+                <a:extLst>
+                  <a:ext uri="{0D108BD9-81ED-4DB2-BD59-A6C34878D82A}">
+                    <a16:rowId xmlns:a16="http://schemas.microsoft.com/office/drawing/2014/main" val="1069963960"/>
+                  </a:ext>
+                </a:extLst>
+              </a:tr>
+              <a:tr h="318598">
+                <a:tc>
+                  <a:txBody>
+                    <a:bodyPr/>
+                    <a:lstStyle/>
+                    <a:p>
+                      <a:pPr algn="ctr" fontAlgn="b"/>
+                      <a:r>
+                        <a:rPr lang="en-US" sz="1800" b="0" i="0" u="none" strike="noStrike">
+                          <a:effectLst/>
+                          <a:latin typeface="Arial Unicode MS" panose="020B0604020202020204" pitchFamily="34" charset="-128"/>
+                          <a:ea typeface="Arial Unicode MS" panose="020B0604020202020204" pitchFamily="34" charset="-128"/>
+                          <a:cs typeface="Arial Unicode MS" panose="020B0604020202020204" pitchFamily="34" charset="-128"/>
+                        </a:rPr>
+                        <a:t>160</a:t>
+                      </a:r>
+                      <a:endParaRPr lang="en-US" sz="1800" b="0" i="0" u="none" strike="noStrike">
+                        <a:solidFill>
+                          <a:srgbClr val="000000"/>
+                        </a:solidFill>
+                        <a:effectLst/>
+                        <a:latin typeface="Arial Unicode MS" panose="020B0604020202020204" pitchFamily="34" charset="-128"/>
+                        <a:ea typeface="Arial Unicode MS" panose="020B0604020202020204" pitchFamily="34" charset="-128"/>
+                        <a:cs typeface="Arial Unicode MS" panose="020B0604020202020204" pitchFamily="34" charset="-128"/>
+                      </a:endParaRPr>
+                    </a:p>
+                  </a:txBody>
+                  <a:tcPr marL="9525" marR="9525" marT="9525" marB="0" anchor="ctr"/>
+                </a:tc>
+                <a:tc>
+                  <a:txBody>
+                    <a:bodyPr/>
+                    <a:lstStyle/>
+                    <a:p>
+                      <a:pPr algn="ctr" fontAlgn="b"/>
+                      <a:r>
+                        <a:rPr lang="en-US" sz="1800" b="0" i="0" u="none" strike="noStrike">
+                          <a:effectLst/>
+                          <a:latin typeface="Arial Unicode MS" panose="020B0604020202020204" pitchFamily="34" charset="-128"/>
+                          <a:ea typeface="Arial Unicode MS" panose="020B0604020202020204" pitchFamily="34" charset="-128"/>
+                          <a:cs typeface="Arial Unicode MS" panose="020B0604020202020204" pitchFamily="34" charset="-128"/>
+                        </a:rPr>
+                        <a:t>320</a:t>
+                      </a:r>
+                      <a:endParaRPr lang="en-US" sz="1800" b="0" i="0" u="none" strike="noStrike">
+                        <a:solidFill>
+                          <a:srgbClr val="000000"/>
+                        </a:solidFill>
+                        <a:effectLst/>
+                        <a:latin typeface="Arial Unicode MS" panose="020B0604020202020204" pitchFamily="34" charset="-128"/>
+                        <a:ea typeface="Arial Unicode MS" panose="020B0604020202020204" pitchFamily="34" charset="-128"/>
+                        <a:cs typeface="Arial Unicode MS" panose="020B0604020202020204" pitchFamily="34" charset="-128"/>
+                      </a:endParaRPr>
+                    </a:p>
+                  </a:txBody>
+                  <a:tcPr marL="9525" marR="9525" marT="9525" marB="0" anchor="ctr"/>
+                </a:tc>
+                <a:tc>
+                  <a:txBody>
+                    <a:bodyPr/>
+                    <a:lstStyle/>
+                    <a:p>
+                      <a:pPr algn="ctr" fontAlgn="b"/>
+                      <a:r>
+                        <a:rPr lang="en-US" sz="1800" b="0" i="0" u="none" strike="noStrike">
+                          <a:effectLst/>
+                          <a:latin typeface="Arial Unicode MS" panose="020B0604020202020204" pitchFamily="34" charset="-128"/>
+                          <a:ea typeface="Arial Unicode MS" panose="020B0604020202020204" pitchFamily="34" charset="-128"/>
+                          <a:cs typeface="Arial Unicode MS" panose="020B0604020202020204" pitchFamily="34" charset="-128"/>
+                        </a:rPr>
+                        <a:t>300</a:t>
+                      </a:r>
+                      <a:endParaRPr lang="en-US" sz="1800" b="0" i="0" u="none" strike="noStrike">
+                        <a:solidFill>
+                          <a:srgbClr val="000000"/>
+                        </a:solidFill>
+                        <a:effectLst/>
+                        <a:latin typeface="Arial Unicode MS" panose="020B0604020202020204" pitchFamily="34" charset="-128"/>
+                        <a:ea typeface="Arial Unicode MS" panose="020B0604020202020204" pitchFamily="34" charset="-128"/>
+                        <a:cs typeface="Arial Unicode MS" panose="020B0604020202020204" pitchFamily="34" charset="-128"/>
+                      </a:endParaRPr>
+                    </a:p>
+                  </a:txBody>
+                  <a:tcPr marL="9525" marR="9525" marT="9525" marB="0" anchor="ctr"/>
+                </a:tc>
+                <a:tc>
+                  <a:txBody>
+                    <a:bodyPr/>
+                    <a:lstStyle/>
+                    <a:p>
+                      <a:pPr algn="ctr" fontAlgn="b"/>
+                      <a:r>
+                        <a:rPr lang="en-US" sz="1800" b="0" i="0" u="none" strike="noStrike">
+                          <a:effectLst/>
+                          <a:latin typeface="Arial Unicode MS" panose="020B0604020202020204" pitchFamily="34" charset="-128"/>
+                          <a:ea typeface="Arial Unicode MS" panose="020B0604020202020204" pitchFamily="34" charset="-128"/>
+                          <a:cs typeface="Arial Unicode MS" panose="020B0604020202020204" pitchFamily="34" charset="-128"/>
+                        </a:rPr>
+                        <a:t>108.80</a:t>
+                      </a:r>
+                      <a:endParaRPr lang="en-US" sz="1800" b="0" i="0" u="none" strike="noStrike">
+                        <a:solidFill>
+                          <a:srgbClr val="000000"/>
+                        </a:solidFill>
+                        <a:effectLst/>
+                        <a:latin typeface="Arial Unicode MS" panose="020B0604020202020204" pitchFamily="34" charset="-128"/>
+                        <a:ea typeface="Arial Unicode MS" panose="020B0604020202020204" pitchFamily="34" charset="-128"/>
+                        <a:cs typeface="Arial Unicode MS" panose="020B0604020202020204" pitchFamily="34" charset="-128"/>
+                      </a:endParaRPr>
+                    </a:p>
+                  </a:txBody>
+                  <a:tcPr marL="9525" marR="9525" marT="9525" marB="0" anchor="ctr"/>
+                </a:tc>
+                <a:tc>
+                  <a:txBody>
+                    <a:bodyPr/>
+                    <a:lstStyle/>
+                    <a:p>
+                      <a:pPr algn="ctr" fontAlgn="b"/>
+                      <a:r>
+                        <a:rPr lang="en-US" sz="1800" b="0" i="0" u="none" strike="noStrike" dirty="0">
+                          <a:effectLst/>
+                          <a:latin typeface="Arial Unicode MS" panose="020B0604020202020204" pitchFamily="34" charset="-128"/>
+                          <a:ea typeface="Arial Unicode MS" panose="020B0604020202020204" pitchFamily="34" charset="-128"/>
+                          <a:cs typeface="Arial Unicode MS" panose="020B0604020202020204" pitchFamily="34" charset="-128"/>
+                        </a:rPr>
+                        <a:t>1060.62</a:t>
+                      </a:r>
+                      <a:endParaRPr lang="en-US" sz="1800" b="0" i="0" u="none" strike="noStrike" dirty="0">
+                        <a:solidFill>
+                          <a:srgbClr val="000000"/>
+                        </a:solidFill>
+                        <a:effectLst/>
+                        <a:latin typeface="Arial Unicode MS" panose="020B0604020202020204" pitchFamily="34" charset="-128"/>
+                        <a:ea typeface="Arial Unicode MS" panose="020B0604020202020204" pitchFamily="34" charset="-128"/>
+                        <a:cs typeface="Arial Unicode MS" panose="020B0604020202020204" pitchFamily="34" charset="-128"/>
+                      </a:endParaRPr>
+                    </a:p>
+                  </a:txBody>
+                  <a:tcPr marL="9525" marR="9525" marT="9525" marB="0" anchor="ctr"/>
+                </a:tc>
+                <a:extLst>
+                  <a:ext uri="{0D108BD9-81ED-4DB2-BD59-A6C34878D82A}">
+                    <a16:rowId xmlns:a16="http://schemas.microsoft.com/office/drawing/2014/main" val="1176187506"/>
                   </a:ext>
                 </a:extLst>
               </a:tr>
@@ -10335,7 +8873,9 @@
           </a:prstGeom>
         </p:spPr>
         <p:txBody>
-          <a:bodyPr/>
+          <a:bodyPr>
+            <a:normAutofit lnSpcReduction="10000"/>
+          </a:bodyPr>
           <a:lstStyle/>
           <a:p>
             <a:pPr>

--- a/details.pptx
+++ b/details.pptx
@@ -13,11 +13,11 @@
     <p:sldId id="258" r:id="rId4"/>
     <p:sldId id="259" r:id="rId5"/>
     <p:sldId id="260" r:id="rId6"/>
-    <p:sldId id="261" r:id="rId7"/>
-    <p:sldId id="262" r:id="rId8"/>
-    <p:sldId id="263" r:id="rId9"/>
-    <p:sldId id="264" r:id="rId10"/>
-    <p:sldId id="265" r:id="rId11"/>
+    <p:sldId id="262" r:id="rId7"/>
+    <p:sldId id="263" r:id="rId8"/>
+    <p:sldId id="264" r:id="rId9"/>
+    <p:sldId id="265" r:id="rId10"/>
+    <p:sldId id="266" r:id="rId11"/>
   </p:sldIdLst>
   <p:sldSz cx="13004800" cy="9753600"/>
   <p:notesSz cx="6858000" cy="9144000"/>
@@ -72,9 +72,9 @@
         </a:solidFill>
         <a:effectLst/>
         <a:uFillTx/>
-        <a:latin typeface="+mn-lt"/>
-        <a:ea typeface="+mn-ea"/>
-        <a:cs typeface="+mn-cs"/>
+        <a:latin typeface="Gill Sans"/>
+        <a:ea typeface="Gill Sans"/>
+        <a:cs typeface="Gill Sans"/>
         <a:sym typeface="Gill Sans"/>
       </a:defRPr>
     </a:lvl1pPr>
@@ -102,9 +102,9 @@
         </a:solidFill>
         <a:effectLst/>
         <a:uFillTx/>
-        <a:latin typeface="+mn-lt"/>
-        <a:ea typeface="+mn-ea"/>
-        <a:cs typeface="+mn-cs"/>
+        <a:latin typeface="Gill Sans"/>
+        <a:ea typeface="Gill Sans"/>
+        <a:cs typeface="Gill Sans"/>
         <a:sym typeface="Gill Sans"/>
       </a:defRPr>
     </a:lvl2pPr>
@@ -132,9 +132,9 @@
         </a:solidFill>
         <a:effectLst/>
         <a:uFillTx/>
-        <a:latin typeface="+mn-lt"/>
-        <a:ea typeface="+mn-ea"/>
-        <a:cs typeface="+mn-cs"/>
+        <a:latin typeface="Gill Sans"/>
+        <a:ea typeface="Gill Sans"/>
+        <a:cs typeface="Gill Sans"/>
         <a:sym typeface="Gill Sans"/>
       </a:defRPr>
     </a:lvl3pPr>
@@ -162,9 +162,9 @@
         </a:solidFill>
         <a:effectLst/>
         <a:uFillTx/>
-        <a:latin typeface="+mn-lt"/>
-        <a:ea typeface="+mn-ea"/>
-        <a:cs typeface="+mn-cs"/>
+        <a:latin typeface="Gill Sans"/>
+        <a:ea typeface="Gill Sans"/>
+        <a:cs typeface="Gill Sans"/>
         <a:sym typeface="Gill Sans"/>
       </a:defRPr>
     </a:lvl4pPr>
@@ -192,9 +192,9 @@
         </a:solidFill>
         <a:effectLst/>
         <a:uFillTx/>
-        <a:latin typeface="+mn-lt"/>
-        <a:ea typeface="+mn-ea"/>
-        <a:cs typeface="+mn-cs"/>
+        <a:latin typeface="Gill Sans"/>
+        <a:ea typeface="Gill Sans"/>
+        <a:cs typeface="Gill Sans"/>
         <a:sym typeface="Gill Sans"/>
       </a:defRPr>
     </a:lvl5pPr>
@@ -222,9 +222,9 @@
         </a:solidFill>
         <a:effectLst/>
         <a:uFillTx/>
-        <a:latin typeface="+mn-lt"/>
-        <a:ea typeface="+mn-ea"/>
-        <a:cs typeface="+mn-cs"/>
+        <a:latin typeface="Gill Sans"/>
+        <a:ea typeface="Gill Sans"/>
+        <a:cs typeface="Gill Sans"/>
         <a:sym typeface="Gill Sans"/>
       </a:defRPr>
     </a:lvl6pPr>
@@ -252,9 +252,9 @@
         </a:solidFill>
         <a:effectLst/>
         <a:uFillTx/>
-        <a:latin typeface="+mn-lt"/>
-        <a:ea typeface="+mn-ea"/>
-        <a:cs typeface="+mn-cs"/>
+        <a:latin typeface="Gill Sans"/>
+        <a:ea typeface="Gill Sans"/>
+        <a:cs typeface="Gill Sans"/>
         <a:sym typeface="Gill Sans"/>
       </a:defRPr>
     </a:lvl7pPr>
@@ -282,9 +282,9 @@
         </a:solidFill>
         <a:effectLst/>
         <a:uFillTx/>
-        <a:latin typeface="+mn-lt"/>
-        <a:ea typeface="+mn-ea"/>
-        <a:cs typeface="+mn-cs"/>
+        <a:latin typeface="Gill Sans"/>
+        <a:ea typeface="Gill Sans"/>
+        <a:cs typeface="Gill Sans"/>
         <a:sym typeface="Gill Sans"/>
       </a:defRPr>
     </a:lvl8pPr>
@@ -312,18 +312,13 @@
         </a:solidFill>
         <a:effectLst/>
         <a:uFillTx/>
-        <a:latin typeface="+mn-lt"/>
-        <a:ea typeface="+mn-ea"/>
-        <a:cs typeface="+mn-cs"/>
+        <a:latin typeface="Gill Sans"/>
+        <a:ea typeface="Gill Sans"/>
+        <a:cs typeface="Gill Sans"/>
         <a:sym typeface="Gill Sans"/>
       </a:defRPr>
     </a:lvl9pPr>
   </p:defaultTextStyle>
-  <p:extLst>
-    <p:ext uri="{EFAFB233-063F-42B5-8137-9DF3F51BA10A}">
-      <p15:sldGuideLst xmlns:p15="http://schemas.microsoft.com/office/powerpoint/2012/main"/>
-    </p:ext>
-  </p:extLst>
 </p:presentation>
 </file>
 
@@ -412,9 +407,9 @@
         <a:spcPct val="117999"/>
       </a:lnSpc>
       <a:defRPr sz="2200">
-        <a:latin typeface="Helvetica Neue"/>
-        <a:ea typeface="Helvetica Neue"/>
-        <a:cs typeface="Helvetica Neue"/>
+        <a:latin typeface="+mn-lt"/>
+        <a:ea typeface="+mn-ea"/>
+        <a:cs typeface="+mn-cs"/>
         <a:sym typeface="Helvetica Neue"/>
       </a:defRPr>
     </a:lvl1pPr>
@@ -423,9 +418,9 @@
         <a:spcPct val="117999"/>
       </a:lnSpc>
       <a:defRPr sz="2200">
-        <a:latin typeface="Helvetica Neue"/>
-        <a:ea typeface="Helvetica Neue"/>
-        <a:cs typeface="Helvetica Neue"/>
+        <a:latin typeface="+mn-lt"/>
+        <a:ea typeface="+mn-ea"/>
+        <a:cs typeface="+mn-cs"/>
         <a:sym typeface="Helvetica Neue"/>
       </a:defRPr>
     </a:lvl2pPr>
@@ -434,9 +429,9 @@
         <a:spcPct val="117999"/>
       </a:lnSpc>
       <a:defRPr sz="2200">
-        <a:latin typeface="Helvetica Neue"/>
-        <a:ea typeface="Helvetica Neue"/>
-        <a:cs typeface="Helvetica Neue"/>
+        <a:latin typeface="+mn-lt"/>
+        <a:ea typeface="+mn-ea"/>
+        <a:cs typeface="+mn-cs"/>
         <a:sym typeface="Helvetica Neue"/>
       </a:defRPr>
     </a:lvl3pPr>
@@ -445,9 +440,9 @@
         <a:spcPct val="117999"/>
       </a:lnSpc>
       <a:defRPr sz="2200">
-        <a:latin typeface="Helvetica Neue"/>
-        <a:ea typeface="Helvetica Neue"/>
-        <a:cs typeface="Helvetica Neue"/>
+        <a:latin typeface="+mn-lt"/>
+        <a:ea typeface="+mn-ea"/>
+        <a:cs typeface="+mn-cs"/>
         <a:sym typeface="Helvetica Neue"/>
       </a:defRPr>
     </a:lvl4pPr>
@@ -456,9 +451,9 @@
         <a:spcPct val="117999"/>
       </a:lnSpc>
       <a:defRPr sz="2200">
-        <a:latin typeface="Helvetica Neue"/>
-        <a:ea typeface="Helvetica Neue"/>
-        <a:cs typeface="Helvetica Neue"/>
+        <a:latin typeface="+mn-lt"/>
+        <a:ea typeface="+mn-ea"/>
+        <a:cs typeface="+mn-cs"/>
         <a:sym typeface="Helvetica Neue"/>
       </a:defRPr>
     </a:lvl5pPr>
@@ -467,9 +462,9 @@
         <a:spcPct val="117999"/>
       </a:lnSpc>
       <a:defRPr sz="2200">
-        <a:latin typeface="Helvetica Neue"/>
-        <a:ea typeface="Helvetica Neue"/>
-        <a:cs typeface="Helvetica Neue"/>
+        <a:latin typeface="+mn-lt"/>
+        <a:ea typeface="+mn-ea"/>
+        <a:cs typeface="+mn-cs"/>
         <a:sym typeface="Helvetica Neue"/>
       </a:defRPr>
     </a:lvl6pPr>
@@ -478,9 +473,9 @@
         <a:spcPct val="117999"/>
       </a:lnSpc>
       <a:defRPr sz="2200">
-        <a:latin typeface="Helvetica Neue"/>
-        <a:ea typeface="Helvetica Neue"/>
-        <a:cs typeface="Helvetica Neue"/>
+        <a:latin typeface="+mn-lt"/>
+        <a:ea typeface="+mn-ea"/>
+        <a:cs typeface="+mn-cs"/>
         <a:sym typeface="Helvetica Neue"/>
       </a:defRPr>
     </a:lvl7pPr>
@@ -489,9 +484,9 @@
         <a:spcPct val="117999"/>
       </a:lnSpc>
       <a:defRPr sz="2200">
-        <a:latin typeface="Helvetica Neue"/>
-        <a:ea typeface="Helvetica Neue"/>
-        <a:cs typeface="Helvetica Neue"/>
+        <a:latin typeface="+mn-lt"/>
+        <a:ea typeface="+mn-ea"/>
+        <a:cs typeface="+mn-cs"/>
         <a:sym typeface="Helvetica Neue"/>
       </a:defRPr>
     </a:lvl8pPr>
@@ -500,9 +495,9 @@
         <a:spcPct val="117999"/>
       </a:lnSpc>
       <a:defRPr sz="2200">
-        <a:latin typeface="Helvetica Neue"/>
-        <a:ea typeface="Helvetica Neue"/>
-        <a:cs typeface="Helvetica Neue"/>
+        <a:latin typeface="+mn-lt"/>
+        <a:ea typeface="+mn-ea"/>
+        <a:cs typeface="+mn-cs"/>
         <a:sym typeface="Helvetica Neue"/>
       </a:defRPr>
     </a:lvl9pPr>
@@ -536,7 +531,7 @@
         <p:spPr>
           <a:xfrm>
             <a:off x="508000" y="5181600"/>
-            <a:ext cx="11988800" cy="0"/>
+            <a:ext cx="11988801" cy="0"/>
           </a:xfrm>
           <a:prstGeom prst="line">
             <a:avLst/>
@@ -551,20 +546,9 @@
           </a:ln>
         </p:spPr>
         <p:txBody>
-          <a:bodyPr lIns="50800" tIns="50800" rIns="50800" bIns="50800" anchor="ctr"/>
+          <a:bodyPr lIns="45718" tIns="45718" rIns="45718" bIns="45718"/>
           <a:lstStyle/>
           <a:p>
-            <a:pPr algn="l" defTabSz="457200">
-              <a:defRPr sz="1200">
-                <a:solidFill>
-                  <a:srgbClr val="000000"/>
-                </a:solidFill>
-                <a:latin typeface="Helvetica"/>
-                <a:ea typeface="Helvetica"/>
-                <a:cs typeface="Helvetica"/>
-                <a:sym typeface="Helvetica"/>
-              </a:defRPr>
-            </a:pPr>
             <a:endParaRPr/>
           </a:p>
         </p:txBody>
@@ -765,12 +749,12 @@
       </p:grpSpPr>
       <p:sp>
         <p:nvSpPr>
-          <p:cNvPr id="105" name="–Johnny Appleseed"/>
+          <p:cNvPr id="105" name="Body Level One…"/>
           <p:cNvSpPr txBox="1">
             <a:spLocks noGrp="1"/>
           </p:cNvSpPr>
           <p:nvPr>
-            <p:ph type="body" sz="quarter" idx="13"/>
+            <p:ph type="body" sz="quarter" idx="1"/>
           </p:nvPr>
         </p:nvSpPr>
         <p:spPr>
@@ -783,9 +767,7 @@
           </a:prstGeom>
         </p:spPr>
         <p:txBody>
-          <a:bodyPr anchor="t">
-            <a:spAutoFit/>
-          </a:bodyPr>
+          <a:bodyPr anchor="t"/>
           <a:lstStyle>
             <a:lvl1pPr marL="0" indent="0" algn="ctr">
               <a:lnSpc>
@@ -802,10 +784,98 @@
                 </a:solidFill>
               </a:defRPr>
             </a:lvl1pPr>
+            <a:lvl2pPr marL="788894" indent="-369794" algn="ctr">
+              <a:lnSpc>
+                <a:spcPct val="140000"/>
+              </a:lnSpc>
+              <a:spcBef>
+                <a:spcPts val="0"/>
+              </a:spcBef>
+              <a:buBlip>
+                <a:blip r:embed="rId2"/>
+              </a:buBlip>
+              <a:defRPr sz="3000" i="1">
+                <a:solidFill>
+                  <a:srgbClr val="9D9D9D"/>
+                </a:solidFill>
+              </a:defRPr>
+            </a:lvl2pPr>
+            <a:lvl3pPr marL="1207994" indent="-369794" algn="ctr">
+              <a:lnSpc>
+                <a:spcPct val="140000"/>
+              </a:lnSpc>
+              <a:spcBef>
+                <a:spcPts val="0"/>
+              </a:spcBef>
+              <a:buBlip>
+                <a:blip r:embed="rId2"/>
+              </a:buBlip>
+              <a:defRPr sz="3000" i="1">
+                <a:solidFill>
+                  <a:srgbClr val="9D9D9D"/>
+                </a:solidFill>
+              </a:defRPr>
+            </a:lvl3pPr>
+            <a:lvl4pPr marL="1627094" indent="-369794" algn="ctr">
+              <a:lnSpc>
+                <a:spcPct val="140000"/>
+              </a:lnSpc>
+              <a:spcBef>
+                <a:spcPts val="0"/>
+              </a:spcBef>
+              <a:buBlip>
+                <a:blip r:embed="rId2"/>
+              </a:buBlip>
+              <a:defRPr sz="3000" i="1">
+                <a:solidFill>
+                  <a:srgbClr val="9D9D9D"/>
+                </a:solidFill>
+              </a:defRPr>
+            </a:lvl4pPr>
+            <a:lvl5pPr marL="2046194" indent="-369794" algn="ctr">
+              <a:lnSpc>
+                <a:spcPct val="140000"/>
+              </a:lnSpc>
+              <a:spcBef>
+                <a:spcPts val="0"/>
+              </a:spcBef>
+              <a:buBlip>
+                <a:blip r:embed="rId2"/>
+              </a:buBlip>
+              <a:defRPr sz="3000" i="1">
+                <a:solidFill>
+                  <a:srgbClr val="9D9D9D"/>
+                </a:solidFill>
+              </a:defRPr>
+            </a:lvl5pPr>
           </a:lstStyle>
           <a:p>
             <a:r>
-              <a:t>–Johnny Appleseed</a:t>
+              <a:t>Body Level One</a:t>
+            </a:r>
+          </a:p>
+          <a:p>
+            <a:pPr lvl="1"/>
+            <a:r>
+              <a:t>Body Level Two</a:t>
+            </a:r>
+          </a:p>
+          <a:p>
+            <a:pPr lvl="2"/>
+            <a:r>
+              <a:t>Body Level Three</a:t>
+            </a:r>
+          </a:p>
+          <a:p>
+            <a:pPr lvl="3"/>
+            <a:r>
+              <a:t>Body Level Four</a:t>
+            </a:r>
+          </a:p>
+          <a:p>
+            <a:pPr lvl="4"/>
+            <a:r>
+              <a:t>Body Level Five</a:t>
             </a:r>
           </a:p>
         </p:txBody>
@@ -817,7 +887,7 @@
             <a:spLocks noGrp="1"/>
           </p:cNvSpPr>
           <p:nvPr>
-            <p:ph type="body" sz="quarter" idx="14"/>
+            <p:ph type="body" sz="quarter" idx="13"/>
           </p:nvPr>
         </p:nvSpPr>
         <p:spPr>
@@ -830,11 +900,10 @@
           </a:prstGeom>
         </p:spPr>
         <p:txBody>
-          <a:bodyPr>
-            <a:spAutoFit/>
-          </a:bodyPr>
-          <a:lstStyle>
-            <a:lvl1pPr marL="0" indent="0" algn="ctr">
+          <a:bodyPr/>
+          <a:lstStyle/>
+          <a:p>
+            <a:pPr marL="0" indent="0" algn="ctr">
               <a:lnSpc>
                 <a:spcPct val="120000"/>
               </a:lnSpc>
@@ -844,12 +913,8 @@
               <a:buSzTx/>
               <a:buNone/>
               <a:defRPr sz="3600"/>
-            </a:lvl1pPr>
-          </a:lstStyle>
-          <a:p>
-            <a:r>
-              <a:t>“Type a quote here.” </a:t>
-            </a:r>
+            </a:pPr>
+            <a:endParaRPr/>
           </a:p>
         </p:txBody>
       </p:sp>
@@ -1056,9 +1121,6 @@
           <a:prstGeom prst="rect">
             <a:avLst/>
           </a:prstGeom>
-          <a:ln w="9525">
-            <a:round/>
-          </a:ln>
         </p:spPr>
         <p:txBody>
           <a:bodyPr lIns="91439" tIns="45719" rIns="91439" bIns="45719" anchor="t">
@@ -1353,15 +1415,12 @@
         </p:nvSpPr>
         <p:spPr>
           <a:xfrm>
-            <a:off x="6805519" y="981849"/>
-            <a:ext cx="5575301" cy="7531101"/>
+            <a:off x="6805518" y="981848"/>
+            <a:ext cx="5575302" cy="7531102"/>
           </a:xfrm>
           <a:prstGeom prst="rect">
             <a:avLst/>
           </a:prstGeom>
-          <a:ln w="9525">
-            <a:round/>
-          </a:ln>
         </p:spPr>
         <p:txBody>
           <a:bodyPr lIns="91439" tIns="45719" rIns="91439" bIns="45719" anchor="t">
@@ -1571,8 +1630,8 @@
         </p:nvSpPr>
         <p:spPr>
           <a:xfrm>
-            <a:off x="508000" y="2578100"/>
-            <a:ext cx="11997292" cy="0"/>
+            <a:off x="507999" y="2578100"/>
+            <a:ext cx="11997293" cy="0"/>
           </a:xfrm>
           <a:prstGeom prst="line">
             <a:avLst/>
@@ -1587,20 +1646,9 @@
           </a:ln>
         </p:spPr>
         <p:txBody>
-          <a:bodyPr lIns="50800" tIns="50800" rIns="50800" bIns="50800" anchor="ctr"/>
+          <a:bodyPr lIns="45718" tIns="45718" rIns="45718" bIns="45718"/>
           <a:lstStyle/>
           <a:p>
-            <a:pPr algn="l" defTabSz="457200">
-              <a:defRPr sz="1200">
-                <a:solidFill>
-                  <a:srgbClr val="000000"/>
-                </a:solidFill>
-                <a:latin typeface="Helvetica"/>
-                <a:ea typeface="Helvetica"/>
-                <a:cs typeface="Helvetica"/>
-                <a:sym typeface="Helvetica"/>
-              </a:defRPr>
-            </a:pPr>
             <a:endParaRPr/>
           </a:p>
         </p:txBody>
@@ -1613,8 +1661,8 @@
         </p:nvSpPr>
         <p:spPr>
           <a:xfrm flipV="1">
-            <a:off x="508000" y="9245597"/>
-            <a:ext cx="11988800" cy="3"/>
+            <a:off x="508000" y="9245596"/>
+            <a:ext cx="11988801" cy="4"/>
           </a:xfrm>
           <a:prstGeom prst="line">
             <a:avLst/>
@@ -1629,20 +1677,9 @@
           </a:ln>
         </p:spPr>
         <p:txBody>
-          <a:bodyPr lIns="50800" tIns="50800" rIns="50800" bIns="50800" anchor="ctr"/>
+          <a:bodyPr lIns="45718" tIns="45718" rIns="45718" bIns="45718"/>
           <a:lstStyle/>
           <a:p>
-            <a:pPr algn="l" defTabSz="457200">
-              <a:defRPr sz="1200">
-                <a:solidFill>
-                  <a:srgbClr val="000000"/>
-                </a:solidFill>
-                <a:latin typeface="Helvetica"/>
-                <a:ea typeface="Helvetica"/>
-                <a:cs typeface="Helvetica"/>
-                <a:sym typeface="Helvetica"/>
-              </a:defRPr>
-            </a:pPr>
             <a:endParaRPr/>
           </a:p>
         </p:txBody>
@@ -1656,7 +1693,7 @@
         <p:spPr>
           <a:xfrm flipV="1">
             <a:off x="508000" y="508000"/>
-            <a:ext cx="11988800" cy="1"/>
+            <a:ext cx="11988801" cy="2"/>
           </a:xfrm>
           <a:prstGeom prst="line">
             <a:avLst/>
@@ -1671,20 +1708,9 @@
           </a:ln>
         </p:spPr>
         <p:txBody>
-          <a:bodyPr lIns="50800" tIns="50800" rIns="50800" bIns="50800" anchor="ctr"/>
+          <a:bodyPr lIns="45718" tIns="45718" rIns="45718" bIns="45718"/>
           <a:lstStyle/>
           <a:p>
-            <a:pPr algn="l" defTabSz="457200">
-              <a:defRPr sz="1200">
-                <a:solidFill>
-                  <a:srgbClr val="000000"/>
-                </a:solidFill>
-                <a:latin typeface="Helvetica"/>
-                <a:ea typeface="Helvetica"/>
-                <a:cs typeface="Helvetica"/>
-                <a:sym typeface="Helvetica"/>
-              </a:defRPr>
-            </a:pPr>
             <a:endParaRPr/>
           </a:p>
         </p:txBody>
@@ -1700,6 +1726,10 @@
           </p:nvPr>
         </p:nvSpPr>
         <p:spPr>
+          <a:xfrm>
+            <a:off x="508000" y="596900"/>
+            <a:ext cx="11988800" cy="1905000"/>
+          </a:xfrm>
           <a:prstGeom prst="rect">
             <a:avLst/>
           </a:prstGeom>
@@ -1775,7 +1805,7 @@
         <p:spPr>
           <a:xfrm>
             <a:off x="508000" y="2578100"/>
-            <a:ext cx="11988800" cy="0"/>
+            <a:ext cx="11988801" cy="0"/>
           </a:xfrm>
           <a:prstGeom prst="line">
             <a:avLst/>
@@ -1790,20 +1820,9 @@
           </a:ln>
         </p:spPr>
         <p:txBody>
-          <a:bodyPr lIns="50800" tIns="50800" rIns="50800" bIns="50800" anchor="ctr"/>
+          <a:bodyPr lIns="45718" tIns="45718" rIns="45718" bIns="45718"/>
           <a:lstStyle/>
           <a:p>
-            <a:pPr algn="l" defTabSz="457200">
-              <a:defRPr sz="1200">
-                <a:solidFill>
-                  <a:srgbClr val="000000"/>
-                </a:solidFill>
-                <a:latin typeface="Helvetica"/>
-                <a:ea typeface="Helvetica"/>
-                <a:cs typeface="Helvetica"/>
-                <a:sym typeface="Helvetica"/>
-              </a:defRPr>
-            </a:pPr>
             <a:endParaRPr/>
           </a:p>
         </p:txBody>
@@ -1816,8 +1835,8 @@
         </p:nvSpPr>
         <p:spPr>
           <a:xfrm flipV="1">
-            <a:off x="508000" y="9245597"/>
-            <a:ext cx="11988800" cy="3"/>
+            <a:off x="508000" y="9245596"/>
+            <a:ext cx="11988801" cy="4"/>
           </a:xfrm>
           <a:prstGeom prst="line">
             <a:avLst/>
@@ -1832,20 +1851,9 @@
           </a:ln>
         </p:spPr>
         <p:txBody>
-          <a:bodyPr lIns="50800" tIns="50800" rIns="50800" bIns="50800" anchor="ctr"/>
+          <a:bodyPr lIns="45718" tIns="45718" rIns="45718" bIns="45718"/>
           <a:lstStyle/>
           <a:p>
-            <a:pPr algn="l" defTabSz="457200">
-              <a:defRPr sz="1200">
-                <a:solidFill>
-                  <a:srgbClr val="000000"/>
-                </a:solidFill>
-                <a:latin typeface="Helvetica"/>
-                <a:ea typeface="Helvetica"/>
-                <a:cs typeface="Helvetica"/>
-                <a:sym typeface="Helvetica"/>
-              </a:defRPr>
-            </a:pPr>
             <a:endParaRPr/>
           </a:p>
         </p:txBody>
@@ -1859,7 +1867,7 @@
         <p:spPr>
           <a:xfrm flipV="1">
             <a:off x="508000" y="508000"/>
-            <a:ext cx="11988800" cy="1"/>
+            <a:ext cx="11988801" cy="2"/>
           </a:xfrm>
           <a:prstGeom prst="line">
             <a:avLst/>
@@ -1874,20 +1882,9 @@
           </a:ln>
         </p:spPr>
         <p:txBody>
-          <a:bodyPr lIns="50800" tIns="50800" rIns="50800" bIns="50800" anchor="ctr"/>
+          <a:bodyPr lIns="45718" tIns="45718" rIns="45718" bIns="45718"/>
           <a:lstStyle/>
           <a:p>
-            <a:pPr algn="l" defTabSz="457200">
-              <a:defRPr sz="1200">
-                <a:solidFill>
-                  <a:srgbClr val="000000"/>
-                </a:solidFill>
-                <a:latin typeface="Helvetica"/>
-                <a:ea typeface="Helvetica"/>
-                <a:cs typeface="Helvetica"/>
-                <a:sym typeface="Helvetica"/>
-              </a:defRPr>
-            </a:pPr>
             <a:endParaRPr/>
           </a:p>
         </p:txBody>
@@ -1903,6 +1900,10 @@
           </p:nvPr>
         </p:nvSpPr>
         <p:spPr>
+          <a:xfrm>
+            <a:off x="508000" y="596900"/>
+            <a:ext cx="11988800" cy="1905000"/>
+          </a:xfrm>
           <a:prstGeom prst="rect">
             <a:avLst/>
           </a:prstGeom>
@@ -2057,7 +2058,7 @@
         <p:spPr>
           <a:xfrm>
             <a:off x="508000" y="2578100"/>
-            <a:ext cx="11988800" cy="0"/>
+            <a:ext cx="11988801" cy="0"/>
           </a:xfrm>
           <a:prstGeom prst="line">
             <a:avLst/>
@@ -2072,20 +2073,9 @@
           </a:ln>
         </p:spPr>
         <p:txBody>
-          <a:bodyPr lIns="50800" tIns="50800" rIns="50800" bIns="50800" anchor="ctr"/>
+          <a:bodyPr lIns="45718" tIns="45718" rIns="45718" bIns="45718"/>
           <a:lstStyle/>
           <a:p>
-            <a:pPr algn="l" defTabSz="457200">
-              <a:defRPr sz="1200">
-                <a:solidFill>
-                  <a:srgbClr val="000000"/>
-                </a:solidFill>
-                <a:latin typeface="Helvetica"/>
-                <a:ea typeface="Helvetica"/>
-                <a:cs typeface="Helvetica"/>
-                <a:sym typeface="Helvetica"/>
-              </a:defRPr>
-            </a:pPr>
             <a:endParaRPr/>
           </a:p>
         </p:txBody>
@@ -2098,8 +2088,8 @@
         </p:nvSpPr>
         <p:spPr>
           <a:xfrm flipV="1">
-            <a:off x="508000" y="9245597"/>
-            <a:ext cx="11988800" cy="3"/>
+            <a:off x="508000" y="9245596"/>
+            <a:ext cx="11988801" cy="4"/>
           </a:xfrm>
           <a:prstGeom prst="line">
             <a:avLst/>
@@ -2114,20 +2104,9 @@
           </a:ln>
         </p:spPr>
         <p:txBody>
-          <a:bodyPr lIns="50800" tIns="50800" rIns="50800" bIns="50800" anchor="ctr"/>
+          <a:bodyPr lIns="45718" tIns="45718" rIns="45718" bIns="45718"/>
           <a:lstStyle/>
           <a:p>
-            <a:pPr algn="l" defTabSz="457200">
-              <a:defRPr sz="1200">
-                <a:solidFill>
-                  <a:srgbClr val="000000"/>
-                </a:solidFill>
-                <a:latin typeface="Helvetica"/>
-                <a:ea typeface="Helvetica"/>
-                <a:cs typeface="Helvetica"/>
-                <a:sym typeface="Helvetica"/>
-              </a:defRPr>
-            </a:pPr>
             <a:endParaRPr/>
           </a:p>
         </p:txBody>
@@ -2141,7 +2120,7 @@
         <p:spPr>
           <a:xfrm flipV="1">
             <a:off x="508000" y="508000"/>
-            <a:ext cx="11988800" cy="1"/>
+            <a:ext cx="11988801" cy="2"/>
           </a:xfrm>
           <a:prstGeom prst="line">
             <a:avLst/>
@@ -2156,20 +2135,9 @@
           </a:ln>
         </p:spPr>
         <p:txBody>
-          <a:bodyPr lIns="50800" tIns="50800" rIns="50800" bIns="50800" anchor="ctr"/>
+          <a:bodyPr lIns="45718" tIns="45718" rIns="45718" bIns="45718"/>
           <a:lstStyle/>
           <a:p>
-            <a:pPr algn="l" defTabSz="457200">
-              <a:defRPr sz="1200">
-                <a:solidFill>
-                  <a:srgbClr val="000000"/>
-                </a:solidFill>
-                <a:latin typeface="Helvetica"/>
-                <a:ea typeface="Helvetica"/>
-                <a:cs typeface="Helvetica"/>
-                <a:sym typeface="Helvetica"/>
-              </a:defRPr>
-            </a:pPr>
             <a:endParaRPr/>
           </a:p>
         </p:txBody>
@@ -2186,15 +2154,12 @@
         </p:nvSpPr>
         <p:spPr>
           <a:xfrm>
-            <a:off x="620619" y="2994799"/>
-            <a:ext cx="5524501" cy="5524501"/>
+            <a:off x="620618" y="2994798"/>
+            <a:ext cx="5524503" cy="5524503"/>
           </a:xfrm>
           <a:prstGeom prst="rect">
             <a:avLst/>
           </a:prstGeom>
-          <a:ln w="9525">
-            <a:round/>
-          </a:ln>
         </p:spPr>
         <p:txBody>
           <a:bodyPr lIns="91439" tIns="45719" rIns="91439" bIns="45719" anchor="t">
@@ -2217,6 +2182,10 @@
           </p:nvPr>
         </p:nvSpPr>
         <p:spPr>
+          <a:xfrm>
+            <a:off x="508000" y="596900"/>
+            <a:ext cx="11988800" cy="1905000"/>
+          </a:xfrm>
           <a:prstGeom prst="rect">
             <a:avLst/>
           </a:prstGeom>
@@ -2257,7 +2226,6 @@
               <a:spcBef>
                 <a:spcPts val="3200"/>
               </a:spcBef>
-              <a:buSzPct val="30000"/>
               <a:buBlip>
                 <a:blip r:embed="rId2"/>
               </a:buBlip>
@@ -2267,7 +2235,6 @@
               <a:spcBef>
                 <a:spcPts val="3200"/>
               </a:spcBef>
-              <a:buSzPct val="30000"/>
               <a:buBlip>
                 <a:blip r:embed="rId2"/>
               </a:buBlip>
@@ -2277,7 +2244,6 @@
               <a:spcBef>
                 <a:spcPts val="3200"/>
               </a:spcBef>
-              <a:buSzPct val="30000"/>
               <a:buBlip>
                 <a:blip r:embed="rId2"/>
               </a:buBlip>
@@ -2287,7 +2253,6 @@
               <a:spcBef>
                 <a:spcPts val="3200"/>
               </a:spcBef>
-              <a:buSzPct val="30000"/>
               <a:buBlip>
                 <a:blip r:embed="rId2"/>
               </a:buBlip>
@@ -2297,7 +2262,6 @@
               <a:spcBef>
                 <a:spcPts val="3200"/>
               </a:spcBef>
-              <a:buSzPct val="30000"/>
               <a:buBlip>
                 <a:blip r:embed="rId2"/>
               </a:buBlip>
@@ -2532,9 +2496,6 @@
           <a:prstGeom prst="rect">
             <a:avLst/>
           </a:prstGeom>
-          <a:ln w="9525">
-            <a:round/>
-          </a:ln>
         </p:spPr>
         <p:txBody>
           <a:bodyPr lIns="91439" tIns="45719" rIns="91439" bIns="45719" anchor="t">
@@ -2564,9 +2525,6 @@
           <a:prstGeom prst="rect">
             <a:avLst/>
           </a:prstGeom>
-          <a:ln w="9525">
-            <a:round/>
-          </a:ln>
         </p:spPr>
         <p:txBody>
           <a:bodyPr lIns="91439" tIns="45719" rIns="91439" bIns="45719" anchor="t">
@@ -2590,15 +2548,12 @@
         </p:nvSpPr>
         <p:spPr>
           <a:xfrm>
-            <a:off x="620619" y="975499"/>
-            <a:ext cx="5575301" cy="7670801"/>
+            <a:off x="620618" y="975498"/>
+            <a:ext cx="5575303" cy="7670802"/>
           </a:xfrm>
           <a:prstGeom prst="rect">
             <a:avLst/>
           </a:prstGeom>
-          <a:ln w="9525">
-            <a:round/>
-          </a:ln>
         </p:spPr>
         <p:txBody>
           <a:bodyPr lIns="91439" tIns="45719" rIns="91439" bIns="45719" anchor="t">
@@ -2680,8 +2635,8 @@
         </p:nvSpPr>
         <p:spPr>
           <a:xfrm flipV="1">
-            <a:off x="508000" y="9245597"/>
-            <a:ext cx="11988800" cy="3"/>
+            <a:off x="508000" y="9245596"/>
+            <a:ext cx="11988801" cy="4"/>
           </a:xfrm>
           <a:prstGeom prst="line">
             <a:avLst/>
@@ -2696,20 +2651,9 @@
           </a:ln>
         </p:spPr>
         <p:txBody>
-          <a:bodyPr lIns="50800" tIns="50800" rIns="50800" bIns="50800" anchor="ctr"/>
+          <a:bodyPr lIns="45718" tIns="45718" rIns="45718" bIns="45718"/>
           <a:lstStyle/>
           <a:p>
-            <a:pPr algn="l" defTabSz="457200">
-              <a:defRPr sz="1200">
-                <a:solidFill>
-                  <a:srgbClr val="000000"/>
-                </a:solidFill>
-                <a:latin typeface="Helvetica"/>
-                <a:ea typeface="Helvetica"/>
-                <a:cs typeface="Helvetica"/>
-                <a:sym typeface="Helvetica"/>
-              </a:defRPr>
-            </a:pPr>
             <a:endParaRPr/>
           </a:p>
         </p:txBody>
@@ -2723,7 +2667,7 @@
         <p:spPr>
           <a:xfrm flipV="1">
             <a:off x="508000" y="508000"/>
-            <a:ext cx="11988800" cy="1"/>
+            <a:ext cx="11988801" cy="2"/>
           </a:xfrm>
           <a:prstGeom prst="line">
             <a:avLst/>
@@ -2738,20 +2682,9 @@
           </a:ln>
         </p:spPr>
         <p:txBody>
-          <a:bodyPr lIns="50800" tIns="50800" rIns="50800" bIns="50800" anchor="ctr"/>
+          <a:bodyPr lIns="45718" tIns="45718" rIns="45718" bIns="45718"/>
           <a:lstStyle/>
           <a:p>
-            <a:pPr algn="l" defTabSz="457200">
-              <a:defRPr sz="1200">
-                <a:solidFill>
-                  <a:srgbClr val="000000"/>
-                </a:solidFill>
-                <a:latin typeface="Helvetica"/>
-                <a:ea typeface="Helvetica"/>
-                <a:cs typeface="Helvetica"/>
-                <a:sym typeface="Helvetica"/>
-              </a:defRPr>
-            </a:pPr>
             <a:endParaRPr/>
           </a:p>
         </p:txBody>
@@ -2779,7 +2712,7 @@
           </a:ln>
           <a:extLst>
             <a:ext uri="{C572A759-6A51-4108-AA02-DFA0A04FC94B}">
-              <ma14:wrappingTextBoxFlag xmlns="" xmlns:m="http://schemas.openxmlformats.org/officeDocument/2006/math" xmlns:a14="http://schemas.microsoft.com/office/drawing/2010/main" xmlns:ma14="http://schemas.microsoft.com/office/mac/drawingml/2011/main" val="1"/>
+              <ma14:wrappingTextBoxFlag xmlns:ma14="http://schemas.microsoft.com/office/mac/drawingml/2011/main" xmlns:a14="http://schemas.microsoft.com/office/drawing/2010/main" xmlns:m="http://schemas.openxmlformats.org/officeDocument/2006/math" xmlns="" val="1"/>
             </a:ext>
           </a:extLst>
         </p:spPr>
@@ -2857,8 +2790,8 @@
         </p:nvSpPr>
         <p:spPr>
           <a:xfrm>
-            <a:off x="508000" y="596900"/>
-            <a:ext cx="11988800" cy="1905000"/>
+            <a:off x="1948462" y="1950720"/>
+            <a:ext cx="10403841" cy="661529"/>
           </a:xfrm>
           <a:prstGeom prst="rect">
             <a:avLst/>
@@ -2868,7 +2801,7 @@
           </a:ln>
           <a:extLst>
             <a:ext uri="{C572A759-6A51-4108-AA02-DFA0A04FC94B}">
-              <ma14:wrappingTextBoxFlag xmlns="" xmlns:m="http://schemas.openxmlformats.org/officeDocument/2006/math" xmlns:a14="http://schemas.microsoft.com/office/drawing/2010/main" xmlns:ma14="http://schemas.microsoft.com/office/mac/drawingml/2011/main" val="1"/>
+              <ma14:wrappingTextBoxFlag xmlns:ma14="http://schemas.microsoft.com/office/mac/drawingml/2011/main" xmlns:a14="http://schemas.microsoft.com/office/drawing/2010/main" xmlns:m="http://schemas.openxmlformats.org/officeDocument/2006/math" xmlns="" val="1"/>
             </a:ext>
           </a:extLst>
         </p:spPr>
@@ -2966,9 +2899,9 @@
             <a:srgbClr val="606060"/>
           </a:solidFill>
           <a:uFillTx/>
-          <a:latin typeface="+mj-lt"/>
-          <a:ea typeface="+mj-ea"/>
-          <a:cs typeface="+mj-cs"/>
+          <a:latin typeface="Gill Sans Light"/>
+          <a:ea typeface="Gill Sans Light"/>
+          <a:cs typeface="Gill Sans Light"/>
           <a:sym typeface="Gill Sans Light"/>
         </a:defRPr>
       </a:lvl1pPr>
@@ -2995,9 +2928,9 @@
             <a:srgbClr val="606060"/>
           </a:solidFill>
           <a:uFillTx/>
-          <a:latin typeface="+mj-lt"/>
-          <a:ea typeface="+mj-ea"/>
-          <a:cs typeface="+mj-cs"/>
+          <a:latin typeface="Gill Sans Light"/>
+          <a:ea typeface="Gill Sans Light"/>
+          <a:cs typeface="Gill Sans Light"/>
           <a:sym typeface="Gill Sans Light"/>
         </a:defRPr>
       </a:lvl2pPr>
@@ -3024,9 +2957,9 @@
             <a:srgbClr val="606060"/>
           </a:solidFill>
           <a:uFillTx/>
-          <a:latin typeface="+mj-lt"/>
-          <a:ea typeface="+mj-ea"/>
-          <a:cs typeface="+mj-cs"/>
+          <a:latin typeface="Gill Sans Light"/>
+          <a:ea typeface="Gill Sans Light"/>
+          <a:cs typeface="Gill Sans Light"/>
           <a:sym typeface="Gill Sans Light"/>
         </a:defRPr>
       </a:lvl3pPr>
@@ -3053,9 +2986,9 @@
             <a:srgbClr val="606060"/>
           </a:solidFill>
           <a:uFillTx/>
-          <a:latin typeface="+mj-lt"/>
-          <a:ea typeface="+mj-ea"/>
-          <a:cs typeface="+mj-cs"/>
+          <a:latin typeface="Gill Sans Light"/>
+          <a:ea typeface="Gill Sans Light"/>
+          <a:cs typeface="Gill Sans Light"/>
           <a:sym typeface="Gill Sans Light"/>
         </a:defRPr>
       </a:lvl4pPr>
@@ -3082,9 +3015,9 @@
             <a:srgbClr val="606060"/>
           </a:solidFill>
           <a:uFillTx/>
-          <a:latin typeface="+mj-lt"/>
-          <a:ea typeface="+mj-ea"/>
-          <a:cs typeface="+mj-cs"/>
+          <a:latin typeface="Gill Sans Light"/>
+          <a:ea typeface="Gill Sans Light"/>
+          <a:cs typeface="Gill Sans Light"/>
           <a:sym typeface="Gill Sans Light"/>
         </a:defRPr>
       </a:lvl5pPr>
@@ -3111,9 +3044,9 @@
             <a:srgbClr val="606060"/>
           </a:solidFill>
           <a:uFillTx/>
-          <a:latin typeface="+mj-lt"/>
-          <a:ea typeface="+mj-ea"/>
-          <a:cs typeface="+mj-cs"/>
+          <a:latin typeface="Gill Sans Light"/>
+          <a:ea typeface="Gill Sans Light"/>
+          <a:cs typeface="Gill Sans Light"/>
           <a:sym typeface="Gill Sans Light"/>
         </a:defRPr>
       </a:lvl6pPr>
@@ -3140,9 +3073,9 @@
             <a:srgbClr val="606060"/>
           </a:solidFill>
           <a:uFillTx/>
-          <a:latin typeface="+mj-lt"/>
-          <a:ea typeface="+mj-ea"/>
-          <a:cs typeface="+mj-cs"/>
+          <a:latin typeface="Gill Sans Light"/>
+          <a:ea typeface="Gill Sans Light"/>
+          <a:cs typeface="Gill Sans Light"/>
           <a:sym typeface="Gill Sans Light"/>
         </a:defRPr>
       </a:lvl7pPr>
@@ -3169,9 +3102,9 @@
             <a:srgbClr val="606060"/>
           </a:solidFill>
           <a:uFillTx/>
-          <a:latin typeface="+mj-lt"/>
-          <a:ea typeface="+mj-ea"/>
-          <a:cs typeface="+mj-cs"/>
+          <a:latin typeface="Gill Sans Light"/>
+          <a:ea typeface="Gill Sans Light"/>
+          <a:cs typeface="Gill Sans Light"/>
           <a:sym typeface="Gill Sans Light"/>
         </a:defRPr>
       </a:lvl8pPr>
@@ -3198,9 +3131,9 @@
             <a:srgbClr val="606060"/>
           </a:solidFill>
           <a:uFillTx/>
-          <a:latin typeface="+mj-lt"/>
-          <a:ea typeface="+mj-ea"/>
-          <a:cs typeface="+mj-cs"/>
+          <a:latin typeface="Gill Sans Light"/>
+          <a:ea typeface="Gill Sans Light"/>
+          <a:cs typeface="Gill Sans Light"/>
           <a:sym typeface="Gill Sans Light"/>
         </a:defRPr>
       </a:lvl9pPr>
@@ -3231,9 +3164,9 @@
             <a:srgbClr val="606060"/>
           </a:solidFill>
           <a:uFillTx/>
-          <a:latin typeface="+mn-lt"/>
-          <a:ea typeface="+mn-ea"/>
-          <a:cs typeface="+mn-cs"/>
+          <a:latin typeface="Gill Sans"/>
+          <a:ea typeface="Gill Sans"/>
+          <a:cs typeface="Gill Sans"/>
           <a:sym typeface="Gill Sans"/>
         </a:defRPr>
       </a:lvl1pPr>
@@ -3262,9 +3195,9 @@
             <a:srgbClr val="606060"/>
           </a:solidFill>
           <a:uFillTx/>
-          <a:latin typeface="+mn-lt"/>
-          <a:ea typeface="+mn-ea"/>
-          <a:cs typeface="+mn-cs"/>
+          <a:latin typeface="Gill Sans"/>
+          <a:ea typeface="Gill Sans"/>
+          <a:cs typeface="Gill Sans"/>
           <a:sym typeface="Gill Sans"/>
         </a:defRPr>
       </a:lvl2pPr>
@@ -3293,9 +3226,9 @@
             <a:srgbClr val="606060"/>
           </a:solidFill>
           <a:uFillTx/>
-          <a:latin typeface="+mn-lt"/>
-          <a:ea typeface="+mn-ea"/>
-          <a:cs typeface="+mn-cs"/>
+          <a:latin typeface="Gill Sans"/>
+          <a:ea typeface="Gill Sans"/>
+          <a:cs typeface="Gill Sans"/>
           <a:sym typeface="Gill Sans"/>
         </a:defRPr>
       </a:lvl3pPr>
@@ -3324,9 +3257,9 @@
             <a:srgbClr val="606060"/>
           </a:solidFill>
           <a:uFillTx/>
-          <a:latin typeface="+mn-lt"/>
-          <a:ea typeface="+mn-ea"/>
-          <a:cs typeface="+mn-cs"/>
+          <a:latin typeface="Gill Sans"/>
+          <a:ea typeface="Gill Sans"/>
+          <a:cs typeface="Gill Sans"/>
           <a:sym typeface="Gill Sans"/>
         </a:defRPr>
       </a:lvl4pPr>
@@ -3355,9 +3288,9 @@
             <a:srgbClr val="606060"/>
           </a:solidFill>
           <a:uFillTx/>
-          <a:latin typeface="+mn-lt"/>
-          <a:ea typeface="+mn-ea"/>
-          <a:cs typeface="+mn-cs"/>
+          <a:latin typeface="Gill Sans"/>
+          <a:ea typeface="Gill Sans"/>
+          <a:cs typeface="Gill Sans"/>
           <a:sym typeface="Gill Sans"/>
         </a:defRPr>
       </a:lvl5pPr>
@@ -3386,9 +3319,9 @@
             <a:srgbClr val="606060"/>
           </a:solidFill>
           <a:uFillTx/>
-          <a:latin typeface="+mn-lt"/>
-          <a:ea typeface="+mn-ea"/>
-          <a:cs typeface="+mn-cs"/>
+          <a:latin typeface="Gill Sans"/>
+          <a:ea typeface="Gill Sans"/>
+          <a:cs typeface="Gill Sans"/>
           <a:sym typeface="Gill Sans"/>
         </a:defRPr>
       </a:lvl6pPr>
@@ -3417,9 +3350,9 @@
             <a:srgbClr val="606060"/>
           </a:solidFill>
           <a:uFillTx/>
-          <a:latin typeface="+mn-lt"/>
-          <a:ea typeface="+mn-ea"/>
-          <a:cs typeface="+mn-cs"/>
+          <a:latin typeface="Gill Sans"/>
+          <a:ea typeface="Gill Sans"/>
+          <a:cs typeface="Gill Sans"/>
           <a:sym typeface="Gill Sans"/>
         </a:defRPr>
       </a:lvl7pPr>
@@ -3448,9 +3381,9 @@
             <a:srgbClr val="606060"/>
           </a:solidFill>
           <a:uFillTx/>
-          <a:latin typeface="+mn-lt"/>
-          <a:ea typeface="+mn-ea"/>
-          <a:cs typeface="+mn-cs"/>
+          <a:latin typeface="Gill Sans"/>
+          <a:ea typeface="Gill Sans"/>
+          <a:cs typeface="Gill Sans"/>
           <a:sym typeface="Gill Sans"/>
         </a:defRPr>
       </a:lvl8pPr>
@@ -3479,15 +3412,15 @@
             <a:srgbClr val="606060"/>
           </a:solidFill>
           <a:uFillTx/>
-          <a:latin typeface="+mn-lt"/>
-          <a:ea typeface="+mn-ea"/>
-          <a:cs typeface="+mn-cs"/>
+          <a:latin typeface="Gill Sans"/>
+          <a:ea typeface="Gill Sans"/>
+          <a:cs typeface="Gill Sans"/>
           <a:sym typeface="Gill Sans"/>
         </a:defRPr>
       </a:lvl9pPr>
     </p:bodyStyle>
     <p:otherStyle>
-      <a:lvl1pPr marL="0" marR="0" indent="0" algn="ctr" defTabSz="584200" latinLnBrk="0">
+      <a:lvl1pPr marL="0" marR="0" indent="0" algn="ctr" defTabSz="584200" rtl="0" latinLnBrk="0">
         <a:lnSpc>
           <a:spcPct val="100000"/>
         </a:lnSpc>
@@ -3516,7 +3449,7 @@
           <a:sym typeface="Gill Sans"/>
         </a:defRPr>
       </a:lvl1pPr>
-      <a:lvl2pPr marL="0" marR="0" indent="228600" algn="ctr" defTabSz="584200" latinLnBrk="0">
+      <a:lvl2pPr marL="0" marR="0" indent="0" algn="ctr" defTabSz="584200" rtl="0" latinLnBrk="0">
         <a:lnSpc>
           <a:spcPct val="100000"/>
         </a:lnSpc>
@@ -3545,7 +3478,7 @@
           <a:sym typeface="Gill Sans"/>
         </a:defRPr>
       </a:lvl2pPr>
-      <a:lvl3pPr marL="0" marR="0" indent="457200" algn="ctr" defTabSz="584200" latinLnBrk="0">
+      <a:lvl3pPr marL="0" marR="0" indent="0" algn="ctr" defTabSz="584200" rtl="0" latinLnBrk="0">
         <a:lnSpc>
           <a:spcPct val="100000"/>
         </a:lnSpc>
@@ -3574,7 +3507,7 @@
           <a:sym typeface="Gill Sans"/>
         </a:defRPr>
       </a:lvl3pPr>
-      <a:lvl4pPr marL="0" marR="0" indent="685800" algn="ctr" defTabSz="584200" latinLnBrk="0">
+      <a:lvl4pPr marL="0" marR="0" indent="0" algn="ctr" defTabSz="584200" rtl="0" latinLnBrk="0">
         <a:lnSpc>
           <a:spcPct val="100000"/>
         </a:lnSpc>
@@ -3603,7 +3536,7 @@
           <a:sym typeface="Gill Sans"/>
         </a:defRPr>
       </a:lvl4pPr>
-      <a:lvl5pPr marL="0" marR="0" indent="914400" algn="ctr" defTabSz="584200" latinLnBrk="0">
+      <a:lvl5pPr marL="0" marR="0" indent="0" algn="ctr" defTabSz="584200" rtl="0" latinLnBrk="0">
         <a:lnSpc>
           <a:spcPct val="100000"/>
         </a:lnSpc>
@@ -3632,7 +3565,7 @@
           <a:sym typeface="Gill Sans"/>
         </a:defRPr>
       </a:lvl5pPr>
-      <a:lvl6pPr marL="0" marR="0" indent="1143000" algn="ctr" defTabSz="584200" latinLnBrk="0">
+      <a:lvl6pPr marL="0" marR="0" indent="0" algn="ctr" defTabSz="584200" rtl="0" latinLnBrk="0">
         <a:lnSpc>
           <a:spcPct val="100000"/>
         </a:lnSpc>
@@ -3661,7 +3594,7 @@
           <a:sym typeface="Gill Sans"/>
         </a:defRPr>
       </a:lvl6pPr>
-      <a:lvl7pPr marL="0" marR="0" indent="1371600" algn="ctr" defTabSz="584200" latinLnBrk="0">
+      <a:lvl7pPr marL="0" marR="0" indent="0" algn="ctr" defTabSz="584200" rtl="0" latinLnBrk="0">
         <a:lnSpc>
           <a:spcPct val="100000"/>
         </a:lnSpc>
@@ -3690,7 +3623,7 @@
           <a:sym typeface="Gill Sans"/>
         </a:defRPr>
       </a:lvl7pPr>
-      <a:lvl8pPr marL="0" marR="0" indent="1600200" algn="ctr" defTabSz="584200" latinLnBrk="0">
+      <a:lvl8pPr marL="0" marR="0" indent="0" algn="ctr" defTabSz="584200" rtl="0" latinLnBrk="0">
         <a:lnSpc>
           <a:spcPct val="100000"/>
         </a:lnSpc>
@@ -3719,7 +3652,7 @@
           <a:sym typeface="Gill Sans"/>
         </a:defRPr>
       </a:lvl8pPr>
-      <a:lvl9pPr marL="0" marR="0" indent="1828800" algn="ctr" defTabSz="584200" latinLnBrk="0">
+      <a:lvl9pPr marL="0" marR="0" indent="0" algn="ctr" defTabSz="584200" rtl="0" latinLnBrk="0">
         <a:lnSpc>
           <a:spcPct val="100000"/>
         </a:lnSpc>
@@ -3774,7 +3707,7 @@
         <p:nvPicPr>
           <p:cNvPr id="131" name="servers.jpg" descr="servers.jpg"/>
           <p:cNvPicPr>
-            <a:picLocks noGrp="1"/>
+            <a:picLocks noGrp="1" noChangeAspect="1"/>
           </p:cNvPicPr>
           <p:nvPr>
             <p:ph type="pic" idx="13"/>
@@ -3790,8 +3723,8 @@
         </p:blipFill>
         <p:spPr>
           <a:xfrm>
-            <a:off x="495300" y="615969"/>
-            <a:ext cx="12014200" cy="6007101"/>
+            <a:off x="495300" y="615968"/>
+            <a:ext cx="12014200" cy="6007103"/>
           </a:xfrm>
           <a:prstGeom prst="rect">
             <a:avLst/>
@@ -3811,7 +3744,7 @@
         <p:spPr>
           <a:xfrm>
             <a:off x="508000" y="6921502"/>
-            <a:ext cx="11988800" cy="1117601"/>
+            <a:ext cx="11988800" cy="1117602"/>
           </a:xfrm>
           <a:prstGeom prst="rect">
             <a:avLst/>
@@ -3843,58 +3776,36 @@
         </p:nvSpPr>
         <p:spPr>
           <a:xfrm>
-            <a:off x="5886607" y="8227060"/>
-            <a:ext cx="7118193" cy="838200"/>
+            <a:off x="5886607" y="8227059"/>
+            <a:ext cx="7118192" cy="838201"/>
           </a:xfrm>
           <a:prstGeom prst="rect">
             <a:avLst/>
           </a:prstGeom>
         </p:spPr>
         <p:txBody>
-          <a:bodyPr>
-            <a:normAutofit fontScale="92500" lnSpcReduction="10000"/>
-          </a:bodyPr>
+          <a:bodyPr/>
           <a:lstStyle/>
           <a:p>
-            <a:pPr defTabSz="566674">
-              <a:defRPr sz="2328"/>
+            <a:pPr defTabSz="566673">
+              <a:lnSpc>
+                <a:spcPct val="108000"/>
+              </a:lnSpc>
+              <a:defRPr sz="2100"/>
             </a:pPr>
             <a:r>
-              <a:rPr dirty="0"/>
               <a:t>Professor: Robin Hillyard</a:t>
             </a:r>
           </a:p>
           <a:p>
-            <a:pPr defTabSz="566674">
-              <a:defRPr sz="2328"/>
+            <a:pPr defTabSz="566673">
+              <a:lnSpc>
+                <a:spcPct val="108000"/>
+              </a:lnSpc>
+              <a:defRPr sz="2100"/>
             </a:pPr>
             <a:r>
-              <a:rPr dirty="0"/>
-              <a:t>Team member: </a:t>
-            </a:r>
-            <a:r>
-              <a:rPr dirty="0" err="1"/>
-              <a:t>Xuanshan</a:t>
-            </a:r>
-            <a:r>
-              <a:rPr dirty="0"/>
-              <a:t> Xiao, </a:t>
-            </a:r>
-            <a:r>
-              <a:rPr dirty="0" err="1"/>
-              <a:t>Xuewen</a:t>
-            </a:r>
-            <a:r>
-              <a:rPr dirty="0"/>
-              <a:t> Xu, </a:t>
-            </a:r>
-            <a:r>
-              <a:rPr dirty="0" err="1"/>
-              <a:t>Tiange</a:t>
-            </a:r>
-            <a:r>
-              <a:rPr dirty="0"/>
-              <a:t> Wu</a:t>
+              <a:t>Team member: Xuanshan Xiao, Xuewen Xu, Tiange Wu</a:t>
             </a:r>
           </a:p>
         </p:txBody>
@@ -3907,8 +3818,8 @@
         </p:nvSpPr>
         <p:spPr>
           <a:xfrm>
-            <a:off x="544977" y="8181339"/>
-            <a:ext cx="4515892" cy="883921"/>
+            <a:off x="544976" y="8181339"/>
+            <a:ext cx="4515893" cy="883921"/>
           </a:xfrm>
           <a:prstGeom prst="rect">
             <a:avLst/>
@@ -3918,7 +3829,7 @@
           </a:ln>
           <a:extLst>
             <a:ext uri="{C572A759-6A51-4108-AA02-DFA0A04FC94B}">
-              <ma14:wrappingTextBoxFlag xmlns="" xmlns:m="http://schemas.openxmlformats.org/officeDocument/2006/math" xmlns:a14="http://schemas.microsoft.com/office/drawing/2010/main" xmlns:ma14="http://schemas.microsoft.com/office/mac/drawingml/2011/main" val="1"/>
+              <ma14:wrappingTextBoxFlag xmlns:ma14="http://schemas.microsoft.com/office/mac/drawingml/2011/main" xmlns:a14="http://schemas.microsoft.com/office/drawing/2010/main" xmlns:m="http://schemas.openxmlformats.org/officeDocument/2006/math" xmlns="" val="1"/>
             </a:ext>
           </a:extLst>
         </p:spPr>
@@ -3935,7 +3846,6 @@
               <a:defRPr sz="2400"/>
             </a:pPr>
             <a:r>
-              <a:rPr dirty="0"/>
               <a:t>Final Project</a:t>
             </a:r>
           </a:p>
@@ -3947,7 +3857,6 @@
               <a:defRPr sz="2400"/>
             </a:pPr>
             <a:r>
-              <a:rPr dirty="0"/>
               <a:t>of Program Structure &amp; Algorithms </a:t>
             </a:r>
           </a:p>
@@ -3981,7 +3890,7 @@
       </p:grpSpPr>
       <p:sp>
         <p:nvSpPr>
-          <p:cNvPr id="160" name="Acknolegment"/>
+          <p:cNvPr id="163" name="Acknolegment"/>
           <p:cNvSpPr txBox="1">
             <a:spLocks noGrp="1"/>
           </p:cNvSpPr>
@@ -4006,7 +3915,7 @@
       </p:sp>
       <p:sp>
         <p:nvSpPr>
-          <p:cNvPr id="161" name="The picture of the 1st slide: https://blogs.technet.microsoft.com/uktechnet/2017/01/17/how-to-boost-your-windows-server-2016-security/"/>
+          <p:cNvPr id="164" name="The picture of the 1st slide: https://blogs.technet.microsoft.com/uktechnet/2017/01/17/how-to-boost-your-windows-server-2016-security/"/>
           <p:cNvSpPr txBox="1">
             <a:spLocks noGrp="1"/>
           </p:cNvSpPr>
@@ -4029,28 +3938,11 @@
               </a:buBlip>
             </a:pPr>
             <a:r>
-              <a:rPr dirty="0"/>
               <a:t>The picture of the 1st slide: </a:t>
             </a:r>
             <a:r>
-              <a:rPr u="sng" dirty="0"/>
-              <a:t>https://</a:t>
-            </a:r>
-            <a:r>
-              <a:rPr u="sng" dirty="0" err="1"/>
-              <a:t>blogs.technet.microsoft.com</a:t>
-            </a:r>
-            <a:r>
-              <a:rPr u="sng" dirty="0"/>
-              <a:t>/</a:t>
-            </a:r>
-            <a:r>
-              <a:rPr u="sng" dirty="0" err="1"/>
-              <a:t>uktechnet</a:t>
-            </a:r>
-            <a:r>
-              <a:rPr u="sng" dirty="0"/>
-              <a:t>/2017/01/17/how-to-boost-your-windows-server-2016-security/</a:t>
+              <a:rPr u="sng"/>
+              <a:t>https://blogs.technet.microsoft.com/uktechnet/2017/01/17/how-to-boost-your-windows-server-2016-security/</a:t>
             </a:r>
           </a:p>
         </p:txBody>
@@ -4271,8 +4163,8 @@
           </a:p>
         </p:txBody>
       </p:sp>
-      <mc:AlternateContent xmlns:mc="http://schemas.openxmlformats.org/markup-compatibility/2006" xmlns:a14="http://schemas.microsoft.com/office/drawing/2010/main">
-        <mc:Choice Requires="a14">
+      <mc:AlternateContent xmlns:mc="http://schemas.openxmlformats.org/markup-compatibility/2006">
+        <mc:Choice xmlns:a14="http://schemas.microsoft.com/office/drawing/2010/main" Requires="a14">
           <p:sp>
             <p:nvSpPr>
               <p:cNvPr id="141" name="Equation"/>
@@ -4281,8 +4173,8 @@
             </p:nvSpPr>
             <p:spPr>
               <a:xfrm>
-                <a:off x="2988125" y="7845932"/>
-                <a:ext cx="8459369" cy="1072135"/>
+                <a:off x="2988124" y="7845931"/>
+                <a:ext cx="8898030" cy="1056591"/>
               </a:xfrm>
               <a:prstGeom prst="rect">
                 <a:avLst/>
@@ -4365,7 +4257,7 @@
                     </m:oMath>
                   </m:oMathPara>
                 </a14:m>
-                <a:endParaRPr sz="3600" dirty="0">
+                <a:endParaRPr sz="3600">
                   <a:solidFill>
                     <a:srgbClr val="606060"/>
                   </a:solidFill>
@@ -4374,7 +4266,7 @@
             </p:txBody>
           </p:sp>
         </mc:Choice>
-        <mc:Fallback xmlns="">
+        <mc:Fallback>
           <p:sp>
             <p:nvSpPr>
               <p:cNvPr id="141" name="Equation"/>
@@ -4385,8 +4277,8 @@
             </p:nvSpPr>
             <p:spPr>
               <a:xfrm>
-                <a:off x="2988125" y="7845932"/>
-                <a:ext cx="8459369" cy="1072135"/>
+                <a:off x="2988124" y="7845931"/>
+                <a:ext cx="8898030" cy="1056591"/>
               </a:xfrm>
               <a:prstGeom prst="rect">
                 <a:avLst/>
@@ -4394,7 +4286,7 @@
               <a:blipFill>
                 <a:blip r:embed="rId3"/>
                 <a:stretch>
-                  <a:fillRect l="-2399" t="-3529" r="-13943" b="-25882"/>
+                  <a:fillRect l="-2279" t="-3571" r="-8262" b="-27381"/>
                 </a:stretch>
               </a:blipFill>
               <a:ln w="12700">
@@ -4454,15 +4346,15 @@
           <a:blip r:embed="rId2">
             <a:extLst/>
           </a:blip>
-          <a:srcRect l="2231" t="2291" r="13317" b="6019"/>
+          <a:srcRect l="2231" t="2291" r="13316" b="6019"/>
           <a:stretch>
             <a:fillRect/>
           </a:stretch>
         </p:blipFill>
         <p:spPr>
           <a:xfrm>
-            <a:off x="1559059" y="636671"/>
-            <a:ext cx="10934159" cy="8643909"/>
+            <a:off x="1559058" y="636670"/>
+            <a:ext cx="10934161" cy="8643910"/>
           </a:xfrm>
           <a:prstGeom prst="rect">
             <a:avLst/>
@@ -4491,7 +4383,7 @@
           </a:ln>
           <a:extLst>
             <a:ext uri="{C572A759-6A51-4108-AA02-DFA0A04FC94B}">
-              <ma14:wrappingTextBoxFlag xmlns="" xmlns:m="http://schemas.openxmlformats.org/officeDocument/2006/math" xmlns:a14="http://schemas.microsoft.com/office/drawing/2010/main" xmlns:ma14="http://schemas.microsoft.com/office/mac/drawingml/2011/main" val="1"/>
+              <ma14:wrappingTextBoxFlag xmlns:ma14="http://schemas.microsoft.com/office/mac/drawingml/2011/main" xmlns:a14="http://schemas.microsoft.com/office/drawing/2010/main" xmlns:m="http://schemas.openxmlformats.org/officeDocument/2006/math" xmlns="" val="1"/>
             </a:ext>
           </a:extLst>
         </p:spPr>
@@ -4577,8 +4469,8 @@
         </p:blipFill>
         <p:spPr>
           <a:xfrm>
-            <a:off x="1259407" y="3133363"/>
-            <a:ext cx="10485986" cy="2404043"/>
+            <a:off x="1259482" y="2666999"/>
+            <a:ext cx="9384070" cy="2151415"/>
           </a:xfrm>
           <a:prstGeom prst="rect">
             <a:avLst/>
@@ -4607,8 +4499,38 @@
         </p:blipFill>
         <p:spPr>
           <a:xfrm>
-            <a:off x="1251965" y="6168869"/>
-            <a:ext cx="10493428" cy="2520311"/>
+            <a:off x="1259482" y="4913559"/>
+            <a:ext cx="9384197" cy="2253896"/>
+          </a:xfrm>
+          <a:prstGeom prst="rect">
+            <a:avLst/>
+          </a:prstGeom>
+          <a:ln w="12700">
+            <a:miter lim="400000"/>
+          </a:ln>
+        </p:spPr>
+      </p:pic>
+      <p:pic>
+        <p:nvPicPr>
+          <p:cNvPr id="149" name="911544067628_.pic_hd.jpg" descr="911544067628_.pic_hd.jpg"/>
+          <p:cNvPicPr>
+            <a:picLocks noChangeAspect="1"/>
+          </p:cNvPicPr>
+          <p:nvPr/>
+        </p:nvPicPr>
+        <p:blipFill>
+          <a:blip r:embed="rId4">
+            <a:extLst/>
+          </a:blip>
+          <a:srcRect l="197" t="66246" r="2322" b="6345"/>
+          <a:stretch>
+            <a:fillRect/>
+          </a:stretch>
+        </p:blipFill>
+        <p:spPr>
+          <a:xfrm>
+            <a:off x="226814" y="7262512"/>
+            <a:ext cx="12551255" cy="1926266"/>
           </a:xfrm>
           <a:prstGeom prst="rect">
             <a:avLst/>
@@ -4646,7 +4568,7 @@
       </p:grpSpPr>
       <p:sp>
         <p:nvSpPr>
-          <p:cNvPr id="150" name="Result"/>
+          <p:cNvPr id="153" name="Result"/>
           <p:cNvSpPr txBox="1">
             <a:spLocks noGrp="1"/>
           </p:cNvSpPr>
@@ -4671,7 +4593,7 @@
       </p:sp>
       <p:pic>
         <p:nvPicPr>
-          <p:cNvPr id="151" name="Screen Shot 2018-12-04 at 4.54.05 PM.png" descr="Screen Shot 2018-12-04 at 4.54.05 PM.png"/>
+          <p:cNvPr id="154" name="Screen Shot 2018-12-04 at 4.54.05 PM.png" descr="Screen Shot 2018-12-04 at 4.54.05 PM.png"/>
           <p:cNvPicPr>
             <a:picLocks noChangeAspect="1"/>
           </p:cNvPicPr>
@@ -4681,7 +4603,6 @@
           <a:blip r:embed="rId2">
             <a:extLst/>
           </a:blip>
-          <a:srcRect/>
           <a:stretch>
             <a:fillRect/>
           </a:stretch>
@@ -4689,7 +4610,7 @@
         <p:spPr>
           <a:xfrm>
             <a:off x="2322291" y="2667000"/>
-            <a:ext cx="8360168" cy="6477019"/>
+            <a:ext cx="8360169" cy="6477019"/>
           </a:xfrm>
           <a:prstGeom prst="rect">
             <a:avLst/>
@@ -4727,7 +4648,7 @@
       </p:grpSpPr>
       <p:pic>
         <p:nvPicPr>
-          <p:cNvPr id="153" name="Screen Shot 2018-12-04 at 4.51.03 PM.png" descr="Screen Shot 2018-12-04 at 4.51.03 PM.png"/>
+          <p:cNvPr id="156" name="Screen Shot 2018-12-04 at 4.51.03 PM.png" descr="Screen Shot 2018-12-04 at 4.51.03 PM.png"/>
           <p:cNvPicPr>
             <a:picLocks noGrp="1" noChangeAspect="1"/>
           </p:cNvPicPr>
@@ -4745,6 +4666,10 @@
           </a:stretch>
         </p:blipFill>
         <p:spPr>
+          <a:xfrm>
+            <a:off x="0" y="-1"/>
+            <a:ext cx="13004800" cy="9753602"/>
+          </a:xfrm>
           <a:prstGeom prst="rect">
             <a:avLst/>
           </a:prstGeom>
@@ -4778,67 +4703,53 @@
       </p:grpSpPr>
       <p:graphicFrame>
         <p:nvGraphicFramePr>
-          <p:cNvPr id="2" name="Table 1">
-            <a:extLst>
-              <a:ext uri="{FF2B5EF4-FFF2-40B4-BE49-F238E27FC236}">
-                <a16:creationId xmlns:a16="http://schemas.microsoft.com/office/drawing/2014/main" id="{0E9778E8-0D7C-D740-BB36-3FC11E5BF661}"/>
-              </a:ext>
-            </a:extLst>
-          </p:cNvPr>
-          <p:cNvGraphicFramePr>
-            <a:graphicFrameLocks noGrp="1"/>
-          </p:cNvGraphicFramePr>
-          <p:nvPr>
-            <p:extLst>
-              <p:ext uri="{D42A27DB-BD31-4B8C-83A1-F6EECF244321}">
-                <p14:modId xmlns:p14="http://schemas.microsoft.com/office/powerpoint/2010/main" val="1001485570"/>
-              </p:ext>
-            </p:extLst>
-          </p:nvPr>
+          <p:cNvPr id="158" name="Table 1"/>
+          <p:cNvGraphicFramePr/>
+          <p:nvPr/>
         </p:nvGraphicFramePr>
         <p:xfrm>
-          <a:off x="956733" y="548759"/>
-          <a:ext cx="11091333" cy="8656082"/>
+          <a:off x="956732" y="548758"/>
+          <a:ext cx="11091335" cy="8656083"/>
         </p:xfrm>
         <a:graphic>
           <a:graphicData uri="http://schemas.openxmlformats.org/drawingml/2006/table">
             <a:tbl>
               <a:tblPr>
-                <a:tableStyleId>{33BA23B1-9221-436E-865A-0063620EA4FD}</a:tableStyleId>
+                <a:tableStyleId>{4C3C2611-4C71-4FC5-86AE-919BDF0F9419}</a:tableStyleId>
               </a:tblPr>
               <a:tblGrid>
                 <a:gridCol w="1782427">
                   <a:extLst>
                     <a:ext uri="{9D8B030D-6E8A-4147-A177-3AD203B41FA5}">
-                      <a16:colId xmlns:a16="http://schemas.microsoft.com/office/drawing/2014/main" val="136771158"/>
+                      <a16:colId xmlns:a16="http://schemas.microsoft.com/office/drawing/2014/main" val="20000"/>
                     </a:ext>
                   </a:extLst>
                 </a:gridCol>
-                <a:gridCol w="1709176">
+                <a:gridCol w="1709175">
                   <a:extLst>
                     <a:ext uri="{9D8B030D-6E8A-4147-A177-3AD203B41FA5}">
-                      <a16:colId xmlns:a16="http://schemas.microsoft.com/office/drawing/2014/main" val="2504046197"/>
+                      <a16:colId xmlns:a16="http://schemas.microsoft.com/office/drawing/2014/main" val="20001"/>
                     </a:ext>
                   </a:extLst>
                 </a:gridCol>
                 <a:gridCol w="1684760">
                   <a:extLst>
                     <a:ext uri="{9D8B030D-6E8A-4147-A177-3AD203B41FA5}">
-                      <a16:colId xmlns:a16="http://schemas.microsoft.com/office/drawing/2014/main" val="1734250231"/>
+                      <a16:colId xmlns:a16="http://schemas.microsoft.com/office/drawing/2014/main" val="20002"/>
                     </a:ext>
                   </a:extLst>
                 </a:gridCol>
                 <a:gridCol w="2783515">
                   <a:extLst>
                     <a:ext uri="{9D8B030D-6E8A-4147-A177-3AD203B41FA5}">
-                      <a16:colId xmlns:a16="http://schemas.microsoft.com/office/drawing/2014/main" val="4289156420"/>
+                      <a16:colId xmlns:a16="http://schemas.microsoft.com/office/drawing/2014/main" val="20003"/>
                     </a:ext>
                   </a:extLst>
                 </a:gridCol>
                 <a:gridCol w="3131455">
                   <a:extLst>
                     <a:ext uri="{9D8B030D-6E8A-4147-A177-3AD203B41FA5}">
-                      <a16:colId xmlns:a16="http://schemas.microsoft.com/office/drawing/2014/main" val="1209932092"/>
+                      <a16:colId xmlns:a16="http://schemas.microsoft.com/office/drawing/2014/main" val="20004"/>
                     </a:ext>
                   </a:extLst>
                 </a:gridCol>
@@ -4849,134 +4760,144 @@
                     <a:bodyPr/>
                     <a:lstStyle/>
                     <a:p>
-                      <a:pPr algn="ctr" fontAlgn="b"/>
-                      <a:r>
-                        <a:rPr lang="en-US" sz="2000" b="1" u="none" strike="noStrike" dirty="0">
-                          <a:effectLst/>
-                          <a:latin typeface="Arial" panose="020B0604020202020204" pitchFamily="34" charset="0"/>
-                          <a:cs typeface="Arial" panose="020B0604020202020204" pitchFamily="34" charset="0"/>
+                      <a:pPr>
+                        <a:defRPr>
+                          <a:solidFill>
+                            <a:srgbClr val="000000"/>
+                          </a:solidFill>
+                        </a:defRPr>
+                      </a:pPr>
+                      <a:r>
+                        <a:rPr sz="2000" b="1">
+                          <a:solidFill>
+                            <a:srgbClr val="606060"/>
+                          </a:solidFill>
+                          <a:latin typeface="Arial"/>
+                          <a:ea typeface="Arial"/>
+                          <a:cs typeface="Arial"/>
+                          <a:sym typeface="Arial"/>
                         </a:rPr>
                         <a:t>task</a:t>
                       </a:r>
-                      <a:endParaRPr lang="en-US" sz="2000" b="1" i="0" u="none" strike="noStrike" dirty="0">
-                        <a:solidFill>
-                          <a:srgbClr val="000000"/>
-                        </a:solidFill>
-                        <a:effectLst/>
-                        <a:latin typeface="Arial" panose="020B0604020202020204" pitchFamily="34" charset="0"/>
-                        <a:cs typeface="Arial" panose="020B0604020202020204" pitchFamily="34" charset="0"/>
-                      </a:endParaRPr>
-                    </a:p>
-                  </a:txBody>
-                  <a:tcPr marL="9525" marR="9525" marT="9525" marB="0" anchor="ctr"/>
-                </a:tc>
-                <a:tc>
-                  <a:txBody>
-                    <a:bodyPr/>
-                    <a:lstStyle/>
-                    <a:p>
-                      <a:pPr algn="ctr" fontAlgn="b"/>
-                      <a:r>
-                        <a:rPr lang="en-US" sz="2000" b="1" u="none" strike="noStrike" dirty="0">
-                          <a:effectLst/>
-                          <a:latin typeface="Arial" panose="020B0604020202020204" pitchFamily="34" charset="0"/>
-                          <a:cs typeface="Arial" panose="020B0604020202020204" pitchFamily="34" charset="0"/>
+                    </a:p>
+                  </a:txBody>
+                  <a:tcPr marL="9525" marR="9525" marT="9525" marB="9525" anchor="ctr" horzOverflow="overflow"/>
+                </a:tc>
+                <a:tc>
+                  <a:txBody>
+                    <a:bodyPr/>
+                    <a:lstStyle/>
+                    <a:p>
+                      <a:pPr>
+                        <a:defRPr>
+                          <a:solidFill>
+                            <a:srgbClr val="000000"/>
+                          </a:solidFill>
+                        </a:defRPr>
+                      </a:pPr>
+                      <a:r>
+                        <a:rPr sz="2000" b="1">
+                          <a:solidFill>
+                            <a:srgbClr val="606060"/>
+                          </a:solidFill>
+                          <a:latin typeface="Arial"/>
+                          <a:ea typeface="Arial"/>
+                          <a:cs typeface="Arial"/>
+                          <a:sym typeface="Arial"/>
                         </a:rPr>
                         <a:t>server</a:t>
                       </a:r>
-                      <a:endParaRPr lang="en-US" sz="2000" b="1" i="0" u="none" strike="noStrike" dirty="0">
-                        <a:solidFill>
-                          <a:srgbClr val="000000"/>
-                        </a:solidFill>
-                        <a:effectLst/>
-                        <a:latin typeface="Arial" panose="020B0604020202020204" pitchFamily="34" charset="0"/>
-                        <a:cs typeface="Arial" panose="020B0604020202020204" pitchFamily="34" charset="0"/>
-                      </a:endParaRPr>
-                    </a:p>
-                  </a:txBody>
-                  <a:tcPr marL="9525" marR="9525" marT="9525" marB="0" anchor="ctr"/>
-                </a:tc>
-                <a:tc>
-                  <a:txBody>
-                    <a:bodyPr/>
-                    <a:lstStyle/>
-                    <a:p>
-                      <a:pPr algn="ctr" fontAlgn="b"/>
-                      <a:r>
-                        <a:rPr lang="en-US" sz="2000" b="1" u="none" strike="noStrike" dirty="0">
-                          <a:effectLst/>
-                          <a:latin typeface="Arial" panose="020B0604020202020204" pitchFamily="34" charset="0"/>
-                          <a:cs typeface="Arial" panose="020B0604020202020204" pitchFamily="34" charset="0"/>
+                    </a:p>
+                  </a:txBody>
+                  <a:tcPr marL="9525" marR="9525" marT="9525" marB="9525" anchor="ctr" horzOverflow="overflow"/>
+                </a:tc>
+                <a:tc>
+                  <a:txBody>
+                    <a:bodyPr/>
+                    <a:lstStyle/>
+                    <a:p>
+                      <a:pPr>
+                        <a:defRPr>
+                          <a:solidFill>
+                            <a:srgbClr val="000000"/>
+                          </a:solidFill>
+                        </a:defRPr>
+                      </a:pPr>
+                      <a:r>
+                        <a:rPr sz="2000" b="1">
+                          <a:solidFill>
+                            <a:srgbClr val="606060"/>
+                          </a:solidFill>
+                          <a:latin typeface="Arial"/>
+                          <a:ea typeface="Arial"/>
+                          <a:cs typeface="Arial"/>
+                          <a:sym typeface="Arial"/>
                         </a:rPr>
                         <a:t>solution</a:t>
                       </a:r>
-                      <a:endParaRPr lang="en-US" sz="2000" b="1" i="0" u="none" strike="noStrike" dirty="0">
-                        <a:solidFill>
-                          <a:srgbClr val="000000"/>
-                        </a:solidFill>
-                        <a:effectLst/>
-                        <a:latin typeface="Arial" panose="020B0604020202020204" pitchFamily="34" charset="0"/>
-                        <a:cs typeface="Arial" panose="020B0604020202020204" pitchFamily="34" charset="0"/>
-                      </a:endParaRPr>
-                    </a:p>
-                  </a:txBody>
-                  <a:tcPr marL="9525" marR="9525" marT="9525" marB="0" anchor="ctr"/>
-                </a:tc>
-                <a:tc>
-                  <a:txBody>
-                    <a:bodyPr/>
-                    <a:lstStyle/>
-                    <a:p>
-                      <a:pPr algn="ctr" fontAlgn="b"/>
-                      <a:r>
-                        <a:rPr lang="en-US" sz="2000" b="1" u="none" strike="noStrike" dirty="0">
-                          <a:effectLst/>
-                          <a:latin typeface="Arial" panose="020B0604020202020204" pitchFamily="34" charset="0"/>
-                          <a:cs typeface="Arial" panose="020B0604020202020204" pitchFamily="34" charset="0"/>
+                    </a:p>
+                  </a:txBody>
+                  <a:tcPr marL="9525" marR="9525" marT="9525" marB="9525" anchor="ctr" horzOverflow="overflow"/>
+                </a:tc>
+                <a:tc>
+                  <a:txBody>
+                    <a:bodyPr/>
+                    <a:lstStyle/>
+                    <a:p>
+                      <a:pPr>
+                        <a:defRPr>
+                          <a:solidFill>
+                            <a:srgbClr val="000000"/>
+                          </a:solidFill>
+                        </a:defRPr>
+                      </a:pPr>
+                      <a:r>
+                        <a:rPr sz="2000" b="1">
+                          <a:solidFill>
+                            <a:srgbClr val="606060"/>
+                          </a:solidFill>
+                          <a:latin typeface="Arial"/>
+                          <a:ea typeface="Arial"/>
+                          <a:cs typeface="Arial"/>
+                          <a:sym typeface="Arial"/>
                         </a:rPr>
                         <a:t>convergent generation</a:t>
                       </a:r>
-                      <a:endParaRPr lang="en-US" sz="2000" b="1" i="0" u="none" strike="noStrike" dirty="0">
-                        <a:solidFill>
-                          <a:srgbClr val="000000"/>
-                        </a:solidFill>
-                        <a:effectLst/>
-                        <a:latin typeface="Arial" panose="020B0604020202020204" pitchFamily="34" charset="0"/>
-                        <a:cs typeface="Arial" panose="020B0604020202020204" pitchFamily="34" charset="0"/>
-                      </a:endParaRPr>
-                    </a:p>
-                  </a:txBody>
-                  <a:tcPr marL="9525" marR="9525" marT="9525" marB="0" anchor="ctr"/>
-                </a:tc>
-                <a:tc>
-                  <a:txBody>
-                    <a:bodyPr/>
-                    <a:lstStyle/>
-                    <a:p>
-                      <a:pPr algn="ctr" fontAlgn="b"/>
-                      <a:r>
-                        <a:rPr lang="en-US" sz="2000" b="1" u="none" strike="noStrike" dirty="0">
-                          <a:effectLst/>
-                          <a:latin typeface="Arial" panose="020B0604020202020204" pitchFamily="34" charset="0"/>
-                          <a:cs typeface="Arial" panose="020B0604020202020204" pitchFamily="34" charset="0"/>
+                    </a:p>
+                  </a:txBody>
+                  <a:tcPr marL="9525" marR="9525" marT="9525" marB="9525" anchor="ctr" horzOverflow="overflow"/>
+                </a:tc>
+                <a:tc>
+                  <a:txBody>
+                    <a:bodyPr/>
+                    <a:lstStyle/>
+                    <a:p>
+                      <a:pPr>
+                        <a:defRPr>
+                          <a:solidFill>
+                            <a:srgbClr val="000000"/>
+                          </a:solidFill>
+                        </a:defRPr>
+                      </a:pPr>
+                      <a:r>
+                        <a:rPr sz="2000" b="1">
+                          <a:solidFill>
+                            <a:srgbClr val="606060"/>
+                          </a:solidFill>
+                          <a:latin typeface="Arial"/>
+                          <a:ea typeface="Arial"/>
+                          <a:cs typeface="Arial"/>
+                          <a:sym typeface="Arial"/>
                         </a:rPr>
                         <a:t>average solution fitness</a:t>
                       </a:r>
-                      <a:endParaRPr lang="en-US" sz="2000" b="1" i="0" u="none" strike="noStrike" dirty="0">
-                        <a:solidFill>
-                          <a:srgbClr val="000000"/>
-                        </a:solidFill>
-                        <a:effectLst/>
-                        <a:latin typeface="Arial" panose="020B0604020202020204" pitchFamily="34" charset="0"/>
-                        <a:cs typeface="Arial" panose="020B0604020202020204" pitchFamily="34" charset="0"/>
-                      </a:endParaRPr>
-                    </a:p>
-                  </a:txBody>
-                  <a:tcPr marL="9525" marR="9525" marT="9525" marB="0" anchor="ctr"/>
+                    </a:p>
+                  </a:txBody>
+                  <a:tcPr marL="9525" marR="9525" marT="9525" marB="9525" anchor="ctr" horzOverflow="overflow"/>
                 </a:tc>
                 <a:extLst>
                   <a:ext uri="{0D108BD9-81ED-4DB2-BD59-A6C34878D82A}">
-                    <a16:rowId xmlns:a16="http://schemas.microsoft.com/office/drawing/2014/main" val="838665781"/>
+                    <a16:rowId xmlns:a16="http://schemas.microsoft.com/office/drawing/2014/main" val="10000"/>
                   </a:ext>
                 </a:extLst>
               </a:tr>
@@ -4986,144 +4907,144 @@
                     <a:bodyPr/>
                     <a:lstStyle/>
                     <a:p>
-                      <a:pPr algn="ctr" fontAlgn="b"/>
-                      <a:r>
-                        <a:rPr lang="en-US" sz="1800" b="0" i="0" u="none" strike="noStrike" dirty="0">
-                          <a:effectLst/>
-                          <a:latin typeface="Arial Unicode MS" panose="020B0604020202020204" pitchFamily="34" charset="-128"/>
-                          <a:ea typeface="Arial Unicode MS" panose="020B0604020202020204" pitchFamily="34" charset="-128"/>
-                          <a:cs typeface="Arial Unicode MS" panose="020B0604020202020204" pitchFamily="34" charset="-128"/>
+                      <a:pPr>
+                        <a:defRPr>
+                          <a:solidFill>
+                            <a:srgbClr val="000000"/>
+                          </a:solidFill>
+                        </a:defRPr>
+                      </a:pPr>
+                      <a:r>
+                        <a:rPr>
+                          <a:solidFill>
+                            <a:srgbClr val="606060"/>
+                          </a:solidFill>
+                          <a:latin typeface="Arial Unicode MS"/>
+                          <a:ea typeface="Arial Unicode MS"/>
+                          <a:cs typeface="Arial Unicode MS"/>
+                          <a:sym typeface="Arial Unicode MS"/>
                         </a:rPr>
                         <a:t>20</a:t>
                       </a:r>
-                      <a:endParaRPr lang="en-US" sz="1800" b="0" i="0" u="none" strike="noStrike" dirty="0">
-                        <a:solidFill>
-                          <a:srgbClr val="000000"/>
-                        </a:solidFill>
-                        <a:effectLst/>
-                        <a:latin typeface="Arial Unicode MS" panose="020B0604020202020204" pitchFamily="34" charset="-128"/>
-                        <a:ea typeface="Arial Unicode MS" panose="020B0604020202020204" pitchFamily="34" charset="-128"/>
-                        <a:cs typeface="Arial Unicode MS" panose="020B0604020202020204" pitchFamily="34" charset="-128"/>
-                      </a:endParaRPr>
-                    </a:p>
-                  </a:txBody>
-                  <a:tcPr marL="9525" marR="9525" marT="9525" marB="0" anchor="ctr"/>
-                </a:tc>
-                <a:tc>
-                  <a:txBody>
-                    <a:bodyPr/>
-                    <a:lstStyle/>
-                    <a:p>
-                      <a:pPr algn="ctr" fontAlgn="b"/>
-                      <a:r>
-                        <a:rPr lang="en-US" sz="1800" b="0" i="0" u="none" strike="noStrike">
-                          <a:effectLst/>
-                          <a:latin typeface="Arial Unicode MS" panose="020B0604020202020204" pitchFamily="34" charset="-128"/>
-                          <a:ea typeface="Arial Unicode MS" panose="020B0604020202020204" pitchFamily="34" charset="-128"/>
-                          <a:cs typeface="Arial Unicode MS" panose="020B0604020202020204" pitchFamily="34" charset="-128"/>
+                    </a:p>
+                  </a:txBody>
+                  <a:tcPr marL="9525" marR="9525" marT="9525" marB="9525" anchor="ctr" horzOverflow="overflow"/>
+                </a:tc>
+                <a:tc>
+                  <a:txBody>
+                    <a:bodyPr/>
+                    <a:lstStyle/>
+                    <a:p>
+                      <a:pPr>
+                        <a:defRPr>
+                          <a:solidFill>
+                            <a:srgbClr val="000000"/>
+                          </a:solidFill>
+                        </a:defRPr>
+                      </a:pPr>
+                      <a:r>
+                        <a:rPr>
+                          <a:solidFill>
+                            <a:srgbClr val="606060"/>
+                          </a:solidFill>
+                          <a:latin typeface="Arial Unicode MS"/>
+                          <a:ea typeface="Arial Unicode MS"/>
+                          <a:cs typeface="Arial Unicode MS"/>
+                          <a:sym typeface="Arial Unicode MS"/>
                         </a:rPr>
                         <a:t>10</a:t>
                       </a:r>
-                      <a:endParaRPr lang="en-US" sz="1800" b="0" i="0" u="none" strike="noStrike">
-                        <a:solidFill>
-                          <a:srgbClr val="000000"/>
-                        </a:solidFill>
-                        <a:effectLst/>
-                        <a:latin typeface="Arial Unicode MS" panose="020B0604020202020204" pitchFamily="34" charset="-128"/>
-                        <a:ea typeface="Arial Unicode MS" panose="020B0604020202020204" pitchFamily="34" charset="-128"/>
-                        <a:cs typeface="Arial Unicode MS" panose="020B0604020202020204" pitchFamily="34" charset="-128"/>
-                      </a:endParaRPr>
-                    </a:p>
-                  </a:txBody>
-                  <a:tcPr marL="9525" marR="9525" marT="9525" marB="0" anchor="ctr"/>
-                </a:tc>
-                <a:tc>
-                  <a:txBody>
-                    <a:bodyPr/>
-                    <a:lstStyle/>
-                    <a:p>
-                      <a:pPr algn="ctr" fontAlgn="b"/>
-                      <a:r>
-                        <a:rPr lang="en-US" sz="1800" b="0" i="0" u="none" strike="noStrike">
-                          <a:effectLst/>
-                          <a:latin typeface="Arial Unicode MS" panose="020B0604020202020204" pitchFamily="34" charset="-128"/>
-                          <a:ea typeface="Arial Unicode MS" panose="020B0604020202020204" pitchFamily="34" charset="-128"/>
-                          <a:cs typeface="Arial Unicode MS" panose="020B0604020202020204" pitchFamily="34" charset="-128"/>
+                    </a:p>
+                  </a:txBody>
+                  <a:tcPr marL="9525" marR="9525" marT="9525" marB="9525" anchor="ctr" horzOverflow="overflow"/>
+                </a:tc>
+                <a:tc>
+                  <a:txBody>
+                    <a:bodyPr/>
+                    <a:lstStyle/>
+                    <a:p>
+                      <a:pPr>
+                        <a:defRPr>
+                          <a:solidFill>
+                            <a:srgbClr val="000000"/>
+                          </a:solidFill>
+                        </a:defRPr>
+                      </a:pPr>
+                      <a:r>
+                        <a:rPr>
+                          <a:solidFill>
+                            <a:srgbClr val="606060"/>
+                          </a:solidFill>
+                          <a:latin typeface="Arial Unicode MS"/>
+                          <a:ea typeface="Arial Unicode MS"/>
+                          <a:cs typeface="Arial Unicode MS"/>
+                          <a:sym typeface="Arial Unicode MS"/>
                         </a:rPr>
                         <a:t>300</a:t>
                       </a:r>
-                      <a:endParaRPr lang="en-US" sz="1800" b="0" i="0" u="none" strike="noStrike">
-                        <a:solidFill>
-                          <a:srgbClr val="000000"/>
-                        </a:solidFill>
-                        <a:effectLst/>
-                        <a:latin typeface="Arial Unicode MS" panose="020B0604020202020204" pitchFamily="34" charset="-128"/>
-                        <a:ea typeface="Arial Unicode MS" panose="020B0604020202020204" pitchFamily="34" charset="-128"/>
-                        <a:cs typeface="Arial Unicode MS" panose="020B0604020202020204" pitchFamily="34" charset="-128"/>
-                      </a:endParaRPr>
-                    </a:p>
-                  </a:txBody>
-                  <a:tcPr marL="9525" marR="9525" marT="9525" marB="0" anchor="ctr"/>
-                </a:tc>
-                <a:tc>
-                  <a:txBody>
-                    <a:bodyPr/>
-                    <a:lstStyle/>
-                    <a:p>
-                      <a:pPr algn="ctr" fontAlgn="b"/>
-                      <a:r>
-                        <a:rPr lang="en-US" sz="1800" b="0" i="0" u="none" strike="noStrike">
-                          <a:effectLst/>
-                          <a:latin typeface="Arial Unicode MS" panose="020B0604020202020204" pitchFamily="34" charset="-128"/>
-                          <a:ea typeface="Arial Unicode MS" panose="020B0604020202020204" pitchFamily="34" charset="-128"/>
-                          <a:cs typeface="Arial Unicode MS" panose="020B0604020202020204" pitchFamily="34" charset="-128"/>
+                    </a:p>
+                  </a:txBody>
+                  <a:tcPr marL="9525" marR="9525" marT="9525" marB="9525" anchor="ctr" horzOverflow="overflow"/>
+                </a:tc>
+                <a:tc>
+                  <a:txBody>
+                    <a:bodyPr/>
+                    <a:lstStyle/>
+                    <a:p>
+                      <a:pPr>
+                        <a:defRPr>
+                          <a:solidFill>
+                            <a:srgbClr val="000000"/>
+                          </a:solidFill>
+                        </a:defRPr>
+                      </a:pPr>
+                      <a:r>
+                        <a:rPr>
+                          <a:solidFill>
+                            <a:srgbClr val="606060"/>
+                          </a:solidFill>
+                          <a:latin typeface="Arial Unicode MS"/>
+                          <a:ea typeface="Arial Unicode MS"/>
+                          <a:cs typeface="Arial Unicode MS"/>
+                          <a:sym typeface="Arial Unicode MS"/>
                         </a:rPr>
                         <a:t>73.45</a:t>
                       </a:r>
-                      <a:endParaRPr lang="en-US" sz="1800" b="0" i="0" u="none" strike="noStrike">
-                        <a:solidFill>
-                          <a:srgbClr val="000000"/>
-                        </a:solidFill>
-                        <a:effectLst/>
-                        <a:latin typeface="Arial Unicode MS" panose="020B0604020202020204" pitchFamily="34" charset="-128"/>
-                        <a:ea typeface="Arial Unicode MS" panose="020B0604020202020204" pitchFamily="34" charset="-128"/>
-                        <a:cs typeface="Arial Unicode MS" panose="020B0604020202020204" pitchFamily="34" charset="-128"/>
-                      </a:endParaRPr>
-                    </a:p>
-                  </a:txBody>
-                  <a:tcPr marL="9525" marR="9525" marT="9525" marB="0" anchor="ctr"/>
-                </a:tc>
-                <a:tc>
-                  <a:txBody>
-                    <a:bodyPr/>
-                    <a:lstStyle/>
-                    <a:p>
-                      <a:pPr algn="ctr" fontAlgn="b"/>
-                      <a:r>
-                        <a:rPr lang="en-US" sz="1800" b="0" i="0" u="none" strike="noStrike">
-                          <a:effectLst/>
-                          <a:latin typeface="Arial Unicode MS" panose="020B0604020202020204" pitchFamily="34" charset="-128"/>
-                          <a:ea typeface="Arial Unicode MS" panose="020B0604020202020204" pitchFamily="34" charset="-128"/>
-                          <a:cs typeface="Arial Unicode MS" panose="020B0604020202020204" pitchFamily="34" charset="-128"/>
+                    </a:p>
+                  </a:txBody>
+                  <a:tcPr marL="9525" marR="9525" marT="9525" marB="9525" anchor="ctr" horzOverflow="overflow"/>
+                </a:tc>
+                <a:tc>
+                  <a:txBody>
+                    <a:bodyPr/>
+                    <a:lstStyle/>
+                    <a:p>
+                      <a:pPr>
+                        <a:defRPr>
+                          <a:solidFill>
+                            <a:srgbClr val="000000"/>
+                          </a:solidFill>
+                        </a:defRPr>
+                      </a:pPr>
+                      <a:r>
+                        <a:rPr>
+                          <a:solidFill>
+                            <a:srgbClr val="606060"/>
+                          </a:solidFill>
+                          <a:latin typeface="Arial Unicode MS"/>
+                          <a:ea typeface="Arial Unicode MS"/>
+                          <a:cs typeface="Arial Unicode MS"/>
+                          <a:sym typeface="Arial Unicode MS"/>
                         </a:rPr>
                         <a:t>2610.64</a:t>
                       </a:r>
-                      <a:endParaRPr lang="en-US" sz="1800" b="0" i="0" u="none" strike="noStrike">
-                        <a:solidFill>
-                          <a:srgbClr val="000000"/>
-                        </a:solidFill>
-                        <a:effectLst/>
-                        <a:latin typeface="Arial Unicode MS" panose="020B0604020202020204" pitchFamily="34" charset="-128"/>
-                        <a:ea typeface="Arial Unicode MS" panose="020B0604020202020204" pitchFamily="34" charset="-128"/>
-                        <a:cs typeface="Arial Unicode MS" panose="020B0604020202020204" pitchFamily="34" charset="-128"/>
-                      </a:endParaRPr>
-                    </a:p>
-                  </a:txBody>
-                  <a:tcPr marL="9525" marR="9525" marT="9525" marB="0" anchor="ctr"/>
+                    </a:p>
+                  </a:txBody>
+                  <a:tcPr marL="9525" marR="9525" marT="9525" marB="9525" anchor="ctr" horzOverflow="overflow"/>
                 </a:tc>
                 <a:extLst>
                   <a:ext uri="{0D108BD9-81ED-4DB2-BD59-A6C34878D82A}">
-                    <a16:rowId xmlns:a16="http://schemas.microsoft.com/office/drawing/2014/main" val="155711568"/>
+                    <a16:rowId xmlns:a16="http://schemas.microsoft.com/office/drawing/2014/main" val="10001"/>
                   </a:ext>
                 </a:extLst>
               </a:tr>
@@ -5133,144 +5054,144 @@
                     <a:bodyPr/>
                     <a:lstStyle/>
                     <a:p>
-                      <a:pPr algn="ctr" fontAlgn="b"/>
-                      <a:r>
-                        <a:rPr lang="en-US" sz="1800" b="0" i="0" u="none" strike="noStrike" dirty="0">
-                          <a:effectLst/>
-                          <a:latin typeface="Arial Unicode MS" panose="020B0604020202020204" pitchFamily="34" charset="-128"/>
-                          <a:ea typeface="Arial Unicode MS" panose="020B0604020202020204" pitchFamily="34" charset="-128"/>
-                          <a:cs typeface="Arial Unicode MS" panose="020B0604020202020204" pitchFamily="34" charset="-128"/>
+                      <a:pPr>
+                        <a:defRPr>
+                          <a:solidFill>
+                            <a:srgbClr val="000000"/>
+                          </a:solidFill>
+                        </a:defRPr>
+                      </a:pPr>
+                      <a:r>
+                        <a:rPr>
+                          <a:solidFill>
+                            <a:srgbClr val="606060"/>
+                          </a:solidFill>
+                          <a:latin typeface="Arial Unicode MS"/>
+                          <a:ea typeface="Arial Unicode MS"/>
+                          <a:cs typeface="Arial Unicode MS"/>
+                          <a:sym typeface="Arial Unicode MS"/>
                         </a:rPr>
                         <a:t>20</a:t>
                       </a:r>
-                      <a:endParaRPr lang="en-US" sz="1800" b="0" i="0" u="none" strike="noStrike" dirty="0">
-                        <a:solidFill>
-                          <a:srgbClr val="000000"/>
-                        </a:solidFill>
-                        <a:effectLst/>
-                        <a:latin typeface="Arial Unicode MS" panose="020B0604020202020204" pitchFamily="34" charset="-128"/>
-                        <a:ea typeface="Arial Unicode MS" panose="020B0604020202020204" pitchFamily="34" charset="-128"/>
-                        <a:cs typeface="Arial Unicode MS" panose="020B0604020202020204" pitchFamily="34" charset="-128"/>
-                      </a:endParaRPr>
-                    </a:p>
-                  </a:txBody>
-                  <a:tcPr marL="9525" marR="9525" marT="9525" marB="0" anchor="ctr"/>
-                </a:tc>
-                <a:tc>
-                  <a:txBody>
-                    <a:bodyPr/>
-                    <a:lstStyle/>
-                    <a:p>
-                      <a:pPr algn="ctr" fontAlgn="b"/>
-                      <a:r>
-                        <a:rPr lang="en-US" sz="1800" b="0" i="0" u="none" strike="noStrike">
-                          <a:effectLst/>
-                          <a:latin typeface="Arial Unicode MS" panose="020B0604020202020204" pitchFamily="34" charset="-128"/>
-                          <a:ea typeface="Arial Unicode MS" panose="020B0604020202020204" pitchFamily="34" charset="-128"/>
-                          <a:cs typeface="Arial Unicode MS" panose="020B0604020202020204" pitchFamily="34" charset="-128"/>
+                    </a:p>
+                  </a:txBody>
+                  <a:tcPr marL="9525" marR="9525" marT="9525" marB="9525" anchor="ctr" horzOverflow="overflow"/>
+                </a:tc>
+                <a:tc>
+                  <a:txBody>
+                    <a:bodyPr/>
+                    <a:lstStyle/>
+                    <a:p>
+                      <a:pPr>
+                        <a:defRPr>
+                          <a:solidFill>
+                            <a:srgbClr val="000000"/>
+                          </a:solidFill>
+                        </a:defRPr>
+                      </a:pPr>
+                      <a:r>
+                        <a:rPr>
+                          <a:solidFill>
+                            <a:srgbClr val="606060"/>
+                          </a:solidFill>
+                          <a:latin typeface="Arial Unicode MS"/>
+                          <a:ea typeface="Arial Unicode MS"/>
+                          <a:cs typeface="Arial Unicode MS"/>
+                          <a:sym typeface="Arial Unicode MS"/>
                         </a:rPr>
                         <a:t>20</a:t>
                       </a:r>
-                      <a:endParaRPr lang="en-US" sz="1800" b="0" i="0" u="none" strike="noStrike">
-                        <a:solidFill>
-                          <a:srgbClr val="000000"/>
-                        </a:solidFill>
-                        <a:effectLst/>
-                        <a:latin typeface="Arial Unicode MS" panose="020B0604020202020204" pitchFamily="34" charset="-128"/>
-                        <a:ea typeface="Arial Unicode MS" panose="020B0604020202020204" pitchFamily="34" charset="-128"/>
-                        <a:cs typeface="Arial Unicode MS" panose="020B0604020202020204" pitchFamily="34" charset="-128"/>
-                      </a:endParaRPr>
-                    </a:p>
-                  </a:txBody>
-                  <a:tcPr marL="9525" marR="9525" marT="9525" marB="0" anchor="ctr"/>
-                </a:tc>
-                <a:tc>
-                  <a:txBody>
-                    <a:bodyPr/>
-                    <a:lstStyle/>
-                    <a:p>
-                      <a:pPr algn="ctr" fontAlgn="b"/>
-                      <a:r>
-                        <a:rPr lang="en-US" sz="1800" b="0" i="0" u="none" strike="noStrike">
-                          <a:effectLst/>
-                          <a:latin typeface="Arial Unicode MS" panose="020B0604020202020204" pitchFamily="34" charset="-128"/>
-                          <a:ea typeface="Arial Unicode MS" panose="020B0604020202020204" pitchFamily="34" charset="-128"/>
-                          <a:cs typeface="Arial Unicode MS" panose="020B0604020202020204" pitchFamily="34" charset="-128"/>
+                    </a:p>
+                  </a:txBody>
+                  <a:tcPr marL="9525" marR="9525" marT="9525" marB="9525" anchor="ctr" horzOverflow="overflow"/>
+                </a:tc>
+                <a:tc>
+                  <a:txBody>
+                    <a:bodyPr/>
+                    <a:lstStyle/>
+                    <a:p>
+                      <a:pPr>
+                        <a:defRPr>
+                          <a:solidFill>
+                            <a:srgbClr val="000000"/>
+                          </a:solidFill>
+                        </a:defRPr>
+                      </a:pPr>
+                      <a:r>
+                        <a:rPr>
+                          <a:solidFill>
+                            <a:srgbClr val="606060"/>
+                          </a:solidFill>
+                          <a:latin typeface="Arial Unicode MS"/>
+                          <a:ea typeface="Arial Unicode MS"/>
+                          <a:cs typeface="Arial Unicode MS"/>
+                          <a:sym typeface="Arial Unicode MS"/>
                         </a:rPr>
                         <a:t>300</a:t>
                       </a:r>
-                      <a:endParaRPr lang="en-US" sz="1800" b="0" i="0" u="none" strike="noStrike">
-                        <a:solidFill>
-                          <a:srgbClr val="000000"/>
-                        </a:solidFill>
-                        <a:effectLst/>
-                        <a:latin typeface="Arial Unicode MS" panose="020B0604020202020204" pitchFamily="34" charset="-128"/>
-                        <a:ea typeface="Arial Unicode MS" panose="020B0604020202020204" pitchFamily="34" charset="-128"/>
-                        <a:cs typeface="Arial Unicode MS" panose="020B0604020202020204" pitchFamily="34" charset="-128"/>
-                      </a:endParaRPr>
-                    </a:p>
-                  </a:txBody>
-                  <a:tcPr marL="9525" marR="9525" marT="9525" marB="0" anchor="ctr"/>
-                </a:tc>
-                <a:tc>
-                  <a:txBody>
-                    <a:bodyPr/>
-                    <a:lstStyle/>
-                    <a:p>
-                      <a:pPr algn="ctr" fontAlgn="b"/>
-                      <a:r>
-                        <a:rPr lang="en-US" sz="1800" b="0" i="0" u="none" strike="noStrike">
-                          <a:effectLst/>
-                          <a:latin typeface="Arial Unicode MS" panose="020B0604020202020204" pitchFamily="34" charset="-128"/>
-                          <a:ea typeface="Arial Unicode MS" panose="020B0604020202020204" pitchFamily="34" charset="-128"/>
-                          <a:cs typeface="Arial Unicode MS" panose="020B0604020202020204" pitchFamily="34" charset="-128"/>
+                    </a:p>
+                  </a:txBody>
+                  <a:tcPr marL="9525" marR="9525" marT="9525" marB="9525" anchor="ctr" horzOverflow="overflow"/>
+                </a:tc>
+                <a:tc>
+                  <a:txBody>
+                    <a:bodyPr/>
+                    <a:lstStyle/>
+                    <a:p>
+                      <a:pPr>
+                        <a:defRPr>
+                          <a:solidFill>
+                            <a:srgbClr val="000000"/>
+                          </a:solidFill>
+                        </a:defRPr>
+                      </a:pPr>
+                      <a:r>
+                        <a:rPr>
+                          <a:solidFill>
+                            <a:srgbClr val="606060"/>
+                          </a:solidFill>
+                          <a:latin typeface="Arial Unicode MS"/>
+                          <a:ea typeface="Arial Unicode MS"/>
+                          <a:cs typeface="Arial Unicode MS"/>
+                          <a:sym typeface="Arial Unicode MS"/>
                         </a:rPr>
                         <a:t>72.36</a:t>
                       </a:r>
-                      <a:endParaRPr lang="en-US" sz="1800" b="0" i="0" u="none" strike="noStrike">
-                        <a:solidFill>
-                          <a:srgbClr val="000000"/>
-                        </a:solidFill>
-                        <a:effectLst/>
-                        <a:latin typeface="Arial Unicode MS" panose="020B0604020202020204" pitchFamily="34" charset="-128"/>
-                        <a:ea typeface="Arial Unicode MS" panose="020B0604020202020204" pitchFamily="34" charset="-128"/>
-                        <a:cs typeface="Arial Unicode MS" panose="020B0604020202020204" pitchFamily="34" charset="-128"/>
-                      </a:endParaRPr>
-                    </a:p>
-                  </a:txBody>
-                  <a:tcPr marL="9525" marR="9525" marT="9525" marB="0" anchor="ctr"/>
-                </a:tc>
-                <a:tc>
-                  <a:txBody>
-                    <a:bodyPr/>
-                    <a:lstStyle/>
-                    <a:p>
-                      <a:pPr algn="ctr" fontAlgn="b"/>
-                      <a:r>
-                        <a:rPr lang="en-US" sz="1800" b="0" i="0" u="none" strike="noStrike">
-                          <a:effectLst/>
-                          <a:latin typeface="Arial Unicode MS" panose="020B0604020202020204" pitchFamily="34" charset="-128"/>
-                          <a:ea typeface="Arial Unicode MS" panose="020B0604020202020204" pitchFamily="34" charset="-128"/>
-                          <a:cs typeface="Arial Unicode MS" panose="020B0604020202020204" pitchFamily="34" charset="-128"/>
+                    </a:p>
+                  </a:txBody>
+                  <a:tcPr marL="9525" marR="9525" marT="9525" marB="9525" anchor="ctr" horzOverflow="overflow"/>
+                </a:tc>
+                <a:tc>
+                  <a:txBody>
+                    <a:bodyPr/>
+                    <a:lstStyle/>
+                    <a:p>
+                      <a:pPr>
+                        <a:defRPr>
+                          <a:solidFill>
+                            <a:srgbClr val="000000"/>
+                          </a:solidFill>
+                        </a:defRPr>
+                      </a:pPr>
+                      <a:r>
+                        <a:rPr>
+                          <a:solidFill>
+                            <a:srgbClr val="606060"/>
+                          </a:solidFill>
+                          <a:latin typeface="Arial Unicode MS"/>
+                          <a:ea typeface="Arial Unicode MS"/>
+                          <a:cs typeface="Arial Unicode MS"/>
+                          <a:sym typeface="Arial Unicode MS"/>
                         </a:rPr>
                         <a:t>2856.17</a:t>
                       </a:r>
-                      <a:endParaRPr lang="en-US" sz="1800" b="0" i="0" u="none" strike="noStrike">
-                        <a:solidFill>
-                          <a:srgbClr val="000000"/>
-                        </a:solidFill>
-                        <a:effectLst/>
-                        <a:latin typeface="Arial Unicode MS" panose="020B0604020202020204" pitchFamily="34" charset="-128"/>
-                        <a:ea typeface="Arial Unicode MS" panose="020B0604020202020204" pitchFamily="34" charset="-128"/>
-                        <a:cs typeface="Arial Unicode MS" panose="020B0604020202020204" pitchFamily="34" charset="-128"/>
-                      </a:endParaRPr>
-                    </a:p>
-                  </a:txBody>
-                  <a:tcPr marL="9525" marR="9525" marT="9525" marB="0" anchor="ctr"/>
+                    </a:p>
+                  </a:txBody>
+                  <a:tcPr marL="9525" marR="9525" marT="9525" marB="9525" anchor="ctr" horzOverflow="overflow"/>
                 </a:tc>
                 <a:extLst>
                   <a:ext uri="{0D108BD9-81ED-4DB2-BD59-A6C34878D82A}">
-                    <a16:rowId xmlns:a16="http://schemas.microsoft.com/office/drawing/2014/main" val="781299360"/>
+                    <a16:rowId xmlns:a16="http://schemas.microsoft.com/office/drawing/2014/main" val="10002"/>
                   </a:ext>
                 </a:extLst>
               </a:tr>
@@ -5280,144 +5201,144 @@
                     <a:bodyPr/>
                     <a:lstStyle/>
                     <a:p>
-                      <a:pPr algn="ctr" fontAlgn="b"/>
-                      <a:r>
-                        <a:rPr lang="en-US" sz="1800" b="0" i="0" u="none" strike="noStrike">
-                          <a:effectLst/>
-                          <a:latin typeface="Arial Unicode MS" panose="020B0604020202020204" pitchFamily="34" charset="-128"/>
-                          <a:ea typeface="Arial Unicode MS" panose="020B0604020202020204" pitchFamily="34" charset="-128"/>
-                          <a:cs typeface="Arial Unicode MS" panose="020B0604020202020204" pitchFamily="34" charset="-128"/>
+                      <a:pPr>
+                        <a:defRPr>
+                          <a:solidFill>
+                            <a:srgbClr val="000000"/>
+                          </a:solidFill>
+                        </a:defRPr>
+                      </a:pPr>
+                      <a:r>
+                        <a:rPr>
+                          <a:solidFill>
+                            <a:srgbClr val="606060"/>
+                          </a:solidFill>
+                          <a:latin typeface="Arial Unicode MS"/>
+                          <a:ea typeface="Arial Unicode MS"/>
+                          <a:cs typeface="Arial Unicode MS"/>
+                          <a:sym typeface="Arial Unicode MS"/>
                         </a:rPr>
                         <a:t>20</a:t>
                       </a:r>
-                      <a:endParaRPr lang="en-US" sz="1800" b="0" i="0" u="none" strike="noStrike">
-                        <a:solidFill>
-                          <a:srgbClr val="000000"/>
-                        </a:solidFill>
-                        <a:effectLst/>
-                        <a:latin typeface="Arial Unicode MS" panose="020B0604020202020204" pitchFamily="34" charset="-128"/>
-                        <a:ea typeface="Arial Unicode MS" panose="020B0604020202020204" pitchFamily="34" charset="-128"/>
-                        <a:cs typeface="Arial Unicode MS" panose="020B0604020202020204" pitchFamily="34" charset="-128"/>
-                      </a:endParaRPr>
-                    </a:p>
-                  </a:txBody>
-                  <a:tcPr marL="9525" marR="9525" marT="9525" marB="0" anchor="ctr"/>
-                </a:tc>
-                <a:tc>
-                  <a:txBody>
-                    <a:bodyPr/>
-                    <a:lstStyle/>
-                    <a:p>
-                      <a:pPr algn="ctr" fontAlgn="b"/>
-                      <a:r>
-                        <a:rPr lang="en-US" sz="1800" b="0" i="0" u="none" strike="noStrike">
-                          <a:effectLst/>
-                          <a:latin typeface="Arial Unicode MS" panose="020B0604020202020204" pitchFamily="34" charset="-128"/>
-                          <a:ea typeface="Arial Unicode MS" panose="020B0604020202020204" pitchFamily="34" charset="-128"/>
-                          <a:cs typeface="Arial Unicode MS" panose="020B0604020202020204" pitchFamily="34" charset="-128"/>
+                    </a:p>
+                  </a:txBody>
+                  <a:tcPr marL="9525" marR="9525" marT="9525" marB="9525" anchor="ctr" horzOverflow="overflow"/>
+                </a:tc>
+                <a:tc>
+                  <a:txBody>
+                    <a:bodyPr/>
+                    <a:lstStyle/>
+                    <a:p>
+                      <a:pPr>
+                        <a:defRPr>
+                          <a:solidFill>
+                            <a:srgbClr val="000000"/>
+                          </a:solidFill>
+                        </a:defRPr>
+                      </a:pPr>
+                      <a:r>
+                        <a:rPr>
+                          <a:solidFill>
+                            <a:srgbClr val="606060"/>
+                          </a:solidFill>
+                          <a:latin typeface="Arial Unicode MS"/>
+                          <a:ea typeface="Arial Unicode MS"/>
+                          <a:cs typeface="Arial Unicode MS"/>
+                          <a:sym typeface="Arial Unicode MS"/>
                         </a:rPr>
                         <a:t>30</a:t>
                       </a:r>
-                      <a:endParaRPr lang="en-US" sz="1800" b="0" i="0" u="none" strike="noStrike">
-                        <a:solidFill>
-                          <a:srgbClr val="000000"/>
-                        </a:solidFill>
-                        <a:effectLst/>
-                        <a:latin typeface="Arial Unicode MS" panose="020B0604020202020204" pitchFamily="34" charset="-128"/>
-                        <a:ea typeface="Arial Unicode MS" panose="020B0604020202020204" pitchFamily="34" charset="-128"/>
-                        <a:cs typeface="Arial Unicode MS" panose="020B0604020202020204" pitchFamily="34" charset="-128"/>
-                      </a:endParaRPr>
-                    </a:p>
-                  </a:txBody>
-                  <a:tcPr marL="9525" marR="9525" marT="9525" marB="0" anchor="ctr"/>
-                </a:tc>
-                <a:tc>
-                  <a:txBody>
-                    <a:bodyPr/>
-                    <a:lstStyle/>
-                    <a:p>
-                      <a:pPr algn="ctr" fontAlgn="b"/>
-                      <a:r>
-                        <a:rPr lang="en-US" sz="1800" b="0" i="0" u="none" strike="noStrike">
-                          <a:effectLst/>
-                          <a:latin typeface="Arial Unicode MS" panose="020B0604020202020204" pitchFamily="34" charset="-128"/>
-                          <a:ea typeface="Arial Unicode MS" panose="020B0604020202020204" pitchFamily="34" charset="-128"/>
-                          <a:cs typeface="Arial Unicode MS" panose="020B0604020202020204" pitchFamily="34" charset="-128"/>
+                    </a:p>
+                  </a:txBody>
+                  <a:tcPr marL="9525" marR="9525" marT="9525" marB="9525" anchor="ctr" horzOverflow="overflow"/>
+                </a:tc>
+                <a:tc>
+                  <a:txBody>
+                    <a:bodyPr/>
+                    <a:lstStyle/>
+                    <a:p>
+                      <a:pPr>
+                        <a:defRPr>
+                          <a:solidFill>
+                            <a:srgbClr val="000000"/>
+                          </a:solidFill>
+                        </a:defRPr>
+                      </a:pPr>
+                      <a:r>
+                        <a:rPr>
+                          <a:solidFill>
+                            <a:srgbClr val="606060"/>
+                          </a:solidFill>
+                          <a:latin typeface="Arial Unicode MS"/>
+                          <a:ea typeface="Arial Unicode MS"/>
+                          <a:cs typeface="Arial Unicode MS"/>
+                          <a:sym typeface="Arial Unicode MS"/>
                         </a:rPr>
                         <a:t>300</a:t>
                       </a:r>
-                      <a:endParaRPr lang="en-US" sz="1800" b="0" i="0" u="none" strike="noStrike">
-                        <a:solidFill>
-                          <a:srgbClr val="000000"/>
-                        </a:solidFill>
-                        <a:effectLst/>
-                        <a:latin typeface="Arial Unicode MS" panose="020B0604020202020204" pitchFamily="34" charset="-128"/>
-                        <a:ea typeface="Arial Unicode MS" panose="020B0604020202020204" pitchFamily="34" charset="-128"/>
-                        <a:cs typeface="Arial Unicode MS" panose="020B0604020202020204" pitchFamily="34" charset="-128"/>
-                      </a:endParaRPr>
-                    </a:p>
-                  </a:txBody>
-                  <a:tcPr marL="9525" marR="9525" marT="9525" marB="0" anchor="ctr"/>
-                </a:tc>
-                <a:tc>
-                  <a:txBody>
-                    <a:bodyPr/>
-                    <a:lstStyle/>
-                    <a:p>
-                      <a:pPr algn="ctr" fontAlgn="b"/>
-                      <a:r>
-                        <a:rPr lang="en-US" sz="1800" b="0" i="0" u="none" strike="noStrike">
-                          <a:effectLst/>
-                          <a:latin typeface="Arial Unicode MS" panose="020B0604020202020204" pitchFamily="34" charset="-128"/>
-                          <a:ea typeface="Arial Unicode MS" panose="020B0604020202020204" pitchFamily="34" charset="-128"/>
-                          <a:cs typeface="Arial Unicode MS" panose="020B0604020202020204" pitchFamily="34" charset="-128"/>
+                    </a:p>
+                  </a:txBody>
+                  <a:tcPr marL="9525" marR="9525" marT="9525" marB="9525" anchor="ctr" horzOverflow="overflow"/>
+                </a:tc>
+                <a:tc>
+                  <a:txBody>
+                    <a:bodyPr/>
+                    <a:lstStyle/>
+                    <a:p>
+                      <a:pPr>
+                        <a:defRPr>
+                          <a:solidFill>
+                            <a:srgbClr val="000000"/>
+                          </a:solidFill>
+                        </a:defRPr>
+                      </a:pPr>
+                      <a:r>
+                        <a:rPr>
+                          <a:solidFill>
+                            <a:srgbClr val="606060"/>
+                          </a:solidFill>
+                          <a:latin typeface="Arial Unicode MS"/>
+                          <a:ea typeface="Arial Unicode MS"/>
+                          <a:cs typeface="Arial Unicode MS"/>
+                          <a:sym typeface="Arial Unicode MS"/>
                         </a:rPr>
                         <a:t>62.00</a:t>
                       </a:r>
-                      <a:endParaRPr lang="en-US" sz="1800" b="0" i="0" u="none" strike="noStrike">
-                        <a:solidFill>
-                          <a:srgbClr val="000000"/>
-                        </a:solidFill>
-                        <a:effectLst/>
-                        <a:latin typeface="Arial Unicode MS" panose="020B0604020202020204" pitchFamily="34" charset="-128"/>
-                        <a:ea typeface="Arial Unicode MS" panose="020B0604020202020204" pitchFamily="34" charset="-128"/>
-                        <a:cs typeface="Arial Unicode MS" panose="020B0604020202020204" pitchFamily="34" charset="-128"/>
-                      </a:endParaRPr>
-                    </a:p>
-                  </a:txBody>
-                  <a:tcPr marL="9525" marR="9525" marT="9525" marB="0" anchor="ctr"/>
-                </a:tc>
-                <a:tc>
-                  <a:txBody>
-                    <a:bodyPr/>
-                    <a:lstStyle/>
-                    <a:p>
-                      <a:pPr algn="ctr" fontAlgn="b"/>
-                      <a:r>
-                        <a:rPr lang="en-US" sz="1800" b="0" i="0" u="none" strike="noStrike">
-                          <a:effectLst/>
-                          <a:latin typeface="Arial Unicode MS" panose="020B0604020202020204" pitchFamily="34" charset="-128"/>
-                          <a:ea typeface="Arial Unicode MS" panose="020B0604020202020204" pitchFamily="34" charset="-128"/>
-                          <a:cs typeface="Arial Unicode MS" panose="020B0604020202020204" pitchFamily="34" charset="-128"/>
+                    </a:p>
+                  </a:txBody>
+                  <a:tcPr marL="9525" marR="9525" marT="9525" marB="9525" anchor="ctr" horzOverflow="overflow"/>
+                </a:tc>
+                <a:tc>
+                  <a:txBody>
+                    <a:bodyPr/>
+                    <a:lstStyle/>
+                    <a:p>
+                      <a:pPr>
+                        <a:defRPr>
+                          <a:solidFill>
+                            <a:srgbClr val="000000"/>
+                          </a:solidFill>
+                        </a:defRPr>
+                      </a:pPr>
+                      <a:r>
+                        <a:rPr>
+                          <a:solidFill>
+                            <a:srgbClr val="606060"/>
+                          </a:solidFill>
+                          <a:latin typeface="Arial Unicode MS"/>
+                          <a:ea typeface="Arial Unicode MS"/>
+                          <a:cs typeface="Arial Unicode MS"/>
+                          <a:sym typeface="Arial Unicode MS"/>
                         </a:rPr>
                         <a:t>3376.35</a:t>
                       </a:r>
-                      <a:endParaRPr lang="en-US" sz="1800" b="0" i="0" u="none" strike="noStrike">
-                        <a:solidFill>
-                          <a:srgbClr val="000000"/>
-                        </a:solidFill>
-                        <a:effectLst/>
-                        <a:latin typeface="Arial Unicode MS" panose="020B0604020202020204" pitchFamily="34" charset="-128"/>
-                        <a:ea typeface="Arial Unicode MS" panose="020B0604020202020204" pitchFamily="34" charset="-128"/>
-                        <a:cs typeface="Arial Unicode MS" panose="020B0604020202020204" pitchFamily="34" charset="-128"/>
-                      </a:endParaRPr>
-                    </a:p>
-                  </a:txBody>
-                  <a:tcPr marL="9525" marR="9525" marT="9525" marB="0" anchor="ctr"/>
+                    </a:p>
+                  </a:txBody>
+                  <a:tcPr marL="9525" marR="9525" marT="9525" marB="9525" anchor="ctr" horzOverflow="overflow"/>
                 </a:tc>
                 <a:extLst>
                   <a:ext uri="{0D108BD9-81ED-4DB2-BD59-A6C34878D82A}">
-                    <a16:rowId xmlns:a16="http://schemas.microsoft.com/office/drawing/2014/main" val="1367214778"/>
+                    <a16:rowId xmlns:a16="http://schemas.microsoft.com/office/drawing/2014/main" val="10003"/>
                   </a:ext>
                 </a:extLst>
               </a:tr>
@@ -5427,144 +5348,144 @@
                     <a:bodyPr/>
                     <a:lstStyle/>
                     <a:p>
-                      <a:pPr algn="ctr" fontAlgn="b"/>
-                      <a:r>
-                        <a:rPr lang="en-US" sz="1800" b="0" i="0" u="none" strike="noStrike">
-                          <a:effectLst/>
-                          <a:latin typeface="Arial Unicode MS" panose="020B0604020202020204" pitchFamily="34" charset="-128"/>
-                          <a:ea typeface="Arial Unicode MS" panose="020B0604020202020204" pitchFamily="34" charset="-128"/>
-                          <a:cs typeface="Arial Unicode MS" panose="020B0604020202020204" pitchFamily="34" charset="-128"/>
+                      <a:pPr>
+                        <a:defRPr>
+                          <a:solidFill>
+                            <a:srgbClr val="000000"/>
+                          </a:solidFill>
+                        </a:defRPr>
+                      </a:pPr>
+                      <a:r>
+                        <a:rPr>
+                          <a:solidFill>
+                            <a:srgbClr val="606060"/>
+                          </a:solidFill>
+                          <a:latin typeface="Arial Unicode MS"/>
+                          <a:ea typeface="Arial Unicode MS"/>
+                          <a:cs typeface="Arial Unicode MS"/>
+                          <a:sym typeface="Arial Unicode MS"/>
                         </a:rPr>
                         <a:t>20</a:t>
                       </a:r>
-                      <a:endParaRPr lang="en-US" sz="1800" b="0" i="0" u="none" strike="noStrike">
-                        <a:solidFill>
-                          <a:srgbClr val="000000"/>
-                        </a:solidFill>
-                        <a:effectLst/>
-                        <a:latin typeface="Arial Unicode MS" panose="020B0604020202020204" pitchFamily="34" charset="-128"/>
-                        <a:ea typeface="Arial Unicode MS" panose="020B0604020202020204" pitchFamily="34" charset="-128"/>
-                        <a:cs typeface="Arial Unicode MS" panose="020B0604020202020204" pitchFamily="34" charset="-128"/>
-                      </a:endParaRPr>
-                    </a:p>
-                  </a:txBody>
-                  <a:tcPr marL="9525" marR="9525" marT="9525" marB="0" anchor="ctr"/>
-                </a:tc>
-                <a:tc>
-                  <a:txBody>
-                    <a:bodyPr/>
-                    <a:lstStyle/>
-                    <a:p>
-                      <a:pPr algn="ctr" fontAlgn="b"/>
-                      <a:r>
-                        <a:rPr lang="en-US" sz="1800" b="0" i="0" u="none" strike="noStrike">
-                          <a:effectLst/>
-                          <a:latin typeface="Arial Unicode MS" panose="020B0604020202020204" pitchFamily="34" charset="-128"/>
-                          <a:ea typeface="Arial Unicode MS" panose="020B0604020202020204" pitchFamily="34" charset="-128"/>
-                          <a:cs typeface="Arial Unicode MS" panose="020B0604020202020204" pitchFamily="34" charset="-128"/>
+                    </a:p>
+                  </a:txBody>
+                  <a:tcPr marL="9525" marR="9525" marT="9525" marB="9525" anchor="ctr" horzOverflow="overflow"/>
+                </a:tc>
+                <a:tc>
+                  <a:txBody>
+                    <a:bodyPr/>
+                    <a:lstStyle/>
+                    <a:p>
+                      <a:pPr>
+                        <a:defRPr>
+                          <a:solidFill>
+                            <a:srgbClr val="000000"/>
+                          </a:solidFill>
+                        </a:defRPr>
+                      </a:pPr>
+                      <a:r>
+                        <a:rPr>
+                          <a:solidFill>
+                            <a:srgbClr val="606060"/>
+                          </a:solidFill>
+                          <a:latin typeface="Arial Unicode MS"/>
+                          <a:ea typeface="Arial Unicode MS"/>
+                          <a:cs typeface="Arial Unicode MS"/>
+                          <a:sym typeface="Arial Unicode MS"/>
                         </a:rPr>
                         <a:t>40</a:t>
                       </a:r>
-                      <a:endParaRPr lang="en-US" sz="1800" b="0" i="0" u="none" strike="noStrike">
-                        <a:solidFill>
-                          <a:srgbClr val="000000"/>
-                        </a:solidFill>
-                        <a:effectLst/>
-                        <a:latin typeface="Arial Unicode MS" panose="020B0604020202020204" pitchFamily="34" charset="-128"/>
-                        <a:ea typeface="Arial Unicode MS" panose="020B0604020202020204" pitchFamily="34" charset="-128"/>
-                        <a:cs typeface="Arial Unicode MS" panose="020B0604020202020204" pitchFamily="34" charset="-128"/>
-                      </a:endParaRPr>
-                    </a:p>
-                  </a:txBody>
-                  <a:tcPr marL="9525" marR="9525" marT="9525" marB="0" anchor="ctr"/>
-                </a:tc>
-                <a:tc>
-                  <a:txBody>
-                    <a:bodyPr/>
-                    <a:lstStyle/>
-                    <a:p>
-                      <a:pPr algn="ctr" fontAlgn="b"/>
-                      <a:r>
-                        <a:rPr lang="en-US" sz="1800" b="0" i="0" u="none" strike="noStrike">
-                          <a:effectLst/>
-                          <a:latin typeface="Arial Unicode MS" panose="020B0604020202020204" pitchFamily="34" charset="-128"/>
-                          <a:ea typeface="Arial Unicode MS" panose="020B0604020202020204" pitchFamily="34" charset="-128"/>
-                          <a:cs typeface="Arial Unicode MS" panose="020B0604020202020204" pitchFamily="34" charset="-128"/>
+                    </a:p>
+                  </a:txBody>
+                  <a:tcPr marL="9525" marR="9525" marT="9525" marB="9525" anchor="ctr" horzOverflow="overflow"/>
+                </a:tc>
+                <a:tc>
+                  <a:txBody>
+                    <a:bodyPr/>
+                    <a:lstStyle/>
+                    <a:p>
+                      <a:pPr>
+                        <a:defRPr>
+                          <a:solidFill>
+                            <a:srgbClr val="000000"/>
+                          </a:solidFill>
+                        </a:defRPr>
+                      </a:pPr>
+                      <a:r>
+                        <a:rPr>
+                          <a:solidFill>
+                            <a:srgbClr val="606060"/>
+                          </a:solidFill>
+                          <a:latin typeface="Arial Unicode MS"/>
+                          <a:ea typeface="Arial Unicode MS"/>
+                          <a:cs typeface="Arial Unicode MS"/>
+                          <a:sym typeface="Arial Unicode MS"/>
                         </a:rPr>
                         <a:t>300</a:t>
                       </a:r>
-                      <a:endParaRPr lang="en-US" sz="1800" b="0" i="0" u="none" strike="noStrike">
-                        <a:solidFill>
-                          <a:srgbClr val="000000"/>
-                        </a:solidFill>
-                        <a:effectLst/>
-                        <a:latin typeface="Arial Unicode MS" panose="020B0604020202020204" pitchFamily="34" charset="-128"/>
-                        <a:ea typeface="Arial Unicode MS" panose="020B0604020202020204" pitchFamily="34" charset="-128"/>
-                        <a:cs typeface="Arial Unicode MS" panose="020B0604020202020204" pitchFamily="34" charset="-128"/>
-                      </a:endParaRPr>
-                    </a:p>
-                  </a:txBody>
-                  <a:tcPr marL="9525" marR="9525" marT="9525" marB="0" anchor="ctr"/>
-                </a:tc>
-                <a:tc>
-                  <a:txBody>
-                    <a:bodyPr/>
-                    <a:lstStyle/>
-                    <a:p>
-                      <a:pPr algn="ctr" fontAlgn="b"/>
-                      <a:r>
-                        <a:rPr lang="en-US" sz="1800" b="0" i="0" u="none" strike="noStrike" dirty="0">
-                          <a:effectLst/>
-                          <a:latin typeface="Arial Unicode MS" panose="020B0604020202020204" pitchFamily="34" charset="-128"/>
-                          <a:ea typeface="Arial Unicode MS" panose="020B0604020202020204" pitchFamily="34" charset="-128"/>
-                          <a:cs typeface="Arial Unicode MS" panose="020B0604020202020204" pitchFamily="34" charset="-128"/>
+                    </a:p>
+                  </a:txBody>
+                  <a:tcPr marL="9525" marR="9525" marT="9525" marB="9525" anchor="ctr" horzOverflow="overflow"/>
+                </a:tc>
+                <a:tc>
+                  <a:txBody>
+                    <a:bodyPr/>
+                    <a:lstStyle/>
+                    <a:p>
+                      <a:pPr>
+                        <a:defRPr>
+                          <a:solidFill>
+                            <a:srgbClr val="000000"/>
+                          </a:solidFill>
+                        </a:defRPr>
+                      </a:pPr>
+                      <a:r>
+                        <a:rPr>
+                          <a:solidFill>
+                            <a:srgbClr val="606060"/>
+                          </a:solidFill>
+                          <a:latin typeface="Arial Unicode MS"/>
+                          <a:ea typeface="Arial Unicode MS"/>
+                          <a:cs typeface="Arial Unicode MS"/>
+                          <a:sym typeface="Arial Unicode MS"/>
                         </a:rPr>
                         <a:t>70.64</a:t>
                       </a:r>
-                      <a:endParaRPr lang="en-US" sz="1800" b="0" i="0" u="none" strike="noStrike" dirty="0">
-                        <a:solidFill>
-                          <a:srgbClr val="000000"/>
-                        </a:solidFill>
-                        <a:effectLst/>
-                        <a:latin typeface="Arial Unicode MS" panose="020B0604020202020204" pitchFamily="34" charset="-128"/>
-                        <a:ea typeface="Arial Unicode MS" panose="020B0604020202020204" pitchFamily="34" charset="-128"/>
-                        <a:cs typeface="Arial Unicode MS" panose="020B0604020202020204" pitchFamily="34" charset="-128"/>
-                      </a:endParaRPr>
-                    </a:p>
-                  </a:txBody>
-                  <a:tcPr marL="9525" marR="9525" marT="9525" marB="0" anchor="ctr"/>
-                </a:tc>
-                <a:tc>
-                  <a:txBody>
-                    <a:bodyPr/>
-                    <a:lstStyle/>
-                    <a:p>
-                      <a:pPr algn="ctr" fontAlgn="b"/>
-                      <a:r>
-                        <a:rPr lang="en-US" sz="1800" b="0" i="0" u="none" strike="noStrike">
-                          <a:effectLst/>
-                          <a:latin typeface="Arial Unicode MS" panose="020B0604020202020204" pitchFamily="34" charset="-128"/>
-                          <a:ea typeface="Arial Unicode MS" panose="020B0604020202020204" pitchFamily="34" charset="-128"/>
-                          <a:cs typeface="Arial Unicode MS" panose="020B0604020202020204" pitchFamily="34" charset="-128"/>
+                    </a:p>
+                  </a:txBody>
+                  <a:tcPr marL="9525" marR="9525" marT="9525" marB="9525" anchor="ctr" horzOverflow="overflow"/>
+                </a:tc>
+                <a:tc>
+                  <a:txBody>
+                    <a:bodyPr/>
+                    <a:lstStyle/>
+                    <a:p>
+                      <a:pPr>
+                        <a:defRPr>
+                          <a:solidFill>
+                            <a:srgbClr val="000000"/>
+                          </a:solidFill>
+                        </a:defRPr>
+                      </a:pPr>
+                      <a:r>
+                        <a:rPr>
+                          <a:solidFill>
+                            <a:srgbClr val="606060"/>
+                          </a:solidFill>
+                          <a:latin typeface="Arial Unicode MS"/>
+                          <a:ea typeface="Arial Unicode MS"/>
+                          <a:cs typeface="Arial Unicode MS"/>
+                          <a:sym typeface="Arial Unicode MS"/>
                         </a:rPr>
                         <a:t>3439.33</a:t>
                       </a:r>
-                      <a:endParaRPr lang="en-US" sz="1800" b="0" i="0" u="none" strike="noStrike">
-                        <a:solidFill>
-                          <a:srgbClr val="000000"/>
-                        </a:solidFill>
-                        <a:effectLst/>
-                        <a:latin typeface="Arial Unicode MS" panose="020B0604020202020204" pitchFamily="34" charset="-128"/>
-                        <a:ea typeface="Arial Unicode MS" panose="020B0604020202020204" pitchFamily="34" charset="-128"/>
-                        <a:cs typeface="Arial Unicode MS" panose="020B0604020202020204" pitchFamily="34" charset="-128"/>
-                      </a:endParaRPr>
-                    </a:p>
-                  </a:txBody>
-                  <a:tcPr marL="9525" marR="9525" marT="9525" marB="0" anchor="ctr"/>
+                    </a:p>
+                  </a:txBody>
+                  <a:tcPr marL="9525" marR="9525" marT="9525" marB="9525" anchor="ctr" horzOverflow="overflow"/>
                 </a:tc>
                 <a:extLst>
                   <a:ext uri="{0D108BD9-81ED-4DB2-BD59-A6C34878D82A}">
-                    <a16:rowId xmlns:a16="http://schemas.microsoft.com/office/drawing/2014/main" val="2067867231"/>
+                    <a16:rowId xmlns:a16="http://schemas.microsoft.com/office/drawing/2014/main" val="10004"/>
                   </a:ext>
                 </a:extLst>
               </a:tr>
@@ -5574,144 +5495,144 @@
                     <a:bodyPr/>
                     <a:lstStyle/>
                     <a:p>
-                      <a:pPr algn="ctr" fontAlgn="b"/>
-                      <a:r>
-                        <a:rPr lang="en-US" sz="1800" b="0" i="0" u="none" strike="noStrike">
-                          <a:effectLst/>
-                          <a:latin typeface="Arial Unicode MS" panose="020B0604020202020204" pitchFamily="34" charset="-128"/>
-                          <a:ea typeface="Arial Unicode MS" panose="020B0604020202020204" pitchFamily="34" charset="-128"/>
-                          <a:cs typeface="Arial Unicode MS" panose="020B0604020202020204" pitchFamily="34" charset="-128"/>
+                      <a:pPr>
+                        <a:defRPr>
+                          <a:solidFill>
+                            <a:srgbClr val="000000"/>
+                          </a:solidFill>
+                        </a:defRPr>
+                      </a:pPr>
+                      <a:r>
+                        <a:rPr>
+                          <a:solidFill>
+                            <a:srgbClr val="606060"/>
+                          </a:solidFill>
+                          <a:latin typeface="Arial Unicode MS"/>
+                          <a:ea typeface="Arial Unicode MS"/>
+                          <a:cs typeface="Arial Unicode MS"/>
+                          <a:sym typeface="Arial Unicode MS"/>
                         </a:rPr>
                         <a:t>20</a:t>
                       </a:r>
-                      <a:endParaRPr lang="en-US" sz="1800" b="0" i="0" u="none" strike="noStrike">
-                        <a:solidFill>
-                          <a:srgbClr val="000000"/>
-                        </a:solidFill>
-                        <a:effectLst/>
-                        <a:latin typeface="Arial Unicode MS" panose="020B0604020202020204" pitchFamily="34" charset="-128"/>
-                        <a:ea typeface="Arial Unicode MS" panose="020B0604020202020204" pitchFamily="34" charset="-128"/>
-                        <a:cs typeface="Arial Unicode MS" panose="020B0604020202020204" pitchFamily="34" charset="-128"/>
-                      </a:endParaRPr>
-                    </a:p>
-                  </a:txBody>
-                  <a:tcPr marL="9525" marR="9525" marT="9525" marB="0" anchor="ctr"/>
-                </a:tc>
-                <a:tc>
-                  <a:txBody>
-                    <a:bodyPr/>
-                    <a:lstStyle/>
-                    <a:p>
-                      <a:pPr algn="ctr" fontAlgn="b"/>
-                      <a:r>
-                        <a:rPr lang="en-US" sz="1800" b="0" i="0" u="none" strike="noStrike" dirty="0">
-                          <a:effectLst/>
-                          <a:latin typeface="Arial Unicode MS" panose="020B0604020202020204" pitchFamily="34" charset="-128"/>
-                          <a:ea typeface="Arial Unicode MS" panose="020B0604020202020204" pitchFamily="34" charset="-128"/>
-                          <a:cs typeface="Arial Unicode MS" panose="020B0604020202020204" pitchFamily="34" charset="-128"/>
+                    </a:p>
+                  </a:txBody>
+                  <a:tcPr marL="9525" marR="9525" marT="9525" marB="9525" anchor="ctr" horzOverflow="overflow"/>
+                </a:tc>
+                <a:tc>
+                  <a:txBody>
+                    <a:bodyPr/>
+                    <a:lstStyle/>
+                    <a:p>
+                      <a:pPr>
+                        <a:defRPr>
+                          <a:solidFill>
+                            <a:srgbClr val="000000"/>
+                          </a:solidFill>
+                        </a:defRPr>
+                      </a:pPr>
+                      <a:r>
+                        <a:rPr>
+                          <a:solidFill>
+                            <a:srgbClr val="606060"/>
+                          </a:solidFill>
+                          <a:latin typeface="Arial Unicode MS"/>
+                          <a:ea typeface="Arial Unicode MS"/>
+                          <a:cs typeface="Arial Unicode MS"/>
+                          <a:sym typeface="Arial Unicode MS"/>
                         </a:rPr>
                         <a:t>60</a:t>
                       </a:r>
-                      <a:endParaRPr lang="en-US" sz="1800" b="0" i="0" u="none" strike="noStrike" dirty="0">
-                        <a:solidFill>
-                          <a:srgbClr val="000000"/>
-                        </a:solidFill>
-                        <a:effectLst/>
-                        <a:latin typeface="Arial Unicode MS" panose="020B0604020202020204" pitchFamily="34" charset="-128"/>
-                        <a:ea typeface="Arial Unicode MS" panose="020B0604020202020204" pitchFamily="34" charset="-128"/>
-                        <a:cs typeface="Arial Unicode MS" panose="020B0604020202020204" pitchFamily="34" charset="-128"/>
-                      </a:endParaRPr>
-                    </a:p>
-                  </a:txBody>
-                  <a:tcPr marL="9525" marR="9525" marT="9525" marB="0" anchor="ctr"/>
-                </a:tc>
-                <a:tc>
-                  <a:txBody>
-                    <a:bodyPr/>
-                    <a:lstStyle/>
-                    <a:p>
-                      <a:pPr algn="ctr" fontAlgn="b"/>
-                      <a:r>
-                        <a:rPr lang="en-US" sz="1800" b="0" i="0" u="none" strike="noStrike">
-                          <a:effectLst/>
-                          <a:latin typeface="Arial Unicode MS" panose="020B0604020202020204" pitchFamily="34" charset="-128"/>
-                          <a:ea typeface="Arial Unicode MS" panose="020B0604020202020204" pitchFamily="34" charset="-128"/>
-                          <a:cs typeface="Arial Unicode MS" panose="020B0604020202020204" pitchFamily="34" charset="-128"/>
+                    </a:p>
+                  </a:txBody>
+                  <a:tcPr marL="9525" marR="9525" marT="9525" marB="9525" anchor="ctr" horzOverflow="overflow"/>
+                </a:tc>
+                <a:tc>
+                  <a:txBody>
+                    <a:bodyPr/>
+                    <a:lstStyle/>
+                    <a:p>
+                      <a:pPr>
+                        <a:defRPr>
+                          <a:solidFill>
+                            <a:srgbClr val="000000"/>
+                          </a:solidFill>
+                        </a:defRPr>
+                      </a:pPr>
+                      <a:r>
+                        <a:rPr>
+                          <a:solidFill>
+                            <a:srgbClr val="606060"/>
+                          </a:solidFill>
+                          <a:latin typeface="Arial Unicode MS"/>
+                          <a:ea typeface="Arial Unicode MS"/>
+                          <a:cs typeface="Arial Unicode MS"/>
+                          <a:sym typeface="Arial Unicode MS"/>
                         </a:rPr>
                         <a:t>300</a:t>
                       </a:r>
-                      <a:endParaRPr lang="en-US" sz="1800" b="0" i="0" u="none" strike="noStrike">
-                        <a:solidFill>
-                          <a:srgbClr val="000000"/>
-                        </a:solidFill>
-                        <a:effectLst/>
-                        <a:latin typeface="Arial Unicode MS" panose="020B0604020202020204" pitchFamily="34" charset="-128"/>
-                        <a:ea typeface="Arial Unicode MS" panose="020B0604020202020204" pitchFamily="34" charset="-128"/>
-                        <a:cs typeface="Arial Unicode MS" panose="020B0604020202020204" pitchFamily="34" charset="-128"/>
-                      </a:endParaRPr>
-                    </a:p>
-                  </a:txBody>
-                  <a:tcPr marL="9525" marR="9525" marT="9525" marB="0" anchor="ctr"/>
-                </a:tc>
-                <a:tc>
-                  <a:txBody>
-                    <a:bodyPr/>
-                    <a:lstStyle/>
-                    <a:p>
-                      <a:pPr algn="ctr" fontAlgn="b"/>
-                      <a:r>
-                        <a:rPr lang="en-US" sz="1800" b="0" i="0" u="none" strike="noStrike">
-                          <a:effectLst/>
-                          <a:latin typeface="Arial Unicode MS" panose="020B0604020202020204" pitchFamily="34" charset="-128"/>
-                          <a:ea typeface="Arial Unicode MS" panose="020B0604020202020204" pitchFamily="34" charset="-128"/>
-                          <a:cs typeface="Arial Unicode MS" panose="020B0604020202020204" pitchFamily="34" charset="-128"/>
+                    </a:p>
+                  </a:txBody>
+                  <a:tcPr marL="9525" marR="9525" marT="9525" marB="9525" anchor="ctr" horzOverflow="overflow"/>
+                </a:tc>
+                <a:tc>
+                  <a:txBody>
+                    <a:bodyPr/>
+                    <a:lstStyle/>
+                    <a:p>
+                      <a:pPr>
+                        <a:defRPr>
+                          <a:solidFill>
+                            <a:srgbClr val="000000"/>
+                          </a:solidFill>
+                        </a:defRPr>
+                      </a:pPr>
+                      <a:r>
+                        <a:rPr>
+                          <a:solidFill>
+                            <a:srgbClr val="606060"/>
+                          </a:solidFill>
+                          <a:latin typeface="Arial Unicode MS"/>
+                          <a:ea typeface="Arial Unicode MS"/>
+                          <a:cs typeface="Arial Unicode MS"/>
+                          <a:sym typeface="Arial Unicode MS"/>
                         </a:rPr>
                         <a:t>64.55</a:t>
                       </a:r>
-                      <a:endParaRPr lang="en-US" sz="1800" b="0" i="0" u="none" strike="noStrike">
-                        <a:solidFill>
-                          <a:srgbClr val="000000"/>
-                        </a:solidFill>
-                        <a:effectLst/>
-                        <a:latin typeface="Arial Unicode MS" panose="020B0604020202020204" pitchFamily="34" charset="-128"/>
-                        <a:ea typeface="Arial Unicode MS" panose="020B0604020202020204" pitchFamily="34" charset="-128"/>
-                        <a:cs typeface="Arial Unicode MS" panose="020B0604020202020204" pitchFamily="34" charset="-128"/>
-                      </a:endParaRPr>
-                    </a:p>
-                  </a:txBody>
-                  <a:tcPr marL="9525" marR="9525" marT="9525" marB="0" anchor="ctr"/>
-                </a:tc>
-                <a:tc>
-                  <a:txBody>
-                    <a:bodyPr/>
-                    <a:lstStyle/>
-                    <a:p>
-                      <a:pPr algn="ctr" fontAlgn="b"/>
-                      <a:r>
-                        <a:rPr lang="en-US" sz="1800" b="0" i="0" u="none" strike="noStrike">
-                          <a:effectLst/>
-                          <a:latin typeface="Arial Unicode MS" panose="020B0604020202020204" pitchFamily="34" charset="-128"/>
-                          <a:ea typeface="Arial Unicode MS" panose="020B0604020202020204" pitchFamily="34" charset="-128"/>
-                          <a:cs typeface="Arial Unicode MS" panose="020B0604020202020204" pitchFamily="34" charset="-128"/>
+                    </a:p>
+                  </a:txBody>
+                  <a:tcPr marL="9525" marR="9525" marT="9525" marB="9525" anchor="ctr" horzOverflow="overflow"/>
+                </a:tc>
+                <a:tc>
+                  <a:txBody>
+                    <a:bodyPr/>
+                    <a:lstStyle/>
+                    <a:p>
+                      <a:pPr>
+                        <a:defRPr>
+                          <a:solidFill>
+                            <a:srgbClr val="000000"/>
+                          </a:solidFill>
+                        </a:defRPr>
+                      </a:pPr>
+                      <a:r>
+                        <a:rPr>
+                          <a:solidFill>
+                            <a:srgbClr val="606060"/>
+                          </a:solidFill>
+                          <a:latin typeface="Arial Unicode MS"/>
+                          <a:ea typeface="Arial Unicode MS"/>
+                          <a:cs typeface="Arial Unicode MS"/>
+                          <a:sym typeface="Arial Unicode MS"/>
                         </a:rPr>
                         <a:t>3812.01</a:t>
                       </a:r>
-                      <a:endParaRPr lang="en-US" sz="1800" b="0" i="0" u="none" strike="noStrike">
-                        <a:solidFill>
-                          <a:srgbClr val="000000"/>
-                        </a:solidFill>
-                        <a:effectLst/>
-                        <a:latin typeface="Arial Unicode MS" panose="020B0604020202020204" pitchFamily="34" charset="-128"/>
-                        <a:ea typeface="Arial Unicode MS" panose="020B0604020202020204" pitchFamily="34" charset="-128"/>
-                        <a:cs typeface="Arial Unicode MS" panose="020B0604020202020204" pitchFamily="34" charset="-128"/>
-                      </a:endParaRPr>
-                    </a:p>
-                  </a:txBody>
-                  <a:tcPr marL="9525" marR="9525" marT="9525" marB="0" anchor="ctr"/>
+                    </a:p>
+                  </a:txBody>
+                  <a:tcPr marL="9525" marR="9525" marT="9525" marB="9525" anchor="ctr" horzOverflow="overflow"/>
                 </a:tc>
                 <a:extLst>
                   <a:ext uri="{0D108BD9-81ED-4DB2-BD59-A6C34878D82A}">
-                    <a16:rowId xmlns:a16="http://schemas.microsoft.com/office/drawing/2014/main" val="919950717"/>
+                    <a16:rowId xmlns:a16="http://schemas.microsoft.com/office/drawing/2014/main" val="10005"/>
                   </a:ext>
                 </a:extLst>
               </a:tr>
@@ -5721,144 +5642,144 @@
                     <a:bodyPr/>
                     <a:lstStyle/>
                     <a:p>
-                      <a:pPr algn="ctr" fontAlgn="b"/>
-                      <a:r>
-                        <a:rPr lang="en-US" sz="1800" b="0" i="0" u="none" strike="noStrike">
-                          <a:effectLst/>
-                          <a:latin typeface="Arial Unicode MS" panose="020B0604020202020204" pitchFamily="34" charset="-128"/>
-                          <a:ea typeface="Arial Unicode MS" panose="020B0604020202020204" pitchFamily="34" charset="-128"/>
-                          <a:cs typeface="Arial Unicode MS" panose="020B0604020202020204" pitchFamily="34" charset="-128"/>
+                      <a:pPr>
+                        <a:defRPr>
+                          <a:solidFill>
+                            <a:srgbClr val="000000"/>
+                          </a:solidFill>
+                        </a:defRPr>
+                      </a:pPr>
+                      <a:r>
+                        <a:rPr>
+                          <a:solidFill>
+                            <a:srgbClr val="606060"/>
+                          </a:solidFill>
+                          <a:latin typeface="Arial Unicode MS"/>
+                          <a:ea typeface="Arial Unicode MS"/>
+                          <a:cs typeface="Arial Unicode MS"/>
+                          <a:sym typeface="Arial Unicode MS"/>
                         </a:rPr>
                         <a:t>20</a:t>
                       </a:r>
-                      <a:endParaRPr lang="en-US" sz="1800" b="0" i="0" u="none" strike="noStrike">
-                        <a:solidFill>
-                          <a:srgbClr val="000000"/>
-                        </a:solidFill>
-                        <a:effectLst/>
-                        <a:latin typeface="Arial Unicode MS" panose="020B0604020202020204" pitchFamily="34" charset="-128"/>
-                        <a:ea typeface="Arial Unicode MS" panose="020B0604020202020204" pitchFamily="34" charset="-128"/>
-                        <a:cs typeface="Arial Unicode MS" panose="020B0604020202020204" pitchFamily="34" charset="-128"/>
-                      </a:endParaRPr>
-                    </a:p>
-                  </a:txBody>
-                  <a:tcPr marL="9525" marR="9525" marT="9525" marB="0" anchor="ctr"/>
-                </a:tc>
-                <a:tc>
-                  <a:txBody>
-                    <a:bodyPr/>
-                    <a:lstStyle/>
-                    <a:p>
-                      <a:pPr algn="ctr" fontAlgn="b"/>
-                      <a:r>
-                        <a:rPr lang="en-US" sz="1800" b="0" i="0" u="none" strike="noStrike">
-                          <a:effectLst/>
-                          <a:latin typeface="Arial Unicode MS" panose="020B0604020202020204" pitchFamily="34" charset="-128"/>
-                          <a:ea typeface="Arial Unicode MS" panose="020B0604020202020204" pitchFamily="34" charset="-128"/>
-                          <a:cs typeface="Arial Unicode MS" panose="020B0604020202020204" pitchFamily="34" charset="-128"/>
+                    </a:p>
+                  </a:txBody>
+                  <a:tcPr marL="9525" marR="9525" marT="9525" marB="9525" anchor="ctr" horzOverflow="overflow"/>
+                </a:tc>
+                <a:tc>
+                  <a:txBody>
+                    <a:bodyPr/>
+                    <a:lstStyle/>
+                    <a:p>
+                      <a:pPr>
+                        <a:defRPr>
+                          <a:solidFill>
+                            <a:srgbClr val="000000"/>
+                          </a:solidFill>
+                        </a:defRPr>
+                      </a:pPr>
+                      <a:r>
+                        <a:rPr>
+                          <a:solidFill>
+                            <a:srgbClr val="606060"/>
+                          </a:solidFill>
+                          <a:latin typeface="Arial Unicode MS"/>
+                          <a:ea typeface="Arial Unicode MS"/>
+                          <a:cs typeface="Arial Unicode MS"/>
+                          <a:sym typeface="Arial Unicode MS"/>
                         </a:rPr>
                         <a:t>80</a:t>
                       </a:r>
-                      <a:endParaRPr lang="en-US" sz="1800" b="0" i="0" u="none" strike="noStrike">
-                        <a:solidFill>
-                          <a:srgbClr val="000000"/>
-                        </a:solidFill>
-                        <a:effectLst/>
-                        <a:latin typeface="Arial Unicode MS" panose="020B0604020202020204" pitchFamily="34" charset="-128"/>
-                        <a:ea typeface="Arial Unicode MS" panose="020B0604020202020204" pitchFamily="34" charset="-128"/>
-                        <a:cs typeface="Arial Unicode MS" panose="020B0604020202020204" pitchFamily="34" charset="-128"/>
-                      </a:endParaRPr>
-                    </a:p>
-                  </a:txBody>
-                  <a:tcPr marL="9525" marR="9525" marT="9525" marB="0" anchor="ctr"/>
-                </a:tc>
-                <a:tc>
-                  <a:txBody>
-                    <a:bodyPr/>
-                    <a:lstStyle/>
-                    <a:p>
-                      <a:pPr algn="ctr" fontAlgn="b"/>
-                      <a:r>
-                        <a:rPr lang="en-US" sz="1800" b="0" i="0" u="none" strike="noStrike" dirty="0">
-                          <a:effectLst/>
-                          <a:latin typeface="Arial Unicode MS" panose="020B0604020202020204" pitchFamily="34" charset="-128"/>
-                          <a:ea typeface="Arial Unicode MS" panose="020B0604020202020204" pitchFamily="34" charset="-128"/>
-                          <a:cs typeface="Arial Unicode MS" panose="020B0604020202020204" pitchFamily="34" charset="-128"/>
+                    </a:p>
+                  </a:txBody>
+                  <a:tcPr marL="9525" marR="9525" marT="9525" marB="9525" anchor="ctr" horzOverflow="overflow"/>
+                </a:tc>
+                <a:tc>
+                  <a:txBody>
+                    <a:bodyPr/>
+                    <a:lstStyle/>
+                    <a:p>
+                      <a:pPr>
+                        <a:defRPr>
+                          <a:solidFill>
+                            <a:srgbClr val="000000"/>
+                          </a:solidFill>
+                        </a:defRPr>
+                      </a:pPr>
+                      <a:r>
+                        <a:rPr>
+                          <a:solidFill>
+                            <a:srgbClr val="606060"/>
+                          </a:solidFill>
+                          <a:latin typeface="Arial Unicode MS"/>
+                          <a:ea typeface="Arial Unicode MS"/>
+                          <a:cs typeface="Arial Unicode MS"/>
+                          <a:sym typeface="Arial Unicode MS"/>
                         </a:rPr>
                         <a:t>300</a:t>
                       </a:r>
-                      <a:endParaRPr lang="en-US" sz="1800" b="0" i="0" u="none" strike="noStrike" dirty="0">
-                        <a:solidFill>
-                          <a:srgbClr val="000000"/>
-                        </a:solidFill>
-                        <a:effectLst/>
-                        <a:latin typeface="Arial Unicode MS" panose="020B0604020202020204" pitchFamily="34" charset="-128"/>
-                        <a:ea typeface="Arial Unicode MS" panose="020B0604020202020204" pitchFamily="34" charset="-128"/>
-                        <a:cs typeface="Arial Unicode MS" panose="020B0604020202020204" pitchFamily="34" charset="-128"/>
-                      </a:endParaRPr>
-                    </a:p>
-                  </a:txBody>
-                  <a:tcPr marL="9525" marR="9525" marT="9525" marB="0" anchor="ctr"/>
-                </a:tc>
-                <a:tc>
-                  <a:txBody>
-                    <a:bodyPr/>
-                    <a:lstStyle/>
-                    <a:p>
-                      <a:pPr algn="ctr" fontAlgn="b"/>
-                      <a:r>
-                        <a:rPr lang="en-US" sz="1800" b="0" i="0" u="none" strike="noStrike">
-                          <a:effectLst/>
-                          <a:latin typeface="Arial Unicode MS" panose="020B0604020202020204" pitchFamily="34" charset="-128"/>
-                          <a:ea typeface="Arial Unicode MS" panose="020B0604020202020204" pitchFamily="34" charset="-128"/>
-                          <a:cs typeface="Arial Unicode MS" panose="020B0604020202020204" pitchFamily="34" charset="-128"/>
+                    </a:p>
+                  </a:txBody>
+                  <a:tcPr marL="9525" marR="9525" marT="9525" marB="9525" anchor="ctr" horzOverflow="overflow"/>
+                </a:tc>
+                <a:tc>
+                  <a:txBody>
+                    <a:bodyPr/>
+                    <a:lstStyle/>
+                    <a:p>
+                      <a:pPr>
+                        <a:defRPr>
+                          <a:solidFill>
+                            <a:srgbClr val="000000"/>
+                          </a:solidFill>
+                        </a:defRPr>
+                      </a:pPr>
+                      <a:r>
+                        <a:rPr>
+                          <a:solidFill>
+                            <a:srgbClr val="606060"/>
+                          </a:solidFill>
+                          <a:latin typeface="Arial Unicode MS"/>
+                          <a:ea typeface="Arial Unicode MS"/>
+                          <a:cs typeface="Arial Unicode MS"/>
+                          <a:sym typeface="Arial Unicode MS"/>
                         </a:rPr>
                         <a:t>68.91</a:t>
                       </a:r>
-                      <a:endParaRPr lang="en-US" sz="1800" b="0" i="0" u="none" strike="noStrike">
-                        <a:solidFill>
-                          <a:srgbClr val="000000"/>
-                        </a:solidFill>
-                        <a:effectLst/>
-                        <a:latin typeface="Arial Unicode MS" panose="020B0604020202020204" pitchFamily="34" charset="-128"/>
-                        <a:ea typeface="Arial Unicode MS" panose="020B0604020202020204" pitchFamily="34" charset="-128"/>
-                        <a:cs typeface="Arial Unicode MS" panose="020B0604020202020204" pitchFamily="34" charset="-128"/>
-                      </a:endParaRPr>
-                    </a:p>
-                  </a:txBody>
-                  <a:tcPr marL="9525" marR="9525" marT="9525" marB="0" anchor="ctr"/>
-                </a:tc>
-                <a:tc>
-                  <a:txBody>
-                    <a:bodyPr/>
-                    <a:lstStyle/>
-                    <a:p>
-                      <a:pPr algn="ctr" fontAlgn="b"/>
-                      <a:r>
-                        <a:rPr lang="en-US" sz="1800" b="0" i="0" u="none" strike="noStrike">
-                          <a:effectLst/>
-                          <a:latin typeface="Arial Unicode MS" panose="020B0604020202020204" pitchFamily="34" charset="-128"/>
-                          <a:ea typeface="Arial Unicode MS" panose="020B0604020202020204" pitchFamily="34" charset="-128"/>
-                          <a:cs typeface="Arial Unicode MS" panose="020B0604020202020204" pitchFamily="34" charset="-128"/>
+                    </a:p>
+                  </a:txBody>
+                  <a:tcPr marL="9525" marR="9525" marT="9525" marB="9525" anchor="ctr" horzOverflow="overflow"/>
+                </a:tc>
+                <a:tc>
+                  <a:txBody>
+                    <a:bodyPr/>
+                    <a:lstStyle/>
+                    <a:p>
+                      <a:pPr>
+                        <a:defRPr>
+                          <a:solidFill>
+                            <a:srgbClr val="000000"/>
+                          </a:solidFill>
+                        </a:defRPr>
+                      </a:pPr>
+                      <a:r>
+                        <a:rPr>
+                          <a:solidFill>
+                            <a:srgbClr val="606060"/>
+                          </a:solidFill>
+                          <a:latin typeface="Arial Unicode MS"/>
+                          <a:ea typeface="Arial Unicode MS"/>
+                          <a:cs typeface="Arial Unicode MS"/>
+                          <a:sym typeface="Arial Unicode MS"/>
                         </a:rPr>
                         <a:t>3221.17</a:t>
                       </a:r>
-                      <a:endParaRPr lang="en-US" sz="1800" b="0" i="0" u="none" strike="noStrike">
-                        <a:solidFill>
-                          <a:srgbClr val="000000"/>
-                        </a:solidFill>
-                        <a:effectLst/>
-                        <a:latin typeface="Arial Unicode MS" panose="020B0604020202020204" pitchFamily="34" charset="-128"/>
-                        <a:ea typeface="Arial Unicode MS" panose="020B0604020202020204" pitchFamily="34" charset="-128"/>
-                        <a:cs typeface="Arial Unicode MS" panose="020B0604020202020204" pitchFamily="34" charset="-128"/>
-                      </a:endParaRPr>
-                    </a:p>
-                  </a:txBody>
-                  <a:tcPr marL="9525" marR="9525" marT="9525" marB="0" anchor="ctr"/>
+                    </a:p>
+                  </a:txBody>
+                  <a:tcPr marL="9525" marR="9525" marT="9525" marB="9525" anchor="ctr" horzOverflow="overflow"/>
                 </a:tc>
                 <a:extLst>
                   <a:ext uri="{0D108BD9-81ED-4DB2-BD59-A6C34878D82A}">
-                    <a16:rowId xmlns:a16="http://schemas.microsoft.com/office/drawing/2014/main" val="2147637933"/>
+                    <a16:rowId xmlns:a16="http://schemas.microsoft.com/office/drawing/2014/main" val="10006"/>
                   </a:ext>
                 </a:extLst>
               </a:tr>
@@ -5868,144 +5789,144 @@
                     <a:bodyPr/>
                     <a:lstStyle/>
                     <a:p>
-                      <a:pPr algn="ctr" fontAlgn="b"/>
-                      <a:r>
-                        <a:rPr lang="en-US" sz="1800" b="0" i="0" u="none" strike="noStrike">
-                          <a:effectLst/>
-                          <a:latin typeface="Arial Unicode MS" panose="020B0604020202020204" pitchFamily="34" charset="-128"/>
-                          <a:ea typeface="Arial Unicode MS" panose="020B0604020202020204" pitchFamily="34" charset="-128"/>
-                          <a:cs typeface="Arial Unicode MS" panose="020B0604020202020204" pitchFamily="34" charset="-128"/>
+                      <a:pPr>
+                        <a:defRPr>
+                          <a:solidFill>
+                            <a:srgbClr val="000000"/>
+                          </a:solidFill>
+                        </a:defRPr>
+                      </a:pPr>
+                      <a:r>
+                        <a:rPr>
+                          <a:solidFill>
+                            <a:srgbClr val="606060"/>
+                          </a:solidFill>
+                          <a:latin typeface="Arial Unicode MS"/>
+                          <a:ea typeface="Arial Unicode MS"/>
+                          <a:cs typeface="Arial Unicode MS"/>
+                          <a:sym typeface="Arial Unicode MS"/>
                         </a:rPr>
                         <a:t>20</a:t>
                       </a:r>
-                      <a:endParaRPr lang="en-US" sz="1800" b="0" i="0" u="none" strike="noStrike">
-                        <a:solidFill>
-                          <a:srgbClr val="000000"/>
-                        </a:solidFill>
-                        <a:effectLst/>
-                        <a:latin typeface="Arial Unicode MS" panose="020B0604020202020204" pitchFamily="34" charset="-128"/>
-                        <a:ea typeface="Arial Unicode MS" panose="020B0604020202020204" pitchFamily="34" charset="-128"/>
-                        <a:cs typeface="Arial Unicode MS" panose="020B0604020202020204" pitchFamily="34" charset="-128"/>
-                      </a:endParaRPr>
-                    </a:p>
-                  </a:txBody>
-                  <a:tcPr marL="9525" marR="9525" marT="9525" marB="0" anchor="ctr"/>
-                </a:tc>
-                <a:tc>
-                  <a:txBody>
-                    <a:bodyPr/>
-                    <a:lstStyle/>
-                    <a:p>
-                      <a:pPr algn="ctr" fontAlgn="b"/>
-                      <a:r>
-                        <a:rPr lang="en-US" sz="1800" b="0" i="0" u="none" strike="noStrike" dirty="0">
-                          <a:effectLst/>
-                          <a:latin typeface="Arial Unicode MS" panose="020B0604020202020204" pitchFamily="34" charset="-128"/>
-                          <a:ea typeface="Arial Unicode MS" panose="020B0604020202020204" pitchFamily="34" charset="-128"/>
-                          <a:cs typeface="Arial Unicode MS" panose="020B0604020202020204" pitchFamily="34" charset="-128"/>
+                    </a:p>
+                  </a:txBody>
+                  <a:tcPr marL="9525" marR="9525" marT="9525" marB="9525" anchor="ctr" horzOverflow="overflow"/>
+                </a:tc>
+                <a:tc>
+                  <a:txBody>
+                    <a:bodyPr/>
+                    <a:lstStyle/>
+                    <a:p>
+                      <a:pPr>
+                        <a:defRPr>
+                          <a:solidFill>
+                            <a:srgbClr val="000000"/>
+                          </a:solidFill>
+                        </a:defRPr>
+                      </a:pPr>
+                      <a:r>
+                        <a:rPr>
+                          <a:solidFill>
+                            <a:srgbClr val="606060"/>
+                          </a:solidFill>
+                          <a:latin typeface="Arial Unicode MS"/>
+                          <a:ea typeface="Arial Unicode MS"/>
+                          <a:cs typeface="Arial Unicode MS"/>
+                          <a:sym typeface="Arial Unicode MS"/>
                         </a:rPr>
                         <a:t>160</a:t>
                       </a:r>
-                      <a:endParaRPr lang="en-US" sz="1800" b="0" i="0" u="none" strike="noStrike" dirty="0">
-                        <a:solidFill>
-                          <a:srgbClr val="000000"/>
-                        </a:solidFill>
-                        <a:effectLst/>
-                        <a:latin typeface="Arial Unicode MS" panose="020B0604020202020204" pitchFamily="34" charset="-128"/>
-                        <a:ea typeface="Arial Unicode MS" panose="020B0604020202020204" pitchFamily="34" charset="-128"/>
-                        <a:cs typeface="Arial Unicode MS" panose="020B0604020202020204" pitchFamily="34" charset="-128"/>
-                      </a:endParaRPr>
-                    </a:p>
-                  </a:txBody>
-                  <a:tcPr marL="9525" marR="9525" marT="9525" marB="0" anchor="ctr"/>
-                </a:tc>
-                <a:tc>
-                  <a:txBody>
-                    <a:bodyPr/>
-                    <a:lstStyle/>
-                    <a:p>
-                      <a:pPr algn="ctr" fontAlgn="b"/>
-                      <a:r>
-                        <a:rPr lang="en-US" sz="1800" b="0" i="0" u="none" strike="noStrike">
-                          <a:effectLst/>
-                          <a:latin typeface="Arial Unicode MS" panose="020B0604020202020204" pitchFamily="34" charset="-128"/>
-                          <a:ea typeface="Arial Unicode MS" panose="020B0604020202020204" pitchFamily="34" charset="-128"/>
-                          <a:cs typeface="Arial Unicode MS" panose="020B0604020202020204" pitchFamily="34" charset="-128"/>
+                    </a:p>
+                  </a:txBody>
+                  <a:tcPr marL="9525" marR="9525" marT="9525" marB="9525" anchor="ctr" horzOverflow="overflow"/>
+                </a:tc>
+                <a:tc>
+                  <a:txBody>
+                    <a:bodyPr/>
+                    <a:lstStyle/>
+                    <a:p>
+                      <a:pPr>
+                        <a:defRPr>
+                          <a:solidFill>
+                            <a:srgbClr val="000000"/>
+                          </a:solidFill>
+                        </a:defRPr>
+                      </a:pPr>
+                      <a:r>
+                        <a:rPr>
+                          <a:solidFill>
+                            <a:srgbClr val="606060"/>
+                          </a:solidFill>
+                          <a:latin typeface="Arial Unicode MS"/>
+                          <a:ea typeface="Arial Unicode MS"/>
+                          <a:cs typeface="Arial Unicode MS"/>
+                          <a:sym typeface="Arial Unicode MS"/>
                         </a:rPr>
                         <a:t>300</a:t>
                       </a:r>
-                      <a:endParaRPr lang="en-US" sz="1800" b="0" i="0" u="none" strike="noStrike">
-                        <a:solidFill>
-                          <a:srgbClr val="000000"/>
-                        </a:solidFill>
-                        <a:effectLst/>
-                        <a:latin typeface="Arial Unicode MS" panose="020B0604020202020204" pitchFamily="34" charset="-128"/>
-                        <a:ea typeface="Arial Unicode MS" panose="020B0604020202020204" pitchFamily="34" charset="-128"/>
-                        <a:cs typeface="Arial Unicode MS" panose="020B0604020202020204" pitchFamily="34" charset="-128"/>
-                      </a:endParaRPr>
-                    </a:p>
-                  </a:txBody>
-                  <a:tcPr marL="9525" marR="9525" marT="9525" marB="0" anchor="ctr"/>
-                </a:tc>
-                <a:tc>
-                  <a:txBody>
-                    <a:bodyPr/>
-                    <a:lstStyle/>
-                    <a:p>
-                      <a:pPr algn="ctr" fontAlgn="b"/>
-                      <a:r>
-                        <a:rPr lang="en-US" sz="1800" b="0" i="0" u="none" strike="noStrike">
-                          <a:effectLst/>
-                          <a:latin typeface="Arial Unicode MS" panose="020B0604020202020204" pitchFamily="34" charset="-128"/>
-                          <a:ea typeface="Arial Unicode MS" panose="020B0604020202020204" pitchFamily="34" charset="-128"/>
-                          <a:cs typeface="Arial Unicode MS" panose="020B0604020202020204" pitchFamily="34" charset="-128"/>
+                    </a:p>
+                  </a:txBody>
+                  <a:tcPr marL="9525" marR="9525" marT="9525" marB="9525" anchor="ctr" horzOverflow="overflow"/>
+                </a:tc>
+                <a:tc>
+                  <a:txBody>
+                    <a:bodyPr/>
+                    <a:lstStyle/>
+                    <a:p>
+                      <a:pPr>
+                        <a:defRPr>
+                          <a:solidFill>
+                            <a:srgbClr val="000000"/>
+                          </a:solidFill>
+                        </a:defRPr>
+                      </a:pPr>
+                      <a:r>
+                        <a:rPr>
+                          <a:solidFill>
+                            <a:srgbClr val="606060"/>
+                          </a:solidFill>
+                          <a:latin typeface="Arial Unicode MS"/>
+                          <a:ea typeface="Arial Unicode MS"/>
+                          <a:cs typeface="Arial Unicode MS"/>
+                          <a:sym typeface="Arial Unicode MS"/>
                         </a:rPr>
                         <a:t>56.36</a:t>
                       </a:r>
-                      <a:endParaRPr lang="en-US" sz="1800" b="0" i="0" u="none" strike="noStrike">
-                        <a:solidFill>
-                          <a:srgbClr val="000000"/>
-                        </a:solidFill>
-                        <a:effectLst/>
-                        <a:latin typeface="Arial Unicode MS" panose="020B0604020202020204" pitchFamily="34" charset="-128"/>
-                        <a:ea typeface="Arial Unicode MS" panose="020B0604020202020204" pitchFamily="34" charset="-128"/>
-                        <a:cs typeface="Arial Unicode MS" panose="020B0604020202020204" pitchFamily="34" charset="-128"/>
-                      </a:endParaRPr>
-                    </a:p>
-                  </a:txBody>
-                  <a:tcPr marL="9525" marR="9525" marT="9525" marB="0" anchor="ctr"/>
-                </a:tc>
-                <a:tc>
-                  <a:txBody>
-                    <a:bodyPr/>
-                    <a:lstStyle/>
-                    <a:p>
-                      <a:pPr algn="ctr" fontAlgn="b"/>
-                      <a:r>
-                        <a:rPr lang="en-US" sz="1800" b="0" i="0" u="none" strike="noStrike">
-                          <a:effectLst/>
-                          <a:latin typeface="Arial Unicode MS" panose="020B0604020202020204" pitchFamily="34" charset="-128"/>
-                          <a:ea typeface="Arial Unicode MS" panose="020B0604020202020204" pitchFamily="34" charset="-128"/>
-                          <a:cs typeface="Arial Unicode MS" panose="020B0604020202020204" pitchFamily="34" charset="-128"/>
+                    </a:p>
+                  </a:txBody>
+                  <a:tcPr marL="9525" marR="9525" marT="9525" marB="9525" anchor="ctr" horzOverflow="overflow"/>
+                </a:tc>
+                <a:tc>
+                  <a:txBody>
+                    <a:bodyPr/>
+                    <a:lstStyle/>
+                    <a:p>
+                      <a:pPr>
+                        <a:defRPr>
+                          <a:solidFill>
+                            <a:srgbClr val="000000"/>
+                          </a:solidFill>
+                        </a:defRPr>
+                      </a:pPr>
+                      <a:r>
+                        <a:rPr>
+                          <a:solidFill>
+                            <a:srgbClr val="606060"/>
+                          </a:solidFill>
+                          <a:latin typeface="Arial Unicode MS"/>
+                          <a:ea typeface="Arial Unicode MS"/>
+                          <a:cs typeface="Arial Unicode MS"/>
+                          <a:sym typeface="Arial Unicode MS"/>
                         </a:rPr>
                         <a:t>3695.44</a:t>
                       </a:r>
-                      <a:endParaRPr lang="en-US" sz="1800" b="0" i="0" u="none" strike="noStrike">
-                        <a:solidFill>
-                          <a:srgbClr val="000000"/>
-                        </a:solidFill>
-                        <a:effectLst/>
-                        <a:latin typeface="Arial Unicode MS" panose="020B0604020202020204" pitchFamily="34" charset="-128"/>
-                        <a:ea typeface="Arial Unicode MS" panose="020B0604020202020204" pitchFamily="34" charset="-128"/>
-                        <a:cs typeface="Arial Unicode MS" panose="020B0604020202020204" pitchFamily="34" charset="-128"/>
-                      </a:endParaRPr>
-                    </a:p>
-                  </a:txBody>
-                  <a:tcPr marL="9525" marR="9525" marT="9525" marB="0" anchor="ctr"/>
+                    </a:p>
+                  </a:txBody>
+                  <a:tcPr marL="9525" marR="9525" marT="9525" marB="9525" anchor="ctr" horzOverflow="overflow"/>
                 </a:tc>
                 <a:extLst>
                   <a:ext uri="{0D108BD9-81ED-4DB2-BD59-A6C34878D82A}">
-                    <a16:rowId xmlns:a16="http://schemas.microsoft.com/office/drawing/2014/main" val="1078767820"/>
+                    <a16:rowId xmlns:a16="http://schemas.microsoft.com/office/drawing/2014/main" val="10007"/>
                   </a:ext>
                 </a:extLst>
               </a:tr>
@@ -6015,144 +5936,144 @@
                     <a:bodyPr/>
                     <a:lstStyle/>
                     <a:p>
-                      <a:pPr algn="ctr" fontAlgn="b"/>
-                      <a:r>
-                        <a:rPr lang="en-US" sz="1800" b="0" i="0" u="none" strike="noStrike">
-                          <a:effectLst/>
-                          <a:latin typeface="Arial Unicode MS" panose="020B0604020202020204" pitchFamily="34" charset="-128"/>
-                          <a:ea typeface="Arial Unicode MS" panose="020B0604020202020204" pitchFamily="34" charset="-128"/>
-                          <a:cs typeface="Arial Unicode MS" panose="020B0604020202020204" pitchFamily="34" charset="-128"/>
+                      <a:pPr>
+                        <a:defRPr>
+                          <a:solidFill>
+                            <a:srgbClr val="000000"/>
+                          </a:solidFill>
+                        </a:defRPr>
+                      </a:pPr>
+                      <a:r>
+                        <a:rPr>
+                          <a:solidFill>
+                            <a:srgbClr val="606060"/>
+                          </a:solidFill>
+                          <a:latin typeface="Arial Unicode MS"/>
+                          <a:ea typeface="Arial Unicode MS"/>
+                          <a:cs typeface="Arial Unicode MS"/>
+                          <a:sym typeface="Arial Unicode MS"/>
                         </a:rPr>
                         <a:t>40</a:t>
                       </a:r>
-                      <a:endParaRPr lang="en-US" sz="1800" b="0" i="0" u="none" strike="noStrike">
-                        <a:solidFill>
-                          <a:srgbClr val="000000"/>
-                        </a:solidFill>
-                        <a:effectLst/>
-                        <a:latin typeface="Arial Unicode MS" panose="020B0604020202020204" pitchFamily="34" charset="-128"/>
-                        <a:ea typeface="Arial Unicode MS" panose="020B0604020202020204" pitchFamily="34" charset="-128"/>
-                        <a:cs typeface="Arial Unicode MS" panose="020B0604020202020204" pitchFamily="34" charset="-128"/>
-                      </a:endParaRPr>
-                    </a:p>
-                  </a:txBody>
-                  <a:tcPr marL="9525" marR="9525" marT="9525" marB="0" anchor="ctr"/>
-                </a:tc>
-                <a:tc>
-                  <a:txBody>
-                    <a:bodyPr/>
-                    <a:lstStyle/>
-                    <a:p>
-                      <a:pPr algn="ctr" fontAlgn="b"/>
-                      <a:r>
-                        <a:rPr lang="en-US" sz="1800" b="0" i="0" u="none" strike="noStrike">
-                          <a:effectLst/>
-                          <a:latin typeface="Arial Unicode MS" panose="020B0604020202020204" pitchFamily="34" charset="-128"/>
-                          <a:ea typeface="Arial Unicode MS" panose="020B0604020202020204" pitchFamily="34" charset="-128"/>
-                          <a:cs typeface="Arial Unicode MS" panose="020B0604020202020204" pitchFamily="34" charset="-128"/>
+                    </a:p>
+                  </a:txBody>
+                  <a:tcPr marL="9525" marR="9525" marT="9525" marB="9525" anchor="ctr" horzOverflow="overflow"/>
+                </a:tc>
+                <a:tc>
+                  <a:txBody>
+                    <a:bodyPr/>
+                    <a:lstStyle/>
+                    <a:p>
+                      <a:pPr>
+                        <a:defRPr>
+                          <a:solidFill>
+                            <a:srgbClr val="000000"/>
+                          </a:solidFill>
+                        </a:defRPr>
+                      </a:pPr>
+                      <a:r>
+                        <a:rPr>
+                          <a:solidFill>
+                            <a:srgbClr val="606060"/>
+                          </a:solidFill>
+                          <a:latin typeface="Arial Unicode MS"/>
+                          <a:ea typeface="Arial Unicode MS"/>
+                          <a:cs typeface="Arial Unicode MS"/>
+                          <a:sym typeface="Arial Unicode MS"/>
                         </a:rPr>
                         <a:t>10</a:t>
                       </a:r>
-                      <a:endParaRPr lang="en-US" sz="1800" b="0" i="0" u="none" strike="noStrike">
-                        <a:solidFill>
-                          <a:srgbClr val="000000"/>
-                        </a:solidFill>
-                        <a:effectLst/>
-                        <a:latin typeface="Arial Unicode MS" panose="020B0604020202020204" pitchFamily="34" charset="-128"/>
-                        <a:ea typeface="Arial Unicode MS" panose="020B0604020202020204" pitchFamily="34" charset="-128"/>
-                        <a:cs typeface="Arial Unicode MS" panose="020B0604020202020204" pitchFamily="34" charset="-128"/>
-                      </a:endParaRPr>
-                    </a:p>
-                  </a:txBody>
-                  <a:tcPr marL="9525" marR="9525" marT="9525" marB="0" anchor="ctr"/>
-                </a:tc>
-                <a:tc>
-                  <a:txBody>
-                    <a:bodyPr/>
-                    <a:lstStyle/>
-                    <a:p>
-                      <a:pPr algn="ctr" fontAlgn="b"/>
-                      <a:r>
-                        <a:rPr lang="en-US" sz="1800" b="0" i="0" u="none" strike="noStrike">
-                          <a:effectLst/>
-                          <a:latin typeface="Arial Unicode MS" panose="020B0604020202020204" pitchFamily="34" charset="-128"/>
-                          <a:ea typeface="Arial Unicode MS" panose="020B0604020202020204" pitchFamily="34" charset="-128"/>
-                          <a:cs typeface="Arial Unicode MS" panose="020B0604020202020204" pitchFamily="34" charset="-128"/>
+                    </a:p>
+                  </a:txBody>
+                  <a:tcPr marL="9525" marR="9525" marT="9525" marB="9525" anchor="ctr" horzOverflow="overflow"/>
+                </a:tc>
+                <a:tc>
+                  <a:txBody>
+                    <a:bodyPr/>
+                    <a:lstStyle/>
+                    <a:p>
+                      <a:pPr>
+                        <a:defRPr>
+                          <a:solidFill>
+                            <a:srgbClr val="000000"/>
+                          </a:solidFill>
+                        </a:defRPr>
+                      </a:pPr>
+                      <a:r>
+                        <a:rPr>
+                          <a:solidFill>
+                            <a:srgbClr val="606060"/>
+                          </a:solidFill>
+                          <a:latin typeface="Arial Unicode MS"/>
+                          <a:ea typeface="Arial Unicode MS"/>
+                          <a:cs typeface="Arial Unicode MS"/>
+                          <a:sym typeface="Arial Unicode MS"/>
                         </a:rPr>
                         <a:t>300</a:t>
                       </a:r>
-                      <a:endParaRPr lang="en-US" sz="1800" b="0" i="0" u="none" strike="noStrike">
-                        <a:solidFill>
-                          <a:srgbClr val="000000"/>
-                        </a:solidFill>
-                        <a:effectLst/>
-                        <a:latin typeface="Arial Unicode MS" panose="020B0604020202020204" pitchFamily="34" charset="-128"/>
-                        <a:ea typeface="Arial Unicode MS" panose="020B0604020202020204" pitchFamily="34" charset="-128"/>
-                        <a:cs typeface="Arial Unicode MS" panose="020B0604020202020204" pitchFamily="34" charset="-128"/>
-                      </a:endParaRPr>
-                    </a:p>
-                  </a:txBody>
-                  <a:tcPr marL="9525" marR="9525" marT="9525" marB="0" anchor="ctr"/>
-                </a:tc>
-                <a:tc>
-                  <a:txBody>
-                    <a:bodyPr/>
-                    <a:lstStyle/>
-                    <a:p>
-                      <a:pPr algn="ctr" fontAlgn="b"/>
-                      <a:r>
-                        <a:rPr lang="en-US" sz="1800" b="0" i="0" u="none" strike="noStrike">
-                          <a:effectLst/>
-                          <a:latin typeface="Arial Unicode MS" panose="020B0604020202020204" pitchFamily="34" charset="-128"/>
-                          <a:ea typeface="Arial Unicode MS" panose="020B0604020202020204" pitchFamily="34" charset="-128"/>
-                          <a:cs typeface="Arial Unicode MS" panose="020B0604020202020204" pitchFamily="34" charset="-128"/>
+                    </a:p>
+                  </a:txBody>
+                  <a:tcPr marL="9525" marR="9525" marT="9525" marB="9525" anchor="ctr" horzOverflow="overflow"/>
+                </a:tc>
+                <a:tc>
+                  <a:txBody>
+                    <a:bodyPr/>
+                    <a:lstStyle/>
+                    <a:p>
+                      <a:pPr>
+                        <a:defRPr>
+                          <a:solidFill>
+                            <a:srgbClr val="000000"/>
+                          </a:solidFill>
+                        </a:defRPr>
+                      </a:pPr>
+                      <a:r>
+                        <a:rPr>
+                          <a:solidFill>
+                            <a:srgbClr val="606060"/>
+                          </a:solidFill>
+                          <a:latin typeface="Arial Unicode MS"/>
+                          <a:ea typeface="Arial Unicode MS"/>
+                          <a:cs typeface="Arial Unicode MS"/>
+                          <a:sym typeface="Arial Unicode MS"/>
                         </a:rPr>
                         <a:t>96.82</a:t>
                       </a:r>
-                      <a:endParaRPr lang="en-US" sz="1800" b="0" i="0" u="none" strike="noStrike">
-                        <a:solidFill>
-                          <a:srgbClr val="000000"/>
-                        </a:solidFill>
-                        <a:effectLst/>
-                        <a:latin typeface="Arial Unicode MS" panose="020B0604020202020204" pitchFamily="34" charset="-128"/>
-                        <a:ea typeface="Arial Unicode MS" panose="020B0604020202020204" pitchFamily="34" charset="-128"/>
-                        <a:cs typeface="Arial Unicode MS" panose="020B0604020202020204" pitchFamily="34" charset="-128"/>
-                      </a:endParaRPr>
-                    </a:p>
-                  </a:txBody>
-                  <a:tcPr marL="9525" marR="9525" marT="9525" marB="0" anchor="ctr"/>
-                </a:tc>
-                <a:tc>
-                  <a:txBody>
-                    <a:bodyPr/>
-                    <a:lstStyle/>
-                    <a:p>
-                      <a:pPr algn="ctr" fontAlgn="b"/>
-                      <a:r>
-                        <a:rPr lang="en-US" sz="1800" b="0" i="0" u="none" strike="noStrike">
-                          <a:effectLst/>
-                          <a:latin typeface="Arial Unicode MS" panose="020B0604020202020204" pitchFamily="34" charset="-128"/>
-                          <a:ea typeface="Arial Unicode MS" panose="020B0604020202020204" pitchFamily="34" charset="-128"/>
-                          <a:cs typeface="Arial Unicode MS" panose="020B0604020202020204" pitchFamily="34" charset="-128"/>
+                    </a:p>
+                  </a:txBody>
+                  <a:tcPr marL="9525" marR="9525" marT="9525" marB="9525" anchor="ctr" horzOverflow="overflow"/>
+                </a:tc>
+                <a:tc>
+                  <a:txBody>
+                    <a:bodyPr/>
+                    <a:lstStyle/>
+                    <a:p>
+                      <a:pPr>
+                        <a:defRPr>
+                          <a:solidFill>
+                            <a:srgbClr val="000000"/>
+                          </a:solidFill>
+                        </a:defRPr>
+                      </a:pPr>
+                      <a:r>
+                        <a:rPr>
+                          <a:solidFill>
+                            <a:srgbClr val="606060"/>
+                          </a:solidFill>
+                          <a:latin typeface="Arial Unicode MS"/>
+                          <a:ea typeface="Arial Unicode MS"/>
+                          <a:cs typeface="Arial Unicode MS"/>
+                          <a:sym typeface="Arial Unicode MS"/>
                         </a:rPr>
                         <a:t>1079.70</a:t>
                       </a:r>
-                      <a:endParaRPr lang="en-US" sz="1800" b="0" i="0" u="none" strike="noStrike">
-                        <a:solidFill>
-                          <a:srgbClr val="000000"/>
-                        </a:solidFill>
-                        <a:effectLst/>
-                        <a:latin typeface="Arial Unicode MS" panose="020B0604020202020204" pitchFamily="34" charset="-128"/>
-                        <a:ea typeface="Arial Unicode MS" panose="020B0604020202020204" pitchFamily="34" charset="-128"/>
-                        <a:cs typeface="Arial Unicode MS" panose="020B0604020202020204" pitchFamily="34" charset="-128"/>
-                      </a:endParaRPr>
-                    </a:p>
-                  </a:txBody>
-                  <a:tcPr marL="9525" marR="9525" marT="9525" marB="0" anchor="ctr"/>
+                    </a:p>
+                  </a:txBody>
+                  <a:tcPr marL="9525" marR="9525" marT="9525" marB="9525" anchor="ctr" horzOverflow="overflow"/>
                 </a:tc>
                 <a:extLst>
                   <a:ext uri="{0D108BD9-81ED-4DB2-BD59-A6C34878D82A}">
-                    <a16:rowId xmlns:a16="http://schemas.microsoft.com/office/drawing/2014/main" val="3626732612"/>
+                    <a16:rowId xmlns:a16="http://schemas.microsoft.com/office/drawing/2014/main" val="10008"/>
                   </a:ext>
                 </a:extLst>
               </a:tr>
@@ -6162,144 +6083,144 @@
                     <a:bodyPr/>
                     <a:lstStyle/>
                     <a:p>
-                      <a:pPr algn="ctr" fontAlgn="b"/>
-                      <a:r>
-                        <a:rPr lang="en-US" sz="1800" b="0" i="0" u="none" strike="noStrike">
-                          <a:effectLst/>
-                          <a:latin typeface="Arial Unicode MS" panose="020B0604020202020204" pitchFamily="34" charset="-128"/>
-                          <a:ea typeface="Arial Unicode MS" panose="020B0604020202020204" pitchFamily="34" charset="-128"/>
-                          <a:cs typeface="Arial Unicode MS" panose="020B0604020202020204" pitchFamily="34" charset="-128"/>
+                      <a:pPr>
+                        <a:defRPr>
+                          <a:solidFill>
+                            <a:srgbClr val="000000"/>
+                          </a:solidFill>
+                        </a:defRPr>
+                      </a:pPr>
+                      <a:r>
+                        <a:rPr>
+                          <a:solidFill>
+                            <a:srgbClr val="606060"/>
+                          </a:solidFill>
+                          <a:latin typeface="Arial Unicode MS"/>
+                          <a:ea typeface="Arial Unicode MS"/>
+                          <a:cs typeface="Arial Unicode MS"/>
+                          <a:sym typeface="Arial Unicode MS"/>
                         </a:rPr>
                         <a:t>40</a:t>
                       </a:r>
-                      <a:endParaRPr lang="en-US" sz="1800" b="0" i="0" u="none" strike="noStrike">
-                        <a:solidFill>
-                          <a:srgbClr val="000000"/>
-                        </a:solidFill>
-                        <a:effectLst/>
-                        <a:latin typeface="Arial Unicode MS" panose="020B0604020202020204" pitchFamily="34" charset="-128"/>
-                        <a:ea typeface="Arial Unicode MS" panose="020B0604020202020204" pitchFamily="34" charset="-128"/>
-                        <a:cs typeface="Arial Unicode MS" panose="020B0604020202020204" pitchFamily="34" charset="-128"/>
-                      </a:endParaRPr>
-                    </a:p>
-                  </a:txBody>
-                  <a:tcPr marL="9525" marR="9525" marT="9525" marB="0" anchor="ctr"/>
-                </a:tc>
-                <a:tc>
-                  <a:txBody>
-                    <a:bodyPr/>
-                    <a:lstStyle/>
-                    <a:p>
-                      <a:pPr algn="ctr" fontAlgn="b"/>
-                      <a:r>
-                        <a:rPr lang="en-US" sz="1800" b="0" i="0" u="none" strike="noStrike" dirty="0">
-                          <a:effectLst/>
-                          <a:latin typeface="Arial Unicode MS" panose="020B0604020202020204" pitchFamily="34" charset="-128"/>
-                          <a:ea typeface="Arial Unicode MS" panose="020B0604020202020204" pitchFamily="34" charset="-128"/>
-                          <a:cs typeface="Arial Unicode MS" panose="020B0604020202020204" pitchFamily="34" charset="-128"/>
+                    </a:p>
+                  </a:txBody>
+                  <a:tcPr marL="9525" marR="9525" marT="9525" marB="9525" anchor="ctr" horzOverflow="overflow"/>
+                </a:tc>
+                <a:tc>
+                  <a:txBody>
+                    <a:bodyPr/>
+                    <a:lstStyle/>
+                    <a:p>
+                      <a:pPr>
+                        <a:defRPr>
+                          <a:solidFill>
+                            <a:srgbClr val="000000"/>
+                          </a:solidFill>
+                        </a:defRPr>
+                      </a:pPr>
+                      <a:r>
+                        <a:rPr>
+                          <a:solidFill>
+                            <a:srgbClr val="606060"/>
+                          </a:solidFill>
+                          <a:latin typeface="Arial Unicode MS"/>
+                          <a:ea typeface="Arial Unicode MS"/>
+                          <a:cs typeface="Arial Unicode MS"/>
+                          <a:sym typeface="Arial Unicode MS"/>
                         </a:rPr>
                         <a:t>20</a:t>
                       </a:r>
-                      <a:endParaRPr lang="en-US" sz="1800" b="0" i="0" u="none" strike="noStrike" dirty="0">
-                        <a:solidFill>
-                          <a:srgbClr val="000000"/>
-                        </a:solidFill>
-                        <a:effectLst/>
-                        <a:latin typeface="Arial Unicode MS" panose="020B0604020202020204" pitchFamily="34" charset="-128"/>
-                        <a:ea typeface="Arial Unicode MS" panose="020B0604020202020204" pitchFamily="34" charset="-128"/>
-                        <a:cs typeface="Arial Unicode MS" panose="020B0604020202020204" pitchFamily="34" charset="-128"/>
-                      </a:endParaRPr>
-                    </a:p>
-                  </a:txBody>
-                  <a:tcPr marL="9525" marR="9525" marT="9525" marB="0" anchor="ctr"/>
-                </a:tc>
-                <a:tc>
-                  <a:txBody>
-                    <a:bodyPr/>
-                    <a:lstStyle/>
-                    <a:p>
-                      <a:pPr algn="ctr" fontAlgn="b"/>
-                      <a:r>
-                        <a:rPr lang="en-US" sz="1800" b="0" i="0" u="none" strike="noStrike">
-                          <a:effectLst/>
-                          <a:latin typeface="Arial Unicode MS" panose="020B0604020202020204" pitchFamily="34" charset="-128"/>
-                          <a:ea typeface="Arial Unicode MS" panose="020B0604020202020204" pitchFamily="34" charset="-128"/>
-                          <a:cs typeface="Arial Unicode MS" panose="020B0604020202020204" pitchFamily="34" charset="-128"/>
+                    </a:p>
+                  </a:txBody>
+                  <a:tcPr marL="9525" marR="9525" marT="9525" marB="9525" anchor="ctr" horzOverflow="overflow"/>
+                </a:tc>
+                <a:tc>
+                  <a:txBody>
+                    <a:bodyPr/>
+                    <a:lstStyle/>
+                    <a:p>
+                      <a:pPr>
+                        <a:defRPr>
+                          <a:solidFill>
+                            <a:srgbClr val="000000"/>
+                          </a:solidFill>
+                        </a:defRPr>
+                      </a:pPr>
+                      <a:r>
+                        <a:rPr>
+                          <a:solidFill>
+                            <a:srgbClr val="606060"/>
+                          </a:solidFill>
+                          <a:latin typeface="Arial Unicode MS"/>
+                          <a:ea typeface="Arial Unicode MS"/>
+                          <a:cs typeface="Arial Unicode MS"/>
+                          <a:sym typeface="Arial Unicode MS"/>
                         </a:rPr>
                         <a:t>300</a:t>
                       </a:r>
-                      <a:endParaRPr lang="en-US" sz="1800" b="0" i="0" u="none" strike="noStrike">
-                        <a:solidFill>
-                          <a:srgbClr val="000000"/>
-                        </a:solidFill>
-                        <a:effectLst/>
-                        <a:latin typeface="Arial Unicode MS" panose="020B0604020202020204" pitchFamily="34" charset="-128"/>
-                        <a:ea typeface="Arial Unicode MS" panose="020B0604020202020204" pitchFamily="34" charset="-128"/>
-                        <a:cs typeface="Arial Unicode MS" panose="020B0604020202020204" pitchFamily="34" charset="-128"/>
-                      </a:endParaRPr>
-                    </a:p>
-                  </a:txBody>
-                  <a:tcPr marL="9525" marR="9525" marT="9525" marB="0" anchor="ctr"/>
-                </a:tc>
-                <a:tc>
-                  <a:txBody>
-                    <a:bodyPr/>
-                    <a:lstStyle/>
-                    <a:p>
-                      <a:pPr algn="ctr" fontAlgn="b"/>
-                      <a:r>
-                        <a:rPr lang="en-US" sz="1800" b="0" i="0" u="none" strike="noStrike">
-                          <a:effectLst/>
-                          <a:latin typeface="Arial Unicode MS" panose="020B0604020202020204" pitchFamily="34" charset="-128"/>
-                          <a:ea typeface="Arial Unicode MS" panose="020B0604020202020204" pitchFamily="34" charset="-128"/>
-                          <a:cs typeface="Arial Unicode MS" panose="020B0604020202020204" pitchFamily="34" charset="-128"/>
+                    </a:p>
+                  </a:txBody>
+                  <a:tcPr marL="9525" marR="9525" marT="9525" marB="9525" anchor="ctr" horzOverflow="overflow"/>
+                </a:tc>
+                <a:tc>
+                  <a:txBody>
+                    <a:bodyPr/>
+                    <a:lstStyle/>
+                    <a:p>
+                      <a:pPr>
+                        <a:defRPr>
+                          <a:solidFill>
+                            <a:srgbClr val="000000"/>
+                          </a:solidFill>
+                        </a:defRPr>
+                      </a:pPr>
+                      <a:r>
+                        <a:rPr>
+                          <a:solidFill>
+                            <a:srgbClr val="606060"/>
+                          </a:solidFill>
+                          <a:latin typeface="Arial Unicode MS"/>
+                          <a:ea typeface="Arial Unicode MS"/>
+                          <a:cs typeface="Arial Unicode MS"/>
+                          <a:sym typeface="Arial Unicode MS"/>
                         </a:rPr>
                         <a:t>83.00</a:t>
                       </a:r>
-                      <a:endParaRPr lang="en-US" sz="1800" b="0" i="0" u="none" strike="noStrike">
-                        <a:solidFill>
-                          <a:srgbClr val="000000"/>
-                        </a:solidFill>
-                        <a:effectLst/>
-                        <a:latin typeface="Arial Unicode MS" panose="020B0604020202020204" pitchFamily="34" charset="-128"/>
-                        <a:ea typeface="Arial Unicode MS" panose="020B0604020202020204" pitchFamily="34" charset="-128"/>
-                        <a:cs typeface="Arial Unicode MS" panose="020B0604020202020204" pitchFamily="34" charset="-128"/>
-                      </a:endParaRPr>
-                    </a:p>
-                  </a:txBody>
-                  <a:tcPr marL="9525" marR="9525" marT="9525" marB="0" anchor="ctr"/>
-                </a:tc>
-                <a:tc>
-                  <a:txBody>
-                    <a:bodyPr/>
-                    <a:lstStyle/>
-                    <a:p>
-                      <a:pPr algn="ctr" fontAlgn="b"/>
-                      <a:r>
-                        <a:rPr lang="en-US" sz="1800" b="0" i="0" u="none" strike="noStrike">
-                          <a:effectLst/>
-                          <a:latin typeface="Arial Unicode MS" panose="020B0604020202020204" pitchFamily="34" charset="-128"/>
-                          <a:ea typeface="Arial Unicode MS" panose="020B0604020202020204" pitchFamily="34" charset="-128"/>
-                          <a:cs typeface="Arial Unicode MS" panose="020B0604020202020204" pitchFamily="34" charset="-128"/>
+                    </a:p>
+                  </a:txBody>
+                  <a:tcPr marL="9525" marR="9525" marT="9525" marB="9525" anchor="ctr" horzOverflow="overflow"/>
+                </a:tc>
+                <a:tc>
+                  <a:txBody>
+                    <a:bodyPr/>
+                    <a:lstStyle/>
+                    <a:p>
+                      <a:pPr>
+                        <a:defRPr>
+                          <a:solidFill>
+                            <a:srgbClr val="000000"/>
+                          </a:solidFill>
+                        </a:defRPr>
+                      </a:pPr>
+                      <a:r>
+                        <a:rPr>
+                          <a:solidFill>
+                            <a:srgbClr val="606060"/>
+                          </a:solidFill>
+                          <a:latin typeface="Arial Unicode MS"/>
+                          <a:ea typeface="Arial Unicode MS"/>
+                          <a:cs typeface="Arial Unicode MS"/>
+                          <a:sym typeface="Arial Unicode MS"/>
                         </a:rPr>
                         <a:t>1409.77</a:t>
                       </a:r>
-                      <a:endParaRPr lang="en-US" sz="1800" b="0" i="0" u="none" strike="noStrike">
-                        <a:solidFill>
-                          <a:srgbClr val="000000"/>
-                        </a:solidFill>
-                        <a:effectLst/>
-                        <a:latin typeface="Arial Unicode MS" panose="020B0604020202020204" pitchFamily="34" charset="-128"/>
-                        <a:ea typeface="Arial Unicode MS" panose="020B0604020202020204" pitchFamily="34" charset="-128"/>
-                        <a:cs typeface="Arial Unicode MS" panose="020B0604020202020204" pitchFamily="34" charset="-128"/>
-                      </a:endParaRPr>
-                    </a:p>
-                  </a:txBody>
-                  <a:tcPr marL="9525" marR="9525" marT="9525" marB="0" anchor="ctr"/>
+                    </a:p>
+                  </a:txBody>
+                  <a:tcPr marL="9525" marR="9525" marT="9525" marB="9525" anchor="ctr" horzOverflow="overflow"/>
                 </a:tc>
                 <a:extLst>
                   <a:ext uri="{0D108BD9-81ED-4DB2-BD59-A6C34878D82A}">
-                    <a16:rowId xmlns:a16="http://schemas.microsoft.com/office/drawing/2014/main" val="901619509"/>
+                    <a16:rowId xmlns:a16="http://schemas.microsoft.com/office/drawing/2014/main" val="10009"/>
                   </a:ext>
                 </a:extLst>
               </a:tr>
@@ -6309,144 +6230,144 @@
                     <a:bodyPr/>
                     <a:lstStyle/>
                     <a:p>
-                      <a:pPr algn="ctr" fontAlgn="b"/>
-                      <a:r>
-                        <a:rPr lang="en-US" sz="1800" b="0" i="0" u="none" strike="noStrike">
-                          <a:effectLst/>
-                          <a:latin typeface="Arial Unicode MS" panose="020B0604020202020204" pitchFamily="34" charset="-128"/>
-                          <a:ea typeface="Arial Unicode MS" panose="020B0604020202020204" pitchFamily="34" charset="-128"/>
-                          <a:cs typeface="Arial Unicode MS" panose="020B0604020202020204" pitchFamily="34" charset="-128"/>
+                      <a:pPr>
+                        <a:defRPr>
+                          <a:solidFill>
+                            <a:srgbClr val="000000"/>
+                          </a:solidFill>
+                        </a:defRPr>
+                      </a:pPr>
+                      <a:r>
+                        <a:rPr>
+                          <a:solidFill>
+                            <a:srgbClr val="606060"/>
+                          </a:solidFill>
+                          <a:latin typeface="Arial Unicode MS"/>
+                          <a:ea typeface="Arial Unicode MS"/>
+                          <a:cs typeface="Arial Unicode MS"/>
+                          <a:sym typeface="Arial Unicode MS"/>
                         </a:rPr>
                         <a:t>40</a:t>
                       </a:r>
-                      <a:endParaRPr lang="en-US" sz="1800" b="0" i="0" u="none" strike="noStrike">
-                        <a:solidFill>
-                          <a:srgbClr val="000000"/>
-                        </a:solidFill>
-                        <a:effectLst/>
-                        <a:latin typeface="Arial Unicode MS" panose="020B0604020202020204" pitchFamily="34" charset="-128"/>
-                        <a:ea typeface="Arial Unicode MS" panose="020B0604020202020204" pitchFamily="34" charset="-128"/>
-                        <a:cs typeface="Arial Unicode MS" panose="020B0604020202020204" pitchFamily="34" charset="-128"/>
-                      </a:endParaRPr>
-                    </a:p>
-                  </a:txBody>
-                  <a:tcPr marL="9525" marR="9525" marT="9525" marB="0" anchor="ctr"/>
-                </a:tc>
-                <a:tc>
-                  <a:txBody>
-                    <a:bodyPr/>
-                    <a:lstStyle/>
-                    <a:p>
-                      <a:pPr algn="ctr" fontAlgn="b"/>
-                      <a:r>
-                        <a:rPr lang="en-US" sz="1800" b="0" i="0" u="none" strike="noStrike">
-                          <a:effectLst/>
-                          <a:latin typeface="Arial Unicode MS" panose="020B0604020202020204" pitchFamily="34" charset="-128"/>
-                          <a:ea typeface="Arial Unicode MS" panose="020B0604020202020204" pitchFamily="34" charset="-128"/>
-                          <a:cs typeface="Arial Unicode MS" panose="020B0604020202020204" pitchFamily="34" charset="-128"/>
+                    </a:p>
+                  </a:txBody>
+                  <a:tcPr marL="9525" marR="9525" marT="9525" marB="9525" anchor="ctr" horzOverflow="overflow"/>
+                </a:tc>
+                <a:tc>
+                  <a:txBody>
+                    <a:bodyPr/>
+                    <a:lstStyle/>
+                    <a:p>
+                      <a:pPr>
+                        <a:defRPr>
+                          <a:solidFill>
+                            <a:srgbClr val="000000"/>
+                          </a:solidFill>
+                        </a:defRPr>
+                      </a:pPr>
+                      <a:r>
+                        <a:rPr>
+                          <a:solidFill>
+                            <a:srgbClr val="606060"/>
+                          </a:solidFill>
+                          <a:latin typeface="Arial Unicode MS"/>
+                          <a:ea typeface="Arial Unicode MS"/>
+                          <a:cs typeface="Arial Unicode MS"/>
+                          <a:sym typeface="Arial Unicode MS"/>
                         </a:rPr>
                         <a:t>30</a:t>
                       </a:r>
-                      <a:endParaRPr lang="en-US" sz="1800" b="0" i="0" u="none" strike="noStrike">
-                        <a:solidFill>
-                          <a:srgbClr val="000000"/>
-                        </a:solidFill>
-                        <a:effectLst/>
-                        <a:latin typeface="Arial Unicode MS" panose="020B0604020202020204" pitchFamily="34" charset="-128"/>
-                        <a:ea typeface="Arial Unicode MS" panose="020B0604020202020204" pitchFamily="34" charset="-128"/>
-                        <a:cs typeface="Arial Unicode MS" panose="020B0604020202020204" pitchFamily="34" charset="-128"/>
-                      </a:endParaRPr>
-                    </a:p>
-                  </a:txBody>
-                  <a:tcPr marL="9525" marR="9525" marT="9525" marB="0" anchor="ctr"/>
-                </a:tc>
-                <a:tc>
-                  <a:txBody>
-                    <a:bodyPr/>
-                    <a:lstStyle/>
-                    <a:p>
-                      <a:pPr algn="ctr" fontAlgn="b"/>
-                      <a:r>
-                        <a:rPr lang="en-US" sz="1800" b="0" i="0" u="none" strike="noStrike">
-                          <a:effectLst/>
-                          <a:latin typeface="Arial Unicode MS" panose="020B0604020202020204" pitchFamily="34" charset="-128"/>
-                          <a:ea typeface="Arial Unicode MS" panose="020B0604020202020204" pitchFamily="34" charset="-128"/>
-                          <a:cs typeface="Arial Unicode MS" panose="020B0604020202020204" pitchFamily="34" charset="-128"/>
+                    </a:p>
+                  </a:txBody>
+                  <a:tcPr marL="9525" marR="9525" marT="9525" marB="9525" anchor="ctr" horzOverflow="overflow"/>
+                </a:tc>
+                <a:tc>
+                  <a:txBody>
+                    <a:bodyPr/>
+                    <a:lstStyle/>
+                    <a:p>
+                      <a:pPr>
+                        <a:defRPr>
+                          <a:solidFill>
+                            <a:srgbClr val="000000"/>
+                          </a:solidFill>
+                        </a:defRPr>
+                      </a:pPr>
+                      <a:r>
+                        <a:rPr>
+                          <a:solidFill>
+                            <a:srgbClr val="606060"/>
+                          </a:solidFill>
+                          <a:latin typeface="Arial Unicode MS"/>
+                          <a:ea typeface="Arial Unicode MS"/>
+                          <a:cs typeface="Arial Unicode MS"/>
+                          <a:sym typeface="Arial Unicode MS"/>
                         </a:rPr>
                         <a:t>300</a:t>
                       </a:r>
-                      <a:endParaRPr lang="en-US" sz="1800" b="0" i="0" u="none" strike="noStrike">
-                        <a:solidFill>
-                          <a:srgbClr val="000000"/>
-                        </a:solidFill>
-                        <a:effectLst/>
-                        <a:latin typeface="Arial Unicode MS" panose="020B0604020202020204" pitchFamily="34" charset="-128"/>
-                        <a:ea typeface="Arial Unicode MS" panose="020B0604020202020204" pitchFamily="34" charset="-128"/>
-                        <a:cs typeface="Arial Unicode MS" panose="020B0604020202020204" pitchFamily="34" charset="-128"/>
-                      </a:endParaRPr>
-                    </a:p>
-                  </a:txBody>
-                  <a:tcPr marL="9525" marR="9525" marT="9525" marB="0" anchor="ctr"/>
-                </a:tc>
-                <a:tc>
-                  <a:txBody>
-                    <a:bodyPr/>
-                    <a:lstStyle/>
-                    <a:p>
-                      <a:pPr algn="ctr" fontAlgn="b"/>
-                      <a:r>
-                        <a:rPr lang="en-US" sz="1800" b="0" i="0" u="none" strike="noStrike" dirty="0">
-                          <a:effectLst/>
-                          <a:latin typeface="Arial Unicode MS" panose="020B0604020202020204" pitchFamily="34" charset="-128"/>
-                          <a:ea typeface="Arial Unicode MS" panose="020B0604020202020204" pitchFamily="34" charset="-128"/>
-                          <a:cs typeface="Arial Unicode MS" panose="020B0604020202020204" pitchFamily="34" charset="-128"/>
+                    </a:p>
+                  </a:txBody>
+                  <a:tcPr marL="9525" marR="9525" marT="9525" marB="9525" anchor="ctr" horzOverflow="overflow"/>
+                </a:tc>
+                <a:tc>
+                  <a:txBody>
+                    <a:bodyPr/>
+                    <a:lstStyle/>
+                    <a:p>
+                      <a:pPr>
+                        <a:defRPr>
+                          <a:solidFill>
+                            <a:srgbClr val="000000"/>
+                          </a:solidFill>
+                        </a:defRPr>
+                      </a:pPr>
+                      <a:r>
+                        <a:rPr>
+                          <a:solidFill>
+                            <a:srgbClr val="606060"/>
+                          </a:solidFill>
+                          <a:latin typeface="Arial Unicode MS"/>
+                          <a:ea typeface="Arial Unicode MS"/>
+                          <a:cs typeface="Arial Unicode MS"/>
+                          <a:sym typeface="Arial Unicode MS"/>
                         </a:rPr>
                         <a:t>81.91</a:t>
                       </a:r>
-                      <a:endParaRPr lang="en-US" sz="1800" b="0" i="0" u="none" strike="noStrike" dirty="0">
-                        <a:solidFill>
-                          <a:srgbClr val="000000"/>
-                        </a:solidFill>
-                        <a:effectLst/>
-                        <a:latin typeface="Arial Unicode MS" panose="020B0604020202020204" pitchFamily="34" charset="-128"/>
-                        <a:ea typeface="Arial Unicode MS" panose="020B0604020202020204" pitchFamily="34" charset="-128"/>
-                        <a:cs typeface="Arial Unicode MS" panose="020B0604020202020204" pitchFamily="34" charset="-128"/>
-                      </a:endParaRPr>
-                    </a:p>
-                  </a:txBody>
-                  <a:tcPr marL="9525" marR="9525" marT="9525" marB="0" anchor="ctr"/>
-                </a:tc>
-                <a:tc>
-                  <a:txBody>
-                    <a:bodyPr/>
-                    <a:lstStyle/>
-                    <a:p>
-                      <a:pPr algn="ctr" fontAlgn="b"/>
-                      <a:r>
-                        <a:rPr lang="en-US" sz="1800" b="0" i="0" u="none" strike="noStrike">
-                          <a:effectLst/>
-                          <a:latin typeface="Arial Unicode MS" panose="020B0604020202020204" pitchFamily="34" charset="-128"/>
-                          <a:ea typeface="Arial Unicode MS" panose="020B0604020202020204" pitchFamily="34" charset="-128"/>
-                          <a:cs typeface="Arial Unicode MS" panose="020B0604020202020204" pitchFamily="34" charset="-128"/>
+                    </a:p>
+                  </a:txBody>
+                  <a:tcPr marL="9525" marR="9525" marT="9525" marB="9525" anchor="ctr" horzOverflow="overflow"/>
+                </a:tc>
+                <a:tc>
+                  <a:txBody>
+                    <a:bodyPr/>
+                    <a:lstStyle/>
+                    <a:p>
+                      <a:pPr>
+                        <a:defRPr>
+                          <a:solidFill>
+                            <a:srgbClr val="000000"/>
+                          </a:solidFill>
+                        </a:defRPr>
+                      </a:pPr>
+                      <a:r>
+                        <a:rPr>
+                          <a:solidFill>
+                            <a:srgbClr val="606060"/>
+                          </a:solidFill>
+                          <a:latin typeface="Arial Unicode MS"/>
+                          <a:ea typeface="Arial Unicode MS"/>
+                          <a:cs typeface="Arial Unicode MS"/>
+                          <a:sym typeface="Arial Unicode MS"/>
                         </a:rPr>
                         <a:t>1823.90</a:t>
                       </a:r>
-                      <a:endParaRPr lang="en-US" sz="1800" b="0" i="0" u="none" strike="noStrike">
-                        <a:solidFill>
-                          <a:srgbClr val="000000"/>
-                        </a:solidFill>
-                        <a:effectLst/>
-                        <a:latin typeface="Arial Unicode MS" panose="020B0604020202020204" pitchFamily="34" charset="-128"/>
-                        <a:ea typeface="Arial Unicode MS" panose="020B0604020202020204" pitchFamily="34" charset="-128"/>
-                        <a:cs typeface="Arial Unicode MS" panose="020B0604020202020204" pitchFamily="34" charset="-128"/>
-                      </a:endParaRPr>
-                    </a:p>
-                  </a:txBody>
-                  <a:tcPr marL="9525" marR="9525" marT="9525" marB="0" anchor="ctr"/>
+                    </a:p>
+                  </a:txBody>
+                  <a:tcPr marL="9525" marR="9525" marT="9525" marB="9525" anchor="ctr" horzOverflow="overflow"/>
                 </a:tc>
                 <a:extLst>
                   <a:ext uri="{0D108BD9-81ED-4DB2-BD59-A6C34878D82A}">
-                    <a16:rowId xmlns:a16="http://schemas.microsoft.com/office/drawing/2014/main" val="3891840051"/>
+                    <a16:rowId xmlns:a16="http://schemas.microsoft.com/office/drawing/2014/main" val="10010"/>
                   </a:ext>
                 </a:extLst>
               </a:tr>
@@ -6456,144 +6377,144 @@
                     <a:bodyPr/>
                     <a:lstStyle/>
                     <a:p>
-                      <a:pPr algn="ctr" fontAlgn="b"/>
-                      <a:r>
-                        <a:rPr lang="en-US" sz="1800" b="0" i="0" u="none" strike="noStrike">
-                          <a:effectLst/>
-                          <a:latin typeface="Arial Unicode MS" panose="020B0604020202020204" pitchFamily="34" charset="-128"/>
-                          <a:ea typeface="Arial Unicode MS" panose="020B0604020202020204" pitchFamily="34" charset="-128"/>
-                          <a:cs typeface="Arial Unicode MS" panose="020B0604020202020204" pitchFamily="34" charset="-128"/>
+                      <a:pPr>
+                        <a:defRPr>
+                          <a:solidFill>
+                            <a:srgbClr val="000000"/>
+                          </a:solidFill>
+                        </a:defRPr>
+                      </a:pPr>
+                      <a:r>
+                        <a:rPr>
+                          <a:solidFill>
+                            <a:srgbClr val="606060"/>
+                          </a:solidFill>
+                          <a:latin typeface="Arial Unicode MS"/>
+                          <a:ea typeface="Arial Unicode MS"/>
+                          <a:cs typeface="Arial Unicode MS"/>
+                          <a:sym typeface="Arial Unicode MS"/>
                         </a:rPr>
                         <a:t>40</a:t>
                       </a:r>
-                      <a:endParaRPr lang="en-US" sz="1800" b="0" i="0" u="none" strike="noStrike">
-                        <a:solidFill>
-                          <a:srgbClr val="000000"/>
-                        </a:solidFill>
-                        <a:effectLst/>
-                        <a:latin typeface="Arial Unicode MS" panose="020B0604020202020204" pitchFamily="34" charset="-128"/>
-                        <a:ea typeface="Arial Unicode MS" panose="020B0604020202020204" pitchFamily="34" charset="-128"/>
-                        <a:cs typeface="Arial Unicode MS" panose="020B0604020202020204" pitchFamily="34" charset="-128"/>
-                      </a:endParaRPr>
-                    </a:p>
-                  </a:txBody>
-                  <a:tcPr marL="9525" marR="9525" marT="9525" marB="0" anchor="ctr"/>
-                </a:tc>
-                <a:tc>
-                  <a:txBody>
-                    <a:bodyPr/>
-                    <a:lstStyle/>
-                    <a:p>
-                      <a:pPr algn="ctr" fontAlgn="b"/>
-                      <a:r>
-                        <a:rPr lang="en-US" sz="1800" b="0" i="0" u="none" strike="noStrike">
-                          <a:effectLst/>
-                          <a:latin typeface="Arial Unicode MS" panose="020B0604020202020204" pitchFamily="34" charset="-128"/>
-                          <a:ea typeface="Arial Unicode MS" panose="020B0604020202020204" pitchFamily="34" charset="-128"/>
-                          <a:cs typeface="Arial Unicode MS" panose="020B0604020202020204" pitchFamily="34" charset="-128"/>
+                    </a:p>
+                  </a:txBody>
+                  <a:tcPr marL="9525" marR="9525" marT="9525" marB="9525" anchor="ctr" horzOverflow="overflow"/>
+                </a:tc>
+                <a:tc>
+                  <a:txBody>
+                    <a:bodyPr/>
+                    <a:lstStyle/>
+                    <a:p>
+                      <a:pPr>
+                        <a:defRPr>
+                          <a:solidFill>
+                            <a:srgbClr val="000000"/>
+                          </a:solidFill>
+                        </a:defRPr>
+                      </a:pPr>
+                      <a:r>
+                        <a:rPr>
+                          <a:solidFill>
+                            <a:srgbClr val="606060"/>
+                          </a:solidFill>
+                          <a:latin typeface="Arial Unicode MS"/>
+                          <a:ea typeface="Arial Unicode MS"/>
+                          <a:cs typeface="Arial Unicode MS"/>
+                          <a:sym typeface="Arial Unicode MS"/>
                         </a:rPr>
                         <a:t>40</a:t>
                       </a:r>
-                      <a:endParaRPr lang="en-US" sz="1800" b="0" i="0" u="none" strike="noStrike">
-                        <a:solidFill>
-                          <a:srgbClr val="000000"/>
-                        </a:solidFill>
-                        <a:effectLst/>
-                        <a:latin typeface="Arial Unicode MS" panose="020B0604020202020204" pitchFamily="34" charset="-128"/>
-                        <a:ea typeface="Arial Unicode MS" panose="020B0604020202020204" pitchFamily="34" charset="-128"/>
-                        <a:cs typeface="Arial Unicode MS" panose="020B0604020202020204" pitchFamily="34" charset="-128"/>
-                      </a:endParaRPr>
-                    </a:p>
-                  </a:txBody>
-                  <a:tcPr marL="9525" marR="9525" marT="9525" marB="0" anchor="ctr"/>
-                </a:tc>
-                <a:tc>
-                  <a:txBody>
-                    <a:bodyPr/>
-                    <a:lstStyle/>
-                    <a:p>
-                      <a:pPr algn="ctr" fontAlgn="b"/>
-                      <a:r>
-                        <a:rPr lang="en-US" sz="1800" b="0" i="0" u="none" strike="noStrike">
-                          <a:effectLst/>
-                          <a:latin typeface="Arial Unicode MS" panose="020B0604020202020204" pitchFamily="34" charset="-128"/>
-                          <a:ea typeface="Arial Unicode MS" panose="020B0604020202020204" pitchFamily="34" charset="-128"/>
-                          <a:cs typeface="Arial Unicode MS" panose="020B0604020202020204" pitchFamily="34" charset="-128"/>
+                    </a:p>
+                  </a:txBody>
+                  <a:tcPr marL="9525" marR="9525" marT="9525" marB="9525" anchor="ctr" horzOverflow="overflow"/>
+                </a:tc>
+                <a:tc>
+                  <a:txBody>
+                    <a:bodyPr/>
+                    <a:lstStyle/>
+                    <a:p>
+                      <a:pPr>
+                        <a:defRPr>
+                          <a:solidFill>
+                            <a:srgbClr val="000000"/>
+                          </a:solidFill>
+                        </a:defRPr>
+                      </a:pPr>
+                      <a:r>
+                        <a:rPr>
+                          <a:solidFill>
+                            <a:srgbClr val="606060"/>
+                          </a:solidFill>
+                          <a:latin typeface="Arial Unicode MS"/>
+                          <a:ea typeface="Arial Unicode MS"/>
+                          <a:cs typeface="Arial Unicode MS"/>
+                          <a:sym typeface="Arial Unicode MS"/>
                         </a:rPr>
                         <a:t>300</a:t>
                       </a:r>
-                      <a:endParaRPr lang="en-US" sz="1800" b="0" i="0" u="none" strike="noStrike">
-                        <a:solidFill>
-                          <a:srgbClr val="000000"/>
-                        </a:solidFill>
-                        <a:effectLst/>
-                        <a:latin typeface="Arial Unicode MS" panose="020B0604020202020204" pitchFamily="34" charset="-128"/>
-                        <a:ea typeface="Arial Unicode MS" panose="020B0604020202020204" pitchFamily="34" charset="-128"/>
-                        <a:cs typeface="Arial Unicode MS" panose="020B0604020202020204" pitchFamily="34" charset="-128"/>
-                      </a:endParaRPr>
-                    </a:p>
-                  </a:txBody>
-                  <a:tcPr marL="9525" marR="9525" marT="9525" marB="0" anchor="ctr"/>
-                </a:tc>
-                <a:tc>
-                  <a:txBody>
-                    <a:bodyPr/>
-                    <a:lstStyle/>
-                    <a:p>
-                      <a:pPr algn="ctr" fontAlgn="b"/>
-                      <a:r>
-                        <a:rPr lang="en-US" sz="1800" b="0" i="0" u="none" strike="noStrike" dirty="0">
-                          <a:effectLst/>
-                          <a:latin typeface="Arial Unicode MS" panose="020B0604020202020204" pitchFamily="34" charset="-128"/>
-                          <a:ea typeface="Arial Unicode MS" panose="020B0604020202020204" pitchFamily="34" charset="-128"/>
-                          <a:cs typeface="Arial Unicode MS" panose="020B0604020202020204" pitchFamily="34" charset="-128"/>
+                    </a:p>
+                  </a:txBody>
+                  <a:tcPr marL="9525" marR="9525" marT="9525" marB="9525" anchor="ctr" horzOverflow="overflow"/>
+                </a:tc>
+                <a:tc>
+                  <a:txBody>
+                    <a:bodyPr/>
+                    <a:lstStyle/>
+                    <a:p>
+                      <a:pPr>
+                        <a:defRPr>
+                          <a:solidFill>
+                            <a:srgbClr val="000000"/>
+                          </a:solidFill>
+                        </a:defRPr>
+                      </a:pPr>
+                      <a:r>
+                        <a:rPr>
+                          <a:solidFill>
+                            <a:srgbClr val="606060"/>
+                          </a:solidFill>
+                          <a:latin typeface="Arial Unicode MS"/>
+                          <a:ea typeface="Arial Unicode MS"/>
+                          <a:cs typeface="Arial Unicode MS"/>
+                          <a:sym typeface="Arial Unicode MS"/>
                         </a:rPr>
                         <a:t>97.18</a:t>
                       </a:r>
-                      <a:endParaRPr lang="en-US" sz="1800" b="0" i="0" u="none" strike="noStrike" dirty="0">
-                        <a:solidFill>
-                          <a:srgbClr val="000000"/>
-                        </a:solidFill>
-                        <a:effectLst/>
-                        <a:latin typeface="Arial Unicode MS" panose="020B0604020202020204" pitchFamily="34" charset="-128"/>
-                        <a:ea typeface="Arial Unicode MS" panose="020B0604020202020204" pitchFamily="34" charset="-128"/>
-                        <a:cs typeface="Arial Unicode MS" panose="020B0604020202020204" pitchFamily="34" charset="-128"/>
-                      </a:endParaRPr>
-                    </a:p>
-                  </a:txBody>
-                  <a:tcPr marL="9525" marR="9525" marT="9525" marB="0" anchor="ctr"/>
-                </a:tc>
-                <a:tc>
-                  <a:txBody>
-                    <a:bodyPr/>
-                    <a:lstStyle/>
-                    <a:p>
-                      <a:pPr algn="ctr" fontAlgn="b"/>
-                      <a:r>
-                        <a:rPr lang="en-US" sz="1800" b="0" i="0" u="none" strike="noStrike" dirty="0">
-                          <a:effectLst/>
-                          <a:latin typeface="Arial Unicode MS" panose="020B0604020202020204" pitchFamily="34" charset="-128"/>
-                          <a:ea typeface="Arial Unicode MS" panose="020B0604020202020204" pitchFamily="34" charset="-128"/>
-                          <a:cs typeface="Arial Unicode MS" panose="020B0604020202020204" pitchFamily="34" charset="-128"/>
+                    </a:p>
+                  </a:txBody>
+                  <a:tcPr marL="9525" marR="9525" marT="9525" marB="9525" anchor="ctr" horzOverflow="overflow"/>
+                </a:tc>
+                <a:tc>
+                  <a:txBody>
+                    <a:bodyPr/>
+                    <a:lstStyle/>
+                    <a:p>
+                      <a:pPr>
+                        <a:defRPr>
+                          <a:solidFill>
+                            <a:srgbClr val="000000"/>
+                          </a:solidFill>
+                        </a:defRPr>
+                      </a:pPr>
+                      <a:r>
+                        <a:rPr>
+                          <a:solidFill>
+                            <a:srgbClr val="606060"/>
+                          </a:solidFill>
+                          <a:latin typeface="Arial Unicode MS"/>
+                          <a:ea typeface="Arial Unicode MS"/>
+                          <a:cs typeface="Arial Unicode MS"/>
+                          <a:sym typeface="Arial Unicode MS"/>
                         </a:rPr>
                         <a:t>2096.15</a:t>
                       </a:r>
-                      <a:endParaRPr lang="en-US" sz="1800" b="0" i="0" u="none" strike="noStrike" dirty="0">
-                        <a:solidFill>
-                          <a:srgbClr val="000000"/>
-                        </a:solidFill>
-                        <a:effectLst/>
-                        <a:latin typeface="Arial Unicode MS" panose="020B0604020202020204" pitchFamily="34" charset="-128"/>
-                        <a:ea typeface="Arial Unicode MS" panose="020B0604020202020204" pitchFamily="34" charset="-128"/>
-                        <a:cs typeface="Arial Unicode MS" panose="020B0604020202020204" pitchFamily="34" charset="-128"/>
-                      </a:endParaRPr>
-                    </a:p>
-                  </a:txBody>
-                  <a:tcPr marL="9525" marR="9525" marT="9525" marB="0" anchor="ctr"/>
+                    </a:p>
+                  </a:txBody>
+                  <a:tcPr marL="9525" marR="9525" marT="9525" marB="9525" anchor="ctr" horzOverflow="overflow"/>
                 </a:tc>
                 <a:extLst>
                   <a:ext uri="{0D108BD9-81ED-4DB2-BD59-A6C34878D82A}">
-                    <a16:rowId xmlns:a16="http://schemas.microsoft.com/office/drawing/2014/main" val="2682897624"/>
+                    <a16:rowId xmlns:a16="http://schemas.microsoft.com/office/drawing/2014/main" val="10011"/>
                   </a:ext>
                 </a:extLst>
               </a:tr>
@@ -6603,144 +6524,144 @@
                     <a:bodyPr/>
                     <a:lstStyle/>
                     <a:p>
-                      <a:pPr algn="ctr" fontAlgn="b"/>
-                      <a:r>
-                        <a:rPr lang="en-US" sz="1800" b="0" i="0" u="none" strike="noStrike">
-                          <a:effectLst/>
-                          <a:latin typeface="Arial Unicode MS" panose="020B0604020202020204" pitchFamily="34" charset="-128"/>
-                          <a:ea typeface="Arial Unicode MS" panose="020B0604020202020204" pitchFamily="34" charset="-128"/>
-                          <a:cs typeface="Arial Unicode MS" panose="020B0604020202020204" pitchFamily="34" charset="-128"/>
+                      <a:pPr>
+                        <a:defRPr>
+                          <a:solidFill>
+                            <a:srgbClr val="000000"/>
+                          </a:solidFill>
+                        </a:defRPr>
+                      </a:pPr>
+                      <a:r>
+                        <a:rPr>
+                          <a:solidFill>
+                            <a:srgbClr val="606060"/>
+                          </a:solidFill>
+                          <a:latin typeface="Arial Unicode MS"/>
+                          <a:ea typeface="Arial Unicode MS"/>
+                          <a:cs typeface="Arial Unicode MS"/>
+                          <a:sym typeface="Arial Unicode MS"/>
                         </a:rPr>
                         <a:t>40</a:t>
                       </a:r>
-                      <a:endParaRPr lang="en-US" sz="1800" b="0" i="0" u="none" strike="noStrike">
-                        <a:solidFill>
-                          <a:srgbClr val="000000"/>
-                        </a:solidFill>
-                        <a:effectLst/>
-                        <a:latin typeface="Arial Unicode MS" panose="020B0604020202020204" pitchFamily="34" charset="-128"/>
-                        <a:ea typeface="Arial Unicode MS" panose="020B0604020202020204" pitchFamily="34" charset="-128"/>
-                        <a:cs typeface="Arial Unicode MS" panose="020B0604020202020204" pitchFamily="34" charset="-128"/>
-                      </a:endParaRPr>
-                    </a:p>
-                  </a:txBody>
-                  <a:tcPr marL="9525" marR="9525" marT="9525" marB="0" anchor="ctr"/>
-                </a:tc>
-                <a:tc>
-                  <a:txBody>
-                    <a:bodyPr/>
-                    <a:lstStyle/>
-                    <a:p>
-                      <a:pPr algn="ctr" fontAlgn="b"/>
-                      <a:r>
-                        <a:rPr lang="en-US" sz="1800" b="0" i="0" u="none" strike="noStrike">
-                          <a:effectLst/>
-                          <a:latin typeface="Arial Unicode MS" panose="020B0604020202020204" pitchFamily="34" charset="-128"/>
-                          <a:ea typeface="Arial Unicode MS" panose="020B0604020202020204" pitchFamily="34" charset="-128"/>
-                          <a:cs typeface="Arial Unicode MS" panose="020B0604020202020204" pitchFamily="34" charset="-128"/>
+                    </a:p>
+                  </a:txBody>
+                  <a:tcPr marL="9525" marR="9525" marT="9525" marB="9525" anchor="ctr" horzOverflow="overflow"/>
+                </a:tc>
+                <a:tc>
+                  <a:txBody>
+                    <a:bodyPr/>
+                    <a:lstStyle/>
+                    <a:p>
+                      <a:pPr>
+                        <a:defRPr>
+                          <a:solidFill>
+                            <a:srgbClr val="000000"/>
+                          </a:solidFill>
+                        </a:defRPr>
+                      </a:pPr>
+                      <a:r>
+                        <a:rPr>
+                          <a:solidFill>
+                            <a:srgbClr val="606060"/>
+                          </a:solidFill>
+                          <a:latin typeface="Arial Unicode MS"/>
+                          <a:ea typeface="Arial Unicode MS"/>
+                          <a:cs typeface="Arial Unicode MS"/>
+                          <a:sym typeface="Arial Unicode MS"/>
                         </a:rPr>
                         <a:t>60</a:t>
                       </a:r>
-                      <a:endParaRPr lang="en-US" sz="1800" b="0" i="0" u="none" strike="noStrike">
-                        <a:solidFill>
-                          <a:srgbClr val="000000"/>
-                        </a:solidFill>
-                        <a:effectLst/>
-                        <a:latin typeface="Arial Unicode MS" panose="020B0604020202020204" pitchFamily="34" charset="-128"/>
-                        <a:ea typeface="Arial Unicode MS" panose="020B0604020202020204" pitchFamily="34" charset="-128"/>
-                        <a:cs typeface="Arial Unicode MS" panose="020B0604020202020204" pitchFamily="34" charset="-128"/>
-                      </a:endParaRPr>
-                    </a:p>
-                  </a:txBody>
-                  <a:tcPr marL="9525" marR="9525" marT="9525" marB="0" anchor="ctr"/>
-                </a:tc>
-                <a:tc>
-                  <a:txBody>
-                    <a:bodyPr/>
-                    <a:lstStyle/>
-                    <a:p>
-                      <a:pPr algn="ctr" fontAlgn="b"/>
-                      <a:r>
-                        <a:rPr lang="en-US" sz="1800" b="0" i="0" u="none" strike="noStrike" dirty="0">
-                          <a:effectLst/>
-                          <a:latin typeface="Arial Unicode MS" panose="020B0604020202020204" pitchFamily="34" charset="-128"/>
-                          <a:ea typeface="Arial Unicode MS" panose="020B0604020202020204" pitchFamily="34" charset="-128"/>
-                          <a:cs typeface="Arial Unicode MS" panose="020B0604020202020204" pitchFamily="34" charset="-128"/>
+                    </a:p>
+                  </a:txBody>
+                  <a:tcPr marL="9525" marR="9525" marT="9525" marB="9525" anchor="ctr" horzOverflow="overflow"/>
+                </a:tc>
+                <a:tc>
+                  <a:txBody>
+                    <a:bodyPr/>
+                    <a:lstStyle/>
+                    <a:p>
+                      <a:pPr>
+                        <a:defRPr>
+                          <a:solidFill>
+                            <a:srgbClr val="000000"/>
+                          </a:solidFill>
+                        </a:defRPr>
+                      </a:pPr>
+                      <a:r>
+                        <a:rPr>
+                          <a:solidFill>
+                            <a:srgbClr val="606060"/>
+                          </a:solidFill>
+                          <a:latin typeface="Arial Unicode MS"/>
+                          <a:ea typeface="Arial Unicode MS"/>
+                          <a:cs typeface="Arial Unicode MS"/>
+                          <a:sym typeface="Arial Unicode MS"/>
                         </a:rPr>
                         <a:t>300</a:t>
                       </a:r>
-                      <a:endParaRPr lang="en-US" sz="1800" b="0" i="0" u="none" strike="noStrike" dirty="0">
-                        <a:solidFill>
-                          <a:srgbClr val="000000"/>
-                        </a:solidFill>
-                        <a:effectLst/>
-                        <a:latin typeface="Arial Unicode MS" panose="020B0604020202020204" pitchFamily="34" charset="-128"/>
-                        <a:ea typeface="Arial Unicode MS" panose="020B0604020202020204" pitchFamily="34" charset="-128"/>
-                        <a:cs typeface="Arial Unicode MS" panose="020B0604020202020204" pitchFamily="34" charset="-128"/>
-                      </a:endParaRPr>
-                    </a:p>
-                  </a:txBody>
-                  <a:tcPr marL="9525" marR="9525" marT="9525" marB="0" anchor="ctr"/>
-                </a:tc>
-                <a:tc>
-                  <a:txBody>
-                    <a:bodyPr/>
-                    <a:lstStyle/>
-                    <a:p>
-                      <a:pPr algn="ctr" fontAlgn="b"/>
-                      <a:r>
-                        <a:rPr lang="en-US" sz="1800" b="0" i="0" u="none" strike="noStrike">
-                          <a:effectLst/>
-                          <a:latin typeface="Arial Unicode MS" panose="020B0604020202020204" pitchFamily="34" charset="-128"/>
-                          <a:ea typeface="Arial Unicode MS" panose="020B0604020202020204" pitchFamily="34" charset="-128"/>
-                          <a:cs typeface="Arial Unicode MS" panose="020B0604020202020204" pitchFamily="34" charset="-128"/>
+                    </a:p>
+                  </a:txBody>
+                  <a:tcPr marL="9525" marR="9525" marT="9525" marB="9525" anchor="ctr" horzOverflow="overflow"/>
+                </a:tc>
+                <a:tc>
+                  <a:txBody>
+                    <a:bodyPr/>
+                    <a:lstStyle/>
+                    <a:p>
+                      <a:pPr>
+                        <a:defRPr>
+                          <a:solidFill>
+                            <a:srgbClr val="000000"/>
+                          </a:solidFill>
+                        </a:defRPr>
+                      </a:pPr>
+                      <a:r>
+                        <a:rPr>
+                          <a:solidFill>
+                            <a:srgbClr val="606060"/>
+                          </a:solidFill>
+                          <a:latin typeface="Arial Unicode MS"/>
+                          <a:ea typeface="Arial Unicode MS"/>
+                          <a:cs typeface="Arial Unicode MS"/>
+                          <a:sym typeface="Arial Unicode MS"/>
                         </a:rPr>
                         <a:t>80.91</a:t>
                       </a:r>
-                      <a:endParaRPr lang="en-US" sz="1800" b="0" i="0" u="none" strike="noStrike">
-                        <a:solidFill>
-                          <a:srgbClr val="000000"/>
-                        </a:solidFill>
-                        <a:effectLst/>
-                        <a:latin typeface="Arial Unicode MS" panose="020B0604020202020204" pitchFamily="34" charset="-128"/>
-                        <a:ea typeface="Arial Unicode MS" panose="020B0604020202020204" pitchFamily="34" charset="-128"/>
-                        <a:cs typeface="Arial Unicode MS" panose="020B0604020202020204" pitchFamily="34" charset="-128"/>
-                      </a:endParaRPr>
-                    </a:p>
-                  </a:txBody>
-                  <a:tcPr marL="9525" marR="9525" marT="9525" marB="0" anchor="ctr"/>
-                </a:tc>
-                <a:tc>
-                  <a:txBody>
-                    <a:bodyPr/>
-                    <a:lstStyle/>
-                    <a:p>
-                      <a:pPr algn="ctr" fontAlgn="b"/>
-                      <a:r>
-                        <a:rPr lang="en-US" sz="1800" b="0" i="0" u="none" strike="noStrike" dirty="0">
-                          <a:effectLst/>
-                          <a:latin typeface="Arial Unicode MS" panose="020B0604020202020204" pitchFamily="34" charset="-128"/>
-                          <a:ea typeface="Arial Unicode MS" panose="020B0604020202020204" pitchFamily="34" charset="-128"/>
-                          <a:cs typeface="Arial Unicode MS" panose="020B0604020202020204" pitchFamily="34" charset="-128"/>
+                    </a:p>
+                  </a:txBody>
+                  <a:tcPr marL="9525" marR="9525" marT="9525" marB="9525" anchor="ctr" horzOverflow="overflow"/>
+                </a:tc>
+                <a:tc>
+                  <a:txBody>
+                    <a:bodyPr/>
+                    <a:lstStyle/>
+                    <a:p>
+                      <a:pPr>
+                        <a:defRPr>
+                          <a:solidFill>
+                            <a:srgbClr val="000000"/>
+                          </a:solidFill>
+                        </a:defRPr>
+                      </a:pPr>
+                      <a:r>
+                        <a:rPr>
+                          <a:solidFill>
+                            <a:srgbClr val="606060"/>
+                          </a:solidFill>
+                          <a:latin typeface="Arial Unicode MS"/>
+                          <a:ea typeface="Arial Unicode MS"/>
+                          <a:cs typeface="Arial Unicode MS"/>
+                          <a:sym typeface="Arial Unicode MS"/>
                         </a:rPr>
                         <a:t>2049.15</a:t>
                       </a:r>
-                      <a:endParaRPr lang="en-US" sz="1800" b="0" i="0" u="none" strike="noStrike" dirty="0">
-                        <a:solidFill>
-                          <a:srgbClr val="000000"/>
-                        </a:solidFill>
-                        <a:effectLst/>
-                        <a:latin typeface="Arial Unicode MS" panose="020B0604020202020204" pitchFamily="34" charset="-128"/>
-                        <a:ea typeface="Arial Unicode MS" panose="020B0604020202020204" pitchFamily="34" charset="-128"/>
-                        <a:cs typeface="Arial Unicode MS" panose="020B0604020202020204" pitchFamily="34" charset="-128"/>
-                      </a:endParaRPr>
-                    </a:p>
-                  </a:txBody>
-                  <a:tcPr marL="9525" marR="9525" marT="9525" marB="0" anchor="ctr"/>
+                    </a:p>
+                  </a:txBody>
+                  <a:tcPr marL="9525" marR="9525" marT="9525" marB="9525" anchor="ctr" horzOverflow="overflow"/>
                 </a:tc>
                 <a:extLst>
                   <a:ext uri="{0D108BD9-81ED-4DB2-BD59-A6C34878D82A}">
-                    <a16:rowId xmlns:a16="http://schemas.microsoft.com/office/drawing/2014/main" val="3919539984"/>
+                    <a16:rowId xmlns:a16="http://schemas.microsoft.com/office/drawing/2014/main" val="10012"/>
                   </a:ext>
                 </a:extLst>
               </a:tr>
@@ -6750,144 +6671,144 @@
                     <a:bodyPr/>
                     <a:lstStyle/>
                     <a:p>
-                      <a:pPr algn="ctr" fontAlgn="b"/>
-                      <a:r>
-                        <a:rPr lang="en-US" sz="1800" b="0" i="0" u="none" strike="noStrike">
-                          <a:effectLst/>
-                          <a:latin typeface="Arial Unicode MS" panose="020B0604020202020204" pitchFamily="34" charset="-128"/>
-                          <a:ea typeface="Arial Unicode MS" panose="020B0604020202020204" pitchFamily="34" charset="-128"/>
-                          <a:cs typeface="Arial Unicode MS" panose="020B0604020202020204" pitchFamily="34" charset="-128"/>
+                      <a:pPr>
+                        <a:defRPr>
+                          <a:solidFill>
+                            <a:srgbClr val="000000"/>
+                          </a:solidFill>
+                        </a:defRPr>
+                      </a:pPr>
+                      <a:r>
+                        <a:rPr>
+                          <a:solidFill>
+                            <a:srgbClr val="606060"/>
+                          </a:solidFill>
+                          <a:latin typeface="Arial Unicode MS"/>
+                          <a:ea typeface="Arial Unicode MS"/>
+                          <a:cs typeface="Arial Unicode MS"/>
+                          <a:sym typeface="Arial Unicode MS"/>
                         </a:rPr>
                         <a:t>40</a:t>
                       </a:r>
-                      <a:endParaRPr lang="en-US" sz="1800" b="0" i="0" u="none" strike="noStrike">
-                        <a:solidFill>
-                          <a:srgbClr val="000000"/>
-                        </a:solidFill>
-                        <a:effectLst/>
-                        <a:latin typeface="Arial Unicode MS" panose="020B0604020202020204" pitchFamily="34" charset="-128"/>
-                        <a:ea typeface="Arial Unicode MS" panose="020B0604020202020204" pitchFamily="34" charset="-128"/>
-                        <a:cs typeface="Arial Unicode MS" panose="020B0604020202020204" pitchFamily="34" charset="-128"/>
-                      </a:endParaRPr>
-                    </a:p>
-                  </a:txBody>
-                  <a:tcPr marL="9525" marR="9525" marT="9525" marB="0" anchor="ctr"/>
-                </a:tc>
-                <a:tc>
-                  <a:txBody>
-                    <a:bodyPr/>
-                    <a:lstStyle/>
-                    <a:p>
-                      <a:pPr algn="ctr" fontAlgn="b"/>
-                      <a:r>
-                        <a:rPr lang="en-US" sz="1800" b="0" i="0" u="none" strike="noStrike">
-                          <a:effectLst/>
-                          <a:latin typeface="Arial Unicode MS" panose="020B0604020202020204" pitchFamily="34" charset="-128"/>
-                          <a:ea typeface="Arial Unicode MS" panose="020B0604020202020204" pitchFamily="34" charset="-128"/>
-                          <a:cs typeface="Arial Unicode MS" panose="020B0604020202020204" pitchFamily="34" charset="-128"/>
+                    </a:p>
+                  </a:txBody>
+                  <a:tcPr marL="9525" marR="9525" marT="9525" marB="9525" anchor="ctr" horzOverflow="overflow"/>
+                </a:tc>
+                <a:tc>
+                  <a:txBody>
+                    <a:bodyPr/>
+                    <a:lstStyle/>
+                    <a:p>
+                      <a:pPr>
+                        <a:defRPr>
+                          <a:solidFill>
+                            <a:srgbClr val="000000"/>
+                          </a:solidFill>
+                        </a:defRPr>
+                      </a:pPr>
+                      <a:r>
+                        <a:rPr>
+                          <a:solidFill>
+                            <a:srgbClr val="606060"/>
+                          </a:solidFill>
+                          <a:latin typeface="Arial Unicode MS"/>
+                          <a:ea typeface="Arial Unicode MS"/>
+                          <a:cs typeface="Arial Unicode MS"/>
+                          <a:sym typeface="Arial Unicode MS"/>
                         </a:rPr>
                         <a:t>80</a:t>
                       </a:r>
-                      <a:endParaRPr lang="en-US" sz="1800" b="0" i="0" u="none" strike="noStrike">
-                        <a:solidFill>
-                          <a:srgbClr val="000000"/>
-                        </a:solidFill>
-                        <a:effectLst/>
-                        <a:latin typeface="Arial Unicode MS" panose="020B0604020202020204" pitchFamily="34" charset="-128"/>
-                        <a:ea typeface="Arial Unicode MS" panose="020B0604020202020204" pitchFamily="34" charset="-128"/>
-                        <a:cs typeface="Arial Unicode MS" panose="020B0604020202020204" pitchFamily="34" charset="-128"/>
-                      </a:endParaRPr>
-                    </a:p>
-                  </a:txBody>
-                  <a:tcPr marL="9525" marR="9525" marT="9525" marB="0" anchor="ctr"/>
-                </a:tc>
-                <a:tc>
-                  <a:txBody>
-                    <a:bodyPr/>
-                    <a:lstStyle/>
-                    <a:p>
-                      <a:pPr algn="ctr" fontAlgn="b"/>
-                      <a:r>
-                        <a:rPr lang="en-US" sz="1800" b="0" i="0" u="none" strike="noStrike">
-                          <a:effectLst/>
-                          <a:latin typeface="Arial Unicode MS" panose="020B0604020202020204" pitchFamily="34" charset="-128"/>
-                          <a:ea typeface="Arial Unicode MS" panose="020B0604020202020204" pitchFamily="34" charset="-128"/>
-                          <a:cs typeface="Arial Unicode MS" panose="020B0604020202020204" pitchFamily="34" charset="-128"/>
+                    </a:p>
+                  </a:txBody>
+                  <a:tcPr marL="9525" marR="9525" marT="9525" marB="9525" anchor="ctr" horzOverflow="overflow"/>
+                </a:tc>
+                <a:tc>
+                  <a:txBody>
+                    <a:bodyPr/>
+                    <a:lstStyle/>
+                    <a:p>
+                      <a:pPr>
+                        <a:defRPr>
+                          <a:solidFill>
+                            <a:srgbClr val="000000"/>
+                          </a:solidFill>
+                        </a:defRPr>
+                      </a:pPr>
+                      <a:r>
+                        <a:rPr>
+                          <a:solidFill>
+                            <a:srgbClr val="606060"/>
+                          </a:solidFill>
+                          <a:latin typeface="Arial Unicode MS"/>
+                          <a:ea typeface="Arial Unicode MS"/>
+                          <a:cs typeface="Arial Unicode MS"/>
+                          <a:sym typeface="Arial Unicode MS"/>
                         </a:rPr>
                         <a:t>300</a:t>
                       </a:r>
-                      <a:endParaRPr lang="en-US" sz="1800" b="0" i="0" u="none" strike="noStrike">
-                        <a:solidFill>
-                          <a:srgbClr val="000000"/>
-                        </a:solidFill>
-                        <a:effectLst/>
-                        <a:latin typeface="Arial Unicode MS" panose="020B0604020202020204" pitchFamily="34" charset="-128"/>
-                        <a:ea typeface="Arial Unicode MS" panose="020B0604020202020204" pitchFamily="34" charset="-128"/>
-                        <a:cs typeface="Arial Unicode MS" panose="020B0604020202020204" pitchFamily="34" charset="-128"/>
-                      </a:endParaRPr>
-                    </a:p>
-                  </a:txBody>
-                  <a:tcPr marL="9525" marR="9525" marT="9525" marB="0" anchor="ctr"/>
-                </a:tc>
-                <a:tc>
-                  <a:txBody>
-                    <a:bodyPr/>
-                    <a:lstStyle/>
-                    <a:p>
-                      <a:pPr algn="ctr" fontAlgn="b"/>
-                      <a:r>
-                        <a:rPr lang="en-US" sz="1800" b="0" i="0" u="none" strike="noStrike" dirty="0">
-                          <a:effectLst/>
-                          <a:latin typeface="Arial Unicode MS" panose="020B0604020202020204" pitchFamily="34" charset="-128"/>
-                          <a:ea typeface="Arial Unicode MS" panose="020B0604020202020204" pitchFamily="34" charset="-128"/>
-                          <a:cs typeface="Arial Unicode MS" panose="020B0604020202020204" pitchFamily="34" charset="-128"/>
+                    </a:p>
+                  </a:txBody>
+                  <a:tcPr marL="9525" marR="9525" marT="9525" marB="9525" anchor="ctr" horzOverflow="overflow"/>
+                </a:tc>
+                <a:tc>
+                  <a:txBody>
+                    <a:bodyPr/>
+                    <a:lstStyle/>
+                    <a:p>
+                      <a:pPr>
+                        <a:defRPr>
+                          <a:solidFill>
+                            <a:srgbClr val="000000"/>
+                          </a:solidFill>
+                        </a:defRPr>
+                      </a:pPr>
+                      <a:r>
+                        <a:rPr>
+                          <a:solidFill>
+                            <a:srgbClr val="606060"/>
+                          </a:solidFill>
+                          <a:latin typeface="Arial Unicode MS"/>
+                          <a:ea typeface="Arial Unicode MS"/>
+                          <a:cs typeface="Arial Unicode MS"/>
+                          <a:sym typeface="Arial Unicode MS"/>
                         </a:rPr>
                         <a:t>93.36</a:t>
                       </a:r>
-                      <a:endParaRPr lang="en-US" sz="1800" b="0" i="0" u="none" strike="noStrike" dirty="0">
-                        <a:solidFill>
-                          <a:srgbClr val="000000"/>
-                        </a:solidFill>
-                        <a:effectLst/>
-                        <a:latin typeface="Arial Unicode MS" panose="020B0604020202020204" pitchFamily="34" charset="-128"/>
-                        <a:ea typeface="Arial Unicode MS" panose="020B0604020202020204" pitchFamily="34" charset="-128"/>
-                        <a:cs typeface="Arial Unicode MS" panose="020B0604020202020204" pitchFamily="34" charset="-128"/>
-                      </a:endParaRPr>
-                    </a:p>
-                  </a:txBody>
-                  <a:tcPr marL="9525" marR="9525" marT="9525" marB="0" anchor="ctr"/>
-                </a:tc>
-                <a:tc>
-                  <a:txBody>
-                    <a:bodyPr/>
-                    <a:lstStyle/>
-                    <a:p>
-                      <a:pPr algn="ctr" fontAlgn="b"/>
-                      <a:r>
-                        <a:rPr lang="en-US" sz="1800" b="0" i="0" u="none" strike="noStrike" dirty="0">
-                          <a:effectLst/>
-                          <a:latin typeface="Arial Unicode MS" panose="020B0604020202020204" pitchFamily="34" charset="-128"/>
-                          <a:ea typeface="Arial Unicode MS" panose="020B0604020202020204" pitchFamily="34" charset="-128"/>
-                          <a:cs typeface="Arial Unicode MS" panose="020B0604020202020204" pitchFamily="34" charset="-128"/>
+                    </a:p>
+                  </a:txBody>
+                  <a:tcPr marL="9525" marR="9525" marT="9525" marB="9525" anchor="ctr" horzOverflow="overflow"/>
+                </a:tc>
+                <a:tc>
+                  <a:txBody>
+                    <a:bodyPr/>
+                    <a:lstStyle/>
+                    <a:p>
+                      <a:pPr>
+                        <a:defRPr>
+                          <a:solidFill>
+                            <a:srgbClr val="000000"/>
+                          </a:solidFill>
+                        </a:defRPr>
+                      </a:pPr>
+                      <a:r>
+                        <a:rPr>
+                          <a:solidFill>
+                            <a:srgbClr val="606060"/>
+                          </a:solidFill>
+                          <a:latin typeface="Arial Unicode MS"/>
+                          <a:ea typeface="Arial Unicode MS"/>
+                          <a:cs typeface="Arial Unicode MS"/>
+                          <a:sym typeface="Arial Unicode MS"/>
                         </a:rPr>
                         <a:t>2608.04</a:t>
                       </a:r>
-                      <a:endParaRPr lang="en-US" sz="1800" b="0" i="0" u="none" strike="noStrike" dirty="0">
-                        <a:solidFill>
-                          <a:srgbClr val="000000"/>
-                        </a:solidFill>
-                        <a:effectLst/>
-                        <a:latin typeface="Arial Unicode MS" panose="020B0604020202020204" pitchFamily="34" charset="-128"/>
-                        <a:ea typeface="Arial Unicode MS" panose="020B0604020202020204" pitchFamily="34" charset="-128"/>
-                        <a:cs typeface="Arial Unicode MS" panose="020B0604020202020204" pitchFamily="34" charset="-128"/>
-                      </a:endParaRPr>
-                    </a:p>
-                  </a:txBody>
-                  <a:tcPr marL="9525" marR="9525" marT="9525" marB="0" anchor="ctr"/>
+                    </a:p>
+                  </a:txBody>
+                  <a:tcPr marL="9525" marR="9525" marT="9525" marB="9525" anchor="ctr" horzOverflow="overflow"/>
                 </a:tc>
                 <a:extLst>
                   <a:ext uri="{0D108BD9-81ED-4DB2-BD59-A6C34878D82A}">
-                    <a16:rowId xmlns:a16="http://schemas.microsoft.com/office/drawing/2014/main" val="1152300794"/>
+                    <a16:rowId xmlns:a16="http://schemas.microsoft.com/office/drawing/2014/main" val="10013"/>
                   </a:ext>
                 </a:extLst>
               </a:tr>
@@ -6897,144 +6818,144 @@
                     <a:bodyPr/>
                     <a:lstStyle/>
                     <a:p>
-                      <a:pPr algn="ctr" fontAlgn="b"/>
-                      <a:r>
-                        <a:rPr lang="en-US" sz="1800" b="0" i="0" u="none" strike="noStrike">
-                          <a:effectLst/>
-                          <a:latin typeface="Arial Unicode MS" panose="020B0604020202020204" pitchFamily="34" charset="-128"/>
-                          <a:ea typeface="Arial Unicode MS" panose="020B0604020202020204" pitchFamily="34" charset="-128"/>
-                          <a:cs typeface="Arial Unicode MS" panose="020B0604020202020204" pitchFamily="34" charset="-128"/>
+                      <a:pPr>
+                        <a:defRPr>
+                          <a:solidFill>
+                            <a:srgbClr val="000000"/>
+                          </a:solidFill>
+                        </a:defRPr>
+                      </a:pPr>
+                      <a:r>
+                        <a:rPr>
+                          <a:solidFill>
+                            <a:srgbClr val="606060"/>
+                          </a:solidFill>
+                          <a:latin typeface="Arial Unicode MS"/>
+                          <a:ea typeface="Arial Unicode MS"/>
+                          <a:cs typeface="Arial Unicode MS"/>
+                          <a:sym typeface="Arial Unicode MS"/>
                         </a:rPr>
                         <a:t>40</a:t>
                       </a:r>
-                      <a:endParaRPr lang="en-US" sz="1800" b="0" i="0" u="none" strike="noStrike">
-                        <a:solidFill>
-                          <a:srgbClr val="000000"/>
-                        </a:solidFill>
-                        <a:effectLst/>
-                        <a:latin typeface="Arial Unicode MS" panose="020B0604020202020204" pitchFamily="34" charset="-128"/>
-                        <a:ea typeface="Arial Unicode MS" panose="020B0604020202020204" pitchFamily="34" charset="-128"/>
-                        <a:cs typeface="Arial Unicode MS" panose="020B0604020202020204" pitchFamily="34" charset="-128"/>
-                      </a:endParaRPr>
-                    </a:p>
-                  </a:txBody>
-                  <a:tcPr marL="9525" marR="9525" marT="9525" marB="0" anchor="ctr"/>
-                </a:tc>
-                <a:tc>
-                  <a:txBody>
-                    <a:bodyPr/>
-                    <a:lstStyle/>
-                    <a:p>
-                      <a:pPr algn="ctr" fontAlgn="b"/>
-                      <a:r>
-                        <a:rPr lang="en-US" sz="1800" b="0" i="0" u="none" strike="noStrike">
-                          <a:effectLst/>
-                          <a:latin typeface="Arial Unicode MS" panose="020B0604020202020204" pitchFamily="34" charset="-128"/>
-                          <a:ea typeface="Arial Unicode MS" panose="020B0604020202020204" pitchFamily="34" charset="-128"/>
-                          <a:cs typeface="Arial Unicode MS" panose="020B0604020202020204" pitchFamily="34" charset="-128"/>
+                    </a:p>
+                  </a:txBody>
+                  <a:tcPr marL="9525" marR="9525" marT="9525" marB="9525" anchor="ctr" horzOverflow="overflow"/>
+                </a:tc>
+                <a:tc>
+                  <a:txBody>
+                    <a:bodyPr/>
+                    <a:lstStyle/>
+                    <a:p>
+                      <a:pPr>
+                        <a:defRPr>
+                          <a:solidFill>
+                            <a:srgbClr val="000000"/>
+                          </a:solidFill>
+                        </a:defRPr>
+                      </a:pPr>
+                      <a:r>
+                        <a:rPr>
+                          <a:solidFill>
+                            <a:srgbClr val="606060"/>
+                          </a:solidFill>
+                          <a:latin typeface="Arial Unicode MS"/>
+                          <a:ea typeface="Arial Unicode MS"/>
+                          <a:cs typeface="Arial Unicode MS"/>
+                          <a:sym typeface="Arial Unicode MS"/>
                         </a:rPr>
                         <a:t>160</a:t>
                       </a:r>
-                      <a:endParaRPr lang="en-US" sz="1800" b="0" i="0" u="none" strike="noStrike">
-                        <a:solidFill>
-                          <a:srgbClr val="000000"/>
-                        </a:solidFill>
-                        <a:effectLst/>
-                        <a:latin typeface="Arial Unicode MS" panose="020B0604020202020204" pitchFamily="34" charset="-128"/>
-                        <a:ea typeface="Arial Unicode MS" panose="020B0604020202020204" pitchFamily="34" charset="-128"/>
-                        <a:cs typeface="Arial Unicode MS" panose="020B0604020202020204" pitchFamily="34" charset="-128"/>
-                      </a:endParaRPr>
-                    </a:p>
-                  </a:txBody>
-                  <a:tcPr marL="9525" marR="9525" marT="9525" marB="0" anchor="ctr"/>
-                </a:tc>
-                <a:tc>
-                  <a:txBody>
-                    <a:bodyPr/>
-                    <a:lstStyle/>
-                    <a:p>
-                      <a:pPr algn="ctr" fontAlgn="b"/>
-                      <a:r>
-                        <a:rPr lang="en-US" sz="1800" b="0" i="0" u="none" strike="noStrike" dirty="0">
-                          <a:effectLst/>
-                          <a:latin typeface="Arial Unicode MS" panose="020B0604020202020204" pitchFamily="34" charset="-128"/>
-                          <a:ea typeface="Arial Unicode MS" panose="020B0604020202020204" pitchFamily="34" charset="-128"/>
-                          <a:cs typeface="Arial Unicode MS" panose="020B0604020202020204" pitchFamily="34" charset="-128"/>
+                    </a:p>
+                  </a:txBody>
+                  <a:tcPr marL="9525" marR="9525" marT="9525" marB="9525" anchor="ctr" horzOverflow="overflow"/>
+                </a:tc>
+                <a:tc>
+                  <a:txBody>
+                    <a:bodyPr/>
+                    <a:lstStyle/>
+                    <a:p>
+                      <a:pPr>
+                        <a:defRPr>
+                          <a:solidFill>
+                            <a:srgbClr val="000000"/>
+                          </a:solidFill>
+                        </a:defRPr>
+                      </a:pPr>
+                      <a:r>
+                        <a:rPr>
+                          <a:solidFill>
+                            <a:srgbClr val="606060"/>
+                          </a:solidFill>
+                          <a:latin typeface="Arial Unicode MS"/>
+                          <a:ea typeface="Arial Unicode MS"/>
+                          <a:cs typeface="Arial Unicode MS"/>
+                          <a:sym typeface="Arial Unicode MS"/>
                         </a:rPr>
                         <a:t>300</a:t>
                       </a:r>
-                      <a:endParaRPr lang="en-US" sz="1800" b="0" i="0" u="none" strike="noStrike" dirty="0">
-                        <a:solidFill>
-                          <a:srgbClr val="000000"/>
-                        </a:solidFill>
-                        <a:effectLst/>
-                        <a:latin typeface="Arial Unicode MS" panose="020B0604020202020204" pitchFamily="34" charset="-128"/>
-                        <a:ea typeface="Arial Unicode MS" panose="020B0604020202020204" pitchFamily="34" charset="-128"/>
-                        <a:cs typeface="Arial Unicode MS" panose="020B0604020202020204" pitchFamily="34" charset="-128"/>
-                      </a:endParaRPr>
-                    </a:p>
-                  </a:txBody>
-                  <a:tcPr marL="9525" marR="9525" marT="9525" marB="0" anchor="ctr"/>
-                </a:tc>
-                <a:tc>
-                  <a:txBody>
-                    <a:bodyPr/>
-                    <a:lstStyle/>
-                    <a:p>
-                      <a:pPr algn="ctr" fontAlgn="b"/>
-                      <a:r>
-                        <a:rPr lang="en-US" sz="1800" b="0" i="0" u="none" strike="noStrike">
-                          <a:effectLst/>
-                          <a:latin typeface="Arial Unicode MS" panose="020B0604020202020204" pitchFamily="34" charset="-128"/>
-                          <a:ea typeface="Arial Unicode MS" panose="020B0604020202020204" pitchFamily="34" charset="-128"/>
-                          <a:cs typeface="Arial Unicode MS" panose="020B0604020202020204" pitchFamily="34" charset="-128"/>
+                    </a:p>
+                  </a:txBody>
+                  <a:tcPr marL="9525" marR="9525" marT="9525" marB="9525" anchor="ctr" horzOverflow="overflow"/>
+                </a:tc>
+                <a:tc>
+                  <a:txBody>
+                    <a:bodyPr/>
+                    <a:lstStyle/>
+                    <a:p>
+                      <a:pPr>
+                        <a:defRPr>
+                          <a:solidFill>
+                            <a:srgbClr val="000000"/>
+                          </a:solidFill>
+                        </a:defRPr>
+                      </a:pPr>
+                      <a:r>
+                        <a:rPr>
+                          <a:solidFill>
+                            <a:srgbClr val="606060"/>
+                          </a:solidFill>
+                          <a:latin typeface="Arial Unicode MS"/>
+                          <a:ea typeface="Arial Unicode MS"/>
+                          <a:cs typeface="Arial Unicode MS"/>
+                          <a:sym typeface="Arial Unicode MS"/>
                         </a:rPr>
                         <a:t>74.00</a:t>
                       </a:r>
-                      <a:endParaRPr lang="en-US" sz="1800" b="0" i="0" u="none" strike="noStrike">
-                        <a:solidFill>
-                          <a:srgbClr val="000000"/>
-                        </a:solidFill>
-                        <a:effectLst/>
-                        <a:latin typeface="Arial Unicode MS" panose="020B0604020202020204" pitchFamily="34" charset="-128"/>
-                        <a:ea typeface="Arial Unicode MS" panose="020B0604020202020204" pitchFamily="34" charset="-128"/>
-                        <a:cs typeface="Arial Unicode MS" panose="020B0604020202020204" pitchFamily="34" charset="-128"/>
-                      </a:endParaRPr>
-                    </a:p>
-                  </a:txBody>
-                  <a:tcPr marL="9525" marR="9525" marT="9525" marB="0" anchor="ctr"/>
-                </a:tc>
-                <a:tc>
-                  <a:txBody>
-                    <a:bodyPr/>
-                    <a:lstStyle/>
-                    <a:p>
-                      <a:pPr algn="ctr" fontAlgn="b"/>
-                      <a:r>
-                        <a:rPr lang="en-US" sz="1800" b="0" i="0" u="none" strike="noStrike" dirty="0">
-                          <a:effectLst/>
-                          <a:latin typeface="Arial Unicode MS" panose="020B0604020202020204" pitchFamily="34" charset="-128"/>
-                          <a:ea typeface="Arial Unicode MS" panose="020B0604020202020204" pitchFamily="34" charset="-128"/>
-                          <a:cs typeface="Arial Unicode MS" panose="020B0604020202020204" pitchFamily="34" charset="-128"/>
+                    </a:p>
+                  </a:txBody>
+                  <a:tcPr marL="9525" marR="9525" marT="9525" marB="9525" anchor="ctr" horzOverflow="overflow"/>
+                </a:tc>
+                <a:tc>
+                  <a:txBody>
+                    <a:bodyPr/>
+                    <a:lstStyle/>
+                    <a:p>
+                      <a:pPr>
+                        <a:defRPr>
+                          <a:solidFill>
+                            <a:srgbClr val="000000"/>
+                          </a:solidFill>
+                        </a:defRPr>
+                      </a:pPr>
+                      <a:r>
+                        <a:rPr>
+                          <a:solidFill>
+                            <a:srgbClr val="606060"/>
+                          </a:solidFill>
+                          <a:latin typeface="Arial Unicode MS"/>
+                          <a:ea typeface="Arial Unicode MS"/>
+                          <a:cs typeface="Arial Unicode MS"/>
+                          <a:sym typeface="Arial Unicode MS"/>
                         </a:rPr>
                         <a:t>2318.89</a:t>
                       </a:r>
-                      <a:endParaRPr lang="en-US" sz="1800" b="0" i="0" u="none" strike="noStrike" dirty="0">
-                        <a:solidFill>
-                          <a:srgbClr val="000000"/>
-                        </a:solidFill>
-                        <a:effectLst/>
-                        <a:latin typeface="Arial Unicode MS" panose="020B0604020202020204" pitchFamily="34" charset="-128"/>
-                        <a:ea typeface="Arial Unicode MS" panose="020B0604020202020204" pitchFamily="34" charset="-128"/>
-                        <a:cs typeface="Arial Unicode MS" panose="020B0604020202020204" pitchFamily="34" charset="-128"/>
-                      </a:endParaRPr>
-                    </a:p>
-                  </a:txBody>
-                  <a:tcPr marL="9525" marR="9525" marT="9525" marB="0" anchor="ctr"/>
+                    </a:p>
+                  </a:txBody>
+                  <a:tcPr marL="9525" marR="9525" marT="9525" marB="9525" anchor="ctr" horzOverflow="overflow"/>
                 </a:tc>
                 <a:extLst>
                   <a:ext uri="{0D108BD9-81ED-4DB2-BD59-A6C34878D82A}">
-                    <a16:rowId xmlns:a16="http://schemas.microsoft.com/office/drawing/2014/main" val="2272720877"/>
+                    <a16:rowId xmlns:a16="http://schemas.microsoft.com/office/drawing/2014/main" val="10014"/>
                   </a:ext>
                 </a:extLst>
               </a:tr>
@@ -7044,144 +6965,144 @@
                     <a:bodyPr/>
                     <a:lstStyle/>
                     <a:p>
-                      <a:pPr algn="ctr" fontAlgn="b"/>
-                      <a:r>
-                        <a:rPr lang="en-US" sz="1800" b="0" i="0" u="none" strike="noStrike">
-                          <a:effectLst/>
-                          <a:latin typeface="Arial Unicode MS" panose="020B0604020202020204" pitchFamily="34" charset="-128"/>
-                          <a:ea typeface="Arial Unicode MS" panose="020B0604020202020204" pitchFamily="34" charset="-128"/>
-                          <a:cs typeface="Arial Unicode MS" panose="020B0604020202020204" pitchFamily="34" charset="-128"/>
+                      <a:pPr>
+                        <a:defRPr>
+                          <a:solidFill>
+                            <a:srgbClr val="000000"/>
+                          </a:solidFill>
+                        </a:defRPr>
+                      </a:pPr>
+                      <a:r>
+                        <a:rPr>
+                          <a:solidFill>
+                            <a:srgbClr val="606060"/>
+                          </a:solidFill>
+                          <a:latin typeface="Arial Unicode MS"/>
+                          <a:ea typeface="Arial Unicode MS"/>
+                          <a:cs typeface="Arial Unicode MS"/>
+                          <a:sym typeface="Arial Unicode MS"/>
                         </a:rPr>
                         <a:t>80</a:t>
                       </a:r>
-                      <a:endParaRPr lang="en-US" sz="1800" b="0" i="0" u="none" strike="noStrike">
-                        <a:solidFill>
-                          <a:srgbClr val="000000"/>
-                        </a:solidFill>
-                        <a:effectLst/>
-                        <a:latin typeface="Arial Unicode MS" panose="020B0604020202020204" pitchFamily="34" charset="-128"/>
-                        <a:ea typeface="Arial Unicode MS" panose="020B0604020202020204" pitchFamily="34" charset="-128"/>
-                        <a:cs typeface="Arial Unicode MS" panose="020B0604020202020204" pitchFamily="34" charset="-128"/>
-                      </a:endParaRPr>
-                    </a:p>
-                  </a:txBody>
-                  <a:tcPr marL="9525" marR="9525" marT="9525" marB="0" anchor="ctr"/>
-                </a:tc>
-                <a:tc>
-                  <a:txBody>
-                    <a:bodyPr/>
-                    <a:lstStyle/>
-                    <a:p>
-                      <a:pPr algn="ctr" fontAlgn="b"/>
-                      <a:r>
-                        <a:rPr lang="en-US" sz="1800" b="0" i="0" u="none" strike="noStrike">
-                          <a:effectLst/>
-                          <a:latin typeface="Arial Unicode MS" panose="020B0604020202020204" pitchFamily="34" charset="-128"/>
-                          <a:ea typeface="Arial Unicode MS" panose="020B0604020202020204" pitchFamily="34" charset="-128"/>
-                          <a:cs typeface="Arial Unicode MS" panose="020B0604020202020204" pitchFamily="34" charset="-128"/>
+                    </a:p>
+                  </a:txBody>
+                  <a:tcPr marL="9525" marR="9525" marT="9525" marB="9525" anchor="ctr" horzOverflow="overflow"/>
+                </a:tc>
+                <a:tc>
+                  <a:txBody>
+                    <a:bodyPr/>
+                    <a:lstStyle/>
+                    <a:p>
+                      <a:pPr>
+                        <a:defRPr>
+                          <a:solidFill>
+                            <a:srgbClr val="000000"/>
+                          </a:solidFill>
+                        </a:defRPr>
+                      </a:pPr>
+                      <a:r>
+                        <a:rPr>
+                          <a:solidFill>
+                            <a:srgbClr val="606060"/>
+                          </a:solidFill>
+                          <a:latin typeface="Arial Unicode MS"/>
+                          <a:ea typeface="Arial Unicode MS"/>
+                          <a:cs typeface="Arial Unicode MS"/>
+                          <a:sym typeface="Arial Unicode MS"/>
                         </a:rPr>
                         <a:t>20</a:t>
                       </a:r>
-                      <a:endParaRPr lang="en-US" sz="1800" b="0" i="0" u="none" strike="noStrike">
-                        <a:solidFill>
-                          <a:srgbClr val="000000"/>
-                        </a:solidFill>
-                        <a:effectLst/>
-                        <a:latin typeface="Arial Unicode MS" panose="020B0604020202020204" pitchFamily="34" charset="-128"/>
-                        <a:ea typeface="Arial Unicode MS" panose="020B0604020202020204" pitchFamily="34" charset="-128"/>
-                        <a:cs typeface="Arial Unicode MS" panose="020B0604020202020204" pitchFamily="34" charset="-128"/>
-                      </a:endParaRPr>
-                    </a:p>
-                  </a:txBody>
-                  <a:tcPr marL="9525" marR="9525" marT="9525" marB="0" anchor="ctr"/>
-                </a:tc>
-                <a:tc>
-                  <a:txBody>
-                    <a:bodyPr/>
-                    <a:lstStyle/>
-                    <a:p>
-                      <a:pPr algn="ctr" fontAlgn="b"/>
-                      <a:r>
-                        <a:rPr lang="en-US" sz="1800" b="0" i="0" u="none" strike="noStrike">
-                          <a:effectLst/>
-                          <a:latin typeface="Arial Unicode MS" panose="020B0604020202020204" pitchFamily="34" charset="-128"/>
-                          <a:ea typeface="Arial Unicode MS" panose="020B0604020202020204" pitchFamily="34" charset="-128"/>
-                          <a:cs typeface="Arial Unicode MS" panose="020B0604020202020204" pitchFamily="34" charset="-128"/>
+                    </a:p>
+                  </a:txBody>
+                  <a:tcPr marL="9525" marR="9525" marT="9525" marB="9525" anchor="ctr" horzOverflow="overflow"/>
+                </a:tc>
+                <a:tc>
+                  <a:txBody>
+                    <a:bodyPr/>
+                    <a:lstStyle/>
+                    <a:p>
+                      <a:pPr>
+                        <a:defRPr>
+                          <a:solidFill>
+                            <a:srgbClr val="000000"/>
+                          </a:solidFill>
+                        </a:defRPr>
+                      </a:pPr>
+                      <a:r>
+                        <a:rPr>
+                          <a:solidFill>
+                            <a:srgbClr val="606060"/>
+                          </a:solidFill>
+                          <a:latin typeface="Arial Unicode MS"/>
+                          <a:ea typeface="Arial Unicode MS"/>
+                          <a:cs typeface="Arial Unicode MS"/>
+                          <a:sym typeface="Arial Unicode MS"/>
                         </a:rPr>
                         <a:t>300</a:t>
                       </a:r>
-                      <a:endParaRPr lang="en-US" sz="1800" b="0" i="0" u="none" strike="noStrike">
-                        <a:solidFill>
-                          <a:srgbClr val="000000"/>
-                        </a:solidFill>
-                        <a:effectLst/>
-                        <a:latin typeface="Arial Unicode MS" panose="020B0604020202020204" pitchFamily="34" charset="-128"/>
-                        <a:ea typeface="Arial Unicode MS" panose="020B0604020202020204" pitchFamily="34" charset="-128"/>
-                        <a:cs typeface="Arial Unicode MS" panose="020B0604020202020204" pitchFamily="34" charset="-128"/>
-                      </a:endParaRPr>
-                    </a:p>
-                  </a:txBody>
-                  <a:tcPr marL="9525" marR="9525" marT="9525" marB="0" anchor="ctr"/>
-                </a:tc>
-                <a:tc>
-                  <a:txBody>
-                    <a:bodyPr/>
-                    <a:lstStyle/>
-                    <a:p>
-                      <a:pPr algn="ctr" fontAlgn="b"/>
-                      <a:r>
-                        <a:rPr lang="en-US" sz="1800" b="0" i="0" u="none" strike="noStrike" dirty="0">
-                          <a:effectLst/>
-                          <a:latin typeface="Arial Unicode MS" panose="020B0604020202020204" pitchFamily="34" charset="-128"/>
-                          <a:ea typeface="Arial Unicode MS" panose="020B0604020202020204" pitchFamily="34" charset="-128"/>
-                          <a:cs typeface="Arial Unicode MS" panose="020B0604020202020204" pitchFamily="34" charset="-128"/>
+                    </a:p>
+                  </a:txBody>
+                  <a:tcPr marL="9525" marR="9525" marT="9525" marB="9525" anchor="ctr" horzOverflow="overflow"/>
+                </a:tc>
+                <a:tc>
+                  <a:txBody>
+                    <a:bodyPr/>
+                    <a:lstStyle/>
+                    <a:p>
+                      <a:pPr>
+                        <a:defRPr>
+                          <a:solidFill>
+                            <a:srgbClr val="000000"/>
+                          </a:solidFill>
+                        </a:defRPr>
+                      </a:pPr>
+                      <a:r>
+                        <a:rPr>
+                          <a:solidFill>
+                            <a:srgbClr val="606060"/>
+                          </a:solidFill>
+                          <a:latin typeface="Arial Unicode MS"/>
+                          <a:ea typeface="Arial Unicode MS"/>
+                          <a:cs typeface="Arial Unicode MS"/>
+                          <a:sym typeface="Arial Unicode MS"/>
                         </a:rPr>
                         <a:t>140.82</a:t>
                       </a:r>
-                      <a:endParaRPr lang="en-US" sz="1800" b="0" i="0" u="none" strike="noStrike" dirty="0">
-                        <a:solidFill>
-                          <a:srgbClr val="000000"/>
-                        </a:solidFill>
-                        <a:effectLst/>
-                        <a:latin typeface="Arial Unicode MS" panose="020B0604020202020204" pitchFamily="34" charset="-128"/>
-                        <a:ea typeface="Arial Unicode MS" panose="020B0604020202020204" pitchFamily="34" charset="-128"/>
-                        <a:cs typeface="Arial Unicode MS" panose="020B0604020202020204" pitchFamily="34" charset="-128"/>
-                      </a:endParaRPr>
-                    </a:p>
-                  </a:txBody>
-                  <a:tcPr marL="9525" marR="9525" marT="9525" marB="0" anchor="ctr"/>
-                </a:tc>
-                <a:tc>
-                  <a:txBody>
-                    <a:bodyPr/>
-                    <a:lstStyle/>
-                    <a:p>
-                      <a:pPr algn="ctr" fontAlgn="b"/>
-                      <a:r>
-                        <a:rPr lang="en-US" sz="1800" b="0" i="0" u="none" strike="noStrike" dirty="0">
-                          <a:effectLst/>
-                          <a:latin typeface="Arial Unicode MS" panose="020B0604020202020204" pitchFamily="34" charset="-128"/>
-                          <a:ea typeface="Arial Unicode MS" panose="020B0604020202020204" pitchFamily="34" charset="-128"/>
-                          <a:cs typeface="Arial Unicode MS" panose="020B0604020202020204" pitchFamily="34" charset="-128"/>
+                    </a:p>
+                  </a:txBody>
+                  <a:tcPr marL="9525" marR="9525" marT="9525" marB="9525" anchor="ctr" horzOverflow="overflow"/>
+                </a:tc>
+                <a:tc>
+                  <a:txBody>
+                    <a:bodyPr/>
+                    <a:lstStyle/>
+                    <a:p>
+                      <a:pPr>
+                        <a:defRPr>
+                          <a:solidFill>
+                            <a:srgbClr val="000000"/>
+                          </a:solidFill>
+                        </a:defRPr>
+                      </a:pPr>
+                      <a:r>
+                        <a:rPr>
+                          <a:solidFill>
+                            <a:srgbClr val="606060"/>
+                          </a:solidFill>
+                          <a:latin typeface="Arial Unicode MS"/>
+                          <a:ea typeface="Arial Unicode MS"/>
+                          <a:cs typeface="Arial Unicode MS"/>
+                          <a:sym typeface="Arial Unicode MS"/>
                         </a:rPr>
                         <a:t>925.74</a:t>
                       </a:r>
-                      <a:endParaRPr lang="en-US" sz="1800" b="0" i="0" u="none" strike="noStrike" dirty="0">
-                        <a:solidFill>
-                          <a:srgbClr val="000000"/>
-                        </a:solidFill>
-                        <a:effectLst/>
-                        <a:latin typeface="Arial Unicode MS" panose="020B0604020202020204" pitchFamily="34" charset="-128"/>
-                        <a:ea typeface="Arial Unicode MS" panose="020B0604020202020204" pitchFamily="34" charset="-128"/>
-                        <a:cs typeface="Arial Unicode MS" panose="020B0604020202020204" pitchFamily="34" charset="-128"/>
-                      </a:endParaRPr>
-                    </a:p>
-                  </a:txBody>
-                  <a:tcPr marL="9525" marR="9525" marT="9525" marB="0" anchor="ctr"/>
+                    </a:p>
+                  </a:txBody>
+                  <a:tcPr marL="9525" marR="9525" marT="9525" marB="9525" anchor="ctr" horzOverflow="overflow"/>
                 </a:tc>
                 <a:extLst>
                   <a:ext uri="{0D108BD9-81ED-4DB2-BD59-A6C34878D82A}">
-                    <a16:rowId xmlns:a16="http://schemas.microsoft.com/office/drawing/2014/main" val="2531738377"/>
+                    <a16:rowId xmlns:a16="http://schemas.microsoft.com/office/drawing/2014/main" val="10015"/>
                   </a:ext>
                 </a:extLst>
               </a:tr>
@@ -7191,144 +7112,144 @@
                     <a:bodyPr/>
                     <a:lstStyle/>
                     <a:p>
-                      <a:pPr algn="ctr" fontAlgn="b"/>
-                      <a:r>
-                        <a:rPr lang="en-US" sz="1800" b="0" i="0" u="none" strike="noStrike">
-                          <a:effectLst/>
-                          <a:latin typeface="Arial Unicode MS" panose="020B0604020202020204" pitchFamily="34" charset="-128"/>
-                          <a:ea typeface="Arial Unicode MS" panose="020B0604020202020204" pitchFamily="34" charset="-128"/>
-                          <a:cs typeface="Arial Unicode MS" panose="020B0604020202020204" pitchFamily="34" charset="-128"/>
+                      <a:pPr>
+                        <a:defRPr>
+                          <a:solidFill>
+                            <a:srgbClr val="000000"/>
+                          </a:solidFill>
+                        </a:defRPr>
+                      </a:pPr>
+                      <a:r>
+                        <a:rPr>
+                          <a:solidFill>
+                            <a:srgbClr val="606060"/>
+                          </a:solidFill>
+                          <a:latin typeface="Arial Unicode MS"/>
+                          <a:ea typeface="Arial Unicode MS"/>
+                          <a:cs typeface="Arial Unicode MS"/>
+                          <a:sym typeface="Arial Unicode MS"/>
                         </a:rPr>
                         <a:t>80</a:t>
                       </a:r>
-                      <a:endParaRPr lang="en-US" sz="1800" b="0" i="0" u="none" strike="noStrike">
-                        <a:solidFill>
-                          <a:srgbClr val="000000"/>
-                        </a:solidFill>
-                        <a:effectLst/>
-                        <a:latin typeface="Arial Unicode MS" panose="020B0604020202020204" pitchFamily="34" charset="-128"/>
-                        <a:ea typeface="Arial Unicode MS" panose="020B0604020202020204" pitchFamily="34" charset="-128"/>
-                        <a:cs typeface="Arial Unicode MS" panose="020B0604020202020204" pitchFamily="34" charset="-128"/>
-                      </a:endParaRPr>
-                    </a:p>
-                  </a:txBody>
-                  <a:tcPr marL="9525" marR="9525" marT="9525" marB="0" anchor="ctr"/>
-                </a:tc>
-                <a:tc>
-                  <a:txBody>
-                    <a:bodyPr/>
-                    <a:lstStyle/>
-                    <a:p>
-                      <a:pPr algn="ctr" fontAlgn="b"/>
-                      <a:r>
-                        <a:rPr lang="en-US" sz="1800" b="0" i="0" u="none" strike="noStrike">
-                          <a:effectLst/>
-                          <a:latin typeface="Arial Unicode MS" panose="020B0604020202020204" pitchFamily="34" charset="-128"/>
-                          <a:ea typeface="Arial Unicode MS" panose="020B0604020202020204" pitchFamily="34" charset="-128"/>
-                          <a:cs typeface="Arial Unicode MS" panose="020B0604020202020204" pitchFamily="34" charset="-128"/>
+                    </a:p>
+                  </a:txBody>
+                  <a:tcPr marL="9525" marR="9525" marT="9525" marB="9525" anchor="ctr" horzOverflow="overflow"/>
+                </a:tc>
+                <a:tc>
+                  <a:txBody>
+                    <a:bodyPr/>
+                    <a:lstStyle/>
+                    <a:p>
+                      <a:pPr>
+                        <a:defRPr>
+                          <a:solidFill>
+                            <a:srgbClr val="000000"/>
+                          </a:solidFill>
+                        </a:defRPr>
+                      </a:pPr>
+                      <a:r>
+                        <a:rPr>
+                          <a:solidFill>
+                            <a:srgbClr val="606060"/>
+                          </a:solidFill>
+                          <a:latin typeface="Arial Unicode MS"/>
+                          <a:ea typeface="Arial Unicode MS"/>
+                          <a:cs typeface="Arial Unicode MS"/>
+                          <a:sym typeface="Arial Unicode MS"/>
                         </a:rPr>
                         <a:t>40</a:t>
                       </a:r>
-                      <a:endParaRPr lang="en-US" sz="1800" b="0" i="0" u="none" strike="noStrike">
-                        <a:solidFill>
-                          <a:srgbClr val="000000"/>
-                        </a:solidFill>
-                        <a:effectLst/>
-                        <a:latin typeface="Arial Unicode MS" panose="020B0604020202020204" pitchFamily="34" charset="-128"/>
-                        <a:ea typeface="Arial Unicode MS" panose="020B0604020202020204" pitchFamily="34" charset="-128"/>
-                        <a:cs typeface="Arial Unicode MS" panose="020B0604020202020204" pitchFamily="34" charset="-128"/>
-                      </a:endParaRPr>
-                    </a:p>
-                  </a:txBody>
-                  <a:tcPr marL="9525" marR="9525" marT="9525" marB="0" anchor="ctr"/>
-                </a:tc>
-                <a:tc>
-                  <a:txBody>
-                    <a:bodyPr/>
-                    <a:lstStyle/>
-                    <a:p>
-                      <a:pPr algn="ctr" fontAlgn="b"/>
-                      <a:r>
-                        <a:rPr lang="en-US" sz="1800" b="0" i="0" u="none" strike="noStrike">
-                          <a:effectLst/>
-                          <a:latin typeface="Arial Unicode MS" panose="020B0604020202020204" pitchFamily="34" charset="-128"/>
-                          <a:ea typeface="Arial Unicode MS" panose="020B0604020202020204" pitchFamily="34" charset="-128"/>
-                          <a:cs typeface="Arial Unicode MS" panose="020B0604020202020204" pitchFamily="34" charset="-128"/>
+                    </a:p>
+                  </a:txBody>
+                  <a:tcPr marL="9525" marR="9525" marT="9525" marB="9525" anchor="ctr" horzOverflow="overflow"/>
+                </a:tc>
+                <a:tc>
+                  <a:txBody>
+                    <a:bodyPr/>
+                    <a:lstStyle/>
+                    <a:p>
+                      <a:pPr>
+                        <a:defRPr>
+                          <a:solidFill>
+                            <a:srgbClr val="000000"/>
+                          </a:solidFill>
+                        </a:defRPr>
+                      </a:pPr>
+                      <a:r>
+                        <a:rPr>
+                          <a:solidFill>
+                            <a:srgbClr val="606060"/>
+                          </a:solidFill>
+                          <a:latin typeface="Arial Unicode MS"/>
+                          <a:ea typeface="Arial Unicode MS"/>
+                          <a:cs typeface="Arial Unicode MS"/>
+                          <a:sym typeface="Arial Unicode MS"/>
                         </a:rPr>
                         <a:t>300</a:t>
                       </a:r>
-                      <a:endParaRPr lang="en-US" sz="1800" b="0" i="0" u="none" strike="noStrike">
-                        <a:solidFill>
-                          <a:srgbClr val="000000"/>
-                        </a:solidFill>
-                        <a:effectLst/>
-                        <a:latin typeface="Arial Unicode MS" panose="020B0604020202020204" pitchFamily="34" charset="-128"/>
-                        <a:ea typeface="Arial Unicode MS" panose="020B0604020202020204" pitchFamily="34" charset="-128"/>
-                        <a:cs typeface="Arial Unicode MS" panose="020B0604020202020204" pitchFamily="34" charset="-128"/>
-                      </a:endParaRPr>
-                    </a:p>
-                  </a:txBody>
-                  <a:tcPr marL="9525" marR="9525" marT="9525" marB="0" anchor="ctr"/>
-                </a:tc>
-                <a:tc>
-                  <a:txBody>
-                    <a:bodyPr/>
-                    <a:lstStyle/>
-                    <a:p>
-                      <a:pPr algn="ctr" fontAlgn="b"/>
-                      <a:r>
-                        <a:rPr lang="en-US" sz="1800" b="0" i="0" u="none" strike="noStrike" dirty="0">
-                          <a:effectLst/>
-                          <a:latin typeface="Arial Unicode MS" panose="020B0604020202020204" pitchFamily="34" charset="-128"/>
-                          <a:ea typeface="Arial Unicode MS" panose="020B0604020202020204" pitchFamily="34" charset="-128"/>
-                          <a:cs typeface="Arial Unicode MS" panose="020B0604020202020204" pitchFamily="34" charset="-128"/>
+                    </a:p>
+                  </a:txBody>
+                  <a:tcPr marL="9525" marR="9525" marT="9525" marB="9525" anchor="ctr" horzOverflow="overflow"/>
+                </a:tc>
+                <a:tc>
+                  <a:txBody>
+                    <a:bodyPr/>
+                    <a:lstStyle/>
+                    <a:p>
+                      <a:pPr>
+                        <a:defRPr>
+                          <a:solidFill>
+                            <a:srgbClr val="000000"/>
+                          </a:solidFill>
+                        </a:defRPr>
+                      </a:pPr>
+                      <a:r>
+                        <a:rPr>
+                          <a:solidFill>
+                            <a:srgbClr val="606060"/>
+                          </a:solidFill>
+                          <a:latin typeface="Arial Unicode MS"/>
+                          <a:ea typeface="Arial Unicode MS"/>
+                          <a:cs typeface="Arial Unicode MS"/>
+                          <a:sym typeface="Arial Unicode MS"/>
                         </a:rPr>
                         <a:t>122.00</a:t>
                       </a:r>
-                      <a:endParaRPr lang="en-US" sz="1800" b="0" i="0" u="none" strike="noStrike" dirty="0">
-                        <a:solidFill>
-                          <a:srgbClr val="000000"/>
-                        </a:solidFill>
-                        <a:effectLst/>
-                        <a:latin typeface="Arial Unicode MS" panose="020B0604020202020204" pitchFamily="34" charset="-128"/>
-                        <a:ea typeface="Arial Unicode MS" panose="020B0604020202020204" pitchFamily="34" charset="-128"/>
-                        <a:cs typeface="Arial Unicode MS" panose="020B0604020202020204" pitchFamily="34" charset="-128"/>
-                      </a:endParaRPr>
-                    </a:p>
-                  </a:txBody>
-                  <a:tcPr marL="9525" marR="9525" marT="9525" marB="0" anchor="ctr"/>
-                </a:tc>
-                <a:tc>
-                  <a:txBody>
-                    <a:bodyPr/>
-                    <a:lstStyle/>
-                    <a:p>
-                      <a:pPr algn="ctr" fontAlgn="b"/>
-                      <a:r>
-                        <a:rPr lang="en-US" sz="1800" b="0" i="0" u="none" strike="noStrike" dirty="0">
-                          <a:effectLst/>
-                          <a:latin typeface="Arial Unicode MS" panose="020B0604020202020204" pitchFamily="34" charset="-128"/>
-                          <a:ea typeface="Arial Unicode MS" panose="020B0604020202020204" pitchFamily="34" charset="-128"/>
-                          <a:cs typeface="Arial Unicode MS" panose="020B0604020202020204" pitchFamily="34" charset="-128"/>
+                    </a:p>
+                  </a:txBody>
+                  <a:tcPr marL="9525" marR="9525" marT="9525" marB="9525" anchor="ctr" horzOverflow="overflow"/>
+                </a:tc>
+                <a:tc>
+                  <a:txBody>
+                    <a:bodyPr/>
+                    <a:lstStyle/>
+                    <a:p>
+                      <a:pPr>
+                        <a:defRPr>
+                          <a:solidFill>
+                            <a:srgbClr val="000000"/>
+                          </a:solidFill>
+                        </a:defRPr>
+                      </a:pPr>
+                      <a:r>
+                        <a:rPr>
+                          <a:solidFill>
+                            <a:srgbClr val="606060"/>
+                          </a:solidFill>
+                          <a:latin typeface="Arial Unicode MS"/>
+                          <a:ea typeface="Arial Unicode MS"/>
+                          <a:cs typeface="Arial Unicode MS"/>
+                          <a:sym typeface="Arial Unicode MS"/>
                         </a:rPr>
                         <a:t>1098.31</a:t>
                       </a:r>
-                      <a:endParaRPr lang="en-US" sz="1800" b="0" i="0" u="none" strike="noStrike" dirty="0">
-                        <a:solidFill>
-                          <a:srgbClr val="000000"/>
-                        </a:solidFill>
-                        <a:effectLst/>
-                        <a:latin typeface="Arial Unicode MS" panose="020B0604020202020204" pitchFamily="34" charset="-128"/>
-                        <a:ea typeface="Arial Unicode MS" panose="020B0604020202020204" pitchFamily="34" charset="-128"/>
-                        <a:cs typeface="Arial Unicode MS" panose="020B0604020202020204" pitchFamily="34" charset="-128"/>
-                      </a:endParaRPr>
-                    </a:p>
-                  </a:txBody>
-                  <a:tcPr marL="9525" marR="9525" marT="9525" marB="0" anchor="ctr"/>
+                    </a:p>
+                  </a:txBody>
+                  <a:tcPr marL="9525" marR="9525" marT="9525" marB="9525" anchor="ctr" horzOverflow="overflow"/>
                 </a:tc>
                 <a:extLst>
                   <a:ext uri="{0D108BD9-81ED-4DB2-BD59-A6C34878D82A}">
-                    <a16:rowId xmlns:a16="http://schemas.microsoft.com/office/drawing/2014/main" val="2025120290"/>
+                    <a16:rowId xmlns:a16="http://schemas.microsoft.com/office/drawing/2014/main" val="10016"/>
                   </a:ext>
                 </a:extLst>
               </a:tr>
@@ -7338,144 +7259,144 @@
                     <a:bodyPr/>
                     <a:lstStyle/>
                     <a:p>
-                      <a:pPr algn="ctr" fontAlgn="b"/>
-                      <a:r>
-                        <a:rPr lang="en-US" sz="1800" b="0" i="0" u="none" strike="noStrike">
-                          <a:effectLst/>
-                          <a:latin typeface="Arial Unicode MS" panose="020B0604020202020204" pitchFamily="34" charset="-128"/>
-                          <a:ea typeface="Arial Unicode MS" panose="020B0604020202020204" pitchFamily="34" charset="-128"/>
-                          <a:cs typeface="Arial Unicode MS" panose="020B0604020202020204" pitchFamily="34" charset="-128"/>
+                      <a:pPr>
+                        <a:defRPr>
+                          <a:solidFill>
+                            <a:srgbClr val="000000"/>
+                          </a:solidFill>
+                        </a:defRPr>
+                      </a:pPr>
+                      <a:r>
+                        <a:rPr>
+                          <a:solidFill>
+                            <a:srgbClr val="606060"/>
+                          </a:solidFill>
+                          <a:latin typeface="Arial Unicode MS"/>
+                          <a:ea typeface="Arial Unicode MS"/>
+                          <a:cs typeface="Arial Unicode MS"/>
+                          <a:sym typeface="Arial Unicode MS"/>
                         </a:rPr>
                         <a:t>80</a:t>
                       </a:r>
-                      <a:endParaRPr lang="en-US" sz="1800" b="0" i="0" u="none" strike="noStrike">
-                        <a:solidFill>
-                          <a:srgbClr val="000000"/>
-                        </a:solidFill>
-                        <a:effectLst/>
-                        <a:latin typeface="Arial Unicode MS" panose="020B0604020202020204" pitchFamily="34" charset="-128"/>
-                        <a:ea typeface="Arial Unicode MS" panose="020B0604020202020204" pitchFamily="34" charset="-128"/>
-                        <a:cs typeface="Arial Unicode MS" panose="020B0604020202020204" pitchFamily="34" charset="-128"/>
-                      </a:endParaRPr>
-                    </a:p>
-                  </a:txBody>
-                  <a:tcPr marL="9525" marR="9525" marT="9525" marB="0" anchor="ctr"/>
-                </a:tc>
-                <a:tc>
-                  <a:txBody>
-                    <a:bodyPr/>
-                    <a:lstStyle/>
-                    <a:p>
-                      <a:pPr algn="ctr" fontAlgn="b"/>
-                      <a:r>
-                        <a:rPr lang="en-US" sz="1800" b="0" i="0" u="none" strike="noStrike">
-                          <a:effectLst/>
-                          <a:latin typeface="Arial Unicode MS" panose="020B0604020202020204" pitchFamily="34" charset="-128"/>
-                          <a:ea typeface="Arial Unicode MS" panose="020B0604020202020204" pitchFamily="34" charset="-128"/>
-                          <a:cs typeface="Arial Unicode MS" panose="020B0604020202020204" pitchFamily="34" charset="-128"/>
+                    </a:p>
+                  </a:txBody>
+                  <a:tcPr marL="9525" marR="9525" marT="9525" marB="9525" anchor="ctr" horzOverflow="overflow"/>
+                </a:tc>
+                <a:tc>
+                  <a:txBody>
+                    <a:bodyPr/>
+                    <a:lstStyle/>
+                    <a:p>
+                      <a:pPr>
+                        <a:defRPr>
+                          <a:solidFill>
+                            <a:srgbClr val="000000"/>
+                          </a:solidFill>
+                        </a:defRPr>
+                      </a:pPr>
+                      <a:r>
+                        <a:rPr>
+                          <a:solidFill>
+                            <a:srgbClr val="606060"/>
+                          </a:solidFill>
+                          <a:latin typeface="Arial Unicode MS"/>
+                          <a:ea typeface="Arial Unicode MS"/>
+                          <a:cs typeface="Arial Unicode MS"/>
+                          <a:sym typeface="Arial Unicode MS"/>
                         </a:rPr>
                         <a:t>60</a:t>
                       </a:r>
-                      <a:endParaRPr lang="en-US" sz="1800" b="0" i="0" u="none" strike="noStrike">
-                        <a:solidFill>
-                          <a:srgbClr val="000000"/>
-                        </a:solidFill>
-                        <a:effectLst/>
-                        <a:latin typeface="Arial Unicode MS" panose="020B0604020202020204" pitchFamily="34" charset="-128"/>
-                        <a:ea typeface="Arial Unicode MS" panose="020B0604020202020204" pitchFamily="34" charset="-128"/>
-                        <a:cs typeface="Arial Unicode MS" panose="020B0604020202020204" pitchFamily="34" charset="-128"/>
-                      </a:endParaRPr>
-                    </a:p>
-                  </a:txBody>
-                  <a:tcPr marL="9525" marR="9525" marT="9525" marB="0" anchor="ctr"/>
-                </a:tc>
-                <a:tc>
-                  <a:txBody>
-                    <a:bodyPr/>
-                    <a:lstStyle/>
-                    <a:p>
-                      <a:pPr algn="ctr" fontAlgn="b"/>
-                      <a:r>
-                        <a:rPr lang="en-US" sz="1800" b="0" i="0" u="none" strike="noStrike">
-                          <a:effectLst/>
-                          <a:latin typeface="Arial Unicode MS" panose="020B0604020202020204" pitchFamily="34" charset="-128"/>
-                          <a:ea typeface="Arial Unicode MS" panose="020B0604020202020204" pitchFamily="34" charset="-128"/>
-                          <a:cs typeface="Arial Unicode MS" panose="020B0604020202020204" pitchFamily="34" charset="-128"/>
+                    </a:p>
+                  </a:txBody>
+                  <a:tcPr marL="9525" marR="9525" marT="9525" marB="9525" anchor="ctr" horzOverflow="overflow"/>
+                </a:tc>
+                <a:tc>
+                  <a:txBody>
+                    <a:bodyPr/>
+                    <a:lstStyle/>
+                    <a:p>
+                      <a:pPr>
+                        <a:defRPr>
+                          <a:solidFill>
+                            <a:srgbClr val="000000"/>
+                          </a:solidFill>
+                        </a:defRPr>
+                      </a:pPr>
+                      <a:r>
+                        <a:rPr>
+                          <a:solidFill>
+                            <a:srgbClr val="606060"/>
+                          </a:solidFill>
+                          <a:latin typeface="Arial Unicode MS"/>
+                          <a:ea typeface="Arial Unicode MS"/>
+                          <a:cs typeface="Arial Unicode MS"/>
+                          <a:sym typeface="Arial Unicode MS"/>
                         </a:rPr>
                         <a:t>300</a:t>
                       </a:r>
-                      <a:endParaRPr lang="en-US" sz="1800" b="0" i="0" u="none" strike="noStrike">
-                        <a:solidFill>
-                          <a:srgbClr val="000000"/>
-                        </a:solidFill>
-                        <a:effectLst/>
-                        <a:latin typeface="Arial Unicode MS" panose="020B0604020202020204" pitchFamily="34" charset="-128"/>
-                        <a:ea typeface="Arial Unicode MS" panose="020B0604020202020204" pitchFamily="34" charset="-128"/>
-                        <a:cs typeface="Arial Unicode MS" panose="020B0604020202020204" pitchFamily="34" charset="-128"/>
-                      </a:endParaRPr>
-                    </a:p>
-                  </a:txBody>
-                  <a:tcPr marL="9525" marR="9525" marT="9525" marB="0" anchor="ctr"/>
-                </a:tc>
-                <a:tc>
-                  <a:txBody>
-                    <a:bodyPr/>
-                    <a:lstStyle/>
-                    <a:p>
-                      <a:pPr algn="ctr" fontAlgn="b"/>
-                      <a:r>
-                        <a:rPr lang="en-US" sz="1800" b="0" i="0" u="none" strike="noStrike">
-                          <a:effectLst/>
-                          <a:latin typeface="Arial Unicode MS" panose="020B0604020202020204" pitchFamily="34" charset="-128"/>
-                          <a:ea typeface="Arial Unicode MS" panose="020B0604020202020204" pitchFamily="34" charset="-128"/>
-                          <a:cs typeface="Arial Unicode MS" panose="020B0604020202020204" pitchFamily="34" charset="-128"/>
+                    </a:p>
+                  </a:txBody>
+                  <a:tcPr marL="9525" marR="9525" marT="9525" marB="9525" anchor="ctr" horzOverflow="overflow"/>
+                </a:tc>
+                <a:tc>
+                  <a:txBody>
+                    <a:bodyPr/>
+                    <a:lstStyle/>
+                    <a:p>
+                      <a:pPr>
+                        <a:defRPr>
+                          <a:solidFill>
+                            <a:srgbClr val="000000"/>
+                          </a:solidFill>
+                        </a:defRPr>
+                      </a:pPr>
+                      <a:r>
+                        <a:rPr>
+                          <a:solidFill>
+                            <a:srgbClr val="606060"/>
+                          </a:solidFill>
+                          <a:latin typeface="Arial Unicode MS"/>
+                          <a:ea typeface="Arial Unicode MS"/>
+                          <a:cs typeface="Arial Unicode MS"/>
+                          <a:sym typeface="Arial Unicode MS"/>
                         </a:rPr>
                         <a:t>105.09</a:t>
                       </a:r>
-                      <a:endParaRPr lang="en-US" sz="1800" b="0" i="0" u="none" strike="noStrike">
-                        <a:solidFill>
-                          <a:srgbClr val="000000"/>
-                        </a:solidFill>
-                        <a:effectLst/>
-                        <a:latin typeface="Arial Unicode MS" panose="020B0604020202020204" pitchFamily="34" charset="-128"/>
-                        <a:ea typeface="Arial Unicode MS" panose="020B0604020202020204" pitchFamily="34" charset="-128"/>
-                        <a:cs typeface="Arial Unicode MS" panose="020B0604020202020204" pitchFamily="34" charset="-128"/>
-                      </a:endParaRPr>
-                    </a:p>
-                  </a:txBody>
-                  <a:tcPr marL="9525" marR="9525" marT="9525" marB="0" anchor="ctr"/>
-                </a:tc>
-                <a:tc>
-                  <a:txBody>
-                    <a:bodyPr/>
-                    <a:lstStyle/>
-                    <a:p>
-                      <a:pPr algn="ctr" fontAlgn="b"/>
-                      <a:r>
-                        <a:rPr lang="en-US" sz="1800" b="0" i="0" u="none" strike="noStrike" dirty="0">
-                          <a:effectLst/>
-                          <a:latin typeface="Arial Unicode MS" panose="020B0604020202020204" pitchFamily="34" charset="-128"/>
-                          <a:ea typeface="Arial Unicode MS" panose="020B0604020202020204" pitchFamily="34" charset="-128"/>
-                          <a:cs typeface="Arial Unicode MS" panose="020B0604020202020204" pitchFamily="34" charset="-128"/>
+                    </a:p>
+                  </a:txBody>
+                  <a:tcPr marL="9525" marR="9525" marT="9525" marB="9525" anchor="ctr" horzOverflow="overflow"/>
+                </a:tc>
+                <a:tc>
+                  <a:txBody>
+                    <a:bodyPr/>
+                    <a:lstStyle/>
+                    <a:p>
+                      <a:pPr>
+                        <a:defRPr>
+                          <a:solidFill>
+                            <a:srgbClr val="000000"/>
+                          </a:solidFill>
+                        </a:defRPr>
+                      </a:pPr>
+                      <a:r>
+                        <a:rPr>
+                          <a:solidFill>
+                            <a:srgbClr val="606060"/>
+                          </a:solidFill>
+                          <a:latin typeface="Arial Unicode MS"/>
+                          <a:ea typeface="Arial Unicode MS"/>
+                          <a:cs typeface="Arial Unicode MS"/>
+                          <a:sym typeface="Arial Unicode MS"/>
                         </a:rPr>
                         <a:t>1192.77</a:t>
                       </a:r>
-                      <a:endParaRPr lang="en-US" sz="1800" b="0" i="0" u="none" strike="noStrike" dirty="0">
-                        <a:solidFill>
-                          <a:srgbClr val="000000"/>
-                        </a:solidFill>
-                        <a:effectLst/>
-                        <a:latin typeface="Arial Unicode MS" panose="020B0604020202020204" pitchFamily="34" charset="-128"/>
-                        <a:ea typeface="Arial Unicode MS" panose="020B0604020202020204" pitchFamily="34" charset="-128"/>
-                        <a:cs typeface="Arial Unicode MS" panose="020B0604020202020204" pitchFamily="34" charset="-128"/>
-                      </a:endParaRPr>
-                    </a:p>
-                  </a:txBody>
-                  <a:tcPr marL="9525" marR="9525" marT="9525" marB="0" anchor="ctr"/>
+                    </a:p>
+                  </a:txBody>
+                  <a:tcPr marL="9525" marR="9525" marT="9525" marB="9525" anchor="ctr" horzOverflow="overflow"/>
                 </a:tc>
                 <a:extLst>
                   <a:ext uri="{0D108BD9-81ED-4DB2-BD59-A6C34878D82A}">
-                    <a16:rowId xmlns:a16="http://schemas.microsoft.com/office/drawing/2014/main" val="3355506650"/>
+                    <a16:rowId xmlns:a16="http://schemas.microsoft.com/office/drawing/2014/main" val="10017"/>
                   </a:ext>
                 </a:extLst>
               </a:tr>
@@ -7485,144 +7406,144 @@
                     <a:bodyPr/>
                     <a:lstStyle/>
                     <a:p>
-                      <a:pPr algn="ctr" fontAlgn="b"/>
-                      <a:r>
-                        <a:rPr lang="en-US" sz="1800" b="0" i="0" u="none" strike="noStrike">
-                          <a:effectLst/>
-                          <a:latin typeface="Arial Unicode MS" panose="020B0604020202020204" pitchFamily="34" charset="-128"/>
-                          <a:ea typeface="Arial Unicode MS" panose="020B0604020202020204" pitchFamily="34" charset="-128"/>
-                          <a:cs typeface="Arial Unicode MS" panose="020B0604020202020204" pitchFamily="34" charset="-128"/>
+                      <a:pPr>
+                        <a:defRPr>
+                          <a:solidFill>
+                            <a:srgbClr val="000000"/>
+                          </a:solidFill>
+                        </a:defRPr>
+                      </a:pPr>
+                      <a:r>
+                        <a:rPr>
+                          <a:solidFill>
+                            <a:srgbClr val="606060"/>
+                          </a:solidFill>
+                          <a:latin typeface="Arial Unicode MS"/>
+                          <a:ea typeface="Arial Unicode MS"/>
+                          <a:cs typeface="Arial Unicode MS"/>
+                          <a:sym typeface="Arial Unicode MS"/>
                         </a:rPr>
                         <a:t>80</a:t>
                       </a:r>
-                      <a:endParaRPr lang="en-US" sz="1800" b="0" i="0" u="none" strike="noStrike">
-                        <a:solidFill>
-                          <a:srgbClr val="000000"/>
-                        </a:solidFill>
-                        <a:effectLst/>
-                        <a:latin typeface="Arial Unicode MS" panose="020B0604020202020204" pitchFamily="34" charset="-128"/>
-                        <a:ea typeface="Arial Unicode MS" panose="020B0604020202020204" pitchFamily="34" charset="-128"/>
-                        <a:cs typeface="Arial Unicode MS" panose="020B0604020202020204" pitchFamily="34" charset="-128"/>
-                      </a:endParaRPr>
-                    </a:p>
-                  </a:txBody>
-                  <a:tcPr marL="9525" marR="9525" marT="9525" marB="0" anchor="ctr"/>
-                </a:tc>
-                <a:tc>
-                  <a:txBody>
-                    <a:bodyPr/>
-                    <a:lstStyle/>
-                    <a:p>
-                      <a:pPr algn="ctr" fontAlgn="b"/>
-                      <a:r>
-                        <a:rPr lang="en-US" sz="1800" b="0" i="0" u="none" strike="noStrike">
-                          <a:effectLst/>
-                          <a:latin typeface="Arial Unicode MS" panose="020B0604020202020204" pitchFamily="34" charset="-128"/>
-                          <a:ea typeface="Arial Unicode MS" panose="020B0604020202020204" pitchFamily="34" charset="-128"/>
-                          <a:cs typeface="Arial Unicode MS" panose="020B0604020202020204" pitchFamily="34" charset="-128"/>
+                    </a:p>
+                  </a:txBody>
+                  <a:tcPr marL="9525" marR="9525" marT="9525" marB="9525" anchor="ctr" horzOverflow="overflow"/>
+                </a:tc>
+                <a:tc>
+                  <a:txBody>
+                    <a:bodyPr/>
+                    <a:lstStyle/>
+                    <a:p>
+                      <a:pPr>
+                        <a:defRPr>
+                          <a:solidFill>
+                            <a:srgbClr val="000000"/>
+                          </a:solidFill>
+                        </a:defRPr>
+                      </a:pPr>
+                      <a:r>
+                        <a:rPr>
+                          <a:solidFill>
+                            <a:srgbClr val="606060"/>
+                          </a:solidFill>
+                          <a:latin typeface="Arial Unicode MS"/>
+                          <a:ea typeface="Arial Unicode MS"/>
+                          <a:cs typeface="Arial Unicode MS"/>
+                          <a:sym typeface="Arial Unicode MS"/>
                         </a:rPr>
                         <a:t>80</a:t>
                       </a:r>
-                      <a:endParaRPr lang="en-US" sz="1800" b="0" i="0" u="none" strike="noStrike">
-                        <a:solidFill>
-                          <a:srgbClr val="000000"/>
-                        </a:solidFill>
-                        <a:effectLst/>
-                        <a:latin typeface="Arial Unicode MS" panose="020B0604020202020204" pitchFamily="34" charset="-128"/>
-                        <a:ea typeface="Arial Unicode MS" panose="020B0604020202020204" pitchFamily="34" charset="-128"/>
-                        <a:cs typeface="Arial Unicode MS" panose="020B0604020202020204" pitchFamily="34" charset="-128"/>
-                      </a:endParaRPr>
-                    </a:p>
-                  </a:txBody>
-                  <a:tcPr marL="9525" marR="9525" marT="9525" marB="0" anchor="ctr"/>
-                </a:tc>
-                <a:tc>
-                  <a:txBody>
-                    <a:bodyPr/>
-                    <a:lstStyle/>
-                    <a:p>
-                      <a:pPr algn="ctr" fontAlgn="b"/>
-                      <a:r>
-                        <a:rPr lang="en-US" sz="1800" b="0" i="0" u="none" strike="noStrike">
-                          <a:effectLst/>
-                          <a:latin typeface="Arial Unicode MS" panose="020B0604020202020204" pitchFamily="34" charset="-128"/>
-                          <a:ea typeface="Arial Unicode MS" panose="020B0604020202020204" pitchFamily="34" charset="-128"/>
-                          <a:cs typeface="Arial Unicode MS" panose="020B0604020202020204" pitchFamily="34" charset="-128"/>
+                    </a:p>
+                  </a:txBody>
+                  <a:tcPr marL="9525" marR="9525" marT="9525" marB="9525" anchor="ctr" horzOverflow="overflow"/>
+                </a:tc>
+                <a:tc>
+                  <a:txBody>
+                    <a:bodyPr/>
+                    <a:lstStyle/>
+                    <a:p>
+                      <a:pPr>
+                        <a:defRPr>
+                          <a:solidFill>
+                            <a:srgbClr val="000000"/>
+                          </a:solidFill>
+                        </a:defRPr>
+                      </a:pPr>
+                      <a:r>
+                        <a:rPr>
+                          <a:solidFill>
+                            <a:srgbClr val="606060"/>
+                          </a:solidFill>
+                          <a:latin typeface="Arial Unicode MS"/>
+                          <a:ea typeface="Arial Unicode MS"/>
+                          <a:cs typeface="Arial Unicode MS"/>
+                          <a:sym typeface="Arial Unicode MS"/>
                         </a:rPr>
                         <a:t>300</a:t>
                       </a:r>
-                      <a:endParaRPr lang="en-US" sz="1800" b="0" i="0" u="none" strike="noStrike">
-                        <a:solidFill>
-                          <a:srgbClr val="000000"/>
-                        </a:solidFill>
-                        <a:effectLst/>
-                        <a:latin typeface="Arial Unicode MS" panose="020B0604020202020204" pitchFamily="34" charset="-128"/>
-                        <a:ea typeface="Arial Unicode MS" panose="020B0604020202020204" pitchFamily="34" charset="-128"/>
-                        <a:cs typeface="Arial Unicode MS" panose="020B0604020202020204" pitchFamily="34" charset="-128"/>
-                      </a:endParaRPr>
-                    </a:p>
-                  </a:txBody>
-                  <a:tcPr marL="9525" marR="9525" marT="9525" marB="0" anchor="ctr"/>
-                </a:tc>
-                <a:tc>
-                  <a:txBody>
-                    <a:bodyPr/>
-                    <a:lstStyle/>
-                    <a:p>
-                      <a:pPr algn="ctr" fontAlgn="b"/>
-                      <a:r>
-                        <a:rPr lang="en-US" sz="1800" b="0" i="0" u="none" strike="noStrike">
-                          <a:effectLst/>
-                          <a:latin typeface="Arial Unicode MS" panose="020B0604020202020204" pitchFamily="34" charset="-128"/>
-                          <a:ea typeface="Arial Unicode MS" panose="020B0604020202020204" pitchFamily="34" charset="-128"/>
-                          <a:cs typeface="Arial Unicode MS" panose="020B0604020202020204" pitchFamily="34" charset="-128"/>
+                    </a:p>
+                  </a:txBody>
+                  <a:tcPr marL="9525" marR="9525" marT="9525" marB="9525" anchor="ctr" horzOverflow="overflow"/>
+                </a:tc>
+                <a:tc>
+                  <a:txBody>
+                    <a:bodyPr/>
+                    <a:lstStyle/>
+                    <a:p>
+                      <a:pPr>
+                        <a:defRPr>
+                          <a:solidFill>
+                            <a:srgbClr val="000000"/>
+                          </a:solidFill>
+                        </a:defRPr>
+                      </a:pPr>
+                      <a:r>
+                        <a:rPr>
+                          <a:solidFill>
+                            <a:srgbClr val="606060"/>
+                          </a:solidFill>
+                          <a:latin typeface="Arial Unicode MS"/>
+                          <a:ea typeface="Arial Unicode MS"/>
+                          <a:cs typeface="Arial Unicode MS"/>
+                          <a:sym typeface="Arial Unicode MS"/>
                         </a:rPr>
                         <a:t>152.75</a:t>
                       </a:r>
-                      <a:endParaRPr lang="en-US" sz="1800" b="0" i="0" u="none" strike="noStrike">
-                        <a:solidFill>
-                          <a:srgbClr val="000000"/>
-                        </a:solidFill>
-                        <a:effectLst/>
-                        <a:latin typeface="Arial Unicode MS" panose="020B0604020202020204" pitchFamily="34" charset="-128"/>
-                        <a:ea typeface="Arial Unicode MS" panose="020B0604020202020204" pitchFamily="34" charset="-128"/>
-                        <a:cs typeface="Arial Unicode MS" panose="020B0604020202020204" pitchFamily="34" charset="-128"/>
-                      </a:endParaRPr>
-                    </a:p>
-                  </a:txBody>
-                  <a:tcPr marL="9525" marR="9525" marT="9525" marB="0" anchor="ctr"/>
-                </a:tc>
-                <a:tc>
-                  <a:txBody>
-                    <a:bodyPr/>
-                    <a:lstStyle/>
-                    <a:p>
-                      <a:pPr algn="ctr" fontAlgn="b"/>
-                      <a:r>
-                        <a:rPr lang="en-US" sz="1800" b="0" i="0" u="none" strike="noStrike" dirty="0">
-                          <a:effectLst/>
-                          <a:latin typeface="Arial Unicode MS" panose="020B0604020202020204" pitchFamily="34" charset="-128"/>
-                          <a:ea typeface="Arial Unicode MS" panose="020B0604020202020204" pitchFamily="34" charset="-128"/>
-                          <a:cs typeface="Arial Unicode MS" panose="020B0604020202020204" pitchFamily="34" charset="-128"/>
+                    </a:p>
+                  </a:txBody>
+                  <a:tcPr marL="9525" marR="9525" marT="9525" marB="9525" anchor="ctr" horzOverflow="overflow"/>
+                </a:tc>
+                <a:tc>
+                  <a:txBody>
+                    <a:bodyPr/>
+                    <a:lstStyle/>
+                    <a:p>
+                      <a:pPr>
+                        <a:defRPr>
+                          <a:solidFill>
+                            <a:srgbClr val="000000"/>
+                          </a:solidFill>
+                        </a:defRPr>
+                      </a:pPr>
+                      <a:r>
+                        <a:rPr>
+                          <a:solidFill>
+                            <a:srgbClr val="606060"/>
+                          </a:solidFill>
+                          <a:latin typeface="Arial Unicode MS"/>
+                          <a:ea typeface="Arial Unicode MS"/>
+                          <a:cs typeface="Arial Unicode MS"/>
+                          <a:sym typeface="Arial Unicode MS"/>
                         </a:rPr>
                         <a:t>1176.00</a:t>
                       </a:r>
-                      <a:endParaRPr lang="en-US" sz="1800" b="0" i="0" u="none" strike="noStrike" dirty="0">
-                        <a:solidFill>
-                          <a:srgbClr val="000000"/>
-                        </a:solidFill>
-                        <a:effectLst/>
-                        <a:latin typeface="Arial Unicode MS" panose="020B0604020202020204" pitchFamily="34" charset="-128"/>
-                        <a:ea typeface="Arial Unicode MS" panose="020B0604020202020204" pitchFamily="34" charset="-128"/>
-                        <a:cs typeface="Arial Unicode MS" panose="020B0604020202020204" pitchFamily="34" charset="-128"/>
-                      </a:endParaRPr>
-                    </a:p>
-                  </a:txBody>
-                  <a:tcPr marL="9525" marR="9525" marT="9525" marB="0" anchor="ctr"/>
+                    </a:p>
+                  </a:txBody>
+                  <a:tcPr marL="9525" marR="9525" marT="9525" marB="9525" anchor="ctr" horzOverflow="overflow"/>
                 </a:tc>
                 <a:extLst>
                   <a:ext uri="{0D108BD9-81ED-4DB2-BD59-A6C34878D82A}">
-                    <a16:rowId xmlns:a16="http://schemas.microsoft.com/office/drawing/2014/main" val="1913712822"/>
+                    <a16:rowId xmlns:a16="http://schemas.microsoft.com/office/drawing/2014/main" val="10018"/>
                   </a:ext>
                 </a:extLst>
               </a:tr>
@@ -7632,144 +7553,144 @@
                     <a:bodyPr/>
                     <a:lstStyle/>
                     <a:p>
-                      <a:pPr algn="ctr" fontAlgn="b"/>
-                      <a:r>
-                        <a:rPr lang="en-US" sz="1800" b="0" i="0" u="none" strike="noStrike">
-                          <a:effectLst/>
-                          <a:latin typeface="Arial Unicode MS" panose="020B0604020202020204" pitchFamily="34" charset="-128"/>
-                          <a:ea typeface="Arial Unicode MS" panose="020B0604020202020204" pitchFamily="34" charset="-128"/>
-                          <a:cs typeface="Arial Unicode MS" panose="020B0604020202020204" pitchFamily="34" charset="-128"/>
+                      <a:pPr>
+                        <a:defRPr>
+                          <a:solidFill>
+                            <a:srgbClr val="000000"/>
+                          </a:solidFill>
+                        </a:defRPr>
+                      </a:pPr>
+                      <a:r>
+                        <a:rPr>
+                          <a:solidFill>
+                            <a:srgbClr val="606060"/>
+                          </a:solidFill>
+                          <a:latin typeface="Arial Unicode MS"/>
+                          <a:ea typeface="Arial Unicode MS"/>
+                          <a:cs typeface="Arial Unicode MS"/>
+                          <a:sym typeface="Arial Unicode MS"/>
                         </a:rPr>
                         <a:t>80</a:t>
                       </a:r>
-                      <a:endParaRPr lang="en-US" sz="1800" b="0" i="0" u="none" strike="noStrike">
-                        <a:solidFill>
-                          <a:srgbClr val="000000"/>
-                        </a:solidFill>
-                        <a:effectLst/>
-                        <a:latin typeface="Arial Unicode MS" panose="020B0604020202020204" pitchFamily="34" charset="-128"/>
-                        <a:ea typeface="Arial Unicode MS" panose="020B0604020202020204" pitchFamily="34" charset="-128"/>
-                        <a:cs typeface="Arial Unicode MS" panose="020B0604020202020204" pitchFamily="34" charset="-128"/>
-                      </a:endParaRPr>
-                    </a:p>
-                  </a:txBody>
-                  <a:tcPr marL="9525" marR="9525" marT="9525" marB="0" anchor="ctr"/>
-                </a:tc>
-                <a:tc>
-                  <a:txBody>
-                    <a:bodyPr/>
-                    <a:lstStyle/>
-                    <a:p>
-                      <a:pPr algn="ctr" fontAlgn="b"/>
-                      <a:r>
-                        <a:rPr lang="en-US" sz="1800" b="0" i="0" u="none" strike="noStrike">
-                          <a:effectLst/>
-                          <a:latin typeface="Arial Unicode MS" panose="020B0604020202020204" pitchFamily="34" charset="-128"/>
-                          <a:ea typeface="Arial Unicode MS" panose="020B0604020202020204" pitchFamily="34" charset="-128"/>
-                          <a:cs typeface="Arial Unicode MS" panose="020B0604020202020204" pitchFamily="34" charset="-128"/>
+                    </a:p>
+                  </a:txBody>
+                  <a:tcPr marL="9525" marR="9525" marT="9525" marB="9525" anchor="ctr" horzOverflow="overflow"/>
+                </a:tc>
+                <a:tc>
+                  <a:txBody>
+                    <a:bodyPr/>
+                    <a:lstStyle/>
+                    <a:p>
+                      <a:pPr>
+                        <a:defRPr>
+                          <a:solidFill>
+                            <a:srgbClr val="000000"/>
+                          </a:solidFill>
+                        </a:defRPr>
+                      </a:pPr>
+                      <a:r>
+                        <a:rPr>
+                          <a:solidFill>
+                            <a:srgbClr val="606060"/>
+                          </a:solidFill>
+                          <a:latin typeface="Arial Unicode MS"/>
+                          <a:ea typeface="Arial Unicode MS"/>
+                          <a:cs typeface="Arial Unicode MS"/>
+                          <a:sym typeface="Arial Unicode MS"/>
                         </a:rPr>
                         <a:t>160</a:t>
                       </a:r>
-                      <a:endParaRPr lang="en-US" sz="1800" b="0" i="0" u="none" strike="noStrike">
-                        <a:solidFill>
-                          <a:srgbClr val="000000"/>
-                        </a:solidFill>
-                        <a:effectLst/>
-                        <a:latin typeface="Arial Unicode MS" panose="020B0604020202020204" pitchFamily="34" charset="-128"/>
-                        <a:ea typeface="Arial Unicode MS" panose="020B0604020202020204" pitchFamily="34" charset="-128"/>
-                        <a:cs typeface="Arial Unicode MS" panose="020B0604020202020204" pitchFamily="34" charset="-128"/>
-                      </a:endParaRPr>
-                    </a:p>
-                  </a:txBody>
-                  <a:tcPr marL="9525" marR="9525" marT="9525" marB="0" anchor="ctr"/>
-                </a:tc>
-                <a:tc>
-                  <a:txBody>
-                    <a:bodyPr/>
-                    <a:lstStyle/>
-                    <a:p>
-                      <a:pPr algn="ctr" fontAlgn="b"/>
-                      <a:r>
-                        <a:rPr lang="en-US" sz="1800" b="0" i="0" u="none" strike="noStrike">
-                          <a:effectLst/>
-                          <a:latin typeface="Arial Unicode MS" panose="020B0604020202020204" pitchFamily="34" charset="-128"/>
-                          <a:ea typeface="Arial Unicode MS" panose="020B0604020202020204" pitchFamily="34" charset="-128"/>
-                          <a:cs typeface="Arial Unicode MS" panose="020B0604020202020204" pitchFamily="34" charset="-128"/>
+                    </a:p>
+                  </a:txBody>
+                  <a:tcPr marL="9525" marR="9525" marT="9525" marB="9525" anchor="ctr" horzOverflow="overflow"/>
+                </a:tc>
+                <a:tc>
+                  <a:txBody>
+                    <a:bodyPr/>
+                    <a:lstStyle/>
+                    <a:p>
+                      <a:pPr>
+                        <a:defRPr>
+                          <a:solidFill>
+                            <a:srgbClr val="000000"/>
+                          </a:solidFill>
+                        </a:defRPr>
+                      </a:pPr>
+                      <a:r>
+                        <a:rPr>
+                          <a:solidFill>
+                            <a:srgbClr val="606060"/>
+                          </a:solidFill>
+                          <a:latin typeface="Arial Unicode MS"/>
+                          <a:ea typeface="Arial Unicode MS"/>
+                          <a:cs typeface="Arial Unicode MS"/>
+                          <a:sym typeface="Arial Unicode MS"/>
                         </a:rPr>
                         <a:t>300</a:t>
                       </a:r>
-                      <a:endParaRPr lang="en-US" sz="1800" b="0" i="0" u="none" strike="noStrike">
-                        <a:solidFill>
-                          <a:srgbClr val="000000"/>
-                        </a:solidFill>
-                        <a:effectLst/>
-                        <a:latin typeface="Arial Unicode MS" panose="020B0604020202020204" pitchFamily="34" charset="-128"/>
-                        <a:ea typeface="Arial Unicode MS" panose="020B0604020202020204" pitchFamily="34" charset="-128"/>
-                        <a:cs typeface="Arial Unicode MS" panose="020B0604020202020204" pitchFamily="34" charset="-128"/>
-                      </a:endParaRPr>
-                    </a:p>
-                  </a:txBody>
-                  <a:tcPr marL="9525" marR="9525" marT="9525" marB="0" anchor="ctr"/>
-                </a:tc>
-                <a:tc>
-                  <a:txBody>
-                    <a:bodyPr/>
-                    <a:lstStyle/>
-                    <a:p>
-                      <a:pPr algn="ctr" fontAlgn="b"/>
-                      <a:r>
-                        <a:rPr lang="en-US" sz="1800" b="0" i="0" u="none" strike="noStrike" dirty="0">
-                          <a:effectLst/>
-                          <a:latin typeface="Arial Unicode MS" panose="020B0604020202020204" pitchFamily="34" charset="-128"/>
-                          <a:ea typeface="Arial Unicode MS" panose="020B0604020202020204" pitchFamily="34" charset="-128"/>
-                          <a:cs typeface="Arial Unicode MS" panose="020B0604020202020204" pitchFamily="34" charset="-128"/>
+                    </a:p>
+                  </a:txBody>
+                  <a:tcPr marL="9525" marR="9525" marT="9525" marB="9525" anchor="ctr" horzOverflow="overflow"/>
+                </a:tc>
+                <a:tc>
+                  <a:txBody>
+                    <a:bodyPr/>
+                    <a:lstStyle/>
+                    <a:p>
+                      <a:pPr>
+                        <a:defRPr>
+                          <a:solidFill>
+                            <a:srgbClr val="000000"/>
+                          </a:solidFill>
+                        </a:defRPr>
+                      </a:pPr>
+                      <a:r>
+                        <a:rPr>
+                          <a:solidFill>
+                            <a:srgbClr val="606060"/>
+                          </a:solidFill>
+                          <a:latin typeface="Arial Unicode MS"/>
+                          <a:ea typeface="Arial Unicode MS"/>
+                          <a:cs typeface="Arial Unicode MS"/>
+                          <a:sym typeface="Arial Unicode MS"/>
                         </a:rPr>
                         <a:t>190.88</a:t>
                       </a:r>
-                      <a:endParaRPr lang="en-US" sz="1800" b="0" i="0" u="none" strike="noStrike" dirty="0">
-                        <a:solidFill>
-                          <a:srgbClr val="000000"/>
-                        </a:solidFill>
-                        <a:effectLst/>
-                        <a:latin typeface="Arial Unicode MS" panose="020B0604020202020204" pitchFamily="34" charset="-128"/>
-                        <a:ea typeface="Arial Unicode MS" panose="020B0604020202020204" pitchFamily="34" charset="-128"/>
-                        <a:cs typeface="Arial Unicode MS" panose="020B0604020202020204" pitchFamily="34" charset="-128"/>
-                      </a:endParaRPr>
-                    </a:p>
-                  </a:txBody>
-                  <a:tcPr marL="9525" marR="9525" marT="9525" marB="0" anchor="ctr"/>
-                </a:tc>
-                <a:tc>
-                  <a:txBody>
-                    <a:bodyPr/>
-                    <a:lstStyle/>
-                    <a:p>
-                      <a:pPr algn="ctr" fontAlgn="b"/>
-                      <a:r>
-                        <a:rPr lang="en-US" sz="1800" b="0" i="0" u="none" strike="noStrike" dirty="0">
-                          <a:effectLst/>
-                          <a:latin typeface="Arial Unicode MS" panose="020B0604020202020204" pitchFamily="34" charset="-128"/>
-                          <a:ea typeface="Arial Unicode MS" panose="020B0604020202020204" pitchFamily="34" charset="-128"/>
-                          <a:cs typeface="Arial Unicode MS" panose="020B0604020202020204" pitchFamily="34" charset="-128"/>
+                    </a:p>
+                  </a:txBody>
+                  <a:tcPr marL="9525" marR="9525" marT="9525" marB="9525" anchor="ctr" horzOverflow="overflow"/>
+                </a:tc>
+                <a:tc>
+                  <a:txBody>
+                    <a:bodyPr/>
+                    <a:lstStyle/>
+                    <a:p>
+                      <a:pPr>
+                        <a:defRPr>
+                          <a:solidFill>
+                            <a:srgbClr val="000000"/>
+                          </a:solidFill>
+                        </a:defRPr>
+                      </a:pPr>
+                      <a:r>
+                        <a:rPr>
+                          <a:solidFill>
+                            <a:srgbClr val="606060"/>
+                          </a:solidFill>
+                          <a:latin typeface="Arial Unicode MS"/>
+                          <a:ea typeface="Arial Unicode MS"/>
+                          <a:cs typeface="Arial Unicode MS"/>
+                          <a:sym typeface="Arial Unicode MS"/>
                         </a:rPr>
                         <a:t>1232.12</a:t>
                       </a:r>
-                      <a:endParaRPr lang="en-US" sz="1800" b="0" i="0" u="none" strike="noStrike" dirty="0">
-                        <a:solidFill>
-                          <a:srgbClr val="000000"/>
-                        </a:solidFill>
-                        <a:effectLst/>
-                        <a:latin typeface="Arial Unicode MS" panose="020B0604020202020204" pitchFamily="34" charset="-128"/>
-                        <a:ea typeface="Arial Unicode MS" panose="020B0604020202020204" pitchFamily="34" charset="-128"/>
-                        <a:cs typeface="Arial Unicode MS" panose="020B0604020202020204" pitchFamily="34" charset="-128"/>
-                      </a:endParaRPr>
-                    </a:p>
-                  </a:txBody>
-                  <a:tcPr marL="9525" marR="9525" marT="9525" marB="0" anchor="ctr"/>
+                    </a:p>
+                  </a:txBody>
+                  <a:tcPr marL="9525" marR="9525" marT="9525" marB="9525" anchor="ctr" horzOverflow="overflow"/>
                 </a:tc>
                 <a:extLst>
                   <a:ext uri="{0D108BD9-81ED-4DB2-BD59-A6C34878D82A}">
-                    <a16:rowId xmlns:a16="http://schemas.microsoft.com/office/drawing/2014/main" val="2550382111"/>
+                    <a16:rowId xmlns:a16="http://schemas.microsoft.com/office/drawing/2014/main" val="10019"/>
                   </a:ext>
                 </a:extLst>
               </a:tr>
@@ -7779,144 +7700,144 @@
                     <a:bodyPr/>
                     <a:lstStyle/>
                     <a:p>
-                      <a:pPr algn="ctr" fontAlgn="b"/>
-                      <a:r>
-                        <a:rPr lang="en-US" sz="1800" b="0" i="0" u="none" strike="noStrike">
-                          <a:effectLst/>
-                          <a:latin typeface="Arial Unicode MS" panose="020B0604020202020204" pitchFamily="34" charset="-128"/>
-                          <a:ea typeface="Arial Unicode MS" panose="020B0604020202020204" pitchFamily="34" charset="-128"/>
-                          <a:cs typeface="Arial Unicode MS" panose="020B0604020202020204" pitchFamily="34" charset="-128"/>
+                      <a:pPr>
+                        <a:defRPr>
+                          <a:solidFill>
+                            <a:srgbClr val="000000"/>
+                          </a:solidFill>
+                        </a:defRPr>
+                      </a:pPr>
+                      <a:r>
+                        <a:rPr>
+                          <a:solidFill>
+                            <a:srgbClr val="606060"/>
+                          </a:solidFill>
+                          <a:latin typeface="Arial Unicode MS"/>
+                          <a:ea typeface="Arial Unicode MS"/>
+                          <a:cs typeface="Arial Unicode MS"/>
+                          <a:sym typeface="Arial Unicode MS"/>
                         </a:rPr>
                         <a:t>80</a:t>
                       </a:r>
-                      <a:endParaRPr lang="en-US" sz="1800" b="0" i="0" u="none" strike="noStrike">
-                        <a:solidFill>
-                          <a:srgbClr val="000000"/>
-                        </a:solidFill>
-                        <a:effectLst/>
-                        <a:latin typeface="Arial Unicode MS" panose="020B0604020202020204" pitchFamily="34" charset="-128"/>
-                        <a:ea typeface="Arial Unicode MS" panose="020B0604020202020204" pitchFamily="34" charset="-128"/>
-                        <a:cs typeface="Arial Unicode MS" panose="020B0604020202020204" pitchFamily="34" charset="-128"/>
-                      </a:endParaRPr>
-                    </a:p>
-                  </a:txBody>
-                  <a:tcPr marL="9525" marR="9525" marT="9525" marB="0" anchor="ctr"/>
-                </a:tc>
-                <a:tc>
-                  <a:txBody>
-                    <a:bodyPr/>
-                    <a:lstStyle/>
-                    <a:p>
-                      <a:pPr algn="ctr" fontAlgn="b"/>
-                      <a:r>
-                        <a:rPr lang="en-US" sz="1800" b="0" i="0" u="none" strike="noStrike">
-                          <a:effectLst/>
-                          <a:latin typeface="Arial Unicode MS" panose="020B0604020202020204" pitchFamily="34" charset="-128"/>
-                          <a:ea typeface="Arial Unicode MS" panose="020B0604020202020204" pitchFamily="34" charset="-128"/>
-                          <a:cs typeface="Arial Unicode MS" panose="020B0604020202020204" pitchFamily="34" charset="-128"/>
+                    </a:p>
+                  </a:txBody>
+                  <a:tcPr marL="9525" marR="9525" marT="9525" marB="9525" anchor="ctr" horzOverflow="overflow"/>
+                </a:tc>
+                <a:tc>
+                  <a:txBody>
+                    <a:bodyPr/>
+                    <a:lstStyle/>
+                    <a:p>
+                      <a:pPr>
+                        <a:defRPr>
+                          <a:solidFill>
+                            <a:srgbClr val="000000"/>
+                          </a:solidFill>
+                        </a:defRPr>
+                      </a:pPr>
+                      <a:r>
+                        <a:rPr>
+                          <a:solidFill>
+                            <a:srgbClr val="606060"/>
+                          </a:solidFill>
+                          <a:latin typeface="Arial Unicode MS"/>
+                          <a:ea typeface="Arial Unicode MS"/>
+                          <a:cs typeface="Arial Unicode MS"/>
+                          <a:sym typeface="Arial Unicode MS"/>
                         </a:rPr>
                         <a:t>320</a:t>
                       </a:r>
-                      <a:endParaRPr lang="en-US" sz="1800" b="0" i="0" u="none" strike="noStrike">
-                        <a:solidFill>
-                          <a:srgbClr val="000000"/>
-                        </a:solidFill>
-                        <a:effectLst/>
-                        <a:latin typeface="Arial Unicode MS" panose="020B0604020202020204" pitchFamily="34" charset="-128"/>
-                        <a:ea typeface="Arial Unicode MS" panose="020B0604020202020204" pitchFamily="34" charset="-128"/>
-                        <a:cs typeface="Arial Unicode MS" panose="020B0604020202020204" pitchFamily="34" charset="-128"/>
-                      </a:endParaRPr>
-                    </a:p>
-                  </a:txBody>
-                  <a:tcPr marL="9525" marR="9525" marT="9525" marB="0" anchor="ctr"/>
-                </a:tc>
-                <a:tc>
-                  <a:txBody>
-                    <a:bodyPr/>
-                    <a:lstStyle/>
-                    <a:p>
-                      <a:pPr algn="ctr" fontAlgn="b"/>
-                      <a:r>
-                        <a:rPr lang="en-US" sz="1800" b="0" i="0" u="none" strike="noStrike">
-                          <a:effectLst/>
-                          <a:latin typeface="Arial Unicode MS" panose="020B0604020202020204" pitchFamily="34" charset="-128"/>
-                          <a:ea typeface="Arial Unicode MS" panose="020B0604020202020204" pitchFamily="34" charset="-128"/>
-                          <a:cs typeface="Arial Unicode MS" panose="020B0604020202020204" pitchFamily="34" charset="-128"/>
+                    </a:p>
+                  </a:txBody>
+                  <a:tcPr marL="9525" marR="9525" marT="9525" marB="9525" anchor="ctr" horzOverflow="overflow"/>
+                </a:tc>
+                <a:tc>
+                  <a:txBody>
+                    <a:bodyPr/>
+                    <a:lstStyle/>
+                    <a:p>
+                      <a:pPr>
+                        <a:defRPr>
+                          <a:solidFill>
+                            <a:srgbClr val="000000"/>
+                          </a:solidFill>
+                        </a:defRPr>
+                      </a:pPr>
+                      <a:r>
+                        <a:rPr>
+                          <a:solidFill>
+                            <a:srgbClr val="606060"/>
+                          </a:solidFill>
+                          <a:latin typeface="Arial Unicode MS"/>
+                          <a:ea typeface="Arial Unicode MS"/>
+                          <a:cs typeface="Arial Unicode MS"/>
+                          <a:sym typeface="Arial Unicode MS"/>
                         </a:rPr>
                         <a:t>300</a:t>
                       </a:r>
-                      <a:endParaRPr lang="en-US" sz="1800" b="0" i="0" u="none" strike="noStrike">
-                        <a:solidFill>
-                          <a:srgbClr val="000000"/>
-                        </a:solidFill>
-                        <a:effectLst/>
-                        <a:latin typeface="Arial Unicode MS" panose="020B0604020202020204" pitchFamily="34" charset="-128"/>
-                        <a:ea typeface="Arial Unicode MS" panose="020B0604020202020204" pitchFamily="34" charset="-128"/>
-                        <a:cs typeface="Arial Unicode MS" panose="020B0604020202020204" pitchFamily="34" charset="-128"/>
-                      </a:endParaRPr>
-                    </a:p>
-                  </a:txBody>
-                  <a:tcPr marL="9525" marR="9525" marT="9525" marB="0" anchor="ctr"/>
-                </a:tc>
-                <a:tc>
-                  <a:txBody>
-                    <a:bodyPr/>
-                    <a:lstStyle/>
-                    <a:p>
-                      <a:pPr algn="ctr" fontAlgn="b"/>
-                      <a:r>
-                        <a:rPr lang="en-US" sz="1800" b="0" i="0" u="none" strike="noStrike" dirty="0">
-                          <a:effectLst/>
-                          <a:latin typeface="Arial Unicode MS" panose="020B0604020202020204" pitchFamily="34" charset="-128"/>
-                          <a:ea typeface="Arial Unicode MS" panose="020B0604020202020204" pitchFamily="34" charset="-128"/>
-                          <a:cs typeface="Arial Unicode MS" panose="020B0604020202020204" pitchFamily="34" charset="-128"/>
+                    </a:p>
+                  </a:txBody>
+                  <a:tcPr marL="9525" marR="9525" marT="9525" marB="9525" anchor="ctr" horzOverflow="overflow"/>
+                </a:tc>
+                <a:tc>
+                  <a:txBody>
+                    <a:bodyPr/>
+                    <a:lstStyle/>
+                    <a:p>
+                      <a:pPr>
+                        <a:defRPr>
+                          <a:solidFill>
+                            <a:srgbClr val="000000"/>
+                          </a:solidFill>
+                        </a:defRPr>
+                      </a:pPr>
+                      <a:r>
+                        <a:rPr>
+                          <a:solidFill>
+                            <a:srgbClr val="606060"/>
+                          </a:solidFill>
+                          <a:latin typeface="Arial Unicode MS"/>
+                          <a:ea typeface="Arial Unicode MS"/>
+                          <a:cs typeface="Arial Unicode MS"/>
+                          <a:sym typeface="Arial Unicode MS"/>
                         </a:rPr>
                         <a:t>116.50</a:t>
                       </a:r>
-                      <a:endParaRPr lang="en-US" sz="1800" b="0" i="0" u="none" strike="noStrike" dirty="0">
-                        <a:solidFill>
-                          <a:srgbClr val="000000"/>
-                        </a:solidFill>
-                        <a:effectLst/>
-                        <a:latin typeface="Arial Unicode MS" panose="020B0604020202020204" pitchFamily="34" charset="-128"/>
-                        <a:ea typeface="Arial Unicode MS" panose="020B0604020202020204" pitchFamily="34" charset="-128"/>
-                        <a:cs typeface="Arial Unicode MS" panose="020B0604020202020204" pitchFamily="34" charset="-128"/>
-                      </a:endParaRPr>
-                    </a:p>
-                  </a:txBody>
-                  <a:tcPr marL="9525" marR="9525" marT="9525" marB="0" anchor="ctr"/>
-                </a:tc>
-                <a:tc>
-                  <a:txBody>
-                    <a:bodyPr/>
-                    <a:lstStyle/>
-                    <a:p>
-                      <a:pPr algn="ctr" fontAlgn="b"/>
-                      <a:r>
-                        <a:rPr lang="en-US" sz="1800" b="0" i="0" u="none" strike="noStrike">
-                          <a:effectLst/>
-                          <a:latin typeface="Arial Unicode MS" panose="020B0604020202020204" pitchFamily="34" charset="-128"/>
-                          <a:ea typeface="Arial Unicode MS" panose="020B0604020202020204" pitchFamily="34" charset="-128"/>
-                          <a:cs typeface="Arial Unicode MS" panose="020B0604020202020204" pitchFamily="34" charset="-128"/>
+                    </a:p>
+                  </a:txBody>
+                  <a:tcPr marL="9525" marR="9525" marT="9525" marB="9525" anchor="ctr" horzOverflow="overflow"/>
+                </a:tc>
+                <a:tc>
+                  <a:txBody>
+                    <a:bodyPr/>
+                    <a:lstStyle/>
+                    <a:p>
+                      <a:pPr>
+                        <a:defRPr>
+                          <a:solidFill>
+                            <a:srgbClr val="000000"/>
+                          </a:solidFill>
+                        </a:defRPr>
+                      </a:pPr>
+                      <a:r>
+                        <a:rPr>
+                          <a:solidFill>
+                            <a:srgbClr val="606060"/>
+                          </a:solidFill>
+                          <a:latin typeface="Arial Unicode MS"/>
+                          <a:ea typeface="Arial Unicode MS"/>
+                          <a:cs typeface="Arial Unicode MS"/>
+                          <a:sym typeface="Arial Unicode MS"/>
                         </a:rPr>
                         <a:t>2210.51</a:t>
                       </a:r>
-                      <a:endParaRPr lang="en-US" sz="1800" b="0" i="0" u="none" strike="noStrike">
-                        <a:solidFill>
-                          <a:srgbClr val="000000"/>
-                        </a:solidFill>
-                        <a:effectLst/>
-                        <a:latin typeface="Arial Unicode MS" panose="020B0604020202020204" pitchFamily="34" charset="-128"/>
-                        <a:ea typeface="Arial Unicode MS" panose="020B0604020202020204" pitchFamily="34" charset="-128"/>
-                        <a:cs typeface="Arial Unicode MS" panose="020B0604020202020204" pitchFamily="34" charset="-128"/>
-                      </a:endParaRPr>
-                    </a:p>
-                  </a:txBody>
-                  <a:tcPr marL="9525" marR="9525" marT="9525" marB="0" anchor="ctr"/>
+                    </a:p>
+                  </a:txBody>
+                  <a:tcPr marL="9525" marR="9525" marT="9525" marB="9525" anchor="ctr" horzOverflow="overflow"/>
                 </a:tc>
                 <a:extLst>
                   <a:ext uri="{0D108BD9-81ED-4DB2-BD59-A6C34878D82A}">
-                    <a16:rowId xmlns:a16="http://schemas.microsoft.com/office/drawing/2014/main" val="1048408789"/>
+                    <a16:rowId xmlns:a16="http://schemas.microsoft.com/office/drawing/2014/main" val="10020"/>
                   </a:ext>
                 </a:extLst>
               </a:tr>
@@ -7926,144 +7847,144 @@
                     <a:bodyPr/>
                     <a:lstStyle/>
                     <a:p>
-                      <a:pPr algn="ctr" fontAlgn="b"/>
-                      <a:r>
-                        <a:rPr lang="en-US" sz="1800" b="0" i="0" u="none" strike="noStrike">
-                          <a:effectLst/>
-                          <a:latin typeface="Arial Unicode MS" panose="020B0604020202020204" pitchFamily="34" charset="-128"/>
-                          <a:ea typeface="Arial Unicode MS" panose="020B0604020202020204" pitchFamily="34" charset="-128"/>
-                          <a:cs typeface="Arial Unicode MS" panose="020B0604020202020204" pitchFamily="34" charset="-128"/>
+                      <a:pPr>
+                        <a:defRPr>
+                          <a:solidFill>
+                            <a:srgbClr val="000000"/>
+                          </a:solidFill>
+                        </a:defRPr>
+                      </a:pPr>
+                      <a:r>
+                        <a:rPr>
+                          <a:solidFill>
+                            <a:srgbClr val="606060"/>
+                          </a:solidFill>
+                          <a:latin typeface="Arial Unicode MS"/>
+                          <a:ea typeface="Arial Unicode MS"/>
+                          <a:cs typeface="Arial Unicode MS"/>
+                          <a:sym typeface="Arial Unicode MS"/>
                         </a:rPr>
                         <a:t>80</a:t>
                       </a:r>
-                      <a:endParaRPr lang="en-US" sz="1800" b="0" i="0" u="none" strike="noStrike">
-                        <a:solidFill>
-                          <a:srgbClr val="000000"/>
-                        </a:solidFill>
-                        <a:effectLst/>
-                        <a:latin typeface="Arial Unicode MS" panose="020B0604020202020204" pitchFamily="34" charset="-128"/>
-                        <a:ea typeface="Arial Unicode MS" panose="020B0604020202020204" pitchFamily="34" charset="-128"/>
-                        <a:cs typeface="Arial Unicode MS" panose="020B0604020202020204" pitchFamily="34" charset="-128"/>
-                      </a:endParaRPr>
-                    </a:p>
-                  </a:txBody>
-                  <a:tcPr marL="9525" marR="9525" marT="9525" marB="0" anchor="ctr"/>
-                </a:tc>
-                <a:tc>
-                  <a:txBody>
-                    <a:bodyPr/>
-                    <a:lstStyle/>
-                    <a:p>
-                      <a:pPr algn="ctr" fontAlgn="b"/>
-                      <a:r>
-                        <a:rPr lang="en-US" sz="1800" b="0" i="0" u="none" strike="noStrike">
-                          <a:effectLst/>
-                          <a:latin typeface="Arial Unicode MS" panose="020B0604020202020204" pitchFamily="34" charset="-128"/>
-                          <a:ea typeface="Arial Unicode MS" panose="020B0604020202020204" pitchFamily="34" charset="-128"/>
-                          <a:cs typeface="Arial Unicode MS" panose="020B0604020202020204" pitchFamily="34" charset="-128"/>
+                    </a:p>
+                  </a:txBody>
+                  <a:tcPr marL="9525" marR="9525" marT="9525" marB="9525" anchor="ctr" horzOverflow="overflow"/>
+                </a:tc>
+                <a:tc>
+                  <a:txBody>
+                    <a:bodyPr/>
+                    <a:lstStyle/>
+                    <a:p>
+                      <a:pPr>
+                        <a:defRPr>
+                          <a:solidFill>
+                            <a:srgbClr val="000000"/>
+                          </a:solidFill>
+                        </a:defRPr>
+                      </a:pPr>
+                      <a:r>
+                        <a:rPr>
+                          <a:solidFill>
+                            <a:srgbClr val="606060"/>
+                          </a:solidFill>
+                          <a:latin typeface="Arial Unicode MS"/>
+                          <a:ea typeface="Arial Unicode MS"/>
+                          <a:cs typeface="Arial Unicode MS"/>
+                          <a:sym typeface="Arial Unicode MS"/>
                         </a:rPr>
                         <a:t>400</a:t>
                       </a:r>
-                      <a:endParaRPr lang="en-US" sz="1800" b="0" i="0" u="none" strike="noStrike">
-                        <a:solidFill>
-                          <a:srgbClr val="000000"/>
-                        </a:solidFill>
-                        <a:effectLst/>
-                        <a:latin typeface="Arial Unicode MS" panose="020B0604020202020204" pitchFamily="34" charset="-128"/>
-                        <a:ea typeface="Arial Unicode MS" panose="020B0604020202020204" pitchFamily="34" charset="-128"/>
-                        <a:cs typeface="Arial Unicode MS" panose="020B0604020202020204" pitchFamily="34" charset="-128"/>
-                      </a:endParaRPr>
-                    </a:p>
-                  </a:txBody>
-                  <a:tcPr marL="9525" marR="9525" marT="9525" marB="0" anchor="ctr"/>
-                </a:tc>
-                <a:tc>
-                  <a:txBody>
-                    <a:bodyPr/>
-                    <a:lstStyle/>
-                    <a:p>
-                      <a:pPr algn="ctr" fontAlgn="b"/>
-                      <a:r>
-                        <a:rPr lang="en-US" sz="1800" b="0" i="0" u="none" strike="noStrike">
-                          <a:effectLst/>
-                          <a:latin typeface="Arial Unicode MS" panose="020B0604020202020204" pitchFamily="34" charset="-128"/>
-                          <a:ea typeface="Arial Unicode MS" panose="020B0604020202020204" pitchFamily="34" charset="-128"/>
-                          <a:cs typeface="Arial Unicode MS" panose="020B0604020202020204" pitchFamily="34" charset="-128"/>
+                    </a:p>
+                  </a:txBody>
+                  <a:tcPr marL="9525" marR="9525" marT="9525" marB="9525" anchor="ctr" horzOverflow="overflow"/>
+                </a:tc>
+                <a:tc>
+                  <a:txBody>
+                    <a:bodyPr/>
+                    <a:lstStyle/>
+                    <a:p>
+                      <a:pPr>
+                        <a:defRPr>
+                          <a:solidFill>
+                            <a:srgbClr val="000000"/>
+                          </a:solidFill>
+                        </a:defRPr>
+                      </a:pPr>
+                      <a:r>
+                        <a:rPr>
+                          <a:solidFill>
+                            <a:srgbClr val="606060"/>
+                          </a:solidFill>
+                          <a:latin typeface="Arial Unicode MS"/>
+                          <a:ea typeface="Arial Unicode MS"/>
+                          <a:cs typeface="Arial Unicode MS"/>
+                          <a:sym typeface="Arial Unicode MS"/>
                         </a:rPr>
                         <a:t>300</a:t>
                       </a:r>
-                      <a:endParaRPr lang="en-US" sz="1800" b="0" i="0" u="none" strike="noStrike">
-                        <a:solidFill>
-                          <a:srgbClr val="000000"/>
-                        </a:solidFill>
-                        <a:effectLst/>
-                        <a:latin typeface="Arial Unicode MS" panose="020B0604020202020204" pitchFamily="34" charset="-128"/>
-                        <a:ea typeface="Arial Unicode MS" panose="020B0604020202020204" pitchFamily="34" charset="-128"/>
-                        <a:cs typeface="Arial Unicode MS" panose="020B0604020202020204" pitchFamily="34" charset="-128"/>
-                      </a:endParaRPr>
-                    </a:p>
-                  </a:txBody>
-                  <a:tcPr marL="9525" marR="9525" marT="9525" marB="0" anchor="ctr"/>
-                </a:tc>
-                <a:tc>
-                  <a:txBody>
-                    <a:bodyPr/>
-                    <a:lstStyle/>
-                    <a:p>
-                      <a:pPr algn="ctr" fontAlgn="b"/>
-                      <a:r>
-                        <a:rPr lang="en-US" sz="1800" b="0" i="0" u="none" strike="noStrike" dirty="0">
-                          <a:effectLst/>
-                          <a:latin typeface="Arial Unicode MS" panose="020B0604020202020204" pitchFamily="34" charset="-128"/>
-                          <a:ea typeface="Arial Unicode MS" panose="020B0604020202020204" pitchFamily="34" charset="-128"/>
-                          <a:cs typeface="Arial Unicode MS" panose="020B0604020202020204" pitchFamily="34" charset="-128"/>
+                    </a:p>
+                  </a:txBody>
+                  <a:tcPr marL="9525" marR="9525" marT="9525" marB="9525" anchor="ctr" horzOverflow="overflow"/>
+                </a:tc>
+                <a:tc>
+                  <a:txBody>
+                    <a:bodyPr/>
+                    <a:lstStyle/>
+                    <a:p>
+                      <a:pPr>
+                        <a:defRPr>
+                          <a:solidFill>
+                            <a:srgbClr val="000000"/>
+                          </a:solidFill>
+                        </a:defRPr>
+                      </a:pPr>
+                      <a:r>
+                        <a:rPr>
+                          <a:solidFill>
+                            <a:srgbClr val="606060"/>
+                          </a:solidFill>
+                          <a:latin typeface="Arial Unicode MS"/>
+                          <a:ea typeface="Arial Unicode MS"/>
+                          <a:cs typeface="Arial Unicode MS"/>
+                          <a:sym typeface="Arial Unicode MS"/>
                         </a:rPr>
                         <a:t>111.20</a:t>
                       </a:r>
-                      <a:endParaRPr lang="en-US" sz="1800" b="0" i="0" u="none" strike="noStrike" dirty="0">
-                        <a:solidFill>
-                          <a:srgbClr val="000000"/>
-                        </a:solidFill>
-                        <a:effectLst/>
-                        <a:latin typeface="Arial Unicode MS" panose="020B0604020202020204" pitchFamily="34" charset="-128"/>
-                        <a:ea typeface="Arial Unicode MS" panose="020B0604020202020204" pitchFamily="34" charset="-128"/>
-                        <a:cs typeface="Arial Unicode MS" panose="020B0604020202020204" pitchFamily="34" charset="-128"/>
-                      </a:endParaRPr>
-                    </a:p>
-                  </a:txBody>
-                  <a:tcPr marL="9525" marR="9525" marT="9525" marB="0" anchor="ctr"/>
-                </a:tc>
-                <a:tc>
-                  <a:txBody>
-                    <a:bodyPr/>
-                    <a:lstStyle/>
-                    <a:p>
-                      <a:pPr algn="ctr" fontAlgn="b"/>
-                      <a:r>
-                        <a:rPr lang="en-US" sz="1800" b="0" i="0" u="none" strike="noStrike" dirty="0">
-                          <a:effectLst/>
-                          <a:latin typeface="Arial Unicode MS" panose="020B0604020202020204" pitchFamily="34" charset="-128"/>
-                          <a:ea typeface="Arial Unicode MS" panose="020B0604020202020204" pitchFamily="34" charset="-128"/>
-                          <a:cs typeface="Arial Unicode MS" panose="020B0604020202020204" pitchFamily="34" charset="-128"/>
+                    </a:p>
+                  </a:txBody>
+                  <a:tcPr marL="9525" marR="9525" marT="9525" marB="9525" anchor="ctr" horzOverflow="overflow"/>
+                </a:tc>
+                <a:tc>
+                  <a:txBody>
+                    <a:bodyPr/>
+                    <a:lstStyle/>
+                    <a:p>
+                      <a:pPr>
+                        <a:defRPr>
+                          <a:solidFill>
+                            <a:srgbClr val="000000"/>
+                          </a:solidFill>
+                        </a:defRPr>
+                      </a:pPr>
+                      <a:r>
+                        <a:rPr>
+                          <a:solidFill>
+                            <a:srgbClr val="606060"/>
+                          </a:solidFill>
+                          <a:latin typeface="Arial Unicode MS"/>
+                          <a:ea typeface="Arial Unicode MS"/>
+                          <a:cs typeface="Arial Unicode MS"/>
+                          <a:sym typeface="Arial Unicode MS"/>
                         </a:rPr>
                         <a:t>1942.71</a:t>
                       </a:r>
-                      <a:endParaRPr lang="en-US" sz="1800" b="0" i="0" u="none" strike="noStrike" dirty="0">
-                        <a:solidFill>
-                          <a:srgbClr val="000000"/>
-                        </a:solidFill>
-                        <a:effectLst/>
-                        <a:latin typeface="Arial Unicode MS" panose="020B0604020202020204" pitchFamily="34" charset="-128"/>
-                        <a:ea typeface="Arial Unicode MS" panose="020B0604020202020204" pitchFamily="34" charset="-128"/>
-                        <a:cs typeface="Arial Unicode MS" panose="020B0604020202020204" pitchFamily="34" charset="-128"/>
-                      </a:endParaRPr>
-                    </a:p>
-                  </a:txBody>
-                  <a:tcPr marL="9525" marR="9525" marT="9525" marB="0" anchor="ctr"/>
+                    </a:p>
+                  </a:txBody>
+                  <a:tcPr marL="9525" marR="9525" marT="9525" marB="9525" anchor="ctr" horzOverflow="overflow"/>
                 </a:tc>
                 <a:extLst>
                   <a:ext uri="{0D108BD9-81ED-4DB2-BD59-A6C34878D82A}">
-                    <a16:rowId xmlns:a16="http://schemas.microsoft.com/office/drawing/2014/main" val="3981007298"/>
+                    <a16:rowId xmlns:a16="http://schemas.microsoft.com/office/drawing/2014/main" val="10021"/>
                   </a:ext>
                 </a:extLst>
               </a:tr>
@@ -8073,144 +7994,144 @@
                     <a:bodyPr/>
                     <a:lstStyle/>
                     <a:p>
-                      <a:pPr algn="ctr" fontAlgn="b"/>
-                      <a:r>
-                        <a:rPr lang="en-US" sz="1800" b="0" i="0" u="none" strike="noStrike">
-                          <a:effectLst/>
-                          <a:latin typeface="Arial Unicode MS" panose="020B0604020202020204" pitchFamily="34" charset="-128"/>
-                          <a:ea typeface="Arial Unicode MS" panose="020B0604020202020204" pitchFamily="34" charset="-128"/>
-                          <a:cs typeface="Arial Unicode MS" panose="020B0604020202020204" pitchFamily="34" charset="-128"/>
+                      <a:pPr>
+                        <a:defRPr>
+                          <a:solidFill>
+                            <a:srgbClr val="000000"/>
+                          </a:solidFill>
+                        </a:defRPr>
+                      </a:pPr>
+                      <a:r>
+                        <a:rPr>
+                          <a:solidFill>
+                            <a:srgbClr val="606060"/>
+                          </a:solidFill>
+                          <a:latin typeface="Arial Unicode MS"/>
+                          <a:ea typeface="Arial Unicode MS"/>
+                          <a:cs typeface="Arial Unicode MS"/>
+                          <a:sym typeface="Arial Unicode MS"/>
                         </a:rPr>
                         <a:t>160</a:t>
                       </a:r>
-                      <a:endParaRPr lang="en-US" sz="1800" b="0" i="0" u="none" strike="noStrike">
-                        <a:solidFill>
-                          <a:srgbClr val="000000"/>
-                        </a:solidFill>
-                        <a:effectLst/>
-                        <a:latin typeface="Arial Unicode MS" panose="020B0604020202020204" pitchFamily="34" charset="-128"/>
-                        <a:ea typeface="Arial Unicode MS" panose="020B0604020202020204" pitchFamily="34" charset="-128"/>
-                        <a:cs typeface="Arial Unicode MS" panose="020B0604020202020204" pitchFamily="34" charset="-128"/>
-                      </a:endParaRPr>
-                    </a:p>
-                  </a:txBody>
-                  <a:tcPr marL="9525" marR="9525" marT="9525" marB="0" anchor="ctr"/>
-                </a:tc>
-                <a:tc>
-                  <a:txBody>
-                    <a:bodyPr/>
-                    <a:lstStyle/>
-                    <a:p>
-                      <a:pPr algn="ctr" fontAlgn="b"/>
-                      <a:r>
-                        <a:rPr lang="en-US" sz="1800" b="0" i="0" u="none" strike="noStrike">
-                          <a:effectLst/>
-                          <a:latin typeface="Arial Unicode MS" panose="020B0604020202020204" pitchFamily="34" charset="-128"/>
-                          <a:ea typeface="Arial Unicode MS" panose="020B0604020202020204" pitchFamily="34" charset="-128"/>
-                          <a:cs typeface="Arial Unicode MS" panose="020B0604020202020204" pitchFamily="34" charset="-128"/>
+                    </a:p>
+                  </a:txBody>
+                  <a:tcPr marL="9525" marR="9525" marT="9525" marB="9525" anchor="ctr" horzOverflow="overflow"/>
+                </a:tc>
+                <a:tc>
+                  <a:txBody>
+                    <a:bodyPr/>
+                    <a:lstStyle/>
+                    <a:p>
+                      <a:pPr>
+                        <a:defRPr>
+                          <a:solidFill>
+                            <a:srgbClr val="000000"/>
+                          </a:solidFill>
+                        </a:defRPr>
+                      </a:pPr>
+                      <a:r>
+                        <a:rPr>
+                          <a:solidFill>
+                            <a:srgbClr val="606060"/>
+                          </a:solidFill>
+                          <a:latin typeface="Arial Unicode MS"/>
+                          <a:ea typeface="Arial Unicode MS"/>
+                          <a:cs typeface="Arial Unicode MS"/>
+                          <a:sym typeface="Arial Unicode MS"/>
                         </a:rPr>
                         <a:t>80</a:t>
                       </a:r>
-                      <a:endParaRPr lang="en-US" sz="1800" b="0" i="0" u="none" strike="noStrike">
-                        <a:solidFill>
-                          <a:srgbClr val="000000"/>
-                        </a:solidFill>
-                        <a:effectLst/>
-                        <a:latin typeface="Arial Unicode MS" panose="020B0604020202020204" pitchFamily="34" charset="-128"/>
-                        <a:ea typeface="Arial Unicode MS" panose="020B0604020202020204" pitchFamily="34" charset="-128"/>
-                        <a:cs typeface="Arial Unicode MS" panose="020B0604020202020204" pitchFamily="34" charset="-128"/>
-                      </a:endParaRPr>
-                    </a:p>
-                  </a:txBody>
-                  <a:tcPr marL="9525" marR="9525" marT="9525" marB="0" anchor="ctr"/>
-                </a:tc>
-                <a:tc>
-                  <a:txBody>
-                    <a:bodyPr/>
-                    <a:lstStyle/>
-                    <a:p>
-                      <a:pPr algn="ctr" fontAlgn="b"/>
-                      <a:r>
-                        <a:rPr lang="en-US" sz="1800" b="0" i="0" u="none" strike="noStrike">
-                          <a:effectLst/>
-                          <a:latin typeface="Arial Unicode MS" panose="020B0604020202020204" pitchFamily="34" charset="-128"/>
-                          <a:ea typeface="Arial Unicode MS" panose="020B0604020202020204" pitchFamily="34" charset="-128"/>
-                          <a:cs typeface="Arial Unicode MS" panose="020B0604020202020204" pitchFamily="34" charset="-128"/>
+                    </a:p>
+                  </a:txBody>
+                  <a:tcPr marL="9525" marR="9525" marT="9525" marB="9525" anchor="ctr" horzOverflow="overflow"/>
+                </a:tc>
+                <a:tc>
+                  <a:txBody>
+                    <a:bodyPr/>
+                    <a:lstStyle/>
+                    <a:p>
+                      <a:pPr>
+                        <a:defRPr>
+                          <a:solidFill>
+                            <a:srgbClr val="000000"/>
+                          </a:solidFill>
+                        </a:defRPr>
+                      </a:pPr>
+                      <a:r>
+                        <a:rPr>
+                          <a:solidFill>
+                            <a:srgbClr val="606060"/>
+                          </a:solidFill>
+                          <a:latin typeface="Arial Unicode MS"/>
+                          <a:ea typeface="Arial Unicode MS"/>
+                          <a:cs typeface="Arial Unicode MS"/>
+                          <a:sym typeface="Arial Unicode MS"/>
                         </a:rPr>
                         <a:t>300</a:t>
                       </a:r>
-                      <a:endParaRPr lang="en-US" sz="1800" b="0" i="0" u="none" strike="noStrike">
-                        <a:solidFill>
-                          <a:srgbClr val="000000"/>
-                        </a:solidFill>
-                        <a:effectLst/>
-                        <a:latin typeface="Arial Unicode MS" panose="020B0604020202020204" pitchFamily="34" charset="-128"/>
-                        <a:ea typeface="Arial Unicode MS" panose="020B0604020202020204" pitchFamily="34" charset="-128"/>
-                        <a:cs typeface="Arial Unicode MS" panose="020B0604020202020204" pitchFamily="34" charset="-128"/>
-                      </a:endParaRPr>
-                    </a:p>
-                  </a:txBody>
-                  <a:tcPr marL="9525" marR="9525" marT="9525" marB="0" anchor="ctr"/>
-                </a:tc>
-                <a:tc>
-                  <a:txBody>
-                    <a:bodyPr/>
-                    <a:lstStyle/>
-                    <a:p>
-                      <a:pPr algn="ctr" fontAlgn="b"/>
-                      <a:r>
-                        <a:rPr lang="en-US" sz="1800" b="0" i="0" u="none" strike="noStrike">
-                          <a:effectLst/>
-                          <a:latin typeface="Arial Unicode MS" panose="020B0604020202020204" pitchFamily="34" charset="-128"/>
-                          <a:ea typeface="Arial Unicode MS" panose="020B0604020202020204" pitchFamily="34" charset="-128"/>
-                          <a:cs typeface="Arial Unicode MS" panose="020B0604020202020204" pitchFamily="34" charset="-128"/>
+                    </a:p>
+                  </a:txBody>
+                  <a:tcPr marL="9525" marR="9525" marT="9525" marB="9525" anchor="ctr" horzOverflow="overflow"/>
+                </a:tc>
+                <a:tc>
+                  <a:txBody>
+                    <a:bodyPr/>
+                    <a:lstStyle/>
+                    <a:p>
+                      <a:pPr>
+                        <a:defRPr>
+                          <a:solidFill>
+                            <a:srgbClr val="000000"/>
+                          </a:solidFill>
+                        </a:defRPr>
+                      </a:pPr>
+                      <a:r>
+                        <a:rPr>
+                          <a:solidFill>
+                            <a:srgbClr val="606060"/>
+                          </a:solidFill>
+                          <a:latin typeface="Arial Unicode MS"/>
+                          <a:ea typeface="Arial Unicode MS"/>
+                          <a:cs typeface="Arial Unicode MS"/>
+                          <a:sym typeface="Arial Unicode MS"/>
                         </a:rPr>
                         <a:t>131.00</a:t>
                       </a:r>
-                      <a:endParaRPr lang="en-US" sz="1800" b="0" i="0" u="none" strike="noStrike">
-                        <a:solidFill>
-                          <a:srgbClr val="000000"/>
-                        </a:solidFill>
-                        <a:effectLst/>
-                        <a:latin typeface="Arial Unicode MS" panose="020B0604020202020204" pitchFamily="34" charset="-128"/>
-                        <a:ea typeface="Arial Unicode MS" panose="020B0604020202020204" pitchFamily="34" charset="-128"/>
-                        <a:cs typeface="Arial Unicode MS" panose="020B0604020202020204" pitchFamily="34" charset="-128"/>
-                      </a:endParaRPr>
-                    </a:p>
-                  </a:txBody>
-                  <a:tcPr marL="9525" marR="9525" marT="9525" marB="0" anchor="ctr"/>
-                </a:tc>
-                <a:tc>
-                  <a:txBody>
-                    <a:bodyPr/>
-                    <a:lstStyle/>
-                    <a:p>
-                      <a:pPr algn="ctr" fontAlgn="b"/>
-                      <a:r>
-                        <a:rPr lang="en-US" sz="1800" b="0" i="0" u="none" strike="noStrike" dirty="0">
-                          <a:effectLst/>
-                          <a:latin typeface="Arial Unicode MS" panose="020B0604020202020204" pitchFamily="34" charset="-128"/>
-                          <a:ea typeface="Arial Unicode MS" panose="020B0604020202020204" pitchFamily="34" charset="-128"/>
-                          <a:cs typeface="Arial Unicode MS" panose="020B0604020202020204" pitchFamily="34" charset="-128"/>
+                    </a:p>
+                  </a:txBody>
+                  <a:tcPr marL="9525" marR="9525" marT="9525" marB="9525" anchor="ctr" horzOverflow="overflow"/>
+                </a:tc>
+                <a:tc>
+                  <a:txBody>
+                    <a:bodyPr/>
+                    <a:lstStyle/>
+                    <a:p>
+                      <a:pPr>
+                        <a:defRPr>
+                          <a:solidFill>
+                            <a:srgbClr val="000000"/>
+                          </a:solidFill>
+                        </a:defRPr>
+                      </a:pPr>
+                      <a:r>
+                        <a:rPr>
+                          <a:solidFill>
+                            <a:srgbClr val="606060"/>
+                          </a:solidFill>
+                          <a:latin typeface="Arial Unicode MS"/>
+                          <a:ea typeface="Arial Unicode MS"/>
+                          <a:cs typeface="Arial Unicode MS"/>
+                          <a:sym typeface="Arial Unicode MS"/>
                         </a:rPr>
                         <a:t>794.97</a:t>
                       </a:r>
-                      <a:endParaRPr lang="en-US" sz="1800" b="0" i="0" u="none" strike="noStrike" dirty="0">
-                        <a:solidFill>
-                          <a:srgbClr val="000000"/>
-                        </a:solidFill>
-                        <a:effectLst/>
-                        <a:latin typeface="Arial Unicode MS" panose="020B0604020202020204" pitchFamily="34" charset="-128"/>
-                        <a:ea typeface="Arial Unicode MS" panose="020B0604020202020204" pitchFamily="34" charset="-128"/>
-                        <a:cs typeface="Arial Unicode MS" panose="020B0604020202020204" pitchFamily="34" charset="-128"/>
-                      </a:endParaRPr>
-                    </a:p>
-                  </a:txBody>
-                  <a:tcPr marL="9525" marR="9525" marT="9525" marB="0" anchor="ctr"/>
+                    </a:p>
+                  </a:txBody>
+                  <a:tcPr marL="9525" marR="9525" marT="9525" marB="9525" anchor="ctr" horzOverflow="overflow"/>
                 </a:tc>
                 <a:extLst>
                   <a:ext uri="{0D108BD9-81ED-4DB2-BD59-A6C34878D82A}">
-                    <a16:rowId xmlns:a16="http://schemas.microsoft.com/office/drawing/2014/main" val="2968291105"/>
+                    <a16:rowId xmlns:a16="http://schemas.microsoft.com/office/drawing/2014/main" val="10022"/>
                   </a:ext>
                 </a:extLst>
               </a:tr>
@@ -8220,144 +8141,144 @@
                     <a:bodyPr/>
                     <a:lstStyle/>
                     <a:p>
-                      <a:pPr algn="ctr" fontAlgn="b"/>
-                      <a:r>
-                        <a:rPr lang="en-US" sz="1800" b="0" i="0" u="none" strike="noStrike">
-                          <a:effectLst/>
-                          <a:latin typeface="Arial Unicode MS" panose="020B0604020202020204" pitchFamily="34" charset="-128"/>
-                          <a:ea typeface="Arial Unicode MS" panose="020B0604020202020204" pitchFamily="34" charset="-128"/>
-                          <a:cs typeface="Arial Unicode MS" panose="020B0604020202020204" pitchFamily="34" charset="-128"/>
+                      <a:pPr>
+                        <a:defRPr>
+                          <a:solidFill>
+                            <a:srgbClr val="000000"/>
+                          </a:solidFill>
+                        </a:defRPr>
+                      </a:pPr>
+                      <a:r>
+                        <a:rPr>
+                          <a:solidFill>
+                            <a:srgbClr val="606060"/>
+                          </a:solidFill>
+                          <a:latin typeface="Arial Unicode MS"/>
+                          <a:ea typeface="Arial Unicode MS"/>
+                          <a:cs typeface="Arial Unicode MS"/>
+                          <a:sym typeface="Arial Unicode MS"/>
                         </a:rPr>
                         <a:t>160</a:t>
                       </a:r>
-                      <a:endParaRPr lang="en-US" sz="1800" b="0" i="0" u="none" strike="noStrike">
-                        <a:solidFill>
-                          <a:srgbClr val="000000"/>
-                        </a:solidFill>
-                        <a:effectLst/>
-                        <a:latin typeface="Arial Unicode MS" panose="020B0604020202020204" pitchFamily="34" charset="-128"/>
-                        <a:ea typeface="Arial Unicode MS" panose="020B0604020202020204" pitchFamily="34" charset="-128"/>
-                        <a:cs typeface="Arial Unicode MS" panose="020B0604020202020204" pitchFamily="34" charset="-128"/>
-                      </a:endParaRPr>
-                    </a:p>
-                  </a:txBody>
-                  <a:tcPr marL="9525" marR="9525" marT="9525" marB="0" anchor="ctr"/>
-                </a:tc>
-                <a:tc>
-                  <a:txBody>
-                    <a:bodyPr/>
-                    <a:lstStyle/>
-                    <a:p>
-                      <a:pPr algn="ctr" fontAlgn="b"/>
-                      <a:r>
-                        <a:rPr lang="en-US" sz="1800" b="0" i="0" u="none" strike="noStrike">
-                          <a:effectLst/>
-                          <a:latin typeface="Arial Unicode MS" panose="020B0604020202020204" pitchFamily="34" charset="-128"/>
-                          <a:ea typeface="Arial Unicode MS" panose="020B0604020202020204" pitchFamily="34" charset="-128"/>
-                          <a:cs typeface="Arial Unicode MS" panose="020B0604020202020204" pitchFamily="34" charset="-128"/>
+                    </a:p>
+                  </a:txBody>
+                  <a:tcPr marL="9525" marR="9525" marT="9525" marB="9525" anchor="ctr" horzOverflow="overflow"/>
+                </a:tc>
+                <a:tc>
+                  <a:txBody>
+                    <a:bodyPr/>
+                    <a:lstStyle/>
+                    <a:p>
+                      <a:pPr>
+                        <a:defRPr>
+                          <a:solidFill>
+                            <a:srgbClr val="000000"/>
+                          </a:solidFill>
+                        </a:defRPr>
+                      </a:pPr>
+                      <a:r>
+                        <a:rPr>
+                          <a:solidFill>
+                            <a:srgbClr val="606060"/>
+                          </a:solidFill>
+                          <a:latin typeface="Arial Unicode MS"/>
+                          <a:ea typeface="Arial Unicode MS"/>
+                          <a:cs typeface="Arial Unicode MS"/>
+                          <a:sym typeface="Arial Unicode MS"/>
                         </a:rPr>
                         <a:t>120</a:t>
                       </a:r>
-                      <a:endParaRPr lang="en-US" sz="1800" b="0" i="0" u="none" strike="noStrike">
-                        <a:solidFill>
-                          <a:srgbClr val="000000"/>
-                        </a:solidFill>
-                        <a:effectLst/>
-                        <a:latin typeface="Arial Unicode MS" panose="020B0604020202020204" pitchFamily="34" charset="-128"/>
-                        <a:ea typeface="Arial Unicode MS" panose="020B0604020202020204" pitchFamily="34" charset="-128"/>
-                        <a:cs typeface="Arial Unicode MS" panose="020B0604020202020204" pitchFamily="34" charset="-128"/>
-                      </a:endParaRPr>
-                    </a:p>
-                  </a:txBody>
-                  <a:tcPr marL="9525" marR="9525" marT="9525" marB="0" anchor="ctr"/>
-                </a:tc>
-                <a:tc>
-                  <a:txBody>
-                    <a:bodyPr/>
-                    <a:lstStyle/>
-                    <a:p>
-                      <a:pPr algn="ctr" fontAlgn="b"/>
-                      <a:r>
-                        <a:rPr lang="en-US" sz="1800" b="0" i="0" u="none" strike="noStrike">
-                          <a:effectLst/>
-                          <a:latin typeface="Arial Unicode MS" panose="020B0604020202020204" pitchFamily="34" charset="-128"/>
-                          <a:ea typeface="Arial Unicode MS" panose="020B0604020202020204" pitchFamily="34" charset="-128"/>
-                          <a:cs typeface="Arial Unicode MS" panose="020B0604020202020204" pitchFamily="34" charset="-128"/>
+                    </a:p>
+                  </a:txBody>
+                  <a:tcPr marL="9525" marR="9525" marT="9525" marB="9525" anchor="ctr" horzOverflow="overflow"/>
+                </a:tc>
+                <a:tc>
+                  <a:txBody>
+                    <a:bodyPr/>
+                    <a:lstStyle/>
+                    <a:p>
+                      <a:pPr>
+                        <a:defRPr>
+                          <a:solidFill>
+                            <a:srgbClr val="000000"/>
+                          </a:solidFill>
+                        </a:defRPr>
+                      </a:pPr>
+                      <a:r>
+                        <a:rPr>
+                          <a:solidFill>
+                            <a:srgbClr val="606060"/>
+                          </a:solidFill>
+                          <a:latin typeface="Arial Unicode MS"/>
+                          <a:ea typeface="Arial Unicode MS"/>
+                          <a:cs typeface="Arial Unicode MS"/>
+                          <a:sym typeface="Arial Unicode MS"/>
                         </a:rPr>
                         <a:t>300</a:t>
                       </a:r>
-                      <a:endParaRPr lang="en-US" sz="1800" b="0" i="0" u="none" strike="noStrike">
-                        <a:solidFill>
-                          <a:srgbClr val="000000"/>
-                        </a:solidFill>
-                        <a:effectLst/>
-                        <a:latin typeface="Arial Unicode MS" panose="020B0604020202020204" pitchFamily="34" charset="-128"/>
-                        <a:ea typeface="Arial Unicode MS" panose="020B0604020202020204" pitchFamily="34" charset="-128"/>
-                        <a:cs typeface="Arial Unicode MS" panose="020B0604020202020204" pitchFamily="34" charset="-128"/>
-                      </a:endParaRPr>
-                    </a:p>
-                  </a:txBody>
-                  <a:tcPr marL="9525" marR="9525" marT="9525" marB="0" anchor="ctr"/>
-                </a:tc>
-                <a:tc>
-                  <a:txBody>
-                    <a:bodyPr/>
-                    <a:lstStyle/>
-                    <a:p>
-                      <a:pPr algn="ctr" fontAlgn="b"/>
-                      <a:r>
-                        <a:rPr lang="en-US" sz="1800" b="0" i="0" u="none" strike="noStrike" dirty="0">
-                          <a:effectLst/>
-                          <a:latin typeface="Arial Unicode MS" panose="020B0604020202020204" pitchFamily="34" charset="-128"/>
-                          <a:ea typeface="Arial Unicode MS" panose="020B0604020202020204" pitchFamily="34" charset="-128"/>
-                          <a:cs typeface="Arial Unicode MS" panose="020B0604020202020204" pitchFamily="34" charset="-128"/>
+                    </a:p>
+                  </a:txBody>
+                  <a:tcPr marL="9525" marR="9525" marT="9525" marB="9525" anchor="ctr" horzOverflow="overflow"/>
+                </a:tc>
+                <a:tc>
+                  <a:txBody>
+                    <a:bodyPr/>
+                    <a:lstStyle/>
+                    <a:p>
+                      <a:pPr>
+                        <a:defRPr>
+                          <a:solidFill>
+                            <a:srgbClr val="000000"/>
+                          </a:solidFill>
+                        </a:defRPr>
+                      </a:pPr>
+                      <a:r>
+                        <a:rPr>
+                          <a:solidFill>
+                            <a:srgbClr val="606060"/>
+                          </a:solidFill>
+                          <a:latin typeface="Arial Unicode MS"/>
+                          <a:ea typeface="Arial Unicode MS"/>
+                          <a:cs typeface="Arial Unicode MS"/>
+                          <a:sym typeface="Arial Unicode MS"/>
                         </a:rPr>
                         <a:t>128.40</a:t>
                       </a:r>
-                      <a:endParaRPr lang="en-US" sz="1800" b="0" i="0" u="none" strike="noStrike" dirty="0">
-                        <a:solidFill>
-                          <a:srgbClr val="000000"/>
-                        </a:solidFill>
-                        <a:effectLst/>
-                        <a:latin typeface="Arial Unicode MS" panose="020B0604020202020204" pitchFamily="34" charset="-128"/>
-                        <a:ea typeface="Arial Unicode MS" panose="020B0604020202020204" pitchFamily="34" charset="-128"/>
-                        <a:cs typeface="Arial Unicode MS" panose="020B0604020202020204" pitchFamily="34" charset="-128"/>
-                      </a:endParaRPr>
-                    </a:p>
-                  </a:txBody>
-                  <a:tcPr marL="9525" marR="9525" marT="9525" marB="0" anchor="ctr"/>
-                </a:tc>
-                <a:tc>
-                  <a:txBody>
-                    <a:bodyPr/>
-                    <a:lstStyle/>
-                    <a:p>
-                      <a:pPr algn="ctr" fontAlgn="b"/>
-                      <a:r>
-                        <a:rPr lang="en-US" sz="1800" b="0" i="0" u="none" strike="noStrike" dirty="0">
-                          <a:effectLst/>
-                          <a:latin typeface="Arial Unicode MS" panose="020B0604020202020204" pitchFamily="34" charset="-128"/>
-                          <a:ea typeface="Arial Unicode MS" panose="020B0604020202020204" pitchFamily="34" charset="-128"/>
-                          <a:cs typeface="Arial Unicode MS" panose="020B0604020202020204" pitchFamily="34" charset="-128"/>
+                    </a:p>
+                  </a:txBody>
+                  <a:tcPr marL="9525" marR="9525" marT="9525" marB="9525" anchor="ctr" horzOverflow="overflow"/>
+                </a:tc>
+                <a:tc>
+                  <a:txBody>
+                    <a:bodyPr/>
+                    <a:lstStyle/>
+                    <a:p>
+                      <a:pPr>
+                        <a:defRPr>
+                          <a:solidFill>
+                            <a:srgbClr val="000000"/>
+                          </a:solidFill>
+                        </a:defRPr>
+                      </a:pPr>
+                      <a:r>
+                        <a:rPr>
+                          <a:solidFill>
+                            <a:srgbClr val="606060"/>
+                          </a:solidFill>
+                          <a:latin typeface="Arial Unicode MS"/>
+                          <a:ea typeface="Arial Unicode MS"/>
+                          <a:cs typeface="Arial Unicode MS"/>
+                          <a:sym typeface="Arial Unicode MS"/>
                         </a:rPr>
                         <a:t>813.47</a:t>
                       </a:r>
-                      <a:endParaRPr lang="en-US" sz="1800" b="0" i="0" u="none" strike="noStrike" dirty="0">
-                        <a:solidFill>
-                          <a:srgbClr val="000000"/>
-                        </a:solidFill>
-                        <a:effectLst/>
-                        <a:latin typeface="Arial Unicode MS" panose="020B0604020202020204" pitchFamily="34" charset="-128"/>
-                        <a:ea typeface="Arial Unicode MS" panose="020B0604020202020204" pitchFamily="34" charset="-128"/>
-                        <a:cs typeface="Arial Unicode MS" panose="020B0604020202020204" pitchFamily="34" charset="-128"/>
-                      </a:endParaRPr>
-                    </a:p>
-                  </a:txBody>
-                  <a:tcPr marL="9525" marR="9525" marT="9525" marB="0" anchor="ctr"/>
+                    </a:p>
+                  </a:txBody>
+                  <a:tcPr marL="9525" marR="9525" marT="9525" marB="9525" anchor="ctr" horzOverflow="overflow"/>
                 </a:tc>
                 <a:extLst>
                   <a:ext uri="{0D108BD9-81ED-4DB2-BD59-A6C34878D82A}">
-                    <a16:rowId xmlns:a16="http://schemas.microsoft.com/office/drawing/2014/main" val="2079578885"/>
+                    <a16:rowId xmlns:a16="http://schemas.microsoft.com/office/drawing/2014/main" val="10023"/>
                   </a:ext>
                 </a:extLst>
               </a:tr>
@@ -8367,144 +8288,144 @@
                     <a:bodyPr/>
                     <a:lstStyle/>
                     <a:p>
-                      <a:pPr algn="ctr" fontAlgn="b"/>
-                      <a:r>
-                        <a:rPr lang="en-US" sz="1800" b="0" i="0" u="none" strike="noStrike">
-                          <a:effectLst/>
-                          <a:latin typeface="Arial Unicode MS" panose="020B0604020202020204" pitchFamily="34" charset="-128"/>
-                          <a:ea typeface="Arial Unicode MS" panose="020B0604020202020204" pitchFamily="34" charset="-128"/>
-                          <a:cs typeface="Arial Unicode MS" panose="020B0604020202020204" pitchFamily="34" charset="-128"/>
+                      <a:pPr>
+                        <a:defRPr>
+                          <a:solidFill>
+                            <a:srgbClr val="000000"/>
+                          </a:solidFill>
+                        </a:defRPr>
+                      </a:pPr>
+                      <a:r>
+                        <a:rPr>
+                          <a:solidFill>
+                            <a:srgbClr val="606060"/>
+                          </a:solidFill>
+                          <a:latin typeface="Arial Unicode MS"/>
+                          <a:ea typeface="Arial Unicode MS"/>
+                          <a:cs typeface="Arial Unicode MS"/>
+                          <a:sym typeface="Arial Unicode MS"/>
                         </a:rPr>
                         <a:t>160</a:t>
                       </a:r>
-                      <a:endParaRPr lang="en-US" sz="1800" b="0" i="0" u="none" strike="noStrike">
-                        <a:solidFill>
-                          <a:srgbClr val="000000"/>
-                        </a:solidFill>
-                        <a:effectLst/>
-                        <a:latin typeface="Arial Unicode MS" panose="020B0604020202020204" pitchFamily="34" charset="-128"/>
-                        <a:ea typeface="Arial Unicode MS" panose="020B0604020202020204" pitchFamily="34" charset="-128"/>
-                        <a:cs typeface="Arial Unicode MS" panose="020B0604020202020204" pitchFamily="34" charset="-128"/>
-                      </a:endParaRPr>
-                    </a:p>
-                  </a:txBody>
-                  <a:tcPr marL="9525" marR="9525" marT="9525" marB="0" anchor="ctr"/>
-                </a:tc>
-                <a:tc>
-                  <a:txBody>
-                    <a:bodyPr/>
-                    <a:lstStyle/>
-                    <a:p>
-                      <a:pPr algn="ctr" fontAlgn="b"/>
-                      <a:r>
-                        <a:rPr lang="en-US" sz="1800" b="0" i="0" u="none" strike="noStrike">
-                          <a:effectLst/>
-                          <a:latin typeface="Arial Unicode MS" panose="020B0604020202020204" pitchFamily="34" charset="-128"/>
-                          <a:ea typeface="Arial Unicode MS" panose="020B0604020202020204" pitchFamily="34" charset="-128"/>
-                          <a:cs typeface="Arial Unicode MS" panose="020B0604020202020204" pitchFamily="34" charset="-128"/>
+                    </a:p>
+                  </a:txBody>
+                  <a:tcPr marL="9525" marR="9525" marT="9525" marB="9525" anchor="ctr" horzOverflow="overflow"/>
+                </a:tc>
+                <a:tc>
+                  <a:txBody>
+                    <a:bodyPr/>
+                    <a:lstStyle/>
+                    <a:p>
+                      <a:pPr>
+                        <a:defRPr>
+                          <a:solidFill>
+                            <a:srgbClr val="000000"/>
+                          </a:solidFill>
+                        </a:defRPr>
+                      </a:pPr>
+                      <a:r>
+                        <a:rPr>
+                          <a:solidFill>
+                            <a:srgbClr val="606060"/>
+                          </a:solidFill>
+                          <a:latin typeface="Arial Unicode MS"/>
+                          <a:ea typeface="Arial Unicode MS"/>
+                          <a:cs typeface="Arial Unicode MS"/>
+                          <a:sym typeface="Arial Unicode MS"/>
                         </a:rPr>
                         <a:t>160</a:t>
                       </a:r>
-                      <a:endParaRPr lang="en-US" sz="1800" b="0" i="0" u="none" strike="noStrike">
-                        <a:solidFill>
-                          <a:srgbClr val="000000"/>
-                        </a:solidFill>
-                        <a:effectLst/>
-                        <a:latin typeface="Arial Unicode MS" panose="020B0604020202020204" pitchFamily="34" charset="-128"/>
-                        <a:ea typeface="Arial Unicode MS" panose="020B0604020202020204" pitchFamily="34" charset="-128"/>
-                        <a:cs typeface="Arial Unicode MS" panose="020B0604020202020204" pitchFamily="34" charset="-128"/>
-                      </a:endParaRPr>
-                    </a:p>
-                  </a:txBody>
-                  <a:tcPr marL="9525" marR="9525" marT="9525" marB="0" anchor="ctr"/>
-                </a:tc>
-                <a:tc>
-                  <a:txBody>
-                    <a:bodyPr/>
-                    <a:lstStyle/>
-                    <a:p>
-                      <a:pPr algn="ctr" fontAlgn="b"/>
-                      <a:r>
-                        <a:rPr lang="en-US" sz="1800" b="0" i="0" u="none" strike="noStrike">
-                          <a:effectLst/>
-                          <a:latin typeface="Arial Unicode MS" panose="020B0604020202020204" pitchFamily="34" charset="-128"/>
-                          <a:ea typeface="Arial Unicode MS" panose="020B0604020202020204" pitchFamily="34" charset="-128"/>
-                          <a:cs typeface="Arial Unicode MS" panose="020B0604020202020204" pitchFamily="34" charset="-128"/>
+                    </a:p>
+                  </a:txBody>
+                  <a:tcPr marL="9525" marR="9525" marT="9525" marB="9525" anchor="ctr" horzOverflow="overflow"/>
+                </a:tc>
+                <a:tc>
+                  <a:txBody>
+                    <a:bodyPr/>
+                    <a:lstStyle/>
+                    <a:p>
+                      <a:pPr>
+                        <a:defRPr>
+                          <a:solidFill>
+                            <a:srgbClr val="000000"/>
+                          </a:solidFill>
+                        </a:defRPr>
+                      </a:pPr>
+                      <a:r>
+                        <a:rPr>
+                          <a:solidFill>
+                            <a:srgbClr val="606060"/>
+                          </a:solidFill>
+                          <a:latin typeface="Arial Unicode MS"/>
+                          <a:ea typeface="Arial Unicode MS"/>
+                          <a:cs typeface="Arial Unicode MS"/>
+                          <a:sym typeface="Arial Unicode MS"/>
                         </a:rPr>
                         <a:t>300</a:t>
                       </a:r>
-                      <a:endParaRPr lang="en-US" sz="1800" b="0" i="0" u="none" strike="noStrike">
-                        <a:solidFill>
-                          <a:srgbClr val="000000"/>
-                        </a:solidFill>
-                        <a:effectLst/>
-                        <a:latin typeface="Arial Unicode MS" panose="020B0604020202020204" pitchFamily="34" charset="-128"/>
-                        <a:ea typeface="Arial Unicode MS" panose="020B0604020202020204" pitchFamily="34" charset="-128"/>
-                        <a:cs typeface="Arial Unicode MS" panose="020B0604020202020204" pitchFamily="34" charset="-128"/>
-                      </a:endParaRPr>
-                    </a:p>
-                  </a:txBody>
-                  <a:tcPr marL="9525" marR="9525" marT="9525" marB="0" anchor="ctr"/>
-                </a:tc>
-                <a:tc>
-                  <a:txBody>
-                    <a:bodyPr/>
-                    <a:lstStyle/>
-                    <a:p>
-                      <a:pPr algn="ctr" fontAlgn="b"/>
-                      <a:r>
-                        <a:rPr lang="en-US" sz="1800" b="0" i="0" u="none" strike="noStrike" dirty="0">
-                          <a:effectLst/>
-                          <a:latin typeface="Arial Unicode MS" panose="020B0604020202020204" pitchFamily="34" charset="-128"/>
-                          <a:ea typeface="Arial Unicode MS" panose="020B0604020202020204" pitchFamily="34" charset="-128"/>
-                          <a:cs typeface="Arial Unicode MS" panose="020B0604020202020204" pitchFamily="34" charset="-128"/>
+                    </a:p>
+                  </a:txBody>
+                  <a:tcPr marL="9525" marR="9525" marT="9525" marB="9525" anchor="ctr" horzOverflow="overflow"/>
+                </a:tc>
+                <a:tc>
+                  <a:txBody>
+                    <a:bodyPr/>
+                    <a:lstStyle/>
+                    <a:p>
+                      <a:pPr>
+                        <a:defRPr>
+                          <a:solidFill>
+                            <a:srgbClr val="000000"/>
+                          </a:solidFill>
+                        </a:defRPr>
+                      </a:pPr>
+                      <a:r>
+                        <a:rPr>
+                          <a:solidFill>
+                            <a:srgbClr val="606060"/>
+                          </a:solidFill>
+                          <a:latin typeface="Arial Unicode MS"/>
+                          <a:ea typeface="Arial Unicode MS"/>
+                          <a:cs typeface="Arial Unicode MS"/>
+                          <a:sym typeface="Arial Unicode MS"/>
                         </a:rPr>
                         <a:t>114.10</a:t>
                       </a:r>
-                      <a:endParaRPr lang="en-US" sz="1800" b="0" i="0" u="none" strike="noStrike" dirty="0">
-                        <a:solidFill>
-                          <a:srgbClr val="000000"/>
-                        </a:solidFill>
-                        <a:effectLst/>
-                        <a:latin typeface="Arial Unicode MS" panose="020B0604020202020204" pitchFamily="34" charset="-128"/>
-                        <a:ea typeface="Arial Unicode MS" panose="020B0604020202020204" pitchFamily="34" charset="-128"/>
-                        <a:cs typeface="Arial Unicode MS" panose="020B0604020202020204" pitchFamily="34" charset="-128"/>
-                      </a:endParaRPr>
-                    </a:p>
-                  </a:txBody>
-                  <a:tcPr marL="9525" marR="9525" marT="9525" marB="0" anchor="ctr"/>
-                </a:tc>
-                <a:tc>
-                  <a:txBody>
-                    <a:bodyPr/>
-                    <a:lstStyle/>
-                    <a:p>
-                      <a:pPr algn="ctr" fontAlgn="b"/>
-                      <a:r>
-                        <a:rPr lang="en-US" sz="1800" b="0" i="0" u="none" strike="noStrike" dirty="0">
-                          <a:effectLst/>
-                          <a:latin typeface="Arial Unicode MS" panose="020B0604020202020204" pitchFamily="34" charset="-128"/>
-                          <a:ea typeface="Arial Unicode MS" panose="020B0604020202020204" pitchFamily="34" charset="-128"/>
-                          <a:cs typeface="Arial Unicode MS" panose="020B0604020202020204" pitchFamily="34" charset="-128"/>
+                    </a:p>
+                  </a:txBody>
+                  <a:tcPr marL="9525" marR="9525" marT="9525" marB="9525" anchor="ctr" horzOverflow="overflow"/>
+                </a:tc>
+                <a:tc>
+                  <a:txBody>
+                    <a:bodyPr/>
+                    <a:lstStyle/>
+                    <a:p>
+                      <a:pPr>
+                        <a:defRPr>
+                          <a:solidFill>
+                            <a:srgbClr val="000000"/>
+                          </a:solidFill>
+                        </a:defRPr>
+                      </a:pPr>
+                      <a:r>
+                        <a:rPr>
+                          <a:solidFill>
+                            <a:srgbClr val="606060"/>
+                          </a:solidFill>
+                          <a:latin typeface="Arial Unicode MS"/>
+                          <a:ea typeface="Arial Unicode MS"/>
+                          <a:cs typeface="Arial Unicode MS"/>
+                          <a:sym typeface="Arial Unicode MS"/>
                         </a:rPr>
                         <a:t>915.37</a:t>
                       </a:r>
-                      <a:endParaRPr lang="en-US" sz="1800" b="0" i="0" u="none" strike="noStrike" dirty="0">
-                        <a:solidFill>
-                          <a:srgbClr val="000000"/>
-                        </a:solidFill>
-                        <a:effectLst/>
-                        <a:latin typeface="Arial Unicode MS" panose="020B0604020202020204" pitchFamily="34" charset="-128"/>
-                        <a:ea typeface="Arial Unicode MS" panose="020B0604020202020204" pitchFamily="34" charset="-128"/>
-                        <a:cs typeface="Arial Unicode MS" panose="020B0604020202020204" pitchFamily="34" charset="-128"/>
-                      </a:endParaRPr>
-                    </a:p>
-                  </a:txBody>
-                  <a:tcPr marL="9525" marR="9525" marT="9525" marB="0" anchor="ctr"/>
+                    </a:p>
+                  </a:txBody>
+                  <a:tcPr marL="9525" marR="9525" marT="9525" marB="9525" anchor="ctr" horzOverflow="overflow"/>
                 </a:tc>
                 <a:extLst>
                   <a:ext uri="{0D108BD9-81ED-4DB2-BD59-A6C34878D82A}">
-                    <a16:rowId xmlns:a16="http://schemas.microsoft.com/office/drawing/2014/main" val="1384562018"/>
+                    <a16:rowId xmlns:a16="http://schemas.microsoft.com/office/drawing/2014/main" val="10024"/>
                   </a:ext>
                 </a:extLst>
               </a:tr>
@@ -8514,144 +8435,144 @@
                     <a:bodyPr/>
                     <a:lstStyle/>
                     <a:p>
-                      <a:pPr algn="ctr" fontAlgn="b"/>
-                      <a:r>
-                        <a:rPr lang="en-US" sz="1800" b="0" i="0" u="none" strike="noStrike">
-                          <a:effectLst/>
-                          <a:latin typeface="Arial Unicode MS" panose="020B0604020202020204" pitchFamily="34" charset="-128"/>
-                          <a:ea typeface="Arial Unicode MS" panose="020B0604020202020204" pitchFamily="34" charset="-128"/>
-                          <a:cs typeface="Arial Unicode MS" panose="020B0604020202020204" pitchFamily="34" charset="-128"/>
+                      <a:pPr>
+                        <a:defRPr>
+                          <a:solidFill>
+                            <a:srgbClr val="000000"/>
+                          </a:solidFill>
+                        </a:defRPr>
+                      </a:pPr>
+                      <a:r>
+                        <a:rPr>
+                          <a:solidFill>
+                            <a:srgbClr val="606060"/>
+                          </a:solidFill>
+                          <a:latin typeface="Arial Unicode MS"/>
+                          <a:ea typeface="Arial Unicode MS"/>
+                          <a:cs typeface="Arial Unicode MS"/>
+                          <a:sym typeface="Arial Unicode MS"/>
                         </a:rPr>
                         <a:t>160</a:t>
                       </a:r>
-                      <a:endParaRPr lang="en-US" sz="1800" b="0" i="0" u="none" strike="noStrike">
-                        <a:solidFill>
-                          <a:srgbClr val="000000"/>
-                        </a:solidFill>
-                        <a:effectLst/>
-                        <a:latin typeface="Arial Unicode MS" panose="020B0604020202020204" pitchFamily="34" charset="-128"/>
-                        <a:ea typeface="Arial Unicode MS" panose="020B0604020202020204" pitchFamily="34" charset="-128"/>
-                        <a:cs typeface="Arial Unicode MS" panose="020B0604020202020204" pitchFamily="34" charset="-128"/>
-                      </a:endParaRPr>
-                    </a:p>
-                  </a:txBody>
-                  <a:tcPr marL="9525" marR="9525" marT="9525" marB="0" anchor="ctr"/>
-                </a:tc>
-                <a:tc>
-                  <a:txBody>
-                    <a:bodyPr/>
-                    <a:lstStyle/>
-                    <a:p>
-                      <a:pPr algn="ctr" fontAlgn="b"/>
-                      <a:r>
-                        <a:rPr lang="en-US" sz="1800" b="0" i="0" u="none" strike="noStrike">
-                          <a:effectLst/>
-                          <a:latin typeface="Arial Unicode MS" panose="020B0604020202020204" pitchFamily="34" charset="-128"/>
-                          <a:ea typeface="Arial Unicode MS" panose="020B0604020202020204" pitchFamily="34" charset="-128"/>
-                          <a:cs typeface="Arial Unicode MS" panose="020B0604020202020204" pitchFamily="34" charset="-128"/>
+                    </a:p>
+                  </a:txBody>
+                  <a:tcPr marL="9525" marR="9525" marT="9525" marB="9525" anchor="ctr" horzOverflow="overflow"/>
+                </a:tc>
+                <a:tc>
+                  <a:txBody>
+                    <a:bodyPr/>
+                    <a:lstStyle/>
+                    <a:p>
+                      <a:pPr>
+                        <a:defRPr>
+                          <a:solidFill>
+                            <a:srgbClr val="000000"/>
+                          </a:solidFill>
+                        </a:defRPr>
+                      </a:pPr>
+                      <a:r>
+                        <a:rPr>
+                          <a:solidFill>
+                            <a:srgbClr val="606060"/>
+                          </a:solidFill>
+                          <a:latin typeface="Arial Unicode MS"/>
+                          <a:ea typeface="Arial Unicode MS"/>
+                          <a:cs typeface="Arial Unicode MS"/>
+                          <a:sym typeface="Arial Unicode MS"/>
                         </a:rPr>
                         <a:t>240</a:t>
                       </a:r>
-                      <a:endParaRPr lang="en-US" sz="1800" b="0" i="0" u="none" strike="noStrike">
-                        <a:solidFill>
-                          <a:srgbClr val="000000"/>
-                        </a:solidFill>
-                        <a:effectLst/>
-                        <a:latin typeface="Arial Unicode MS" panose="020B0604020202020204" pitchFamily="34" charset="-128"/>
-                        <a:ea typeface="Arial Unicode MS" panose="020B0604020202020204" pitchFamily="34" charset="-128"/>
-                        <a:cs typeface="Arial Unicode MS" panose="020B0604020202020204" pitchFamily="34" charset="-128"/>
-                      </a:endParaRPr>
-                    </a:p>
-                  </a:txBody>
-                  <a:tcPr marL="9525" marR="9525" marT="9525" marB="0" anchor="ctr"/>
-                </a:tc>
-                <a:tc>
-                  <a:txBody>
-                    <a:bodyPr/>
-                    <a:lstStyle/>
-                    <a:p>
-                      <a:pPr algn="ctr" fontAlgn="b"/>
-                      <a:r>
-                        <a:rPr lang="en-US" sz="1800" b="0" i="0" u="none" strike="noStrike">
-                          <a:effectLst/>
-                          <a:latin typeface="Arial Unicode MS" panose="020B0604020202020204" pitchFamily="34" charset="-128"/>
-                          <a:ea typeface="Arial Unicode MS" panose="020B0604020202020204" pitchFamily="34" charset="-128"/>
-                          <a:cs typeface="Arial Unicode MS" panose="020B0604020202020204" pitchFamily="34" charset="-128"/>
+                    </a:p>
+                  </a:txBody>
+                  <a:tcPr marL="9525" marR="9525" marT="9525" marB="9525" anchor="ctr" horzOverflow="overflow"/>
+                </a:tc>
+                <a:tc>
+                  <a:txBody>
+                    <a:bodyPr/>
+                    <a:lstStyle/>
+                    <a:p>
+                      <a:pPr>
+                        <a:defRPr>
+                          <a:solidFill>
+                            <a:srgbClr val="000000"/>
+                          </a:solidFill>
+                        </a:defRPr>
+                      </a:pPr>
+                      <a:r>
+                        <a:rPr>
+                          <a:solidFill>
+                            <a:srgbClr val="606060"/>
+                          </a:solidFill>
+                          <a:latin typeface="Arial Unicode MS"/>
+                          <a:ea typeface="Arial Unicode MS"/>
+                          <a:cs typeface="Arial Unicode MS"/>
+                          <a:sym typeface="Arial Unicode MS"/>
                         </a:rPr>
                         <a:t>300</a:t>
                       </a:r>
-                      <a:endParaRPr lang="en-US" sz="1800" b="0" i="0" u="none" strike="noStrike">
-                        <a:solidFill>
-                          <a:srgbClr val="000000"/>
-                        </a:solidFill>
-                        <a:effectLst/>
-                        <a:latin typeface="Arial Unicode MS" panose="020B0604020202020204" pitchFamily="34" charset="-128"/>
-                        <a:ea typeface="Arial Unicode MS" panose="020B0604020202020204" pitchFamily="34" charset="-128"/>
-                        <a:cs typeface="Arial Unicode MS" panose="020B0604020202020204" pitchFamily="34" charset="-128"/>
-                      </a:endParaRPr>
-                    </a:p>
-                  </a:txBody>
-                  <a:tcPr marL="9525" marR="9525" marT="9525" marB="0" anchor="ctr"/>
-                </a:tc>
-                <a:tc>
-                  <a:txBody>
-                    <a:bodyPr/>
-                    <a:lstStyle/>
-                    <a:p>
-                      <a:pPr algn="ctr" fontAlgn="b"/>
-                      <a:r>
-                        <a:rPr lang="en-US" sz="1800" b="0" i="0" u="none" strike="noStrike" dirty="0">
-                          <a:effectLst/>
-                          <a:latin typeface="Arial Unicode MS" panose="020B0604020202020204" pitchFamily="34" charset="-128"/>
-                          <a:ea typeface="Arial Unicode MS" panose="020B0604020202020204" pitchFamily="34" charset="-128"/>
-                          <a:cs typeface="Arial Unicode MS" panose="020B0604020202020204" pitchFamily="34" charset="-128"/>
+                    </a:p>
+                  </a:txBody>
+                  <a:tcPr marL="9525" marR="9525" marT="9525" marB="9525" anchor="ctr" horzOverflow="overflow"/>
+                </a:tc>
+                <a:tc>
+                  <a:txBody>
+                    <a:bodyPr/>
+                    <a:lstStyle/>
+                    <a:p>
+                      <a:pPr>
+                        <a:defRPr>
+                          <a:solidFill>
+                            <a:srgbClr val="000000"/>
+                          </a:solidFill>
+                        </a:defRPr>
+                      </a:pPr>
+                      <a:r>
+                        <a:rPr>
+                          <a:solidFill>
+                            <a:srgbClr val="606060"/>
+                          </a:solidFill>
+                          <a:latin typeface="Arial Unicode MS"/>
+                          <a:ea typeface="Arial Unicode MS"/>
+                          <a:cs typeface="Arial Unicode MS"/>
+                          <a:sym typeface="Arial Unicode MS"/>
                         </a:rPr>
                         <a:t>142.50</a:t>
                       </a:r>
-                      <a:endParaRPr lang="en-US" sz="1800" b="0" i="0" u="none" strike="noStrike" dirty="0">
-                        <a:solidFill>
-                          <a:srgbClr val="000000"/>
-                        </a:solidFill>
-                        <a:effectLst/>
-                        <a:latin typeface="Arial Unicode MS" panose="020B0604020202020204" pitchFamily="34" charset="-128"/>
-                        <a:ea typeface="Arial Unicode MS" panose="020B0604020202020204" pitchFamily="34" charset="-128"/>
-                        <a:cs typeface="Arial Unicode MS" panose="020B0604020202020204" pitchFamily="34" charset="-128"/>
-                      </a:endParaRPr>
-                    </a:p>
-                  </a:txBody>
-                  <a:tcPr marL="9525" marR="9525" marT="9525" marB="0" anchor="ctr"/>
-                </a:tc>
-                <a:tc>
-                  <a:txBody>
-                    <a:bodyPr/>
-                    <a:lstStyle/>
-                    <a:p>
-                      <a:pPr algn="ctr" fontAlgn="b"/>
-                      <a:r>
-                        <a:rPr lang="en-US" sz="1800" b="0" i="0" u="none" strike="noStrike" dirty="0">
-                          <a:effectLst/>
-                          <a:latin typeface="Arial Unicode MS" panose="020B0604020202020204" pitchFamily="34" charset="-128"/>
-                          <a:ea typeface="Arial Unicode MS" panose="020B0604020202020204" pitchFamily="34" charset="-128"/>
-                          <a:cs typeface="Arial Unicode MS" panose="020B0604020202020204" pitchFamily="34" charset="-128"/>
+                    </a:p>
+                  </a:txBody>
+                  <a:tcPr marL="9525" marR="9525" marT="9525" marB="9525" anchor="ctr" horzOverflow="overflow"/>
+                </a:tc>
+                <a:tc>
+                  <a:txBody>
+                    <a:bodyPr/>
+                    <a:lstStyle/>
+                    <a:p>
+                      <a:pPr>
+                        <a:defRPr>
+                          <a:solidFill>
+                            <a:srgbClr val="000000"/>
+                          </a:solidFill>
+                        </a:defRPr>
+                      </a:pPr>
+                      <a:r>
+                        <a:rPr>
+                          <a:solidFill>
+                            <a:srgbClr val="606060"/>
+                          </a:solidFill>
+                          <a:latin typeface="Arial Unicode MS"/>
+                          <a:ea typeface="Arial Unicode MS"/>
+                          <a:cs typeface="Arial Unicode MS"/>
+                          <a:sym typeface="Arial Unicode MS"/>
                         </a:rPr>
                         <a:t>1119.61</a:t>
                       </a:r>
-                      <a:endParaRPr lang="en-US" sz="1800" b="0" i="0" u="none" strike="noStrike" dirty="0">
-                        <a:solidFill>
-                          <a:srgbClr val="000000"/>
-                        </a:solidFill>
-                        <a:effectLst/>
-                        <a:latin typeface="Arial Unicode MS" panose="020B0604020202020204" pitchFamily="34" charset="-128"/>
-                        <a:ea typeface="Arial Unicode MS" panose="020B0604020202020204" pitchFamily="34" charset="-128"/>
-                        <a:cs typeface="Arial Unicode MS" panose="020B0604020202020204" pitchFamily="34" charset="-128"/>
-                      </a:endParaRPr>
-                    </a:p>
-                  </a:txBody>
-                  <a:tcPr marL="9525" marR="9525" marT="9525" marB="0" anchor="ctr"/>
+                    </a:p>
+                  </a:txBody>
+                  <a:tcPr marL="9525" marR="9525" marT="9525" marB="9525" anchor="ctr" horzOverflow="overflow"/>
                 </a:tc>
                 <a:extLst>
                   <a:ext uri="{0D108BD9-81ED-4DB2-BD59-A6C34878D82A}">
-                    <a16:rowId xmlns:a16="http://schemas.microsoft.com/office/drawing/2014/main" val="1069963960"/>
+                    <a16:rowId xmlns:a16="http://schemas.microsoft.com/office/drawing/2014/main" val="10025"/>
                   </a:ext>
                 </a:extLst>
               </a:tr>
@@ -8661,144 +8582,144 @@
                     <a:bodyPr/>
                     <a:lstStyle/>
                     <a:p>
-                      <a:pPr algn="ctr" fontAlgn="b"/>
-                      <a:r>
-                        <a:rPr lang="en-US" sz="1800" b="0" i="0" u="none" strike="noStrike">
-                          <a:effectLst/>
-                          <a:latin typeface="Arial Unicode MS" panose="020B0604020202020204" pitchFamily="34" charset="-128"/>
-                          <a:ea typeface="Arial Unicode MS" panose="020B0604020202020204" pitchFamily="34" charset="-128"/>
-                          <a:cs typeface="Arial Unicode MS" panose="020B0604020202020204" pitchFamily="34" charset="-128"/>
+                      <a:pPr>
+                        <a:defRPr>
+                          <a:solidFill>
+                            <a:srgbClr val="000000"/>
+                          </a:solidFill>
+                        </a:defRPr>
+                      </a:pPr>
+                      <a:r>
+                        <a:rPr>
+                          <a:solidFill>
+                            <a:srgbClr val="606060"/>
+                          </a:solidFill>
+                          <a:latin typeface="Arial Unicode MS"/>
+                          <a:ea typeface="Arial Unicode MS"/>
+                          <a:cs typeface="Arial Unicode MS"/>
+                          <a:sym typeface="Arial Unicode MS"/>
                         </a:rPr>
                         <a:t>160</a:t>
                       </a:r>
-                      <a:endParaRPr lang="en-US" sz="1800" b="0" i="0" u="none" strike="noStrike">
-                        <a:solidFill>
-                          <a:srgbClr val="000000"/>
-                        </a:solidFill>
-                        <a:effectLst/>
-                        <a:latin typeface="Arial Unicode MS" panose="020B0604020202020204" pitchFamily="34" charset="-128"/>
-                        <a:ea typeface="Arial Unicode MS" panose="020B0604020202020204" pitchFamily="34" charset="-128"/>
-                        <a:cs typeface="Arial Unicode MS" panose="020B0604020202020204" pitchFamily="34" charset="-128"/>
-                      </a:endParaRPr>
-                    </a:p>
-                  </a:txBody>
-                  <a:tcPr marL="9525" marR="9525" marT="9525" marB="0" anchor="ctr"/>
-                </a:tc>
-                <a:tc>
-                  <a:txBody>
-                    <a:bodyPr/>
-                    <a:lstStyle/>
-                    <a:p>
-                      <a:pPr algn="ctr" fontAlgn="b"/>
-                      <a:r>
-                        <a:rPr lang="en-US" sz="1800" b="0" i="0" u="none" strike="noStrike">
-                          <a:effectLst/>
-                          <a:latin typeface="Arial Unicode MS" panose="020B0604020202020204" pitchFamily="34" charset="-128"/>
-                          <a:ea typeface="Arial Unicode MS" panose="020B0604020202020204" pitchFamily="34" charset="-128"/>
-                          <a:cs typeface="Arial Unicode MS" panose="020B0604020202020204" pitchFamily="34" charset="-128"/>
+                    </a:p>
+                  </a:txBody>
+                  <a:tcPr marL="9525" marR="9525" marT="9525" marB="9525" anchor="ctr" horzOverflow="overflow"/>
+                </a:tc>
+                <a:tc>
+                  <a:txBody>
+                    <a:bodyPr/>
+                    <a:lstStyle/>
+                    <a:p>
+                      <a:pPr>
+                        <a:defRPr>
+                          <a:solidFill>
+                            <a:srgbClr val="000000"/>
+                          </a:solidFill>
+                        </a:defRPr>
+                      </a:pPr>
+                      <a:r>
+                        <a:rPr>
+                          <a:solidFill>
+                            <a:srgbClr val="606060"/>
+                          </a:solidFill>
+                          <a:latin typeface="Arial Unicode MS"/>
+                          <a:ea typeface="Arial Unicode MS"/>
+                          <a:cs typeface="Arial Unicode MS"/>
+                          <a:sym typeface="Arial Unicode MS"/>
                         </a:rPr>
                         <a:t>320</a:t>
                       </a:r>
-                      <a:endParaRPr lang="en-US" sz="1800" b="0" i="0" u="none" strike="noStrike">
-                        <a:solidFill>
-                          <a:srgbClr val="000000"/>
-                        </a:solidFill>
-                        <a:effectLst/>
-                        <a:latin typeface="Arial Unicode MS" panose="020B0604020202020204" pitchFamily="34" charset="-128"/>
-                        <a:ea typeface="Arial Unicode MS" panose="020B0604020202020204" pitchFamily="34" charset="-128"/>
-                        <a:cs typeface="Arial Unicode MS" panose="020B0604020202020204" pitchFamily="34" charset="-128"/>
-                      </a:endParaRPr>
-                    </a:p>
-                  </a:txBody>
-                  <a:tcPr marL="9525" marR="9525" marT="9525" marB="0" anchor="ctr"/>
-                </a:tc>
-                <a:tc>
-                  <a:txBody>
-                    <a:bodyPr/>
-                    <a:lstStyle/>
-                    <a:p>
-                      <a:pPr algn="ctr" fontAlgn="b"/>
-                      <a:r>
-                        <a:rPr lang="en-US" sz="1800" b="0" i="0" u="none" strike="noStrike">
-                          <a:effectLst/>
-                          <a:latin typeface="Arial Unicode MS" panose="020B0604020202020204" pitchFamily="34" charset="-128"/>
-                          <a:ea typeface="Arial Unicode MS" panose="020B0604020202020204" pitchFamily="34" charset="-128"/>
-                          <a:cs typeface="Arial Unicode MS" panose="020B0604020202020204" pitchFamily="34" charset="-128"/>
+                    </a:p>
+                  </a:txBody>
+                  <a:tcPr marL="9525" marR="9525" marT="9525" marB="9525" anchor="ctr" horzOverflow="overflow"/>
+                </a:tc>
+                <a:tc>
+                  <a:txBody>
+                    <a:bodyPr/>
+                    <a:lstStyle/>
+                    <a:p>
+                      <a:pPr>
+                        <a:defRPr>
+                          <a:solidFill>
+                            <a:srgbClr val="000000"/>
+                          </a:solidFill>
+                        </a:defRPr>
+                      </a:pPr>
+                      <a:r>
+                        <a:rPr>
+                          <a:solidFill>
+                            <a:srgbClr val="606060"/>
+                          </a:solidFill>
+                          <a:latin typeface="Arial Unicode MS"/>
+                          <a:ea typeface="Arial Unicode MS"/>
+                          <a:cs typeface="Arial Unicode MS"/>
+                          <a:sym typeface="Arial Unicode MS"/>
                         </a:rPr>
                         <a:t>300</a:t>
                       </a:r>
-                      <a:endParaRPr lang="en-US" sz="1800" b="0" i="0" u="none" strike="noStrike">
-                        <a:solidFill>
-                          <a:srgbClr val="000000"/>
-                        </a:solidFill>
-                        <a:effectLst/>
-                        <a:latin typeface="Arial Unicode MS" panose="020B0604020202020204" pitchFamily="34" charset="-128"/>
-                        <a:ea typeface="Arial Unicode MS" panose="020B0604020202020204" pitchFamily="34" charset="-128"/>
-                        <a:cs typeface="Arial Unicode MS" panose="020B0604020202020204" pitchFamily="34" charset="-128"/>
-                      </a:endParaRPr>
-                    </a:p>
-                  </a:txBody>
-                  <a:tcPr marL="9525" marR="9525" marT="9525" marB="0" anchor="ctr"/>
-                </a:tc>
-                <a:tc>
-                  <a:txBody>
-                    <a:bodyPr/>
-                    <a:lstStyle/>
-                    <a:p>
-                      <a:pPr algn="ctr" fontAlgn="b"/>
-                      <a:r>
-                        <a:rPr lang="en-US" sz="1800" b="0" i="0" u="none" strike="noStrike">
-                          <a:effectLst/>
-                          <a:latin typeface="Arial Unicode MS" panose="020B0604020202020204" pitchFamily="34" charset="-128"/>
-                          <a:ea typeface="Arial Unicode MS" panose="020B0604020202020204" pitchFamily="34" charset="-128"/>
-                          <a:cs typeface="Arial Unicode MS" panose="020B0604020202020204" pitchFamily="34" charset="-128"/>
+                    </a:p>
+                  </a:txBody>
+                  <a:tcPr marL="9525" marR="9525" marT="9525" marB="9525" anchor="ctr" horzOverflow="overflow"/>
+                </a:tc>
+                <a:tc>
+                  <a:txBody>
+                    <a:bodyPr/>
+                    <a:lstStyle/>
+                    <a:p>
+                      <a:pPr>
+                        <a:defRPr>
+                          <a:solidFill>
+                            <a:srgbClr val="000000"/>
+                          </a:solidFill>
+                        </a:defRPr>
+                      </a:pPr>
+                      <a:r>
+                        <a:rPr>
+                          <a:solidFill>
+                            <a:srgbClr val="606060"/>
+                          </a:solidFill>
+                          <a:latin typeface="Arial Unicode MS"/>
+                          <a:ea typeface="Arial Unicode MS"/>
+                          <a:cs typeface="Arial Unicode MS"/>
+                          <a:sym typeface="Arial Unicode MS"/>
                         </a:rPr>
                         <a:t>108.80</a:t>
                       </a:r>
-                      <a:endParaRPr lang="en-US" sz="1800" b="0" i="0" u="none" strike="noStrike">
-                        <a:solidFill>
-                          <a:srgbClr val="000000"/>
-                        </a:solidFill>
-                        <a:effectLst/>
-                        <a:latin typeface="Arial Unicode MS" panose="020B0604020202020204" pitchFamily="34" charset="-128"/>
-                        <a:ea typeface="Arial Unicode MS" panose="020B0604020202020204" pitchFamily="34" charset="-128"/>
-                        <a:cs typeface="Arial Unicode MS" panose="020B0604020202020204" pitchFamily="34" charset="-128"/>
-                      </a:endParaRPr>
-                    </a:p>
-                  </a:txBody>
-                  <a:tcPr marL="9525" marR="9525" marT="9525" marB="0" anchor="ctr"/>
-                </a:tc>
-                <a:tc>
-                  <a:txBody>
-                    <a:bodyPr/>
-                    <a:lstStyle/>
-                    <a:p>
-                      <a:pPr algn="ctr" fontAlgn="b"/>
-                      <a:r>
-                        <a:rPr lang="en-US" sz="1800" b="0" i="0" u="none" strike="noStrike" dirty="0">
-                          <a:effectLst/>
-                          <a:latin typeface="Arial Unicode MS" panose="020B0604020202020204" pitchFamily="34" charset="-128"/>
-                          <a:ea typeface="Arial Unicode MS" panose="020B0604020202020204" pitchFamily="34" charset="-128"/>
-                          <a:cs typeface="Arial Unicode MS" panose="020B0604020202020204" pitchFamily="34" charset="-128"/>
+                    </a:p>
+                  </a:txBody>
+                  <a:tcPr marL="9525" marR="9525" marT="9525" marB="9525" anchor="ctr" horzOverflow="overflow"/>
+                </a:tc>
+                <a:tc>
+                  <a:txBody>
+                    <a:bodyPr/>
+                    <a:lstStyle/>
+                    <a:p>
+                      <a:pPr>
+                        <a:defRPr>
+                          <a:solidFill>
+                            <a:srgbClr val="000000"/>
+                          </a:solidFill>
+                        </a:defRPr>
+                      </a:pPr>
+                      <a:r>
+                        <a:rPr>
+                          <a:solidFill>
+                            <a:srgbClr val="606060"/>
+                          </a:solidFill>
+                          <a:latin typeface="Arial Unicode MS"/>
+                          <a:ea typeface="Arial Unicode MS"/>
+                          <a:cs typeface="Arial Unicode MS"/>
+                          <a:sym typeface="Arial Unicode MS"/>
                         </a:rPr>
                         <a:t>1060.62</a:t>
                       </a:r>
-                      <a:endParaRPr lang="en-US" sz="1800" b="0" i="0" u="none" strike="noStrike" dirty="0">
-                        <a:solidFill>
-                          <a:srgbClr val="000000"/>
-                        </a:solidFill>
-                        <a:effectLst/>
-                        <a:latin typeface="Arial Unicode MS" panose="020B0604020202020204" pitchFamily="34" charset="-128"/>
-                        <a:ea typeface="Arial Unicode MS" panose="020B0604020202020204" pitchFamily="34" charset="-128"/>
-                        <a:cs typeface="Arial Unicode MS" panose="020B0604020202020204" pitchFamily="34" charset="-128"/>
-                      </a:endParaRPr>
-                    </a:p>
-                  </a:txBody>
-                  <a:tcPr marL="9525" marR="9525" marT="9525" marB="0" anchor="ctr"/>
+                    </a:p>
+                  </a:txBody>
+                  <a:tcPr marL="9525" marR="9525" marT="9525" marB="9525" anchor="ctr" horzOverflow="overflow"/>
                 </a:tc>
                 <a:extLst>
                   <a:ext uri="{0D108BD9-81ED-4DB2-BD59-A6C34878D82A}">
-                    <a16:rowId xmlns:a16="http://schemas.microsoft.com/office/drawing/2014/main" val="1176187506"/>
+                    <a16:rowId xmlns:a16="http://schemas.microsoft.com/office/drawing/2014/main" val="10026"/>
                   </a:ext>
                 </a:extLst>
               </a:tr>
@@ -8834,7 +8755,7 @@
       </p:grpSpPr>
       <p:sp>
         <p:nvSpPr>
-          <p:cNvPr id="157" name="conclusions"/>
+          <p:cNvPr id="160" name="conclusions"/>
           <p:cNvSpPr txBox="1">
             <a:spLocks noGrp="1"/>
           </p:cNvSpPr>
@@ -8859,7 +8780,7 @@
       </p:sp>
       <p:sp>
         <p:nvSpPr>
-          <p:cNvPr id="158" name="As the same amount of servers, the convergent generation has positive correlation with the amount of servers.…"/>
+          <p:cNvPr id="161" name="As the same amount of servers, the convergent generation has positive correlation with the amount of servers.…"/>
           <p:cNvSpPr txBox="1">
             <a:spLocks noGrp="1"/>
           </p:cNvSpPr>
@@ -8873,12 +8794,13 @@
           </a:prstGeom>
         </p:spPr>
         <p:txBody>
-          <a:bodyPr>
-            <a:normAutofit lnSpcReduction="10000"/>
-          </a:bodyPr>
+          <a:bodyPr/>
           <a:lstStyle/>
           <a:p>
             <a:pPr>
+              <a:lnSpc>
+                <a:spcPct val="90000"/>
+              </a:lnSpc>
               <a:buBlip>
                 <a:blip r:embed="rId2"/>
               </a:buBlip>
@@ -8904,6 +8826,9 @@
           </a:p>
           <a:p>
             <a:pPr>
+              <a:lnSpc>
+                <a:spcPct val="90000"/>
+              </a:lnSpc>
               <a:buBlip>
                 <a:blip r:embed="rId2"/>
               </a:buBlip>
@@ -8929,6 +8854,9 @@
           </a:p>
           <a:p>
             <a:pPr>
+              <a:lnSpc>
+                <a:spcPct val="90000"/>
+              </a:lnSpc>
               <a:buBlip>
                 <a:blip r:embed="rId2"/>
               </a:buBlip>
@@ -8940,6 +8868,9 @@
           </a:p>
           <a:p>
             <a:pPr>
+              <a:lnSpc>
+                <a:spcPct val="90000"/>
+              </a:lnSpc>
               <a:buBlip>
                 <a:blip r:embed="rId2"/>
               </a:buBlip>
@@ -8968,13 +8899,13 @@
         <a:srgbClr val="606060"/>
       </a:dk1>
       <a:lt1>
-        <a:srgbClr val="006060"/>
+        <a:srgbClr val="FFFFFF"/>
       </a:lt1>
       <a:dk2>
-        <a:srgbClr val="5B5854"/>
+        <a:srgbClr val="A7A7A7"/>
       </a:dk2>
       <a:lt2>
-        <a:srgbClr val="C9C3BA"/>
+        <a:srgbClr val="535353"/>
       </a:lt2>
       <a:accent1>
         <a:srgbClr val="708CA5"/>
@@ -9003,14 +8934,14 @@
     </a:clrScheme>
     <a:fontScheme name="New_Template3">
       <a:majorFont>
-        <a:latin typeface="Gill Sans Light"/>
-        <a:ea typeface="Gill Sans Light"/>
-        <a:cs typeface="Gill Sans Light"/>
+        <a:latin typeface="Helvetica"/>
+        <a:ea typeface="Helvetica"/>
+        <a:cs typeface="Helvetica"/>
       </a:majorFont>
       <a:minorFont>
-        <a:latin typeface="Gill Sans"/>
-        <a:ea typeface="Gill Sans"/>
-        <a:cs typeface="Gill Sans"/>
+        <a:latin typeface="Helvetica Neue"/>
+        <a:ea typeface="Helvetica Neue"/>
+        <a:cs typeface="Helvetica Neue"/>
       </a:minorFont>
     </a:fontScheme>
     <a:fmtScheme name="New_Template3">
@@ -9089,22 +9020,10 @@
           <a:effectLst/>
         </a:effectStyle>
         <a:effectStyle>
-          <a:effectLst>
-            <a:outerShdw blurRad="50800" dist="25400" dir="5400000" rotWithShape="0">
-              <a:srgbClr val="000000">
-                <a:alpha val="60000"/>
-              </a:srgbClr>
-            </a:outerShdw>
-          </a:effectLst>
+          <a:effectLst/>
         </a:effectStyle>
         <a:effectStyle>
-          <a:effectLst>
-            <a:outerShdw blurRad="50800" dist="25400" dir="5400000" rotWithShape="0">
-              <a:srgbClr val="000000">
-                <a:alpha val="60000"/>
-              </a:srgbClr>
-            </a:outerShdw>
-          </a:effectLst>
+          <a:effectLst/>
         </a:effectStyle>
       </a:effectStyleLst>
       <a:bgFillStyleLst>
@@ -9162,14 +9081,15 @@
   <a:objectDefaults>
     <a:spDef>
       <a:spPr>
-        <a:blipFill rotWithShape="1">
-          <a:blip xmlns:r="http://schemas.openxmlformats.org/officeDocument/2006/relationships" r:embed="rId1"/>
-          <a:srcRect/>
-          <a:tile tx="0" ty="0" sx="100000" sy="100000" flip="none" algn="tl"/>
-        </a:blipFill>
-        <a:ln w="12700" cap="flat">
-          <a:noFill/>
-          <a:miter lim="400000"/>
+        <a:solidFill>
+          <a:srgbClr val="006060"/>
+        </a:solidFill>
+        <a:ln w="25400" cap="flat">
+          <a:solidFill>
+            <a:schemeClr val="accent1"/>
+          </a:solidFill>
+          <a:prstDash val="solid"/>
+          <a:round/>
         </a:ln>
         <a:effectLst/>
         <a:sp3d/>
@@ -9193,24 +9113,18 @@
           <a:buFontTx/>
           <a:buNone/>
           <a:tabLst/>
-          <a:defRPr kumimoji="0" sz="3000" b="0" i="0" u="none" strike="noStrike" cap="none" spc="0" normalizeH="0" baseline="0">
+          <a:defRPr kumimoji="0" sz="3600" b="0" i="0" u="none" strike="noStrike" cap="none" spc="0" normalizeH="0" baseline="0">
             <a:ln>
               <a:noFill/>
             </a:ln>
             <a:solidFill>
-              <a:srgbClr val="FFFFFF"/>
+              <a:srgbClr val="606060"/>
             </a:solidFill>
-            <a:effectLst>
-              <a:outerShdw blurRad="25400" dist="12700" dir="5400000" rotWithShape="0">
-                <a:srgbClr val="000000">
-                  <a:alpha val="50000"/>
-                </a:srgbClr>
-              </a:outerShdw>
-            </a:effectLst>
+            <a:effectLst/>
             <a:uFillTx/>
-            <a:latin typeface="+mn-lt"/>
-            <a:ea typeface="+mn-ea"/>
-            <a:cs typeface="+mn-cs"/>
+            <a:latin typeface="Gill Sans"/>
+            <a:ea typeface="Gill Sans"/>
+            <a:cs typeface="Gill Sans"/>
             <a:sym typeface="Gill Sans"/>
           </a:defRPr>
         </a:defPPr>
@@ -9465,12 +9379,12 @@
     <a:lnDef>
       <a:spPr>
         <a:noFill/>
-        <a:ln w="38100" cap="flat">
+        <a:ln w="25400" cap="flat">
           <a:solidFill>
-            <a:srgbClr val="6F6A5A"/>
+            <a:schemeClr val="accent1"/>
           </a:solidFill>
           <a:prstDash val="solid"/>
-          <a:miter lim="400000"/>
+          <a:round/>
         </a:ln>
         <a:effectLst/>
         <a:sp3d/>
@@ -9791,9 +9705,9 @@
             </a:solidFill>
             <a:effectLst/>
             <a:uFillTx/>
-            <a:latin typeface="+mn-lt"/>
-            <a:ea typeface="+mn-ea"/>
-            <a:cs typeface="+mn-cs"/>
+            <a:latin typeface="Gill Sans"/>
+            <a:ea typeface="Gill Sans"/>
+            <a:cs typeface="Gill Sans"/>
             <a:sym typeface="Gill Sans"/>
           </a:defRPr>
         </a:defPPr>
@@ -10061,10 +9975,10 @@
         <a:srgbClr val="FFFFFF"/>
       </a:lt1>
       <a:dk2>
-        <a:srgbClr val="5B5854"/>
+        <a:srgbClr val="A7A7A7"/>
       </a:dk2>
       <a:lt2>
-        <a:srgbClr val="C9C3BA"/>
+        <a:srgbClr val="535353"/>
       </a:lt2>
       <a:accent1>
         <a:srgbClr val="708CA5"/>
@@ -10093,14 +10007,14 @@
     </a:clrScheme>
     <a:fontScheme name="New_Template3">
       <a:majorFont>
-        <a:latin typeface="Gill Sans Light"/>
-        <a:ea typeface="Gill Sans Light"/>
-        <a:cs typeface="Gill Sans Light"/>
+        <a:latin typeface="Helvetica"/>
+        <a:ea typeface="Helvetica"/>
+        <a:cs typeface="Helvetica"/>
       </a:majorFont>
       <a:minorFont>
-        <a:latin typeface="Gill Sans"/>
-        <a:ea typeface="Gill Sans"/>
-        <a:cs typeface="Gill Sans"/>
+        <a:latin typeface="Helvetica Neue"/>
+        <a:ea typeface="Helvetica Neue"/>
+        <a:cs typeface="Helvetica Neue"/>
       </a:minorFont>
     </a:fontScheme>
     <a:fmtScheme name="New_Template3">
@@ -10179,22 +10093,10 @@
           <a:effectLst/>
         </a:effectStyle>
         <a:effectStyle>
-          <a:effectLst>
-            <a:outerShdw blurRad="50800" dist="25400" dir="5400000" rotWithShape="0">
-              <a:srgbClr val="000000">
-                <a:alpha val="60000"/>
-              </a:srgbClr>
-            </a:outerShdw>
-          </a:effectLst>
+          <a:effectLst/>
         </a:effectStyle>
         <a:effectStyle>
-          <a:effectLst>
-            <a:outerShdw blurRad="50800" dist="25400" dir="5400000" rotWithShape="0">
-              <a:srgbClr val="000000">
-                <a:alpha val="60000"/>
-              </a:srgbClr>
-            </a:outerShdw>
-          </a:effectLst>
+          <a:effectLst/>
         </a:effectStyle>
       </a:effectStyleLst>
       <a:bgFillStyleLst>
@@ -10252,14 +10154,15 @@
   <a:objectDefaults>
     <a:spDef>
       <a:spPr>
-        <a:blipFill rotWithShape="1">
-          <a:blip xmlns:r="http://schemas.openxmlformats.org/officeDocument/2006/relationships" r:embed="rId1"/>
-          <a:srcRect/>
-          <a:tile tx="0" ty="0" sx="100000" sy="100000" flip="none" algn="tl"/>
-        </a:blipFill>
-        <a:ln w="12700" cap="flat">
-          <a:noFill/>
-          <a:miter lim="400000"/>
+        <a:solidFill>
+          <a:srgbClr val="006060"/>
+        </a:solidFill>
+        <a:ln w="25400" cap="flat">
+          <a:solidFill>
+            <a:schemeClr val="accent1"/>
+          </a:solidFill>
+          <a:prstDash val="solid"/>
+          <a:round/>
         </a:ln>
         <a:effectLst/>
         <a:sp3d/>
@@ -10283,24 +10186,18 @@
           <a:buFontTx/>
           <a:buNone/>
           <a:tabLst/>
-          <a:defRPr kumimoji="0" sz="3000" b="0" i="0" u="none" strike="noStrike" cap="none" spc="0" normalizeH="0" baseline="0">
+          <a:defRPr kumimoji="0" sz="3600" b="0" i="0" u="none" strike="noStrike" cap="none" spc="0" normalizeH="0" baseline="0">
             <a:ln>
               <a:noFill/>
             </a:ln>
             <a:solidFill>
-              <a:srgbClr val="FFFFFF"/>
+              <a:srgbClr val="606060"/>
             </a:solidFill>
-            <a:effectLst>
-              <a:outerShdw blurRad="25400" dist="12700" dir="5400000" rotWithShape="0">
-                <a:srgbClr val="000000">
-                  <a:alpha val="50000"/>
-                </a:srgbClr>
-              </a:outerShdw>
-            </a:effectLst>
+            <a:effectLst/>
             <a:uFillTx/>
-            <a:latin typeface="+mn-lt"/>
-            <a:ea typeface="+mn-ea"/>
-            <a:cs typeface="+mn-cs"/>
+            <a:latin typeface="Gill Sans"/>
+            <a:ea typeface="Gill Sans"/>
+            <a:cs typeface="Gill Sans"/>
             <a:sym typeface="Gill Sans"/>
           </a:defRPr>
         </a:defPPr>
@@ -10555,12 +10452,12 @@
     <a:lnDef>
       <a:spPr>
         <a:noFill/>
-        <a:ln w="38100" cap="flat">
+        <a:ln w="25400" cap="flat">
           <a:solidFill>
-            <a:srgbClr val="6F6A5A"/>
+            <a:schemeClr val="accent1"/>
           </a:solidFill>
           <a:prstDash val="solid"/>
-          <a:miter lim="400000"/>
+          <a:round/>
         </a:ln>
         <a:effectLst/>
         <a:sp3d/>
@@ -10881,9 +10778,9 @@
             </a:solidFill>
             <a:effectLst/>
             <a:uFillTx/>
-            <a:latin typeface="+mn-lt"/>
-            <a:ea typeface="+mn-ea"/>
-            <a:cs typeface="+mn-cs"/>
+            <a:latin typeface="Gill Sans"/>
+            <a:ea typeface="Gill Sans"/>
+            <a:cs typeface="Gill Sans"/>
             <a:sym typeface="Gill Sans"/>
           </a:defRPr>
         </a:defPPr>
